--- a/powerpoints/ITU Academy Slides AM4-10.pptx
+++ b/powerpoints/ITU Academy Slides AM4-10.pptx
@@ -11,6 +11,15 @@
     <p:sldId id="256" r:id="rId8"/>
     <p:sldId id="257" r:id="rId9"/>
     <p:sldId id="258" r:id="rId10"/>
+    <p:sldId id="259" r:id="rId11"/>
+    <p:sldId id="260" r:id="rId12"/>
+    <p:sldId id="261" r:id="rId13"/>
+    <p:sldId id="262" r:id="rId14"/>
+    <p:sldId id="263" r:id="rId15"/>
+    <p:sldId id="264" r:id="rId16"/>
+    <p:sldId id="265" r:id="rId17"/>
+    <p:sldId id="266" r:id="rId18"/>
+    <p:sldId id="267" r:id="rId19"/>
   </p:sldIdLst>
   <p:sldSz cx="9144000" cy="6858000"/>
   <p:notesSz cx="6858000" cy="9144000"/>
@@ -3205,6 +3214,902 @@
 </p:sld>
 </file>
 
+<file path=ppt/slides/slide10.xml><?xml version="1.0" encoding="utf-8"?>
+<p:sld xmlns:a="http://schemas.openxmlformats.org/drawingml/2006/main" xmlns:r="http://schemas.openxmlformats.org/officeDocument/2006/relationships" xmlns:p="http://schemas.openxmlformats.org/presentationml/2006/main" showMasterSp="1" showMasterPhAnim="1">
+  <p:cSld>
+    <p:spTree>
+      <p:nvGrpSpPr>
+        <p:cNvPr id="1" name=""/>
+        <p:cNvGrpSpPr/>
+        <p:nvPr/>
+      </p:nvGrpSpPr>
+      <p:grpSpPr>
+        <a:xfrm>
+          <a:off x="0" y="0"/>
+          <a:ext cx="0" cy="0"/>
+          <a:chOff x="0" y="0"/>
+          <a:chExt cx="0" cy="0"/>
+        </a:xfrm>
+      </p:grpSpPr>
+      <p:sp>
+        <p:nvSpPr>
+          <p:cNvPr id="149" name="Evaluate the classifier on data"/>
+          <p:cNvSpPr txBox="1"/>
+          <p:nvPr>
+            <p:ph type="title"/>
+          </p:nvPr>
+        </p:nvSpPr>
+        <p:spPr>
+          <a:prstGeom prst="rect">
+            <a:avLst/>
+          </a:prstGeom>
+        </p:spPr>
+        <p:txBody>
+          <a:bodyPr/>
+          <a:lstStyle/>
+          <a:p>
+            <a:pPr/>
+            <a:r>
+              <a:t>Evaluate the classifier on data</a:t>
+            </a:r>
+          </a:p>
+        </p:txBody>
+      </p:sp>
+      <p:sp>
+        <p:nvSpPr>
+          <p:cNvPr id="150" name="val predictions = model.transform(assembledTrainData)…"/>
+          <p:cNvSpPr txBox="1"/>
+          <p:nvPr/>
+        </p:nvSpPr>
+        <p:spPr>
+          <a:xfrm>
+            <a:off x="1896586" y="1579880"/>
+            <a:ext cx="5350828" cy="1056641"/>
+          </a:xfrm>
+          <a:prstGeom prst="rect">
+            <a:avLst/>
+          </a:prstGeom>
+          <a:ln w="12700">
+            <a:miter lim="400000"/>
+          </a:ln>
+          <a:extLst>
+            <a:ext uri="{C572A759-6A51-4108-AA02-DFA0A04FC94B}">
+              <ma14:wrappingTextBoxFlag xmlns:ma14="http://schemas.microsoft.com/office/mac/drawingml/2011/main" val="1"/>
+            </a:ext>
+          </a:extLst>
+        </p:spPr>
+        <p:txBody>
+          <a:bodyPr wrap="none" lIns="45719" rIns="45719">
+            <a:spAutoFit/>
+          </a:bodyPr>
+          <a:lstStyle/>
+          <a:p>
+            <a:pPr>
+              <a:defRPr sz="1600"/>
+            </a:pPr>
+            <a:r>
+              <a:t>  val predictions = model.transform(assembledTrainData)</a:t>
+            </a:r>
+          </a:p>
+          <a:p>
+            <a:pPr>
+              <a:defRPr sz="1600"/>
+            </a:pPr>
+          </a:p>
+          <a:p>
+            <a:pPr>
+              <a:defRPr sz="1600"/>
+            </a:pPr>
+            <a:r>
+              <a:t>    predictions.select("Cover_Type", "prediction", "probability").</a:t>
+            </a:r>
+          </a:p>
+          <a:p>
+            <a:pPr>
+              <a:defRPr sz="1600"/>
+            </a:pPr>
+            <a:r>
+              <a:t>      show(truncate = false)</a:t>
+            </a:r>
+          </a:p>
+        </p:txBody>
+      </p:sp>
+      <p:sp>
+        <p:nvSpPr>
+          <p:cNvPr id="151" name="predictions: org.apache.spark.sql.DataFrame = [Elevation: int, Aspect: int ... 57 more fields]…"/>
+          <p:cNvSpPr txBox="1"/>
+          <p:nvPr/>
+        </p:nvSpPr>
+        <p:spPr>
+          <a:xfrm>
+            <a:off x="347979" y="2945142"/>
+            <a:ext cx="12245788" cy="2923516"/>
+          </a:xfrm>
+          <a:prstGeom prst="rect">
+            <a:avLst/>
+          </a:prstGeom>
+          <a:ln w="12700">
+            <a:miter lim="400000"/>
+          </a:ln>
+          <a:extLst>
+            <a:ext uri="{C572A759-6A51-4108-AA02-DFA0A04FC94B}">
+              <ma14:wrappingTextBoxFlag xmlns:ma14="http://schemas.microsoft.com/office/mac/drawingml/2011/main" val="1"/>
+            </a:ext>
+          </a:extLst>
+        </p:spPr>
+        <p:txBody>
+          <a:bodyPr lIns="45719" rIns="45719">
+            <a:spAutoFit/>
+          </a:bodyPr>
+          <a:lstStyle/>
+          <a:p>
+            <a:pPr defTabSz="457200">
+              <a:defRPr sz="1200">
+                <a:solidFill>
+                  <a:srgbClr val="212121"/>
+                </a:solidFill>
+                <a:latin typeface="Monaco"/>
+                <a:ea typeface="Monaco"/>
+                <a:cs typeface="Monaco"/>
+                <a:sym typeface="Monaco"/>
+              </a:defRPr>
+            </a:pPr>
+            <a:r>
+              <a:t>predictions: org.apache.spark.sql.DataFrame = [Elevation: int, Aspect: int ... 57 more fields]</a:t>
+            </a:r>
+          </a:p>
+          <a:p>
+            <a:pPr defTabSz="457200">
+              <a:defRPr sz="1200">
+                <a:solidFill>
+                  <a:srgbClr val="212121"/>
+                </a:solidFill>
+                <a:latin typeface="Monaco"/>
+                <a:ea typeface="Monaco"/>
+                <a:cs typeface="Monaco"/>
+                <a:sym typeface="Monaco"/>
+              </a:defRPr>
+            </a:pPr>
+            <a:r>
+              <a:t>+----------+----------+------------------------------------------------------------------------------------------------+</a:t>
+            </a:r>
+          </a:p>
+          <a:p>
+            <a:pPr defTabSz="457200">
+              <a:defRPr sz="1200">
+                <a:solidFill>
+                  <a:srgbClr val="212121"/>
+                </a:solidFill>
+                <a:latin typeface="Monaco"/>
+                <a:ea typeface="Monaco"/>
+                <a:cs typeface="Monaco"/>
+                <a:sym typeface="Monaco"/>
+              </a:defRPr>
+            </a:pPr>
+            <a:r>
+              <a:t>|Cover_Type|prediction|probability                                                                                     |</a:t>
+            </a:r>
+          </a:p>
+          <a:p>
+            <a:pPr defTabSz="457200">
+              <a:defRPr sz="1200">
+                <a:solidFill>
+                  <a:srgbClr val="212121"/>
+                </a:solidFill>
+                <a:latin typeface="Monaco"/>
+                <a:ea typeface="Monaco"/>
+                <a:cs typeface="Monaco"/>
+                <a:sym typeface="Monaco"/>
+              </a:defRPr>
+            </a:pPr>
+            <a:r>
+              <a:t>+----------+----------+------------------------------------------------------------------------------------------------+</a:t>
+            </a:r>
+          </a:p>
+          <a:p>
+            <a:pPr defTabSz="457200">
+              <a:defRPr sz="1200">
+                <a:solidFill>
+                  <a:srgbClr val="212121"/>
+                </a:solidFill>
+                <a:latin typeface="Monaco"/>
+                <a:ea typeface="Monaco"/>
+                <a:cs typeface="Monaco"/>
+                <a:sym typeface="Monaco"/>
+              </a:defRPr>
+            </a:pPr>
+            <a:r>
+              <a:t>|6.0       |3.0       |[0.0,0.0,0.0316138592900995,0.636581751464258,0.05130195469621057,0.0,0.2805024345494319,0.0]   |</a:t>
+            </a:r>
+          </a:p>
+          <a:p>
+            <a:pPr defTabSz="457200">
+              <a:defRPr sz="1200">
+                <a:solidFill>
+                  <a:srgbClr val="212121"/>
+                </a:solidFill>
+                <a:latin typeface="Monaco"/>
+                <a:ea typeface="Monaco"/>
+                <a:cs typeface="Monaco"/>
+                <a:sym typeface="Monaco"/>
+              </a:defRPr>
+            </a:pPr>
+            <a:r>
+              <a:t>|6.0       |4.0       |[0.0,0.0,0.04187082405345212,0.2846325167037862,0.44097995545657015,0.0,0.23251670378619155,0.0]|</a:t>
+            </a:r>
+          </a:p>
+          <a:p>
+            <a:pPr defTabSz="457200">
+              <a:defRPr sz="1200">
+                <a:solidFill>
+                  <a:srgbClr val="212121"/>
+                </a:solidFill>
+                <a:latin typeface="Monaco"/>
+                <a:ea typeface="Monaco"/>
+                <a:cs typeface="Monaco"/>
+                <a:sym typeface="Monaco"/>
+              </a:defRPr>
+            </a:pPr>
+            <a:r>
+              <a:t>|6.0       |3.0       |[0.0,0.0,0.0316138592900995,0.636581751464258,0.05130195469621057,0.0,0.2805024345494319,0.0]   |</a:t>
+            </a:r>
+          </a:p>
+          <a:p>
+            <a:pPr defTabSz="457200">
+              <a:defRPr sz="1200">
+                <a:solidFill>
+                  <a:srgbClr val="212121"/>
+                </a:solidFill>
+                <a:latin typeface="Monaco"/>
+                <a:ea typeface="Monaco"/>
+                <a:cs typeface="Monaco"/>
+                <a:sym typeface="Monaco"/>
+              </a:defRPr>
+            </a:pPr>
+            <a:r>
+              <a:t>|6.0       |3.0       |[0.0,0.0,0.0316138592900995,0.636581751464258,0.05130195469621057,0.0,0.2805024345494319,0.0]   |</a:t>
+            </a:r>
+          </a:p>
+          <a:p>
+            <a:pPr defTabSz="457200">
+              <a:defRPr sz="1200">
+                <a:solidFill>
+                  <a:srgbClr val="212121"/>
+                </a:solidFill>
+                <a:latin typeface="Monaco"/>
+                <a:ea typeface="Monaco"/>
+                <a:cs typeface="Monaco"/>
+                <a:sym typeface="Monaco"/>
+              </a:defRPr>
+            </a:pPr>
+            <a:r>
+              <a:t>|6.0       |3.0       |[0.0,0.0,0.0316138592900995,0.636581751464258,0.05130195469621057,0.0,0.2805024345494319,0.0]   |</a:t>
+            </a:r>
+          </a:p>
+          <a:p>
+            <a:pPr defTabSz="457200">
+              <a:defRPr sz="1200">
+                <a:solidFill>
+                  <a:srgbClr val="212121"/>
+                </a:solidFill>
+                <a:latin typeface="Monaco"/>
+                <a:ea typeface="Monaco"/>
+                <a:cs typeface="Monaco"/>
+                <a:sym typeface="Monaco"/>
+              </a:defRPr>
+            </a:pPr>
+            <a:r>
+              <a:t>|6.0       |3.0       |[0.0,0.0,0.0316138592900995,0.636581751464258,0.05130195469621057,0.0,0.2805024345494319,0.0]   |</a:t>
+            </a:r>
+          </a:p>
+          <a:p>
+            <a:pPr defTabSz="457200">
+              <a:defRPr sz="1200">
+                <a:solidFill>
+                  <a:srgbClr val="212121"/>
+                </a:solidFill>
+                <a:latin typeface="Monaco"/>
+                <a:ea typeface="Monaco"/>
+                <a:cs typeface="Monaco"/>
+                <a:sym typeface="Monaco"/>
+              </a:defRPr>
+            </a:pPr>
+            <a:r>
+              <a:t>|6.0       |3.0       |[0.0,0.0,0.0316138592900995,0.636581751464258,0.05130195469621057,0.0,0.2805024345494319,0.0]   |</a:t>
+            </a:r>
+          </a:p>
+          <a:p>
+            <a:pPr defTabSz="457200">
+              <a:defRPr sz="1200">
+                <a:solidFill>
+                  <a:srgbClr val="212121"/>
+                </a:solidFill>
+                <a:latin typeface="Monaco"/>
+                <a:ea typeface="Monaco"/>
+                <a:cs typeface="Monaco"/>
+                <a:sym typeface="Monaco"/>
+              </a:defRPr>
+            </a:pPr>
+            <a:r>
+              <a:t>|6.0       |3.0       |[0.0,0.0,0.0316138592900995,0.636581751464258,0.05130195469621057,0.0,0.2805024345494319,0.0]   |</a:t>
+            </a:r>
+          </a:p>
+          <a:p>
+            <a:pPr defTabSz="457200">
+              <a:defRPr sz="1200">
+                <a:solidFill>
+                  <a:srgbClr val="212121"/>
+                </a:solidFill>
+                <a:latin typeface="Monaco"/>
+                <a:ea typeface="Monaco"/>
+                <a:cs typeface="Monaco"/>
+                <a:sym typeface="Monaco"/>
+              </a:defRPr>
+            </a:pPr>
+            <a:r>
+              <a:t>|6.0       |3.0       |[0.0,0.0,0.0316138592900995,0.636581751464258,0.05130195469621057,0.0,0.2805024345494319,0.0]   |</a:t>
+            </a:r>
+          </a:p>
+        </p:txBody>
+      </p:sp>
+    </p:spTree>
+  </p:cSld>
+  <p:clrMapOvr>
+    <a:masterClrMapping/>
+  </p:clrMapOvr>
+  <p:transition xmlns:p14="http://schemas.microsoft.com/office/powerpoint/2010/main" spd="med" advClick="1"/>
+</p:sld>
+</file>
+
+<file path=ppt/slides/slide11.xml><?xml version="1.0" encoding="utf-8"?>
+<p:sld xmlns:a="http://schemas.openxmlformats.org/drawingml/2006/main" xmlns:r="http://schemas.openxmlformats.org/officeDocument/2006/relationships" xmlns:p="http://schemas.openxmlformats.org/presentationml/2006/main" showMasterSp="1" showMasterPhAnim="1">
+  <p:cSld>
+    <p:spTree>
+      <p:nvGrpSpPr>
+        <p:cNvPr id="1" name=""/>
+        <p:cNvGrpSpPr/>
+        <p:nvPr/>
+      </p:nvGrpSpPr>
+      <p:grpSpPr>
+        <a:xfrm>
+          <a:off x="0" y="0"/>
+          <a:ext cx="0" cy="0"/>
+          <a:chOff x="0" y="0"/>
+          <a:chExt cx="0" cy="0"/>
+        </a:xfrm>
+      </p:grpSpPr>
+      <p:sp>
+        <p:nvSpPr>
+          <p:cNvPr id="153" name="Transfer the classifier to RDD"/>
+          <p:cNvSpPr txBox="1"/>
+          <p:nvPr>
+            <p:ph type="title"/>
+          </p:nvPr>
+        </p:nvSpPr>
+        <p:spPr>
+          <a:prstGeom prst="rect">
+            <a:avLst/>
+          </a:prstGeom>
+        </p:spPr>
+        <p:txBody>
+          <a:bodyPr/>
+          <a:lstStyle/>
+          <a:p>
+            <a:pPr/>
+            <a:r>
+              <a:t>Transfer the classifier to RDD</a:t>
+            </a:r>
+          </a:p>
+        </p:txBody>
+      </p:sp>
+      <p:sp>
+        <p:nvSpPr>
+          <p:cNvPr id="154" name="val evaluator = new MulticlassClassificationEvaluator().…"/>
+          <p:cNvSpPr txBox="1"/>
+          <p:nvPr/>
+        </p:nvSpPr>
+        <p:spPr>
+          <a:xfrm>
+            <a:off x="1360904" y="1592580"/>
+            <a:ext cx="6422192" cy="3710941"/>
+          </a:xfrm>
+          <a:prstGeom prst="rect">
+            <a:avLst/>
+          </a:prstGeom>
+          <a:ln w="12700">
+            <a:miter lim="400000"/>
+          </a:ln>
+          <a:extLst>
+            <a:ext uri="{C572A759-6A51-4108-AA02-DFA0A04FC94B}">
+              <ma14:wrappingTextBoxFlag xmlns:ma14="http://schemas.microsoft.com/office/mac/drawingml/2011/main" val="1"/>
+            </a:ext>
+          </a:extLst>
+        </p:spPr>
+        <p:txBody>
+          <a:bodyPr wrap="none" lIns="45719" rIns="45719">
+            <a:spAutoFit/>
+          </a:bodyPr>
+          <a:lstStyle/>
+          <a:p>
+            <a:pPr>
+              <a:defRPr sz="1600"/>
+            </a:pPr>
+            <a:r>
+              <a:t>    val evaluator = new MulticlassClassificationEvaluator().</a:t>
+            </a:r>
+          </a:p>
+          <a:p>
+            <a:pPr>
+              <a:defRPr sz="1600"/>
+            </a:pPr>
+            <a:r>
+              <a:t>      setLabelCol("Cover_Type").</a:t>
+            </a:r>
+          </a:p>
+          <a:p>
+            <a:pPr>
+              <a:defRPr sz="1600"/>
+            </a:pPr>
+            <a:r>
+              <a:t>      setPredictionCol("prediction")</a:t>
+            </a:r>
+          </a:p>
+          <a:p>
+            <a:pPr>
+              <a:defRPr sz="1600"/>
+            </a:pPr>
+          </a:p>
+          <a:p>
+            <a:pPr>
+              <a:defRPr sz="1600"/>
+            </a:pPr>
+            <a:r>
+              <a:t>    val accuracy = evaluator.setMetricName("accuracy").evaluate(predictions)</a:t>
+            </a:r>
+          </a:p>
+          <a:p>
+            <a:pPr>
+              <a:defRPr sz="1600"/>
+            </a:pPr>
+            <a:r>
+              <a:t>    val f1 = evaluator.setMetricName("f1").evaluate(predictions)</a:t>
+            </a:r>
+          </a:p>
+          <a:p>
+            <a:pPr>
+              <a:defRPr sz="1600"/>
+            </a:pPr>
+            <a:r>
+              <a:t>    println(accuracy)</a:t>
+            </a:r>
+          </a:p>
+          <a:p>
+            <a:pPr>
+              <a:defRPr sz="1600"/>
+            </a:pPr>
+            <a:r>
+              <a:t>    println(f1)</a:t>
+            </a:r>
+          </a:p>
+          <a:p>
+            <a:pPr>
+              <a:defRPr sz="1600"/>
+            </a:pPr>
+          </a:p>
+          <a:p>
+            <a:pPr>
+              <a:defRPr sz="1600"/>
+            </a:pPr>
+            <a:r>
+              <a:t>    val predictionRDD = predictions.</a:t>
+            </a:r>
+          </a:p>
+          <a:p>
+            <a:pPr>
+              <a:defRPr sz="1600"/>
+            </a:pPr>
+            <a:r>
+              <a:t>      select("prediction", "Cover_Type").</a:t>
+            </a:r>
+          </a:p>
+          <a:p>
+            <a:pPr>
+              <a:defRPr sz="1600"/>
+            </a:pPr>
+            <a:r>
+              <a:t>      as[(Double,Double)].rdd</a:t>
+            </a:r>
+          </a:p>
+          <a:p>
+            <a:pPr>
+              <a:defRPr sz="1600"/>
+            </a:pPr>
+            <a:r>
+              <a:t>    val multiclassMetrics = new MulticlassMetrics(predictionRDD)</a:t>
+            </a:r>
+          </a:p>
+          <a:p>
+            <a:pPr>
+              <a:defRPr sz="1600"/>
+            </a:pPr>
+            <a:r>
+              <a:t>    println(multiclassMetrics.confusionMatrix)</a:t>
+            </a:r>
+          </a:p>
+        </p:txBody>
+      </p:sp>
+    </p:spTree>
+  </p:cSld>
+  <p:clrMapOvr>
+    <a:masterClrMapping/>
+  </p:clrMapOvr>
+  <p:transition xmlns:p14="http://schemas.microsoft.com/office/powerpoint/2010/main" spd="med" advClick="1"/>
+</p:sld>
+</file>
+
+<file path=ppt/slides/slide12.xml><?xml version="1.0" encoding="utf-8"?>
+<p:sld xmlns:a="http://schemas.openxmlformats.org/drawingml/2006/main" xmlns:r="http://schemas.openxmlformats.org/officeDocument/2006/relationships" xmlns:p="http://schemas.openxmlformats.org/presentationml/2006/main" showMasterSp="1" showMasterPhAnim="1">
+  <p:cSld>
+    <p:spTree>
+      <p:nvGrpSpPr>
+        <p:cNvPr id="1" name=""/>
+        <p:cNvGrpSpPr/>
+        <p:nvPr/>
+      </p:nvGrpSpPr>
+      <p:grpSpPr>
+        <a:xfrm>
+          <a:off x="0" y="0"/>
+          <a:ext cx="0" cy="0"/>
+          <a:chOff x="0" y="0"/>
+          <a:chExt cx="0" cy="0"/>
+        </a:xfrm>
+      </p:grpSpPr>
+      <p:sp>
+        <p:nvSpPr>
+          <p:cNvPr id="156" name="Get the confusion matrix from RDD"/>
+          <p:cNvSpPr txBox="1"/>
+          <p:nvPr>
+            <p:ph type="title"/>
+          </p:nvPr>
+        </p:nvSpPr>
+        <p:spPr>
+          <a:prstGeom prst="rect">
+            <a:avLst/>
+          </a:prstGeom>
+        </p:spPr>
+        <p:txBody>
+          <a:bodyPr/>
+          <a:lstStyle/>
+          <a:p>
+            <a:pPr/>
+            <a:r>
+              <a:t>Get the confusion matrix from RDD</a:t>
+            </a:r>
+          </a:p>
+        </p:txBody>
+      </p:sp>
+      <p:sp>
+        <p:nvSpPr>
+          <p:cNvPr id="157" name="val confusionMatrix = predictions.…"/>
+          <p:cNvSpPr txBox="1"/>
+          <p:nvPr/>
+        </p:nvSpPr>
+        <p:spPr>
+          <a:xfrm>
+            <a:off x="1360904" y="1592580"/>
+            <a:ext cx="3036948" cy="2263141"/>
+          </a:xfrm>
+          <a:prstGeom prst="rect">
+            <a:avLst/>
+          </a:prstGeom>
+          <a:ln w="12700">
+            <a:miter lim="400000"/>
+          </a:ln>
+          <a:extLst>
+            <a:ext uri="{C572A759-6A51-4108-AA02-DFA0A04FC94B}">
+              <ma14:wrappingTextBoxFlag xmlns:ma14="http://schemas.microsoft.com/office/mac/drawingml/2011/main" val="1"/>
+            </a:ext>
+          </a:extLst>
+        </p:spPr>
+        <p:txBody>
+          <a:bodyPr wrap="none" lIns="45719" rIns="45719">
+            <a:spAutoFit/>
+          </a:bodyPr>
+          <a:lstStyle/>
+          <a:p>
+            <a:pPr>
+              <a:defRPr sz="1600"/>
+            </a:pPr>
+            <a:r>
+              <a:t>  val confusionMatrix = predictions.</a:t>
+            </a:r>
+          </a:p>
+          <a:p>
+            <a:pPr>
+              <a:defRPr sz="1600"/>
+            </a:pPr>
+            <a:r>
+              <a:t>      groupBy("Cover_Type").</a:t>
+            </a:r>
+          </a:p>
+          <a:p>
+            <a:pPr>
+              <a:defRPr sz="1600"/>
+            </a:pPr>
+            <a:r>
+              <a:t>      pivot("prediction", (1 to 7)).</a:t>
+            </a:r>
+          </a:p>
+          <a:p>
+            <a:pPr>
+              <a:defRPr sz="1600"/>
+            </a:pPr>
+            <a:r>
+              <a:t>      count().</a:t>
+            </a:r>
+          </a:p>
+          <a:p>
+            <a:pPr>
+              <a:defRPr sz="1600"/>
+            </a:pPr>
+            <a:r>
+              <a:t>      na.fill(0.0).</a:t>
+            </a:r>
+          </a:p>
+          <a:p>
+            <a:pPr>
+              <a:defRPr sz="1600"/>
+            </a:pPr>
+            <a:r>
+              <a:t>      orderBy("Cover_Type")</a:t>
+            </a:r>
+          </a:p>
+          <a:p>
+            <a:pPr>
+              <a:defRPr sz="1600"/>
+            </a:pPr>
+          </a:p>
+          <a:p>
+            <a:pPr>
+              <a:defRPr sz="1600"/>
+            </a:pPr>
+            <a:r>
+              <a:t>    confusionMatrix.show()</a:t>
+            </a:r>
+          </a:p>
+        </p:txBody>
+      </p:sp>
+      <p:sp>
+        <p:nvSpPr>
+          <p:cNvPr id="158" name="confusionMatrix: org.apache.spark.sql.Dataset[org.apache.spark.sql.Row] = [Cover_Type: double, 1: bigint ... 6 more fields]…"/>
+          <p:cNvSpPr txBox="1"/>
+          <p:nvPr/>
+        </p:nvSpPr>
+        <p:spPr>
+          <a:xfrm>
+            <a:off x="953040" y="3719842"/>
+            <a:ext cx="9066720" cy="2720316"/>
+          </a:xfrm>
+          <a:prstGeom prst="rect">
+            <a:avLst/>
+          </a:prstGeom>
+          <a:ln w="12700">
+            <a:miter lim="400000"/>
+          </a:ln>
+          <a:extLst>
+            <a:ext uri="{C572A759-6A51-4108-AA02-DFA0A04FC94B}">
+              <ma14:wrappingTextBoxFlag xmlns:ma14="http://schemas.microsoft.com/office/mac/drawingml/2011/main" val="1"/>
+            </a:ext>
+          </a:extLst>
+        </p:spPr>
+        <p:txBody>
+          <a:bodyPr wrap="none" lIns="45719" rIns="45719">
+            <a:spAutoFit/>
+          </a:bodyPr>
+          <a:lstStyle/>
+          <a:p>
+            <a:pPr defTabSz="457200">
+              <a:defRPr sz="1200">
+                <a:solidFill>
+                  <a:srgbClr val="212121"/>
+                </a:solidFill>
+                <a:latin typeface="Monaco"/>
+                <a:ea typeface="Monaco"/>
+                <a:cs typeface="Monaco"/>
+                <a:sym typeface="Monaco"/>
+              </a:defRPr>
+            </a:pPr>
+            <a:r>
+              <a:t>confusionMatrix: org.apache.spark.sql.Dataset[org.apache.spark.sql.Row] = [Cover_Type: double, 1: bigint ... 6 more fields]</a:t>
+            </a:r>
+          </a:p>
+          <a:p>
+            <a:pPr defTabSz="457200">
+              <a:defRPr sz="1200">
+                <a:solidFill>
+                  <a:srgbClr val="212121"/>
+                </a:solidFill>
+                <a:latin typeface="Monaco"/>
+                <a:ea typeface="Monaco"/>
+                <a:cs typeface="Monaco"/>
+                <a:sym typeface="Monaco"/>
+              </a:defRPr>
+            </a:pPr>
+            <a:r>
+              <a:t>+----------+------+------+-----+---+---+---+-----+</a:t>
+            </a:r>
+          </a:p>
+          <a:p>
+            <a:pPr defTabSz="457200">
+              <a:defRPr sz="1200">
+                <a:solidFill>
+                  <a:srgbClr val="212121"/>
+                </a:solidFill>
+                <a:latin typeface="Monaco"/>
+                <a:ea typeface="Monaco"/>
+                <a:cs typeface="Monaco"/>
+                <a:sym typeface="Monaco"/>
+              </a:defRPr>
+            </a:pPr>
+            <a:r>
+              <a:t>|Cover_Type|     1|     2|    3|  4|  5|  6|    7|</a:t>
+            </a:r>
+          </a:p>
+          <a:p>
+            <a:pPr defTabSz="457200">
+              <a:defRPr sz="1200">
+                <a:solidFill>
+                  <a:srgbClr val="212121"/>
+                </a:solidFill>
+                <a:latin typeface="Monaco"/>
+                <a:ea typeface="Monaco"/>
+                <a:cs typeface="Monaco"/>
+                <a:sym typeface="Monaco"/>
+              </a:defRPr>
+            </a:pPr>
+            <a:r>
+              <a:t>+----------+------+------+-----+---+---+---+-----+</a:t>
+            </a:r>
+          </a:p>
+          <a:p>
+            <a:pPr defTabSz="457200">
+              <a:defRPr sz="1200">
+                <a:solidFill>
+                  <a:srgbClr val="212121"/>
+                </a:solidFill>
+                <a:latin typeface="Monaco"/>
+                <a:ea typeface="Monaco"/>
+                <a:cs typeface="Monaco"/>
+                <a:sym typeface="Monaco"/>
+              </a:defRPr>
+            </a:pPr>
+            <a:r>
+              <a:t>|       1.0|128315| 56428|  161|  0|  0|  0| 5709|</a:t>
+            </a:r>
+          </a:p>
+          <a:p>
+            <a:pPr defTabSz="457200">
+              <a:defRPr sz="1200">
+                <a:solidFill>
+                  <a:srgbClr val="212121"/>
+                </a:solidFill>
+                <a:latin typeface="Monaco"/>
+                <a:ea typeface="Monaco"/>
+                <a:cs typeface="Monaco"/>
+                <a:sym typeface="Monaco"/>
+              </a:defRPr>
+            </a:pPr>
+            <a:r>
+              <a:t>|       2.0| 49194|200664| 4268| 94|  0|  0|  849|</a:t>
+            </a:r>
+          </a:p>
+          <a:p>
+            <a:pPr defTabSz="457200">
+              <a:defRPr sz="1200">
+                <a:solidFill>
+                  <a:srgbClr val="212121"/>
+                </a:solidFill>
+                <a:latin typeface="Monaco"/>
+                <a:ea typeface="Monaco"/>
+                <a:cs typeface="Monaco"/>
+                <a:sym typeface="Monaco"/>
+              </a:defRPr>
+            </a:pPr>
+            <a:r>
+              <a:t>|       3.0|     0|  5983|25665|639|  0|  0|    0|</a:t>
+            </a:r>
+          </a:p>
+          <a:p>
+            <a:pPr defTabSz="457200">
+              <a:defRPr sz="1200">
+                <a:solidFill>
+                  <a:srgbClr val="212121"/>
+                </a:solidFill>
+                <a:latin typeface="Monaco"/>
+                <a:ea typeface="Monaco"/>
+                <a:cs typeface="Monaco"/>
+                <a:sym typeface="Monaco"/>
+              </a:defRPr>
+            </a:pPr>
+            <a:r>
+              <a:t>|       4.0|     0|    21| 1454|990|  0|  0|    0|</a:t>
+            </a:r>
+          </a:p>
+          <a:p>
+            <a:pPr defTabSz="457200">
+              <a:defRPr sz="1200">
+                <a:solidFill>
+                  <a:srgbClr val="212121"/>
+                </a:solidFill>
+                <a:latin typeface="Monaco"/>
+                <a:ea typeface="Monaco"/>
+                <a:cs typeface="Monaco"/>
+                <a:sym typeface="Monaco"/>
+              </a:defRPr>
+            </a:pPr>
+            <a:r>
+              <a:t>|       5.0|     2|  7815|  734|  0|  0|  0|    0|</a:t>
+            </a:r>
+          </a:p>
+          <a:p>
+            <a:pPr defTabSz="457200">
+              <a:defRPr sz="1200">
+                <a:solidFill>
+                  <a:srgbClr val="212121"/>
+                </a:solidFill>
+                <a:latin typeface="Monaco"/>
+                <a:ea typeface="Monaco"/>
+                <a:cs typeface="Monaco"/>
+                <a:sym typeface="Monaco"/>
+              </a:defRPr>
+            </a:pPr>
+            <a:r>
+              <a:t>|       6.0|     0|  6362| 8668|522|  0|  0|    0|</a:t>
+            </a:r>
+          </a:p>
+          <a:p>
+            <a:pPr defTabSz="457200">
+              <a:defRPr sz="1200">
+                <a:solidFill>
+                  <a:srgbClr val="212121"/>
+                </a:solidFill>
+                <a:latin typeface="Monaco"/>
+                <a:ea typeface="Monaco"/>
+                <a:cs typeface="Monaco"/>
+                <a:sym typeface="Monaco"/>
+              </a:defRPr>
+            </a:pPr>
+            <a:r>
+              <a:t>|       7.0|  7642|   169|   54|  0|  0|  0|10511|</a:t>
+            </a:r>
+          </a:p>
+          <a:p>
+            <a:pPr defTabSz="457200">
+              <a:defRPr sz="1200">
+                <a:solidFill>
+                  <a:srgbClr val="212121"/>
+                </a:solidFill>
+                <a:latin typeface="Monaco"/>
+                <a:ea typeface="Monaco"/>
+                <a:cs typeface="Monaco"/>
+                <a:sym typeface="Monaco"/>
+              </a:defRPr>
+            </a:pPr>
+            <a:r>
+              <a:t>+----------+------+------+-----+---+---+---+-----+</a:t>
+            </a:r>
+          </a:p>
+        </p:txBody>
+      </p:sp>
+    </p:spTree>
+  </p:cSld>
+  <p:clrMapOvr>
+    <a:masterClrMapping/>
+  </p:clrMapOvr>
+  <p:transition xmlns:p14="http://schemas.microsoft.com/office/powerpoint/2010/main" spd="med" advClick="1"/>
+</p:sld>
+</file>
+
 <file path=ppt/slides/slide2.xml><?xml version="1.0" encoding="utf-8"?>
 <p:sld xmlns:a="http://schemas.openxmlformats.org/drawingml/2006/main" xmlns:r="http://schemas.openxmlformats.org/officeDocument/2006/relationships" xmlns:p="http://schemas.openxmlformats.org/presentationml/2006/main" showMasterSp="1" showMasterPhAnim="1">
   <p:cSld>
@@ -3265,7 +4170,7 @@
           <a:p>
             <a:pPr/>
             <a:r>
-              <a:t>AI for clustering</a:t>
+              <a:t>AI for regression</a:t>
             </a:r>
           </a:p>
         </p:txBody>
@@ -3282,17 +4187,6 @@
 <file path=ppt/slides/slide3.xml><?xml version="1.0" encoding="utf-8"?>
 <p:sld xmlns:a="http://schemas.openxmlformats.org/drawingml/2006/main" xmlns:r="http://schemas.openxmlformats.org/officeDocument/2006/relationships" xmlns:p="http://schemas.openxmlformats.org/presentationml/2006/main" showMasterSp="1" showMasterPhAnim="1">
   <p:cSld>
-    <p:bg>
-      <p:bgPr>
-        <a:blipFill rotWithShape="1">
-          <a:blip r:embed="rId2"/>
-          <a:srcRect l="0" t="0" r="0" b="0"/>
-          <a:stretch>
-            <a:fillRect/>
-          </a:stretch>
-        </a:blipFill>
-      </p:bgPr>
-    </p:bg>
     <p:spTree>
       <p:nvGrpSpPr>
         <p:cNvPr id="1" name=""/>
@@ -3307,6 +4201,2291 @@
           <a:chExt cx="0" cy="0"/>
         </a:xfrm>
       </p:grpSpPr>
+      <p:sp>
+        <p:nvSpPr>
+          <p:cNvPr id="119" name="Example: forest covers in different environments"/>
+          <p:cNvSpPr txBox="1"/>
+          <p:nvPr>
+            <p:ph type="title"/>
+          </p:nvPr>
+        </p:nvSpPr>
+        <p:spPr>
+          <a:prstGeom prst="rect">
+            <a:avLst/>
+          </a:prstGeom>
+        </p:spPr>
+        <p:txBody>
+          <a:bodyPr/>
+          <a:lstStyle/>
+          <a:p>
+            <a:pPr/>
+            <a:r>
+              <a:t>Example: forest covers in different environments</a:t>
+            </a:r>
+          </a:p>
+        </p:txBody>
+      </p:sp>
+      <p:pic>
+        <p:nvPicPr>
+          <p:cNvPr id="120" name="Picture Placeholder 2" descr="Picture Placeholder 2"/>
+          <p:cNvPicPr>
+            <a:picLocks noChangeAspect="1"/>
+          </p:cNvPicPr>
+          <p:nvPr>
+            <p:ph type="pic" idx="13"/>
+          </p:nvPr>
+        </p:nvPicPr>
+        <p:blipFill>
+          <a:blip r:embed="rId2">
+            <a:extLst/>
+          </a:blip>
+          <a:srcRect l="0" t="0" r="0" b="0"/>
+          <a:stretch>
+            <a:fillRect/>
+          </a:stretch>
+        </p:blipFill>
+        <p:spPr>
+          <a:xfrm>
+            <a:off x="1018874" y="612775"/>
+            <a:ext cx="7033228" cy="4114800"/>
+          </a:xfrm>
+          <a:prstGeom prst="rect">
+            <a:avLst/>
+          </a:prstGeom>
+        </p:spPr>
+      </p:pic>
+      <p:sp>
+        <p:nvSpPr>
+          <p:cNvPr id="121" name="How does the forest depend on: altitude, climate, soil type etc.?…"/>
+          <p:cNvSpPr txBox="1"/>
+          <p:nvPr>
+            <p:ph type="body" sz="quarter" idx="1"/>
+          </p:nvPr>
+        </p:nvSpPr>
+        <p:spPr>
+          <a:prstGeom prst="rect">
+            <a:avLst/>
+          </a:prstGeom>
+        </p:spPr>
+        <p:txBody>
+          <a:bodyPr/>
+          <a:lstStyle/>
+          <a:p>
+            <a:pPr/>
+            <a:r>
+              <a:t>How does the forest depend on: altitude, climate, soil type etc.?</a:t>
+            </a:r>
+          </a:p>
+          <a:p>
+            <a:pPr/>
+            <a:r>
+              <a:t>Can we predict the forest that will develop in a given area, from measuring the various environmental conditions?</a:t>
+            </a:r>
+          </a:p>
+        </p:txBody>
+      </p:sp>
+      <p:sp>
+        <p:nvSpPr>
+          <p:cNvPr id="122" name="https://archive.ics.uci.edu/ml/datasets/covertype"/>
+          <p:cNvSpPr txBox="1"/>
+          <p:nvPr/>
+        </p:nvSpPr>
+        <p:spPr>
+          <a:xfrm>
+            <a:off x="905961" y="6240779"/>
+            <a:ext cx="3434840" cy="281941"/>
+          </a:xfrm>
+          <a:prstGeom prst="rect">
+            <a:avLst/>
+          </a:prstGeom>
+          <a:ln w="12700">
+            <a:miter lim="400000"/>
+          </a:ln>
+          <a:extLst>
+            <a:ext uri="{C572A759-6A51-4108-AA02-DFA0A04FC94B}">
+              <ma14:wrappingTextBoxFlag xmlns:ma14="http://schemas.microsoft.com/office/mac/drawingml/2011/main" val="1"/>
+            </a:ext>
+          </a:extLst>
+        </p:spPr>
+        <p:txBody>
+          <a:bodyPr wrap="none" lIns="45719" rIns="45719">
+            <a:spAutoFit/>
+          </a:bodyPr>
+          <a:lstStyle>
+            <a:lvl1pPr>
+              <a:defRPr sz="1300"/>
+            </a:lvl1pPr>
+          </a:lstStyle>
+          <a:p>
+            <a:pPr/>
+            <a:r>
+              <a:t>https://archive.ics.uci.edu/ml/datasets/covertype</a:t>
+            </a:r>
+          </a:p>
+        </p:txBody>
+      </p:sp>
+    </p:spTree>
+  </p:cSld>
+  <p:clrMapOvr>
+    <a:masterClrMapping/>
+  </p:clrMapOvr>
+  <p:transition xmlns:p14="http://schemas.microsoft.com/office/powerpoint/2010/main" spd="med" advClick="1"/>
+</p:sld>
+</file>
+
+<file path=ppt/slides/slide4.xml><?xml version="1.0" encoding="utf-8"?>
+<p:sld xmlns:a="http://schemas.openxmlformats.org/drawingml/2006/main" xmlns:r="http://schemas.openxmlformats.org/officeDocument/2006/relationships" xmlns:p="http://schemas.openxmlformats.org/presentationml/2006/main" showMasterSp="1" showMasterPhAnim="1">
+  <p:cSld>
+    <p:spTree>
+      <p:nvGrpSpPr>
+        <p:cNvPr id="1" name=""/>
+        <p:cNvGrpSpPr/>
+        <p:nvPr/>
+      </p:nvGrpSpPr>
+      <p:grpSpPr>
+        <a:xfrm>
+          <a:off x="0" y="0"/>
+          <a:ext cx="0" cy="0"/>
+          <a:chOff x="0" y="0"/>
+          <a:chExt cx="0" cy="0"/>
+        </a:xfrm>
+      </p:grpSpPr>
+      <p:sp>
+        <p:nvSpPr>
+          <p:cNvPr id="124" name="Imports for Spark Machine Learning"/>
+          <p:cNvSpPr txBox="1"/>
+          <p:nvPr>
+            <p:ph type="title"/>
+          </p:nvPr>
+        </p:nvSpPr>
+        <p:spPr>
+          <a:prstGeom prst="rect">
+            <a:avLst/>
+          </a:prstGeom>
+        </p:spPr>
+        <p:txBody>
+          <a:bodyPr/>
+          <a:lstStyle/>
+          <a:p>
+            <a:pPr/>
+            <a:r>
+              <a:t>Imports for Spark Machine Learning</a:t>
+            </a:r>
+          </a:p>
+        </p:txBody>
+      </p:sp>
+      <p:sp>
+        <p:nvSpPr>
+          <p:cNvPr id="125" name="import org.apache.spark.ml.{PipelineModel, Pipeline}…"/>
+          <p:cNvSpPr txBox="1"/>
+          <p:nvPr/>
+        </p:nvSpPr>
+        <p:spPr>
+          <a:xfrm>
+            <a:off x="1020162" y="2291079"/>
+            <a:ext cx="7103676" cy="3444241"/>
+          </a:xfrm>
+          <a:prstGeom prst="rect">
+            <a:avLst/>
+          </a:prstGeom>
+          <a:ln w="12700">
+            <a:miter lim="400000"/>
+          </a:ln>
+          <a:extLst>
+            <a:ext uri="{C572A759-6A51-4108-AA02-DFA0A04FC94B}">
+              <ma14:wrappingTextBoxFlag xmlns:ma14="http://schemas.microsoft.com/office/mac/drawingml/2011/main" val="1"/>
+            </a:ext>
+          </a:extLst>
+        </p:spPr>
+        <p:txBody>
+          <a:bodyPr wrap="none" lIns="45719" rIns="45719">
+            <a:spAutoFit/>
+          </a:bodyPr>
+          <a:lstStyle/>
+          <a:p>
+            <a:pPr/>
+            <a:r>
+              <a:t>import org.apache.spark.ml.{PipelineModel, Pipeline}</a:t>
+            </a:r>
+          </a:p>
+          <a:p>
+            <a:pPr/>
+            <a:r>
+              <a:t>import org.apache.spark.ml.classification.{DecisionTreeClassifier,</a:t>
+            </a:r>
+          </a:p>
+          <a:p>
+            <a:pPr/>
+            <a:r>
+              <a:t>  RandomForestClassifier, RandomForestClassificationModel}</a:t>
+            </a:r>
+          </a:p>
+          <a:p>
+            <a:pPr/>
+            <a:r>
+              <a:t>import org.apache.spark.ml.evaluation.MulticlassClassificationEvaluator</a:t>
+            </a:r>
+          </a:p>
+          <a:p>
+            <a:pPr/>
+            <a:r>
+              <a:t>import org.apache.spark.ml.feature.{VectorAssembler, VectorIndexer}</a:t>
+            </a:r>
+          </a:p>
+          <a:p>
+            <a:pPr/>
+            <a:r>
+              <a:t>import org.apache.spark.ml.linalg.Vector</a:t>
+            </a:r>
+          </a:p>
+          <a:p>
+            <a:pPr/>
+            <a:r>
+              <a:t>import org.apache.spark.ml.tuning.{ParamGridBuilder, TrainValidationSplit}</a:t>
+            </a:r>
+          </a:p>
+          <a:p>
+            <a:pPr/>
+            <a:r>
+              <a:t>import org.apache.spark.mllib.evaluation.MulticlassMetrics</a:t>
+            </a:r>
+          </a:p>
+          <a:p>
+            <a:pPr/>
+            <a:r>
+              <a:t>import org.apache.spark.sql.{DataFrame, SparkSession}</a:t>
+            </a:r>
+          </a:p>
+          <a:p>
+            <a:pPr/>
+            <a:r>
+              <a:t>import org.apache.spark.sql.functions._</a:t>
+            </a:r>
+          </a:p>
+          <a:p>
+            <a:pPr/>
+            <a:r>
+              <a:t>import scala.util.Random</a:t>
+            </a:r>
+          </a:p>
+        </p:txBody>
+      </p:sp>
+    </p:spTree>
+  </p:cSld>
+  <p:clrMapOvr>
+    <a:masterClrMapping/>
+  </p:clrMapOvr>
+  <p:transition xmlns:p14="http://schemas.microsoft.com/office/powerpoint/2010/main" spd="med" advClick="1"/>
+</p:sld>
+</file>
+
+<file path=ppt/slides/slide5.xml><?xml version="1.0" encoding="utf-8"?>
+<p:sld xmlns:a="http://schemas.openxmlformats.org/drawingml/2006/main" xmlns:r="http://schemas.openxmlformats.org/officeDocument/2006/relationships" xmlns:p="http://schemas.openxmlformats.org/presentationml/2006/main" showMasterSp="1" showMasterPhAnim="1">
+  <p:cSld>
+    <p:spTree>
+      <p:nvGrpSpPr>
+        <p:cNvPr id="1" name=""/>
+        <p:cNvGrpSpPr/>
+        <p:nvPr/>
+      </p:nvGrpSpPr>
+      <p:grpSpPr>
+        <a:xfrm>
+          <a:off x="0" y="0"/>
+          <a:ext cx="0" cy="0"/>
+          <a:chOff x="0" y="0"/>
+          <a:chExt cx="0" cy="0"/>
+        </a:xfrm>
+      </p:grpSpPr>
+      <p:sp>
+        <p:nvSpPr>
+          <p:cNvPr id="127" name="Open CSV, give name to columns"/>
+          <p:cNvSpPr txBox="1"/>
+          <p:nvPr>
+            <p:ph type="title"/>
+          </p:nvPr>
+        </p:nvSpPr>
+        <p:spPr>
+          <a:prstGeom prst="rect">
+            <a:avLst/>
+          </a:prstGeom>
+        </p:spPr>
+        <p:txBody>
+          <a:bodyPr/>
+          <a:lstStyle/>
+          <a:p>
+            <a:pPr/>
+            <a:r>
+              <a:t>Open CSV, give name to columns</a:t>
+            </a:r>
+          </a:p>
+        </p:txBody>
+      </p:sp>
+      <p:sp>
+        <p:nvSpPr>
+          <p:cNvPr id="128" name="import spark.implicits._…"/>
+          <p:cNvSpPr txBox="1"/>
+          <p:nvPr/>
+        </p:nvSpPr>
+        <p:spPr>
+          <a:xfrm>
+            <a:off x="821340" y="1440179"/>
+            <a:ext cx="7501320" cy="5069841"/>
+          </a:xfrm>
+          <a:prstGeom prst="rect">
+            <a:avLst/>
+          </a:prstGeom>
+          <a:ln w="12700">
+            <a:miter lim="400000"/>
+          </a:ln>
+          <a:extLst>
+            <a:ext uri="{C572A759-6A51-4108-AA02-DFA0A04FC94B}">
+              <ma14:wrappingTextBoxFlag xmlns:ma14="http://schemas.microsoft.com/office/mac/drawingml/2011/main" val="1"/>
+            </a:ext>
+          </a:extLst>
+        </p:spPr>
+        <p:txBody>
+          <a:bodyPr lIns="45719" rIns="45719">
+            <a:spAutoFit/>
+          </a:bodyPr>
+          <a:lstStyle/>
+          <a:p>
+            <a:pPr>
+              <a:defRPr sz="1200"/>
+            </a:pPr>
+            <a:r>
+              <a:t>    import spark.implicits._</a:t>
+            </a:r>
+          </a:p>
+          <a:p>
+            <a:pPr>
+              <a:defRPr sz="1200"/>
+            </a:pPr>
+          </a:p>
+          <a:p>
+            <a:pPr>
+              <a:defRPr sz="1200"/>
+            </a:pPr>
+            <a:r>
+              <a:t>    val dataWithoutHeader = spark.read.</a:t>
+            </a:r>
+          </a:p>
+          <a:p>
+            <a:pPr>
+              <a:defRPr sz="1200"/>
+            </a:pPr>
+            <a:r>
+              <a:t>      option("inferSchema", true).</a:t>
+            </a:r>
+          </a:p>
+          <a:p>
+            <a:pPr>
+              <a:defRPr sz="1200"/>
+            </a:pPr>
+            <a:r>
+              <a:t>      option("header", false).</a:t>
+            </a:r>
+          </a:p>
+          <a:p>
+            <a:pPr>
+              <a:defRPr sz="1200"/>
+            </a:pPr>
+            <a:r>
+              <a:t>      csv("/Users/markon/ITU/covtype.data")</a:t>
+            </a:r>
+          </a:p>
+          <a:p>
+            <a:pPr>
+              <a:defRPr sz="1200"/>
+            </a:pPr>
+          </a:p>
+          <a:p>
+            <a:pPr>
+              <a:defRPr sz="1200"/>
+            </a:pPr>
+            <a:r>
+              <a:t>    val colNames = Seq(</a:t>
+            </a:r>
+          </a:p>
+          <a:p>
+            <a:pPr>
+              <a:defRPr sz="1200"/>
+            </a:pPr>
+            <a:r>
+              <a:t>        "Elevation", "Aspect", "Slope",</a:t>
+            </a:r>
+          </a:p>
+          <a:p>
+            <a:pPr>
+              <a:defRPr sz="1200"/>
+            </a:pPr>
+            <a:r>
+              <a:t>        "Horizontal_Distance_To_Hydrology", "Vertical_Distance_To_Hydrology",</a:t>
+            </a:r>
+          </a:p>
+          <a:p>
+            <a:pPr>
+              <a:defRPr sz="1200"/>
+            </a:pPr>
+            <a:r>
+              <a:t>        "Horizontal_Distance_To_Roadways",</a:t>
+            </a:r>
+          </a:p>
+          <a:p>
+            <a:pPr>
+              <a:defRPr sz="1200"/>
+            </a:pPr>
+            <a:r>
+              <a:t>        "Hillshade_9am", "Hillshade_Noon", "Hillshade_3pm",</a:t>
+            </a:r>
+          </a:p>
+          <a:p>
+            <a:pPr>
+              <a:defRPr sz="1200"/>
+            </a:pPr>
+            <a:r>
+              <a:t>        "Horizontal_Distance_To_Fire_Points"</a:t>
+            </a:r>
+          </a:p>
+          <a:p>
+            <a:pPr>
+              <a:defRPr sz="1200"/>
+            </a:pPr>
+            <a:r>
+              <a:t>      ) ++ (</a:t>
+            </a:r>
+          </a:p>
+          <a:p>
+            <a:pPr>
+              <a:defRPr sz="1200"/>
+            </a:pPr>
+            <a:r>
+              <a:t>        (0 until 4).map(i =&gt; s"Wilderness_Area_$i")</a:t>
+            </a:r>
+          </a:p>
+          <a:p>
+            <a:pPr>
+              <a:defRPr sz="1200"/>
+            </a:pPr>
+            <a:r>
+              <a:t>      ) ++ (</a:t>
+            </a:r>
+          </a:p>
+          <a:p>
+            <a:pPr>
+              <a:defRPr sz="1200"/>
+            </a:pPr>
+            <a:r>
+              <a:t>        (0 until 40).map(i =&gt; s"Soil_Type_$i")</a:t>
+            </a:r>
+          </a:p>
+          <a:p>
+            <a:pPr>
+              <a:defRPr sz="1200"/>
+            </a:pPr>
+            <a:r>
+              <a:t>      ) ++ Seq("Cover_Type")</a:t>
+            </a:r>
+          </a:p>
+          <a:p>
+            <a:pPr>
+              <a:defRPr sz="1200"/>
+            </a:pPr>
+          </a:p>
+          <a:p>
+            <a:pPr>
+              <a:defRPr sz="1200"/>
+            </a:pPr>
+            <a:r>
+              <a:t>    val data = dataWithoutHeader.toDF(colNames:_*).</a:t>
+            </a:r>
+          </a:p>
+          <a:p>
+            <a:pPr>
+              <a:defRPr sz="1200"/>
+            </a:pPr>
+            <a:r>
+              <a:t>      withColumn("Cover_Type", $"Cover_Type".cast("double"))</a:t>
+            </a:r>
+          </a:p>
+          <a:p>
+            <a:pPr>
+              <a:defRPr sz="1200"/>
+            </a:pPr>
+          </a:p>
+          <a:p>
+            <a:pPr>
+              <a:defRPr sz="1200"/>
+            </a:pPr>
+            <a:r>
+              <a:t>    data.show()</a:t>
+            </a:r>
+          </a:p>
+          <a:p>
+            <a:pPr>
+              <a:defRPr sz="1200"/>
+            </a:pPr>
+            <a:r>
+              <a:t>    data.head</a:t>
+            </a:r>
+          </a:p>
+          <a:p>
+            <a:pPr>
+              <a:defRPr sz="1200"/>
+            </a:pPr>
+          </a:p>
+          <a:p>
+            <a:pPr>
+              <a:defRPr sz="1200"/>
+            </a:pPr>
+            <a:r>
+              <a:t>    // Split into 90% train (+ CV), 10% test</a:t>
+            </a:r>
+          </a:p>
+          <a:p>
+            <a:pPr>
+              <a:defRPr sz="1200"/>
+            </a:pPr>
+            <a:r>
+              <a:t>    val Array(trainData, testData) = data.randomSplit(Array(0.9, 0.1))</a:t>
+            </a:r>
+          </a:p>
+        </p:txBody>
+      </p:sp>
+    </p:spTree>
+  </p:cSld>
+  <p:clrMapOvr>
+    <a:masterClrMapping/>
+  </p:clrMapOvr>
+  <p:transition xmlns:p14="http://schemas.microsoft.com/office/powerpoint/2010/main" spd="med" advClick="1"/>
+</p:sld>
+</file>
+
+<file path=ppt/slides/slide6.xml><?xml version="1.0" encoding="utf-8"?>
+<p:sld xmlns:a="http://schemas.openxmlformats.org/drawingml/2006/main" xmlns:r="http://schemas.openxmlformats.org/officeDocument/2006/relationships" xmlns:p="http://schemas.openxmlformats.org/presentationml/2006/main" showMasterSp="1" showMasterPhAnim="1">
+  <p:cSld>
+    <p:spTree>
+      <p:nvGrpSpPr>
+        <p:cNvPr id="1" name=""/>
+        <p:cNvGrpSpPr/>
+        <p:nvPr/>
+      </p:nvGrpSpPr>
+      <p:grpSpPr>
+        <a:xfrm>
+          <a:off x="0" y="0"/>
+          <a:ext cx="0" cy="0"/>
+          <a:chOff x="0" y="0"/>
+          <a:chExt cx="0" cy="0"/>
+        </a:xfrm>
+      </p:grpSpPr>
+      <p:sp>
+        <p:nvSpPr>
+          <p:cNvPr id="130" name="Head of the resulting table"/>
+          <p:cNvSpPr txBox="1"/>
+          <p:nvPr>
+            <p:ph type="title"/>
+          </p:nvPr>
+        </p:nvSpPr>
+        <p:spPr>
+          <a:prstGeom prst="rect">
+            <a:avLst/>
+          </a:prstGeom>
+        </p:spPr>
+        <p:txBody>
+          <a:bodyPr/>
+          <a:lstStyle/>
+          <a:p>
+            <a:pPr/>
+            <a:r>
+              <a:t>Head of the resulting table</a:t>
+            </a:r>
+          </a:p>
+        </p:txBody>
+      </p:sp>
+      <p:sp>
+        <p:nvSpPr>
+          <p:cNvPr id="131" name="+---------+------+-----+--------------------------------+------------------------------+-------------------------------+-------------+--------------+-------------+----------------------------------+-----------------+-----------------+-----------------+-----------------+-----------+-----------+-----------+-----------+-----------+-----------+-----------+-----------+-----------+-----------+------------+------------+------------+------------+------------+------------+------------+------------+------------+------------+------------+------------+------------+------------+------------+------------+------------+------------+------------+------------+------------+------------+------------+------------+------------+------------+------------+------------+------------+------------+----------+…"/>
+          <p:cNvSpPr txBox="1"/>
+          <p:nvPr/>
+        </p:nvSpPr>
+        <p:spPr>
+          <a:xfrm>
+            <a:off x="578445" y="1697891"/>
+            <a:ext cx="43675310" cy="846018"/>
+          </a:xfrm>
+          <a:prstGeom prst="rect">
+            <a:avLst/>
+          </a:prstGeom>
+          <a:ln w="12700">
+            <a:miter lim="400000"/>
+          </a:ln>
+          <a:extLst>
+            <a:ext uri="{C572A759-6A51-4108-AA02-DFA0A04FC94B}">
+              <ma14:wrappingTextBoxFlag xmlns:ma14="http://schemas.microsoft.com/office/mac/drawingml/2011/main" val="1"/>
+            </a:ext>
+          </a:extLst>
+        </p:spPr>
+        <p:txBody>
+          <a:bodyPr lIns="45719" rIns="45719">
+            <a:spAutoFit/>
+          </a:bodyPr>
+          <a:lstStyle/>
+          <a:p>
+            <a:pPr defTabSz="457200">
+              <a:defRPr sz="700">
+                <a:solidFill>
+                  <a:srgbClr val="212121"/>
+                </a:solidFill>
+                <a:latin typeface="Monaco"/>
+                <a:ea typeface="Monaco"/>
+                <a:cs typeface="Monaco"/>
+                <a:sym typeface="Monaco"/>
+              </a:defRPr>
+            </a:pPr>
+            <a:r>
+              <a:t>+---------+------+-----+--------------------------------+------------------------------+-------------------------------+-------------+--------------+-------------+----------------------------------+-----------------+-----------------+-----------------+-----------------+-----------+-----------+-----------+-----------+-----------+-----------+-----------+-----------+-----------+-----------+------------+------------+------------+------------+------------+------------+------------+------------+------------+------------+------------+------------+------------+------------+------------+------------+------------+------------+------------+------------+------------+------------+------------+------------+------------+------------+------------+------------+------------+------------+----------+</a:t>
+            </a:r>
+          </a:p>
+          <a:p>
+            <a:pPr defTabSz="457200">
+              <a:defRPr sz="700">
+                <a:solidFill>
+                  <a:srgbClr val="212121"/>
+                </a:solidFill>
+                <a:latin typeface="Monaco"/>
+                <a:ea typeface="Monaco"/>
+                <a:cs typeface="Monaco"/>
+                <a:sym typeface="Monaco"/>
+              </a:defRPr>
+            </a:pPr>
+            <a:r>
+              <a:t>|Elevation|Aspect|Slope|Horizontal_Distance_To_Hydrology|Vertical_Distance_To_Hydrology|Horizontal_Distance_To_Roadways|Hillshade_9am|Hillshade_Noon|Hillshade_3pm|Horizontal_Distance_To_Fire_Points|Wilderness_Area_0|Wilderness_Area_1|Wilderness_Area_2|Wilderness_Area_3|Soil_Type_0|Soil_Type_1|Soil_Type_2|Soil_Type_3|Soil_Type_4|Soil_Type_5|Soil_Type_6|Soil_Type_7|Soil_Type_8|Soil_Type_9|Soil_Type_10|Soil_Type_11|Soil_Type_12|Soil_Type_13|Soil_Type_14|Soil_Type_15|Soil_Type_16|Soil_Type_17|Soil_Type_18|Soil_Type_19|Soil_Type_20|Soil_Type_21|Soil_Type_22|Soil_Type_23|Soil_Type_24|Soil_Type_25|Soil_Type_26|Soil_Type_27|Soil_Type_28|Soil_Type_29|Soil_Type_30|Soil_Type_31|Soil_Type_32|Soil_Type_33|Soil_Type_34|Soil_Type_35|Soil_Type_36|Soil_Type_37|Soil_Type_38|Soil_Type_39|Cover_Type|</a:t>
+            </a:r>
+          </a:p>
+          <a:p>
+            <a:pPr defTabSz="457200">
+              <a:defRPr sz="700">
+                <a:solidFill>
+                  <a:srgbClr val="212121"/>
+                </a:solidFill>
+                <a:latin typeface="Monaco"/>
+                <a:ea typeface="Monaco"/>
+                <a:cs typeface="Monaco"/>
+                <a:sym typeface="Monaco"/>
+              </a:defRPr>
+            </a:pPr>
+            <a:r>
+              <a:t>+---------+------+-----+--------------------------------+------------------------------+-------------------------------+-------------+--------------+-------------+----------------------------------+-----------------+-----------------+-----------------+-----------------+-----------+-----------+-----------+-----------+-----------+-----------+-----------+-----------+-----------+-----------+------------+------------+------------+------------+------------+------------+------------+------------+------------+------------+------------+------------+------------+------------+------------+------------+------------+------------+------------+------------+------------+------------+------------+------------+------------+------------+------------+------------+------------+------------+----------+</a:t>
+            </a:r>
+          </a:p>
+          <a:p>
+            <a:pPr defTabSz="457200">
+              <a:defRPr sz="700">
+                <a:solidFill>
+                  <a:srgbClr val="212121"/>
+                </a:solidFill>
+                <a:latin typeface="Monaco"/>
+                <a:ea typeface="Monaco"/>
+                <a:cs typeface="Monaco"/>
+                <a:sym typeface="Monaco"/>
+              </a:defRPr>
+            </a:pPr>
+            <a:r>
+              <a:t>|     2596|    51|    3|                             258|                             0|                            510|          221|           232|          148|                              6279|                1|                0|                0|                0|          0|          0|          0|          0|          0|          0|          0|          0|          0|          0|           0|           0|           0|           0|           0|           0|           0|           0|           0|           0|           0|           0|           0|           0|           0|           0|           0|           0|           1|           0|           0|           0|           0|           0|           0|           0|           0|           0|           0|           0|       5.0|</a:t>
+            </a:r>
+          </a:p>
+          <a:p>
+            <a:pPr defTabSz="457200">
+              <a:defRPr sz="700">
+                <a:solidFill>
+                  <a:srgbClr val="212121"/>
+                </a:solidFill>
+                <a:latin typeface="Monaco"/>
+                <a:ea typeface="Monaco"/>
+                <a:cs typeface="Monaco"/>
+                <a:sym typeface="Monaco"/>
+              </a:defRPr>
+            </a:pPr>
+            <a:r>
+              <a:t>|     2590|    56|    2|                             212|                            -6|                            390|          220|           235|          151|                              6225|                1|                0|                0|                0|          0|          0|          0|          0|          0|          0|          0|          0|          0|          0|           0|           0|           0|           0|           0|           0|           0|           0|           0|           0|           0|           0|           0|           0|           0|           0|           0|           0|           1|           0|           0|           0|           0|           0|           0|           0|           0|           0|           0|           0|       5.0|</a:t>
+            </a:r>
+          </a:p>
+        </p:txBody>
+      </p:sp>
+      <p:sp>
+        <p:nvSpPr>
+          <p:cNvPr id="132" name="+---------+------+-----+--------------------------------+------------------------------+-------------------------------+-------------+--------------+-------------+----------------------------------+-----------------+-----------------+-----------------+-----------------+-----------+-----------+-----------+-----------+-----------+-----------+-----------+-----------+-----------+-----------+------------+------------+------------+------------+------------+------------+------------+------------+------------+------------+------------+------------+------------+------------+------------+------------+------------+------------+------------+------------+------------+------------+------------+------------+------------+------------+------------+------------+------------+------------+----------+…"/>
+          <p:cNvSpPr txBox="1"/>
+          <p:nvPr/>
+        </p:nvSpPr>
+        <p:spPr>
+          <a:xfrm>
+            <a:off x="-7663855" y="2392362"/>
+            <a:ext cx="43675310" cy="846018"/>
+          </a:xfrm>
+          <a:prstGeom prst="rect">
+            <a:avLst/>
+          </a:prstGeom>
+          <a:ln w="12700">
+            <a:miter lim="400000"/>
+          </a:ln>
+          <a:extLst>
+            <a:ext uri="{C572A759-6A51-4108-AA02-DFA0A04FC94B}">
+              <ma14:wrappingTextBoxFlag xmlns:ma14="http://schemas.microsoft.com/office/mac/drawingml/2011/main" val="1"/>
+            </a:ext>
+          </a:extLst>
+        </p:spPr>
+        <p:txBody>
+          <a:bodyPr lIns="45719" rIns="45719">
+            <a:spAutoFit/>
+          </a:bodyPr>
+          <a:lstStyle/>
+          <a:p>
+            <a:pPr defTabSz="457200">
+              <a:defRPr sz="700">
+                <a:solidFill>
+                  <a:srgbClr val="212121"/>
+                </a:solidFill>
+                <a:latin typeface="Monaco"/>
+                <a:ea typeface="Monaco"/>
+                <a:cs typeface="Monaco"/>
+                <a:sym typeface="Monaco"/>
+              </a:defRPr>
+            </a:pPr>
+            <a:r>
+              <a:t>+---------+------+-----+--------------------------------+------------------------------+-------------------------------+-------------+--------------+-------------+----------------------------------+-----------------+-----------------+-----------------+-----------------+-----------+-----------+-----------+-----------+-----------+-----------+-----------+-----------+-----------+-----------+------------+------------+------------+------------+------------+------------+------------+------------+------------+------------+------------+------------+------------+------------+------------+------------+------------+------------+------------+------------+------------+------------+------------+------------+------------+------------+------------+------------+------------+------------+----------+</a:t>
+            </a:r>
+          </a:p>
+          <a:p>
+            <a:pPr defTabSz="457200">
+              <a:defRPr sz="700">
+                <a:solidFill>
+                  <a:srgbClr val="212121"/>
+                </a:solidFill>
+                <a:latin typeface="Monaco"/>
+                <a:ea typeface="Monaco"/>
+                <a:cs typeface="Monaco"/>
+                <a:sym typeface="Monaco"/>
+              </a:defRPr>
+            </a:pPr>
+            <a:r>
+              <a:t>|Elevation|Aspect|Slope|Horizontal_Distance_To_Hydrology|Vertical_Distance_To_Hydrology|Horizontal_Distance_To_Roadways|Hillshade_9am|Hillshade_Noon|Hillshade_3pm|Horizontal_Distance_To_Fire_Points|Wilderness_Area_0|Wilderness_Area_1|Wilderness_Area_2|Wilderness_Area_3|Soil_Type_0|Soil_Type_1|Soil_Type_2|Soil_Type_3|Soil_Type_4|Soil_Type_5|Soil_Type_6|Soil_Type_7|Soil_Type_8|Soil_Type_9|Soil_Type_10|Soil_Type_11|Soil_Type_12|Soil_Type_13|Soil_Type_14|Soil_Type_15|Soil_Type_16|Soil_Type_17|Soil_Type_18|Soil_Type_19|Soil_Type_20|Soil_Type_21|Soil_Type_22|Soil_Type_23|Soil_Type_24|Soil_Type_25|Soil_Type_26|Soil_Type_27|Soil_Type_28|Soil_Type_29|Soil_Type_30|Soil_Type_31|Soil_Type_32|Soil_Type_33|Soil_Type_34|Soil_Type_35|Soil_Type_36|Soil_Type_37|Soil_Type_38|Soil_Type_39|Cover_Type|</a:t>
+            </a:r>
+          </a:p>
+          <a:p>
+            <a:pPr defTabSz="457200">
+              <a:defRPr sz="700">
+                <a:solidFill>
+                  <a:srgbClr val="212121"/>
+                </a:solidFill>
+                <a:latin typeface="Monaco"/>
+                <a:ea typeface="Monaco"/>
+                <a:cs typeface="Monaco"/>
+                <a:sym typeface="Monaco"/>
+              </a:defRPr>
+            </a:pPr>
+            <a:r>
+              <a:t>+---------+------+-----+--------------------------------+------------------------------+-------------------------------+-------------+--------------+-------------+----------------------------------+-----------------+-----------------+-----------------+-----------------+-----------+-----------+-----------+-----------+-----------+-----------+-----------+-----------+-----------+-----------+------------+------------+------------+------------+------------+------------+------------+------------+------------+------------+------------+------------+------------+------------+------------+------------+------------+------------+------------+------------+------------+------------+------------+------------+------------+------------+------------+------------+------------+------------+----------+</a:t>
+            </a:r>
+          </a:p>
+          <a:p>
+            <a:pPr defTabSz="457200">
+              <a:defRPr sz="700">
+                <a:solidFill>
+                  <a:srgbClr val="212121"/>
+                </a:solidFill>
+                <a:latin typeface="Monaco"/>
+                <a:ea typeface="Monaco"/>
+                <a:cs typeface="Monaco"/>
+                <a:sym typeface="Monaco"/>
+              </a:defRPr>
+            </a:pPr>
+            <a:r>
+              <a:t>|     2596|    51|    3|                             258|                             0|                            510|          221|           232|          148|                              6279|                1|                0|                0|                0|          0|          0|          0|          0|          0|          0|          0|          0|          0|          0|           0|           0|           0|           0|           0|           0|           0|           0|           0|           0|           0|           0|           0|           0|           0|           0|           0|           0|           1|           0|           0|           0|           0|           0|           0|           0|           0|           0|           0|           0|       5.0|</a:t>
+            </a:r>
+          </a:p>
+          <a:p>
+            <a:pPr defTabSz="457200">
+              <a:defRPr sz="700">
+                <a:solidFill>
+                  <a:srgbClr val="212121"/>
+                </a:solidFill>
+                <a:latin typeface="Monaco"/>
+                <a:ea typeface="Monaco"/>
+                <a:cs typeface="Monaco"/>
+                <a:sym typeface="Monaco"/>
+              </a:defRPr>
+            </a:pPr>
+            <a:r>
+              <a:t>|     2590|    56|    2|                             212|                            -6|                            390|          220|           235|          151|                              6225|                1|                0|                0|                0|          0|          0|          0|          0|          0|          0|          0|          0|          0|          0|           0|           0|           0|           0|           0|           0|           0|           0|           0|           0|           0|           0|           0|           0|           0|           0|           0|           0|           1|           0|           0|           0|           0|           0|           0|           0|           0|           0|           0|           0|       5.0|</a:t>
+            </a:r>
+          </a:p>
+        </p:txBody>
+      </p:sp>
+      <p:sp>
+        <p:nvSpPr>
+          <p:cNvPr id="133" name="+---------+------+-----+--------------------------------+------------------------------+-------------------------------+-------------+--------------+-------------+----------------------------------+-----------------+-----------------+-----------------+-----------------+-----------+-----------+-----------+-----------+-----------+-----------+-----------+-----------+-----------+-----------+------------+------------+------------+------------+------------+------------+------------+------------+------------+------------+------------+------------+------------+------------+------------+------------+------------+------------+------------+------------+------------+------------+------------+------------+------------+------------+------------+------------+------------+------------+----------+…"/>
+          <p:cNvSpPr txBox="1"/>
+          <p:nvPr/>
+        </p:nvSpPr>
+        <p:spPr>
+          <a:xfrm>
+            <a:off x="-16909455" y="3107897"/>
+            <a:ext cx="43675310" cy="846018"/>
+          </a:xfrm>
+          <a:prstGeom prst="rect">
+            <a:avLst/>
+          </a:prstGeom>
+          <a:ln w="12700">
+            <a:miter lim="400000"/>
+          </a:ln>
+          <a:extLst>
+            <a:ext uri="{C572A759-6A51-4108-AA02-DFA0A04FC94B}">
+              <ma14:wrappingTextBoxFlag xmlns:ma14="http://schemas.microsoft.com/office/mac/drawingml/2011/main" val="1"/>
+            </a:ext>
+          </a:extLst>
+        </p:spPr>
+        <p:txBody>
+          <a:bodyPr lIns="45719" rIns="45719">
+            <a:spAutoFit/>
+          </a:bodyPr>
+          <a:lstStyle/>
+          <a:p>
+            <a:pPr defTabSz="457200">
+              <a:defRPr sz="700">
+                <a:solidFill>
+                  <a:srgbClr val="212121"/>
+                </a:solidFill>
+                <a:latin typeface="Monaco"/>
+                <a:ea typeface="Monaco"/>
+                <a:cs typeface="Monaco"/>
+                <a:sym typeface="Monaco"/>
+              </a:defRPr>
+            </a:pPr>
+            <a:r>
+              <a:t>+---------+------+-----+--------------------------------+------------------------------+-------------------------------+-------------+--------------+-------------+----------------------------------+-----------------+-----------------+-----------------+-----------------+-----------+-----------+-----------+-----------+-----------+-----------+-----------+-----------+-----------+-----------+------------+------------+------------+------------+------------+------------+------------+------------+------------+------------+------------+------------+------------+------------+------------+------------+------------+------------+------------+------------+------------+------------+------------+------------+------------+------------+------------+------------+------------+------------+----------+</a:t>
+            </a:r>
+          </a:p>
+          <a:p>
+            <a:pPr defTabSz="457200">
+              <a:defRPr sz="700">
+                <a:solidFill>
+                  <a:srgbClr val="212121"/>
+                </a:solidFill>
+                <a:latin typeface="Monaco"/>
+                <a:ea typeface="Monaco"/>
+                <a:cs typeface="Monaco"/>
+                <a:sym typeface="Monaco"/>
+              </a:defRPr>
+            </a:pPr>
+            <a:r>
+              <a:t>|Elevation|Aspect|Slope|Horizontal_Distance_To_Hydrology|Vertical_Distance_To_Hydrology|Horizontal_Distance_To_Roadways|Hillshade_9am|Hillshade_Noon|Hillshade_3pm|Horizontal_Distance_To_Fire_Points|Wilderness_Area_0|Wilderness_Area_1|Wilderness_Area_2|Wilderness_Area_3|Soil_Type_0|Soil_Type_1|Soil_Type_2|Soil_Type_3|Soil_Type_4|Soil_Type_5|Soil_Type_6|Soil_Type_7|Soil_Type_8|Soil_Type_9|Soil_Type_10|Soil_Type_11|Soil_Type_12|Soil_Type_13|Soil_Type_14|Soil_Type_15|Soil_Type_16|Soil_Type_17|Soil_Type_18|Soil_Type_19|Soil_Type_20|Soil_Type_21|Soil_Type_22|Soil_Type_23|Soil_Type_24|Soil_Type_25|Soil_Type_26|Soil_Type_27|Soil_Type_28|Soil_Type_29|Soil_Type_30|Soil_Type_31|Soil_Type_32|Soil_Type_33|Soil_Type_34|Soil_Type_35|Soil_Type_36|Soil_Type_37|Soil_Type_38|Soil_Type_39|Cover_Type|</a:t>
+            </a:r>
+          </a:p>
+          <a:p>
+            <a:pPr defTabSz="457200">
+              <a:defRPr sz="700">
+                <a:solidFill>
+                  <a:srgbClr val="212121"/>
+                </a:solidFill>
+                <a:latin typeface="Monaco"/>
+                <a:ea typeface="Monaco"/>
+                <a:cs typeface="Monaco"/>
+                <a:sym typeface="Monaco"/>
+              </a:defRPr>
+            </a:pPr>
+            <a:r>
+              <a:t>+---------+------+-----+--------------------------------+------------------------------+-------------------------------+-------------+--------------+-------------+----------------------------------+-----------------+-----------------+-----------------+-----------------+-----------+-----------+-----------+-----------+-----------+-----------+-----------+-----------+-----------+-----------+------------+------------+------------+------------+------------+------------+------------+------------+------------+------------+------------+------------+------------+------------+------------+------------+------------+------------+------------+------------+------------+------------+------------+------------+------------+------------+------------+------------+------------+------------+----------+</a:t>
+            </a:r>
+          </a:p>
+          <a:p>
+            <a:pPr defTabSz="457200">
+              <a:defRPr sz="700">
+                <a:solidFill>
+                  <a:srgbClr val="212121"/>
+                </a:solidFill>
+                <a:latin typeface="Monaco"/>
+                <a:ea typeface="Monaco"/>
+                <a:cs typeface="Monaco"/>
+                <a:sym typeface="Monaco"/>
+              </a:defRPr>
+            </a:pPr>
+            <a:r>
+              <a:t>|     2596|    51|    3|                             258|                             0|                            510|          221|           232|          148|                              6279|                1|                0|                0|                0|          0|          0|          0|          0|          0|          0|          0|          0|          0|          0|           0|           0|           0|           0|           0|           0|           0|           0|           0|           0|           0|           0|           0|           0|           0|           0|           0|           0|           1|           0|           0|           0|           0|           0|           0|           0|           0|           0|           0|           0|       5.0|</a:t>
+            </a:r>
+          </a:p>
+          <a:p>
+            <a:pPr defTabSz="457200">
+              <a:defRPr sz="700">
+                <a:solidFill>
+                  <a:srgbClr val="212121"/>
+                </a:solidFill>
+                <a:latin typeface="Monaco"/>
+                <a:ea typeface="Monaco"/>
+                <a:cs typeface="Monaco"/>
+                <a:sym typeface="Monaco"/>
+              </a:defRPr>
+            </a:pPr>
+            <a:r>
+              <a:t>|     2590|    56|    2|                             212|                            -6|                            390|          220|           235|          151|                              6225|                1|                0|                0|                0|          0|          0|          0|          0|          0|          0|          0|          0|          0|          0|           0|           0|           0|           0|           0|           0|           0|           0|           0|           0|           0|           0|           0|           0|           0|           0|           0|           0|           1|           0|           0|           0|           0|           0|           0|           0|           0|           0|           0|           0|       5.0|</a:t>
+            </a:r>
+          </a:p>
+        </p:txBody>
+      </p:sp>
+      <p:sp>
+        <p:nvSpPr>
+          <p:cNvPr id="134" name="+---------+------+-----+--------------------------------+------------------------------+-------------------------------+-------------+--------------+-------------+----------------------------------+-----------------+-----------------+-----------------+-----------------+-----------+-----------+-----------+-----------+-----------+-----------+-----------+-----------+-----------+-----------+------------+------------+------------+------------+------------+------------+------------+------------+------------+------------+------------+------------+------------+------------+------------+------------+------------+------------+------------+------------+------------+------------+------------+------------+------------+------------+------------+------------+------------+------------+----------+…"/>
+          <p:cNvSpPr txBox="1"/>
+          <p:nvPr/>
+        </p:nvSpPr>
+        <p:spPr>
+          <a:xfrm>
+            <a:off x="-25812155" y="3857503"/>
+            <a:ext cx="43675310" cy="846018"/>
+          </a:xfrm>
+          <a:prstGeom prst="rect">
+            <a:avLst/>
+          </a:prstGeom>
+          <a:ln w="12700">
+            <a:miter lim="400000"/>
+          </a:ln>
+          <a:extLst>
+            <a:ext uri="{C572A759-6A51-4108-AA02-DFA0A04FC94B}">
+              <ma14:wrappingTextBoxFlag xmlns:ma14="http://schemas.microsoft.com/office/mac/drawingml/2011/main" val="1"/>
+            </a:ext>
+          </a:extLst>
+        </p:spPr>
+        <p:txBody>
+          <a:bodyPr lIns="45719" rIns="45719">
+            <a:spAutoFit/>
+          </a:bodyPr>
+          <a:lstStyle/>
+          <a:p>
+            <a:pPr defTabSz="457200">
+              <a:defRPr sz="700">
+                <a:solidFill>
+                  <a:srgbClr val="212121"/>
+                </a:solidFill>
+                <a:latin typeface="Monaco"/>
+                <a:ea typeface="Monaco"/>
+                <a:cs typeface="Monaco"/>
+                <a:sym typeface="Monaco"/>
+              </a:defRPr>
+            </a:pPr>
+            <a:r>
+              <a:t>+---------+------+-----+--------------------------------+------------------------------+-------------------------------+-------------+--------------+-------------+----------------------------------+-----------------+-----------------+-----------------+-----------------+-----------+-----------+-----------+-----------+-----------+-----------+-----------+-----------+-----------+-----------+------------+------------+------------+------------+------------+------------+------------+------------+------------+------------+------------+------------+------------+------------+------------+------------+------------+------------+------------+------------+------------+------------+------------+------------+------------+------------+------------+------------+------------+------------+----------+</a:t>
+            </a:r>
+          </a:p>
+          <a:p>
+            <a:pPr defTabSz="457200">
+              <a:defRPr sz="700">
+                <a:solidFill>
+                  <a:srgbClr val="212121"/>
+                </a:solidFill>
+                <a:latin typeface="Monaco"/>
+                <a:ea typeface="Monaco"/>
+                <a:cs typeface="Monaco"/>
+                <a:sym typeface="Monaco"/>
+              </a:defRPr>
+            </a:pPr>
+            <a:r>
+              <a:t>|Elevation|Aspect|Slope|Horizontal_Distance_To_Hydrology|Vertical_Distance_To_Hydrology|Horizontal_Distance_To_Roadways|Hillshade_9am|Hillshade_Noon|Hillshade_3pm|Horizontal_Distance_To_Fire_Points|Wilderness_Area_0|Wilderness_Area_1|Wilderness_Area_2|Wilderness_Area_3|Soil_Type_0|Soil_Type_1|Soil_Type_2|Soil_Type_3|Soil_Type_4|Soil_Type_5|Soil_Type_6|Soil_Type_7|Soil_Type_8|Soil_Type_9|Soil_Type_10|Soil_Type_11|Soil_Type_12|Soil_Type_13|Soil_Type_14|Soil_Type_15|Soil_Type_16|Soil_Type_17|Soil_Type_18|Soil_Type_19|Soil_Type_20|Soil_Type_21|Soil_Type_22|Soil_Type_23|Soil_Type_24|Soil_Type_25|Soil_Type_26|Soil_Type_27|Soil_Type_28|Soil_Type_29|Soil_Type_30|Soil_Type_31|Soil_Type_32|Soil_Type_33|Soil_Type_34|Soil_Type_35|Soil_Type_36|Soil_Type_37|Soil_Type_38|Soil_Type_39|Cover_Type|</a:t>
+            </a:r>
+          </a:p>
+          <a:p>
+            <a:pPr defTabSz="457200">
+              <a:defRPr sz="700">
+                <a:solidFill>
+                  <a:srgbClr val="212121"/>
+                </a:solidFill>
+                <a:latin typeface="Monaco"/>
+                <a:ea typeface="Monaco"/>
+                <a:cs typeface="Monaco"/>
+                <a:sym typeface="Monaco"/>
+              </a:defRPr>
+            </a:pPr>
+            <a:r>
+              <a:t>+---------+------+-----+--------------------------------+------------------------------+-------------------------------+-------------+--------------+-------------+----------------------------------+-----------------+-----------------+-----------------+-----------------+-----------+-----------+-----------+-----------+-----------+-----------+-----------+-----------+-----------+-----------+------------+------------+------------+------------+------------+------------+------------+------------+------------+------------+------------+------------+------------+------------+------------+------------+------------+------------+------------+------------+------------+------------+------------+------------+------------+------------+------------+------------+------------+------------+----------+</a:t>
+            </a:r>
+          </a:p>
+          <a:p>
+            <a:pPr defTabSz="457200">
+              <a:defRPr sz="700">
+                <a:solidFill>
+                  <a:srgbClr val="212121"/>
+                </a:solidFill>
+                <a:latin typeface="Monaco"/>
+                <a:ea typeface="Monaco"/>
+                <a:cs typeface="Monaco"/>
+                <a:sym typeface="Monaco"/>
+              </a:defRPr>
+            </a:pPr>
+            <a:r>
+              <a:t>|     2596|    51|    3|                             258|                             0|                            510|          221|           232|          148|                              6279|                1|                0|                0|                0|          0|          0|          0|          0|          0|          0|          0|          0|          0|          0|           0|           0|           0|           0|           0|           0|           0|           0|           0|           0|           0|           0|           0|           0|           0|           0|           0|           0|           1|           0|           0|           0|           0|           0|           0|           0|           0|           0|           0|           0|       5.0|</a:t>
+            </a:r>
+          </a:p>
+          <a:p>
+            <a:pPr defTabSz="457200">
+              <a:defRPr sz="700">
+                <a:solidFill>
+                  <a:srgbClr val="212121"/>
+                </a:solidFill>
+                <a:latin typeface="Monaco"/>
+                <a:ea typeface="Monaco"/>
+                <a:cs typeface="Monaco"/>
+                <a:sym typeface="Monaco"/>
+              </a:defRPr>
+            </a:pPr>
+            <a:r>
+              <a:t>|     2590|    56|    2|                             212|                            -6|                            390|          220|           235|          151|                              6225|                1|                0|                0|                0|          0|          0|          0|          0|          0|          0|          0|          0|          0|          0|           0|           0|           0|           0|           0|           0|           0|           0|           0|           0|           0|           0|           0|           0|           0|           0|           0|           0|           1|           0|           0|           0|           0|           0|           0|           0|           0|           0|           0|           0|       5.0|</a:t>
+            </a:r>
+          </a:p>
+        </p:txBody>
+      </p:sp>
+      <p:sp>
+        <p:nvSpPr>
+          <p:cNvPr id="135" name="+---------+------+-----+--------------------------------+------------------------------+-------------------------------+-------------+--------------+-------------+----------------------------------+-----------------+-----------------+-----------------+-----------------+-----------+-----------+-----------+-----------+-----------+-----------+-----------+-----------+-----------+-----------+------------+------------+------------+------------+------------+------------+------------+------------+------------+------------+------------+------------+------------+------------+------------+------------+------------+------------+------------+------------+------------+------------+------------+------------+------------+------------+------------+------------+------------+------------+----------+…"/>
+          <p:cNvSpPr txBox="1"/>
+          <p:nvPr/>
+        </p:nvSpPr>
+        <p:spPr>
+          <a:xfrm>
+            <a:off x="-33267055" y="4678974"/>
+            <a:ext cx="43675310" cy="846018"/>
+          </a:xfrm>
+          <a:prstGeom prst="rect">
+            <a:avLst/>
+          </a:prstGeom>
+          <a:ln w="12700">
+            <a:miter lim="400000"/>
+          </a:ln>
+          <a:extLst>
+            <a:ext uri="{C572A759-6A51-4108-AA02-DFA0A04FC94B}">
+              <ma14:wrappingTextBoxFlag xmlns:ma14="http://schemas.microsoft.com/office/mac/drawingml/2011/main" val="1"/>
+            </a:ext>
+          </a:extLst>
+        </p:spPr>
+        <p:txBody>
+          <a:bodyPr lIns="45719" rIns="45719">
+            <a:spAutoFit/>
+          </a:bodyPr>
+          <a:lstStyle/>
+          <a:p>
+            <a:pPr defTabSz="457200">
+              <a:defRPr sz="700">
+                <a:solidFill>
+                  <a:srgbClr val="212121"/>
+                </a:solidFill>
+                <a:latin typeface="Monaco"/>
+                <a:ea typeface="Monaco"/>
+                <a:cs typeface="Monaco"/>
+                <a:sym typeface="Monaco"/>
+              </a:defRPr>
+            </a:pPr>
+            <a:r>
+              <a:t>+---------+------+-----+--------------------------------+------------------------------+-------------------------------+-------------+--------------+-------------+----------------------------------+-----------------+-----------------+-----------------+-----------------+-----------+-----------+-----------+-----------+-----------+-----------+-----------+-----------+-----------+-----------+------------+------------+------------+------------+------------+------------+------------+------------+------------+------------+------------+------------+------------+------------+------------+------------+------------+------------+------------+------------+------------+------------+------------+------------+------------+------------+------------+------------+------------+------------+----------+</a:t>
+            </a:r>
+          </a:p>
+          <a:p>
+            <a:pPr defTabSz="457200">
+              <a:defRPr sz="700">
+                <a:solidFill>
+                  <a:srgbClr val="212121"/>
+                </a:solidFill>
+                <a:latin typeface="Monaco"/>
+                <a:ea typeface="Monaco"/>
+                <a:cs typeface="Monaco"/>
+                <a:sym typeface="Monaco"/>
+              </a:defRPr>
+            </a:pPr>
+            <a:r>
+              <a:t>|Elevation|Aspect|Slope|Horizontal_Distance_To_Hydrology|Vertical_Distance_To_Hydrology|Horizontal_Distance_To_Roadways|Hillshade_9am|Hillshade_Noon|Hillshade_3pm|Horizontal_Distance_To_Fire_Points|Wilderness_Area_0|Wilderness_Area_1|Wilderness_Area_2|Wilderness_Area_3|Soil_Type_0|Soil_Type_1|Soil_Type_2|Soil_Type_3|Soil_Type_4|Soil_Type_5|Soil_Type_6|Soil_Type_7|Soil_Type_8|Soil_Type_9|Soil_Type_10|Soil_Type_11|Soil_Type_12|Soil_Type_13|Soil_Type_14|Soil_Type_15|Soil_Type_16|Soil_Type_17|Soil_Type_18|Soil_Type_19|Soil_Type_20|Soil_Type_21|Soil_Type_22|Soil_Type_23|Soil_Type_24|Soil_Type_25|Soil_Type_26|Soil_Type_27|Soil_Type_28|Soil_Type_29|Soil_Type_30|Soil_Type_31|Soil_Type_32|Soil_Type_33|Soil_Type_34|Soil_Type_35|Soil_Type_36|Soil_Type_37|Soil_Type_38|Soil_Type_39|Cover_Type|</a:t>
+            </a:r>
+          </a:p>
+          <a:p>
+            <a:pPr defTabSz="457200">
+              <a:defRPr sz="700">
+                <a:solidFill>
+                  <a:srgbClr val="212121"/>
+                </a:solidFill>
+                <a:latin typeface="Monaco"/>
+                <a:ea typeface="Monaco"/>
+                <a:cs typeface="Monaco"/>
+                <a:sym typeface="Monaco"/>
+              </a:defRPr>
+            </a:pPr>
+            <a:r>
+              <a:t>+---------+------+-----+--------------------------------+------------------------------+-------------------------------+-------------+--------------+-------------+----------------------------------+-----------------+-----------------+-----------------+-----------------+-----------+-----------+-----------+-----------+-----------+-----------+-----------+-----------+-----------+-----------+------------+------------+------------+------------+------------+------------+------------+------------+------------+------------+------------+------------+------------+------------+------------+------------+------------+------------+------------+------------+------------+------------+------------+------------+------------+------------+------------+------------+------------+------------+----------+</a:t>
+            </a:r>
+          </a:p>
+          <a:p>
+            <a:pPr defTabSz="457200">
+              <a:defRPr sz="700">
+                <a:solidFill>
+                  <a:srgbClr val="212121"/>
+                </a:solidFill>
+                <a:latin typeface="Monaco"/>
+                <a:ea typeface="Monaco"/>
+                <a:cs typeface="Monaco"/>
+                <a:sym typeface="Monaco"/>
+              </a:defRPr>
+            </a:pPr>
+            <a:r>
+              <a:t>|     2596|    51|    3|                             258|                             0|                            510|          221|           232|          148|                              6279|                1|                0|                0|                0|          0|          0|          0|          0|          0|          0|          0|          0|          0|          0|           0|           0|           0|           0|           0|           0|           0|           0|           0|           0|           0|           0|           0|           0|           0|           0|           0|           0|           1|           0|           0|           0|           0|           0|           0|           0|           0|           0|           0|           0|       5.0|</a:t>
+            </a:r>
+          </a:p>
+          <a:p>
+            <a:pPr defTabSz="457200">
+              <a:defRPr sz="700">
+                <a:solidFill>
+                  <a:srgbClr val="212121"/>
+                </a:solidFill>
+                <a:latin typeface="Monaco"/>
+                <a:ea typeface="Monaco"/>
+                <a:cs typeface="Monaco"/>
+                <a:sym typeface="Monaco"/>
+              </a:defRPr>
+            </a:pPr>
+            <a:r>
+              <a:t>|     2590|    56|    2|                             212|                            -6|                            390|          220|           235|          151|                              6225|                1|                0|                0|                0|          0|          0|          0|          0|          0|          0|          0|          0|          0|          0|           0|           0|           0|           0|           0|           0|           0|           0|           0|           0|           0|           0|           0|           0|           0|           0|           0|           0|           1|           0|           0|           0|           0|           0|           0|           0|           0|           0|           0|           0|       5.0|</a:t>
+            </a:r>
+          </a:p>
+        </p:txBody>
+      </p:sp>
+    </p:spTree>
+  </p:cSld>
+  <p:clrMapOvr>
+    <a:masterClrMapping/>
+  </p:clrMapOvr>
+  <p:transition xmlns:p14="http://schemas.microsoft.com/office/powerpoint/2010/main" spd="med" advClick="1"/>
+</p:sld>
+</file>
+
+<file path=ppt/slides/slide7.xml><?xml version="1.0" encoding="utf-8"?>
+<p:sld xmlns:a="http://schemas.openxmlformats.org/drawingml/2006/main" xmlns:r="http://schemas.openxmlformats.org/officeDocument/2006/relationships" xmlns:p="http://schemas.openxmlformats.org/presentationml/2006/main" showMasterSp="1" showMasterPhAnim="1">
+  <p:cSld>
+    <p:spTree>
+      <p:nvGrpSpPr>
+        <p:cNvPr id="1" name=""/>
+        <p:cNvGrpSpPr/>
+        <p:nvPr/>
+      </p:nvGrpSpPr>
+      <p:grpSpPr>
+        <a:xfrm>
+          <a:off x="0" y="0"/>
+          <a:ext cx="0" cy="0"/>
+          <a:chOff x="0" y="0"/>
+          <a:chExt cx="0" cy="0"/>
+        </a:xfrm>
+      </p:grpSpPr>
+      <p:sp>
+        <p:nvSpPr>
+          <p:cNvPr id="137" name="Create a feature vector"/>
+          <p:cNvSpPr txBox="1"/>
+          <p:nvPr>
+            <p:ph type="title"/>
+          </p:nvPr>
+        </p:nvSpPr>
+        <p:spPr>
+          <a:prstGeom prst="rect">
+            <a:avLst/>
+          </a:prstGeom>
+        </p:spPr>
+        <p:txBody>
+          <a:bodyPr/>
+          <a:lstStyle/>
+          <a:p>
+            <a:pPr/>
+            <a:r>
+              <a:t>Create a feature vector</a:t>
+            </a:r>
+          </a:p>
+        </p:txBody>
+      </p:sp>
+      <p:sp>
+        <p:nvSpPr>
+          <p:cNvPr id="138" name="val inputCols = trainData.columns.filter(_ != &quot;Cover_Type&quot;)…"/>
+          <p:cNvSpPr txBox="1"/>
+          <p:nvPr/>
+        </p:nvSpPr>
+        <p:spPr>
+          <a:xfrm>
+            <a:off x="1360904" y="1592580"/>
+            <a:ext cx="5842755" cy="2021841"/>
+          </a:xfrm>
+          <a:prstGeom prst="rect">
+            <a:avLst/>
+          </a:prstGeom>
+          <a:ln w="12700">
+            <a:miter lim="400000"/>
+          </a:ln>
+          <a:extLst>
+            <a:ext uri="{C572A759-6A51-4108-AA02-DFA0A04FC94B}">
+              <ma14:wrappingTextBoxFlag xmlns:ma14="http://schemas.microsoft.com/office/mac/drawingml/2011/main" val="1"/>
+            </a:ext>
+          </a:extLst>
+        </p:spPr>
+        <p:txBody>
+          <a:bodyPr wrap="none" lIns="45719" rIns="45719">
+            <a:spAutoFit/>
+          </a:bodyPr>
+          <a:lstStyle/>
+          <a:p>
+            <a:pPr>
+              <a:defRPr sz="1600"/>
+            </a:pPr>
+            <a:r>
+              <a:t>     val inputCols = trainData.columns.filter(_ != "Cover_Type")</a:t>
+            </a:r>
+          </a:p>
+          <a:p>
+            <a:pPr>
+              <a:defRPr sz="1600"/>
+            </a:pPr>
+            <a:r>
+              <a:t>    val assembler = new VectorAssembler().</a:t>
+            </a:r>
+          </a:p>
+          <a:p>
+            <a:pPr>
+              <a:defRPr sz="1600"/>
+            </a:pPr>
+            <a:r>
+              <a:t>      setInputCols(inputCols).</a:t>
+            </a:r>
+          </a:p>
+          <a:p>
+            <a:pPr>
+              <a:defRPr sz="1600"/>
+            </a:pPr>
+            <a:r>
+              <a:t>      setOutputCol("featureVector")</a:t>
+            </a:r>
+          </a:p>
+          <a:p>
+            <a:pPr>
+              <a:defRPr sz="1600"/>
+            </a:pPr>
+          </a:p>
+          <a:p>
+            <a:pPr>
+              <a:defRPr sz="1600"/>
+            </a:pPr>
+            <a:r>
+              <a:t>    val assembledTrainData = assembler.transform(trainData)</a:t>
+            </a:r>
+          </a:p>
+          <a:p>
+            <a:pPr>
+              <a:defRPr sz="1600"/>
+            </a:pPr>
+            <a:r>
+              <a:t>    assembledTrainData.select("featureVector").show(truncate = false)</a:t>
+            </a:r>
+          </a:p>
+        </p:txBody>
+      </p:sp>
+      <p:sp>
+        <p:nvSpPr>
+          <p:cNvPr id="139" name="+-----------------------------------------------------------------------------------------------------+…"/>
+          <p:cNvSpPr txBox="1"/>
+          <p:nvPr/>
+        </p:nvSpPr>
+        <p:spPr>
+          <a:xfrm>
+            <a:off x="721836" y="3789362"/>
+            <a:ext cx="10156984" cy="1503237"/>
+          </a:xfrm>
+          <a:prstGeom prst="rect">
+            <a:avLst/>
+          </a:prstGeom>
+          <a:ln w="12700">
+            <a:miter lim="400000"/>
+          </a:ln>
+          <a:extLst>
+            <a:ext uri="{C572A759-6A51-4108-AA02-DFA0A04FC94B}">
+              <ma14:wrappingTextBoxFlag xmlns:ma14="http://schemas.microsoft.com/office/mac/drawingml/2011/main" val="1"/>
+            </a:ext>
+          </a:extLst>
+        </p:spPr>
+        <p:txBody>
+          <a:bodyPr lIns="45719" rIns="45719">
+            <a:spAutoFit/>
+          </a:bodyPr>
+          <a:lstStyle/>
+          <a:p>
+            <a:pPr defTabSz="457200">
+              <a:defRPr sz="1000">
+                <a:solidFill>
+                  <a:srgbClr val="212121"/>
+                </a:solidFill>
+                <a:latin typeface="Monaco"/>
+                <a:ea typeface="Monaco"/>
+                <a:cs typeface="Monaco"/>
+                <a:sym typeface="Monaco"/>
+              </a:defRPr>
+            </a:pPr>
+            <a:r>
+              <a:t>+-----------------------------------------------------------------------------------------------------+</a:t>
+            </a:r>
+          </a:p>
+          <a:p>
+            <a:pPr defTabSz="457200">
+              <a:defRPr sz="1000">
+                <a:solidFill>
+                  <a:srgbClr val="212121"/>
+                </a:solidFill>
+                <a:latin typeface="Monaco"/>
+                <a:ea typeface="Monaco"/>
+                <a:cs typeface="Monaco"/>
+                <a:sym typeface="Monaco"/>
+              </a:defRPr>
+            </a:pPr>
+            <a:r>
+              <a:t>|featureVector                                                                                        |</a:t>
+            </a:r>
+          </a:p>
+          <a:p>
+            <a:pPr defTabSz="457200">
+              <a:defRPr sz="1000">
+                <a:solidFill>
+                  <a:srgbClr val="212121"/>
+                </a:solidFill>
+                <a:latin typeface="Monaco"/>
+                <a:ea typeface="Monaco"/>
+                <a:cs typeface="Monaco"/>
+                <a:sym typeface="Monaco"/>
+              </a:defRPr>
+            </a:pPr>
+            <a:r>
+              <a:t>+-----------------------------------------------------------------------------------------------------+</a:t>
+            </a:r>
+          </a:p>
+          <a:p>
+            <a:pPr defTabSz="457200">
+              <a:defRPr sz="1000">
+                <a:solidFill>
+                  <a:srgbClr val="212121"/>
+                </a:solidFill>
+                <a:latin typeface="Monaco"/>
+                <a:ea typeface="Monaco"/>
+                <a:cs typeface="Monaco"/>
+                <a:sym typeface="Monaco"/>
+              </a:defRPr>
+            </a:pPr>
+            <a:r>
+              <a:t>|(54,[0,1,2,3,4,5,6,7,8,9,13,15],[1863.0,37.0,17.0,120.0,18.0,90.0,217.0,202.0,115.0,769.0,1.0,1.0])  |</a:t>
+            </a:r>
+          </a:p>
+          <a:p>
+            <a:pPr defTabSz="457200">
+              <a:defRPr sz="1000">
+                <a:solidFill>
+                  <a:srgbClr val="212121"/>
+                </a:solidFill>
+                <a:latin typeface="Monaco"/>
+                <a:ea typeface="Monaco"/>
+                <a:cs typeface="Monaco"/>
+                <a:sym typeface="Monaco"/>
+              </a:defRPr>
+            </a:pPr>
+            <a:r>
+              <a:t>|(54,[0,1,2,5,6,7,8,9,13,18],[1874.0,18.0,14.0,90.0,208.0,209.0,135.0,793.0,1.0,1.0])                 |</a:t>
+            </a:r>
+          </a:p>
+          <a:p>
+            <a:pPr defTabSz="457200">
+              <a:defRPr sz="1000">
+                <a:solidFill>
+                  <a:srgbClr val="212121"/>
+                </a:solidFill>
+                <a:latin typeface="Monaco"/>
+                <a:ea typeface="Monaco"/>
+                <a:cs typeface="Monaco"/>
+                <a:sym typeface="Monaco"/>
+              </a:defRPr>
+            </a:pPr>
+            <a:r>
+              <a:t>|(54,[0,1,2,3,4,5,6,7,8,9,13,18],[1879.0,28.0,19.0,30.0,12.0,95.0,209.0,196.0,117.0,778.0,1.0,1.0])   |</a:t>
+            </a:r>
+          </a:p>
+          <a:p>
+            <a:pPr defTabSz="457200">
+              <a:defRPr sz="1000">
+                <a:solidFill>
+                  <a:srgbClr val="212121"/>
+                </a:solidFill>
+                <a:latin typeface="Monaco"/>
+                <a:ea typeface="Monaco"/>
+                <a:cs typeface="Monaco"/>
+                <a:sym typeface="Monaco"/>
+              </a:defRPr>
+            </a:pPr>
+            <a:r>
+              <a:t>|(54,[0,1,2,3,4,5,6,7,8,9,13,15],[1888.0,33.0,22.0,150.0,46.0,108.0,209.0,185.0,103.0,735.0,1.0,1.0]) |</a:t>
+            </a:r>
+          </a:p>
+          <a:p>
+            <a:pPr defTabSz="457200">
+              <a:defRPr sz="1000">
+                <a:solidFill>
+                  <a:srgbClr val="212121"/>
+                </a:solidFill>
+                <a:latin typeface="Monaco"/>
+                <a:ea typeface="Monaco"/>
+                <a:cs typeface="Monaco"/>
+                <a:sym typeface="Monaco"/>
+              </a:defRPr>
+            </a:pPr>
+            <a:r>
+              <a:t>|(54,[0,1,2,3,4,5,6,7,8,9,13,14],[1889.0,28.0,22.0,150.0,23.0,120.0,205.0,185.0,108.0,759.0,1.0,1.0]) |</a:t>
+            </a:r>
+          </a:p>
+        </p:txBody>
+      </p:sp>
+    </p:spTree>
+  </p:cSld>
+  <p:clrMapOvr>
+    <a:masterClrMapping/>
+  </p:clrMapOvr>
+  <p:transition xmlns:p14="http://schemas.microsoft.com/office/powerpoint/2010/main" spd="med" advClick="1"/>
+</p:sld>
+</file>
+
+<file path=ppt/slides/slide8.xml><?xml version="1.0" encoding="utf-8"?>
+<p:sld xmlns:a="http://schemas.openxmlformats.org/drawingml/2006/main" xmlns:r="http://schemas.openxmlformats.org/officeDocument/2006/relationships" xmlns:p="http://schemas.openxmlformats.org/presentationml/2006/main" showMasterSp="1" showMasterPhAnim="1">
+  <p:cSld>
+    <p:spTree>
+      <p:nvGrpSpPr>
+        <p:cNvPr id="1" name=""/>
+        <p:cNvGrpSpPr/>
+        <p:nvPr/>
+      </p:nvGrpSpPr>
+      <p:grpSpPr>
+        <a:xfrm>
+          <a:off x="0" y="0"/>
+          <a:ext cx="0" cy="0"/>
+          <a:chOff x="0" y="0"/>
+          <a:chExt cx="0" cy="0"/>
+        </a:xfrm>
+      </p:grpSpPr>
+      <p:sp>
+        <p:nvSpPr>
+          <p:cNvPr id="141" name="Create a Classifier and train it"/>
+          <p:cNvSpPr txBox="1"/>
+          <p:nvPr>
+            <p:ph type="title"/>
+          </p:nvPr>
+        </p:nvSpPr>
+        <p:spPr>
+          <a:prstGeom prst="rect">
+            <a:avLst/>
+          </a:prstGeom>
+        </p:spPr>
+        <p:txBody>
+          <a:bodyPr/>
+          <a:lstStyle/>
+          <a:p>
+            <a:pPr/>
+            <a:r>
+              <a:t>Create a Classifier and train it</a:t>
+            </a:r>
+          </a:p>
+        </p:txBody>
+      </p:sp>
+      <p:sp>
+        <p:nvSpPr>
+          <p:cNvPr id="142" name="val classifier = new DecisionTreeClassifier().…"/>
+          <p:cNvSpPr txBox="1"/>
+          <p:nvPr/>
+        </p:nvSpPr>
+        <p:spPr>
+          <a:xfrm>
+            <a:off x="2305646" y="1275080"/>
+            <a:ext cx="4532708" cy="2885441"/>
+          </a:xfrm>
+          <a:prstGeom prst="rect">
+            <a:avLst/>
+          </a:prstGeom>
+          <a:ln w="12700">
+            <a:miter lim="400000"/>
+          </a:ln>
+          <a:extLst>
+            <a:ext uri="{C572A759-6A51-4108-AA02-DFA0A04FC94B}">
+              <ma14:wrappingTextBoxFlag xmlns:ma14="http://schemas.microsoft.com/office/mac/drawingml/2011/main" val="1"/>
+            </a:ext>
+          </a:extLst>
+        </p:spPr>
+        <p:txBody>
+          <a:bodyPr wrap="none" lIns="45719" rIns="45719">
+            <a:spAutoFit/>
+          </a:bodyPr>
+          <a:lstStyle/>
+          <a:p>
+            <a:pPr/>
+            <a:r>
+              <a:t>   val classifier = new DecisionTreeClassifier().</a:t>
+            </a:r>
+          </a:p>
+          <a:p>
+            <a:pPr/>
+            <a:r>
+              <a:t>      setSeed(Random.nextLong()).</a:t>
+            </a:r>
+          </a:p>
+          <a:p>
+            <a:pPr/>
+            <a:r>
+              <a:t>      setLabelCol("Cover_Type").</a:t>
+            </a:r>
+          </a:p>
+          <a:p>
+            <a:pPr/>
+            <a:r>
+              <a:t>      setFeaturesCol("featureVector").</a:t>
+            </a:r>
+          </a:p>
+          <a:p>
+            <a:pPr/>
+            <a:r>
+              <a:t>      setPredictionCol("prediction")</a:t>
+            </a:r>
+          </a:p>
+          <a:p>
+            <a:pPr/>
+          </a:p>
+          <a:p>
+            <a:pPr/>
+            <a:r>
+              <a:t>    val model = classifier.fit(assembledTrainData)</a:t>
+            </a:r>
+          </a:p>
+          <a:p>
+            <a:pPr/>
+            <a:r>
+              <a:t>    println(model.toDebugString)</a:t>
+            </a:r>
+          </a:p>
+          <a:p>
+            <a:pPr/>
+          </a:p>
+        </p:txBody>
+      </p:sp>
+      <p:sp>
+        <p:nvSpPr>
+          <p:cNvPr id="143" name="classifier: org.apache.spark.ml.classification.DecisionTreeClassifier = dtc_8f2aed40cf03…"/>
+          <p:cNvSpPr txBox="1"/>
+          <p:nvPr/>
+        </p:nvSpPr>
+        <p:spPr>
+          <a:xfrm>
+            <a:off x="856587" y="3656342"/>
+            <a:ext cx="8335081" cy="3103437"/>
+          </a:xfrm>
+          <a:prstGeom prst="rect">
+            <a:avLst/>
+          </a:prstGeom>
+          <a:ln w="12700">
+            <a:miter lim="400000"/>
+          </a:ln>
+          <a:extLst>
+            <a:ext uri="{C572A759-6A51-4108-AA02-DFA0A04FC94B}">
+              <ma14:wrappingTextBoxFlag xmlns:ma14="http://schemas.microsoft.com/office/mac/drawingml/2011/main" val="1"/>
+            </a:ext>
+          </a:extLst>
+        </p:spPr>
+        <p:txBody>
+          <a:bodyPr wrap="none" lIns="45719" rIns="45719">
+            <a:spAutoFit/>
+          </a:bodyPr>
+          <a:lstStyle/>
+          <a:p>
+            <a:pPr defTabSz="457200">
+              <a:defRPr sz="1000">
+                <a:solidFill>
+                  <a:srgbClr val="212121"/>
+                </a:solidFill>
+                <a:latin typeface="Monaco"/>
+                <a:ea typeface="Monaco"/>
+                <a:cs typeface="Monaco"/>
+                <a:sym typeface="Monaco"/>
+              </a:defRPr>
+            </a:pPr>
+            <a:r>
+              <a:t>classifier: org.apache.spark.ml.classification.DecisionTreeClassifier = dtc_8f2aed40cf03</a:t>
+            </a:r>
+          </a:p>
+          <a:p>
+            <a:pPr defTabSz="457200">
+              <a:defRPr sz="1000">
+                <a:solidFill>
+                  <a:srgbClr val="212121"/>
+                </a:solidFill>
+                <a:latin typeface="Monaco"/>
+                <a:ea typeface="Monaco"/>
+                <a:cs typeface="Monaco"/>
+                <a:sym typeface="Monaco"/>
+              </a:defRPr>
+            </a:pPr>
+            <a:r>
+              <a:t>model: org.apache.spark.ml.classification.DecisionTreeClassificationModel = DecisionTreeClassificationModel (uid=dtc_8f2aed40cf03) of depth 5 with 63 nodes</a:t>
+            </a:r>
+          </a:p>
+          <a:p>
+            <a:pPr defTabSz="457200">
+              <a:defRPr sz="1000">
+                <a:solidFill>
+                  <a:srgbClr val="212121"/>
+                </a:solidFill>
+                <a:latin typeface="Monaco"/>
+                <a:ea typeface="Monaco"/>
+                <a:cs typeface="Monaco"/>
+                <a:sym typeface="Monaco"/>
+              </a:defRPr>
+            </a:pPr>
+            <a:r>
+              <a:t>DecisionTreeClassificationModel (uid=dtc_8f2aed40cf03) of depth 5 with 63 nodes</a:t>
+            </a:r>
+          </a:p>
+          <a:p>
+            <a:pPr defTabSz="457200">
+              <a:defRPr sz="1000">
+                <a:solidFill>
+                  <a:srgbClr val="212121"/>
+                </a:solidFill>
+                <a:latin typeface="Monaco"/>
+                <a:ea typeface="Monaco"/>
+                <a:cs typeface="Monaco"/>
+                <a:sym typeface="Monaco"/>
+              </a:defRPr>
+            </a:pPr>
+            <a:r>
+              <a:t>  If (feature 0 &lt;= 3050.0)</a:t>
+            </a:r>
+          </a:p>
+          <a:p>
+            <a:pPr defTabSz="457200">
+              <a:defRPr sz="1000">
+                <a:solidFill>
+                  <a:srgbClr val="212121"/>
+                </a:solidFill>
+                <a:latin typeface="Monaco"/>
+                <a:ea typeface="Monaco"/>
+                <a:cs typeface="Monaco"/>
+                <a:sym typeface="Monaco"/>
+              </a:defRPr>
+            </a:pPr>
+            <a:r>
+              <a:t>   If (feature 0 &lt;= 2557.0)</a:t>
+            </a:r>
+          </a:p>
+          <a:p>
+            <a:pPr defTabSz="457200">
+              <a:defRPr sz="1000">
+                <a:solidFill>
+                  <a:srgbClr val="212121"/>
+                </a:solidFill>
+                <a:latin typeface="Monaco"/>
+                <a:ea typeface="Monaco"/>
+                <a:cs typeface="Monaco"/>
+                <a:sym typeface="Monaco"/>
+              </a:defRPr>
+            </a:pPr>
+            <a:r>
+              <a:t>    If (feature 10 &lt;= 0.0)</a:t>
+            </a:r>
+          </a:p>
+          <a:p>
+            <a:pPr defTabSz="457200">
+              <a:defRPr sz="1000">
+                <a:solidFill>
+                  <a:srgbClr val="212121"/>
+                </a:solidFill>
+                <a:latin typeface="Monaco"/>
+                <a:ea typeface="Monaco"/>
+                <a:cs typeface="Monaco"/>
+                <a:sym typeface="Monaco"/>
+              </a:defRPr>
+            </a:pPr>
+            <a:r>
+              <a:t>     If (feature 0 &lt;= 2445.0)</a:t>
+            </a:r>
+          </a:p>
+          <a:p>
+            <a:pPr defTabSz="457200">
+              <a:defRPr sz="1000">
+                <a:solidFill>
+                  <a:srgbClr val="212121"/>
+                </a:solidFill>
+                <a:latin typeface="Monaco"/>
+                <a:ea typeface="Monaco"/>
+                <a:cs typeface="Monaco"/>
+                <a:sym typeface="Monaco"/>
+              </a:defRPr>
+            </a:pPr>
+            <a:r>
+              <a:t>      If (feature 3 &lt;= 0.0)</a:t>
+            </a:r>
+          </a:p>
+          <a:p>
+            <a:pPr defTabSz="457200">
+              <a:defRPr sz="1000">
+                <a:solidFill>
+                  <a:srgbClr val="212121"/>
+                </a:solidFill>
+                <a:latin typeface="Monaco"/>
+                <a:ea typeface="Monaco"/>
+                <a:cs typeface="Monaco"/>
+                <a:sym typeface="Monaco"/>
+              </a:defRPr>
+            </a:pPr>
+            <a:r>
+              <a:t>       Predict: 4.0</a:t>
+            </a:r>
+          </a:p>
+          <a:p>
+            <a:pPr defTabSz="457200">
+              <a:defRPr sz="1000">
+                <a:solidFill>
+                  <a:srgbClr val="212121"/>
+                </a:solidFill>
+                <a:latin typeface="Monaco"/>
+                <a:ea typeface="Monaco"/>
+                <a:cs typeface="Monaco"/>
+                <a:sym typeface="Monaco"/>
+              </a:defRPr>
+            </a:pPr>
+            <a:r>
+              <a:t>      Else (feature 3 &gt; 0.0)</a:t>
+            </a:r>
+          </a:p>
+          <a:p>
+            <a:pPr defTabSz="457200">
+              <a:defRPr sz="1000">
+                <a:solidFill>
+                  <a:srgbClr val="212121"/>
+                </a:solidFill>
+                <a:latin typeface="Monaco"/>
+                <a:ea typeface="Monaco"/>
+                <a:cs typeface="Monaco"/>
+                <a:sym typeface="Monaco"/>
+              </a:defRPr>
+            </a:pPr>
+            <a:r>
+              <a:t>       Predict: 3.0</a:t>
+            </a:r>
+          </a:p>
+          <a:p>
+            <a:pPr defTabSz="457200">
+              <a:defRPr sz="1000">
+                <a:solidFill>
+                  <a:srgbClr val="212121"/>
+                </a:solidFill>
+                <a:latin typeface="Monaco"/>
+                <a:ea typeface="Monaco"/>
+                <a:cs typeface="Monaco"/>
+                <a:sym typeface="Monaco"/>
+              </a:defRPr>
+            </a:pPr>
+            <a:r>
+              <a:t>     Else (feature 0 &gt; 2445.0)</a:t>
+            </a:r>
+          </a:p>
+          <a:p>
+            <a:pPr defTabSz="457200">
+              <a:defRPr sz="1000">
+                <a:solidFill>
+                  <a:srgbClr val="212121"/>
+                </a:solidFill>
+                <a:latin typeface="Monaco"/>
+                <a:ea typeface="Monaco"/>
+                <a:cs typeface="Monaco"/>
+                <a:sym typeface="Monaco"/>
+              </a:defRPr>
+            </a:pPr>
+            <a:r>
+              <a:t>      If (feature 17 &lt;= 0.0)</a:t>
+            </a:r>
+          </a:p>
+          <a:p>
+            <a:pPr defTabSz="457200">
+              <a:defRPr sz="1000">
+                <a:solidFill>
+                  <a:srgbClr val="212121"/>
+                </a:solidFill>
+                <a:latin typeface="Monaco"/>
+                <a:ea typeface="Monaco"/>
+                <a:cs typeface="Monaco"/>
+                <a:sym typeface="Monaco"/>
+              </a:defRPr>
+            </a:pPr>
+            <a:r>
+              <a:t>       Predict: 2.0</a:t>
+            </a:r>
+          </a:p>
+          <a:p>
+            <a:pPr defTabSz="457200">
+              <a:defRPr sz="1000">
+                <a:solidFill>
+                  <a:srgbClr val="212121"/>
+                </a:solidFill>
+                <a:latin typeface="Monaco"/>
+                <a:ea typeface="Monaco"/>
+                <a:cs typeface="Monaco"/>
+                <a:sym typeface="Monaco"/>
+              </a:defRPr>
+            </a:pPr>
+            <a:r>
+              <a:t>      Else (feature 17 &gt; 0.0)</a:t>
+            </a:r>
+          </a:p>
+        </p:txBody>
+      </p:sp>
+    </p:spTree>
+  </p:cSld>
+  <p:clrMapOvr>
+    <a:masterClrMapping/>
+  </p:clrMapOvr>
+  <p:transition xmlns:p14="http://schemas.microsoft.com/office/powerpoint/2010/main" spd="med" advClick="1"/>
+</p:sld>
+</file>
+
+<file path=ppt/slides/slide9.xml><?xml version="1.0" encoding="utf-8"?>
+<p:sld xmlns:a="http://schemas.openxmlformats.org/drawingml/2006/main" xmlns:r="http://schemas.openxmlformats.org/officeDocument/2006/relationships" xmlns:p="http://schemas.openxmlformats.org/presentationml/2006/main" showMasterSp="1" showMasterPhAnim="1">
+  <p:cSld>
+    <p:spTree>
+      <p:nvGrpSpPr>
+        <p:cNvPr id="1" name=""/>
+        <p:cNvGrpSpPr/>
+        <p:nvPr/>
+      </p:nvGrpSpPr>
+      <p:grpSpPr>
+        <a:xfrm>
+          <a:off x="0" y="0"/>
+          <a:ext cx="0" cy="0"/>
+          <a:chOff x="0" y="0"/>
+          <a:chExt cx="0" cy="0"/>
+        </a:xfrm>
+      </p:grpSpPr>
+      <p:sp>
+        <p:nvSpPr>
+          <p:cNvPr id="145" name="What are the contributions?"/>
+          <p:cNvSpPr txBox="1"/>
+          <p:nvPr>
+            <p:ph type="title"/>
+          </p:nvPr>
+        </p:nvSpPr>
+        <p:spPr>
+          <a:prstGeom prst="rect">
+            <a:avLst/>
+          </a:prstGeom>
+        </p:spPr>
+        <p:txBody>
+          <a:bodyPr/>
+          <a:lstStyle/>
+          <a:p>
+            <a:pPr/>
+            <a:r>
+              <a:t>What are the contributions?</a:t>
+            </a:r>
+          </a:p>
+        </p:txBody>
+      </p:sp>
+      <p:sp>
+        <p:nvSpPr>
+          <p:cNvPr id="146" name="model.featureImportances.toArray.zip(inputCols).…"/>
+          <p:cNvSpPr txBox="1"/>
+          <p:nvPr/>
+        </p:nvSpPr>
+        <p:spPr>
+          <a:xfrm>
+            <a:off x="2361177" y="1643379"/>
+            <a:ext cx="4421645" cy="574041"/>
+          </a:xfrm>
+          <a:prstGeom prst="rect">
+            <a:avLst/>
+          </a:prstGeom>
+          <a:ln w="12700">
+            <a:miter lim="400000"/>
+          </a:ln>
+          <a:extLst>
+            <a:ext uri="{C572A759-6A51-4108-AA02-DFA0A04FC94B}">
+              <ma14:wrappingTextBoxFlag xmlns:ma14="http://schemas.microsoft.com/office/mac/drawingml/2011/main" val="1"/>
+            </a:ext>
+          </a:extLst>
+        </p:spPr>
+        <p:txBody>
+          <a:bodyPr wrap="none" lIns="45719" rIns="45719">
+            <a:spAutoFit/>
+          </a:bodyPr>
+          <a:lstStyle/>
+          <a:p>
+            <a:pPr>
+              <a:defRPr sz="1600"/>
+            </a:pPr>
+            <a:r>
+              <a:t>    model.featureImportances.toArray.zip(inputCols).</a:t>
+            </a:r>
+          </a:p>
+          <a:p>
+            <a:pPr>
+              <a:defRPr sz="1600"/>
+            </a:pPr>
+            <a:r>
+              <a:t>      sorted.reverse.foreach(println)</a:t>
+            </a:r>
+          </a:p>
+        </p:txBody>
+      </p:sp>
+      <p:sp>
+        <p:nvSpPr>
+          <p:cNvPr id="147" name="(0.7796919815211103,Elevation)…"/>
+          <p:cNvSpPr txBox="1"/>
+          <p:nvPr/>
+        </p:nvSpPr>
+        <p:spPr>
+          <a:xfrm>
+            <a:off x="1822011" y="2297442"/>
+            <a:ext cx="5499979" cy="4142716"/>
+          </a:xfrm>
+          <a:prstGeom prst="rect">
+            <a:avLst/>
+          </a:prstGeom>
+          <a:ln w="12700">
+            <a:miter lim="400000"/>
+          </a:ln>
+          <a:extLst>
+            <a:ext uri="{C572A759-6A51-4108-AA02-DFA0A04FC94B}">
+              <ma14:wrappingTextBoxFlag xmlns:ma14="http://schemas.microsoft.com/office/mac/drawingml/2011/main" val="1"/>
+            </a:ext>
+          </a:extLst>
+        </p:spPr>
+        <p:txBody>
+          <a:bodyPr wrap="none" lIns="45719" rIns="45719">
+            <a:spAutoFit/>
+          </a:bodyPr>
+          <a:lstStyle/>
+          <a:p>
+            <a:pPr defTabSz="457200">
+              <a:defRPr sz="1200">
+                <a:solidFill>
+                  <a:srgbClr val="212121"/>
+                </a:solidFill>
+                <a:latin typeface="Monaco"/>
+                <a:ea typeface="Monaco"/>
+                <a:cs typeface="Monaco"/>
+                <a:sym typeface="Monaco"/>
+              </a:defRPr>
+            </a:pPr>
+            <a:r>
+              <a:t>(0.7796919815211103,Elevation)</a:t>
+            </a:r>
+          </a:p>
+          <a:p>
+            <a:pPr defTabSz="457200">
+              <a:defRPr sz="1200">
+                <a:solidFill>
+                  <a:srgbClr val="212121"/>
+                </a:solidFill>
+                <a:latin typeface="Monaco"/>
+                <a:ea typeface="Monaco"/>
+                <a:cs typeface="Monaco"/>
+                <a:sym typeface="Monaco"/>
+              </a:defRPr>
+            </a:pPr>
+            <a:r>
+              <a:t>(0.0398128237749954,Horizontal_Distance_To_Hydrology)</a:t>
+            </a:r>
+          </a:p>
+          <a:p>
+            <a:pPr defTabSz="457200">
+              <a:defRPr sz="1200">
+                <a:solidFill>
+                  <a:srgbClr val="212121"/>
+                </a:solidFill>
+                <a:latin typeface="Monaco"/>
+                <a:ea typeface="Monaco"/>
+                <a:cs typeface="Monaco"/>
+                <a:sym typeface="Monaco"/>
+              </a:defRPr>
+            </a:pPr>
+            <a:r>
+              <a:t>(0.03156107154830829,Hillshade_Noon)</a:t>
+            </a:r>
+          </a:p>
+          <a:p>
+            <a:pPr defTabSz="457200">
+              <a:defRPr sz="1200">
+                <a:solidFill>
+                  <a:srgbClr val="212121"/>
+                </a:solidFill>
+                <a:latin typeface="Monaco"/>
+                <a:ea typeface="Monaco"/>
+                <a:cs typeface="Monaco"/>
+                <a:sym typeface="Monaco"/>
+              </a:defRPr>
+            </a:pPr>
+            <a:r>
+              <a:t>(0.030198698429345045,Soil_Type_3)</a:t>
+            </a:r>
+          </a:p>
+          <a:p>
+            <a:pPr defTabSz="457200">
+              <a:defRPr sz="1200">
+                <a:solidFill>
+                  <a:srgbClr val="212121"/>
+                </a:solidFill>
+                <a:latin typeface="Monaco"/>
+                <a:ea typeface="Monaco"/>
+                <a:cs typeface="Monaco"/>
+                <a:sym typeface="Monaco"/>
+              </a:defRPr>
+            </a:pPr>
+            <a:r>
+              <a:t>(0.0282780732216438,Wilderness_Area_0)</a:t>
+            </a:r>
+          </a:p>
+          <a:p>
+            <a:pPr defTabSz="457200">
+              <a:defRPr sz="1200">
+                <a:solidFill>
+                  <a:srgbClr val="212121"/>
+                </a:solidFill>
+                <a:latin typeface="Monaco"/>
+                <a:ea typeface="Monaco"/>
+                <a:cs typeface="Monaco"/>
+                <a:sym typeface="Monaco"/>
+              </a:defRPr>
+            </a:pPr>
+            <a:r>
+              <a:t>(0.026920786045451794,Soil_Type_31)</a:t>
+            </a:r>
+          </a:p>
+          <a:p>
+            <a:pPr defTabSz="457200">
+              <a:defRPr sz="1200">
+                <a:solidFill>
+                  <a:srgbClr val="212121"/>
+                </a:solidFill>
+                <a:latin typeface="Monaco"/>
+                <a:ea typeface="Monaco"/>
+                <a:cs typeface="Monaco"/>
+                <a:sym typeface="Monaco"/>
+              </a:defRPr>
+            </a:pPr>
+            <a:r>
+              <a:t>(0.023965641197494086,Soil_Type_1)</a:t>
+            </a:r>
+          </a:p>
+          <a:p>
+            <a:pPr defTabSz="457200">
+              <a:defRPr sz="1200">
+                <a:solidFill>
+                  <a:srgbClr val="212121"/>
+                </a:solidFill>
+                <a:latin typeface="Monaco"/>
+                <a:ea typeface="Monaco"/>
+                <a:cs typeface="Monaco"/>
+                <a:sym typeface="Monaco"/>
+              </a:defRPr>
+            </a:pPr>
+            <a:r>
+              <a:t>(0.011002916912030062,Wilderness_Area_2)</a:t>
+            </a:r>
+          </a:p>
+          <a:p>
+            <a:pPr defTabSz="457200">
+              <a:defRPr sz="1200">
+                <a:solidFill>
+                  <a:srgbClr val="212121"/>
+                </a:solidFill>
+                <a:latin typeface="Monaco"/>
+                <a:ea typeface="Monaco"/>
+                <a:cs typeface="Monaco"/>
+                <a:sym typeface="Monaco"/>
+              </a:defRPr>
+            </a:pPr>
+            <a:r>
+              <a:t>(0.009654840511466256,Soil_Type_28)</a:t>
+            </a:r>
+          </a:p>
+          <a:p>
+            <a:pPr defTabSz="457200">
+              <a:defRPr sz="1200">
+                <a:solidFill>
+                  <a:srgbClr val="212121"/>
+                </a:solidFill>
+                <a:latin typeface="Monaco"/>
+                <a:ea typeface="Monaco"/>
+                <a:cs typeface="Monaco"/>
+                <a:sym typeface="Monaco"/>
+              </a:defRPr>
+            </a:pPr>
+            <a:r>
+              <a:t>(0.0058962988381604554,Horizontal_Distance_To_Roadways)</a:t>
+            </a:r>
+          </a:p>
+          <a:p>
+            <a:pPr defTabSz="457200">
+              <a:defRPr sz="1200">
+                <a:solidFill>
+                  <a:srgbClr val="212121"/>
+                </a:solidFill>
+                <a:latin typeface="Monaco"/>
+                <a:ea typeface="Monaco"/>
+                <a:cs typeface="Monaco"/>
+                <a:sym typeface="Monaco"/>
+              </a:defRPr>
+            </a:pPr>
+            <a:r>
+              <a:t>(0.005292807192707336,Soil_Type_22)</a:t>
+            </a:r>
+          </a:p>
+          <a:p>
+            <a:pPr defTabSz="457200">
+              <a:defRPr sz="1200">
+                <a:solidFill>
+                  <a:srgbClr val="212121"/>
+                </a:solidFill>
+                <a:latin typeface="Monaco"/>
+                <a:ea typeface="Monaco"/>
+                <a:cs typeface="Monaco"/>
+                <a:sym typeface="Monaco"/>
+              </a:defRPr>
+            </a:pPr>
+            <a:r>
+              <a:t>(0.0031396067779140015,Wilderness_Area_1)</a:t>
+            </a:r>
+          </a:p>
+          <a:p>
+            <a:pPr defTabSz="457200">
+              <a:defRPr sz="1200">
+                <a:solidFill>
+                  <a:srgbClr val="212121"/>
+                </a:solidFill>
+                <a:latin typeface="Monaco"/>
+                <a:ea typeface="Monaco"/>
+                <a:cs typeface="Monaco"/>
+                <a:sym typeface="Monaco"/>
+              </a:defRPr>
+            </a:pPr>
+            <a:r>
+              <a:t>(0.00255369485868422,Hillshade_9am)</a:t>
+            </a:r>
+          </a:p>
+          <a:p>
+            <a:pPr defTabSz="457200">
+              <a:defRPr sz="1200">
+                <a:solidFill>
+                  <a:srgbClr val="212121"/>
+                </a:solidFill>
+                <a:latin typeface="Monaco"/>
+                <a:ea typeface="Monaco"/>
+                <a:cs typeface="Monaco"/>
+                <a:sym typeface="Monaco"/>
+              </a:defRPr>
+            </a:pPr>
+            <a:r>
+              <a:t>(0.0017475453048820069,Horizontal_Distance_To_Fire_Points)</a:t>
+            </a:r>
+          </a:p>
+          <a:p>
+            <a:pPr defTabSz="457200">
+              <a:defRPr sz="1200">
+                <a:solidFill>
+                  <a:srgbClr val="212121"/>
+                </a:solidFill>
+                <a:latin typeface="Monaco"/>
+                <a:ea typeface="Monaco"/>
+                <a:cs typeface="Monaco"/>
+                <a:sym typeface="Monaco"/>
+              </a:defRPr>
+            </a:pPr>
+            <a:r>
+              <a:t>(2.832138658070966E-4,Soil_Type_8)</a:t>
+            </a:r>
+          </a:p>
+          <a:p>
+            <a:pPr defTabSz="457200">
+              <a:defRPr sz="1200">
+                <a:solidFill>
+                  <a:srgbClr val="212121"/>
+                </a:solidFill>
+                <a:latin typeface="Monaco"/>
+                <a:ea typeface="Monaco"/>
+                <a:cs typeface="Monaco"/>
+                <a:sym typeface="Monaco"/>
+              </a:defRPr>
+            </a:pPr>
+            <a:r>
+              <a:t>(0.0,Wilderness_Area_3)</a:t>
+            </a:r>
+          </a:p>
+          <a:p>
+            <a:pPr defTabSz="457200">
+              <a:defRPr sz="1200">
+                <a:solidFill>
+                  <a:srgbClr val="212121"/>
+                </a:solidFill>
+                <a:latin typeface="Monaco"/>
+                <a:ea typeface="Monaco"/>
+                <a:cs typeface="Monaco"/>
+                <a:sym typeface="Monaco"/>
+              </a:defRPr>
+            </a:pPr>
+            <a:r>
+              <a:t>(0.0,Vertical_Distance_To_Hydrology)</a:t>
+            </a:r>
+          </a:p>
+          <a:p>
+            <a:pPr defTabSz="457200">
+              <a:defRPr sz="1200">
+                <a:solidFill>
+                  <a:srgbClr val="212121"/>
+                </a:solidFill>
+                <a:latin typeface="Monaco"/>
+                <a:ea typeface="Monaco"/>
+                <a:cs typeface="Monaco"/>
+                <a:sym typeface="Monaco"/>
+              </a:defRPr>
+            </a:pPr>
+            <a:r>
+              <a:t>(0.0,Soil_Type_9)</a:t>
+            </a:r>
+          </a:p>
+          <a:p>
+            <a:pPr defTabSz="457200">
+              <a:defRPr sz="1200">
+                <a:solidFill>
+                  <a:srgbClr val="212121"/>
+                </a:solidFill>
+                <a:latin typeface="Monaco"/>
+                <a:ea typeface="Monaco"/>
+                <a:cs typeface="Monaco"/>
+                <a:sym typeface="Monaco"/>
+              </a:defRPr>
+            </a:pPr>
+            <a:r>
+              <a:t>(0.0,Soil_Type_7)</a:t>
+            </a:r>
+          </a:p>
+          <a:p>
+            <a:pPr defTabSz="457200">
+              <a:defRPr sz="1200">
+                <a:solidFill>
+                  <a:srgbClr val="212121"/>
+                </a:solidFill>
+                <a:latin typeface="Monaco"/>
+                <a:ea typeface="Monaco"/>
+                <a:cs typeface="Monaco"/>
+                <a:sym typeface="Monaco"/>
+              </a:defRPr>
+            </a:pPr>
+            <a:r>
+              <a:t>(0.0,Soil_Type_6)</a:t>
+            </a:r>
+          </a:p>
+        </p:txBody>
+      </p:sp>
     </p:spTree>
   </p:cSld>
   <p:clrMapOvr>

--- a/powerpoints/ITU Academy Slides AM4-10.pptx
+++ b/powerpoints/ITU Academy Slides AM4-10.pptx
@@ -20,6 +20,8 @@
     <p:sldId id="265" r:id="rId17"/>
     <p:sldId id="266" r:id="rId18"/>
     <p:sldId id="267" r:id="rId19"/>
+    <p:sldId id="268" r:id="rId20"/>
+    <p:sldId id="269" r:id="rId21"/>
   </p:sldIdLst>
   <p:sldSz cx="9144000" cy="6858000"/>
   <p:notesSz cx="6858000" cy="9144000"/>
@@ -3233,7 +3235,7 @@
       </p:grpSpPr>
       <p:sp>
         <p:nvSpPr>
-          <p:cNvPr id="149" name="Evaluate the classifier on data"/>
+          <p:cNvPr id="148" name="Create a Classifier and train it"/>
           <p:cNvSpPr txBox="1"/>
           <p:nvPr>
             <p:ph type="title"/>
@@ -3250,21 +3252,21 @@
           <a:p>
             <a:pPr/>
             <a:r>
-              <a:t>Evaluate the classifier on data</a:t>
+              <a:t>Create a Classifier and train it</a:t>
             </a:r>
           </a:p>
         </p:txBody>
       </p:sp>
       <p:sp>
         <p:nvSpPr>
-          <p:cNvPr id="150" name="val predictions = model.transform(assembledTrainData)…"/>
+          <p:cNvPr id="149" name="val classifier = new DecisionTreeClassifier().…"/>
           <p:cNvSpPr txBox="1"/>
           <p:nvPr/>
         </p:nvSpPr>
         <p:spPr>
           <a:xfrm>
-            <a:off x="1896586" y="1579880"/>
-            <a:ext cx="5350828" cy="1056641"/>
+            <a:off x="2305646" y="1275080"/>
+            <a:ext cx="4532708" cy="2885441"/>
           </a:xfrm>
           <a:prstGeom prst="rect">
             <a:avLst/>
@@ -3284,46 +3286,65 @@
           </a:bodyPr>
           <a:lstStyle/>
           <a:p>
-            <a:pPr>
-              <a:defRPr sz="1600"/>
-            </a:pPr>
-            <a:r>
-              <a:t>  val predictions = model.transform(assembledTrainData)</a:t>
-            </a:r>
-          </a:p>
-          <a:p>
-            <a:pPr>
-              <a:defRPr sz="1600"/>
-            </a:pPr>
-          </a:p>
-          <a:p>
-            <a:pPr>
-              <a:defRPr sz="1600"/>
-            </a:pPr>
-            <a:r>
-              <a:t>    predictions.select("Cover_Type", "prediction", "probability").</a:t>
-            </a:r>
-          </a:p>
-          <a:p>
-            <a:pPr>
-              <a:defRPr sz="1600"/>
-            </a:pPr>
-            <a:r>
-              <a:t>      show(truncate = false)</a:t>
-            </a:r>
+            <a:pPr/>
+            <a:r>
+              <a:t>   val classifier = new DecisionTreeClassifier().</a:t>
+            </a:r>
+          </a:p>
+          <a:p>
+            <a:pPr/>
+            <a:r>
+              <a:t>      setSeed(Random.nextLong()).</a:t>
+            </a:r>
+          </a:p>
+          <a:p>
+            <a:pPr/>
+            <a:r>
+              <a:t>      setLabelCol("Cover_Type").</a:t>
+            </a:r>
+          </a:p>
+          <a:p>
+            <a:pPr/>
+            <a:r>
+              <a:t>      setFeaturesCol("featureVector").</a:t>
+            </a:r>
+          </a:p>
+          <a:p>
+            <a:pPr/>
+            <a:r>
+              <a:t>      setPredictionCol("prediction")</a:t>
+            </a:r>
+          </a:p>
+          <a:p>
+            <a:pPr/>
+          </a:p>
+          <a:p>
+            <a:pPr/>
+            <a:r>
+              <a:t>    val model = classifier.fit(assembledTrainData)</a:t>
+            </a:r>
+          </a:p>
+          <a:p>
+            <a:pPr/>
+            <a:r>
+              <a:t>    println(model.toDebugString)</a:t>
+            </a:r>
+          </a:p>
+          <a:p>
+            <a:pPr/>
           </a:p>
         </p:txBody>
       </p:sp>
       <p:sp>
         <p:nvSpPr>
-          <p:cNvPr id="151" name="predictions: org.apache.spark.sql.DataFrame = [Elevation: int, Aspect: int ... 57 more fields]…"/>
+          <p:cNvPr id="150" name="classifier: org.apache.spark.ml.classification.DecisionTreeClassifier = dtc_8f2aed40cf03…"/>
           <p:cNvSpPr txBox="1"/>
           <p:nvPr/>
         </p:nvSpPr>
         <p:spPr>
           <a:xfrm>
-            <a:off x="347979" y="2945142"/>
-            <a:ext cx="12245788" cy="2923516"/>
+            <a:off x="856587" y="3656342"/>
+            <a:ext cx="8335081" cy="3103437"/>
           </a:xfrm>
           <a:prstGeom prst="rect">
             <a:avLst/>
@@ -3338,216 +3359,248 @@
           </a:extLst>
         </p:spPr>
         <p:txBody>
-          <a:bodyPr lIns="45719" rIns="45719">
+          <a:bodyPr wrap="none" lIns="45719" rIns="45719">
             <a:spAutoFit/>
           </a:bodyPr>
           <a:lstStyle/>
           <a:p>
             <a:pPr defTabSz="457200">
-              <a:defRPr sz="1200">
-                <a:solidFill>
-                  <a:srgbClr val="212121"/>
-                </a:solidFill>
-                <a:latin typeface="Monaco"/>
-                <a:ea typeface="Monaco"/>
-                <a:cs typeface="Monaco"/>
-                <a:sym typeface="Monaco"/>
-              </a:defRPr>
-            </a:pPr>
-            <a:r>
-              <a:t>predictions: org.apache.spark.sql.DataFrame = [Elevation: int, Aspect: int ... 57 more fields]</a:t>
-            </a:r>
-          </a:p>
-          <a:p>
-            <a:pPr defTabSz="457200">
-              <a:defRPr sz="1200">
-                <a:solidFill>
-                  <a:srgbClr val="212121"/>
-                </a:solidFill>
-                <a:latin typeface="Monaco"/>
-                <a:ea typeface="Monaco"/>
-                <a:cs typeface="Monaco"/>
-                <a:sym typeface="Monaco"/>
-              </a:defRPr>
-            </a:pPr>
-            <a:r>
-              <a:t>+----------+----------+------------------------------------------------------------------------------------------------+</a:t>
-            </a:r>
-          </a:p>
-          <a:p>
-            <a:pPr defTabSz="457200">
-              <a:defRPr sz="1200">
-                <a:solidFill>
-                  <a:srgbClr val="212121"/>
-                </a:solidFill>
-                <a:latin typeface="Monaco"/>
-                <a:ea typeface="Monaco"/>
-                <a:cs typeface="Monaco"/>
-                <a:sym typeface="Monaco"/>
-              </a:defRPr>
-            </a:pPr>
-            <a:r>
-              <a:t>|Cover_Type|prediction|probability                                                                                     |</a:t>
-            </a:r>
-          </a:p>
-          <a:p>
-            <a:pPr defTabSz="457200">
-              <a:defRPr sz="1200">
-                <a:solidFill>
-                  <a:srgbClr val="212121"/>
-                </a:solidFill>
-                <a:latin typeface="Monaco"/>
-                <a:ea typeface="Monaco"/>
-                <a:cs typeface="Monaco"/>
-                <a:sym typeface="Monaco"/>
-              </a:defRPr>
-            </a:pPr>
-            <a:r>
-              <a:t>+----------+----------+------------------------------------------------------------------------------------------------+</a:t>
-            </a:r>
-          </a:p>
-          <a:p>
-            <a:pPr defTabSz="457200">
-              <a:defRPr sz="1200">
-                <a:solidFill>
-                  <a:srgbClr val="212121"/>
-                </a:solidFill>
-                <a:latin typeface="Monaco"/>
-                <a:ea typeface="Monaco"/>
-                <a:cs typeface="Monaco"/>
-                <a:sym typeface="Monaco"/>
-              </a:defRPr>
-            </a:pPr>
-            <a:r>
-              <a:t>|6.0       |3.0       |[0.0,0.0,0.0316138592900995,0.636581751464258,0.05130195469621057,0.0,0.2805024345494319,0.0]   |</a:t>
-            </a:r>
-          </a:p>
-          <a:p>
-            <a:pPr defTabSz="457200">
-              <a:defRPr sz="1200">
-                <a:solidFill>
-                  <a:srgbClr val="212121"/>
-                </a:solidFill>
-                <a:latin typeface="Monaco"/>
-                <a:ea typeface="Monaco"/>
-                <a:cs typeface="Monaco"/>
-                <a:sym typeface="Monaco"/>
-              </a:defRPr>
-            </a:pPr>
-            <a:r>
-              <a:t>|6.0       |4.0       |[0.0,0.0,0.04187082405345212,0.2846325167037862,0.44097995545657015,0.0,0.23251670378619155,0.0]|</a:t>
-            </a:r>
-          </a:p>
-          <a:p>
-            <a:pPr defTabSz="457200">
-              <a:defRPr sz="1200">
-                <a:solidFill>
-                  <a:srgbClr val="212121"/>
-                </a:solidFill>
-                <a:latin typeface="Monaco"/>
-                <a:ea typeface="Monaco"/>
-                <a:cs typeface="Monaco"/>
-                <a:sym typeface="Monaco"/>
-              </a:defRPr>
-            </a:pPr>
-            <a:r>
-              <a:t>|6.0       |3.0       |[0.0,0.0,0.0316138592900995,0.636581751464258,0.05130195469621057,0.0,0.2805024345494319,0.0]   |</a:t>
-            </a:r>
-          </a:p>
-          <a:p>
-            <a:pPr defTabSz="457200">
-              <a:defRPr sz="1200">
-                <a:solidFill>
-                  <a:srgbClr val="212121"/>
-                </a:solidFill>
-                <a:latin typeface="Monaco"/>
-                <a:ea typeface="Monaco"/>
-                <a:cs typeface="Monaco"/>
-                <a:sym typeface="Monaco"/>
-              </a:defRPr>
-            </a:pPr>
-            <a:r>
-              <a:t>|6.0       |3.0       |[0.0,0.0,0.0316138592900995,0.636581751464258,0.05130195469621057,0.0,0.2805024345494319,0.0]   |</a:t>
-            </a:r>
-          </a:p>
-          <a:p>
-            <a:pPr defTabSz="457200">
-              <a:defRPr sz="1200">
-                <a:solidFill>
-                  <a:srgbClr val="212121"/>
-                </a:solidFill>
-                <a:latin typeface="Monaco"/>
-                <a:ea typeface="Monaco"/>
-                <a:cs typeface="Monaco"/>
-                <a:sym typeface="Monaco"/>
-              </a:defRPr>
-            </a:pPr>
-            <a:r>
-              <a:t>|6.0       |3.0       |[0.0,0.0,0.0316138592900995,0.636581751464258,0.05130195469621057,0.0,0.2805024345494319,0.0]   |</a:t>
-            </a:r>
-          </a:p>
-          <a:p>
-            <a:pPr defTabSz="457200">
-              <a:defRPr sz="1200">
-                <a:solidFill>
-                  <a:srgbClr val="212121"/>
-                </a:solidFill>
-                <a:latin typeface="Monaco"/>
-                <a:ea typeface="Monaco"/>
-                <a:cs typeface="Monaco"/>
-                <a:sym typeface="Monaco"/>
-              </a:defRPr>
-            </a:pPr>
-            <a:r>
-              <a:t>|6.0       |3.0       |[0.0,0.0,0.0316138592900995,0.636581751464258,0.05130195469621057,0.0,0.2805024345494319,0.0]   |</a:t>
-            </a:r>
-          </a:p>
-          <a:p>
-            <a:pPr defTabSz="457200">
-              <a:defRPr sz="1200">
-                <a:solidFill>
-                  <a:srgbClr val="212121"/>
-                </a:solidFill>
-                <a:latin typeface="Monaco"/>
-                <a:ea typeface="Monaco"/>
-                <a:cs typeface="Monaco"/>
-                <a:sym typeface="Monaco"/>
-              </a:defRPr>
-            </a:pPr>
-            <a:r>
-              <a:t>|6.0       |3.0       |[0.0,0.0,0.0316138592900995,0.636581751464258,0.05130195469621057,0.0,0.2805024345494319,0.0]   |</a:t>
-            </a:r>
-          </a:p>
-          <a:p>
-            <a:pPr defTabSz="457200">
-              <a:defRPr sz="1200">
-                <a:solidFill>
-                  <a:srgbClr val="212121"/>
-                </a:solidFill>
-                <a:latin typeface="Monaco"/>
-                <a:ea typeface="Monaco"/>
-                <a:cs typeface="Monaco"/>
-                <a:sym typeface="Monaco"/>
-              </a:defRPr>
-            </a:pPr>
-            <a:r>
-              <a:t>|6.0       |3.0       |[0.0,0.0,0.0316138592900995,0.636581751464258,0.05130195469621057,0.0,0.2805024345494319,0.0]   |</a:t>
-            </a:r>
-          </a:p>
-          <a:p>
-            <a:pPr defTabSz="457200">
-              <a:defRPr sz="1200">
-                <a:solidFill>
-                  <a:srgbClr val="212121"/>
-                </a:solidFill>
-                <a:latin typeface="Monaco"/>
-                <a:ea typeface="Monaco"/>
-                <a:cs typeface="Monaco"/>
-                <a:sym typeface="Monaco"/>
-              </a:defRPr>
-            </a:pPr>
-            <a:r>
-              <a:t>|6.0       |3.0       |[0.0,0.0,0.0316138592900995,0.636581751464258,0.05130195469621057,0.0,0.2805024345494319,0.0]   |</a:t>
+              <a:defRPr sz="1000">
+                <a:solidFill>
+                  <a:srgbClr val="212121"/>
+                </a:solidFill>
+                <a:latin typeface="Monaco"/>
+                <a:ea typeface="Monaco"/>
+                <a:cs typeface="Monaco"/>
+                <a:sym typeface="Monaco"/>
+              </a:defRPr>
+            </a:pPr>
+            <a:r>
+              <a:t>classifier: org.apache.spark.ml.classification.DecisionTreeClassifier = dtc_8f2aed40cf03</a:t>
+            </a:r>
+          </a:p>
+          <a:p>
+            <a:pPr defTabSz="457200">
+              <a:defRPr sz="1000">
+                <a:solidFill>
+                  <a:srgbClr val="212121"/>
+                </a:solidFill>
+                <a:latin typeface="Monaco"/>
+                <a:ea typeface="Monaco"/>
+                <a:cs typeface="Monaco"/>
+                <a:sym typeface="Monaco"/>
+              </a:defRPr>
+            </a:pPr>
+            <a:r>
+              <a:t>model: org.apache.spark.ml.classification.DecisionTreeClassificationModel = DecisionTreeClassificationModel (uid=dtc_8f2aed40cf03) of depth 5 with 63 nodes</a:t>
+            </a:r>
+          </a:p>
+          <a:p>
+            <a:pPr defTabSz="457200">
+              <a:defRPr sz="1000">
+                <a:solidFill>
+                  <a:srgbClr val="212121"/>
+                </a:solidFill>
+                <a:latin typeface="Monaco"/>
+                <a:ea typeface="Monaco"/>
+                <a:cs typeface="Monaco"/>
+                <a:sym typeface="Monaco"/>
+              </a:defRPr>
+            </a:pPr>
+            <a:r>
+              <a:t>DecisionTreeClassificationModel (uid=dtc_8f2aed40cf03) of depth 5 with 63 nodes</a:t>
+            </a:r>
+          </a:p>
+          <a:p>
+            <a:pPr defTabSz="457200">
+              <a:defRPr sz="1000">
+                <a:solidFill>
+                  <a:srgbClr val="212121"/>
+                </a:solidFill>
+                <a:latin typeface="Monaco"/>
+                <a:ea typeface="Monaco"/>
+                <a:cs typeface="Monaco"/>
+                <a:sym typeface="Monaco"/>
+              </a:defRPr>
+            </a:pPr>
+            <a:r>
+              <a:t>  If (feature 0 &lt;= 3050.0)</a:t>
+            </a:r>
+          </a:p>
+          <a:p>
+            <a:pPr defTabSz="457200">
+              <a:defRPr sz="1000">
+                <a:solidFill>
+                  <a:srgbClr val="212121"/>
+                </a:solidFill>
+                <a:latin typeface="Monaco"/>
+                <a:ea typeface="Monaco"/>
+                <a:cs typeface="Monaco"/>
+                <a:sym typeface="Monaco"/>
+              </a:defRPr>
+            </a:pPr>
+            <a:r>
+              <a:t>   If (feature 0 &lt;= 2557.0)</a:t>
+            </a:r>
+          </a:p>
+          <a:p>
+            <a:pPr defTabSz="457200">
+              <a:defRPr sz="1000">
+                <a:solidFill>
+                  <a:srgbClr val="212121"/>
+                </a:solidFill>
+                <a:latin typeface="Monaco"/>
+                <a:ea typeface="Monaco"/>
+                <a:cs typeface="Monaco"/>
+                <a:sym typeface="Monaco"/>
+              </a:defRPr>
+            </a:pPr>
+            <a:r>
+              <a:t>    If (feature 10 &lt;= 0.0)</a:t>
+            </a:r>
+          </a:p>
+          <a:p>
+            <a:pPr defTabSz="457200">
+              <a:defRPr sz="1000">
+                <a:solidFill>
+                  <a:srgbClr val="212121"/>
+                </a:solidFill>
+                <a:latin typeface="Monaco"/>
+                <a:ea typeface="Monaco"/>
+                <a:cs typeface="Monaco"/>
+                <a:sym typeface="Monaco"/>
+              </a:defRPr>
+            </a:pPr>
+            <a:r>
+              <a:t>     If (feature 0 &lt;= 2445.0)</a:t>
+            </a:r>
+          </a:p>
+          <a:p>
+            <a:pPr defTabSz="457200">
+              <a:defRPr sz="1000">
+                <a:solidFill>
+                  <a:srgbClr val="212121"/>
+                </a:solidFill>
+                <a:latin typeface="Monaco"/>
+                <a:ea typeface="Monaco"/>
+                <a:cs typeface="Monaco"/>
+                <a:sym typeface="Monaco"/>
+              </a:defRPr>
+            </a:pPr>
+            <a:r>
+              <a:t>      If (feature 3 &lt;= 0.0)</a:t>
+            </a:r>
+          </a:p>
+          <a:p>
+            <a:pPr defTabSz="457200">
+              <a:defRPr sz="1000">
+                <a:solidFill>
+                  <a:srgbClr val="212121"/>
+                </a:solidFill>
+                <a:latin typeface="Monaco"/>
+                <a:ea typeface="Monaco"/>
+                <a:cs typeface="Monaco"/>
+                <a:sym typeface="Monaco"/>
+              </a:defRPr>
+            </a:pPr>
+            <a:r>
+              <a:t>       Predict: 4.0</a:t>
+            </a:r>
+          </a:p>
+          <a:p>
+            <a:pPr defTabSz="457200">
+              <a:defRPr sz="1000">
+                <a:solidFill>
+                  <a:srgbClr val="212121"/>
+                </a:solidFill>
+                <a:latin typeface="Monaco"/>
+                <a:ea typeface="Monaco"/>
+                <a:cs typeface="Monaco"/>
+                <a:sym typeface="Monaco"/>
+              </a:defRPr>
+            </a:pPr>
+            <a:r>
+              <a:t>      Else (feature 3 &gt; 0.0)</a:t>
+            </a:r>
+          </a:p>
+          <a:p>
+            <a:pPr defTabSz="457200">
+              <a:defRPr sz="1000">
+                <a:solidFill>
+                  <a:srgbClr val="212121"/>
+                </a:solidFill>
+                <a:latin typeface="Monaco"/>
+                <a:ea typeface="Monaco"/>
+                <a:cs typeface="Monaco"/>
+                <a:sym typeface="Monaco"/>
+              </a:defRPr>
+            </a:pPr>
+            <a:r>
+              <a:t>       Predict: 3.0</a:t>
+            </a:r>
+          </a:p>
+          <a:p>
+            <a:pPr defTabSz="457200">
+              <a:defRPr sz="1000">
+                <a:solidFill>
+                  <a:srgbClr val="212121"/>
+                </a:solidFill>
+                <a:latin typeface="Monaco"/>
+                <a:ea typeface="Monaco"/>
+                <a:cs typeface="Monaco"/>
+                <a:sym typeface="Monaco"/>
+              </a:defRPr>
+            </a:pPr>
+            <a:r>
+              <a:t>     Else (feature 0 &gt; 2445.0)</a:t>
+            </a:r>
+          </a:p>
+          <a:p>
+            <a:pPr defTabSz="457200">
+              <a:defRPr sz="1000">
+                <a:solidFill>
+                  <a:srgbClr val="212121"/>
+                </a:solidFill>
+                <a:latin typeface="Monaco"/>
+                <a:ea typeface="Monaco"/>
+                <a:cs typeface="Monaco"/>
+                <a:sym typeface="Monaco"/>
+              </a:defRPr>
+            </a:pPr>
+            <a:r>
+              <a:t>      If (feature 17 &lt;= 0.0)</a:t>
+            </a:r>
+          </a:p>
+          <a:p>
+            <a:pPr defTabSz="457200">
+              <a:defRPr sz="1000">
+                <a:solidFill>
+                  <a:srgbClr val="212121"/>
+                </a:solidFill>
+                <a:latin typeface="Monaco"/>
+                <a:ea typeface="Monaco"/>
+                <a:cs typeface="Monaco"/>
+                <a:sym typeface="Monaco"/>
+              </a:defRPr>
+            </a:pPr>
+            <a:r>
+              <a:t>       Predict: 2.0</a:t>
+            </a:r>
+          </a:p>
+          <a:p>
+            <a:pPr defTabSz="457200">
+              <a:defRPr sz="1000">
+                <a:solidFill>
+                  <a:srgbClr val="212121"/>
+                </a:solidFill>
+                <a:latin typeface="Monaco"/>
+                <a:ea typeface="Monaco"/>
+                <a:cs typeface="Monaco"/>
+                <a:sym typeface="Monaco"/>
+              </a:defRPr>
+            </a:pPr>
+            <a:r>
+              <a:t>      Else (feature 17 &gt; 0.0)</a:t>
             </a:r>
           </a:p>
         </p:txBody>
@@ -3580,7 +3633,7 @@
       </p:grpSpPr>
       <p:sp>
         <p:nvSpPr>
-          <p:cNvPr id="153" name="Transfer the classifier to RDD"/>
+          <p:cNvPr id="152" name="What are the contributions?"/>
           <p:cNvSpPr txBox="1"/>
           <p:nvPr>
             <p:ph type="title"/>
@@ -3597,21 +3650,21 @@
           <a:p>
             <a:pPr/>
             <a:r>
-              <a:t>Transfer the classifier to RDD</a:t>
+              <a:t>What are the contributions?</a:t>
             </a:r>
           </a:p>
         </p:txBody>
       </p:sp>
       <p:sp>
         <p:nvSpPr>
-          <p:cNvPr id="154" name="val evaluator = new MulticlassClassificationEvaluator().…"/>
+          <p:cNvPr id="153" name="model.featureImportances.toArray.zip(inputCols).…"/>
           <p:cNvSpPr txBox="1"/>
           <p:nvPr/>
         </p:nvSpPr>
         <p:spPr>
           <a:xfrm>
-            <a:off x="1360904" y="1592580"/>
-            <a:ext cx="6422192" cy="3710941"/>
+            <a:off x="2361177" y="1643379"/>
+            <a:ext cx="4421645" cy="574041"/>
           </a:xfrm>
           <a:prstGeom prst="rect">
             <a:avLst/>
@@ -3635,7 +3688,7 @@
               <a:defRPr sz="1600"/>
             </a:pPr>
             <a:r>
-              <a:t>    val evaluator = new MulticlassClassificationEvaluator().</a:t>
+              <a:t>    model.featureImportances.toArray.zip(inputCols).</a:t>
             </a:r>
           </a:p>
           <a:p>
@@ -3643,97 +3696,357 @@
               <a:defRPr sz="1600"/>
             </a:pPr>
             <a:r>
-              <a:t>      setLabelCol("Cover_Type").</a:t>
-            </a:r>
-          </a:p>
-          <a:p>
-            <a:pPr>
-              <a:defRPr sz="1600"/>
-            </a:pPr>
-            <a:r>
-              <a:t>      setPredictionCol("prediction")</a:t>
-            </a:r>
-          </a:p>
-          <a:p>
-            <a:pPr>
-              <a:defRPr sz="1600"/>
-            </a:pPr>
-          </a:p>
-          <a:p>
-            <a:pPr>
-              <a:defRPr sz="1600"/>
-            </a:pPr>
-            <a:r>
-              <a:t>    val accuracy = evaluator.setMetricName("accuracy").evaluate(predictions)</a:t>
-            </a:r>
-          </a:p>
-          <a:p>
-            <a:pPr>
-              <a:defRPr sz="1600"/>
-            </a:pPr>
-            <a:r>
-              <a:t>    val f1 = evaluator.setMetricName("f1").evaluate(predictions)</a:t>
-            </a:r>
-          </a:p>
-          <a:p>
-            <a:pPr>
-              <a:defRPr sz="1600"/>
-            </a:pPr>
-            <a:r>
-              <a:t>    println(accuracy)</a:t>
-            </a:r>
-          </a:p>
-          <a:p>
-            <a:pPr>
-              <a:defRPr sz="1600"/>
-            </a:pPr>
-            <a:r>
-              <a:t>    println(f1)</a:t>
-            </a:r>
-          </a:p>
-          <a:p>
-            <a:pPr>
-              <a:defRPr sz="1600"/>
-            </a:pPr>
-          </a:p>
-          <a:p>
-            <a:pPr>
-              <a:defRPr sz="1600"/>
-            </a:pPr>
-            <a:r>
-              <a:t>    val predictionRDD = predictions.</a:t>
-            </a:r>
-          </a:p>
-          <a:p>
-            <a:pPr>
-              <a:defRPr sz="1600"/>
-            </a:pPr>
-            <a:r>
-              <a:t>      select("prediction", "Cover_Type").</a:t>
-            </a:r>
-          </a:p>
-          <a:p>
-            <a:pPr>
-              <a:defRPr sz="1600"/>
-            </a:pPr>
-            <a:r>
-              <a:t>      as[(Double,Double)].rdd</a:t>
-            </a:r>
-          </a:p>
-          <a:p>
-            <a:pPr>
-              <a:defRPr sz="1600"/>
-            </a:pPr>
-            <a:r>
-              <a:t>    val multiclassMetrics = new MulticlassMetrics(predictionRDD)</a:t>
-            </a:r>
-          </a:p>
-          <a:p>
-            <a:pPr>
-              <a:defRPr sz="1600"/>
-            </a:pPr>
-            <a:r>
-              <a:t>    println(multiclassMetrics.confusionMatrix)</a:t>
+              <a:t>      sorted.reverse.foreach(println)</a:t>
+            </a:r>
+          </a:p>
+        </p:txBody>
+      </p:sp>
+      <p:sp>
+        <p:nvSpPr>
+          <p:cNvPr id="154" name="(0.7796919815211103,Elevation)…"/>
+          <p:cNvSpPr txBox="1"/>
+          <p:nvPr/>
+        </p:nvSpPr>
+        <p:spPr>
+          <a:xfrm>
+            <a:off x="1822011" y="2297442"/>
+            <a:ext cx="5499979" cy="4142716"/>
+          </a:xfrm>
+          <a:prstGeom prst="rect">
+            <a:avLst/>
+          </a:prstGeom>
+          <a:ln w="12700">
+            <a:miter lim="400000"/>
+          </a:ln>
+          <a:extLst>
+            <a:ext uri="{C572A759-6A51-4108-AA02-DFA0A04FC94B}">
+              <ma14:wrappingTextBoxFlag xmlns:ma14="http://schemas.microsoft.com/office/mac/drawingml/2011/main" val="1"/>
+            </a:ext>
+          </a:extLst>
+        </p:spPr>
+        <p:txBody>
+          <a:bodyPr wrap="none" lIns="45719" rIns="45719">
+            <a:spAutoFit/>
+          </a:bodyPr>
+          <a:lstStyle/>
+          <a:p>
+            <a:pPr defTabSz="457200">
+              <a:defRPr sz="1200">
+                <a:solidFill>
+                  <a:srgbClr val="212121"/>
+                </a:solidFill>
+                <a:latin typeface="Monaco"/>
+                <a:ea typeface="Monaco"/>
+                <a:cs typeface="Monaco"/>
+                <a:sym typeface="Monaco"/>
+              </a:defRPr>
+            </a:pPr>
+            <a:r>
+              <a:t>(0.7796919815211103,Elevation)</a:t>
+            </a:r>
+          </a:p>
+          <a:p>
+            <a:pPr defTabSz="457200">
+              <a:defRPr sz="1200">
+                <a:solidFill>
+                  <a:srgbClr val="212121"/>
+                </a:solidFill>
+                <a:latin typeface="Monaco"/>
+                <a:ea typeface="Monaco"/>
+                <a:cs typeface="Monaco"/>
+                <a:sym typeface="Monaco"/>
+              </a:defRPr>
+            </a:pPr>
+            <a:r>
+              <a:t>(0.0398128237749954,Horizontal_Distance_To_Hydrology)</a:t>
+            </a:r>
+          </a:p>
+          <a:p>
+            <a:pPr defTabSz="457200">
+              <a:defRPr sz="1200">
+                <a:solidFill>
+                  <a:srgbClr val="212121"/>
+                </a:solidFill>
+                <a:latin typeface="Monaco"/>
+                <a:ea typeface="Monaco"/>
+                <a:cs typeface="Monaco"/>
+                <a:sym typeface="Monaco"/>
+              </a:defRPr>
+            </a:pPr>
+            <a:r>
+              <a:t>(0.03156107154830829,Hillshade_Noon)</a:t>
+            </a:r>
+          </a:p>
+          <a:p>
+            <a:pPr defTabSz="457200">
+              <a:defRPr sz="1200">
+                <a:solidFill>
+                  <a:srgbClr val="212121"/>
+                </a:solidFill>
+                <a:latin typeface="Monaco"/>
+                <a:ea typeface="Monaco"/>
+                <a:cs typeface="Monaco"/>
+                <a:sym typeface="Monaco"/>
+              </a:defRPr>
+            </a:pPr>
+            <a:r>
+              <a:t>(0.030198698429345045,Soil_Type_3)</a:t>
+            </a:r>
+          </a:p>
+          <a:p>
+            <a:pPr defTabSz="457200">
+              <a:defRPr sz="1200">
+                <a:solidFill>
+                  <a:srgbClr val="212121"/>
+                </a:solidFill>
+                <a:latin typeface="Monaco"/>
+                <a:ea typeface="Monaco"/>
+                <a:cs typeface="Monaco"/>
+                <a:sym typeface="Monaco"/>
+              </a:defRPr>
+            </a:pPr>
+            <a:r>
+              <a:t>(0.0282780732216438,Wilderness_Area_0)</a:t>
+            </a:r>
+          </a:p>
+          <a:p>
+            <a:pPr defTabSz="457200">
+              <a:defRPr sz="1200">
+                <a:solidFill>
+                  <a:srgbClr val="212121"/>
+                </a:solidFill>
+                <a:latin typeface="Monaco"/>
+                <a:ea typeface="Monaco"/>
+                <a:cs typeface="Monaco"/>
+                <a:sym typeface="Monaco"/>
+              </a:defRPr>
+            </a:pPr>
+            <a:r>
+              <a:t>(0.026920786045451794,Soil_Type_31)</a:t>
+            </a:r>
+          </a:p>
+          <a:p>
+            <a:pPr defTabSz="457200">
+              <a:defRPr sz="1200">
+                <a:solidFill>
+                  <a:srgbClr val="212121"/>
+                </a:solidFill>
+                <a:latin typeface="Monaco"/>
+                <a:ea typeface="Monaco"/>
+                <a:cs typeface="Monaco"/>
+                <a:sym typeface="Monaco"/>
+              </a:defRPr>
+            </a:pPr>
+            <a:r>
+              <a:t>(0.023965641197494086,Soil_Type_1)</a:t>
+            </a:r>
+          </a:p>
+          <a:p>
+            <a:pPr defTabSz="457200">
+              <a:defRPr sz="1200">
+                <a:solidFill>
+                  <a:srgbClr val="212121"/>
+                </a:solidFill>
+                <a:latin typeface="Monaco"/>
+                <a:ea typeface="Monaco"/>
+                <a:cs typeface="Monaco"/>
+                <a:sym typeface="Monaco"/>
+              </a:defRPr>
+            </a:pPr>
+            <a:r>
+              <a:t>(0.011002916912030062,Wilderness_Area_2)</a:t>
+            </a:r>
+          </a:p>
+          <a:p>
+            <a:pPr defTabSz="457200">
+              <a:defRPr sz="1200">
+                <a:solidFill>
+                  <a:srgbClr val="212121"/>
+                </a:solidFill>
+                <a:latin typeface="Monaco"/>
+                <a:ea typeface="Monaco"/>
+                <a:cs typeface="Monaco"/>
+                <a:sym typeface="Monaco"/>
+              </a:defRPr>
+            </a:pPr>
+            <a:r>
+              <a:t>(0.009654840511466256,Soil_Type_28)</a:t>
+            </a:r>
+          </a:p>
+          <a:p>
+            <a:pPr defTabSz="457200">
+              <a:defRPr sz="1200">
+                <a:solidFill>
+                  <a:srgbClr val="212121"/>
+                </a:solidFill>
+                <a:latin typeface="Monaco"/>
+                <a:ea typeface="Monaco"/>
+                <a:cs typeface="Monaco"/>
+                <a:sym typeface="Monaco"/>
+              </a:defRPr>
+            </a:pPr>
+            <a:r>
+              <a:t>(0.0058962988381604554,Horizontal_Distance_To_Roadways)</a:t>
+            </a:r>
+          </a:p>
+          <a:p>
+            <a:pPr defTabSz="457200">
+              <a:defRPr sz="1200">
+                <a:solidFill>
+                  <a:srgbClr val="212121"/>
+                </a:solidFill>
+                <a:latin typeface="Monaco"/>
+                <a:ea typeface="Monaco"/>
+                <a:cs typeface="Monaco"/>
+                <a:sym typeface="Monaco"/>
+              </a:defRPr>
+            </a:pPr>
+            <a:r>
+              <a:t>(0.005292807192707336,Soil_Type_22)</a:t>
+            </a:r>
+          </a:p>
+          <a:p>
+            <a:pPr defTabSz="457200">
+              <a:defRPr sz="1200">
+                <a:solidFill>
+                  <a:srgbClr val="212121"/>
+                </a:solidFill>
+                <a:latin typeface="Monaco"/>
+                <a:ea typeface="Monaco"/>
+                <a:cs typeface="Monaco"/>
+                <a:sym typeface="Monaco"/>
+              </a:defRPr>
+            </a:pPr>
+            <a:r>
+              <a:t>(0.0031396067779140015,Wilderness_Area_1)</a:t>
+            </a:r>
+          </a:p>
+          <a:p>
+            <a:pPr defTabSz="457200">
+              <a:defRPr sz="1200">
+                <a:solidFill>
+                  <a:srgbClr val="212121"/>
+                </a:solidFill>
+                <a:latin typeface="Monaco"/>
+                <a:ea typeface="Monaco"/>
+                <a:cs typeface="Monaco"/>
+                <a:sym typeface="Monaco"/>
+              </a:defRPr>
+            </a:pPr>
+            <a:r>
+              <a:t>(0.00255369485868422,Hillshade_9am)</a:t>
+            </a:r>
+          </a:p>
+          <a:p>
+            <a:pPr defTabSz="457200">
+              <a:defRPr sz="1200">
+                <a:solidFill>
+                  <a:srgbClr val="212121"/>
+                </a:solidFill>
+                <a:latin typeface="Monaco"/>
+                <a:ea typeface="Monaco"/>
+                <a:cs typeface="Monaco"/>
+                <a:sym typeface="Monaco"/>
+              </a:defRPr>
+            </a:pPr>
+            <a:r>
+              <a:t>(0.0017475453048820069,Horizontal_Distance_To_Fire_Points)</a:t>
+            </a:r>
+          </a:p>
+          <a:p>
+            <a:pPr defTabSz="457200">
+              <a:defRPr sz="1200">
+                <a:solidFill>
+                  <a:srgbClr val="212121"/>
+                </a:solidFill>
+                <a:latin typeface="Monaco"/>
+                <a:ea typeface="Monaco"/>
+                <a:cs typeface="Monaco"/>
+                <a:sym typeface="Monaco"/>
+              </a:defRPr>
+            </a:pPr>
+            <a:r>
+              <a:t>(2.832138658070966E-4,Soil_Type_8)</a:t>
+            </a:r>
+          </a:p>
+          <a:p>
+            <a:pPr defTabSz="457200">
+              <a:defRPr sz="1200">
+                <a:solidFill>
+                  <a:srgbClr val="212121"/>
+                </a:solidFill>
+                <a:latin typeface="Monaco"/>
+                <a:ea typeface="Monaco"/>
+                <a:cs typeface="Monaco"/>
+                <a:sym typeface="Monaco"/>
+              </a:defRPr>
+            </a:pPr>
+            <a:r>
+              <a:t>(0.0,Wilderness_Area_3)</a:t>
+            </a:r>
+          </a:p>
+          <a:p>
+            <a:pPr defTabSz="457200">
+              <a:defRPr sz="1200">
+                <a:solidFill>
+                  <a:srgbClr val="212121"/>
+                </a:solidFill>
+                <a:latin typeface="Monaco"/>
+                <a:ea typeface="Monaco"/>
+                <a:cs typeface="Monaco"/>
+                <a:sym typeface="Monaco"/>
+              </a:defRPr>
+            </a:pPr>
+            <a:r>
+              <a:t>(0.0,Vertical_Distance_To_Hydrology)</a:t>
+            </a:r>
+          </a:p>
+          <a:p>
+            <a:pPr defTabSz="457200">
+              <a:defRPr sz="1200">
+                <a:solidFill>
+                  <a:srgbClr val="212121"/>
+                </a:solidFill>
+                <a:latin typeface="Monaco"/>
+                <a:ea typeface="Monaco"/>
+                <a:cs typeface="Monaco"/>
+                <a:sym typeface="Monaco"/>
+              </a:defRPr>
+            </a:pPr>
+            <a:r>
+              <a:t>(0.0,Soil_Type_9)</a:t>
+            </a:r>
+          </a:p>
+          <a:p>
+            <a:pPr defTabSz="457200">
+              <a:defRPr sz="1200">
+                <a:solidFill>
+                  <a:srgbClr val="212121"/>
+                </a:solidFill>
+                <a:latin typeface="Monaco"/>
+                <a:ea typeface="Monaco"/>
+                <a:cs typeface="Monaco"/>
+                <a:sym typeface="Monaco"/>
+              </a:defRPr>
+            </a:pPr>
+            <a:r>
+              <a:t>(0.0,Soil_Type_7)</a:t>
+            </a:r>
+          </a:p>
+          <a:p>
+            <a:pPr defTabSz="457200">
+              <a:defRPr sz="1200">
+                <a:solidFill>
+                  <a:srgbClr val="212121"/>
+                </a:solidFill>
+                <a:latin typeface="Monaco"/>
+                <a:ea typeface="Monaco"/>
+                <a:cs typeface="Monaco"/>
+                <a:sym typeface="Monaco"/>
+              </a:defRPr>
+            </a:pPr>
+            <a:r>
+              <a:t>(0.0,Soil_Type_6)</a:t>
             </a:r>
           </a:p>
         </p:txBody>
@@ -3766,7 +4079,7 @@
       </p:grpSpPr>
       <p:sp>
         <p:nvSpPr>
-          <p:cNvPr id="156" name="Get the confusion matrix from RDD"/>
+          <p:cNvPr id="156" name="Evaluate the classifier on data"/>
           <p:cNvSpPr txBox="1"/>
           <p:nvPr>
             <p:ph type="title"/>
@@ -3783,14 +4096,547 @@
           <a:p>
             <a:pPr/>
             <a:r>
-              <a:t>Get the confusion matrix from RDD</a:t>
+              <a:t>Evaluate the classifier on data</a:t>
             </a:r>
           </a:p>
         </p:txBody>
       </p:sp>
       <p:sp>
         <p:nvSpPr>
-          <p:cNvPr id="157" name="val confusionMatrix = predictions.…"/>
+          <p:cNvPr id="157" name="val predictions = model.transform(assembledTrainData)…"/>
+          <p:cNvSpPr txBox="1"/>
+          <p:nvPr/>
+        </p:nvSpPr>
+        <p:spPr>
+          <a:xfrm>
+            <a:off x="1896586" y="1579880"/>
+            <a:ext cx="5350828" cy="1056641"/>
+          </a:xfrm>
+          <a:prstGeom prst="rect">
+            <a:avLst/>
+          </a:prstGeom>
+          <a:ln w="12700">
+            <a:miter lim="400000"/>
+          </a:ln>
+          <a:extLst>
+            <a:ext uri="{C572A759-6A51-4108-AA02-DFA0A04FC94B}">
+              <ma14:wrappingTextBoxFlag xmlns:ma14="http://schemas.microsoft.com/office/mac/drawingml/2011/main" val="1"/>
+            </a:ext>
+          </a:extLst>
+        </p:spPr>
+        <p:txBody>
+          <a:bodyPr wrap="none" lIns="45719" rIns="45719">
+            <a:spAutoFit/>
+          </a:bodyPr>
+          <a:lstStyle/>
+          <a:p>
+            <a:pPr>
+              <a:defRPr sz="1600"/>
+            </a:pPr>
+            <a:r>
+              <a:t>  val predictions = model.transform(assembledTrainData)</a:t>
+            </a:r>
+          </a:p>
+          <a:p>
+            <a:pPr>
+              <a:defRPr sz="1600"/>
+            </a:pPr>
+          </a:p>
+          <a:p>
+            <a:pPr>
+              <a:defRPr sz="1600"/>
+            </a:pPr>
+            <a:r>
+              <a:t>    predictions.select("Cover_Type", "prediction", "probability").</a:t>
+            </a:r>
+          </a:p>
+          <a:p>
+            <a:pPr>
+              <a:defRPr sz="1600"/>
+            </a:pPr>
+            <a:r>
+              <a:t>      show(truncate = false)</a:t>
+            </a:r>
+          </a:p>
+        </p:txBody>
+      </p:sp>
+      <p:sp>
+        <p:nvSpPr>
+          <p:cNvPr id="158" name="predictions: org.apache.spark.sql.DataFrame = [Elevation: int, Aspect: int ... 57 more fields]…"/>
+          <p:cNvSpPr txBox="1"/>
+          <p:nvPr/>
+        </p:nvSpPr>
+        <p:spPr>
+          <a:xfrm>
+            <a:off x="347979" y="2945142"/>
+            <a:ext cx="12245788" cy="2923516"/>
+          </a:xfrm>
+          <a:prstGeom prst="rect">
+            <a:avLst/>
+          </a:prstGeom>
+          <a:ln w="12700">
+            <a:miter lim="400000"/>
+          </a:ln>
+          <a:extLst>
+            <a:ext uri="{C572A759-6A51-4108-AA02-DFA0A04FC94B}">
+              <ma14:wrappingTextBoxFlag xmlns:ma14="http://schemas.microsoft.com/office/mac/drawingml/2011/main" val="1"/>
+            </a:ext>
+          </a:extLst>
+        </p:spPr>
+        <p:txBody>
+          <a:bodyPr lIns="45719" rIns="45719">
+            <a:spAutoFit/>
+          </a:bodyPr>
+          <a:lstStyle/>
+          <a:p>
+            <a:pPr defTabSz="457200">
+              <a:defRPr sz="1200">
+                <a:solidFill>
+                  <a:srgbClr val="212121"/>
+                </a:solidFill>
+                <a:latin typeface="Monaco"/>
+                <a:ea typeface="Monaco"/>
+                <a:cs typeface="Monaco"/>
+                <a:sym typeface="Monaco"/>
+              </a:defRPr>
+            </a:pPr>
+            <a:r>
+              <a:t>predictions: org.apache.spark.sql.DataFrame = [Elevation: int, Aspect: int ... 57 more fields]</a:t>
+            </a:r>
+          </a:p>
+          <a:p>
+            <a:pPr defTabSz="457200">
+              <a:defRPr sz="1200">
+                <a:solidFill>
+                  <a:srgbClr val="212121"/>
+                </a:solidFill>
+                <a:latin typeface="Monaco"/>
+                <a:ea typeface="Monaco"/>
+                <a:cs typeface="Monaco"/>
+                <a:sym typeface="Monaco"/>
+              </a:defRPr>
+            </a:pPr>
+            <a:r>
+              <a:t>+----------+----------+------------------------------------------------------------------------------------------------+</a:t>
+            </a:r>
+          </a:p>
+          <a:p>
+            <a:pPr defTabSz="457200">
+              <a:defRPr sz="1200">
+                <a:solidFill>
+                  <a:srgbClr val="212121"/>
+                </a:solidFill>
+                <a:latin typeface="Monaco"/>
+                <a:ea typeface="Monaco"/>
+                <a:cs typeface="Monaco"/>
+                <a:sym typeface="Monaco"/>
+              </a:defRPr>
+            </a:pPr>
+            <a:r>
+              <a:t>|Cover_Type|prediction|probability                                                                                     |</a:t>
+            </a:r>
+          </a:p>
+          <a:p>
+            <a:pPr defTabSz="457200">
+              <a:defRPr sz="1200">
+                <a:solidFill>
+                  <a:srgbClr val="212121"/>
+                </a:solidFill>
+                <a:latin typeface="Monaco"/>
+                <a:ea typeface="Monaco"/>
+                <a:cs typeface="Monaco"/>
+                <a:sym typeface="Monaco"/>
+              </a:defRPr>
+            </a:pPr>
+            <a:r>
+              <a:t>+----------+----------+------------------------------------------------------------------------------------------------+</a:t>
+            </a:r>
+          </a:p>
+          <a:p>
+            <a:pPr defTabSz="457200">
+              <a:defRPr sz="1200">
+                <a:solidFill>
+                  <a:srgbClr val="212121"/>
+                </a:solidFill>
+                <a:latin typeface="Monaco"/>
+                <a:ea typeface="Monaco"/>
+                <a:cs typeface="Monaco"/>
+                <a:sym typeface="Monaco"/>
+              </a:defRPr>
+            </a:pPr>
+            <a:r>
+              <a:t>|6.0       |3.0       |[0.0,0.0,0.0316138592900995,0.636581751464258,0.05130195469621057,0.0,0.2805024345494319,0.0]   |</a:t>
+            </a:r>
+          </a:p>
+          <a:p>
+            <a:pPr defTabSz="457200">
+              <a:defRPr sz="1200">
+                <a:solidFill>
+                  <a:srgbClr val="212121"/>
+                </a:solidFill>
+                <a:latin typeface="Monaco"/>
+                <a:ea typeface="Monaco"/>
+                <a:cs typeface="Monaco"/>
+                <a:sym typeface="Monaco"/>
+              </a:defRPr>
+            </a:pPr>
+            <a:r>
+              <a:t>|6.0       |4.0       |[0.0,0.0,0.04187082405345212,0.2846325167037862,0.44097995545657015,0.0,0.23251670378619155,0.0]|</a:t>
+            </a:r>
+          </a:p>
+          <a:p>
+            <a:pPr defTabSz="457200">
+              <a:defRPr sz="1200">
+                <a:solidFill>
+                  <a:srgbClr val="212121"/>
+                </a:solidFill>
+                <a:latin typeface="Monaco"/>
+                <a:ea typeface="Monaco"/>
+                <a:cs typeface="Monaco"/>
+                <a:sym typeface="Monaco"/>
+              </a:defRPr>
+            </a:pPr>
+            <a:r>
+              <a:t>|6.0       |3.0       |[0.0,0.0,0.0316138592900995,0.636581751464258,0.05130195469621057,0.0,0.2805024345494319,0.0]   |</a:t>
+            </a:r>
+          </a:p>
+          <a:p>
+            <a:pPr defTabSz="457200">
+              <a:defRPr sz="1200">
+                <a:solidFill>
+                  <a:srgbClr val="212121"/>
+                </a:solidFill>
+                <a:latin typeface="Monaco"/>
+                <a:ea typeface="Monaco"/>
+                <a:cs typeface="Monaco"/>
+                <a:sym typeface="Monaco"/>
+              </a:defRPr>
+            </a:pPr>
+            <a:r>
+              <a:t>|6.0       |3.0       |[0.0,0.0,0.0316138592900995,0.636581751464258,0.05130195469621057,0.0,0.2805024345494319,0.0]   |</a:t>
+            </a:r>
+          </a:p>
+          <a:p>
+            <a:pPr defTabSz="457200">
+              <a:defRPr sz="1200">
+                <a:solidFill>
+                  <a:srgbClr val="212121"/>
+                </a:solidFill>
+                <a:latin typeface="Monaco"/>
+                <a:ea typeface="Monaco"/>
+                <a:cs typeface="Monaco"/>
+                <a:sym typeface="Monaco"/>
+              </a:defRPr>
+            </a:pPr>
+            <a:r>
+              <a:t>|6.0       |3.0       |[0.0,0.0,0.0316138592900995,0.636581751464258,0.05130195469621057,0.0,0.2805024345494319,0.0]   |</a:t>
+            </a:r>
+          </a:p>
+          <a:p>
+            <a:pPr defTabSz="457200">
+              <a:defRPr sz="1200">
+                <a:solidFill>
+                  <a:srgbClr val="212121"/>
+                </a:solidFill>
+                <a:latin typeface="Monaco"/>
+                <a:ea typeface="Monaco"/>
+                <a:cs typeface="Monaco"/>
+                <a:sym typeface="Monaco"/>
+              </a:defRPr>
+            </a:pPr>
+            <a:r>
+              <a:t>|6.0       |3.0       |[0.0,0.0,0.0316138592900995,0.636581751464258,0.05130195469621057,0.0,0.2805024345494319,0.0]   |</a:t>
+            </a:r>
+          </a:p>
+          <a:p>
+            <a:pPr defTabSz="457200">
+              <a:defRPr sz="1200">
+                <a:solidFill>
+                  <a:srgbClr val="212121"/>
+                </a:solidFill>
+                <a:latin typeface="Monaco"/>
+                <a:ea typeface="Monaco"/>
+                <a:cs typeface="Monaco"/>
+                <a:sym typeface="Monaco"/>
+              </a:defRPr>
+            </a:pPr>
+            <a:r>
+              <a:t>|6.0       |3.0       |[0.0,0.0,0.0316138592900995,0.636581751464258,0.05130195469621057,0.0,0.2805024345494319,0.0]   |</a:t>
+            </a:r>
+          </a:p>
+          <a:p>
+            <a:pPr defTabSz="457200">
+              <a:defRPr sz="1200">
+                <a:solidFill>
+                  <a:srgbClr val="212121"/>
+                </a:solidFill>
+                <a:latin typeface="Monaco"/>
+                <a:ea typeface="Monaco"/>
+                <a:cs typeface="Monaco"/>
+                <a:sym typeface="Monaco"/>
+              </a:defRPr>
+            </a:pPr>
+            <a:r>
+              <a:t>|6.0       |3.0       |[0.0,0.0,0.0316138592900995,0.636581751464258,0.05130195469621057,0.0,0.2805024345494319,0.0]   |</a:t>
+            </a:r>
+          </a:p>
+          <a:p>
+            <a:pPr defTabSz="457200">
+              <a:defRPr sz="1200">
+                <a:solidFill>
+                  <a:srgbClr val="212121"/>
+                </a:solidFill>
+                <a:latin typeface="Monaco"/>
+                <a:ea typeface="Monaco"/>
+                <a:cs typeface="Monaco"/>
+                <a:sym typeface="Monaco"/>
+              </a:defRPr>
+            </a:pPr>
+            <a:r>
+              <a:t>|6.0       |3.0       |[0.0,0.0,0.0316138592900995,0.636581751464258,0.05130195469621057,0.0,0.2805024345494319,0.0]   |</a:t>
+            </a:r>
+          </a:p>
+        </p:txBody>
+      </p:sp>
+    </p:spTree>
+  </p:cSld>
+  <p:clrMapOvr>
+    <a:masterClrMapping/>
+  </p:clrMapOvr>
+  <p:transition xmlns:p14="http://schemas.microsoft.com/office/powerpoint/2010/main" spd="med" advClick="1"/>
+</p:sld>
+</file>
+
+<file path=ppt/slides/slide13.xml><?xml version="1.0" encoding="utf-8"?>
+<p:sld xmlns:a="http://schemas.openxmlformats.org/drawingml/2006/main" xmlns:r="http://schemas.openxmlformats.org/officeDocument/2006/relationships" xmlns:p="http://schemas.openxmlformats.org/presentationml/2006/main" showMasterSp="1" showMasterPhAnim="1">
+  <p:cSld>
+    <p:spTree>
+      <p:nvGrpSpPr>
+        <p:cNvPr id="1" name=""/>
+        <p:cNvGrpSpPr/>
+        <p:nvPr/>
+      </p:nvGrpSpPr>
+      <p:grpSpPr>
+        <a:xfrm>
+          <a:off x="0" y="0"/>
+          <a:ext cx="0" cy="0"/>
+          <a:chOff x="0" y="0"/>
+          <a:chExt cx="0" cy="0"/>
+        </a:xfrm>
+      </p:grpSpPr>
+      <p:sp>
+        <p:nvSpPr>
+          <p:cNvPr id="160" name="Transfer the classifier to RDD"/>
+          <p:cNvSpPr txBox="1"/>
+          <p:nvPr>
+            <p:ph type="title"/>
+          </p:nvPr>
+        </p:nvSpPr>
+        <p:spPr>
+          <a:prstGeom prst="rect">
+            <a:avLst/>
+          </a:prstGeom>
+        </p:spPr>
+        <p:txBody>
+          <a:bodyPr/>
+          <a:lstStyle/>
+          <a:p>
+            <a:pPr/>
+            <a:r>
+              <a:t>Transfer the classifier to RDD</a:t>
+            </a:r>
+          </a:p>
+        </p:txBody>
+      </p:sp>
+      <p:sp>
+        <p:nvSpPr>
+          <p:cNvPr id="161" name="val evaluator = new MulticlassClassificationEvaluator().…"/>
+          <p:cNvSpPr txBox="1"/>
+          <p:nvPr/>
+        </p:nvSpPr>
+        <p:spPr>
+          <a:xfrm>
+            <a:off x="1360904" y="1592580"/>
+            <a:ext cx="6422192" cy="3710941"/>
+          </a:xfrm>
+          <a:prstGeom prst="rect">
+            <a:avLst/>
+          </a:prstGeom>
+          <a:ln w="12700">
+            <a:miter lim="400000"/>
+          </a:ln>
+          <a:extLst>
+            <a:ext uri="{C572A759-6A51-4108-AA02-DFA0A04FC94B}">
+              <ma14:wrappingTextBoxFlag xmlns:ma14="http://schemas.microsoft.com/office/mac/drawingml/2011/main" val="1"/>
+            </a:ext>
+          </a:extLst>
+        </p:spPr>
+        <p:txBody>
+          <a:bodyPr wrap="none" lIns="45719" rIns="45719">
+            <a:spAutoFit/>
+          </a:bodyPr>
+          <a:lstStyle/>
+          <a:p>
+            <a:pPr>
+              <a:defRPr sz="1600"/>
+            </a:pPr>
+            <a:r>
+              <a:t>    val evaluator = new MulticlassClassificationEvaluator().</a:t>
+            </a:r>
+          </a:p>
+          <a:p>
+            <a:pPr>
+              <a:defRPr sz="1600"/>
+            </a:pPr>
+            <a:r>
+              <a:t>      setLabelCol("Cover_Type").</a:t>
+            </a:r>
+          </a:p>
+          <a:p>
+            <a:pPr>
+              <a:defRPr sz="1600"/>
+            </a:pPr>
+            <a:r>
+              <a:t>      setPredictionCol("prediction")</a:t>
+            </a:r>
+          </a:p>
+          <a:p>
+            <a:pPr>
+              <a:defRPr sz="1600"/>
+            </a:pPr>
+          </a:p>
+          <a:p>
+            <a:pPr>
+              <a:defRPr sz="1600"/>
+            </a:pPr>
+            <a:r>
+              <a:t>    val accuracy = evaluator.setMetricName("accuracy").evaluate(predictions)</a:t>
+            </a:r>
+          </a:p>
+          <a:p>
+            <a:pPr>
+              <a:defRPr sz="1600"/>
+            </a:pPr>
+            <a:r>
+              <a:t>    val f1 = evaluator.setMetricName("f1").evaluate(predictions)</a:t>
+            </a:r>
+          </a:p>
+          <a:p>
+            <a:pPr>
+              <a:defRPr sz="1600"/>
+            </a:pPr>
+            <a:r>
+              <a:t>    println(accuracy)</a:t>
+            </a:r>
+          </a:p>
+          <a:p>
+            <a:pPr>
+              <a:defRPr sz="1600"/>
+            </a:pPr>
+            <a:r>
+              <a:t>    println(f1)</a:t>
+            </a:r>
+          </a:p>
+          <a:p>
+            <a:pPr>
+              <a:defRPr sz="1600"/>
+            </a:pPr>
+          </a:p>
+          <a:p>
+            <a:pPr>
+              <a:defRPr sz="1600"/>
+            </a:pPr>
+            <a:r>
+              <a:t>    val predictionRDD = predictions.</a:t>
+            </a:r>
+          </a:p>
+          <a:p>
+            <a:pPr>
+              <a:defRPr sz="1600"/>
+            </a:pPr>
+            <a:r>
+              <a:t>      select("prediction", "Cover_Type").</a:t>
+            </a:r>
+          </a:p>
+          <a:p>
+            <a:pPr>
+              <a:defRPr sz="1600"/>
+            </a:pPr>
+            <a:r>
+              <a:t>      as[(Double,Double)].rdd</a:t>
+            </a:r>
+          </a:p>
+          <a:p>
+            <a:pPr>
+              <a:defRPr sz="1600"/>
+            </a:pPr>
+            <a:r>
+              <a:t>    val multiclassMetrics = new MulticlassMetrics(predictionRDD)</a:t>
+            </a:r>
+          </a:p>
+          <a:p>
+            <a:pPr>
+              <a:defRPr sz="1600"/>
+            </a:pPr>
+            <a:r>
+              <a:t>    println(multiclassMetrics.confusionMatrix)</a:t>
+            </a:r>
+          </a:p>
+        </p:txBody>
+      </p:sp>
+    </p:spTree>
+  </p:cSld>
+  <p:clrMapOvr>
+    <a:masterClrMapping/>
+  </p:clrMapOvr>
+  <p:transition xmlns:p14="http://schemas.microsoft.com/office/powerpoint/2010/main" spd="med" advClick="1"/>
+</p:sld>
+</file>
+
+<file path=ppt/slides/slide14.xml><?xml version="1.0" encoding="utf-8"?>
+<p:sld xmlns:a="http://schemas.openxmlformats.org/drawingml/2006/main" xmlns:r="http://schemas.openxmlformats.org/officeDocument/2006/relationships" xmlns:p="http://schemas.openxmlformats.org/presentationml/2006/main" showMasterSp="1" showMasterPhAnim="1">
+  <p:cSld>
+    <p:spTree>
+      <p:nvGrpSpPr>
+        <p:cNvPr id="1" name=""/>
+        <p:cNvGrpSpPr/>
+        <p:nvPr/>
+      </p:nvGrpSpPr>
+      <p:grpSpPr>
+        <a:xfrm>
+          <a:off x="0" y="0"/>
+          <a:ext cx="0" cy="0"/>
+          <a:chOff x="0" y="0"/>
+          <a:chExt cx="0" cy="0"/>
+        </a:xfrm>
+      </p:grpSpPr>
+      <p:sp>
+        <p:nvSpPr>
+          <p:cNvPr id="163" name="Get the confusion matrix from RDD"/>
+          <p:cNvSpPr txBox="1"/>
+          <p:nvPr>
+            <p:ph type="title"/>
+          </p:nvPr>
+        </p:nvSpPr>
+        <p:spPr>
+          <a:prstGeom prst="rect">
+            <a:avLst/>
+          </a:prstGeom>
+        </p:spPr>
+        <p:txBody>
+          <a:bodyPr/>
+          <a:lstStyle/>
+          <a:p>
+            <a:pPr/>
+            <a:r>
+              <a:t>Get the confusion matrix from RDD</a:t>
+            </a:r>
+          </a:p>
+        </p:txBody>
+      </p:sp>
+      <p:sp>
+        <p:nvSpPr>
+          <p:cNvPr id="164" name="val confusionMatrix = predictions.…"/>
           <p:cNvSpPr txBox="1"/>
           <p:nvPr/>
         </p:nvSpPr>
@@ -3881,7 +4727,7 @@
       </p:sp>
       <p:sp>
         <p:nvSpPr>
-          <p:cNvPr id="158" name="confusionMatrix: org.apache.spark.sql.Dataset[org.apache.spark.sql.Row] = [Cover_Type: double, 1: bigint ... 6 more fields]…"/>
+          <p:cNvPr id="165" name="confusionMatrix: org.apache.spark.sql.Dataset[org.apache.spark.sql.Row] = [Cover_Type: double, 1: bigint ... 6 more fields]…"/>
           <p:cNvSpPr txBox="1"/>
           <p:nvPr/>
         </p:nvSpPr>
@@ -4203,7 +5049,7 @@
       </p:grpSpPr>
       <p:sp>
         <p:nvSpPr>
-          <p:cNvPr id="119" name="Example: forest covers in different environments"/>
+          <p:cNvPr id="119" name="The use of regression"/>
           <p:cNvSpPr txBox="1"/>
           <p:nvPr>
             <p:ph type="title"/>
@@ -4220,46 +5066,17 @@
           <a:p>
             <a:pPr/>
             <a:r>
-              <a:t>Example: forest covers in different environments</a:t>
+              <a:t>The use of regression</a:t>
             </a:r>
           </a:p>
         </p:txBody>
       </p:sp>
-      <p:pic>
-        <p:nvPicPr>
-          <p:cNvPr id="120" name="Picture Placeholder 2" descr="Picture Placeholder 2"/>
-          <p:cNvPicPr>
-            <a:picLocks noChangeAspect="1"/>
-          </p:cNvPicPr>
-          <p:nvPr>
-            <p:ph type="pic" idx="13"/>
-          </p:nvPr>
-        </p:nvPicPr>
-        <p:blipFill>
-          <a:blip r:embed="rId2">
-            <a:extLst/>
-          </a:blip>
-          <a:srcRect l="0" t="0" r="0" b="0"/>
-          <a:stretch>
-            <a:fillRect/>
-          </a:stretch>
-        </p:blipFill>
-        <p:spPr>
-          <a:xfrm>
-            <a:off x="1018874" y="612775"/>
-            <a:ext cx="7033228" cy="4114800"/>
-          </a:xfrm>
-          <a:prstGeom prst="rect">
-            <a:avLst/>
-          </a:prstGeom>
-        </p:spPr>
-      </p:pic>
       <p:sp>
         <p:nvSpPr>
-          <p:cNvPr id="121" name="How does the forest depend on: altitude, climate, soil type etc.?…"/>
+          <p:cNvPr id="120" name="We have observations of “inputs” and “outputs”…"/>
           <p:cNvSpPr txBox="1"/>
           <p:nvPr>
-            <p:ph type="body" sz="quarter" idx="1"/>
+            <p:ph type="body" idx="1"/>
           </p:nvPr>
         </p:nvSpPr>
         <p:spPr>
@@ -4271,55 +5088,35 @@
           <a:bodyPr/>
           <a:lstStyle/>
           <a:p>
-            <a:pPr/>
-            <a:r>
-              <a:t>How does the forest depend on: altitude, climate, soil type etc.?</a:t>
-            </a:r>
-          </a:p>
-          <a:p>
-            <a:pPr/>
-            <a:r>
-              <a:t>Can we predict the forest that will develop in a given area, from measuring the various environmental conditions?</a:t>
-            </a:r>
-          </a:p>
-        </p:txBody>
-      </p:sp>
-      <p:sp>
-        <p:nvSpPr>
-          <p:cNvPr id="122" name="https://archive.ics.uci.edu/ml/datasets/covertype"/>
-          <p:cNvSpPr txBox="1"/>
-          <p:nvPr/>
-        </p:nvSpPr>
-        <p:spPr>
-          <a:xfrm>
-            <a:off x="905961" y="6240779"/>
-            <a:ext cx="3434840" cy="281941"/>
-          </a:xfrm>
-          <a:prstGeom prst="rect">
-            <a:avLst/>
-          </a:prstGeom>
-          <a:ln w="12700">
-            <a:miter lim="400000"/>
-          </a:ln>
-          <a:extLst>
-            <a:ext uri="{C572A759-6A51-4108-AA02-DFA0A04FC94B}">
-              <ma14:wrappingTextBoxFlag xmlns:ma14="http://schemas.microsoft.com/office/mac/drawingml/2011/main" val="1"/>
-            </a:ext>
-          </a:extLst>
-        </p:spPr>
-        <p:txBody>
-          <a:bodyPr wrap="none" lIns="45719" rIns="45719">
-            <a:spAutoFit/>
-          </a:bodyPr>
-          <a:lstStyle>
-            <a:lvl1pPr>
-              <a:defRPr sz="1300"/>
-            </a:lvl1pPr>
-          </a:lstStyle>
-          <a:p>
-            <a:pPr/>
-            <a:r>
-              <a:t>https://archive.ics.uci.edu/ml/datasets/covertype</a:t>
+            <a:pPr marL="336042" indent="-336042" defTabSz="896111">
+              <a:defRPr sz="3136"/>
+            </a:pPr>
+            <a:r>
+              <a:t>We have observations of “inputs” and “outputs”</a:t>
+            </a:r>
+          </a:p>
+          <a:p>
+            <a:pPr marL="336042" indent="-336042" defTabSz="896111">
+              <a:defRPr sz="3136"/>
+            </a:pPr>
+            <a:r>
+              <a:t>We want to find a relationship, giving the mapping from the inputs to outputs</a:t>
+            </a:r>
+          </a:p>
+          <a:p>
+            <a:pPr marL="336042" indent="-336042" defTabSz="896111">
+              <a:defRPr sz="3136"/>
+            </a:pPr>
+            <a:r>
+              <a:t>If successful, that mapping will allow predicting outputs corresponding to new, never-seen-before inputs</a:t>
+            </a:r>
+          </a:p>
+          <a:p>
+            <a:pPr marL="336042" indent="-336042" defTabSz="896111">
+              <a:defRPr sz="3136"/>
+            </a:pPr>
+            <a:r>
+              <a:t>Difference with “prediction”: there is not necessarily a temporal component</a:t>
             </a:r>
           </a:p>
         </p:txBody>
@@ -4352,7 +5149,7 @@
       </p:grpSpPr>
       <p:sp>
         <p:nvSpPr>
-          <p:cNvPr id="124" name="Imports for Spark Machine Learning"/>
+          <p:cNvPr id="122" name="Recall: “Linear Regression”"/>
           <p:cNvSpPr txBox="1"/>
           <p:nvPr>
             <p:ph type="title"/>
@@ -4369,104 +5166,53 @@
           <a:p>
             <a:pPr/>
             <a:r>
-              <a:t>Imports for Spark Machine Learning</a:t>
+              <a:t>Recall: “Linear Regression”</a:t>
             </a:r>
           </a:p>
         </p:txBody>
       </p:sp>
-      <p:sp>
-        <p:nvSpPr>
-          <p:cNvPr id="125" name="import org.apache.spark.ml.{PipelineModel, Pipeline}…"/>
-          <p:cNvSpPr txBox="1"/>
-          <p:nvPr/>
-        </p:nvSpPr>
+      <p:pic>
+        <p:nvPicPr>
+          <p:cNvPr id="123" name="Picture Placeholder 2" descr="Picture Placeholder 2"/>
+          <p:cNvPicPr>
+            <a:picLocks noChangeAspect="1"/>
+          </p:cNvPicPr>
+          <p:nvPr>
+            <p:ph type="pic" idx="13"/>
+          </p:nvPr>
+        </p:nvPicPr>
+        <p:blipFill>
+          <a:blip r:embed="rId2">
+            <a:extLst/>
+          </a:blip>
+          <a:stretch>
+            <a:fillRect/>
+          </a:stretch>
+        </p:blipFill>
         <p:spPr>
-          <a:xfrm>
-            <a:off x="1020162" y="2291079"/>
-            <a:ext cx="7103676" cy="3444241"/>
-          </a:xfrm>
           <a:prstGeom prst="rect">
             <a:avLst/>
           </a:prstGeom>
-          <a:ln w="12700">
-            <a:miter lim="400000"/>
-          </a:ln>
-          <a:extLst>
-            <a:ext uri="{C572A759-6A51-4108-AA02-DFA0A04FC94B}">
-              <ma14:wrappingTextBoxFlag xmlns:ma14="http://schemas.microsoft.com/office/mac/drawingml/2011/main" val="1"/>
-            </a:ext>
-          </a:extLst>
+        </p:spPr>
+      </p:pic>
+      <p:sp>
+        <p:nvSpPr>
+          <p:cNvPr id="124" name="Body"/>
+          <p:cNvSpPr txBox="1"/>
+          <p:nvPr>
+            <p:ph type="body" sz="quarter" idx="1"/>
+          </p:nvPr>
+        </p:nvSpPr>
+        <p:spPr>
+          <a:prstGeom prst="rect">
+            <a:avLst/>
+          </a:prstGeom>
         </p:spPr>
         <p:txBody>
-          <a:bodyPr wrap="none" lIns="45719" rIns="45719">
-            <a:spAutoFit/>
-          </a:bodyPr>
+          <a:bodyPr/>
           <a:lstStyle/>
           <a:p>
             <a:pPr/>
-            <a:r>
-              <a:t>import org.apache.spark.ml.{PipelineModel, Pipeline}</a:t>
-            </a:r>
-          </a:p>
-          <a:p>
-            <a:pPr/>
-            <a:r>
-              <a:t>import org.apache.spark.ml.classification.{DecisionTreeClassifier,</a:t>
-            </a:r>
-          </a:p>
-          <a:p>
-            <a:pPr/>
-            <a:r>
-              <a:t>  RandomForestClassifier, RandomForestClassificationModel}</a:t>
-            </a:r>
-          </a:p>
-          <a:p>
-            <a:pPr/>
-            <a:r>
-              <a:t>import org.apache.spark.ml.evaluation.MulticlassClassificationEvaluator</a:t>
-            </a:r>
-          </a:p>
-          <a:p>
-            <a:pPr/>
-            <a:r>
-              <a:t>import org.apache.spark.ml.feature.{VectorAssembler, VectorIndexer}</a:t>
-            </a:r>
-          </a:p>
-          <a:p>
-            <a:pPr/>
-            <a:r>
-              <a:t>import org.apache.spark.ml.linalg.Vector</a:t>
-            </a:r>
-          </a:p>
-          <a:p>
-            <a:pPr/>
-            <a:r>
-              <a:t>import org.apache.spark.ml.tuning.{ParamGridBuilder, TrainValidationSplit}</a:t>
-            </a:r>
-          </a:p>
-          <a:p>
-            <a:pPr/>
-            <a:r>
-              <a:t>import org.apache.spark.mllib.evaluation.MulticlassMetrics</a:t>
-            </a:r>
-          </a:p>
-          <a:p>
-            <a:pPr/>
-            <a:r>
-              <a:t>import org.apache.spark.sql.{DataFrame, SparkSession}</a:t>
-            </a:r>
-          </a:p>
-          <a:p>
-            <a:pPr/>
-            <a:r>
-              <a:t>import org.apache.spark.sql.functions._</a:t>
-            </a:r>
-          </a:p>
-          <a:p>
-            <a:pPr/>
-            <a:r>
-              <a:t>import scala.util.Random</a:t>
-            </a:r>
           </a:p>
         </p:txBody>
       </p:sp>
@@ -4498,7 +5244,7 @@
       </p:grpSpPr>
       <p:sp>
         <p:nvSpPr>
-          <p:cNvPr id="127" name="Open CSV, give name to columns"/>
+          <p:cNvPr id="126" name="Example: forest covers in different environments"/>
           <p:cNvSpPr txBox="1"/>
           <p:nvPr>
             <p:ph type="title"/>
@@ -4515,21 +5261,80 @@
           <a:p>
             <a:pPr/>
             <a:r>
-              <a:t>Open CSV, give name to columns</a:t>
+              <a:t>Example: forest covers in different environments</a:t>
+            </a:r>
+          </a:p>
+        </p:txBody>
+      </p:sp>
+      <p:pic>
+        <p:nvPicPr>
+          <p:cNvPr id="127" name="Picture Placeholder 2" descr="Picture Placeholder 2"/>
+          <p:cNvPicPr>
+            <a:picLocks noChangeAspect="1"/>
+          </p:cNvPicPr>
+          <p:nvPr>
+            <p:ph type="pic" idx="13"/>
+          </p:nvPr>
+        </p:nvPicPr>
+        <p:blipFill>
+          <a:blip r:embed="rId2">
+            <a:extLst/>
+          </a:blip>
+          <a:srcRect l="0" t="0" r="0" b="0"/>
+          <a:stretch>
+            <a:fillRect/>
+          </a:stretch>
+        </p:blipFill>
+        <p:spPr>
+          <a:xfrm>
+            <a:off x="1018874" y="612775"/>
+            <a:ext cx="7033228" cy="4114800"/>
+          </a:xfrm>
+          <a:prstGeom prst="rect">
+            <a:avLst/>
+          </a:prstGeom>
+        </p:spPr>
+      </p:pic>
+      <p:sp>
+        <p:nvSpPr>
+          <p:cNvPr id="128" name="How does the forest depend on: altitude, climate, soil type etc.?…"/>
+          <p:cNvSpPr txBox="1"/>
+          <p:nvPr>
+            <p:ph type="body" sz="quarter" idx="1"/>
+          </p:nvPr>
+        </p:nvSpPr>
+        <p:spPr>
+          <a:prstGeom prst="rect">
+            <a:avLst/>
+          </a:prstGeom>
+        </p:spPr>
+        <p:txBody>
+          <a:bodyPr/>
+          <a:lstStyle/>
+          <a:p>
+            <a:pPr/>
+            <a:r>
+              <a:t>How does the forest depend on: altitude, climate, soil type etc.?</a:t>
+            </a:r>
+          </a:p>
+          <a:p>
+            <a:pPr/>
+            <a:r>
+              <a:t>Can we predict the forest that will develop in a given area, from measuring the various environmental conditions?</a:t>
             </a:r>
           </a:p>
         </p:txBody>
       </p:sp>
       <p:sp>
         <p:nvSpPr>
-          <p:cNvPr id="128" name="import spark.implicits._…"/>
+          <p:cNvPr id="129" name="https://archive.ics.uci.edu/ml/datasets/covertype"/>
           <p:cNvSpPr txBox="1"/>
           <p:nvPr/>
         </p:nvSpPr>
         <p:spPr>
           <a:xfrm>
-            <a:off x="821340" y="1440179"/>
-            <a:ext cx="7501320" cy="5069841"/>
+            <a:off x="905961" y="6240779"/>
+            <a:ext cx="3434840" cy="281941"/>
           </a:xfrm>
           <a:prstGeom prst="rect">
             <a:avLst/>
@@ -4544,209 +5349,18 @@
           </a:extLst>
         </p:spPr>
         <p:txBody>
-          <a:bodyPr lIns="45719" rIns="45719">
+          <a:bodyPr wrap="none" lIns="45719" rIns="45719">
             <a:spAutoFit/>
           </a:bodyPr>
-          <a:lstStyle/>
-          <a:p>
-            <a:pPr>
-              <a:defRPr sz="1200"/>
-            </a:pPr>
-            <a:r>
-              <a:t>    import spark.implicits._</a:t>
-            </a:r>
-          </a:p>
-          <a:p>
-            <a:pPr>
-              <a:defRPr sz="1200"/>
-            </a:pPr>
-          </a:p>
-          <a:p>
-            <a:pPr>
-              <a:defRPr sz="1200"/>
-            </a:pPr>
-            <a:r>
-              <a:t>    val dataWithoutHeader = spark.read.</a:t>
-            </a:r>
-          </a:p>
-          <a:p>
-            <a:pPr>
-              <a:defRPr sz="1200"/>
-            </a:pPr>
-            <a:r>
-              <a:t>      option("inferSchema", true).</a:t>
-            </a:r>
-          </a:p>
-          <a:p>
-            <a:pPr>
-              <a:defRPr sz="1200"/>
-            </a:pPr>
-            <a:r>
-              <a:t>      option("header", false).</a:t>
-            </a:r>
-          </a:p>
-          <a:p>
-            <a:pPr>
-              <a:defRPr sz="1200"/>
-            </a:pPr>
-            <a:r>
-              <a:t>      csv("/Users/markon/ITU/covtype.data")</a:t>
-            </a:r>
-          </a:p>
-          <a:p>
-            <a:pPr>
-              <a:defRPr sz="1200"/>
-            </a:pPr>
-          </a:p>
-          <a:p>
-            <a:pPr>
-              <a:defRPr sz="1200"/>
-            </a:pPr>
-            <a:r>
-              <a:t>    val colNames = Seq(</a:t>
-            </a:r>
-          </a:p>
-          <a:p>
-            <a:pPr>
-              <a:defRPr sz="1200"/>
-            </a:pPr>
-            <a:r>
-              <a:t>        "Elevation", "Aspect", "Slope",</a:t>
-            </a:r>
-          </a:p>
-          <a:p>
-            <a:pPr>
-              <a:defRPr sz="1200"/>
-            </a:pPr>
-            <a:r>
-              <a:t>        "Horizontal_Distance_To_Hydrology", "Vertical_Distance_To_Hydrology",</a:t>
-            </a:r>
-          </a:p>
-          <a:p>
-            <a:pPr>
-              <a:defRPr sz="1200"/>
-            </a:pPr>
-            <a:r>
-              <a:t>        "Horizontal_Distance_To_Roadways",</a:t>
-            </a:r>
-          </a:p>
-          <a:p>
-            <a:pPr>
-              <a:defRPr sz="1200"/>
-            </a:pPr>
-            <a:r>
-              <a:t>        "Hillshade_9am", "Hillshade_Noon", "Hillshade_3pm",</a:t>
-            </a:r>
-          </a:p>
-          <a:p>
-            <a:pPr>
-              <a:defRPr sz="1200"/>
-            </a:pPr>
-            <a:r>
-              <a:t>        "Horizontal_Distance_To_Fire_Points"</a:t>
-            </a:r>
-          </a:p>
-          <a:p>
-            <a:pPr>
-              <a:defRPr sz="1200"/>
-            </a:pPr>
-            <a:r>
-              <a:t>      ) ++ (</a:t>
-            </a:r>
-          </a:p>
-          <a:p>
-            <a:pPr>
-              <a:defRPr sz="1200"/>
-            </a:pPr>
-            <a:r>
-              <a:t>        (0 until 4).map(i =&gt; s"Wilderness_Area_$i")</a:t>
-            </a:r>
-          </a:p>
-          <a:p>
-            <a:pPr>
-              <a:defRPr sz="1200"/>
-            </a:pPr>
-            <a:r>
-              <a:t>      ) ++ (</a:t>
-            </a:r>
-          </a:p>
-          <a:p>
-            <a:pPr>
-              <a:defRPr sz="1200"/>
-            </a:pPr>
-            <a:r>
-              <a:t>        (0 until 40).map(i =&gt; s"Soil_Type_$i")</a:t>
-            </a:r>
-          </a:p>
-          <a:p>
-            <a:pPr>
-              <a:defRPr sz="1200"/>
-            </a:pPr>
-            <a:r>
-              <a:t>      ) ++ Seq("Cover_Type")</a:t>
-            </a:r>
-          </a:p>
-          <a:p>
-            <a:pPr>
-              <a:defRPr sz="1200"/>
-            </a:pPr>
-          </a:p>
-          <a:p>
-            <a:pPr>
-              <a:defRPr sz="1200"/>
-            </a:pPr>
-            <a:r>
-              <a:t>    val data = dataWithoutHeader.toDF(colNames:_*).</a:t>
-            </a:r>
-          </a:p>
-          <a:p>
-            <a:pPr>
-              <a:defRPr sz="1200"/>
-            </a:pPr>
-            <a:r>
-              <a:t>      withColumn("Cover_Type", $"Cover_Type".cast("double"))</a:t>
-            </a:r>
-          </a:p>
-          <a:p>
-            <a:pPr>
-              <a:defRPr sz="1200"/>
-            </a:pPr>
-          </a:p>
-          <a:p>
-            <a:pPr>
-              <a:defRPr sz="1200"/>
-            </a:pPr>
-            <a:r>
-              <a:t>    data.show()</a:t>
-            </a:r>
-          </a:p>
-          <a:p>
-            <a:pPr>
-              <a:defRPr sz="1200"/>
-            </a:pPr>
-            <a:r>
-              <a:t>    data.head</a:t>
-            </a:r>
-          </a:p>
-          <a:p>
-            <a:pPr>
-              <a:defRPr sz="1200"/>
-            </a:pPr>
-          </a:p>
-          <a:p>
-            <a:pPr>
-              <a:defRPr sz="1200"/>
-            </a:pPr>
-            <a:r>
-              <a:t>    // Split into 90% train (+ CV), 10% test</a:t>
-            </a:r>
-          </a:p>
-          <a:p>
-            <a:pPr>
-              <a:defRPr sz="1200"/>
-            </a:pPr>
-            <a:r>
-              <a:t>    val Array(trainData, testData) = data.randomSplit(Array(0.9, 0.1))</a:t>
+          <a:lstStyle>
+            <a:lvl1pPr>
+              <a:defRPr sz="1300"/>
+            </a:lvl1pPr>
+          </a:lstStyle>
+          <a:p>
+            <a:pPr/>
+            <a:r>
+              <a:t>https://archive.ics.uci.edu/ml/datasets/covertype</a:t>
             </a:r>
           </a:p>
         </p:txBody>
@@ -4779,7 +5393,7 @@
       </p:grpSpPr>
       <p:sp>
         <p:nvSpPr>
-          <p:cNvPr id="130" name="Head of the resulting table"/>
+          <p:cNvPr id="131" name="Imports for Spark Machine Learning"/>
           <p:cNvSpPr txBox="1"/>
           <p:nvPr>
             <p:ph type="title"/>
@@ -4796,21 +5410,21 @@
           <a:p>
             <a:pPr/>
             <a:r>
-              <a:t>Head of the resulting table</a:t>
+              <a:t>Imports for Spark Machine Learning</a:t>
             </a:r>
           </a:p>
         </p:txBody>
       </p:sp>
       <p:sp>
         <p:nvSpPr>
-          <p:cNvPr id="131" name="+---------+------+-----+--------------------------------+------------------------------+-------------------------------+-------------+--------------+-------------+----------------------------------+-----------------+-----------------+-----------------+-----------------+-----------+-----------+-----------+-----------+-----------+-----------+-----------+-----------+-----------+-----------+------------+------------+------------+------------+------------+------------+------------+------------+------------+------------+------------+------------+------------+------------+------------+------------+------------+------------+------------+------------+------------+------------+------------+------------+------------+------------+------------+------------+------------+------------+----------+…"/>
+          <p:cNvPr id="132" name="import org.apache.spark.ml.{PipelineModel, Pipeline}…"/>
           <p:cNvSpPr txBox="1"/>
           <p:nvPr/>
         </p:nvSpPr>
         <p:spPr>
           <a:xfrm>
-            <a:off x="578445" y="1697891"/>
-            <a:ext cx="43675310" cy="846018"/>
+            <a:off x="1020162" y="2291079"/>
+            <a:ext cx="7103676" cy="3444241"/>
           </a:xfrm>
           <a:prstGeom prst="rect">
             <a:avLst/>
@@ -4825,528 +5439,74 @@
           </a:extLst>
         </p:spPr>
         <p:txBody>
-          <a:bodyPr lIns="45719" rIns="45719">
+          <a:bodyPr wrap="none" lIns="45719" rIns="45719">
             <a:spAutoFit/>
           </a:bodyPr>
           <a:lstStyle/>
           <a:p>
-            <a:pPr defTabSz="457200">
-              <a:defRPr sz="700">
-                <a:solidFill>
-                  <a:srgbClr val="212121"/>
-                </a:solidFill>
-                <a:latin typeface="Monaco"/>
-                <a:ea typeface="Monaco"/>
-                <a:cs typeface="Monaco"/>
-                <a:sym typeface="Monaco"/>
-              </a:defRPr>
-            </a:pPr>
-            <a:r>
-              <a:t>+---------+------+-----+--------------------------------+------------------------------+-------------------------------+-------------+--------------+-------------+----------------------------------+-----------------+-----------------+-----------------+-----------------+-----------+-----------+-----------+-----------+-----------+-----------+-----------+-----------+-----------+-----------+------------+------------+------------+------------+------------+------------+------------+------------+------------+------------+------------+------------+------------+------------+------------+------------+------------+------------+------------+------------+------------+------------+------------+------------+------------+------------+------------+------------+------------+------------+----------+</a:t>
-            </a:r>
-          </a:p>
-          <a:p>
-            <a:pPr defTabSz="457200">
-              <a:defRPr sz="700">
-                <a:solidFill>
-                  <a:srgbClr val="212121"/>
-                </a:solidFill>
-                <a:latin typeface="Monaco"/>
-                <a:ea typeface="Monaco"/>
-                <a:cs typeface="Monaco"/>
-                <a:sym typeface="Monaco"/>
-              </a:defRPr>
-            </a:pPr>
-            <a:r>
-              <a:t>|Elevation|Aspect|Slope|Horizontal_Distance_To_Hydrology|Vertical_Distance_To_Hydrology|Horizontal_Distance_To_Roadways|Hillshade_9am|Hillshade_Noon|Hillshade_3pm|Horizontal_Distance_To_Fire_Points|Wilderness_Area_0|Wilderness_Area_1|Wilderness_Area_2|Wilderness_Area_3|Soil_Type_0|Soil_Type_1|Soil_Type_2|Soil_Type_3|Soil_Type_4|Soil_Type_5|Soil_Type_6|Soil_Type_7|Soil_Type_8|Soil_Type_9|Soil_Type_10|Soil_Type_11|Soil_Type_12|Soil_Type_13|Soil_Type_14|Soil_Type_15|Soil_Type_16|Soil_Type_17|Soil_Type_18|Soil_Type_19|Soil_Type_20|Soil_Type_21|Soil_Type_22|Soil_Type_23|Soil_Type_24|Soil_Type_25|Soil_Type_26|Soil_Type_27|Soil_Type_28|Soil_Type_29|Soil_Type_30|Soil_Type_31|Soil_Type_32|Soil_Type_33|Soil_Type_34|Soil_Type_35|Soil_Type_36|Soil_Type_37|Soil_Type_38|Soil_Type_39|Cover_Type|</a:t>
-            </a:r>
-          </a:p>
-          <a:p>
-            <a:pPr defTabSz="457200">
-              <a:defRPr sz="700">
-                <a:solidFill>
-                  <a:srgbClr val="212121"/>
-                </a:solidFill>
-                <a:latin typeface="Monaco"/>
-                <a:ea typeface="Monaco"/>
-                <a:cs typeface="Monaco"/>
-                <a:sym typeface="Monaco"/>
-              </a:defRPr>
-            </a:pPr>
-            <a:r>
-              <a:t>+---------+------+-----+--------------------------------+------------------------------+-------------------------------+-------------+--------------+-------------+----------------------------------+-----------------+-----------------+-----------------+-----------------+-----------+-----------+-----------+-----------+-----------+-----------+-----------+-----------+-----------+-----------+------------+------------+------------+------------+------------+------------+------------+------------+------------+------------+------------+------------+------------+------------+------------+------------+------------+------------+------------+------------+------------+------------+------------+------------+------------+------------+------------+------------+------------+------------+----------+</a:t>
-            </a:r>
-          </a:p>
-          <a:p>
-            <a:pPr defTabSz="457200">
-              <a:defRPr sz="700">
-                <a:solidFill>
-                  <a:srgbClr val="212121"/>
-                </a:solidFill>
-                <a:latin typeface="Monaco"/>
-                <a:ea typeface="Monaco"/>
-                <a:cs typeface="Monaco"/>
-                <a:sym typeface="Monaco"/>
-              </a:defRPr>
-            </a:pPr>
-            <a:r>
-              <a:t>|     2596|    51|    3|                             258|                             0|                            510|          221|           232|          148|                              6279|                1|                0|                0|                0|          0|          0|          0|          0|          0|          0|          0|          0|          0|          0|           0|           0|           0|           0|           0|           0|           0|           0|           0|           0|           0|           0|           0|           0|           0|           0|           0|           0|           1|           0|           0|           0|           0|           0|           0|           0|           0|           0|           0|           0|       5.0|</a:t>
-            </a:r>
-          </a:p>
-          <a:p>
-            <a:pPr defTabSz="457200">
-              <a:defRPr sz="700">
-                <a:solidFill>
-                  <a:srgbClr val="212121"/>
-                </a:solidFill>
-                <a:latin typeface="Monaco"/>
-                <a:ea typeface="Monaco"/>
-                <a:cs typeface="Monaco"/>
-                <a:sym typeface="Monaco"/>
-              </a:defRPr>
-            </a:pPr>
-            <a:r>
-              <a:t>|     2590|    56|    2|                             212|                            -6|                            390|          220|           235|          151|                              6225|                1|                0|                0|                0|          0|          0|          0|          0|          0|          0|          0|          0|          0|          0|           0|           0|           0|           0|           0|           0|           0|           0|           0|           0|           0|           0|           0|           0|           0|           0|           0|           0|           1|           0|           0|           0|           0|           0|           0|           0|           0|           0|           0|           0|       5.0|</a:t>
-            </a:r>
-          </a:p>
-        </p:txBody>
-      </p:sp>
-      <p:sp>
-        <p:nvSpPr>
-          <p:cNvPr id="132" name="+---------+------+-----+--------------------------------+------------------------------+-------------------------------+-------------+--------------+-------------+----------------------------------+-----------------+-----------------+-----------------+-----------------+-----------+-----------+-----------+-----------+-----------+-----------+-----------+-----------+-----------+-----------+------------+------------+------------+------------+------------+------------+------------+------------+------------+------------+------------+------------+------------+------------+------------+------------+------------+------------+------------+------------+------------+------------+------------+------------+------------+------------+------------+------------+------------+------------+----------+…"/>
-          <p:cNvSpPr txBox="1"/>
-          <p:nvPr/>
-        </p:nvSpPr>
-        <p:spPr>
-          <a:xfrm>
-            <a:off x="-7663855" y="2392362"/>
-            <a:ext cx="43675310" cy="846018"/>
-          </a:xfrm>
-          <a:prstGeom prst="rect">
-            <a:avLst/>
-          </a:prstGeom>
-          <a:ln w="12700">
-            <a:miter lim="400000"/>
-          </a:ln>
-          <a:extLst>
-            <a:ext uri="{C572A759-6A51-4108-AA02-DFA0A04FC94B}">
-              <ma14:wrappingTextBoxFlag xmlns:ma14="http://schemas.microsoft.com/office/mac/drawingml/2011/main" val="1"/>
-            </a:ext>
-          </a:extLst>
-        </p:spPr>
-        <p:txBody>
-          <a:bodyPr lIns="45719" rIns="45719">
-            <a:spAutoFit/>
-          </a:bodyPr>
-          <a:lstStyle/>
-          <a:p>
-            <a:pPr defTabSz="457200">
-              <a:defRPr sz="700">
-                <a:solidFill>
-                  <a:srgbClr val="212121"/>
-                </a:solidFill>
-                <a:latin typeface="Monaco"/>
-                <a:ea typeface="Monaco"/>
-                <a:cs typeface="Monaco"/>
-                <a:sym typeface="Monaco"/>
-              </a:defRPr>
-            </a:pPr>
-            <a:r>
-              <a:t>+---------+------+-----+--------------------------------+------------------------------+-------------------------------+-------------+--------------+-------------+----------------------------------+-----------------+-----------------+-----------------+-----------------+-----------+-----------+-----------+-----------+-----------+-----------+-----------+-----------+-----------+-----------+------------+------------+------------+------------+------------+------------+------------+------------+------------+------------+------------+------------+------------+------------+------------+------------+------------+------------+------------+------------+------------+------------+------------+------------+------------+------------+------------+------------+------------+------------+----------+</a:t>
-            </a:r>
-          </a:p>
-          <a:p>
-            <a:pPr defTabSz="457200">
-              <a:defRPr sz="700">
-                <a:solidFill>
-                  <a:srgbClr val="212121"/>
-                </a:solidFill>
-                <a:latin typeface="Monaco"/>
-                <a:ea typeface="Monaco"/>
-                <a:cs typeface="Monaco"/>
-                <a:sym typeface="Monaco"/>
-              </a:defRPr>
-            </a:pPr>
-            <a:r>
-              <a:t>|Elevation|Aspect|Slope|Horizontal_Distance_To_Hydrology|Vertical_Distance_To_Hydrology|Horizontal_Distance_To_Roadways|Hillshade_9am|Hillshade_Noon|Hillshade_3pm|Horizontal_Distance_To_Fire_Points|Wilderness_Area_0|Wilderness_Area_1|Wilderness_Area_2|Wilderness_Area_3|Soil_Type_0|Soil_Type_1|Soil_Type_2|Soil_Type_3|Soil_Type_4|Soil_Type_5|Soil_Type_6|Soil_Type_7|Soil_Type_8|Soil_Type_9|Soil_Type_10|Soil_Type_11|Soil_Type_12|Soil_Type_13|Soil_Type_14|Soil_Type_15|Soil_Type_16|Soil_Type_17|Soil_Type_18|Soil_Type_19|Soil_Type_20|Soil_Type_21|Soil_Type_22|Soil_Type_23|Soil_Type_24|Soil_Type_25|Soil_Type_26|Soil_Type_27|Soil_Type_28|Soil_Type_29|Soil_Type_30|Soil_Type_31|Soil_Type_32|Soil_Type_33|Soil_Type_34|Soil_Type_35|Soil_Type_36|Soil_Type_37|Soil_Type_38|Soil_Type_39|Cover_Type|</a:t>
-            </a:r>
-          </a:p>
-          <a:p>
-            <a:pPr defTabSz="457200">
-              <a:defRPr sz="700">
-                <a:solidFill>
-                  <a:srgbClr val="212121"/>
-                </a:solidFill>
-                <a:latin typeface="Monaco"/>
-                <a:ea typeface="Monaco"/>
-                <a:cs typeface="Monaco"/>
-                <a:sym typeface="Monaco"/>
-              </a:defRPr>
-            </a:pPr>
-            <a:r>
-              <a:t>+---------+------+-----+--------------------------------+------------------------------+-------------------------------+-------------+--------------+-------------+----------------------------------+-----------------+-----------------+-----------------+-----------------+-----------+-----------+-----------+-----------+-----------+-----------+-----------+-----------+-----------+-----------+------------+------------+------------+------------+------------+------------+------------+------------+------------+------------+------------+------------+------------+------------+------------+------------+------------+------------+------------+------------+------------+------------+------------+------------+------------+------------+------------+------------+------------+------------+----------+</a:t>
-            </a:r>
-          </a:p>
-          <a:p>
-            <a:pPr defTabSz="457200">
-              <a:defRPr sz="700">
-                <a:solidFill>
-                  <a:srgbClr val="212121"/>
-                </a:solidFill>
-                <a:latin typeface="Monaco"/>
-                <a:ea typeface="Monaco"/>
-                <a:cs typeface="Monaco"/>
-                <a:sym typeface="Monaco"/>
-              </a:defRPr>
-            </a:pPr>
-            <a:r>
-              <a:t>|     2596|    51|    3|                             258|                             0|                            510|          221|           232|          148|                              6279|                1|                0|                0|                0|          0|          0|          0|          0|          0|          0|          0|          0|          0|          0|           0|           0|           0|           0|           0|           0|           0|           0|           0|           0|           0|           0|           0|           0|           0|           0|           0|           0|           1|           0|           0|           0|           0|           0|           0|           0|           0|           0|           0|           0|       5.0|</a:t>
-            </a:r>
-          </a:p>
-          <a:p>
-            <a:pPr defTabSz="457200">
-              <a:defRPr sz="700">
-                <a:solidFill>
-                  <a:srgbClr val="212121"/>
-                </a:solidFill>
-                <a:latin typeface="Monaco"/>
-                <a:ea typeface="Monaco"/>
-                <a:cs typeface="Monaco"/>
-                <a:sym typeface="Monaco"/>
-              </a:defRPr>
-            </a:pPr>
-            <a:r>
-              <a:t>|     2590|    56|    2|                             212|                            -6|                            390|          220|           235|          151|                              6225|                1|                0|                0|                0|          0|          0|          0|          0|          0|          0|          0|          0|          0|          0|           0|           0|           0|           0|           0|           0|           0|           0|           0|           0|           0|           0|           0|           0|           0|           0|           0|           0|           1|           0|           0|           0|           0|           0|           0|           0|           0|           0|           0|           0|       5.0|</a:t>
-            </a:r>
-          </a:p>
-        </p:txBody>
-      </p:sp>
-      <p:sp>
-        <p:nvSpPr>
-          <p:cNvPr id="133" name="+---------+------+-----+--------------------------------+------------------------------+-------------------------------+-------------+--------------+-------------+----------------------------------+-----------------+-----------------+-----------------+-----------------+-----------+-----------+-----------+-----------+-----------+-----------+-----------+-----------+-----------+-----------+------------+------------+------------+------------+------------+------------+------------+------------+------------+------------+------------+------------+------------+------------+------------+------------+------------+------------+------------+------------+------------+------------+------------+------------+------------+------------+------------+------------+------------+------------+----------+…"/>
-          <p:cNvSpPr txBox="1"/>
-          <p:nvPr/>
-        </p:nvSpPr>
-        <p:spPr>
-          <a:xfrm>
-            <a:off x="-16909455" y="3107897"/>
-            <a:ext cx="43675310" cy="846018"/>
-          </a:xfrm>
-          <a:prstGeom prst="rect">
-            <a:avLst/>
-          </a:prstGeom>
-          <a:ln w="12700">
-            <a:miter lim="400000"/>
-          </a:ln>
-          <a:extLst>
-            <a:ext uri="{C572A759-6A51-4108-AA02-DFA0A04FC94B}">
-              <ma14:wrappingTextBoxFlag xmlns:ma14="http://schemas.microsoft.com/office/mac/drawingml/2011/main" val="1"/>
-            </a:ext>
-          </a:extLst>
-        </p:spPr>
-        <p:txBody>
-          <a:bodyPr lIns="45719" rIns="45719">
-            <a:spAutoFit/>
-          </a:bodyPr>
-          <a:lstStyle/>
-          <a:p>
-            <a:pPr defTabSz="457200">
-              <a:defRPr sz="700">
-                <a:solidFill>
-                  <a:srgbClr val="212121"/>
-                </a:solidFill>
-                <a:latin typeface="Monaco"/>
-                <a:ea typeface="Monaco"/>
-                <a:cs typeface="Monaco"/>
-                <a:sym typeface="Monaco"/>
-              </a:defRPr>
-            </a:pPr>
-            <a:r>
-              <a:t>+---------+------+-----+--------------------------------+------------------------------+-------------------------------+-------------+--------------+-------------+----------------------------------+-----------------+-----------------+-----------------+-----------------+-----------+-----------+-----------+-----------+-----------+-----------+-----------+-----------+-----------+-----------+------------+------------+------------+------------+------------+------------+------------+------------+------------+------------+------------+------------+------------+------------+------------+------------+------------+------------+------------+------------+------------+------------+------------+------------+------------+------------+------------+------------+------------+------------+----------+</a:t>
-            </a:r>
-          </a:p>
-          <a:p>
-            <a:pPr defTabSz="457200">
-              <a:defRPr sz="700">
-                <a:solidFill>
-                  <a:srgbClr val="212121"/>
-                </a:solidFill>
-                <a:latin typeface="Monaco"/>
-                <a:ea typeface="Monaco"/>
-                <a:cs typeface="Monaco"/>
-                <a:sym typeface="Monaco"/>
-              </a:defRPr>
-            </a:pPr>
-            <a:r>
-              <a:t>|Elevation|Aspect|Slope|Horizontal_Distance_To_Hydrology|Vertical_Distance_To_Hydrology|Horizontal_Distance_To_Roadways|Hillshade_9am|Hillshade_Noon|Hillshade_3pm|Horizontal_Distance_To_Fire_Points|Wilderness_Area_0|Wilderness_Area_1|Wilderness_Area_2|Wilderness_Area_3|Soil_Type_0|Soil_Type_1|Soil_Type_2|Soil_Type_3|Soil_Type_4|Soil_Type_5|Soil_Type_6|Soil_Type_7|Soil_Type_8|Soil_Type_9|Soil_Type_10|Soil_Type_11|Soil_Type_12|Soil_Type_13|Soil_Type_14|Soil_Type_15|Soil_Type_16|Soil_Type_17|Soil_Type_18|Soil_Type_19|Soil_Type_20|Soil_Type_21|Soil_Type_22|Soil_Type_23|Soil_Type_24|Soil_Type_25|Soil_Type_26|Soil_Type_27|Soil_Type_28|Soil_Type_29|Soil_Type_30|Soil_Type_31|Soil_Type_32|Soil_Type_33|Soil_Type_34|Soil_Type_35|Soil_Type_36|Soil_Type_37|Soil_Type_38|Soil_Type_39|Cover_Type|</a:t>
-            </a:r>
-          </a:p>
-          <a:p>
-            <a:pPr defTabSz="457200">
-              <a:defRPr sz="700">
-                <a:solidFill>
-                  <a:srgbClr val="212121"/>
-                </a:solidFill>
-                <a:latin typeface="Monaco"/>
-                <a:ea typeface="Monaco"/>
-                <a:cs typeface="Monaco"/>
-                <a:sym typeface="Monaco"/>
-              </a:defRPr>
-            </a:pPr>
-            <a:r>
-              <a:t>+---------+------+-----+--------------------------------+------------------------------+-------------------------------+-------------+--------------+-------------+----------------------------------+-----------------+-----------------+-----------------+-----------------+-----------+-----------+-----------+-----------+-----------+-----------+-----------+-----------+-----------+-----------+------------+------------+------------+------------+------------+------------+------------+------------+------------+------------+------------+------------+------------+------------+------------+------------+------------+------------+------------+------------+------------+------------+------------+------------+------------+------------+------------+------------+------------+------------+----------+</a:t>
-            </a:r>
-          </a:p>
-          <a:p>
-            <a:pPr defTabSz="457200">
-              <a:defRPr sz="700">
-                <a:solidFill>
-                  <a:srgbClr val="212121"/>
-                </a:solidFill>
-                <a:latin typeface="Monaco"/>
-                <a:ea typeface="Monaco"/>
-                <a:cs typeface="Monaco"/>
-                <a:sym typeface="Monaco"/>
-              </a:defRPr>
-            </a:pPr>
-            <a:r>
-              <a:t>|     2596|    51|    3|                             258|                             0|                            510|          221|           232|          148|                              6279|                1|                0|                0|                0|          0|          0|          0|          0|          0|          0|          0|          0|          0|          0|           0|           0|           0|           0|           0|           0|           0|           0|           0|           0|           0|           0|           0|           0|           0|           0|           0|           0|           1|           0|           0|           0|           0|           0|           0|           0|           0|           0|           0|           0|       5.0|</a:t>
-            </a:r>
-          </a:p>
-          <a:p>
-            <a:pPr defTabSz="457200">
-              <a:defRPr sz="700">
-                <a:solidFill>
-                  <a:srgbClr val="212121"/>
-                </a:solidFill>
-                <a:latin typeface="Monaco"/>
-                <a:ea typeface="Monaco"/>
-                <a:cs typeface="Monaco"/>
-                <a:sym typeface="Monaco"/>
-              </a:defRPr>
-            </a:pPr>
-            <a:r>
-              <a:t>|     2590|    56|    2|                             212|                            -6|                            390|          220|           235|          151|                              6225|                1|                0|                0|                0|          0|          0|          0|          0|          0|          0|          0|          0|          0|          0|           0|           0|           0|           0|           0|           0|           0|           0|           0|           0|           0|           0|           0|           0|           0|           0|           0|           0|           1|           0|           0|           0|           0|           0|           0|           0|           0|           0|           0|           0|       5.0|</a:t>
-            </a:r>
-          </a:p>
-        </p:txBody>
-      </p:sp>
-      <p:sp>
-        <p:nvSpPr>
-          <p:cNvPr id="134" name="+---------+------+-----+--------------------------------+------------------------------+-------------------------------+-------------+--------------+-------------+----------------------------------+-----------------+-----------------+-----------------+-----------------+-----------+-----------+-----------+-----------+-----------+-----------+-----------+-----------+-----------+-----------+------------+------------+------------+------------+------------+------------+------------+------------+------------+------------+------------+------------+------------+------------+------------+------------+------------+------------+------------+------------+------------+------------+------------+------------+------------+------------+------------+------------+------------+------------+----------+…"/>
-          <p:cNvSpPr txBox="1"/>
-          <p:nvPr/>
-        </p:nvSpPr>
-        <p:spPr>
-          <a:xfrm>
-            <a:off x="-25812155" y="3857503"/>
-            <a:ext cx="43675310" cy="846018"/>
-          </a:xfrm>
-          <a:prstGeom prst="rect">
-            <a:avLst/>
-          </a:prstGeom>
-          <a:ln w="12700">
-            <a:miter lim="400000"/>
-          </a:ln>
-          <a:extLst>
-            <a:ext uri="{C572A759-6A51-4108-AA02-DFA0A04FC94B}">
-              <ma14:wrappingTextBoxFlag xmlns:ma14="http://schemas.microsoft.com/office/mac/drawingml/2011/main" val="1"/>
-            </a:ext>
-          </a:extLst>
-        </p:spPr>
-        <p:txBody>
-          <a:bodyPr lIns="45719" rIns="45719">
-            <a:spAutoFit/>
-          </a:bodyPr>
-          <a:lstStyle/>
-          <a:p>
-            <a:pPr defTabSz="457200">
-              <a:defRPr sz="700">
-                <a:solidFill>
-                  <a:srgbClr val="212121"/>
-                </a:solidFill>
-                <a:latin typeface="Monaco"/>
-                <a:ea typeface="Monaco"/>
-                <a:cs typeface="Monaco"/>
-                <a:sym typeface="Monaco"/>
-              </a:defRPr>
-            </a:pPr>
-            <a:r>
-              <a:t>+---------+------+-----+--------------------------------+------------------------------+-------------------------------+-------------+--------------+-------------+----------------------------------+-----------------+-----------------+-----------------+-----------------+-----------+-----------+-----------+-----------+-----------+-----------+-----------+-----------+-----------+-----------+------------+------------+------------+------------+------------+------------+------------+------------+------------+------------+------------+------------+------------+------------+------------+------------+------------+------------+------------+------------+------------+------------+------------+------------+------------+------------+------------+------------+------------+------------+----------+</a:t>
-            </a:r>
-          </a:p>
-          <a:p>
-            <a:pPr defTabSz="457200">
-              <a:defRPr sz="700">
-                <a:solidFill>
-                  <a:srgbClr val="212121"/>
-                </a:solidFill>
-                <a:latin typeface="Monaco"/>
-                <a:ea typeface="Monaco"/>
-                <a:cs typeface="Monaco"/>
-                <a:sym typeface="Monaco"/>
-              </a:defRPr>
-            </a:pPr>
-            <a:r>
-              <a:t>|Elevation|Aspect|Slope|Horizontal_Distance_To_Hydrology|Vertical_Distance_To_Hydrology|Horizontal_Distance_To_Roadways|Hillshade_9am|Hillshade_Noon|Hillshade_3pm|Horizontal_Distance_To_Fire_Points|Wilderness_Area_0|Wilderness_Area_1|Wilderness_Area_2|Wilderness_Area_3|Soil_Type_0|Soil_Type_1|Soil_Type_2|Soil_Type_3|Soil_Type_4|Soil_Type_5|Soil_Type_6|Soil_Type_7|Soil_Type_8|Soil_Type_9|Soil_Type_10|Soil_Type_11|Soil_Type_12|Soil_Type_13|Soil_Type_14|Soil_Type_15|Soil_Type_16|Soil_Type_17|Soil_Type_18|Soil_Type_19|Soil_Type_20|Soil_Type_21|Soil_Type_22|Soil_Type_23|Soil_Type_24|Soil_Type_25|Soil_Type_26|Soil_Type_27|Soil_Type_28|Soil_Type_29|Soil_Type_30|Soil_Type_31|Soil_Type_32|Soil_Type_33|Soil_Type_34|Soil_Type_35|Soil_Type_36|Soil_Type_37|Soil_Type_38|Soil_Type_39|Cover_Type|</a:t>
-            </a:r>
-          </a:p>
-          <a:p>
-            <a:pPr defTabSz="457200">
-              <a:defRPr sz="700">
-                <a:solidFill>
-                  <a:srgbClr val="212121"/>
-                </a:solidFill>
-                <a:latin typeface="Monaco"/>
-                <a:ea typeface="Monaco"/>
-                <a:cs typeface="Monaco"/>
-                <a:sym typeface="Monaco"/>
-              </a:defRPr>
-            </a:pPr>
-            <a:r>
-              <a:t>+---------+------+-----+--------------------------------+------------------------------+-------------------------------+-------------+--------------+-------------+----------------------------------+-----------------+-----------------+-----------------+-----------------+-----------+-----------+-----------+-----------+-----------+-----------+-----------+-----------+-----------+-----------+------------+------------+------------+------------+------------+------------+------------+------------+------------+------------+------------+------------+------------+------------+------------+------------+------------+------------+------------+------------+------------+------------+------------+------------+------------+------------+------------+------------+------------+------------+----------+</a:t>
-            </a:r>
-          </a:p>
-          <a:p>
-            <a:pPr defTabSz="457200">
-              <a:defRPr sz="700">
-                <a:solidFill>
-                  <a:srgbClr val="212121"/>
-                </a:solidFill>
-                <a:latin typeface="Monaco"/>
-                <a:ea typeface="Monaco"/>
-                <a:cs typeface="Monaco"/>
-                <a:sym typeface="Monaco"/>
-              </a:defRPr>
-            </a:pPr>
-            <a:r>
-              <a:t>|     2596|    51|    3|                             258|                             0|                            510|          221|           232|          148|                              6279|                1|                0|                0|                0|          0|          0|          0|          0|          0|          0|          0|          0|          0|          0|           0|           0|           0|           0|           0|           0|           0|           0|           0|           0|           0|           0|           0|           0|           0|           0|           0|           0|           1|           0|           0|           0|           0|           0|           0|           0|           0|           0|           0|           0|       5.0|</a:t>
-            </a:r>
-          </a:p>
-          <a:p>
-            <a:pPr defTabSz="457200">
-              <a:defRPr sz="700">
-                <a:solidFill>
-                  <a:srgbClr val="212121"/>
-                </a:solidFill>
-                <a:latin typeface="Monaco"/>
-                <a:ea typeface="Monaco"/>
-                <a:cs typeface="Monaco"/>
-                <a:sym typeface="Monaco"/>
-              </a:defRPr>
-            </a:pPr>
-            <a:r>
-              <a:t>|     2590|    56|    2|                             212|                            -6|                            390|          220|           235|          151|                              6225|                1|                0|                0|                0|          0|          0|          0|          0|          0|          0|          0|          0|          0|          0|           0|           0|           0|           0|           0|           0|           0|           0|           0|           0|           0|           0|           0|           0|           0|           0|           0|           0|           1|           0|           0|           0|           0|           0|           0|           0|           0|           0|           0|           0|       5.0|</a:t>
-            </a:r>
-          </a:p>
-        </p:txBody>
-      </p:sp>
-      <p:sp>
-        <p:nvSpPr>
-          <p:cNvPr id="135" name="+---------+------+-----+--------------------------------+------------------------------+-------------------------------+-------------+--------------+-------------+----------------------------------+-----------------+-----------------+-----------------+-----------------+-----------+-----------+-----------+-----------+-----------+-----------+-----------+-----------+-----------+-----------+------------+------------+------------+------------+------------+------------+------------+------------+------------+------------+------------+------------+------------+------------+------------+------------+------------+------------+------------+------------+------------+------------+------------+------------+------------+------------+------------+------------+------------+------------+----------+…"/>
-          <p:cNvSpPr txBox="1"/>
-          <p:nvPr/>
-        </p:nvSpPr>
-        <p:spPr>
-          <a:xfrm>
-            <a:off x="-33267055" y="4678974"/>
-            <a:ext cx="43675310" cy="846018"/>
-          </a:xfrm>
-          <a:prstGeom prst="rect">
-            <a:avLst/>
-          </a:prstGeom>
-          <a:ln w="12700">
-            <a:miter lim="400000"/>
-          </a:ln>
-          <a:extLst>
-            <a:ext uri="{C572A759-6A51-4108-AA02-DFA0A04FC94B}">
-              <ma14:wrappingTextBoxFlag xmlns:ma14="http://schemas.microsoft.com/office/mac/drawingml/2011/main" val="1"/>
-            </a:ext>
-          </a:extLst>
-        </p:spPr>
-        <p:txBody>
-          <a:bodyPr lIns="45719" rIns="45719">
-            <a:spAutoFit/>
-          </a:bodyPr>
-          <a:lstStyle/>
-          <a:p>
-            <a:pPr defTabSz="457200">
-              <a:defRPr sz="700">
-                <a:solidFill>
-                  <a:srgbClr val="212121"/>
-                </a:solidFill>
-                <a:latin typeface="Monaco"/>
-                <a:ea typeface="Monaco"/>
-                <a:cs typeface="Monaco"/>
-                <a:sym typeface="Monaco"/>
-              </a:defRPr>
-            </a:pPr>
-            <a:r>
-              <a:t>+---------+------+-----+--------------------------------+------------------------------+-------------------------------+-------------+--------------+-------------+----------------------------------+-----------------+-----------------+-----------------+-----------------+-----------+-----------+-----------+-----------+-----------+-----------+-----------+-----------+-----------+-----------+------------+------------+------------+------------+------------+------------+------------+------------+------------+------------+------------+------------+------------+------------+------------+------------+------------+------------+------------+------------+------------+------------+------------+------------+------------+------------+------------+------------+------------+------------+----------+</a:t>
-            </a:r>
-          </a:p>
-          <a:p>
-            <a:pPr defTabSz="457200">
-              <a:defRPr sz="700">
-                <a:solidFill>
-                  <a:srgbClr val="212121"/>
-                </a:solidFill>
-                <a:latin typeface="Monaco"/>
-                <a:ea typeface="Monaco"/>
-                <a:cs typeface="Monaco"/>
-                <a:sym typeface="Monaco"/>
-              </a:defRPr>
-            </a:pPr>
-            <a:r>
-              <a:t>|Elevation|Aspect|Slope|Horizontal_Distance_To_Hydrology|Vertical_Distance_To_Hydrology|Horizontal_Distance_To_Roadways|Hillshade_9am|Hillshade_Noon|Hillshade_3pm|Horizontal_Distance_To_Fire_Points|Wilderness_Area_0|Wilderness_Area_1|Wilderness_Area_2|Wilderness_Area_3|Soil_Type_0|Soil_Type_1|Soil_Type_2|Soil_Type_3|Soil_Type_4|Soil_Type_5|Soil_Type_6|Soil_Type_7|Soil_Type_8|Soil_Type_9|Soil_Type_10|Soil_Type_11|Soil_Type_12|Soil_Type_13|Soil_Type_14|Soil_Type_15|Soil_Type_16|Soil_Type_17|Soil_Type_18|Soil_Type_19|Soil_Type_20|Soil_Type_21|Soil_Type_22|Soil_Type_23|Soil_Type_24|Soil_Type_25|Soil_Type_26|Soil_Type_27|Soil_Type_28|Soil_Type_29|Soil_Type_30|Soil_Type_31|Soil_Type_32|Soil_Type_33|Soil_Type_34|Soil_Type_35|Soil_Type_36|Soil_Type_37|Soil_Type_38|Soil_Type_39|Cover_Type|</a:t>
-            </a:r>
-          </a:p>
-          <a:p>
-            <a:pPr defTabSz="457200">
-              <a:defRPr sz="700">
-                <a:solidFill>
-                  <a:srgbClr val="212121"/>
-                </a:solidFill>
-                <a:latin typeface="Monaco"/>
-                <a:ea typeface="Monaco"/>
-                <a:cs typeface="Monaco"/>
-                <a:sym typeface="Monaco"/>
-              </a:defRPr>
-            </a:pPr>
-            <a:r>
-              <a:t>+---------+------+-----+--------------------------------+------------------------------+-------------------------------+-------------+--------------+-------------+----------------------------------+-----------------+-----------------+-----------------+-----------------+-----------+-----------+-----------+-----------+-----------+-----------+-----------+-----------+-----------+-----------+------------+------------+------------+------------+------------+------------+------------+------------+------------+------------+------------+------------+------------+------------+------------+------------+------------+------------+------------+------------+------------+------------+------------+------------+------------+------------+------------+------------+------------+------------+----------+</a:t>
-            </a:r>
-          </a:p>
-          <a:p>
-            <a:pPr defTabSz="457200">
-              <a:defRPr sz="700">
-                <a:solidFill>
-                  <a:srgbClr val="212121"/>
-                </a:solidFill>
-                <a:latin typeface="Monaco"/>
-                <a:ea typeface="Monaco"/>
-                <a:cs typeface="Monaco"/>
-                <a:sym typeface="Monaco"/>
-              </a:defRPr>
-            </a:pPr>
-            <a:r>
-              <a:t>|     2596|    51|    3|                             258|                             0|                            510|          221|           232|          148|                              6279|                1|                0|                0|                0|          0|          0|          0|          0|          0|          0|          0|          0|          0|          0|           0|           0|           0|           0|           0|           0|           0|           0|           0|           0|           0|           0|           0|           0|           0|           0|           0|           0|           1|           0|           0|           0|           0|           0|           0|           0|           0|           0|           0|           0|       5.0|</a:t>
-            </a:r>
-          </a:p>
-          <a:p>
-            <a:pPr defTabSz="457200">
-              <a:defRPr sz="700">
-                <a:solidFill>
-                  <a:srgbClr val="212121"/>
-                </a:solidFill>
-                <a:latin typeface="Monaco"/>
-                <a:ea typeface="Monaco"/>
-                <a:cs typeface="Monaco"/>
-                <a:sym typeface="Monaco"/>
-              </a:defRPr>
-            </a:pPr>
-            <a:r>
-              <a:t>|     2590|    56|    2|                             212|                            -6|                            390|          220|           235|          151|                              6225|                1|                0|                0|                0|          0|          0|          0|          0|          0|          0|          0|          0|          0|          0|           0|           0|           0|           0|           0|           0|           0|           0|           0|           0|           0|           0|           0|           0|           0|           0|           0|           0|           1|           0|           0|           0|           0|           0|           0|           0|           0|           0|           0|           0|       5.0|</a:t>
+            <a:pPr/>
+            <a:r>
+              <a:t>import org.apache.spark.ml.{PipelineModel, Pipeline}</a:t>
+            </a:r>
+          </a:p>
+          <a:p>
+            <a:pPr/>
+            <a:r>
+              <a:t>import org.apache.spark.ml.classification.{DecisionTreeClassifier,</a:t>
+            </a:r>
+          </a:p>
+          <a:p>
+            <a:pPr/>
+            <a:r>
+              <a:t>  RandomForestClassifier, RandomForestClassificationModel}</a:t>
+            </a:r>
+          </a:p>
+          <a:p>
+            <a:pPr/>
+            <a:r>
+              <a:t>import org.apache.spark.ml.evaluation.MulticlassClassificationEvaluator</a:t>
+            </a:r>
+          </a:p>
+          <a:p>
+            <a:pPr/>
+            <a:r>
+              <a:t>import org.apache.spark.ml.feature.{VectorAssembler, VectorIndexer}</a:t>
+            </a:r>
+          </a:p>
+          <a:p>
+            <a:pPr/>
+            <a:r>
+              <a:t>import org.apache.spark.ml.linalg.Vector</a:t>
+            </a:r>
+          </a:p>
+          <a:p>
+            <a:pPr/>
+            <a:r>
+              <a:t>import org.apache.spark.ml.tuning.{ParamGridBuilder, TrainValidationSplit}</a:t>
+            </a:r>
+          </a:p>
+          <a:p>
+            <a:pPr/>
+            <a:r>
+              <a:t>import org.apache.spark.mllib.evaluation.MulticlassMetrics</a:t>
+            </a:r>
+          </a:p>
+          <a:p>
+            <a:pPr/>
+            <a:r>
+              <a:t>import org.apache.spark.sql.{DataFrame, SparkSession}</a:t>
+            </a:r>
+          </a:p>
+          <a:p>
+            <a:pPr/>
+            <a:r>
+              <a:t>import org.apache.spark.sql.functions._</a:t>
+            </a:r>
+          </a:p>
+          <a:p>
+            <a:pPr/>
+            <a:r>
+              <a:t>import scala.util.Random</a:t>
             </a:r>
           </a:p>
         </p:txBody>
@@ -5379,7 +5539,7 @@
       </p:grpSpPr>
       <p:sp>
         <p:nvSpPr>
-          <p:cNvPr id="137" name="Create a feature vector"/>
+          <p:cNvPr id="134" name="Open CSV, give name to columns"/>
           <p:cNvSpPr txBox="1"/>
           <p:nvPr>
             <p:ph type="title"/>
@@ -5396,104 +5556,21 @@
           <a:p>
             <a:pPr/>
             <a:r>
-              <a:t>Create a feature vector</a:t>
+              <a:t>Open CSV, give name to columns</a:t>
             </a:r>
           </a:p>
         </p:txBody>
       </p:sp>
       <p:sp>
         <p:nvSpPr>
-          <p:cNvPr id="138" name="val inputCols = trainData.columns.filter(_ != &quot;Cover_Type&quot;)…"/>
+          <p:cNvPr id="135" name="import spark.implicits._…"/>
           <p:cNvSpPr txBox="1"/>
           <p:nvPr/>
         </p:nvSpPr>
         <p:spPr>
           <a:xfrm>
-            <a:off x="1360904" y="1592580"/>
-            <a:ext cx="5842755" cy="2021841"/>
-          </a:xfrm>
-          <a:prstGeom prst="rect">
-            <a:avLst/>
-          </a:prstGeom>
-          <a:ln w="12700">
-            <a:miter lim="400000"/>
-          </a:ln>
-          <a:extLst>
-            <a:ext uri="{C572A759-6A51-4108-AA02-DFA0A04FC94B}">
-              <ma14:wrappingTextBoxFlag xmlns:ma14="http://schemas.microsoft.com/office/mac/drawingml/2011/main" val="1"/>
-            </a:ext>
-          </a:extLst>
-        </p:spPr>
-        <p:txBody>
-          <a:bodyPr wrap="none" lIns="45719" rIns="45719">
-            <a:spAutoFit/>
-          </a:bodyPr>
-          <a:lstStyle/>
-          <a:p>
-            <a:pPr>
-              <a:defRPr sz="1600"/>
-            </a:pPr>
-            <a:r>
-              <a:t>     val inputCols = trainData.columns.filter(_ != "Cover_Type")</a:t>
-            </a:r>
-          </a:p>
-          <a:p>
-            <a:pPr>
-              <a:defRPr sz="1600"/>
-            </a:pPr>
-            <a:r>
-              <a:t>    val assembler = new VectorAssembler().</a:t>
-            </a:r>
-          </a:p>
-          <a:p>
-            <a:pPr>
-              <a:defRPr sz="1600"/>
-            </a:pPr>
-            <a:r>
-              <a:t>      setInputCols(inputCols).</a:t>
-            </a:r>
-          </a:p>
-          <a:p>
-            <a:pPr>
-              <a:defRPr sz="1600"/>
-            </a:pPr>
-            <a:r>
-              <a:t>      setOutputCol("featureVector")</a:t>
-            </a:r>
-          </a:p>
-          <a:p>
-            <a:pPr>
-              <a:defRPr sz="1600"/>
-            </a:pPr>
-          </a:p>
-          <a:p>
-            <a:pPr>
-              <a:defRPr sz="1600"/>
-            </a:pPr>
-            <a:r>
-              <a:t>    val assembledTrainData = assembler.transform(trainData)</a:t>
-            </a:r>
-          </a:p>
-          <a:p>
-            <a:pPr>
-              <a:defRPr sz="1600"/>
-            </a:pPr>
-            <a:r>
-              <a:t>    assembledTrainData.select("featureVector").show(truncate = false)</a:t>
-            </a:r>
-          </a:p>
-        </p:txBody>
-      </p:sp>
-      <p:sp>
-        <p:nvSpPr>
-          <p:cNvPr id="139" name="+-----------------------------------------------------------------------------------------------------+…"/>
-          <p:cNvSpPr txBox="1"/>
-          <p:nvPr/>
-        </p:nvSpPr>
-        <p:spPr>
-          <a:xfrm>
-            <a:off x="721836" y="3789362"/>
-            <a:ext cx="10156984" cy="1503237"/>
+            <a:off x="821340" y="1440179"/>
+            <a:ext cx="7501320" cy="5069841"/>
           </a:xfrm>
           <a:prstGeom prst="rect">
             <a:avLst/>
@@ -5513,131 +5590,204 @@
           </a:bodyPr>
           <a:lstStyle/>
           <a:p>
-            <a:pPr defTabSz="457200">
-              <a:defRPr sz="1000">
-                <a:solidFill>
-                  <a:srgbClr val="212121"/>
-                </a:solidFill>
-                <a:latin typeface="Monaco"/>
-                <a:ea typeface="Monaco"/>
-                <a:cs typeface="Monaco"/>
-                <a:sym typeface="Monaco"/>
-              </a:defRPr>
-            </a:pPr>
-            <a:r>
-              <a:t>+-----------------------------------------------------------------------------------------------------+</a:t>
-            </a:r>
-          </a:p>
-          <a:p>
-            <a:pPr defTabSz="457200">
-              <a:defRPr sz="1000">
-                <a:solidFill>
-                  <a:srgbClr val="212121"/>
-                </a:solidFill>
-                <a:latin typeface="Monaco"/>
-                <a:ea typeface="Monaco"/>
-                <a:cs typeface="Monaco"/>
-                <a:sym typeface="Monaco"/>
-              </a:defRPr>
-            </a:pPr>
-            <a:r>
-              <a:t>|featureVector                                                                                        |</a:t>
-            </a:r>
-          </a:p>
-          <a:p>
-            <a:pPr defTabSz="457200">
-              <a:defRPr sz="1000">
-                <a:solidFill>
-                  <a:srgbClr val="212121"/>
-                </a:solidFill>
-                <a:latin typeface="Monaco"/>
-                <a:ea typeface="Monaco"/>
-                <a:cs typeface="Monaco"/>
-                <a:sym typeface="Monaco"/>
-              </a:defRPr>
-            </a:pPr>
-            <a:r>
-              <a:t>+-----------------------------------------------------------------------------------------------------+</a:t>
-            </a:r>
-          </a:p>
-          <a:p>
-            <a:pPr defTabSz="457200">
-              <a:defRPr sz="1000">
-                <a:solidFill>
-                  <a:srgbClr val="212121"/>
-                </a:solidFill>
-                <a:latin typeface="Monaco"/>
-                <a:ea typeface="Monaco"/>
-                <a:cs typeface="Monaco"/>
-                <a:sym typeface="Monaco"/>
-              </a:defRPr>
-            </a:pPr>
-            <a:r>
-              <a:t>|(54,[0,1,2,3,4,5,6,7,8,9,13,15],[1863.0,37.0,17.0,120.0,18.0,90.0,217.0,202.0,115.0,769.0,1.0,1.0])  |</a:t>
-            </a:r>
-          </a:p>
-          <a:p>
-            <a:pPr defTabSz="457200">
-              <a:defRPr sz="1000">
-                <a:solidFill>
-                  <a:srgbClr val="212121"/>
-                </a:solidFill>
-                <a:latin typeface="Monaco"/>
-                <a:ea typeface="Monaco"/>
-                <a:cs typeface="Monaco"/>
-                <a:sym typeface="Monaco"/>
-              </a:defRPr>
-            </a:pPr>
-            <a:r>
-              <a:t>|(54,[0,1,2,5,6,7,8,9,13,18],[1874.0,18.0,14.0,90.0,208.0,209.0,135.0,793.0,1.0,1.0])                 |</a:t>
-            </a:r>
-          </a:p>
-          <a:p>
-            <a:pPr defTabSz="457200">
-              <a:defRPr sz="1000">
-                <a:solidFill>
-                  <a:srgbClr val="212121"/>
-                </a:solidFill>
-                <a:latin typeface="Monaco"/>
-                <a:ea typeface="Monaco"/>
-                <a:cs typeface="Monaco"/>
-                <a:sym typeface="Monaco"/>
-              </a:defRPr>
-            </a:pPr>
-            <a:r>
-              <a:t>|(54,[0,1,2,3,4,5,6,7,8,9,13,18],[1879.0,28.0,19.0,30.0,12.0,95.0,209.0,196.0,117.0,778.0,1.0,1.0])   |</a:t>
-            </a:r>
-          </a:p>
-          <a:p>
-            <a:pPr defTabSz="457200">
-              <a:defRPr sz="1000">
-                <a:solidFill>
-                  <a:srgbClr val="212121"/>
-                </a:solidFill>
-                <a:latin typeface="Monaco"/>
-                <a:ea typeface="Monaco"/>
-                <a:cs typeface="Monaco"/>
-                <a:sym typeface="Monaco"/>
-              </a:defRPr>
-            </a:pPr>
-            <a:r>
-              <a:t>|(54,[0,1,2,3,4,5,6,7,8,9,13,15],[1888.0,33.0,22.0,150.0,46.0,108.0,209.0,185.0,103.0,735.0,1.0,1.0]) |</a:t>
-            </a:r>
-          </a:p>
-          <a:p>
-            <a:pPr defTabSz="457200">
-              <a:defRPr sz="1000">
-                <a:solidFill>
-                  <a:srgbClr val="212121"/>
-                </a:solidFill>
-                <a:latin typeface="Monaco"/>
-                <a:ea typeface="Monaco"/>
-                <a:cs typeface="Monaco"/>
-                <a:sym typeface="Monaco"/>
-              </a:defRPr>
-            </a:pPr>
-            <a:r>
-              <a:t>|(54,[0,1,2,3,4,5,6,7,8,9,13,14],[1889.0,28.0,22.0,150.0,23.0,120.0,205.0,185.0,108.0,759.0,1.0,1.0]) |</a:t>
+            <a:pPr>
+              <a:defRPr sz="1200"/>
+            </a:pPr>
+            <a:r>
+              <a:t>    import spark.implicits._</a:t>
+            </a:r>
+          </a:p>
+          <a:p>
+            <a:pPr>
+              <a:defRPr sz="1200"/>
+            </a:pPr>
+          </a:p>
+          <a:p>
+            <a:pPr>
+              <a:defRPr sz="1200"/>
+            </a:pPr>
+            <a:r>
+              <a:t>    val dataWithoutHeader = spark.read.</a:t>
+            </a:r>
+          </a:p>
+          <a:p>
+            <a:pPr>
+              <a:defRPr sz="1200"/>
+            </a:pPr>
+            <a:r>
+              <a:t>      option("inferSchema", true).</a:t>
+            </a:r>
+          </a:p>
+          <a:p>
+            <a:pPr>
+              <a:defRPr sz="1200"/>
+            </a:pPr>
+            <a:r>
+              <a:t>      option("header", false).</a:t>
+            </a:r>
+          </a:p>
+          <a:p>
+            <a:pPr>
+              <a:defRPr sz="1200"/>
+            </a:pPr>
+            <a:r>
+              <a:t>      csv("/Users/markon/ITU/covtype.data")</a:t>
+            </a:r>
+          </a:p>
+          <a:p>
+            <a:pPr>
+              <a:defRPr sz="1200"/>
+            </a:pPr>
+          </a:p>
+          <a:p>
+            <a:pPr>
+              <a:defRPr sz="1200"/>
+            </a:pPr>
+            <a:r>
+              <a:t>    val colNames = Seq(</a:t>
+            </a:r>
+          </a:p>
+          <a:p>
+            <a:pPr>
+              <a:defRPr sz="1200"/>
+            </a:pPr>
+            <a:r>
+              <a:t>        "Elevation", "Aspect", "Slope",</a:t>
+            </a:r>
+          </a:p>
+          <a:p>
+            <a:pPr>
+              <a:defRPr sz="1200"/>
+            </a:pPr>
+            <a:r>
+              <a:t>        "Horizontal_Distance_To_Hydrology", "Vertical_Distance_To_Hydrology",</a:t>
+            </a:r>
+          </a:p>
+          <a:p>
+            <a:pPr>
+              <a:defRPr sz="1200"/>
+            </a:pPr>
+            <a:r>
+              <a:t>        "Horizontal_Distance_To_Roadways",</a:t>
+            </a:r>
+          </a:p>
+          <a:p>
+            <a:pPr>
+              <a:defRPr sz="1200"/>
+            </a:pPr>
+            <a:r>
+              <a:t>        "Hillshade_9am", "Hillshade_Noon", "Hillshade_3pm",</a:t>
+            </a:r>
+          </a:p>
+          <a:p>
+            <a:pPr>
+              <a:defRPr sz="1200"/>
+            </a:pPr>
+            <a:r>
+              <a:t>        "Horizontal_Distance_To_Fire_Points"</a:t>
+            </a:r>
+          </a:p>
+          <a:p>
+            <a:pPr>
+              <a:defRPr sz="1200"/>
+            </a:pPr>
+            <a:r>
+              <a:t>      ) ++ (</a:t>
+            </a:r>
+          </a:p>
+          <a:p>
+            <a:pPr>
+              <a:defRPr sz="1200"/>
+            </a:pPr>
+            <a:r>
+              <a:t>        (0 until 4).map(i =&gt; s"Wilderness_Area_$i")</a:t>
+            </a:r>
+          </a:p>
+          <a:p>
+            <a:pPr>
+              <a:defRPr sz="1200"/>
+            </a:pPr>
+            <a:r>
+              <a:t>      ) ++ (</a:t>
+            </a:r>
+          </a:p>
+          <a:p>
+            <a:pPr>
+              <a:defRPr sz="1200"/>
+            </a:pPr>
+            <a:r>
+              <a:t>        (0 until 40).map(i =&gt; s"Soil_Type_$i")</a:t>
+            </a:r>
+          </a:p>
+          <a:p>
+            <a:pPr>
+              <a:defRPr sz="1200"/>
+            </a:pPr>
+            <a:r>
+              <a:t>      ) ++ Seq("Cover_Type")</a:t>
+            </a:r>
+          </a:p>
+          <a:p>
+            <a:pPr>
+              <a:defRPr sz="1200"/>
+            </a:pPr>
+          </a:p>
+          <a:p>
+            <a:pPr>
+              <a:defRPr sz="1200"/>
+            </a:pPr>
+            <a:r>
+              <a:t>    val data = dataWithoutHeader.toDF(colNames:_*).</a:t>
+            </a:r>
+          </a:p>
+          <a:p>
+            <a:pPr>
+              <a:defRPr sz="1200"/>
+            </a:pPr>
+            <a:r>
+              <a:t>      withColumn("Cover_Type", $"Cover_Type".cast("double"))</a:t>
+            </a:r>
+          </a:p>
+          <a:p>
+            <a:pPr>
+              <a:defRPr sz="1200"/>
+            </a:pPr>
+          </a:p>
+          <a:p>
+            <a:pPr>
+              <a:defRPr sz="1200"/>
+            </a:pPr>
+            <a:r>
+              <a:t>    data.show()</a:t>
+            </a:r>
+          </a:p>
+          <a:p>
+            <a:pPr>
+              <a:defRPr sz="1200"/>
+            </a:pPr>
+            <a:r>
+              <a:t>    data.head</a:t>
+            </a:r>
+          </a:p>
+          <a:p>
+            <a:pPr>
+              <a:defRPr sz="1200"/>
+            </a:pPr>
+          </a:p>
+          <a:p>
+            <a:pPr>
+              <a:defRPr sz="1200"/>
+            </a:pPr>
+            <a:r>
+              <a:t>    // Split into 90% train (+ CV), 10% test</a:t>
+            </a:r>
+          </a:p>
+          <a:p>
+            <a:pPr>
+              <a:defRPr sz="1200"/>
+            </a:pPr>
+            <a:r>
+              <a:t>    val Array(trainData, testData) = data.randomSplit(Array(0.9, 0.1))</a:t>
             </a:r>
           </a:p>
         </p:txBody>
@@ -5670,7 +5820,7 @@
       </p:grpSpPr>
       <p:sp>
         <p:nvSpPr>
-          <p:cNvPr id="141" name="Create a Classifier and train it"/>
+          <p:cNvPr id="137" name="Head of the resulting table"/>
           <p:cNvSpPr txBox="1"/>
           <p:nvPr>
             <p:ph type="title"/>
@@ -5687,21 +5837,21 @@
           <a:p>
             <a:pPr/>
             <a:r>
-              <a:t>Create a Classifier and train it</a:t>
+              <a:t>Head of the resulting table</a:t>
             </a:r>
           </a:p>
         </p:txBody>
       </p:sp>
       <p:sp>
         <p:nvSpPr>
-          <p:cNvPr id="142" name="val classifier = new DecisionTreeClassifier().…"/>
+          <p:cNvPr id="138" name="+---------+------+-----+--------------------------------+------------------------------+-------------------------------+-------------+--------------+-------------+----------------------------------+-----------------+-----------------+-----------------+-----------------+-----------+-----------+-----------+-----------+-----------+-----------+-----------+-----------+-----------+-----------+------------+------------+------------+------------+------------+------------+------------+------------+------------+------------+------------+------------+------------+------------+------------+------------+------------+------------+------------+------------+------------+------------+------------+------------+------------+------------+------------+------------+------------+------------+----------+…"/>
           <p:cNvSpPr txBox="1"/>
           <p:nvPr/>
         </p:nvSpPr>
         <p:spPr>
           <a:xfrm>
-            <a:off x="2305646" y="1275080"/>
-            <a:ext cx="4532708" cy="2885441"/>
+            <a:off x="578445" y="1697891"/>
+            <a:ext cx="43675310" cy="846018"/>
           </a:xfrm>
           <a:prstGeom prst="rect">
             <a:avLst/>
@@ -5716,70 +5866,102 @@
           </a:extLst>
         </p:spPr>
         <p:txBody>
-          <a:bodyPr wrap="none" lIns="45719" rIns="45719">
+          <a:bodyPr lIns="45719" rIns="45719">
             <a:spAutoFit/>
           </a:bodyPr>
           <a:lstStyle/>
           <a:p>
-            <a:pPr/>
-            <a:r>
-              <a:t>   val classifier = new DecisionTreeClassifier().</a:t>
-            </a:r>
-          </a:p>
-          <a:p>
-            <a:pPr/>
-            <a:r>
-              <a:t>      setSeed(Random.nextLong()).</a:t>
-            </a:r>
-          </a:p>
-          <a:p>
-            <a:pPr/>
-            <a:r>
-              <a:t>      setLabelCol("Cover_Type").</a:t>
-            </a:r>
-          </a:p>
-          <a:p>
-            <a:pPr/>
-            <a:r>
-              <a:t>      setFeaturesCol("featureVector").</a:t>
-            </a:r>
-          </a:p>
-          <a:p>
-            <a:pPr/>
-            <a:r>
-              <a:t>      setPredictionCol("prediction")</a:t>
-            </a:r>
-          </a:p>
-          <a:p>
-            <a:pPr/>
-          </a:p>
-          <a:p>
-            <a:pPr/>
-            <a:r>
-              <a:t>    val model = classifier.fit(assembledTrainData)</a:t>
-            </a:r>
-          </a:p>
-          <a:p>
-            <a:pPr/>
-            <a:r>
-              <a:t>    println(model.toDebugString)</a:t>
-            </a:r>
-          </a:p>
-          <a:p>
-            <a:pPr/>
+            <a:pPr defTabSz="457200">
+              <a:defRPr sz="700">
+                <a:solidFill>
+                  <a:srgbClr val="212121"/>
+                </a:solidFill>
+                <a:latin typeface="Monaco"/>
+                <a:ea typeface="Monaco"/>
+                <a:cs typeface="Monaco"/>
+                <a:sym typeface="Monaco"/>
+              </a:defRPr>
+            </a:pPr>
+            <a:r>
+              <a:t>+---------+------+-----+--------------------------------+------------------------------+-------------------------------+-------------+--------------+-------------+----------------------------------+-----------------+-----------------+-----------------+-----------------+-----------+-----------+-----------+-----------+-----------+-----------+-----------+-----------+-----------+-----------+------------+------------+------------+------------+------------+------------+------------+------------+------------+------------+------------+------------+------------+------------+------------+------------+------------+------------+------------+------------+------------+------------+------------+------------+------------+------------+------------+------------+------------+------------+----------+</a:t>
+            </a:r>
+          </a:p>
+          <a:p>
+            <a:pPr defTabSz="457200">
+              <a:defRPr sz="700">
+                <a:solidFill>
+                  <a:srgbClr val="212121"/>
+                </a:solidFill>
+                <a:latin typeface="Monaco"/>
+                <a:ea typeface="Monaco"/>
+                <a:cs typeface="Monaco"/>
+                <a:sym typeface="Monaco"/>
+              </a:defRPr>
+            </a:pPr>
+            <a:r>
+              <a:t>|Elevation|Aspect|Slope|Horizontal_Distance_To_Hydrology|Vertical_Distance_To_Hydrology|Horizontal_Distance_To_Roadways|Hillshade_9am|Hillshade_Noon|Hillshade_3pm|Horizontal_Distance_To_Fire_Points|Wilderness_Area_0|Wilderness_Area_1|Wilderness_Area_2|Wilderness_Area_3|Soil_Type_0|Soil_Type_1|Soil_Type_2|Soil_Type_3|Soil_Type_4|Soil_Type_5|Soil_Type_6|Soil_Type_7|Soil_Type_8|Soil_Type_9|Soil_Type_10|Soil_Type_11|Soil_Type_12|Soil_Type_13|Soil_Type_14|Soil_Type_15|Soil_Type_16|Soil_Type_17|Soil_Type_18|Soil_Type_19|Soil_Type_20|Soil_Type_21|Soil_Type_22|Soil_Type_23|Soil_Type_24|Soil_Type_25|Soil_Type_26|Soil_Type_27|Soil_Type_28|Soil_Type_29|Soil_Type_30|Soil_Type_31|Soil_Type_32|Soil_Type_33|Soil_Type_34|Soil_Type_35|Soil_Type_36|Soil_Type_37|Soil_Type_38|Soil_Type_39|Cover_Type|</a:t>
+            </a:r>
+          </a:p>
+          <a:p>
+            <a:pPr defTabSz="457200">
+              <a:defRPr sz="700">
+                <a:solidFill>
+                  <a:srgbClr val="212121"/>
+                </a:solidFill>
+                <a:latin typeface="Monaco"/>
+                <a:ea typeface="Monaco"/>
+                <a:cs typeface="Monaco"/>
+                <a:sym typeface="Monaco"/>
+              </a:defRPr>
+            </a:pPr>
+            <a:r>
+              <a:t>+---------+------+-----+--------------------------------+------------------------------+-------------------------------+-------------+--------------+-------------+----------------------------------+-----------------+-----------------+-----------------+-----------------+-----------+-----------+-----------+-----------+-----------+-----------+-----------+-----------+-----------+-----------+------------+------------+------------+------------+------------+------------+------------+------------+------------+------------+------------+------------+------------+------------+------------+------------+------------+------------+------------+------------+------------+------------+------------+------------+------------+------------+------------+------------+------------+------------+----------+</a:t>
+            </a:r>
+          </a:p>
+          <a:p>
+            <a:pPr defTabSz="457200">
+              <a:defRPr sz="700">
+                <a:solidFill>
+                  <a:srgbClr val="212121"/>
+                </a:solidFill>
+                <a:latin typeface="Monaco"/>
+                <a:ea typeface="Monaco"/>
+                <a:cs typeface="Monaco"/>
+                <a:sym typeface="Monaco"/>
+              </a:defRPr>
+            </a:pPr>
+            <a:r>
+              <a:t>|     2596|    51|    3|                             258|                             0|                            510|          221|           232|          148|                              6279|                1|                0|                0|                0|          0|          0|          0|          0|          0|          0|          0|          0|          0|          0|           0|           0|           0|           0|           0|           0|           0|           0|           0|           0|           0|           0|           0|           0|           0|           0|           0|           0|           1|           0|           0|           0|           0|           0|           0|           0|           0|           0|           0|           0|       5.0|</a:t>
+            </a:r>
+          </a:p>
+          <a:p>
+            <a:pPr defTabSz="457200">
+              <a:defRPr sz="700">
+                <a:solidFill>
+                  <a:srgbClr val="212121"/>
+                </a:solidFill>
+                <a:latin typeface="Monaco"/>
+                <a:ea typeface="Monaco"/>
+                <a:cs typeface="Monaco"/>
+                <a:sym typeface="Monaco"/>
+              </a:defRPr>
+            </a:pPr>
+            <a:r>
+              <a:t>|     2590|    56|    2|                             212|                            -6|                            390|          220|           235|          151|                              6225|                1|                0|                0|                0|          0|          0|          0|          0|          0|          0|          0|          0|          0|          0|           0|           0|           0|           0|           0|           0|           0|           0|           0|           0|           0|           0|           0|           0|           0|           0|           0|           0|           1|           0|           0|           0|           0|           0|           0|           0|           0|           0|           0|           0|       5.0|</a:t>
+            </a:r>
           </a:p>
         </p:txBody>
       </p:sp>
       <p:sp>
         <p:nvSpPr>
-          <p:cNvPr id="143" name="classifier: org.apache.spark.ml.classification.DecisionTreeClassifier = dtc_8f2aed40cf03…"/>
+          <p:cNvPr id="139" name="+---------+------+-----+--------------------------------+------------------------------+-------------------------------+-------------+--------------+-------------+----------------------------------+-----------------+-----------------+-----------------+-----------------+-----------+-----------+-----------+-----------+-----------+-----------+-----------+-----------+-----------+-----------+------------+------------+------------+------------+------------+------------+------------+------------+------------+------------+------------+------------+------------+------------+------------+------------+------------+------------+------------+------------+------------+------------+------------+------------+------------+------------+------------+------------+------------+------------+----------+…"/>
           <p:cNvSpPr txBox="1"/>
           <p:nvPr/>
         </p:nvSpPr>
         <p:spPr>
           <a:xfrm>
-            <a:off x="856587" y="3656342"/>
-            <a:ext cx="8335081" cy="3103437"/>
+            <a:off x="-7663855" y="2392362"/>
+            <a:ext cx="43675310" cy="846018"/>
           </a:xfrm>
           <a:prstGeom prst="rect">
             <a:avLst/>
@@ -5794,248 +5976,418 @@
           </a:extLst>
         </p:spPr>
         <p:txBody>
-          <a:bodyPr wrap="none" lIns="45719" rIns="45719">
+          <a:bodyPr lIns="45719" rIns="45719">
             <a:spAutoFit/>
           </a:bodyPr>
           <a:lstStyle/>
           <a:p>
             <a:pPr defTabSz="457200">
-              <a:defRPr sz="1000">
-                <a:solidFill>
-                  <a:srgbClr val="212121"/>
-                </a:solidFill>
-                <a:latin typeface="Monaco"/>
-                <a:ea typeface="Monaco"/>
-                <a:cs typeface="Monaco"/>
-                <a:sym typeface="Monaco"/>
-              </a:defRPr>
-            </a:pPr>
-            <a:r>
-              <a:t>classifier: org.apache.spark.ml.classification.DecisionTreeClassifier = dtc_8f2aed40cf03</a:t>
-            </a:r>
-          </a:p>
-          <a:p>
-            <a:pPr defTabSz="457200">
-              <a:defRPr sz="1000">
-                <a:solidFill>
-                  <a:srgbClr val="212121"/>
-                </a:solidFill>
-                <a:latin typeface="Monaco"/>
-                <a:ea typeface="Monaco"/>
-                <a:cs typeface="Monaco"/>
-                <a:sym typeface="Monaco"/>
-              </a:defRPr>
-            </a:pPr>
-            <a:r>
-              <a:t>model: org.apache.spark.ml.classification.DecisionTreeClassificationModel = DecisionTreeClassificationModel (uid=dtc_8f2aed40cf03) of depth 5 with 63 nodes</a:t>
-            </a:r>
-          </a:p>
-          <a:p>
-            <a:pPr defTabSz="457200">
-              <a:defRPr sz="1000">
-                <a:solidFill>
-                  <a:srgbClr val="212121"/>
-                </a:solidFill>
-                <a:latin typeface="Monaco"/>
-                <a:ea typeface="Monaco"/>
-                <a:cs typeface="Monaco"/>
-                <a:sym typeface="Monaco"/>
-              </a:defRPr>
-            </a:pPr>
-            <a:r>
-              <a:t>DecisionTreeClassificationModel (uid=dtc_8f2aed40cf03) of depth 5 with 63 nodes</a:t>
-            </a:r>
-          </a:p>
-          <a:p>
-            <a:pPr defTabSz="457200">
-              <a:defRPr sz="1000">
-                <a:solidFill>
-                  <a:srgbClr val="212121"/>
-                </a:solidFill>
-                <a:latin typeface="Monaco"/>
-                <a:ea typeface="Monaco"/>
-                <a:cs typeface="Monaco"/>
-                <a:sym typeface="Monaco"/>
-              </a:defRPr>
-            </a:pPr>
-            <a:r>
-              <a:t>  If (feature 0 &lt;= 3050.0)</a:t>
-            </a:r>
-          </a:p>
-          <a:p>
-            <a:pPr defTabSz="457200">
-              <a:defRPr sz="1000">
-                <a:solidFill>
-                  <a:srgbClr val="212121"/>
-                </a:solidFill>
-                <a:latin typeface="Monaco"/>
-                <a:ea typeface="Monaco"/>
-                <a:cs typeface="Monaco"/>
-                <a:sym typeface="Monaco"/>
-              </a:defRPr>
-            </a:pPr>
-            <a:r>
-              <a:t>   If (feature 0 &lt;= 2557.0)</a:t>
-            </a:r>
-          </a:p>
-          <a:p>
-            <a:pPr defTabSz="457200">
-              <a:defRPr sz="1000">
-                <a:solidFill>
-                  <a:srgbClr val="212121"/>
-                </a:solidFill>
-                <a:latin typeface="Monaco"/>
-                <a:ea typeface="Monaco"/>
-                <a:cs typeface="Monaco"/>
-                <a:sym typeface="Monaco"/>
-              </a:defRPr>
-            </a:pPr>
-            <a:r>
-              <a:t>    If (feature 10 &lt;= 0.0)</a:t>
-            </a:r>
-          </a:p>
-          <a:p>
-            <a:pPr defTabSz="457200">
-              <a:defRPr sz="1000">
-                <a:solidFill>
-                  <a:srgbClr val="212121"/>
-                </a:solidFill>
-                <a:latin typeface="Monaco"/>
-                <a:ea typeface="Monaco"/>
-                <a:cs typeface="Monaco"/>
-                <a:sym typeface="Monaco"/>
-              </a:defRPr>
-            </a:pPr>
-            <a:r>
-              <a:t>     If (feature 0 &lt;= 2445.0)</a:t>
-            </a:r>
-          </a:p>
-          <a:p>
-            <a:pPr defTabSz="457200">
-              <a:defRPr sz="1000">
-                <a:solidFill>
-                  <a:srgbClr val="212121"/>
-                </a:solidFill>
-                <a:latin typeface="Monaco"/>
-                <a:ea typeface="Monaco"/>
-                <a:cs typeface="Monaco"/>
-                <a:sym typeface="Monaco"/>
-              </a:defRPr>
-            </a:pPr>
-            <a:r>
-              <a:t>      If (feature 3 &lt;= 0.0)</a:t>
-            </a:r>
-          </a:p>
-          <a:p>
-            <a:pPr defTabSz="457200">
-              <a:defRPr sz="1000">
-                <a:solidFill>
-                  <a:srgbClr val="212121"/>
-                </a:solidFill>
-                <a:latin typeface="Monaco"/>
-                <a:ea typeface="Monaco"/>
-                <a:cs typeface="Monaco"/>
-                <a:sym typeface="Monaco"/>
-              </a:defRPr>
-            </a:pPr>
-            <a:r>
-              <a:t>       Predict: 4.0</a:t>
-            </a:r>
-          </a:p>
-          <a:p>
-            <a:pPr defTabSz="457200">
-              <a:defRPr sz="1000">
-                <a:solidFill>
-                  <a:srgbClr val="212121"/>
-                </a:solidFill>
-                <a:latin typeface="Monaco"/>
-                <a:ea typeface="Monaco"/>
-                <a:cs typeface="Monaco"/>
-                <a:sym typeface="Monaco"/>
-              </a:defRPr>
-            </a:pPr>
-            <a:r>
-              <a:t>      Else (feature 3 &gt; 0.0)</a:t>
-            </a:r>
-          </a:p>
-          <a:p>
-            <a:pPr defTabSz="457200">
-              <a:defRPr sz="1000">
-                <a:solidFill>
-                  <a:srgbClr val="212121"/>
-                </a:solidFill>
-                <a:latin typeface="Monaco"/>
-                <a:ea typeface="Monaco"/>
-                <a:cs typeface="Monaco"/>
-                <a:sym typeface="Monaco"/>
-              </a:defRPr>
-            </a:pPr>
-            <a:r>
-              <a:t>       Predict: 3.0</a:t>
-            </a:r>
-          </a:p>
-          <a:p>
-            <a:pPr defTabSz="457200">
-              <a:defRPr sz="1000">
-                <a:solidFill>
-                  <a:srgbClr val="212121"/>
-                </a:solidFill>
-                <a:latin typeface="Monaco"/>
-                <a:ea typeface="Monaco"/>
-                <a:cs typeface="Monaco"/>
-                <a:sym typeface="Monaco"/>
-              </a:defRPr>
-            </a:pPr>
-            <a:r>
-              <a:t>     Else (feature 0 &gt; 2445.0)</a:t>
-            </a:r>
-          </a:p>
-          <a:p>
-            <a:pPr defTabSz="457200">
-              <a:defRPr sz="1000">
-                <a:solidFill>
-                  <a:srgbClr val="212121"/>
-                </a:solidFill>
-                <a:latin typeface="Monaco"/>
-                <a:ea typeface="Monaco"/>
-                <a:cs typeface="Monaco"/>
-                <a:sym typeface="Monaco"/>
-              </a:defRPr>
-            </a:pPr>
-            <a:r>
-              <a:t>      If (feature 17 &lt;= 0.0)</a:t>
-            </a:r>
-          </a:p>
-          <a:p>
-            <a:pPr defTabSz="457200">
-              <a:defRPr sz="1000">
-                <a:solidFill>
-                  <a:srgbClr val="212121"/>
-                </a:solidFill>
-                <a:latin typeface="Monaco"/>
-                <a:ea typeface="Monaco"/>
-                <a:cs typeface="Monaco"/>
-                <a:sym typeface="Monaco"/>
-              </a:defRPr>
-            </a:pPr>
-            <a:r>
-              <a:t>       Predict: 2.0</a:t>
-            </a:r>
-          </a:p>
-          <a:p>
-            <a:pPr defTabSz="457200">
-              <a:defRPr sz="1000">
-                <a:solidFill>
-                  <a:srgbClr val="212121"/>
-                </a:solidFill>
-                <a:latin typeface="Monaco"/>
-                <a:ea typeface="Monaco"/>
-                <a:cs typeface="Monaco"/>
-                <a:sym typeface="Monaco"/>
-              </a:defRPr>
-            </a:pPr>
-            <a:r>
-              <a:t>      Else (feature 17 &gt; 0.0)</a:t>
+              <a:defRPr sz="700">
+                <a:solidFill>
+                  <a:srgbClr val="212121"/>
+                </a:solidFill>
+                <a:latin typeface="Monaco"/>
+                <a:ea typeface="Monaco"/>
+                <a:cs typeface="Monaco"/>
+                <a:sym typeface="Monaco"/>
+              </a:defRPr>
+            </a:pPr>
+            <a:r>
+              <a:t>+---------+------+-----+--------------------------------+------------------------------+-------------------------------+-------------+--------------+-------------+----------------------------------+-----------------+-----------------+-----------------+-----------------+-----------+-----------+-----------+-----------+-----------+-----------+-----------+-----------+-----------+-----------+------------+------------+------------+------------+------------+------------+------------+------------+------------+------------+------------+------------+------------+------------+------------+------------+------------+------------+------------+------------+------------+------------+------------+------------+------------+------------+------------+------------+------------+------------+----------+</a:t>
+            </a:r>
+          </a:p>
+          <a:p>
+            <a:pPr defTabSz="457200">
+              <a:defRPr sz="700">
+                <a:solidFill>
+                  <a:srgbClr val="212121"/>
+                </a:solidFill>
+                <a:latin typeface="Monaco"/>
+                <a:ea typeface="Monaco"/>
+                <a:cs typeface="Monaco"/>
+                <a:sym typeface="Monaco"/>
+              </a:defRPr>
+            </a:pPr>
+            <a:r>
+              <a:t>|Elevation|Aspect|Slope|Horizontal_Distance_To_Hydrology|Vertical_Distance_To_Hydrology|Horizontal_Distance_To_Roadways|Hillshade_9am|Hillshade_Noon|Hillshade_3pm|Horizontal_Distance_To_Fire_Points|Wilderness_Area_0|Wilderness_Area_1|Wilderness_Area_2|Wilderness_Area_3|Soil_Type_0|Soil_Type_1|Soil_Type_2|Soil_Type_3|Soil_Type_4|Soil_Type_5|Soil_Type_6|Soil_Type_7|Soil_Type_8|Soil_Type_9|Soil_Type_10|Soil_Type_11|Soil_Type_12|Soil_Type_13|Soil_Type_14|Soil_Type_15|Soil_Type_16|Soil_Type_17|Soil_Type_18|Soil_Type_19|Soil_Type_20|Soil_Type_21|Soil_Type_22|Soil_Type_23|Soil_Type_24|Soil_Type_25|Soil_Type_26|Soil_Type_27|Soil_Type_28|Soil_Type_29|Soil_Type_30|Soil_Type_31|Soil_Type_32|Soil_Type_33|Soil_Type_34|Soil_Type_35|Soil_Type_36|Soil_Type_37|Soil_Type_38|Soil_Type_39|Cover_Type|</a:t>
+            </a:r>
+          </a:p>
+          <a:p>
+            <a:pPr defTabSz="457200">
+              <a:defRPr sz="700">
+                <a:solidFill>
+                  <a:srgbClr val="212121"/>
+                </a:solidFill>
+                <a:latin typeface="Monaco"/>
+                <a:ea typeface="Monaco"/>
+                <a:cs typeface="Monaco"/>
+                <a:sym typeface="Monaco"/>
+              </a:defRPr>
+            </a:pPr>
+            <a:r>
+              <a:t>+---------+------+-----+--------------------------------+------------------------------+-------------------------------+-------------+--------------+-------------+----------------------------------+-----------------+-----------------+-----------------+-----------------+-----------+-----------+-----------+-----------+-----------+-----------+-----------+-----------+-----------+-----------+------------+------------+------------+------------+------------+------------+------------+------------+------------+------------+------------+------------+------------+------------+------------+------------+------------+------------+------------+------------+------------+------------+------------+------------+------------+------------+------------+------------+------------+------------+----------+</a:t>
+            </a:r>
+          </a:p>
+          <a:p>
+            <a:pPr defTabSz="457200">
+              <a:defRPr sz="700">
+                <a:solidFill>
+                  <a:srgbClr val="212121"/>
+                </a:solidFill>
+                <a:latin typeface="Monaco"/>
+                <a:ea typeface="Monaco"/>
+                <a:cs typeface="Monaco"/>
+                <a:sym typeface="Monaco"/>
+              </a:defRPr>
+            </a:pPr>
+            <a:r>
+              <a:t>|     2596|    51|    3|                             258|                             0|                            510|          221|           232|          148|                              6279|                1|                0|                0|                0|          0|          0|          0|          0|          0|          0|          0|          0|          0|          0|           0|           0|           0|           0|           0|           0|           0|           0|           0|           0|           0|           0|           0|           0|           0|           0|           0|           0|           1|           0|           0|           0|           0|           0|           0|           0|           0|           0|           0|           0|       5.0|</a:t>
+            </a:r>
+          </a:p>
+          <a:p>
+            <a:pPr defTabSz="457200">
+              <a:defRPr sz="700">
+                <a:solidFill>
+                  <a:srgbClr val="212121"/>
+                </a:solidFill>
+                <a:latin typeface="Monaco"/>
+                <a:ea typeface="Monaco"/>
+                <a:cs typeface="Monaco"/>
+                <a:sym typeface="Monaco"/>
+              </a:defRPr>
+            </a:pPr>
+            <a:r>
+              <a:t>|     2590|    56|    2|                             212|                            -6|                            390|          220|           235|          151|                              6225|                1|                0|                0|                0|          0|          0|          0|          0|          0|          0|          0|          0|          0|          0|           0|           0|           0|           0|           0|           0|           0|           0|           0|           0|           0|           0|           0|           0|           0|           0|           0|           0|           1|           0|           0|           0|           0|           0|           0|           0|           0|           0|           0|           0|       5.0|</a:t>
+            </a:r>
+          </a:p>
+        </p:txBody>
+      </p:sp>
+      <p:sp>
+        <p:nvSpPr>
+          <p:cNvPr id="140" name="+---------+------+-----+--------------------------------+------------------------------+-------------------------------+-------------+--------------+-------------+----------------------------------+-----------------+-----------------+-----------------+-----------------+-----------+-----------+-----------+-----------+-----------+-----------+-----------+-----------+-----------+-----------+------------+------------+------------+------------+------------+------------+------------+------------+------------+------------+------------+------------+------------+------------+------------+------------+------------+------------+------------+------------+------------+------------+------------+------------+------------+------------+------------+------------+------------+------------+----------+…"/>
+          <p:cNvSpPr txBox="1"/>
+          <p:nvPr/>
+        </p:nvSpPr>
+        <p:spPr>
+          <a:xfrm>
+            <a:off x="-16909455" y="3107897"/>
+            <a:ext cx="43675310" cy="846018"/>
+          </a:xfrm>
+          <a:prstGeom prst="rect">
+            <a:avLst/>
+          </a:prstGeom>
+          <a:ln w="12700">
+            <a:miter lim="400000"/>
+          </a:ln>
+          <a:extLst>
+            <a:ext uri="{C572A759-6A51-4108-AA02-DFA0A04FC94B}">
+              <ma14:wrappingTextBoxFlag xmlns:ma14="http://schemas.microsoft.com/office/mac/drawingml/2011/main" val="1"/>
+            </a:ext>
+          </a:extLst>
+        </p:spPr>
+        <p:txBody>
+          <a:bodyPr lIns="45719" rIns="45719">
+            <a:spAutoFit/>
+          </a:bodyPr>
+          <a:lstStyle/>
+          <a:p>
+            <a:pPr defTabSz="457200">
+              <a:defRPr sz="700">
+                <a:solidFill>
+                  <a:srgbClr val="212121"/>
+                </a:solidFill>
+                <a:latin typeface="Monaco"/>
+                <a:ea typeface="Monaco"/>
+                <a:cs typeface="Monaco"/>
+                <a:sym typeface="Monaco"/>
+              </a:defRPr>
+            </a:pPr>
+            <a:r>
+              <a:t>+---------+------+-----+--------------------------------+------------------------------+-------------------------------+-------------+--------------+-------------+----------------------------------+-----------------+-----------------+-----------------+-----------------+-----------+-----------+-----------+-----------+-----------+-----------+-----------+-----------+-----------+-----------+------------+------------+------------+------------+------------+------------+------------+------------+------------+------------+------------+------------+------------+------------+------------+------------+------------+------------+------------+------------+------------+------------+------------+------------+------------+------------+------------+------------+------------+------------+----------+</a:t>
+            </a:r>
+          </a:p>
+          <a:p>
+            <a:pPr defTabSz="457200">
+              <a:defRPr sz="700">
+                <a:solidFill>
+                  <a:srgbClr val="212121"/>
+                </a:solidFill>
+                <a:latin typeface="Monaco"/>
+                <a:ea typeface="Monaco"/>
+                <a:cs typeface="Monaco"/>
+                <a:sym typeface="Monaco"/>
+              </a:defRPr>
+            </a:pPr>
+            <a:r>
+              <a:t>|Elevation|Aspect|Slope|Horizontal_Distance_To_Hydrology|Vertical_Distance_To_Hydrology|Horizontal_Distance_To_Roadways|Hillshade_9am|Hillshade_Noon|Hillshade_3pm|Horizontal_Distance_To_Fire_Points|Wilderness_Area_0|Wilderness_Area_1|Wilderness_Area_2|Wilderness_Area_3|Soil_Type_0|Soil_Type_1|Soil_Type_2|Soil_Type_3|Soil_Type_4|Soil_Type_5|Soil_Type_6|Soil_Type_7|Soil_Type_8|Soil_Type_9|Soil_Type_10|Soil_Type_11|Soil_Type_12|Soil_Type_13|Soil_Type_14|Soil_Type_15|Soil_Type_16|Soil_Type_17|Soil_Type_18|Soil_Type_19|Soil_Type_20|Soil_Type_21|Soil_Type_22|Soil_Type_23|Soil_Type_24|Soil_Type_25|Soil_Type_26|Soil_Type_27|Soil_Type_28|Soil_Type_29|Soil_Type_30|Soil_Type_31|Soil_Type_32|Soil_Type_33|Soil_Type_34|Soil_Type_35|Soil_Type_36|Soil_Type_37|Soil_Type_38|Soil_Type_39|Cover_Type|</a:t>
+            </a:r>
+          </a:p>
+          <a:p>
+            <a:pPr defTabSz="457200">
+              <a:defRPr sz="700">
+                <a:solidFill>
+                  <a:srgbClr val="212121"/>
+                </a:solidFill>
+                <a:latin typeface="Monaco"/>
+                <a:ea typeface="Monaco"/>
+                <a:cs typeface="Monaco"/>
+                <a:sym typeface="Monaco"/>
+              </a:defRPr>
+            </a:pPr>
+            <a:r>
+              <a:t>+---------+------+-----+--------------------------------+------------------------------+-------------------------------+-------------+--------------+-------------+----------------------------------+-----------------+-----------------+-----------------+-----------------+-----------+-----------+-----------+-----------+-----------+-----------+-----------+-----------+-----------+-----------+------------+------------+------------+------------+------------+------------+------------+------------+------------+------------+------------+------------+------------+------------+------------+------------+------------+------------+------------+------------+------------+------------+------------+------------+------------+------------+------------+------------+------------+------------+----------+</a:t>
+            </a:r>
+          </a:p>
+          <a:p>
+            <a:pPr defTabSz="457200">
+              <a:defRPr sz="700">
+                <a:solidFill>
+                  <a:srgbClr val="212121"/>
+                </a:solidFill>
+                <a:latin typeface="Monaco"/>
+                <a:ea typeface="Monaco"/>
+                <a:cs typeface="Monaco"/>
+                <a:sym typeface="Monaco"/>
+              </a:defRPr>
+            </a:pPr>
+            <a:r>
+              <a:t>|     2596|    51|    3|                             258|                             0|                            510|          221|           232|          148|                              6279|                1|                0|                0|                0|          0|          0|          0|          0|          0|          0|          0|          0|          0|          0|           0|           0|           0|           0|           0|           0|           0|           0|           0|           0|           0|           0|           0|           0|           0|           0|           0|           0|           1|           0|           0|           0|           0|           0|           0|           0|           0|           0|           0|           0|       5.0|</a:t>
+            </a:r>
+          </a:p>
+          <a:p>
+            <a:pPr defTabSz="457200">
+              <a:defRPr sz="700">
+                <a:solidFill>
+                  <a:srgbClr val="212121"/>
+                </a:solidFill>
+                <a:latin typeface="Monaco"/>
+                <a:ea typeface="Monaco"/>
+                <a:cs typeface="Monaco"/>
+                <a:sym typeface="Monaco"/>
+              </a:defRPr>
+            </a:pPr>
+            <a:r>
+              <a:t>|     2590|    56|    2|                             212|                            -6|                            390|          220|           235|          151|                              6225|                1|                0|                0|                0|          0|          0|          0|          0|          0|          0|          0|          0|          0|          0|           0|           0|           0|           0|           0|           0|           0|           0|           0|           0|           0|           0|           0|           0|           0|           0|           0|           0|           1|           0|           0|           0|           0|           0|           0|           0|           0|           0|           0|           0|       5.0|</a:t>
+            </a:r>
+          </a:p>
+        </p:txBody>
+      </p:sp>
+      <p:sp>
+        <p:nvSpPr>
+          <p:cNvPr id="141" name="+---------+------+-----+--------------------------------+------------------------------+-------------------------------+-------------+--------------+-------------+----------------------------------+-----------------+-----------------+-----------------+-----------------+-----------+-----------+-----------+-----------+-----------+-----------+-----------+-----------+-----------+-----------+------------+------------+------------+------------+------------+------------+------------+------------+------------+------------+------------+------------+------------+------------+------------+------------+------------+------------+------------+------------+------------+------------+------------+------------+------------+------------+------------+------------+------------+------------+----------+…"/>
+          <p:cNvSpPr txBox="1"/>
+          <p:nvPr/>
+        </p:nvSpPr>
+        <p:spPr>
+          <a:xfrm>
+            <a:off x="-25812155" y="3857503"/>
+            <a:ext cx="43675310" cy="846018"/>
+          </a:xfrm>
+          <a:prstGeom prst="rect">
+            <a:avLst/>
+          </a:prstGeom>
+          <a:ln w="12700">
+            <a:miter lim="400000"/>
+          </a:ln>
+          <a:extLst>
+            <a:ext uri="{C572A759-6A51-4108-AA02-DFA0A04FC94B}">
+              <ma14:wrappingTextBoxFlag xmlns:ma14="http://schemas.microsoft.com/office/mac/drawingml/2011/main" val="1"/>
+            </a:ext>
+          </a:extLst>
+        </p:spPr>
+        <p:txBody>
+          <a:bodyPr lIns="45719" rIns="45719">
+            <a:spAutoFit/>
+          </a:bodyPr>
+          <a:lstStyle/>
+          <a:p>
+            <a:pPr defTabSz="457200">
+              <a:defRPr sz="700">
+                <a:solidFill>
+                  <a:srgbClr val="212121"/>
+                </a:solidFill>
+                <a:latin typeface="Monaco"/>
+                <a:ea typeface="Monaco"/>
+                <a:cs typeface="Monaco"/>
+                <a:sym typeface="Monaco"/>
+              </a:defRPr>
+            </a:pPr>
+            <a:r>
+              <a:t>+---------+------+-----+--------------------------------+------------------------------+-------------------------------+-------------+--------------+-------------+----------------------------------+-----------------+-----------------+-----------------+-----------------+-----------+-----------+-----------+-----------+-----------+-----------+-----------+-----------+-----------+-----------+------------+------------+------------+------------+------------+------------+------------+------------+------------+------------+------------+------------+------------+------------+------------+------------+------------+------------+------------+------------+------------+------------+------------+------------+------------+------------+------------+------------+------------+------------+----------+</a:t>
+            </a:r>
+          </a:p>
+          <a:p>
+            <a:pPr defTabSz="457200">
+              <a:defRPr sz="700">
+                <a:solidFill>
+                  <a:srgbClr val="212121"/>
+                </a:solidFill>
+                <a:latin typeface="Monaco"/>
+                <a:ea typeface="Monaco"/>
+                <a:cs typeface="Monaco"/>
+                <a:sym typeface="Monaco"/>
+              </a:defRPr>
+            </a:pPr>
+            <a:r>
+              <a:t>|Elevation|Aspect|Slope|Horizontal_Distance_To_Hydrology|Vertical_Distance_To_Hydrology|Horizontal_Distance_To_Roadways|Hillshade_9am|Hillshade_Noon|Hillshade_3pm|Horizontal_Distance_To_Fire_Points|Wilderness_Area_0|Wilderness_Area_1|Wilderness_Area_2|Wilderness_Area_3|Soil_Type_0|Soil_Type_1|Soil_Type_2|Soil_Type_3|Soil_Type_4|Soil_Type_5|Soil_Type_6|Soil_Type_7|Soil_Type_8|Soil_Type_9|Soil_Type_10|Soil_Type_11|Soil_Type_12|Soil_Type_13|Soil_Type_14|Soil_Type_15|Soil_Type_16|Soil_Type_17|Soil_Type_18|Soil_Type_19|Soil_Type_20|Soil_Type_21|Soil_Type_22|Soil_Type_23|Soil_Type_24|Soil_Type_25|Soil_Type_26|Soil_Type_27|Soil_Type_28|Soil_Type_29|Soil_Type_30|Soil_Type_31|Soil_Type_32|Soil_Type_33|Soil_Type_34|Soil_Type_35|Soil_Type_36|Soil_Type_37|Soil_Type_38|Soil_Type_39|Cover_Type|</a:t>
+            </a:r>
+          </a:p>
+          <a:p>
+            <a:pPr defTabSz="457200">
+              <a:defRPr sz="700">
+                <a:solidFill>
+                  <a:srgbClr val="212121"/>
+                </a:solidFill>
+                <a:latin typeface="Monaco"/>
+                <a:ea typeface="Monaco"/>
+                <a:cs typeface="Monaco"/>
+                <a:sym typeface="Monaco"/>
+              </a:defRPr>
+            </a:pPr>
+            <a:r>
+              <a:t>+---------+------+-----+--------------------------------+------------------------------+-------------------------------+-------------+--------------+-------------+----------------------------------+-----------------+-----------------+-----------------+-----------------+-----------+-----------+-----------+-----------+-----------+-----------+-----------+-----------+-----------+-----------+------------+------------+------------+------------+------------+------------+------------+------------+------------+------------+------------+------------+------------+------------+------------+------------+------------+------------+------------+------------+------------+------------+------------+------------+------------+------------+------------+------------+------------+------------+----------+</a:t>
+            </a:r>
+          </a:p>
+          <a:p>
+            <a:pPr defTabSz="457200">
+              <a:defRPr sz="700">
+                <a:solidFill>
+                  <a:srgbClr val="212121"/>
+                </a:solidFill>
+                <a:latin typeface="Monaco"/>
+                <a:ea typeface="Monaco"/>
+                <a:cs typeface="Monaco"/>
+                <a:sym typeface="Monaco"/>
+              </a:defRPr>
+            </a:pPr>
+            <a:r>
+              <a:t>|     2596|    51|    3|                             258|                             0|                            510|          221|           232|          148|                              6279|                1|                0|                0|                0|          0|          0|          0|          0|          0|          0|          0|          0|          0|          0|           0|           0|           0|           0|           0|           0|           0|           0|           0|           0|           0|           0|           0|           0|           0|           0|           0|           0|           1|           0|           0|           0|           0|           0|           0|           0|           0|           0|           0|           0|       5.0|</a:t>
+            </a:r>
+          </a:p>
+          <a:p>
+            <a:pPr defTabSz="457200">
+              <a:defRPr sz="700">
+                <a:solidFill>
+                  <a:srgbClr val="212121"/>
+                </a:solidFill>
+                <a:latin typeface="Monaco"/>
+                <a:ea typeface="Monaco"/>
+                <a:cs typeface="Monaco"/>
+                <a:sym typeface="Monaco"/>
+              </a:defRPr>
+            </a:pPr>
+            <a:r>
+              <a:t>|     2590|    56|    2|                             212|                            -6|                            390|          220|           235|          151|                              6225|                1|                0|                0|                0|          0|          0|          0|          0|          0|          0|          0|          0|          0|          0|           0|           0|           0|           0|           0|           0|           0|           0|           0|           0|           0|           0|           0|           0|           0|           0|           0|           0|           1|           0|           0|           0|           0|           0|           0|           0|           0|           0|           0|           0|       5.0|</a:t>
+            </a:r>
+          </a:p>
+        </p:txBody>
+      </p:sp>
+      <p:sp>
+        <p:nvSpPr>
+          <p:cNvPr id="142" name="+---------+------+-----+--------------------------------+------------------------------+-------------------------------+-------------+--------------+-------------+----------------------------------+-----------------+-----------------+-----------------+-----------------+-----------+-----------+-----------+-----------+-----------+-----------+-----------+-----------+-----------+-----------+------------+------------+------------+------------+------------+------------+------------+------------+------------+------------+------------+------------+------------+------------+------------+------------+------------+------------+------------+------------+------------+------------+------------+------------+------------+------------+------------+------------+------------+------------+----------+…"/>
+          <p:cNvSpPr txBox="1"/>
+          <p:nvPr/>
+        </p:nvSpPr>
+        <p:spPr>
+          <a:xfrm>
+            <a:off x="-33267055" y="4678974"/>
+            <a:ext cx="43675310" cy="846018"/>
+          </a:xfrm>
+          <a:prstGeom prst="rect">
+            <a:avLst/>
+          </a:prstGeom>
+          <a:ln w="12700">
+            <a:miter lim="400000"/>
+          </a:ln>
+          <a:extLst>
+            <a:ext uri="{C572A759-6A51-4108-AA02-DFA0A04FC94B}">
+              <ma14:wrappingTextBoxFlag xmlns:ma14="http://schemas.microsoft.com/office/mac/drawingml/2011/main" val="1"/>
+            </a:ext>
+          </a:extLst>
+        </p:spPr>
+        <p:txBody>
+          <a:bodyPr lIns="45719" rIns="45719">
+            <a:spAutoFit/>
+          </a:bodyPr>
+          <a:lstStyle/>
+          <a:p>
+            <a:pPr defTabSz="457200">
+              <a:defRPr sz="700">
+                <a:solidFill>
+                  <a:srgbClr val="212121"/>
+                </a:solidFill>
+                <a:latin typeface="Monaco"/>
+                <a:ea typeface="Monaco"/>
+                <a:cs typeface="Monaco"/>
+                <a:sym typeface="Monaco"/>
+              </a:defRPr>
+            </a:pPr>
+            <a:r>
+              <a:t>+---------+------+-----+--------------------------------+------------------------------+-------------------------------+-------------+--------------+-------------+----------------------------------+-----------------+-----------------+-----------------+-----------------+-----------+-----------+-----------+-----------+-----------+-----------+-----------+-----------+-----------+-----------+------------+------------+------------+------------+------------+------------+------------+------------+------------+------------+------------+------------+------------+------------+------------+------------+------------+------------+------------+------------+------------+------------+------------+------------+------------+------------+------------+------------+------------+------------+----------+</a:t>
+            </a:r>
+          </a:p>
+          <a:p>
+            <a:pPr defTabSz="457200">
+              <a:defRPr sz="700">
+                <a:solidFill>
+                  <a:srgbClr val="212121"/>
+                </a:solidFill>
+                <a:latin typeface="Monaco"/>
+                <a:ea typeface="Monaco"/>
+                <a:cs typeface="Monaco"/>
+                <a:sym typeface="Monaco"/>
+              </a:defRPr>
+            </a:pPr>
+            <a:r>
+              <a:t>|Elevation|Aspect|Slope|Horizontal_Distance_To_Hydrology|Vertical_Distance_To_Hydrology|Horizontal_Distance_To_Roadways|Hillshade_9am|Hillshade_Noon|Hillshade_3pm|Horizontal_Distance_To_Fire_Points|Wilderness_Area_0|Wilderness_Area_1|Wilderness_Area_2|Wilderness_Area_3|Soil_Type_0|Soil_Type_1|Soil_Type_2|Soil_Type_3|Soil_Type_4|Soil_Type_5|Soil_Type_6|Soil_Type_7|Soil_Type_8|Soil_Type_9|Soil_Type_10|Soil_Type_11|Soil_Type_12|Soil_Type_13|Soil_Type_14|Soil_Type_15|Soil_Type_16|Soil_Type_17|Soil_Type_18|Soil_Type_19|Soil_Type_20|Soil_Type_21|Soil_Type_22|Soil_Type_23|Soil_Type_24|Soil_Type_25|Soil_Type_26|Soil_Type_27|Soil_Type_28|Soil_Type_29|Soil_Type_30|Soil_Type_31|Soil_Type_32|Soil_Type_33|Soil_Type_34|Soil_Type_35|Soil_Type_36|Soil_Type_37|Soil_Type_38|Soil_Type_39|Cover_Type|</a:t>
+            </a:r>
+          </a:p>
+          <a:p>
+            <a:pPr defTabSz="457200">
+              <a:defRPr sz="700">
+                <a:solidFill>
+                  <a:srgbClr val="212121"/>
+                </a:solidFill>
+                <a:latin typeface="Monaco"/>
+                <a:ea typeface="Monaco"/>
+                <a:cs typeface="Monaco"/>
+                <a:sym typeface="Monaco"/>
+              </a:defRPr>
+            </a:pPr>
+            <a:r>
+              <a:t>+---------+------+-----+--------------------------------+------------------------------+-------------------------------+-------------+--------------+-------------+----------------------------------+-----------------+-----------------+-----------------+-----------------+-----------+-----------+-----------+-----------+-----------+-----------+-----------+-----------+-----------+-----------+------------+------------+------------+------------+------------+------------+------------+------------+------------+------------+------------+------------+------------+------------+------------+------------+------------+------------+------------+------------+------------+------------+------------+------------+------------+------------+------------+------------+------------+------------+----------+</a:t>
+            </a:r>
+          </a:p>
+          <a:p>
+            <a:pPr defTabSz="457200">
+              <a:defRPr sz="700">
+                <a:solidFill>
+                  <a:srgbClr val="212121"/>
+                </a:solidFill>
+                <a:latin typeface="Monaco"/>
+                <a:ea typeface="Monaco"/>
+                <a:cs typeface="Monaco"/>
+                <a:sym typeface="Monaco"/>
+              </a:defRPr>
+            </a:pPr>
+            <a:r>
+              <a:t>|     2596|    51|    3|                             258|                             0|                            510|          221|           232|          148|                              6279|                1|                0|                0|                0|          0|          0|          0|          0|          0|          0|          0|          0|          0|          0|           0|           0|           0|           0|           0|           0|           0|           0|           0|           0|           0|           0|           0|           0|           0|           0|           0|           0|           1|           0|           0|           0|           0|           0|           0|           0|           0|           0|           0|           0|       5.0|</a:t>
+            </a:r>
+          </a:p>
+          <a:p>
+            <a:pPr defTabSz="457200">
+              <a:defRPr sz="700">
+                <a:solidFill>
+                  <a:srgbClr val="212121"/>
+                </a:solidFill>
+                <a:latin typeface="Monaco"/>
+                <a:ea typeface="Monaco"/>
+                <a:cs typeface="Monaco"/>
+                <a:sym typeface="Monaco"/>
+              </a:defRPr>
+            </a:pPr>
+            <a:r>
+              <a:t>|     2590|    56|    2|                             212|                            -6|                            390|          220|           235|          151|                              6225|                1|                0|                0|                0|          0|          0|          0|          0|          0|          0|          0|          0|          0|          0|           0|           0|           0|           0|           0|           0|           0|           0|           0|           0|           0|           0|           0|           0|           0|           0|           0|           0|           1|           0|           0|           0|           0|           0|           0|           0|           0|           0|           0|           0|       5.0|</a:t>
             </a:r>
           </a:p>
         </p:txBody>
@@ -6068,7 +6420,7 @@
       </p:grpSpPr>
       <p:sp>
         <p:nvSpPr>
-          <p:cNvPr id="145" name="What are the contributions?"/>
+          <p:cNvPr id="144" name="Create a feature vector"/>
           <p:cNvSpPr txBox="1"/>
           <p:nvPr>
             <p:ph type="title"/>
@@ -6085,21 +6437,21 @@
           <a:p>
             <a:pPr/>
             <a:r>
-              <a:t>What are the contributions?</a:t>
+              <a:t>Create a feature vector</a:t>
             </a:r>
           </a:p>
         </p:txBody>
       </p:sp>
       <p:sp>
         <p:nvSpPr>
-          <p:cNvPr id="146" name="model.featureImportances.toArray.zip(inputCols).…"/>
+          <p:cNvPr id="145" name="val inputCols = trainData.columns.filter(_ != &quot;Cover_Type&quot;)…"/>
           <p:cNvSpPr txBox="1"/>
           <p:nvPr/>
         </p:nvSpPr>
         <p:spPr>
           <a:xfrm>
-            <a:off x="2361177" y="1643379"/>
-            <a:ext cx="4421645" cy="574041"/>
+            <a:off x="1360904" y="1592580"/>
+            <a:ext cx="5842755" cy="2021841"/>
           </a:xfrm>
           <a:prstGeom prst="rect">
             <a:avLst/>
@@ -6123,7 +6475,7 @@
               <a:defRPr sz="1600"/>
             </a:pPr>
             <a:r>
-              <a:t>    model.featureImportances.toArray.zip(inputCols).</a:t>
+              <a:t>     val inputCols = trainData.columns.filter(_ != "Cover_Type")</a:t>
             </a:r>
           </a:p>
           <a:p>
@@ -6131,21 +6483,58 @@
               <a:defRPr sz="1600"/>
             </a:pPr>
             <a:r>
-              <a:t>      sorted.reverse.foreach(println)</a:t>
+              <a:t>    val assembler = new VectorAssembler().</a:t>
+            </a:r>
+          </a:p>
+          <a:p>
+            <a:pPr>
+              <a:defRPr sz="1600"/>
+            </a:pPr>
+            <a:r>
+              <a:t>      setInputCols(inputCols).</a:t>
+            </a:r>
+          </a:p>
+          <a:p>
+            <a:pPr>
+              <a:defRPr sz="1600"/>
+            </a:pPr>
+            <a:r>
+              <a:t>      setOutputCol("featureVector")</a:t>
+            </a:r>
+          </a:p>
+          <a:p>
+            <a:pPr>
+              <a:defRPr sz="1600"/>
+            </a:pPr>
+          </a:p>
+          <a:p>
+            <a:pPr>
+              <a:defRPr sz="1600"/>
+            </a:pPr>
+            <a:r>
+              <a:t>    val assembledTrainData = assembler.transform(trainData)</a:t>
+            </a:r>
+          </a:p>
+          <a:p>
+            <a:pPr>
+              <a:defRPr sz="1600"/>
+            </a:pPr>
+            <a:r>
+              <a:t>    assembledTrainData.select("featureVector").show(truncate = false)</a:t>
             </a:r>
           </a:p>
         </p:txBody>
       </p:sp>
       <p:sp>
         <p:nvSpPr>
-          <p:cNvPr id="147" name="(0.7796919815211103,Elevation)…"/>
+          <p:cNvPr id="146" name="+-----------------------------------------------------------------------------------------------------+…"/>
           <p:cNvSpPr txBox="1"/>
           <p:nvPr/>
         </p:nvSpPr>
         <p:spPr>
           <a:xfrm>
-            <a:off x="1822011" y="2297442"/>
-            <a:ext cx="5499979" cy="4142716"/>
+            <a:off x="721836" y="3789362"/>
+            <a:ext cx="10156984" cy="1503237"/>
           </a:xfrm>
           <a:prstGeom prst="rect">
             <a:avLst/>
@@ -6160,328 +6549,136 @@
           </a:extLst>
         </p:spPr>
         <p:txBody>
-          <a:bodyPr wrap="none" lIns="45719" rIns="45719">
+          <a:bodyPr lIns="45719" rIns="45719">
             <a:spAutoFit/>
           </a:bodyPr>
           <a:lstStyle/>
           <a:p>
             <a:pPr defTabSz="457200">
-              <a:defRPr sz="1200">
-                <a:solidFill>
-                  <a:srgbClr val="212121"/>
-                </a:solidFill>
-                <a:latin typeface="Monaco"/>
-                <a:ea typeface="Monaco"/>
-                <a:cs typeface="Monaco"/>
-                <a:sym typeface="Monaco"/>
-              </a:defRPr>
-            </a:pPr>
-            <a:r>
-              <a:t>(0.7796919815211103,Elevation)</a:t>
-            </a:r>
-          </a:p>
-          <a:p>
-            <a:pPr defTabSz="457200">
-              <a:defRPr sz="1200">
-                <a:solidFill>
-                  <a:srgbClr val="212121"/>
-                </a:solidFill>
-                <a:latin typeface="Monaco"/>
-                <a:ea typeface="Monaco"/>
-                <a:cs typeface="Monaco"/>
-                <a:sym typeface="Monaco"/>
-              </a:defRPr>
-            </a:pPr>
-            <a:r>
-              <a:t>(0.0398128237749954,Horizontal_Distance_To_Hydrology)</a:t>
-            </a:r>
-          </a:p>
-          <a:p>
-            <a:pPr defTabSz="457200">
-              <a:defRPr sz="1200">
-                <a:solidFill>
-                  <a:srgbClr val="212121"/>
-                </a:solidFill>
-                <a:latin typeface="Monaco"/>
-                <a:ea typeface="Monaco"/>
-                <a:cs typeface="Monaco"/>
-                <a:sym typeface="Monaco"/>
-              </a:defRPr>
-            </a:pPr>
-            <a:r>
-              <a:t>(0.03156107154830829,Hillshade_Noon)</a:t>
-            </a:r>
-          </a:p>
-          <a:p>
-            <a:pPr defTabSz="457200">
-              <a:defRPr sz="1200">
-                <a:solidFill>
-                  <a:srgbClr val="212121"/>
-                </a:solidFill>
-                <a:latin typeface="Monaco"/>
-                <a:ea typeface="Monaco"/>
-                <a:cs typeface="Monaco"/>
-                <a:sym typeface="Monaco"/>
-              </a:defRPr>
-            </a:pPr>
-            <a:r>
-              <a:t>(0.030198698429345045,Soil_Type_3)</a:t>
-            </a:r>
-          </a:p>
-          <a:p>
-            <a:pPr defTabSz="457200">
-              <a:defRPr sz="1200">
-                <a:solidFill>
-                  <a:srgbClr val="212121"/>
-                </a:solidFill>
-                <a:latin typeface="Monaco"/>
-                <a:ea typeface="Monaco"/>
-                <a:cs typeface="Monaco"/>
-                <a:sym typeface="Monaco"/>
-              </a:defRPr>
-            </a:pPr>
-            <a:r>
-              <a:t>(0.0282780732216438,Wilderness_Area_0)</a:t>
-            </a:r>
-          </a:p>
-          <a:p>
-            <a:pPr defTabSz="457200">
-              <a:defRPr sz="1200">
-                <a:solidFill>
-                  <a:srgbClr val="212121"/>
-                </a:solidFill>
-                <a:latin typeface="Monaco"/>
-                <a:ea typeface="Monaco"/>
-                <a:cs typeface="Monaco"/>
-                <a:sym typeface="Monaco"/>
-              </a:defRPr>
-            </a:pPr>
-            <a:r>
-              <a:t>(0.026920786045451794,Soil_Type_31)</a:t>
-            </a:r>
-          </a:p>
-          <a:p>
-            <a:pPr defTabSz="457200">
-              <a:defRPr sz="1200">
-                <a:solidFill>
-                  <a:srgbClr val="212121"/>
-                </a:solidFill>
-                <a:latin typeface="Monaco"/>
-                <a:ea typeface="Monaco"/>
-                <a:cs typeface="Monaco"/>
-                <a:sym typeface="Monaco"/>
-              </a:defRPr>
-            </a:pPr>
-            <a:r>
-              <a:t>(0.023965641197494086,Soil_Type_1)</a:t>
-            </a:r>
-          </a:p>
-          <a:p>
-            <a:pPr defTabSz="457200">
-              <a:defRPr sz="1200">
-                <a:solidFill>
-                  <a:srgbClr val="212121"/>
-                </a:solidFill>
-                <a:latin typeface="Monaco"/>
-                <a:ea typeface="Monaco"/>
-                <a:cs typeface="Monaco"/>
-                <a:sym typeface="Monaco"/>
-              </a:defRPr>
-            </a:pPr>
-            <a:r>
-              <a:t>(0.011002916912030062,Wilderness_Area_2)</a:t>
-            </a:r>
-          </a:p>
-          <a:p>
-            <a:pPr defTabSz="457200">
-              <a:defRPr sz="1200">
-                <a:solidFill>
-                  <a:srgbClr val="212121"/>
-                </a:solidFill>
-                <a:latin typeface="Monaco"/>
-                <a:ea typeface="Monaco"/>
-                <a:cs typeface="Monaco"/>
-                <a:sym typeface="Monaco"/>
-              </a:defRPr>
-            </a:pPr>
-            <a:r>
-              <a:t>(0.009654840511466256,Soil_Type_28)</a:t>
-            </a:r>
-          </a:p>
-          <a:p>
-            <a:pPr defTabSz="457200">
-              <a:defRPr sz="1200">
-                <a:solidFill>
-                  <a:srgbClr val="212121"/>
-                </a:solidFill>
-                <a:latin typeface="Monaco"/>
-                <a:ea typeface="Monaco"/>
-                <a:cs typeface="Monaco"/>
-                <a:sym typeface="Monaco"/>
-              </a:defRPr>
-            </a:pPr>
-            <a:r>
-              <a:t>(0.0058962988381604554,Horizontal_Distance_To_Roadways)</a:t>
-            </a:r>
-          </a:p>
-          <a:p>
-            <a:pPr defTabSz="457200">
-              <a:defRPr sz="1200">
-                <a:solidFill>
-                  <a:srgbClr val="212121"/>
-                </a:solidFill>
-                <a:latin typeface="Monaco"/>
-                <a:ea typeface="Monaco"/>
-                <a:cs typeface="Monaco"/>
-                <a:sym typeface="Monaco"/>
-              </a:defRPr>
-            </a:pPr>
-            <a:r>
-              <a:t>(0.005292807192707336,Soil_Type_22)</a:t>
-            </a:r>
-          </a:p>
-          <a:p>
-            <a:pPr defTabSz="457200">
-              <a:defRPr sz="1200">
-                <a:solidFill>
-                  <a:srgbClr val="212121"/>
-                </a:solidFill>
-                <a:latin typeface="Monaco"/>
-                <a:ea typeface="Monaco"/>
-                <a:cs typeface="Monaco"/>
-                <a:sym typeface="Monaco"/>
-              </a:defRPr>
-            </a:pPr>
-            <a:r>
-              <a:t>(0.0031396067779140015,Wilderness_Area_1)</a:t>
-            </a:r>
-          </a:p>
-          <a:p>
-            <a:pPr defTabSz="457200">
-              <a:defRPr sz="1200">
-                <a:solidFill>
-                  <a:srgbClr val="212121"/>
-                </a:solidFill>
-                <a:latin typeface="Monaco"/>
-                <a:ea typeface="Monaco"/>
-                <a:cs typeface="Monaco"/>
-                <a:sym typeface="Monaco"/>
-              </a:defRPr>
-            </a:pPr>
-            <a:r>
-              <a:t>(0.00255369485868422,Hillshade_9am)</a:t>
-            </a:r>
-          </a:p>
-          <a:p>
-            <a:pPr defTabSz="457200">
-              <a:defRPr sz="1200">
-                <a:solidFill>
-                  <a:srgbClr val="212121"/>
-                </a:solidFill>
-                <a:latin typeface="Monaco"/>
-                <a:ea typeface="Monaco"/>
-                <a:cs typeface="Monaco"/>
-                <a:sym typeface="Monaco"/>
-              </a:defRPr>
-            </a:pPr>
-            <a:r>
-              <a:t>(0.0017475453048820069,Horizontal_Distance_To_Fire_Points)</a:t>
-            </a:r>
-          </a:p>
-          <a:p>
-            <a:pPr defTabSz="457200">
-              <a:defRPr sz="1200">
-                <a:solidFill>
-                  <a:srgbClr val="212121"/>
-                </a:solidFill>
-                <a:latin typeface="Monaco"/>
-                <a:ea typeface="Monaco"/>
-                <a:cs typeface="Monaco"/>
-                <a:sym typeface="Monaco"/>
-              </a:defRPr>
-            </a:pPr>
-            <a:r>
-              <a:t>(2.832138658070966E-4,Soil_Type_8)</a:t>
-            </a:r>
-          </a:p>
-          <a:p>
-            <a:pPr defTabSz="457200">
-              <a:defRPr sz="1200">
-                <a:solidFill>
-                  <a:srgbClr val="212121"/>
-                </a:solidFill>
-                <a:latin typeface="Monaco"/>
-                <a:ea typeface="Monaco"/>
-                <a:cs typeface="Monaco"/>
-                <a:sym typeface="Monaco"/>
-              </a:defRPr>
-            </a:pPr>
-            <a:r>
-              <a:t>(0.0,Wilderness_Area_3)</a:t>
-            </a:r>
-          </a:p>
-          <a:p>
-            <a:pPr defTabSz="457200">
-              <a:defRPr sz="1200">
-                <a:solidFill>
-                  <a:srgbClr val="212121"/>
-                </a:solidFill>
-                <a:latin typeface="Monaco"/>
-                <a:ea typeface="Monaco"/>
-                <a:cs typeface="Monaco"/>
-                <a:sym typeface="Monaco"/>
-              </a:defRPr>
-            </a:pPr>
-            <a:r>
-              <a:t>(0.0,Vertical_Distance_To_Hydrology)</a:t>
-            </a:r>
-          </a:p>
-          <a:p>
-            <a:pPr defTabSz="457200">
-              <a:defRPr sz="1200">
-                <a:solidFill>
-                  <a:srgbClr val="212121"/>
-                </a:solidFill>
-                <a:latin typeface="Monaco"/>
-                <a:ea typeface="Monaco"/>
-                <a:cs typeface="Monaco"/>
-                <a:sym typeface="Monaco"/>
-              </a:defRPr>
-            </a:pPr>
-            <a:r>
-              <a:t>(0.0,Soil_Type_9)</a:t>
-            </a:r>
-          </a:p>
-          <a:p>
-            <a:pPr defTabSz="457200">
-              <a:defRPr sz="1200">
-                <a:solidFill>
-                  <a:srgbClr val="212121"/>
-                </a:solidFill>
-                <a:latin typeface="Monaco"/>
-                <a:ea typeface="Monaco"/>
-                <a:cs typeface="Monaco"/>
-                <a:sym typeface="Monaco"/>
-              </a:defRPr>
-            </a:pPr>
-            <a:r>
-              <a:t>(0.0,Soil_Type_7)</a:t>
-            </a:r>
-          </a:p>
-          <a:p>
-            <a:pPr defTabSz="457200">
-              <a:defRPr sz="1200">
-                <a:solidFill>
-                  <a:srgbClr val="212121"/>
-                </a:solidFill>
-                <a:latin typeface="Monaco"/>
-                <a:ea typeface="Monaco"/>
-                <a:cs typeface="Monaco"/>
-                <a:sym typeface="Monaco"/>
-              </a:defRPr>
-            </a:pPr>
-            <a:r>
-              <a:t>(0.0,Soil_Type_6)</a:t>
+              <a:defRPr sz="1000">
+                <a:solidFill>
+                  <a:srgbClr val="212121"/>
+                </a:solidFill>
+                <a:latin typeface="Monaco"/>
+                <a:ea typeface="Monaco"/>
+                <a:cs typeface="Monaco"/>
+                <a:sym typeface="Monaco"/>
+              </a:defRPr>
+            </a:pPr>
+            <a:r>
+              <a:t>+-----------------------------------------------------------------------------------------------------+</a:t>
+            </a:r>
+          </a:p>
+          <a:p>
+            <a:pPr defTabSz="457200">
+              <a:defRPr sz="1000">
+                <a:solidFill>
+                  <a:srgbClr val="212121"/>
+                </a:solidFill>
+                <a:latin typeface="Monaco"/>
+                <a:ea typeface="Monaco"/>
+                <a:cs typeface="Monaco"/>
+                <a:sym typeface="Monaco"/>
+              </a:defRPr>
+            </a:pPr>
+            <a:r>
+              <a:t>|featureVector                                                                                        |</a:t>
+            </a:r>
+          </a:p>
+          <a:p>
+            <a:pPr defTabSz="457200">
+              <a:defRPr sz="1000">
+                <a:solidFill>
+                  <a:srgbClr val="212121"/>
+                </a:solidFill>
+                <a:latin typeface="Monaco"/>
+                <a:ea typeface="Monaco"/>
+                <a:cs typeface="Monaco"/>
+                <a:sym typeface="Monaco"/>
+              </a:defRPr>
+            </a:pPr>
+            <a:r>
+              <a:t>+-----------------------------------------------------------------------------------------------------+</a:t>
+            </a:r>
+          </a:p>
+          <a:p>
+            <a:pPr defTabSz="457200">
+              <a:defRPr sz="1000">
+                <a:solidFill>
+                  <a:srgbClr val="212121"/>
+                </a:solidFill>
+                <a:latin typeface="Monaco"/>
+                <a:ea typeface="Monaco"/>
+                <a:cs typeface="Monaco"/>
+                <a:sym typeface="Monaco"/>
+              </a:defRPr>
+            </a:pPr>
+            <a:r>
+              <a:t>|(54,[0,1,2,3,4,5,6,7,8,9,13,15],[1863.0,37.0,17.0,120.0,18.0,90.0,217.0,202.0,115.0,769.0,1.0,1.0])  |</a:t>
+            </a:r>
+          </a:p>
+          <a:p>
+            <a:pPr defTabSz="457200">
+              <a:defRPr sz="1000">
+                <a:solidFill>
+                  <a:srgbClr val="212121"/>
+                </a:solidFill>
+                <a:latin typeface="Monaco"/>
+                <a:ea typeface="Monaco"/>
+                <a:cs typeface="Monaco"/>
+                <a:sym typeface="Monaco"/>
+              </a:defRPr>
+            </a:pPr>
+            <a:r>
+              <a:t>|(54,[0,1,2,5,6,7,8,9,13,18],[1874.0,18.0,14.0,90.0,208.0,209.0,135.0,793.0,1.0,1.0])                 |</a:t>
+            </a:r>
+          </a:p>
+          <a:p>
+            <a:pPr defTabSz="457200">
+              <a:defRPr sz="1000">
+                <a:solidFill>
+                  <a:srgbClr val="212121"/>
+                </a:solidFill>
+                <a:latin typeface="Monaco"/>
+                <a:ea typeface="Monaco"/>
+                <a:cs typeface="Monaco"/>
+                <a:sym typeface="Monaco"/>
+              </a:defRPr>
+            </a:pPr>
+            <a:r>
+              <a:t>|(54,[0,1,2,3,4,5,6,7,8,9,13,18],[1879.0,28.0,19.0,30.0,12.0,95.0,209.0,196.0,117.0,778.0,1.0,1.0])   |</a:t>
+            </a:r>
+          </a:p>
+          <a:p>
+            <a:pPr defTabSz="457200">
+              <a:defRPr sz="1000">
+                <a:solidFill>
+                  <a:srgbClr val="212121"/>
+                </a:solidFill>
+                <a:latin typeface="Monaco"/>
+                <a:ea typeface="Monaco"/>
+                <a:cs typeface="Monaco"/>
+                <a:sym typeface="Monaco"/>
+              </a:defRPr>
+            </a:pPr>
+            <a:r>
+              <a:t>|(54,[0,1,2,3,4,5,6,7,8,9,13,15],[1888.0,33.0,22.0,150.0,46.0,108.0,209.0,185.0,103.0,735.0,1.0,1.0]) |</a:t>
+            </a:r>
+          </a:p>
+          <a:p>
+            <a:pPr defTabSz="457200">
+              <a:defRPr sz="1000">
+                <a:solidFill>
+                  <a:srgbClr val="212121"/>
+                </a:solidFill>
+                <a:latin typeface="Monaco"/>
+                <a:ea typeface="Monaco"/>
+                <a:cs typeface="Monaco"/>
+                <a:sym typeface="Monaco"/>
+              </a:defRPr>
+            </a:pPr>
+            <a:r>
+              <a:t>|(54,[0,1,2,3,4,5,6,7,8,9,13,14],[1889.0,28.0,22.0,150.0,23.0,120.0,205.0,185.0,108.0,759.0,1.0,1.0]) |</a:t>
             </a:r>
           </a:p>
         </p:txBody>

--- a/powerpoints/ITU Academy Slides AM4-10.pptx
+++ b/powerpoints/ITU Academy Slides AM4-10.pptx
@@ -22,6 +22,9 @@
     <p:sldId id="267" r:id="rId19"/>
     <p:sldId id="268" r:id="rId20"/>
     <p:sldId id="269" r:id="rId21"/>
+    <p:sldId id="270" r:id="rId22"/>
+    <p:sldId id="271" r:id="rId23"/>
+    <p:sldId id="272" r:id="rId24"/>
   </p:sldIdLst>
   <p:sldSz cx="9144000" cy="6858000"/>
   <p:notesSz cx="6858000" cy="9144000"/>
@@ -475,6 +478,82 @@
     </a:lvl9pPr>
   </p:notesStyle>
 </p:notesMaster>
+</file>
+
+<file path=ppt/notesSlides/notesSlide1.xml><?xml version="1.0" encoding="utf-8"?>
+<p:notes xmlns:a="http://schemas.openxmlformats.org/drawingml/2006/main" xmlns:r="http://schemas.openxmlformats.org/officeDocument/2006/relationships" xmlns:p="http://schemas.openxmlformats.org/presentationml/2006/main" showMasterSp="1" showMasterPhAnim="1">
+  <p:cSld>
+    <p:spTree>
+      <p:nvGrpSpPr>
+        <p:cNvPr id="1" name=""/>
+        <p:cNvGrpSpPr/>
+        <p:nvPr/>
+      </p:nvGrpSpPr>
+      <p:grpSpPr>
+        <a:xfrm>
+          <a:off x="0" y="0"/>
+          <a:ext cx="0" cy="0"/>
+          <a:chOff x="0" y="0"/>
+          <a:chExt cx="0" cy="0"/>
+        </a:xfrm>
+      </p:grpSpPr>
+      <p:sp>
+        <p:nvSpPr>
+          <p:cNvPr id="169" name="Shape 169"/>
+          <p:cNvSpPr/>
+          <p:nvPr>
+            <p:ph type="sldImg"/>
+          </p:nvPr>
+        </p:nvSpPr>
+        <p:spPr>
+          <a:prstGeom prst="rect">
+            <a:avLst/>
+          </a:prstGeom>
+        </p:spPr>
+        <p:txBody>
+          <a:bodyPr/>
+          <a:lstStyle/>
+          <a:p>
+            <a:pPr/>
+          </a:p>
+        </p:txBody>
+      </p:sp>
+      <p:sp>
+        <p:nvSpPr>
+          <p:cNvPr id="170" name="Shape 170"/>
+          <p:cNvSpPr/>
+          <p:nvPr>
+            <p:ph type="body" sz="quarter" idx="1"/>
+          </p:nvPr>
+        </p:nvSpPr>
+        <p:spPr>
+          <a:prstGeom prst="rect">
+            <a:avLst/>
+          </a:prstGeom>
+        </p:spPr>
+        <p:txBody>
+          <a:bodyPr/>
+          <a:lstStyle/>
+          <a:p>
+            <a:pPr/>
+            <a:r>
+              <a:t>Using the dataset description, discuss why there is a poor recognition of types 4,5,6?</a:t>
+            </a:r>
+          </a:p>
+          <a:p>
+            <a:pPr/>
+            <a:r>
+              <a:t>How it can be improved?</a:t>
+            </a:r>
+          </a:p>
+        </p:txBody>
+      </p:sp>
+    </p:spTree>
+  </p:cSld>
+  <p:clrMapOvr>
+    <a:masterClrMapping/>
+  </p:clrMapOvr>
+</p:notes>
 </file>
 
 <file path=ppt/slideLayouts/slideLayout1.xml><?xml version="1.0" encoding="utf-8"?>
@@ -3235,7 +3314,7 @@
       </p:grpSpPr>
       <p:sp>
         <p:nvSpPr>
-          <p:cNvPr id="148" name="Create a Classifier and train it"/>
+          <p:cNvPr id="147" name="Create a feature vector"/>
           <p:cNvSpPr txBox="1"/>
           <p:nvPr>
             <p:ph type="title"/>
@@ -3252,21 +3331,21 @@
           <a:p>
             <a:pPr/>
             <a:r>
-              <a:t>Create a Classifier and train it</a:t>
+              <a:t>Create a feature vector</a:t>
             </a:r>
           </a:p>
         </p:txBody>
       </p:sp>
       <p:sp>
         <p:nvSpPr>
-          <p:cNvPr id="149" name="val classifier = new DecisionTreeClassifier().…"/>
+          <p:cNvPr id="148" name="val inputCols = trainData.columns.filter(_ != &quot;Cover_Type&quot;)…"/>
           <p:cNvSpPr txBox="1"/>
           <p:nvPr/>
         </p:nvSpPr>
         <p:spPr>
           <a:xfrm>
-            <a:off x="2305646" y="1275080"/>
-            <a:ext cx="4532708" cy="2885441"/>
+            <a:off x="1360904" y="1592580"/>
+            <a:ext cx="5842755" cy="2021841"/>
           </a:xfrm>
           <a:prstGeom prst="rect">
             <a:avLst/>
@@ -3286,65 +3365,70 @@
           </a:bodyPr>
           <a:lstStyle/>
           <a:p>
-            <a:pPr/>
-            <a:r>
-              <a:t>   val classifier = new DecisionTreeClassifier().</a:t>
-            </a:r>
-          </a:p>
-          <a:p>
-            <a:pPr/>
-            <a:r>
-              <a:t>      setSeed(Random.nextLong()).</a:t>
-            </a:r>
-          </a:p>
-          <a:p>
-            <a:pPr/>
-            <a:r>
-              <a:t>      setLabelCol("Cover_Type").</a:t>
-            </a:r>
-          </a:p>
-          <a:p>
-            <a:pPr/>
-            <a:r>
-              <a:t>      setFeaturesCol("featureVector").</a:t>
-            </a:r>
-          </a:p>
-          <a:p>
-            <a:pPr/>
-            <a:r>
-              <a:t>      setPredictionCol("prediction")</a:t>
-            </a:r>
-          </a:p>
-          <a:p>
-            <a:pPr/>
-          </a:p>
-          <a:p>
-            <a:pPr/>
-            <a:r>
-              <a:t>    val model = classifier.fit(assembledTrainData)</a:t>
-            </a:r>
-          </a:p>
-          <a:p>
-            <a:pPr/>
-            <a:r>
-              <a:t>    println(model.toDebugString)</a:t>
-            </a:r>
-          </a:p>
-          <a:p>
-            <a:pPr/>
+            <a:pPr>
+              <a:defRPr sz="1600"/>
+            </a:pPr>
+            <a:r>
+              <a:t>     val inputCols = trainData.columns.filter(_ != "Cover_Type")</a:t>
+            </a:r>
+          </a:p>
+          <a:p>
+            <a:pPr>
+              <a:defRPr sz="1600"/>
+            </a:pPr>
+            <a:r>
+              <a:t>    val assembler = new VectorAssembler().</a:t>
+            </a:r>
+          </a:p>
+          <a:p>
+            <a:pPr>
+              <a:defRPr sz="1600"/>
+            </a:pPr>
+            <a:r>
+              <a:t>      setInputCols(inputCols).</a:t>
+            </a:r>
+          </a:p>
+          <a:p>
+            <a:pPr>
+              <a:defRPr sz="1600"/>
+            </a:pPr>
+            <a:r>
+              <a:t>      setOutputCol("featureVector")</a:t>
+            </a:r>
+          </a:p>
+          <a:p>
+            <a:pPr>
+              <a:defRPr sz="1600"/>
+            </a:pPr>
+          </a:p>
+          <a:p>
+            <a:pPr>
+              <a:defRPr sz="1600"/>
+            </a:pPr>
+            <a:r>
+              <a:t>    val assembledTrainData = assembler.transform(trainData)</a:t>
+            </a:r>
+          </a:p>
+          <a:p>
+            <a:pPr>
+              <a:defRPr sz="1600"/>
+            </a:pPr>
+            <a:r>
+              <a:t>    assembledTrainData.select("featureVector").show(truncate = false)</a:t>
+            </a:r>
           </a:p>
         </p:txBody>
       </p:sp>
       <p:sp>
         <p:nvSpPr>
-          <p:cNvPr id="150" name="classifier: org.apache.spark.ml.classification.DecisionTreeClassifier = dtc_8f2aed40cf03…"/>
+          <p:cNvPr id="149" name="+-----------------------------------------------------------------------------------------------------+…"/>
           <p:cNvSpPr txBox="1"/>
           <p:nvPr/>
         </p:nvSpPr>
         <p:spPr>
           <a:xfrm>
-            <a:off x="856587" y="3656342"/>
-            <a:ext cx="8335081" cy="3103437"/>
+            <a:off x="721836" y="3789362"/>
+            <a:ext cx="10156984" cy="1503237"/>
           </a:xfrm>
           <a:prstGeom prst="rect">
             <a:avLst/>
@@ -3359,7 +3443,7 @@
           </a:extLst>
         </p:spPr>
         <p:txBody>
-          <a:bodyPr wrap="none" lIns="45719" rIns="45719">
+          <a:bodyPr lIns="45719" rIns="45719">
             <a:spAutoFit/>
           </a:bodyPr>
           <a:lstStyle/>
@@ -3376,7 +3460,7 @@
               </a:defRPr>
             </a:pPr>
             <a:r>
-              <a:t>classifier: org.apache.spark.ml.classification.DecisionTreeClassifier = dtc_8f2aed40cf03</a:t>
+              <a:t>+-----------------------------------------------------------------------------------------------------+</a:t>
             </a:r>
           </a:p>
           <a:p>
@@ -3392,7 +3476,7 @@
               </a:defRPr>
             </a:pPr>
             <a:r>
-              <a:t>model: org.apache.spark.ml.classification.DecisionTreeClassificationModel = DecisionTreeClassificationModel (uid=dtc_8f2aed40cf03) of depth 5 with 63 nodes</a:t>
+              <a:t>|featureVector                                                                                        |</a:t>
             </a:r>
           </a:p>
           <a:p>
@@ -3408,7 +3492,7 @@
               </a:defRPr>
             </a:pPr>
             <a:r>
-              <a:t>DecisionTreeClassificationModel (uid=dtc_8f2aed40cf03) of depth 5 with 63 nodes</a:t>
+              <a:t>+-----------------------------------------------------------------------------------------------------+</a:t>
             </a:r>
           </a:p>
           <a:p>
@@ -3424,7 +3508,7 @@
               </a:defRPr>
             </a:pPr>
             <a:r>
-              <a:t>  If (feature 0 &lt;= 3050.0)</a:t>
+              <a:t>|(54,[0,1,2,3,4,5,6,7,8,9,13,15],[1863.0,37.0,17.0,120.0,18.0,90.0,217.0,202.0,115.0,769.0,1.0,1.0])  |</a:t>
             </a:r>
           </a:p>
           <a:p>
@@ -3440,7 +3524,7 @@
               </a:defRPr>
             </a:pPr>
             <a:r>
-              <a:t>   If (feature 0 &lt;= 2557.0)</a:t>
+              <a:t>|(54,[0,1,2,5,6,7,8,9,13,18],[1874.0,18.0,14.0,90.0,208.0,209.0,135.0,793.0,1.0,1.0])                 |</a:t>
             </a:r>
           </a:p>
           <a:p>
@@ -3456,7 +3540,7 @@
               </a:defRPr>
             </a:pPr>
             <a:r>
-              <a:t>    If (feature 10 &lt;= 0.0)</a:t>
+              <a:t>|(54,[0,1,2,3,4,5,6,7,8,9,13,18],[1879.0,28.0,19.0,30.0,12.0,95.0,209.0,196.0,117.0,778.0,1.0,1.0])   |</a:t>
             </a:r>
           </a:p>
           <a:p>
@@ -3472,7 +3556,7 @@
               </a:defRPr>
             </a:pPr>
             <a:r>
-              <a:t>     If (feature 0 &lt;= 2445.0)</a:t>
+              <a:t>|(54,[0,1,2,3,4,5,6,7,8,9,13,15],[1888.0,33.0,22.0,150.0,46.0,108.0,209.0,185.0,103.0,735.0,1.0,1.0]) |</a:t>
             </a:r>
           </a:p>
           <a:p>
@@ -3488,119 +3572,7 @@
               </a:defRPr>
             </a:pPr>
             <a:r>
-              <a:t>      If (feature 3 &lt;= 0.0)</a:t>
-            </a:r>
-          </a:p>
-          <a:p>
-            <a:pPr defTabSz="457200">
-              <a:defRPr sz="1000">
-                <a:solidFill>
-                  <a:srgbClr val="212121"/>
-                </a:solidFill>
-                <a:latin typeface="Monaco"/>
-                <a:ea typeface="Monaco"/>
-                <a:cs typeface="Monaco"/>
-                <a:sym typeface="Monaco"/>
-              </a:defRPr>
-            </a:pPr>
-            <a:r>
-              <a:t>       Predict: 4.0</a:t>
-            </a:r>
-          </a:p>
-          <a:p>
-            <a:pPr defTabSz="457200">
-              <a:defRPr sz="1000">
-                <a:solidFill>
-                  <a:srgbClr val="212121"/>
-                </a:solidFill>
-                <a:latin typeface="Monaco"/>
-                <a:ea typeface="Monaco"/>
-                <a:cs typeface="Monaco"/>
-                <a:sym typeface="Monaco"/>
-              </a:defRPr>
-            </a:pPr>
-            <a:r>
-              <a:t>      Else (feature 3 &gt; 0.0)</a:t>
-            </a:r>
-          </a:p>
-          <a:p>
-            <a:pPr defTabSz="457200">
-              <a:defRPr sz="1000">
-                <a:solidFill>
-                  <a:srgbClr val="212121"/>
-                </a:solidFill>
-                <a:latin typeface="Monaco"/>
-                <a:ea typeface="Monaco"/>
-                <a:cs typeface="Monaco"/>
-                <a:sym typeface="Monaco"/>
-              </a:defRPr>
-            </a:pPr>
-            <a:r>
-              <a:t>       Predict: 3.0</a:t>
-            </a:r>
-          </a:p>
-          <a:p>
-            <a:pPr defTabSz="457200">
-              <a:defRPr sz="1000">
-                <a:solidFill>
-                  <a:srgbClr val="212121"/>
-                </a:solidFill>
-                <a:latin typeface="Monaco"/>
-                <a:ea typeface="Monaco"/>
-                <a:cs typeface="Monaco"/>
-                <a:sym typeface="Monaco"/>
-              </a:defRPr>
-            </a:pPr>
-            <a:r>
-              <a:t>     Else (feature 0 &gt; 2445.0)</a:t>
-            </a:r>
-          </a:p>
-          <a:p>
-            <a:pPr defTabSz="457200">
-              <a:defRPr sz="1000">
-                <a:solidFill>
-                  <a:srgbClr val="212121"/>
-                </a:solidFill>
-                <a:latin typeface="Monaco"/>
-                <a:ea typeface="Monaco"/>
-                <a:cs typeface="Monaco"/>
-                <a:sym typeface="Monaco"/>
-              </a:defRPr>
-            </a:pPr>
-            <a:r>
-              <a:t>      If (feature 17 &lt;= 0.0)</a:t>
-            </a:r>
-          </a:p>
-          <a:p>
-            <a:pPr defTabSz="457200">
-              <a:defRPr sz="1000">
-                <a:solidFill>
-                  <a:srgbClr val="212121"/>
-                </a:solidFill>
-                <a:latin typeface="Monaco"/>
-                <a:ea typeface="Monaco"/>
-                <a:cs typeface="Monaco"/>
-                <a:sym typeface="Monaco"/>
-              </a:defRPr>
-            </a:pPr>
-            <a:r>
-              <a:t>       Predict: 2.0</a:t>
-            </a:r>
-          </a:p>
-          <a:p>
-            <a:pPr defTabSz="457200">
-              <a:defRPr sz="1000">
-                <a:solidFill>
-                  <a:srgbClr val="212121"/>
-                </a:solidFill>
-                <a:latin typeface="Monaco"/>
-                <a:ea typeface="Monaco"/>
-                <a:cs typeface="Monaco"/>
-                <a:sym typeface="Monaco"/>
-              </a:defRPr>
-            </a:pPr>
-            <a:r>
-              <a:t>      Else (feature 17 &gt; 0.0)</a:t>
+              <a:t>|(54,[0,1,2,3,4,5,6,7,8,9,13,14],[1889.0,28.0,22.0,150.0,23.0,120.0,205.0,185.0,108.0,759.0,1.0,1.0]) |</a:t>
             </a:r>
           </a:p>
         </p:txBody>
@@ -3633,7 +3605,7 @@
       </p:grpSpPr>
       <p:sp>
         <p:nvSpPr>
-          <p:cNvPr id="152" name="What are the contributions?"/>
+          <p:cNvPr id="151" name="Create a Classifier and train it"/>
           <p:cNvSpPr txBox="1"/>
           <p:nvPr>
             <p:ph type="title"/>
@@ -3650,21 +3622,21 @@
           <a:p>
             <a:pPr/>
             <a:r>
-              <a:t>What are the contributions?</a:t>
+              <a:t>Create a Classifier and train it</a:t>
             </a:r>
           </a:p>
         </p:txBody>
       </p:sp>
       <p:sp>
         <p:nvSpPr>
-          <p:cNvPr id="153" name="model.featureImportances.toArray.zip(inputCols).…"/>
+          <p:cNvPr id="152" name="val classifier = new DecisionTreeClassifier().…"/>
           <p:cNvSpPr txBox="1"/>
           <p:nvPr/>
         </p:nvSpPr>
         <p:spPr>
           <a:xfrm>
-            <a:off x="2361177" y="1643379"/>
-            <a:ext cx="4421645" cy="574041"/>
+            <a:off x="2305646" y="1275080"/>
+            <a:ext cx="4532708" cy="2885441"/>
           </a:xfrm>
           <a:prstGeom prst="rect">
             <a:avLst/>
@@ -3684,33 +3656,65 @@
           </a:bodyPr>
           <a:lstStyle/>
           <a:p>
-            <a:pPr>
-              <a:defRPr sz="1600"/>
-            </a:pPr>
-            <a:r>
-              <a:t>    model.featureImportances.toArray.zip(inputCols).</a:t>
-            </a:r>
-          </a:p>
-          <a:p>
-            <a:pPr>
-              <a:defRPr sz="1600"/>
-            </a:pPr>
-            <a:r>
-              <a:t>      sorted.reverse.foreach(println)</a:t>
-            </a:r>
+            <a:pPr/>
+            <a:r>
+              <a:t>   val classifier = new DecisionTreeClassifier().</a:t>
+            </a:r>
+          </a:p>
+          <a:p>
+            <a:pPr/>
+            <a:r>
+              <a:t>      setSeed(Random.nextLong()).</a:t>
+            </a:r>
+          </a:p>
+          <a:p>
+            <a:pPr/>
+            <a:r>
+              <a:t>      setLabelCol("Cover_Type").</a:t>
+            </a:r>
+          </a:p>
+          <a:p>
+            <a:pPr/>
+            <a:r>
+              <a:t>      setFeaturesCol("featureVector").</a:t>
+            </a:r>
+          </a:p>
+          <a:p>
+            <a:pPr/>
+            <a:r>
+              <a:t>      setPredictionCol("prediction")</a:t>
+            </a:r>
+          </a:p>
+          <a:p>
+            <a:pPr/>
+          </a:p>
+          <a:p>
+            <a:pPr/>
+            <a:r>
+              <a:t>    val model = classifier.fit(assembledTrainData)</a:t>
+            </a:r>
+          </a:p>
+          <a:p>
+            <a:pPr/>
+            <a:r>
+              <a:t>    println(model.toDebugString)</a:t>
+            </a:r>
+          </a:p>
+          <a:p>
+            <a:pPr/>
           </a:p>
         </p:txBody>
       </p:sp>
       <p:sp>
         <p:nvSpPr>
-          <p:cNvPr id="154" name="(0.7796919815211103,Elevation)…"/>
+          <p:cNvPr id="153" name="classifier: org.apache.spark.ml.classification.DecisionTreeClassifier = dtc_8f2aed40cf03…"/>
           <p:cNvSpPr txBox="1"/>
           <p:nvPr/>
         </p:nvSpPr>
         <p:spPr>
           <a:xfrm>
-            <a:off x="1822011" y="2297442"/>
-            <a:ext cx="5499979" cy="4142716"/>
+            <a:off x="856587" y="3656342"/>
+            <a:ext cx="8335081" cy="3103437"/>
           </a:xfrm>
           <a:prstGeom prst="rect">
             <a:avLst/>
@@ -3731,7 +3735,7 @@
           <a:lstStyle/>
           <a:p>
             <a:pPr defTabSz="457200">
-              <a:defRPr sz="1200">
+              <a:defRPr sz="1000">
                 <a:solidFill>
                   <a:srgbClr val="212121"/>
                 </a:solidFill>
@@ -3742,12 +3746,12 @@
               </a:defRPr>
             </a:pPr>
             <a:r>
-              <a:t>(0.7796919815211103,Elevation)</a:t>
+              <a:t>classifier: org.apache.spark.ml.classification.DecisionTreeClassifier = dtc_8f2aed40cf03</a:t>
             </a:r>
           </a:p>
           <a:p>
             <a:pPr defTabSz="457200">
-              <a:defRPr sz="1200">
+              <a:defRPr sz="1000">
                 <a:solidFill>
                   <a:srgbClr val="212121"/>
                 </a:solidFill>
@@ -3758,12 +3762,12 @@
               </a:defRPr>
             </a:pPr>
             <a:r>
-              <a:t>(0.0398128237749954,Horizontal_Distance_To_Hydrology)</a:t>
+              <a:t>model: org.apache.spark.ml.classification.DecisionTreeClassificationModel = DecisionTreeClassificationModel (uid=dtc_8f2aed40cf03) of depth 5 with 63 nodes</a:t>
             </a:r>
           </a:p>
           <a:p>
             <a:pPr defTabSz="457200">
-              <a:defRPr sz="1200">
+              <a:defRPr sz="1000">
                 <a:solidFill>
                   <a:srgbClr val="212121"/>
                 </a:solidFill>
@@ -3774,12 +3778,12 @@
               </a:defRPr>
             </a:pPr>
             <a:r>
-              <a:t>(0.03156107154830829,Hillshade_Noon)</a:t>
+              <a:t>DecisionTreeClassificationModel (uid=dtc_8f2aed40cf03) of depth 5 with 63 nodes</a:t>
             </a:r>
           </a:p>
           <a:p>
             <a:pPr defTabSz="457200">
-              <a:defRPr sz="1200">
+              <a:defRPr sz="1000">
                 <a:solidFill>
                   <a:srgbClr val="212121"/>
                 </a:solidFill>
@@ -3790,12 +3794,12 @@
               </a:defRPr>
             </a:pPr>
             <a:r>
-              <a:t>(0.030198698429345045,Soil_Type_3)</a:t>
+              <a:t>  If (feature 0 &lt;= 3050.0)</a:t>
             </a:r>
           </a:p>
           <a:p>
             <a:pPr defTabSz="457200">
-              <a:defRPr sz="1200">
+              <a:defRPr sz="1000">
                 <a:solidFill>
                   <a:srgbClr val="212121"/>
                 </a:solidFill>
@@ -3806,12 +3810,12 @@
               </a:defRPr>
             </a:pPr>
             <a:r>
-              <a:t>(0.0282780732216438,Wilderness_Area_0)</a:t>
+              <a:t>   If (feature 0 &lt;= 2557.0)</a:t>
             </a:r>
           </a:p>
           <a:p>
             <a:pPr defTabSz="457200">
-              <a:defRPr sz="1200">
+              <a:defRPr sz="1000">
                 <a:solidFill>
                   <a:srgbClr val="212121"/>
                 </a:solidFill>
@@ -3822,12 +3826,12 @@
               </a:defRPr>
             </a:pPr>
             <a:r>
-              <a:t>(0.026920786045451794,Soil_Type_31)</a:t>
+              <a:t>    If (feature 10 &lt;= 0.0)</a:t>
             </a:r>
           </a:p>
           <a:p>
             <a:pPr defTabSz="457200">
-              <a:defRPr sz="1200">
+              <a:defRPr sz="1000">
                 <a:solidFill>
                   <a:srgbClr val="212121"/>
                 </a:solidFill>
@@ -3838,12 +3842,12 @@
               </a:defRPr>
             </a:pPr>
             <a:r>
-              <a:t>(0.023965641197494086,Soil_Type_1)</a:t>
+              <a:t>     If (feature 0 &lt;= 2445.0)</a:t>
             </a:r>
           </a:p>
           <a:p>
             <a:pPr defTabSz="457200">
-              <a:defRPr sz="1200">
+              <a:defRPr sz="1000">
                 <a:solidFill>
                   <a:srgbClr val="212121"/>
                 </a:solidFill>
@@ -3854,12 +3858,12 @@
               </a:defRPr>
             </a:pPr>
             <a:r>
-              <a:t>(0.011002916912030062,Wilderness_Area_2)</a:t>
+              <a:t>      If (feature 3 &lt;= 0.0)</a:t>
             </a:r>
           </a:p>
           <a:p>
             <a:pPr defTabSz="457200">
-              <a:defRPr sz="1200">
+              <a:defRPr sz="1000">
                 <a:solidFill>
                   <a:srgbClr val="212121"/>
                 </a:solidFill>
@@ -3870,12 +3874,12 @@
               </a:defRPr>
             </a:pPr>
             <a:r>
-              <a:t>(0.009654840511466256,Soil_Type_28)</a:t>
+              <a:t>       Predict: 4.0</a:t>
             </a:r>
           </a:p>
           <a:p>
             <a:pPr defTabSz="457200">
-              <a:defRPr sz="1200">
+              <a:defRPr sz="1000">
                 <a:solidFill>
                   <a:srgbClr val="212121"/>
                 </a:solidFill>
@@ -3886,12 +3890,12 @@
               </a:defRPr>
             </a:pPr>
             <a:r>
-              <a:t>(0.0058962988381604554,Horizontal_Distance_To_Roadways)</a:t>
+              <a:t>      Else (feature 3 &gt; 0.0)</a:t>
             </a:r>
           </a:p>
           <a:p>
             <a:pPr defTabSz="457200">
-              <a:defRPr sz="1200">
+              <a:defRPr sz="1000">
                 <a:solidFill>
                   <a:srgbClr val="212121"/>
                 </a:solidFill>
@@ -3902,12 +3906,12 @@
               </a:defRPr>
             </a:pPr>
             <a:r>
-              <a:t>(0.005292807192707336,Soil_Type_22)</a:t>
+              <a:t>       Predict: 3.0</a:t>
             </a:r>
           </a:p>
           <a:p>
             <a:pPr defTabSz="457200">
-              <a:defRPr sz="1200">
+              <a:defRPr sz="1000">
                 <a:solidFill>
                   <a:srgbClr val="212121"/>
                 </a:solidFill>
@@ -3918,12 +3922,12 @@
               </a:defRPr>
             </a:pPr>
             <a:r>
-              <a:t>(0.0031396067779140015,Wilderness_Area_1)</a:t>
+              <a:t>     Else (feature 0 &gt; 2445.0)</a:t>
             </a:r>
           </a:p>
           <a:p>
             <a:pPr defTabSz="457200">
-              <a:defRPr sz="1200">
+              <a:defRPr sz="1000">
                 <a:solidFill>
                   <a:srgbClr val="212121"/>
                 </a:solidFill>
@@ -3934,12 +3938,12 @@
               </a:defRPr>
             </a:pPr>
             <a:r>
-              <a:t>(0.00255369485868422,Hillshade_9am)</a:t>
+              <a:t>      If (feature 17 &lt;= 0.0)</a:t>
             </a:r>
           </a:p>
           <a:p>
             <a:pPr defTabSz="457200">
-              <a:defRPr sz="1200">
+              <a:defRPr sz="1000">
                 <a:solidFill>
                   <a:srgbClr val="212121"/>
                 </a:solidFill>
@@ -3950,12 +3954,12 @@
               </a:defRPr>
             </a:pPr>
             <a:r>
-              <a:t>(0.0017475453048820069,Horizontal_Distance_To_Fire_Points)</a:t>
+              <a:t>       Predict: 2.0</a:t>
             </a:r>
           </a:p>
           <a:p>
             <a:pPr defTabSz="457200">
-              <a:defRPr sz="1200">
+              <a:defRPr sz="1000">
                 <a:solidFill>
                   <a:srgbClr val="212121"/>
                 </a:solidFill>
@@ -3966,87 +3970,7 @@
               </a:defRPr>
             </a:pPr>
             <a:r>
-              <a:t>(2.832138658070966E-4,Soil_Type_8)</a:t>
-            </a:r>
-          </a:p>
-          <a:p>
-            <a:pPr defTabSz="457200">
-              <a:defRPr sz="1200">
-                <a:solidFill>
-                  <a:srgbClr val="212121"/>
-                </a:solidFill>
-                <a:latin typeface="Monaco"/>
-                <a:ea typeface="Monaco"/>
-                <a:cs typeface="Monaco"/>
-                <a:sym typeface="Monaco"/>
-              </a:defRPr>
-            </a:pPr>
-            <a:r>
-              <a:t>(0.0,Wilderness_Area_3)</a:t>
-            </a:r>
-          </a:p>
-          <a:p>
-            <a:pPr defTabSz="457200">
-              <a:defRPr sz="1200">
-                <a:solidFill>
-                  <a:srgbClr val="212121"/>
-                </a:solidFill>
-                <a:latin typeface="Monaco"/>
-                <a:ea typeface="Monaco"/>
-                <a:cs typeface="Monaco"/>
-                <a:sym typeface="Monaco"/>
-              </a:defRPr>
-            </a:pPr>
-            <a:r>
-              <a:t>(0.0,Vertical_Distance_To_Hydrology)</a:t>
-            </a:r>
-          </a:p>
-          <a:p>
-            <a:pPr defTabSz="457200">
-              <a:defRPr sz="1200">
-                <a:solidFill>
-                  <a:srgbClr val="212121"/>
-                </a:solidFill>
-                <a:latin typeface="Monaco"/>
-                <a:ea typeface="Monaco"/>
-                <a:cs typeface="Monaco"/>
-                <a:sym typeface="Monaco"/>
-              </a:defRPr>
-            </a:pPr>
-            <a:r>
-              <a:t>(0.0,Soil_Type_9)</a:t>
-            </a:r>
-          </a:p>
-          <a:p>
-            <a:pPr defTabSz="457200">
-              <a:defRPr sz="1200">
-                <a:solidFill>
-                  <a:srgbClr val="212121"/>
-                </a:solidFill>
-                <a:latin typeface="Monaco"/>
-                <a:ea typeface="Monaco"/>
-                <a:cs typeface="Monaco"/>
-                <a:sym typeface="Monaco"/>
-              </a:defRPr>
-            </a:pPr>
-            <a:r>
-              <a:t>(0.0,Soil_Type_7)</a:t>
-            </a:r>
-          </a:p>
-          <a:p>
-            <a:pPr defTabSz="457200">
-              <a:defRPr sz="1200">
-                <a:solidFill>
-                  <a:srgbClr val="212121"/>
-                </a:solidFill>
-                <a:latin typeface="Monaco"/>
-                <a:ea typeface="Monaco"/>
-                <a:cs typeface="Monaco"/>
-                <a:sym typeface="Monaco"/>
-              </a:defRPr>
-            </a:pPr>
-            <a:r>
-              <a:t>(0.0,Soil_Type_6)</a:t>
+              <a:t>      Else (feature 17 &gt; 0.0)</a:t>
             </a:r>
           </a:p>
         </p:txBody>
@@ -4079,7 +4003,7 @@
       </p:grpSpPr>
       <p:sp>
         <p:nvSpPr>
-          <p:cNvPr id="156" name="Evaluate the classifier on data"/>
+          <p:cNvPr id="155" name="What are the contributions?"/>
           <p:cNvSpPr txBox="1"/>
           <p:nvPr>
             <p:ph type="title"/>
@@ -4096,21 +4020,21 @@
           <a:p>
             <a:pPr/>
             <a:r>
-              <a:t>Evaluate the classifier on data</a:t>
+              <a:t>What are the contributions?</a:t>
             </a:r>
           </a:p>
         </p:txBody>
       </p:sp>
       <p:sp>
         <p:nvSpPr>
-          <p:cNvPr id="157" name="val predictions = model.transform(assembledTrainData)…"/>
+          <p:cNvPr id="156" name="model.featureImportances.toArray.zip(inputCols).…"/>
           <p:cNvSpPr txBox="1"/>
           <p:nvPr/>
         </p:nvSpPr>
         <p:spPr>
           <a:xfrm>
-            <a:off x="1896586" y="1579880"/>
-            <a:ext cx="5350828" cy="1056641"/>
+            <a:off x="2361177" y="1643379"/>
+            <a:ext cx="4421645" cy="574041"/>
           </a:xfrm>
           <a:prstGeom prst="rect">
             <a:avLst/>
@@ -4134,42 +4058,29 @@
               <a:defRPr sz="1600"/>
             </a:pPr>
             <a:r>
-              <a:t>  val predictions = model.transform(assembledTrainData)</a:t>
+              <a:t>    model.featureImportances.toArray.zip(inputCols).</a:t>
             </a:r>
           </a:p>
           <a:p>
             <a:pPr>
               <a:defRPr sz="1600"/>
             </a:pPr>
-          </a:p>
-          <a:p>
-            <a:pPr>
-              <a:defRPr sz="1600"/>
-            </a:pPr>
-            <a:r>
-              <a:t>    predictions.select("Cover_Type", "prediction", "probability").</a:t>
-            </a:r>
-          </a:p>
-          <a:p>
-            <a:pPr>
-              <a:defRPr sz="1600"/>
-            </a:pPr>
-            <a:r>
-              <a:t>      show(truncate = false)</a:t>
+            <a:r>
+              <a:t>      sorted.reverse.foreach(println)</a:t>
             </a:r>
           </a:p>
         </p:txBody>
       </p:sp>
       <p:sp>
         <p:nvSpPr>
-          <p:cNvPr id="158" name="predictions: org.apache.spark.sql.DataFrame = [Elevation: int, Aspect: int ... 57 more fields]…"/>
+          <p:cNvPr id="157" name="(0.7796919815211103,Elevation)…"/>
           <p:cNvSpPr txBox="1"/>
           <p:nvPr/>
         </p:nvSpPr>
         <p:spPr>
           <a:xfrm>
-            <a:off x="347979" y="2945142"/>
-            <a:ext cx="12245788" cy="2923516"/>
+            <a:off x="1822011" y="2297442"/>
+            <a:ext cx="5499979" cy="4142716"/>
           </a:xfrm>
           <a:prstGeom prst="rect">
             <a:avLst/>
@@ -4184,7 +4095,7 @@
           </a:extLst>
         </p:spPr>
         <p:txBody>
-          <a:bodyPr lIns="45719" rIns="45719">
+          <a:bodyPr wrap="none" lIns="45719" rIns="45719">
             <a:spAutoFit/>
           </a:bodyPr>
           <a:lstStyle/>
@@ -4201,7 +4112,7 @@
               </a:defRPr>
             </a:pPr>
             <a:r>
-              <a:t>predictions: org.apache.spark.sql.DataFrame = [Elevation: int, Aspect: int ... 57 more fields]</a:t>
+              <a:t>(0.7796919815211103,Elevation)</a:t>
             </a:r>
           </a:p>
           <a:p>
@@ -4217,7 +4128,7 @@
               </a:defRPr>
             </a:pPr>
             <a:r>
-              <a:t>+----------+----------+------------------------------------------------------------------------------------------------+</a:t>
+              <a:t>(0.0398128237749954,Horizontal_Distance_To_Hydrology)</a:t>
             </a:r>
           </a:p>
           <a:p>
@@ -4233,7 +4144,7 @@
               </a:defRPr>
             </a:pPr>
             <a:r>
-              <a:t>|Cover_Type|prediction|probability                                                                                     |</a:t>
+              <a:t>(0.03156107154830829,Hillshade_Noon)</a:t>
             </a:r>
           </a:p>
           <a:p>
@@ -4249,7 +4160,7 @@
               </a:defRPr>
             </a:pPr>
             <a:r>
-              <a:t>+----------+----------+------------------------------------------------------------------------------------------------+</a:t>
+              <a:t>(0.030198698429345045,Soil_Type_3)</a:t>
             </a:r>
           </a:p>
           <a:p>
@@ -4265,7 +4176,7 @@
               </a:defRPr>
             </a:pPr>
             <a:r>
-              <a:t>|6.0       |3.0       |[0.0,0.0,0.0316138592900995,0.636581751464258,0.05130195469621057,0.0,0.2805024345494319,0.0]   |</a:t>
+              <a:t>(0.0282780732216438,Wilderness_Area_0)</a:t>
             </a:r>
           </a:p>
           <a:p>
@@ -4281,7 +4192,7 @@
               </a:defRPr>
             </a:pPr>
             <a:r>
-              <a:t>|6.0       |4.0       |[0.0,0.0,0.04187082405345212,0.2846325167037862,0.44097995545657015,0.0,0.23251670378619155,0.0]|</a:t>
+              <a:t>(0.026920786045451794,Soil_Type_31)</a:t>
             </a:r>
           </a:p>
           <a:p>
@@ -4297,7 +4208,7 @@
               </a:defRPr>
             </a:pPr>
             <a:r>
-              <a:t>|6.0       |3.0       |[0.0,0.0,0.0316138592900995,0.636581751464258,0.05130195469621057,0.0,0.2805024345494319,0.0]   |</a:t>
+              <a:t>(0.023965641197494086,Soil_Type_1)</a:t>
             </a:r>
           </a:p>
           <a:p>
@@ -4313,7 +4224,7 @@
               </a:defRPr>
             </a:pPr>
             <a:r>
-              <a:t>|6.0       |3.0       |[0.0,0.0,0.0316138592900995,0.636581751464258,0.05130195469621057,0.0,0.2805024345494319,0.0]   |</a:t>
+              <a:t>(0.011002916912030062,Wilderness_Area_2)</a:t>
             </a:r>
           </a:p>
           <a:p>
@@ -4329,7 +4240,7 @@
               </a:defRPr>
             </a:pPr>
             <a:r>
-              <a:t>|6.0       |3.0       |[0.0,0.0,0.0316138592900995,0.636581751464258,0.05130195469621057,0.0,0.2805024345494319,0.0]   |</a:t>
+              <a:t>(0.009654840511466256,Soil_Type_28)</a:t>
             </a:r>
           </a:p>
           <a:p>
@@ -4345,7 +4256,7 @@
               </a:defRPr>
             </a:pPr>
             <a:r>
-              <a:t>|6.0       |3.0       |[0.0,0.0,0.0316138592900995,0.636581751464258,0.05130195469621057,0.0,0.2805024345494319,0.0]   |</a:t>
+              <a:t>(0.0058962988381604554,Horizontal_Distance_To_Roadways)</a:t>
             </a:r>
           </a:p>
           <a:p>
@@ -4361,7 +4272,7 @@
               </a:defRPr>
             </a:pPr>
             <a:r>
-              <a:t>|6.0       |3.0       |[0.0,0.0,0.0316138592900995,0.636581751464258,0.05130195469621057,0.0,0.2805024345494319,0.0]   |</a:t>
+              <a:t>(0.005292807192707336,Soil_Type_22)</a:t>
             </a:r>
           </a:p>
           <a:p>
@@ -4377,7 +4288,7 @@
               </a:defRPr>
             </a:pPr>
             <a:r>
-              <a:t>|6.0       |3.0       |[0.0,0.0,0.0316138592900995,0.636581751464258,0.05130195469621057,0.0,0.2805024345494319,0.0]   |</a:t>
+              <a:t>(0.0031396067779140015,Wilderness_Area_1)</a:t>
             </a:r>
           </a:p>
           <a:p>
@@ -4393,7 +4304,119 @@
               </a:defRPr>
             </a:pPr>
             <a:r>
-              <a:t>|6.0       |3.0       |[0.0,0.0,0.0316138592900995,0.636581751464258,0.05130195469621057,0.0,0.2805024345494319,0.0]   |</a:t>
+              <a:t>(0.00255369485868422,Hillshade_9am)</a:t>
+            </a:r>
+          </a:p>
+          <a:p>
+            <a:pPr defTabSz="457200">
+              <a:defRPr sz="1200">
+                <a:solidFill>
+                  <a:srgbClr val="212121"/>
+                </a:solidFill>
+                <a:latin typeface="Monaco"/>
+                <a:ea typeface="Monaco"/>
+                <a:cs typeface="Monaco"/>
+                <a:sym typeface="Monaco"/>
+              </a:defRPr>
+            </a:pPr>
+            <a:r>
+              <a:t>(0.0017475453048820069,Horizontal_Distance_To_Fire_Points)</a:t>
+            </a:r>
+          </a:p>
+          <a:p>
+            <a:pPr defTabSz="457200">
+              <a:defRPr sz="1200">
+                <a:solidFill>
+                  <a:srgbClr val="212121"/>
+                </a:solidFill>
+                <a:latin typeface="Monaco"/>
+                <a:ea typeface="Monaco"/>
+                <a:cs typeface="Monaco"/>
+                <a:sym typeface="Monaco"/>
+              </a:defRPr>
+            </a:pPr>
+            <a:r>
+              <a:t>(2.832138658070966E-4,Soil_Type_8)</a:t>
+            </a:r>
+          </a:p>
+          <a:p>
+            <a:pPr defTabSz="457200">
+              <a:defRPr sz="1200">
+                <a:solidFill>
+                  <a:srgbClr val="212121"/>
+                </a:solidFill>
+                <a:latin typeface="Monaco"/>
+                <a:ea typeface="Monaco"/>
+                <a:cs typeface="Monaco"/>
+                <a:sym typeface="Monaco"/>
+              </a:defRPr>
+            </a:pPr>
+            <a:r>
+              <a:t>(0.0,Wilderness_Area_3)</a:t>
+            </a:r>
+          </a:p>
+          <a:p>
+            <a:pPr defTabSz="457200">
+              <a:defRPr sz="1200">
+                <a:solidFill>
+                  <a:srgbClr val="212121"/>
+                </a:solidFill>
+                <a:latin typeface="Monaco"/>
+                <a:ea typeface="Monaco"/>
+                <a:cs typeface="Monaco"/>
+                <a:sym typeface="Monaco"/>
+              </a:defRPr>
+            </a:pPr>
+            <a:r>
+              <a:t>(0.0,Vertical_Distance_To_Hydrology)</a:t>
+            </a:r>
+          </a:p>
+          <a:p>
+            <a:pPr defTabSz="457200">
+              <a:defRPr sz="1200">
+                <a:solidFill>
+                  <a:srgbClr val="212121"/>
+                </a:solidFill>
+                <a:latin typeface="Monaco"/>
+                <a:ea typeface="Monaco"/>
+                <a:cs typeface="Monaco"/>
+                <a:sym typeface="Monaco"/>
+              </a:defRPr>
+            </a:pPr>
+            <a:r>
+              <a:t>(0.0,Soil_Type_9)</a:t>
+            </a:r>
+          </a:p>
+          <a:p>
+            <a:pPr defTabSz="457200">
+              <a:defRPr sz="1200">
+                <a:solidFill>
+                  <a:srgbClr val="212121"/>
+                </a:solidFill>
+                <a:latin typeface="Monaco"/>
+                <a:ea typeface="Monaco"/>
+                <a:cs typeface="Monaco"/>
+                <a:sym typeface="Monaco"/>
+              </a:defRPr>
+            </a:pPr>
+            <a:r>
+              <a:t>(0.0,Soil_Type_7)</a:t>
+            </a:r>
+          </a:p>
+          <a:p>
+            <a:pPr defTabSz="457200">
+              <a:defRPr sz="1200">
+                <a:solidFill>
+                  <a:srgbClr val="212121"/>
+                </a:solidFill>
+                <a:latin typeface="Monaco"/>
+                <a:ea typeface="Monaco"/>
+                <a:cs typeface="Monaco"/>
+                <a:sym typeface="Monaco"/>
+              </a:defRPr>
+            </a:pPr>
+            <a:r>
+              <a:t>(0.0,Soil_Type_6)</a:t>
             </a:r>
           </a:p>
         </p:txBody>
@@ -4426,7 +4449,7 @@
       </p:grpSpPr>
       <p:sp>
         <p:nvSpPr>
-          <p:cNvPr id="160" name="Transfer the classifier to RDD"/>
+          <p:cNvPr id="159" name="Evaluate the classifier on data"/>
           <p:cNvSpPr txBox="1"/>
           <p:nvPr>
             <p:ph type="title"/>
@@ -4443,21 +4466,21 @@
           <a:p>
             <a:pPr/>
             <a:r>
-              <a:t>Transfer the classifier to RDD</a:t>
+              <a:t>Evaluate the classifier on data</a:t>
             </a:r>
           </a:p>
         </p:txBody>
       </p:sp>
       <p:sp>
         <p:nvSpPr>
-          <p:cNvPr id="161" name="val evaluator = new MulticlassClassificationEvaluator().…"/>
+          <p:cNvPr id="160" name="val predictions = model.transform(assembledTrainData)…"/>
           <p:cNvSpPr txBox="1"/>
           <p:nvPr/>
         </p:nvSpPr>
         <p:spPr>
           <a:xfrm>
-            <a:off x="1360904" y="1592580"/>
-            <a:ext cx="6422192" cy="3710941"/>
+            <a:off x="1896586" y="1579880"/>
+            <a:ext cx="5350828" cy="1056641"/>
           </a:xfrm>
           <a:prstGeom prst="rect">
             <a:avLst/>
@@ -4481,105 +4504,266 @@
               <a:defRPr sz="1600"/>
             </a:pPr>
             <a:r>
-              <a:t>    val evaluator = new MulticlassClassificationEvaluator().</a:t>
+              <a:t>  val predictions = model.transform(assembledTrainData)</a:t>
             </a:r>
           </a:p>
           <a:p>
             <a:pPr>
               <a:defRPr sz="1600"/>
             </a:pPr>
-            <a:r>
-              <a:t>      setLabelCol("Cover_Type").</a:t>
-            </a:r>
           </a:p>
           <a:p>
             <a:pPr>
               <a:defRPr sz="1600"/>
             </a:pPr>
             <a:r>
-              <a:t>      setPredictionCol("prediction")</a:t>
+              <a:t>    predictions.select("Cover_Type", "prediction", "probability").</a:t>
             </a:r>
           </a:p>
           <a:p>
             <a:pPr>
               <a:defRPr sz="1600"/>
             </a:pPr>
-          </a:p>
-          <a:p>
-            <a:pPr>
-              <a:defRPr sz="1600"/>
-            </a:pPr>
-            <a:r>
-              <a:t>    val accuracy = evaluator.setMetricName("accuracy").evaluate(predictions)</a:t>
-            </a:r>
-          </a:p>
-          <a:p>
-            <a:pPr>
-              <a:defRPr sz="1600"/>
-            </a:pPr>
-            <a:r>
-              <a:t>    val f1 = evaluator.setMetricName("f1").evaluate(predictions)</a:t>
-            </a:r>
-          </a:p>
-          <a:p>
-            <a:pPr>
-              <a:defRPr sz="1600"/>
-            </a:pPr>
-            <a:r>
-              <a:t>    println(accuracy)</a:t>
-            </a:r>
-          </a:p>
-          <a:p>
-            <a:pPr>
-              <a:defRPr sz="1600"/>
-            </a:pPr>
-            <a:r>
-              <a:t>    println(f1)</a:t>
-            </a:r>
-          </a:p>
-          <a:p>
-            <a:pPr>
-              <a:defRPr sz="1600"/>
-            </a:pPr>
-          </a:p>
-          <a:p>
-            <a:pPr>
-              <a:defRPr sz="1600"/>
-            </a:pPr>
-            <a:r>
-              <a:t>    val predictionRDD = predictions.</a:t>
-            </a:r>
-          </a:p>
-          <a:p>
-            <a:pPr>
-              <a:defRPr sz="1600"/>
-            </a:pPr>
-            <a:r>
-              <a:t>      select("prediction", "Cover_Type").</a:t>
-            </a:r>
-          </a:p>
-          <a:p>
-            <a:pPr>
-              <a:defRPr sz="1600"/>
-            </a:pPr>
-            <a:r>
-              <a:t>      as[(Double,Double)].rdd</a:t>
-            </a:r>
-          </a:p>
-          <a:p>
-            <a:pPr>
-              <a:defRPr sz="1600"/>
-            </a:pPr>
-            <a:r>
-              <a:t>    val multiclassMetrics = new MulticlassMetrics(predictionRDD)</a:t>
-            </a:r>
-          </a:p>
-          <a:p>
-            <a:pPr>
-              <a:defRPr sz="1600"/>
-            </a:pPr>
-            <a:r>
-              <a:t>    println(multiclassMetrics.confusionMatrix)</a:t>
+            <a:r>
+              <a:t>      show(truncate = false)</a:t>
+            </a:r>
+          </a:p>
+        </p:txBody>
+      </p:sp>
+      <p:sp>
+        <p:nvSpPr>
+          <p:cNvPr id="161" name="predictions: org.apache.spark.sql.DataFrame = [Elevation: int, Aspect: int ... 57 more fields]…"/>
+          <p:cNvSpPr txBox="1"/>
+          <p:nvPr/>
+        </p:nvSpPr>
+        <p:spPr>
+          <a:xfrm>
+            <a:off x="347979" y="2945142"/>
+            <a:ext cx="12245788" cy="2923516"/>
+          </a:xfrm>
+          <a:prstGeom prst="rect">
+            <a:avLst/>
+          </a:prstGeom>
+          <a:ln w="12700">
+            <a:miter lim="400000"/>
+          </a:ln>
+          <a:extLst>
+            <a:ext uri="{C572A759-6A51-4108-AA02-DFA0A04FC94B}">
+              <ma14:wrappingTextBoxFlag xmlns:ma14="http://schemas.microsoft.com/office/mac/drawingml/2011/main" val="1"/>
+            </a:ext>
+          </a:extLst>
+        </p:spPr>
+        <p:txBody>
+          <a:bodyPr lIns="45719" rIns="45719">
+            <a:spAutoFit/>
+          </a:bodyPr>
+          <a:lstStyle/>
+          <a:p>
+            <a:pPr defTabSz="457200">
+              <a:defRPr sz="1200">
+                <a:solidFill>
+                  <a:srgbClr val="212121"/>
+                </a:solidFill>
+                <a:latin typeface="Monaco"/>
+                <a:ea typeface="Monaco"/>
+                <a:cs typeface="Monaco"/>
+                <a:sym typeface="Monaco"/>
+              </a:defRPr>
+            </a:pPr>
+            <a:r>
+              <a:t>predictions: org.apache.spark.sql.DataFrame = [Elevation: int, Aspect: int ... 57 more fields]</a:t>
+            </a:r>
+          </a:p>
+          <a:p>
+            <a:pPr defTabSz="457200">
+              <a:defRPr sz="1200">
+                <a:solidFill>
+                  <a:srgbClr val="212121"/>
+                </a:solidFill>
+                <a:latin typeface="Monaco"/>
+                <a:ea typeface="Monaco"/>
+                <a:cs typeface="Monaco"/>
+                <a:sym typeface="Monaco"/>
+              </a:defRPr>
+            </a:pPr>
+            <a:r>
+              <a:t>+----------+----------+------------------------------------------------------------------------------------------------+</a:t>
+            </a:r>
+          </a:p>
+          <a:p>
+            <a:pPr defTabSz="457200">
+              <a:defRPr sz="1200">
+                <a:solidFill>
+                  <a:srgbClr val="212121"/>
+                </a:solidFill>
+                <a:latin typeface="Monaco"/>
+                <a:ea typeface="Monaco"/>
+                <a:cs typeface="Monaco"/>
+                <a:sym typeface="Monaco"/>
+              </a:defRPr>
+            </a:pPr>
+            <a:r>
+              <a:t>|Cover_Type|prediction|probability                                                                                     |</a:t>
+            </a:r>
+          </a:p>
+          <a:p>
+            <a:pPr defTabSz="457200">
+              <a:defRPr sz="1200">
+                <a:solidFill>
+                  <a:srgbClr val="212121"/>
+                </a:solidFill>
+                <a:latin typeface="Monaco"/>
+                <a:ea typeface="Monaco"/>
+                <a:cs typeface="Monaco"/>
+                <a:sym typeface="Monaco"/>
+              </a:defRPr>
+            </a:pPr>
+            <a:r>
+              <a:t>+----------+----------+------------------------------------------------------------------------------------------------+</a:t>
+            </a:r>
+          </a:p>
+          <a:p>
+            <a:pPr defTabSz="457200">
+              <a:defRPr sz="1200">
+                <a:solidFill>
+                  <a:srgbClr val="212121"/>
+                </a:solidFill>
+                <a:latin typeface="Monaco"/>
+                <a:ea typeface="Monaco"/>
+                <a:cs typeface="Monaco"/>
+                <a:sym typeface="Monaco"/>
+              </a:defRPr>
+            </a:pPr>
+            <a:r>
+              <a:t>|6.0       |3.0       |[0.0,0.0,0.0316138592900995,0.636581751464258,0.05130195469621057,0.0,0.2805024345494319,0.0]   |</a:t>
+            </a:r>
+          </a:p>
+          <a:p>
+            <a:pPr defTabSz="457200">
+              <a:defRPr sz="1200">
+                <a:solidFill>
+                  <a:srgbClr val="212121"/>
+                </a:solidFill>
+                <a:latin typeface="Monaco"/>
+                <a:ea typeface="Monaco"/>
+                <a:cs typeface="Monaco"/>
+                <a:sym typeface="Monaco"/>
+              </a:defRPr>
+            </a:pPr>
+            <a:r>
+              <a:t>|6.0       |4.0       |[0.0,0.0,0.04187082405345212,0.2846325167037862,0.44097995545657015,0.0,0.23251670378619155,0.0]|</a:t>
+            </a:r>
+          </a:p>
+          <a:p>
+            <a:pPr defTabSz="457200">
+              <a:defRPr sz="1200">
+                <a:solidFill>
+                  <a:srgbClr val="212121"/>
+                </a:solidFill>
+                <a:latin typeface="Monaco"/>
+                <a:ea typeface="Monaco"/>
+                <a:cs typeface="Monaco"/>
+                <a:sym typeface="Monaco"/>
+              </a:defRPr>
+            </a:pPr>
+            <a:r>
+              <a:t>|6.0       |3.0       |[0.0,0.0,0.0316138592900995,0.636581751464258,0.05130195469621057,0.0,0.2805024345494319,0.0]   |</a:t>
+            </a:r>
+          </a:p>
+          <a:p>
+            <a:pPr defTabSz="457200">
+              <a:defRPr sz="1200">
+                <a:solidFill>
+                  <a:srgbClr val="212121"/>
+                </a:solidFill>
+                <a:latin typeface="Monaco"/>
+                <a:ea typeface="Monaco"/>
+                <a:cs typeface="Monaco"/>
+                <a:sym typeface="Monaco"/>
+              </a:defRPr>
+            </a:pPr>
+            <a:r>
+              <a:t>|6.0       |3.0       |[0.0,0.0,0.0316138592900995,0.636581751464258,0.05130195469621057,0.0,0.2805024345494319,0.0]   |</a:t>
+            </a:r>
+          </a:p>
+          <a:p>
+            <a:pPr defTabSz="457200">
+              <a:defRPr sz="1200">
+                <a:solidFill>
+                  <a:srgbClr val="212121"/>
+                </a:solidFill>
+                <a:latin typeface="Monaco"/>
+                <a:ea typeface="Monaco"/>
+                <a:cs typeface="Monaco"/>
+                <a:sym typeface="Monaco"/>
+              </a:defRPr>
+            </a:pPr>
+            <a:r>
+              <a:t>|6.0       |3.0       |[0.0,0.0,0.0316138592900995,0.636581751464258,0.05130195469621057,0.0,0.2805024345494319,0.0]   |</a:t>
+            </a:r>
+          </a:p>
+          <a:p>
+            <a:pPr defTabSz="457200">
+              <a:defRPr sz="1200">
+                <a:solidFill>
+                  <a:srgbClr val="212121"/>
+                </a:solidFill>
+                <a:latin typeface="Monaco"/>
+                <a:ea typeface="Monaco"/>
+                <a:cs typeface="Monaco"/>
+                <a:sym typeface="Monaco"/>
+              </a:defRPr>
+            </a:pPr>
+            <a:r>
+              <a:t>|6.0       |3.0       |[0.0,0.0,0.0316138592900995,0.636581751464258,0.05130195469621057,0.0,0.2805024345494319,0.0]   |</a:t>
+            </a:r>
+          </a:p>
+          <a:p>
+            <a:pPr defTabSz="457200">
+              <a:defRPr sz="1200">
+                <a:solidFill>
+                  <a:srgbClr val="212121"/>
+                </a:solidFill>
+                <a:latin typeface="Monaco"/>
+                <a:ea typeface="Monaco"/>
+                <a:cs typeface="Monaco"/>
+                <a:sym typeface="Monaco"/>
+              </a:defRPr>
+            </a:pPr>
+            <a:r>
+              <a:t>|6.0       |3.0       |[0.0,0.0,0.0316138592900995,0.636581751464258,0.05130195469621057,0.0,0.2805024345494319,0.0]   |</a:t>
+            </a:r>
+          </a:p>
+          <a:p>
+            <a:pPr defTabSz="457200">
+              <a:defRPr sz="1200">
+                <a:solidFill>
+                  <a:srgbClr val="212121"/>
+                </a:solidFill>
+                <a:latin typeface="Monaco"/>
+                <a:ea typeface="Monaco"/>
+                <a:cs typeface="Monaco"/>
+                <a:sym typeface="Monaco"/>
+              </a:defRPr>
+            </a:pPr>
+            <a:r>
+              <a:t>|6.0       |3.0       |[0.0,0.0,0.0316138592900995,0.636581751464258,0.05130195469621057,0.0,0.2805024345494319,0.0]   |</a:t>
+            </a:r>
+          </a:p>
+          <a:p>
+            <a:pPr defTabSz="457200">
+              <a:defRPr sz="1200">
+                <a:solidFill>
+                  <a:srgbClr val="212121"/>
+                </a:solidFill>
+                <a:latin typeface="Monaco"/>
+                <a:ea typeface="Monaco"/>
+                <a:cs typeface="Monaco"/>
+                <a:sym typeface="Monaco"/>
+              </a:defRPr>
+            </a:pPr>
+            <a:r>
+              <a:t>|6.0       |3.0       |[0.0,0.0,0.0316138592900995,0.636581751464258,0.05130195469621057,0.0,0.2805024345494319,0.0]   |</a:t>
             </a:r>
           </a:p>
         </p:txBody>
@@ -4612,7 +4796,7 @@
       </p:grpSpPr>
       <p:sp>
         <p:nvSpPr>
-          <p:cNvPr id="163" name="Get the confusion matrix from RDD"/>
+          <p:cNvPr id="163" name="Transfer the classifier to RDD"/>
           <p:cNvSpPr txBox="1"/>
           <p:nvPr>
             <p:ph type="title"/>
@@ -4629,14 +4813,200 @@
           <a:p>
             <a:pPr/>
             <a:r>
-              <a:t>Get the confusion matrix from RDD</a:t>
+              <a:t>Transfer the classifier to RDD</a:t>
             </a:r>
           </a:p>
         </p:txBody>
       </p:sp>
       <p:sp>
         <p:nvSpPr>
-          <p:cNvPr id="164" name="val confusionMatrix = predictions.…"/>
+          <p:cNvPr id="164" name="val evaluator = new MulticlassClassificationEvaluator().…"/>
+          <p:cNvSpPr txBox="1"/>
+          <p:nvPr/>
+        </p:nvSpPr>
+        <p:spPr>
+          <a:xfrm>
+            <a:off x="1360904" y="1592580"/>
+            <a:ext cx="6422192" cy="3710941"/>
+          </a:xfrm>
+          <a:prstGeom prst="rect">
+            <a:avLst/>
+          </a:prstGeom>
+          <a:ln w="12700">
+            <a:miter lim="400000"/>
+          </a:ln>
+          <a:extLst>
+            <a:ext uri="{C572A759-6A51-4108-AA02-DFA0A04FC94B}">
+              <ma14:wrappingTextBoxFlag xmlns:ma14="http://schemas.microsoft.com/office/mac/drawingml/2011/main" val="1"/>
+            </a:ext>
+          </a:extLst>
+        </p:spPr>
+        <p:txBody>
+          <a:bodyPr wrap="none" lIns="45719" rIns="45719">
+            <a:spAutoFit/>
+          </a:bodyPr>
+          <a:lstStyle/>
+          <a:p>
+            <a:pPr>
+              <a:defRPr sz="1600"/>
+            </a:pPr>
+            <a:r>
+              <a:t>    val evaluator = new MulticlassClassificationEvaluator().</a:t>
+            </a:r>
+          </a:p>
+          <a:p>
+            <a:pPr>
+              <a:defRPr sz="1600"/>
+            </a:pPr>
+            <a:r>
+              <a:t>      setLabelCol("Cover_Type").</a:t>
+            </a:r>
+          </a:p>
+          <a:p>
+            <a:pPr>
+              <a:defRPr sz="1600"/>
+            </a:pPr>
+            <a:r>
+              <a:t>      setPredictionCol("prediction")</a:t>
+            </a:r>
+          </a:p>
+          <a:p>
+            <a:pPr>
+              <a:defRPr sz="1600"/>
+            </a:pPr>
+          </a:p>
+          <a:p>
+            <a:pPr>
+              <a:defRPr sz="1600"/>
+            </a:pPr>
+            <a:r>
+              <a:t>    val accuracy = evaluator.setMetricName("accuracy").evaluate(predictions)</a:t>
+            </a:r>
+          </a:p>
+          <a:p>
+            <a:pPr>
+              <a:defRPr sz="1600"/>
+            </a:pPr>
+            <a:r>
+              <a:t>    val f1 = evaluator.setMetricName("f1").evaluate(predictions)</a:t>
+            </a:r>
+          </a:p>
+          <a:p>
+            <a:pPr>
+              <a:defRPr sz="1600"/>
+            </a:pPr>
+            <a:r>
+              <a:t>    println(accuracy)</a:t>
+            </a:r>
+          </a:p>
+          <a:p>
+            <a:pPr>
+              <a:defRPr sz="1600"/>
+            </a:pPr>
+            <a:r>
+              <a:t>    println(f1)</a:t>
+            </a:r>
+          </a:p>
+          <a:p>
+            <a:pPr>
+              <a:defRPr sz="1600"/>
+            </a:pPr>
+          </a:p>
+          <a:p>
+            <a:pPr>
+              <a:defRPr sz="1600"/>
+            </a:pPr>
+            <a:r>
+              <a:t>    val predictionRDD = predictions.</a:t>
+            </a:r>
+          </a:p>
+          <a:p>
+            <a:pPr>
+              <a:defRPr sz="1600"/>
+            </a:pPr>
+            <a:r>
+              <a:t>      select("prediction", "Cover_Type").</a:t>
+            </a:r>
+          </a:p>
+          <a:p>
+            <a:pPr>
+              <a:defRPr sz="1600"/>
+            </a:pPr>
+            <a:r>
+              <a:t>      as[(Double,Double)].rdd</a:t>
+            </a:r>
+          </a:p>
+          <a:p>
+            <a:pPr>
+              <a:defRPr sz="1600"/>
+            </a:pPr>
+            <a:r>
+              <a:t>    val multiclassMetrics = new MulticlassMetrics(predictionRDD)</a:t>
+            </a:r>
+          </a:p>
+          <a:p>
+            <a:pPr>
+              <a:defRPr sz="1600"/>
+            </a:pPr>
+            <a:r>
+              <a:t>    println(multiclassMetrics.confusionMatrix)</a:t>
+            </a:r>
+          </a:p>
+        </p:txBody>
+      </p:sp>
+    </p:spTree>
+  </p:cSld>
+  <p:clrMapOvr>
+    <a:masterClrMapping/>
+  </p:clrMapOvr>
+  <p:transition xmlns:p14="http://schemas.microsoft.com/office/powerpoint/2010/main" spd="med" advClick="1"/>
+</p:sld>
+</file>
+
+<file path=ppt/slides/slide15.xml><?xml version="1.0" encoding="utf-8"?>
+<p:sld xmlns:a="http://schemas.openxmlformats.org/drawingml/2006/main" xmlns:r="http://schemas.openxmlformats.org/officeDocument/2006/relationships" xmlns:p="http://schemas.openxmlformats.org/presentationml/2006/main" showMasterSp="1" showMasterPhAnim="1">
+  <p:cSld>
+    <p:spTree>
+      <p:nvGrpSpPr>
+        <p:cNvPr id="1" name=""/>
+        <p:cNvGrpSpPr/>
+        <p:nvPr/>
+      </p:nvGrpSpPr>
+      <p:grpSpPr>
+        <a:xfrm>
+          <a:off x="0" y="0"/>
+          <a:ext cx="0" cy="0"/>
+          <a:chOff x="0" y="0"/>
+          <a:chExt cx="0" cy="0"/>
+        </a:xfrm>
+      </p:grpSpPr>
+      <p:sp>
+        <p:nvSpPr>
+          <p:cNvPr id="166" name="Get the confusion matrix from RDD"/>
+          <p:cNvSpPr txBox="1"/>
+          <p:nvPr>
+            <p:ph type="title"/>
+          </p:nvPr>
+        </p:nvSpPr>
+        <p:spPr>
+          <a:prstGeom prst="rect">
+            <a:avLst/>
+          </a:prstGeom>
+        </p:spPr>
+        <p:txBody>
+          <a:bodyPr/>
+          <a:lstStyle/>
+          <a:p>
+            <a:pPr/>
+            <a:r>
+              <a:t>Get the confusion matrix from RDD</a:t>
+            </a:r>
+          </a:p>
+        </p:txBody>
+      </p:sp>
+      <p:sp>
+        <p:nvSpPr>
+          <p:cNvPr id="167" name="val confusionMatrix = predictions.…"/>
           <p:cNvSpPr txBox="1"/>
           <p:nvPr/>
         </p:nvSpPr>
@@ -4727,7 +5097,7 @@
       </p:sp>
       <p:sp>
         <p:nvSpPr>
-          <p:cNvPr id="165" name="confusionMatrix: org.apache.spark.sql.Dataset[org.apache.spark.sql.Row] = [Cover_Type: double, 1: bigint ... 6 more fields]…"/>
+          <p:cNvPr id="168" name="confusionMatrix: org.apache.spark.sql.Dataset[org.apache.spark.sql.Row] = [Cover_Type: double, 1: bigint ... 6 more fields]…"/>
           <p:cNvSpPr txBox="1"/>
           <p:nvPr/>
         </p:nvSpPr>
@@ -4943,6 +5313,182 @@
             </a:pPr>
             <a:r>
               <a:t>+----------+------+------+-----+---+---+---+-----+</a:t>
+            </a:r>
+          </a:p>
+        </p:txBody>
+      </p:sp>
+    </p:spTree>
+  </p:cSld>
+  <p:clrMapOvr>
+    <a:masterClrMapping/>
+  </p:clrMapOvr>
+  <p:transition xmlns:p14="http://schemas.microsoft.com/office/powerpoint/2010/main" spd="med" advClick="1"/>
+</p:sld>
+</file>
+
+<file path=ppt/slides/slide16.xml><?xml version="1.0" encoding="utf-8"?>
+<p:sld xmlns:a="http://schemas.openxmlformats.org/drawingml/2006/main" xmlns:r="http://schemas.openxmlformats.org/officeDocument/2006/relationships" xmlns:p="http://schemas.openxmlformats.org/presentationml/2006/main" showMasterSp="1" showMasterPhAnim="1">
+  <p:cSld>
+    <p:spTree>
+      <p:nvGrpSpPr>
+        <p:cNvPr id="1" name=""/>
+        <p:cNvGrpSpPr/>
+        <p:nvPr/>
+      </p:nvGrpSpPr>
+      <p:grpSpPr>
+        <a:xfrm>
+          <a:off x="0" y="0"/>
+          <a:ext cx="0" cy="0"/>
+          <a:chOff x="0" y="0"/>
+          <a:chExt cx="0" cy="0"/>
+        </a:xfrm>
+      </p:grpSpPr>
+      <p:sp>
+        <p:nvSpPr>
+          <p:cNvPr id="172" name="Assignment"/>
+          <p:cNvSpPr txBox="1"/>
+          <p:nvPr>
+            <p:ph type="title"/>
+          </p:nvPr>
+        </p:nvSpPr>
+        <p:spPr>
+          <a:prstGeom prst="rect">
+            <a:avLst/>
+          </a:prstGeom>
+        </p:spPr>
+        <p:txBody>
+          <a:bodyPr/>
+          <a:lstStyle/>
+          <a:p>
+            <a:pPr lvl="1"/>
+            <a:r>
+              <a:t>Assignment</a:t>
+            </a:r>
+          </a:p>
+        </p:txBody>
+      </p:sp>
+      <p:sp>
+        <p:nvSpPr>
+          <p:cNvPr id="173" name="Select a sensory dataset with clearly dependent channels (e.g. soil moisture vs. air temperature, sunshine, and rainfall)…"/>
+          <p:cNvSpPr txBox="1"/>
+          <p:nvPr>
+            <p:ph type="body" idx="1"/>
+          </p:nvPr>
+        </p:nvSpPr>
+        <p:spPr>
+          <a:prstGeom prst="rect">
+            <a:avLst/>
+          </a:prstGeom>
+        </p:spPr>
+        <p:txBody>
+          <a:bodyPr/>
+          <a:lstStyle/>
+          <a:p>
+            <a:pPr/>
+            <a:r>
+              <a:t>Select a sensory dataset with clearly dependent channels (e.g. soil moisture vs. air temperature, sunshine, and rainfall)</a:t>
+            </a:r>
+          </a:p>
+          <a:p>
+            <a:pPr/>
+            <a:r>
+              <a:t>Divide the data into segments with low variance within segments</a:t>
+            </a:r>
+          </a:p>
+          <a:p>
+            <a:pPr/>
+            <a:r>
+              <a:t>Create a regression analysis with Scala or PySpark</a:t>
+            </a:r>
+          </a:p>
+          <a:p>
+            <a:pPr/>
+            <a:r>
+              <a:t>Discuss the results, consider temporal effects </a:t>
+            </a:r>
+          </a:p>
+        </p:txBody>
+      </p:sp>
+    </p:spTree>
+  </p:cSld>
+  <p:clrMapOvr>
+    <a:masterClrMapping/>
+  </p:clrMapOvr>
+  <p:transition xmlns:p14="http://schemas.microsoft.com/office/powerpoint/2010/main" spd="med" advClick="1"/>
+</p:sld>
+</file>
+
+<file path=ppt/slides/slide17.xml><?xml version="1.0" encoding="utf-8"?>
+<p:sld xmlns:a="http://schemas.openxmlformats.org/drawingml/2006/main" xmlns:r="http://schemas.openxmlformats.org/officeDocument/2006/relationships" xmlns:p="http://schemas.openxmlformats.org/presentationml/2006/main" showMasterSp="1" showMasterPhAnim="1">
+  <p:cSld>
+    <p:spTree>
+      <p:nvGrpSpPr>
+        <p:cNvPr id="1" name=""/>
+        <p:cNvGrpSpPr/>
+        <p:nvPr/>
+      </p:nvGrpSpPr>
+      <p:grpSpPr>
+        <a:xfrm>
+          <a:off x="0" y="0"/>
+          <a:ext cx="0" cy="0"/>
+          <a:chOff x="0" y="0"/>
+          <a:chExt cx="0" cy="0"/>
+        </a:xfrm>
+      </p:grpSpPr>
+      <p:sp>
+        <p:nvSpPr>
+          <p:cNvPr id="175" name="Summary of the lecture"/>
+          <p:cNvSpPr txBox="1"/>
+          <p:nvPr>
+            <p:ph type="title"/>
+          </p:nvPr>
+        </p:nvSpPr>
+        <p:spPr>
+          <a:prstGeom prst="rect">
+            <a:avLst/>
+          </a:prstGeom>
+        </p:spPr>
+        <p:txBody>
+          <a:bodyPr/>
+          <a:lstStyle/>
+          <a:p>
+            <a:pPr/>
+            <a:r>
+              <a:t>Summary of the lecture</a:t>
+            </a:r>
+          </a:p>
+        </p:txBody>
+      </p:sp>
+      <p:sp>
+        <p:nvSpPr>
+          <p:cNvPr id="176" name="We have learned about using the Spark framework with Scala and its Machine Learning library, to analyze the connection between observed causes (environmental data) and effects (forest cover). We have found that by training a classifier and studying the confusion matrix, we can start learning more about the underlying processes. The techniques of the lecture can be extended to many other cases."/>
+          <p:cNvSpPr txBox="1"/>
+          <p:nvPr>
+            <p:ph type="body" idx="1"/>
+          </p:nvPr>
+        </p:nvSpPr>
+        <p:spPr>
+          <a:xfrm>
+            <a:off x="457200" y="1600200"/>
+            <a:ext cx="8229600" cy="4827758"/>
+          </a:xfrm>
+          <a:prstGeom prst="rect">
+            <a:avLst/>
+          </a:prstGeom>
+        </p:spPr>
+        <p:txBody>
+          <a:bodyPr/>
+          <a:lstStyle>
+            <a:lvl1pPr marL="0" indent="0">
+              <a:buSzTx/>
+              <a:buFontTx/>
+              <a:buNone/>
+            </a:lvl1pPr>
+          </a:lstStyle>
+          <a:p>
+            <a:pPr/>
+            <a:r>
+              <a:t>We have learned about using the Spark framework with Scala and its Machine Learning library, to analyze the connection between observed causes (environmental data) and effects (forest cover). We have found that by training a classifier and studying the confusion matrix, we can start learning more about the underlying processes. The techniques of the lecture can be extended to many other cases.</a:t>
             </a:r>
           </a:p>
         </p:txBody>
@@ -5049,7 +5595,7 @@
       </p:grpSpPr>
       <p:sp>
         <p:nvSpPr>
-          <p:cNvPr id="119" name="The use of regression"/>
+          <p:cNvPr id="119" name="Outline of the lecture"/>
           <p:cNvSpPr txBox="1"/>
           <p:nvPr>
             <p:ph type="title"/>
@@ -5066,20 +5612,24 @@
           <a:p>
             <a:pPr/>
             <a:r>
-              <a:t>The use of regression</a:t>
+              <a:t>Outline of the lecture</a:t>
             </a:r>
           </a:p>
         </p:txBody>
       </p:sp>
       <p:sp>
         <p:nvSpPr>
-          <p:cNvPr id="120" name="We have observations of “inputs” and “outputs”…"/>
+          <p:cNvPr id="120" name="We learn about using AI technologies for regression (in this case, classification) in a BD framework.…"/>
           <p:cNvSpPr txBox="1"/>
           <p:nvPr>
             <p:ph type="body" idx="1"/>
           </p:nvPr>
         </p:nvSpPr>
         <p:spPr>
+          <a:xfrm>
+            <a:off x="457200" y="1600200"/>
+            <a:ext cx="8229600" cy="4796452"/>
+          </a:xfrm>
           <a:prstGeom prst="rect">
             <a:avLst/>
           </a:prstGeom>
@@ -5088,35 +5638,33 @@
           <a:bodyPr/>
           <a:lstStyle/>
           <a:p>
-            <a:pPr marL="336042" indent="-336042" defTabSz="896111">
-              <a:defRPr sz="3136"/>
-            </a:pPr>
-            <a:r>
-              <a:t>We have observations of “inputs” and “outputs”</a:t>
-            </a:r>
-          </a:p>
-          <a:p>
-            <a:pPr marL="336042" indent="-336042" defTabSz="896111">
-              <a:defRPr sz="3136"/>
-            </a:pPr>
-            <a:r>
-              <a:t>We want to find a relationship, giving the mapping from the inputs to outputs</a:t>
-            </a:r>
-          </a:p>
-          <a:p>
-            <a:pPr marL="336042" indent="-336042" defTabSz="896111">
-              <a:defRPr sz="3136"/>
-            </a:pPr>
-            <a:r>
-              <a:t>If successful, that mapping will allow predicting outputs corresponding to new, never-seen-before inputs</a:t>
-            </a:r>
-          </a:p>
-          <a:p>
-            <a:pPr marL="336042" indent="-336042" defTabSz="896111">
-              <a:defRPr sz="3136"/>
-            </a:pPr>
-            <a:r>
-              <a:t>Difference with “prediction”: there is not necessarily a temporal component</a:t>
+            <a:pPr marL="0" indent="0">
+              <a:buSzTx/>
+              <a:buFontTx/>
+              <a:buNone/>
+            </a:pPr>
+            <a:r>
+              <a:t>We learn about using AI technologies for regression (in this case, classification) in a BD framework.</a:t>
+            </a:r>
+          </a:p>
+          <a:p>
+            <a:pPr marL="0" indent="0">
+              <a:buSzTx/>
+              <a:buFontTx/>
+              <a:buNone/>
+            </a:pPr>
+            <a:r>
+              <a:t>The specific example is finding the connection between geological, geographical and climate parameters of different regions, and the actual forest observed in the location.</a:t>
+            </a:r>
+          </a:p>
+          <a:p>
+            <a:pPr marL="0" indent="0">
+              <a:buSzTx/>
+              <a:buFontTx/>
+              <a:buNone/>
+            </a:pPr>
+            <a:r>
+              <a:t>It is important to follow up the lecture with working through the attached notebook.</a:t>
             </a:r>
           </a:p>
         </p:txBody>
@@ -5149,7 +5697,7 @@
       </p:grpSpPr>
       <p:sp>
         <p:nvSpPr>
-          <p:cNvPr id="122" name="Recall: “Linear Regression”"/>
+          <p:cNvPr id="122" name="The use of regression"/>
           <p:cNvSpPr txBox="1"/>
           <p:nvPr>
             <p:ph type="title"/>
@@ -5166,44 +5714,24 @@
           <a:p>
             <a:pPr/>
             <a:r>
-              <a:t>Recall: “Linear Regression”</a:t>
+              <a:t>The use of regression</a:t>
             </a:r>
           </a:p>
         </p:txBody>
       </p:sp>
-      <p:pic>
-        <p:nvPicPr>
-          <p:cNvPr id="123" name="Picture Placeholder 2" descr="Picture Placeholder 2"/>
-          <p:cNvPicPr>
-            <a:picLocks noChangeAspect="1"/>
-          </p:cNvPicPr>
-          <p:nvPr>
-            <p:ph type="pic" idx="13"/>
-          </p:nvPr>
-        </p:nvPicPr>
-        <p:blipFill>
-          <a:blip r:embed="rId2">
-            <a:extLst/>
-          </a:blip>
-          <a:stretch>
-            <a:fillRect/>
-          </a:stretch>
-        </p:blipFill>
-        <p:spPr>
-          <a:prstGeom prst="rect">
-            <a:avLst/>
-          </a:prstGeom>
-        </p:spPr>
-      </p:pic>
       <p:sp>
         <p:nvSpPr>
-          <p:cNvPr id="124" name="Body"/>
+          <p:cNvPr id="123" name="We have observations of “inputs” and “outputs”…"/>
           <p:cNvSpPr txBox="1"/>
           <p:nvPr>
-            <p:ph type="body" sz="quarter" idx="1"/>
+            <p:ph type="body" idx="1"/>
           </p:nvPr>
         </p:nvSpPr>
         <p:spPr>
+          <a:xfrm>
+            <a:off x="457200" y="1600200"/>
+            <a:ext cx="8229600" cy="5003353"/>
+          </a:xfrm>
           <a:prstGeom prst="rect">
             <a:avLst/>
           </a:prstGeom>
@@ -5212,7 +5740,36 @@
           <a:bodyPr/>
           <a:lstStyle/>
           <a:p>
-            <a:pPr/>
+            <a:pPr marL="336042" indent="-336042" defTabSz="896111">
+              <a:defRPr sz="3136"/>
+            </a:pPr>
+            <a:r>
+              <a:t>We have observations of “inputs” and “outputs”</a:t>
+            </a:r>
+          </a:p>
+          <a:p>
+            <a:pPr marL="336042" indent="-336042" defTabSz="896111">
+              <a:defRPr sz="3136"/>
+            </a:pPr>
+            <a:r>
+              <a:t>We want to find a relationship, giving the mapping from the inputs to outputs</a:t>
+            </a:r>
+          </a:p>
+          <a:p>
+            <a:pPr marL="336042" indent="-336042" defTabSz="896111">
+              <a:defRPr sz="3136"/>
+            </a:pPr>
+            <a:r>
+              <a:t>If successful, that mapping will allow predicting outputs corresponding to new, never-seen-before inputs</a:t>
+            </a:r>
+          </a:p>
+          <a:p>
+            <a:pPr marL="336042" indent="-336042" defTabSz="896111">
+              <a:defRPr sz="3136"/>
+            </a:pPr>
+            <a:r>
+              <a:t>“Regression” and “prediction”: essentially the same, there is not necessarily a temporal component even when we say “prediction”</a:t>
+            </a:r>
           </a:p>
         </p:txBody>
       </p:sp>
@@ -5244,7 +5801,7 @@
       </p:grpSpPr>
       <p:sp>
         <p:nvSpPr>
-          <p:cNvPr id="126" name="Example: forest covers in different environments"/>
+          <p:cNvPr id="125" name="Recall: “Linear Regression”"/>
           <p:cNvSpPr txBox="1"/>
           <p:nvPr>
             <p:ph type="title"/>
@@ -5261,14 +5818,14 @@
           <a:p>
             <a:pPr/>
             <a:r>
-              <a:t>Example: forest covers in different environments</a:t>
+              <a:t>Recall: “Linear Regression”</a:t>
             </a:r>
           </a:p>
         </p:txBody>
       </p:sp>
       <p:pic>
         <p:nvPicPr>
-          <p:cNvPr id="127" name="Picture Placeholder 2" descr="Picture Placeholder 2"/>
+          <p:cNvPr id="126" name="Picture Placeholder 2" descr="Picture Placeholder 2"/>
           <p:cNvPicPr>
             <a:picLocks noChangeAspect="1"/>
           </p:cNvPicPr>
@@ -5280,16 +5837,12 @@
           <a:blip r:embed="rId2">
             <a:extLst/>
           </a:blip>
-          <a:srcRect l="0" t="0" r="0" b="0"/>
+          <a:srcRect l="8611" t="0" r="8611" b="0"/>
           <a:stretch>
             <a:fillRect/>
           </a:stretch>
         </p:blipFill>
         <p:spPr>
-          <a:xfrm>
-            <a:off x="1018874" y="612775"/>
-            <a:ext cx="7033228" cy="4114800"/>
-          </a:xfrm>
           <a:prstGeom prst="rect">
             <a:avLst/>
           </a:prstGeom>
@@ -5297,7 +5850,7 @@
       </p:pic>
       <p:sp>
         <p:nvSpPr>
-          <p:cNvPr id="128" name="How does the forest depend on: altitude, climate, soil type etc.?…"/>
+          <p:cNvPr id="127" name="Body"/>
           <p:cNvSpPr txBox="1"/>
           <p:nvPr>
             <p:ph type="body" sz="quarter" idx="1"/>
@@ -5313,55 +5866,6 @@
           <a:lstStyle/>
           <a:p>
             <a:pPr/>
-            <a:r>
-              <a:t>How does the forest depend on: altitude, climate, soil type etc.?</a:t>
-            </a:r>
-          </a:p>
-          <a:p>
-            <a:pPr/>
-            <a:r>
-              <a:t>Can we predict the forest that will develop in a given area, from measuring the various environmental conditions?</a:t>
-            </a:r>
-          </a:p>
-        </p:txBody>
-      </p:sp>
-      <p:sp>
-        <p:nvSpPr>
-          <p:cNvPr id="129" name="https://archive.ics.uci.edu/ml/datasets/covertype"/>
-          <p:cNvSpPr txBox="1"/>
-          <p:nvPr/>
-        </p:nvSpPr>
-        <p:spPr>
-          <a:xfrm>
-            <a:off x="905961" y="6240779"/>
-            <a:ext cx="3434840" cy="281941"/>
-          </a:xfrm>
-          <a:prstGeom prst="rect">
-            <a:avLst/>
-          </a:prstGeom>
-          <a:ln w="12700">
-            <a:miter lim="400000"/>
-          </a:ln>
-          <a:extLst>
-            <a:ext uri="{C572A759-6A51-4108-AA02-DFA0A04FC94B}">
-              <ma14:wrappingTextBoxFlag xmlns:ma14="http://schemas.microsoft.com/office/mac/drawingml/2011/main" val="1"/>
-            </a:ext>
-          </a:extLst>
-        </p:spPr>
-        <p:txBody>
-          <a:bodyPr wrap="none" lIns="45719" rIns="45719">
-            <a:spAutoFit/>
-          </a:bodyPr>
-          <a:lstStyle>
-            <a:lvl1pPr>
-              <a:defRPr sz="1300"/>
-            </a:lvl1pPr>
-          </a:lstStyle>
-          <a:p>
-            <a:pPr/>
-            <a:r>
-              <a:t>https://archive.ics.uci.edu/ml/datasets/covertype</a:t>
-            </a:r>
           </a:p>
         </p:txBody>
       </p:sp>
@@ -5393,7 +5897,7 @@
       </p:grpSpPr>
       <p:sp>
         <p:nvSpPr>
-          <p:cNvPr id="131" name="Imports for Spark Machine Learning"/>
+          <p:cNvPr id="129" name="Example: forest covers in different environments"/>
           <p:cNvSpPr txBox="1"/>
           <p:nvPr>
             <p:ph type="title"/>
@@ -5410,21 +5914,80 @@
           <a:p>
             <a:pPr/>
             <a:r>
-              <a:t>Imports for Spark Machine Learning</a:t>
+              <a:t>Example: forest covers in different environments</a:t>
+            </a:r>
+          </a:p>
+        </p:txBody>
+      </p:sp>
+      <p:pic>
+        <p:nvPicPr>
+          <p:cNvPr id="130" name="Picture Placeholder 2" descr="Picture Placeholder 2"/>
+          <p:cNvPicPr>
+            <a:picLocks noChangeAspect="1"/>
+          </p:cNvPicPr>
+          <p:nvPr>
+            <p:ph type="pic" idx="13"/>
+          </p:nvPr>
+        </p:nvPicPr>
+        <p:blipFill>
+          <a:blip r:embed="rId2">
+            <a:extLst/>
+          </a:blip>
+          <a:srcRect l="0" t="0" r="0" b="0"/>
+          <a:stretch>
+            <a:fillRect/>
+          </a:stretch>
+        </p:blipFill>
+        <p:spPr>
+          <a:xfrm>
+            <a:off x="1018874" y="612775"/>
+            <a:ext cx="7033228" cy="4114800"/>
+          </a:xfrm>
+          <a:prstGeom prst="rect">
+            <a:avLst/>
+          </a:prstGeom>
+        </p:spPr>
+      </p:pic>
+      <p:sp>
+        <p:nvSpPr>
+          <p:cNvPr id="131" name="How does the forest depend on: altitude, climate, soil type etc.?…"/>
+          <p:cNvSpPr txBox="1"/>
+          <p:nvPr>
+            <p:ph type="body" sz="quarter" idx="1"/>
+          </p:nvPr>
+        </p:nvSpPr>
+        <p:spPr>
+          <a:prstGeom prst="rect">
+            <a:avLst/>
+          </a:prstGeom>
+        </p:spPr>
+        <p:txBody>
+          <a:bodyPr/>
+          <a:lstStyle/>
+          <a:p>
+            <a:pPr/>
+            <a:r>
+              <a:t>How does the forest depend on: altitude, climate, soil type etc.?</a:t>
+            </a:r>
+          </a:p>
+          <a:p>
+            <a:pPr/>
+            <a:r>
+              <a:t>Can we predict the forest that will develop in a given area, from measuring the various environmental conditions?</a:t>
             </a:r>
           </a:p>
         </p:txBody>
       </p:sp>
       <p:sp>
         <p:nvSpPr>
-          <p:cNvPr id="132" name="import org.apache.spark.ml.{PipelineModel, Pipeline}…"/>
+          <p:cNvPr id="132" name="https://archive.ics.uci.edu/ml/datasets/covertype"/>
           <p:cNvSpPr txBox="1"/>
           <p:nvPr/>
         </p:nvSpPr>
         <p:spPr>
           <a:xfrm>
-            <a:off x="1020162" y="2291079"/>
-            <a:ext cx="7103676" cy="3444241"/>
+            <a:off x="905961" y="6240779"/>
+            <a:ext cx="3434840" cy="281941"/>
           </a:xfrm>
           <a:prstGeom prst="rect">
             <a:avLst/>
@@ -5442,71 +6005,15 @@
           <a:bodyPr wrap="none" lIns="45719" rIns="45719">
             <a:spAutoFit/>
           </a:bodyPr>
-          <a:lstStyle/>
+          <a:lstStyle>
+            <a:lvl1pPr>
+              <a:defRPr sz="1300"/>
+            </a:lvl1pPr>
+          </a:lstStyle>
           <a:p>
             <a:pPr/>
             <a:r>
-              <a:t>import org.apache.spark.ml.{PipelineModel, Pipeline}</a:t>
-            </a:r>
-          </a:p>
-          <a:p>
-            <a:pPr/>
-            <a:r>
-              <a:t>import org.apache.spark.ml.classification.{DecisionTreeClassifier,</a:t>
-            </a:r>
-          </a:p>
-          <a:p>
-            <a:pPr/>
-            <a:r>
-              <a:t>  RandomForestClassifier, RandomForestClassificationModel}</a:t>
-            </a:r>
-          </a:p>
-          <a:p>
-            <a:pPr/>
-            <a:r>
-              <a:t>import org.apache.spark.ml.evaluation.MulticlassClassificationEvaluator</a:t>
-            </a:r>
-          </a:p>
-          <a:p>
-            <a:pPr/>
-            <a:r>
-              <a:t>import org.apache.spark.ml.feature.{VectorAssembler, VectorIndexer}</a:t>
-            </a:r>
-          </a:p>
-          <a:p>
-            <a:pPr/>
-            <a:r>
-              <a:t>import org.apache.spark.ml.linalg.Vector</a:t>
-            </a:r>
-          </a:p>
-          <a:p>
-            <a:pPr/>
-            <a:r>
-              <a:t>import org.apache.spark.ml.tuning.{ParamGridBuilder, TrainValidationSplit}</a:t>
-            </a:r>
-          </a:p>
-          <a:p>
-            <a:pPr/>
-            <a:r>
-              <a:t>import org.apache.spark.mllib.evaluation.MulticlassMetrics</a:t>
-            </a:r>
-          </a:p>
-          <a:p>
-            <a:pPr/>
-            <a:r>
-              <a:t>import org.apache.spark.sql.{DataFrame, SparkSession}</a:t>
-            </a:r>
-          </a:p>
-          <a:p>
-            <a:pPr/>
-            <a:r>
-              <a:t>import org.apache.spark.sql.functions._</a:t>
-            </a:r>
-          </a:p>
-          <a:p>
-            <a:pPr/>
-            <a:r>
-              <a:t>import scala.util.Random</a:t>
+              <a:t>https://archive.ics.uci.edu/ml/datasets/covertype</a:t>
             </a:r>
           </a:p>
         </p:txBody>
@@ -5539,7 +6046,7 @@
       </p:grpSpPr>
       <p:sp>
         <p:nvSpPr>
-          <p:cNvPr id="134" name="Open CSV, give name to columns"/>
+          <p:cNvPr id="134" name="Imports for Spark Machine Learning"/>
           <p:cNvSpPr txBox="1"/>
           <p:nvPr>
             <p:ph type="title"/>
@@ -5556,21 +6063,21 @@
           <a:p>
             <a:pPr/>
             <a:r>
-              <a:t>Open CSV, give name to columns</a:t>
+              <a:t>Imports for Spark Machine Learning</a:t>
             </a:r>
           </a:p>
         </p:txBody>
       </p:sp>
       <p:sp>
         <p:nvSpPr>
-          <p:cNvPr id="135" name="import spark.implicits._…"/>
+          <p:cNvPr id="135" name="import org.apache.spark.ml.{PipelineModel, Pipeline}…"/>
           <p:cNvSpPr txBox="1"/>
           <p:nvPr/>
         </p:nvSpPr>
         <p:spPr>
           <a:xfrm>
-            <a:off x="821340" y="1440179"/>
-            <a:ext cx="7501320" cy="5069841"/>
+            <a:off x="1020162" y="2291079"/>
+            <a:ext cx="7103676" cy="3444241"/>
           </a:xfrm>
           <a:prstGeom prst="rect">
             <a:avLst/>
@@ -5585,209 +6092,74 @@
           </a:extLst>
         </p:spPr>
         <p:txBody>
-          <a:bodyPr lIns="45719" rIns="45719">
+          <a:bodyPr wrap="none" lIns="45719" rIns="45719">
             <a:spAutoFit/>
           </a:bodyPr>
           <a:lstStyle/>
           <a:p>
-            <a:pPr>
-              <a:defRPr sz="1200"/>
-            </a:pPr>
-            <a:r>
-              <a:t>    import spark.implicits._</a:t>
-            </a:r>
-          </a:p>
-          <a:p>
-            <a:pPr>
-              <a:defRPr sz="1200"/>
-            </a:pPr>
-          </a:p>
-          <a:p>
-            <a:pPr>
-              <a:defRPr sz="1200"/>
-            </a:pPr>
-            <a:r>
-              <a:t>    val dataWithoutHeader = spark.read.</a:t>
-            </a:r>
-          </a:p>
-          <a:p>
-            <a:pPr>
-              <a:defRPr sz="1200"/>
-            </a:pPr>
-            <a:r>
-              <a:t>      option("inferSchema", true).</a:t>
-            </a:r>
-          </a:p>
-          <a:p>
-            <a:pPr>
-              <a:defRPr sz="1200"/>
-            </a:pPr>
-            <a:r>
-              <a:t>      option("header", false).</a:t>
-            </a:r>
-          </a:p>
-          <a:p>
-            <a:pPr>
-              <a:defRPr sz="1200"/>
-            </a:pPr>
-            <a:r>
-              <a:t>      csv("/Users/markon/ITU/covtype.data")</a:t>
-            </a:r>
-          </a:p>
-          <a:p>
-            <a:pPr>
-              <a:defRPr sz="1200"/>
-            </a:pPr>
-          </a:p>
-          <a:p>
-            <a:pPr>
-              <a:defRPr sz="1200"/>
-            </a:pPr>
-            <a:r>
-              <a:t>    val colNames = Seq(</a:t>
-            </a:r>
-          </a:p>
-          <a:p>
-            <a:pPr>
-              <a:defRPr sz="1200"/>
-            </a:pPr>
-            <a:r>
-              <a:t>        "Elevation", "Aspect", "Slope",</a:t>
-            </a:r>
-          </a:p>
-          <a:p>
-            <a:pPr>
-              <a:defRPr sz="1200"/>
-            </a:pPr>
-            <a:r>
-              <a:t>        "Horizontal_Distance_To_Hydrology", "Vertical_Distance_To_Hydrology",</a:t>
-            </a:r>
-          </a:p>
-          <a:p>
-            <a:pPr>
-              <a:defRPr sz="1200"/>
-            </a:pPr>
-            <a:r>
-              <a:t>        "Horizontal_Distance_To_Roadways",</a:t>
-            </a:r>
-          </a:p>
-          <a:p>
-            <a:pPr>
-              <a:defRPr sz="1200"/>
-            </a:pPr>
-            <a:r>
-              <a:t>        "Hillshade_9am", "Hillshade_Noon", "Hillshade_3pm",</a:t>
-            </a:r>
-          </a:p>
-          <a:p>
-            <a:pPr>
-              <a:defRPr sz="1200"/>
-            </a:pPr>
-            <a:r>
-              <a:t>        "Horizontal_Distance_To_Fire_Points"</a:t>
-            </a:r>
-          </a:p>
-          <a:p>
-            <a:pPr>
-              <a:defRPr sz="1200"/>
-            </a:pPr>
-            <a:r>
-              <a:t>      ) ++ (</a:t>
-            </a:r>
-          </a:p>
-          <a:p>
-            <a:pPr>
-              <a:defRPr sz="1200"/>
-            </a:pPr>
-            <a:r>
-              <a:t>        (0 until 4).map(i =&gt; s"Wilderness_Area_$i")</a:t>
-            </a:r>
-          </a:p>
-          <a:p>
-            <a:pPr>
-              <a:defRPr sz="1200"/>
-            </a:pPr>
-            <a:r>
-              <a:t>      ) ++ (</a:t>
-            </a:r>
-          </a:p>
-          <a:p>
-            <a:pPr>
-              <a:defRPr sz="1200"/>
-            </a:pPr>
-            <a:r>
-              <a:t>        (0 until 40).map(i =&gt; s"Soil_Type_$i")</a:t>
-            </a:r>
-          </a:p>
-          <a:p>
-            <a:pPr>
-              <a:defRPr sz="1200"/>
-            </a:pPr>
-            <a:r>
-              <a:t>      ) ++ Seq("Cover_Type")</a:t>
-            </a:r>
-          </a:p>
-          <a:p>
-            <a:pPr>
-              <a:defRPr sz="1200"/>
-            </a:pPr>
-          </a:p>
-          <a:p>
-            <a:pPr>
-              <a:defRPr sz="1200"/>
-            </a:pPr>
-            <a:r>
-              <a:t>    val data = dataWithoutHeader.toDF(colNames:_*).</a:t>
-            </a:r>
-          </a:p>
-          <a:p>
-            <a:pPr>
-              <a:defRPr sz="1200"/>
-            </a:pPr>
-            <a:r>
-              <a:t>      withColumn("Cover_Type", $"Cover_Type".cast("double"))</a:t>
-            </a:r>
-          </a:p>
-          <a:p>
-            <a:pPr>
-              <a:defRPr sz="1200"/>
-            </a:pPr>
-          </a:p>
-          <a:p>
-            <a:pPr>
-              <a:defRPr sz="1200"/>
-            </a:pPr>
-            <a:r>
-              <a:t>    data.show()</a:t>
-            </a:r>
-          </a:p>
-          <a:p>
-            <a:pPr>
-              <a:defRPr sz="1200"/>
-            </a:pPr>
-            <a:r>
-              <a:t>    data.head</a:t>
-            </a:r>
-          </a:p>
-          <a:p>
-            <a:pPr>
-              <a:defRPr sz="1200"/>
-            </a:pPr>
-          </a:p>
-          <a:p>
-            <a:pPr>
-              <a:defRPr sz="1200"/>
-            </a:pPr>
-            <a:r>
-              <a:t>    // Split into 90% train (+ CV), 10% test</a:t>
-            </a:r>
-          </a:p>
-          <a:p>
-            <a:pPr>
-              <a:defRPr sz="1200"/>
-            </a:pPr>
-            <a:r>
-              <a:t>    val Array(trainData, testData) = data.randomSplit(Array(0.9, 0.1))</a:t>
+            <a:pPr/>
+            <a:r>
+              <a:t>import org.apache.spark.ml.{PipelineModel, Pipeline}</a:t>
+            </a:r>
+          </a:p>
+          <a:p>
+            <a:pPr/>
+            <a:r>
+              <a:t>import org.apache.spark.ml.classification.{DecisionTreeClassifier,</a:t>
+            </a:r>
+          </a:p>
+          <a:p>
+            <a:pPr/>
+            <a:r>
+              <a:t>  RandomForestClassifier, RandomForestClassificationModel}</a:t>
+            </a:r>
+          </a:p>
+          <a:p>
+            <a:pPr/>
+            <a:r>
+              <a:t>import org.apache.spark.ml.evaluation.MulticlassClassificationEvaluator</a:t>
+            </a:r>
+          </a:p>
+          <a:p>
+            <a:pPr/>
+            <a:r>
+              <a:t>import org.apache.spark.ml.feature.{VectorAssembler, VectorIndexer}</a:t>
+            </a:r>
+          </a:p>
+          <a:p>
+            <a:pPr/>
+            <a:r>
+              <a:t>import org.apache.spark.ml.linalg.Vector</a:t>
+            </a:r>
+          </a:p>
+          <a:p>
+            <a:pPr/>
+            <a:r>
+              <a:t>import org.apache.spark.ml.tuning.{ParamGridBuilder, TrainValidationSplit}</a:t>
+            </a:r>
+          </a:p>
+          <a:p>
+            <a:pPr/>
+            <a:r>
+              <a:t>import org.apache.spark.mllib.evaluation.MulticlassMetrics</a:t>
+            </a:r>
+          </a:p>
+          <a:p>
+            <a:pPr/>
+            <a:r>
+              <a:t>import org.apache.spark.sql.{DataFrame, SparkSession}</a:t>
+            </a:r>
+          </a:p>
+          <a:p>
+            <a:pPr/>
+            <a:r>
+              <a:t>import org.apache.spark.sql.functions._</a:t>
+            </a:r>
+          </a:p>
+          <a:p>
+            <a:pPr/>
+            <a:r>
+              <a:t>import scala.util.Random</a:t>
             </a:r>
           </a:p>
         </p:txBody>
@@ -5820,7 +6192,7 @@
       </p:grpSpPr>
       <p:sp>
         <p:nvSpPr>
-          <p:cNvPr id="137" name="Head of the resulting table"/>
+          <p:cNvPr id="137" name="Open CSV, give name to columns"/>
           <p:cNvSpPr txBox="1"/>
           <p:nvPr>
             <p:ph type="title"/>
@@ -5837,21 +6209,21 @@
           <a:p>
             <a:pPr/>
             <a:r>
-              <a:t>Head of the resulting table</a:t>
+              <a:t>Open CSV, give name to columns</a:t>
             </a:r>
           </a:p>
         </p:txBody>
       </p:sp>
       <p:sp>
         <p:nvSpPr>
-          <p:cNvPr id="138" name="+---------+------+-----+--------------------------------+------------------------------+-------------------------------+-------------+--------------+-------------+----------------------------------+-----------------+-----------------+-----------------+-----------------+-----------+-----------+-----------+-----------+-----------+-----------+-----------+-----------+-----------+-----------+------------+------------+------------+------------+------------+------------+------------+------------+------------+------------+------------+------------+------------+------------+------------+------------+------------+------------+------------+------------+------------+------------+------------+------------+------------+------------+------------+------------+------------+------------+----------+…"/>
+          <p:cNvPr id="138" name="import spark.implicits._…"/>
           <p:cNvSpPr txBox="1"/>
           <p:nvPr/>
         </p:nvSpPr>
         <p:spPr>
           <a:xfrm>
-            <a:off x="578445" y="1697891"/>
-            <a:ext cx="43675310" cy="846018"/>
+            <a:off x="821340" y="1440179"/>
+            <a:ext cx="7501320" cy="5069841"/>
           </a:xfrm>
           <a:prstGeom prst="rect">
             <a:avLst/>
@@ -5871,523 +6243,204 @@
           </a:bodyPr>
           <a:lstStyle/>
           <a:p>
-            <a:pPr defTabSz="457200">
-              <a:defRPr sz="700">
-                <a:solidFill>
-                  <a:srgbClr val="212121"/>
-                </a:solidFill>
-                <a:latin typeface="Monaco"/>
-                <a:ea typeface="Monaco"/>
-                <a:cs typeface="Monaco"/>
-                <a:sym typeface="Monaco"/>
-              </a:defRPr>
-            </a:pPr>
-            <a:r>
-              <a:t>+---------+------+-----+--------------------------------+------------------------------+-------------------------------+-------------+--------------+-------------+----------------------------------+-----------------+-----------------+-----------------+-----------------+-----------+-----------+-----------+-----------+-----------+-----------+-----------+-----------+-----------+-----------+------------+------------+------------+------------+------------+------------+------------+------------+------------+------------+------------+------------+------------+------------+------------+------------+------------+------------+------------+------------+------------+------------+------------+------------+------------+------------+------------+------------+------------+------------+----------+</a:t>
-            </a:r>
-          </a:p>
-          <a:p>
-            <a:pPr defTabSz="457200">
-              <a:defRPr sz="700">
-                <a:solidFill>
-                  <a:srgbClr val="212121"/>
-                </a:solidFill>
-                <a:latin typeface="Monaco"/>
-                <a:ea typeface="Monaco"/>
-                <a:cs typeface="Monaco"/>
-                <a:sym typeface="Monaco"/>
-              </a:defRPr>
-            </a:pPr>
-            <a:r>
-              <a:t>|Elevation|Aspect|Slope|Horizontal_Distance_To_Hydrology|Vertical_Distance_To_Hydrology|Horizontal_Distance_To_Roadways|Hillshade_9am|Hillshade_Noon|Hillshade_3pm|Horizontal_Distance_To_Fire_Points|Wilderness_Area_0|Wilderness_Area_1|Wilderness_Area_2|Wilderness_Area_3|Soil_Type_0|Soil_Type_1|Soil_Type_2|Soil_Type_3|Soil_Type_4|Soil_Type_5|Soil_Type_6|Soil_Type_7|Soil_Type_8|Soil_Type_9|Soil_Type_10|Soil_Type_11|Soil_Type_12|Soil_Type_13|Soil_Type_14|Soil_Type_15|Soil_Type_16|Soil_Type_17|Soil_Type_18|Soil_Type_19|Soil_Type_20|Soil_Type_21|Soil_Type_22|Soil_Type_23|Soil_Type_24|Soil_Type_25|Soil_Type_26|Soil_Type_27|Soil_Type_28|Soil_Type_29|Soil_Type_30|Soil_Type_31|Soil_Type_32|Soil_Type_33|Soil_Type_34|Soil_Type_35|Soil_Type_36|Soil_Type_37|Soil_Type_38|Soil_Type_39|Cover_Type|</a:t>
-            </a:r>
-          </a:p>
-          <a:p>
-            <a:pPr defTabSz="457200">
-              <a:defRPr sz="700">
-                <a:solidFill>
-                  <a:srgbClr val="212121"/>
-                </a:solidFill>
-                <a:latin typeface="Monaco"/>
-                <a:ea typeface="Monaco"/>
-                <a:cs typeface="Monaco"/>
-                <a:sym typeface="Monaco"/>
-              </a:defRPr>
-            </a:pPr>
-            <a:r>
-              <a:t>+---------+------+-----+--------------------------------+------------------------------+-------------------------------+-------------+--------------+-------------+----------------------------------+-----------------+-----------------+-----------------+-----------------+-----------+-----------+-----------+-----------+-----------+-----------+-----------+-----------+-----------+-----------+------------+------------+------------+------------+------------+------------+------------+------------+------------+------------+------------+------------+------------+------------+------------+------------+------------+------------+------------+------------+------------+------------+------------+------------+------------+------------+------------+------------+------------+------------+----------+</a:t>
-            </a:r>
-          </a:p>
-          <a:p>
-            <a:pPr defTabSz="457200">
-              <a:defRPr sz="700">
-                <a:solidFill>
-                  <a:srgbClr val="212121"/>
-                </a:solidFill>
-                <a:latin typeface="Monaco"/>
-                <a:ea typeface="Monaco"/>
-                <a:cs typeface="Monaco"/>
-                <a:sym typeface="Monaco"/>
-              </a:defRPr>
-            </a:pPr>
-            <a:r>
-              <a:t>|     2596|    51|    3|                             258|                             0|                            510|          221|           232|          148|                              6279|                1|                0|                0|                0|          0|          0|          0|          0|          0|          0|          0|          0|          0|          0|           0|           0|           0|           0|           0|           0|           0|           0|           0|           0|           0|           0|           0|           0|           0|           0|           0|           0|           1|           0|           0|           0|           0|           0|           0|           0|           0|           0|           0|           0|       5.0|</a:t>
-            </a:r>
-          </a:p>
-          <a:p>
-            <a:pPr defTabSz="457200">
-              <a:defRPr sz="700">
-                <a:solidFill>
-                  <a:srgbClr val="212121"/>
-                </a:solidFill>
-                <a:latin typeface="Monaco"/>
-                <a:ea typeface="Monaco"/>
-                <a:cs typeface="Monaco"/>
-                <a:sym typeface="Monaco"/>
-              </a:defRPr>
-            </a:pPr>
-            <a:r>
-              <a:t>|     2590|    56|    2|                             212|                            -6|                            390|          220|           235|          151|                              6225|                1|                0|                0|                0|          0|          0|          0|          0|          0|          0|          0|          0|          0|          0|           0|           0|           0|           0|           0|           0|           0|           0|           0|           0|           0|           0|           0|           0|           0|           0|           0|           0|           1|           0|           0|           0|           0|           0|           0|           0|           0|           0|           0|           0|       5.0|</a:t>
-            </a:r>
-          </a:p>
-        </p:txBody>
-      </p:sp>
-      <p:sp>
-        <p:nvSpPr>
-          <p:cNvPr id="139" name="+---------+------+-----+--------------------------------+------------------------------+-------------------------------+-------------+--------------+-------------+----------------------------------+-----------------+-----------------+-----------------+-----------------+-----------+-----------+-----------+-----------+-----------+-----------+-----------+-----------+-----------+-----------+------------+------------+------------+------------+------------+------------+------------+------------+------------+------------+------------+------------+------------+------------+------------+------------+------------+------------+------------+------------+------------+------------+------------+------------+------------+------------+------------+------------+------------+------------+----------+…"/>
-          <p:cNvSpPr txBox="1"/>
-          <p:nvPr/>
-        </p:nvSpPr>
-        <p:spPr>
-          <a:xfrm>
-            <a:off x="-7663855" y="2392362"/>
-            <a:ext cx="43675310" cy="846018"/>
-          </a:xfrm>
-          <a:prstGeom prst="rect">
-            <a:avLst/>
-          </a:prstGeom>
-          <a:ln w="12700">
-            <a:miter lim="400000"/>
-          </a:ln>
-          <a:extLst>
-            <a:ext uri="{C572A759-6A51-4108-AA02-DFA0A04FC94B}">
-              <ma14:wrappingTextBoxFlag xmlns:ma14="http://schemas.microsoft.com/office/mac/drawingml/2011/main" val="1"/>
-            </a:ext>
-          </a:extLst>
-        </p:spPr>
-        <p:txBody>
-          <a:bodyPr lIns="45719" rIns="45719">
-            <a:spAutoFit/>
-          </a:bodyPr>
-          <a:lstStyle/>
-          <a:p>
-            <a:pPr defTabSz="457200">
-              <a:defRPr sz="700">
-                <a:solidFill>
-                  <a:srgbClr val="212121"/>
-                </a:solidFill>
-                <a:latin typeface="Monaco"/>
-                <a:ea typeface="Monaco"/>
-                <a:cs typeface="Monaco"/>
-                <a:sym typeface="Monaco"/>
-              </a:defRPr>
-            </a:pPr>
-            <a:r>
-              <a:t>+---------+------+-----+--------------------------------+------------------------------+-------------------------------+-------------+--------------+-------------+----------------------------------+-----------------+-----------------+-----------------+-----------------+-----------+-----------+-----------+-----------+-----------+-----------+-----------+-----------+-----------+-----------+------------+------------+------------+------------+------------+------------+------------+------------+------------+------------+------------+------------+------------+------------+------------+------------+------------+------------+------------+------------+------------+------------+------------+------------+------------+------------+------------+------------+------------+------------+----------+</a:t>
-            </a:r>
-          </a:p>
-          <a:p>
-            <a:pPr defTabSz="457200">
-              <a:defRPr sz="700">
-                <a:solidFill>
-                  <a:srgbClr val="212121"/>
-                </a:solidFill>
-                <a:latin typeface="Monaco"/>
-                <a:ea typeface="Monaco"/>
-                <a:cs typeface="Monaco"/>
-                <a:sym typeface="Monaco"/>
-              </a:defRPr>
-            </a:pPr>
-            <a:r>
-              <a:t>|Elevation|Aspect|Slope|Horizontal_Distance_To_Hydrology|Vertical_Distance_To_Hydrology|Horizontal_Distance_To_Roadways|Hillshade_9am|Hillshade_Noon|Hillshade_3pm|Horizontal_Distance_To_Fire_Points|Wilderness_Area_0|Wilderness_Area_1|Wilderness_Area_2|Wilderness_Area_3|Soil_Type_0|Soil_Type_1|Soil_Type_2|Soil_Type_3|Soil_Type_4|Soil_Type_5|Soil_Type_6|Soil_Type_7|Soil_Type_8|Soil_Type_9|Soil_Type_10|Soil_Type_11|Soil_Type_12|Soil_Type_13|Soil_Type_14|Soil_Type_15|Soil_Type_16|Soil_Type_17|Soil_Type_18|Soil_Type_19|Soil_Type_20|Soil_Type_21|Soil_Type_22|Soil_Type_23|Soil_Type_24|Soil_Type_25|Soil_Type_26|Soil_Type_27|Soil_Type_28|Soil_Type_29|Soil_Type_30|Soil_Type_31|Soil_Type_32|Soil_Type_33|Soil_Type_34|Soil_Type_35|Soil_Type_36|Soil_Type_37|Soil_Type_38|Soil_Type_39|Cover_Type|</a:t>
-            </a:r>
-          </a:p>
-          <a:p>
-            <a:pPr defTabSz="457200">
-              <a:defRPr sz="700">
-                <a:solidFill>
-                  <a:srgbClr val="212121"/>
-                </a:solidFill>
-                <a:latin typeface="Monaco"/>
-                <a:ea typeface="Monaco"/>
-                <a:cs typeface="Monaco"/>
-                <a:sym typeface="Monaco"/>
-              </a:defRPr>
-            </a:pPr>
-            <a:r>
-              <a:t>+---------+------+-----+--------------------------------+------------------------------+-------------------------------+-------------+--------------+-------------+----------------------------------+-----------------+-----------------+-----------------+-----------------+-----------+-----------+-----------+-----------+-----------+-----------+-----------+-----------+-----------+-----------+------------+------------+------------+------------+------------+------------+------------+------------+------------+------------+------------+------------+------------+------------+------------+------------+------------+------------+------------+------------+------------+------------+------------+------------+------------+------------+------------+------------+------------+------------+----------+</a:t>
-            </a:r>
-          </a:p>
-          <a:p>
-            <a:pPr defTabSz="457200">
-              <a:defRPr sz="700">
-                <a:solidFill>
-                  <a:srgbClr val="212121"/>
-                </a:solidFill>
-                <a:latin typeface="Monaco"/>
-                <a:ea typeface="Monaco"/>
-                <a:cs typeface="Monaco"/>
-                <a:sym typeface="Monaco"/>
-              </a:defRPr>
-            </a:pPr>
-            <a:r>
-              <a:t>|     2596|    51|    3|                             258|                             0|                            510|          221|           232|          148|                              6279|                1|                0|                0|                0|          0|          0|          0|          0|          0|          0|          0|          0|          0|          0|           0|           0|           0|           0|           0|           0|           0|           0|           0|           0|           0|           0|           0|           0|           0|           0|           0|           0|           1|           0|           0|           0|           0|           0|           0|           0|           0|           0|           0|           0|       5.0|</a:t>
-            </a:r>
-          </a:p>
-          <a:p>
-            <a:pPr defTabSz="457200">
-              <a:defRPr sz="700">
-                <a:solidFill>
-                  <a:srgbClr val="212121"/>
-                </a:solidFill>
-                <a:latin typeface="Monaco"/>
-                <a:ea typeface="Monaco"/>
-                <a:cs typeface="Monaco"/>
-                <a:sym typeface="Monaco"/>
-              </a:defRPr>
-            </a:pPr>
-            <a:r>
-              <a:t>|     2590|    56|    2|                             212|                            -6|                            390|          220|           235|          151|                              6225|                1|                0|                0|                0|          0|          0|          0|          0|          0|          0|          0|          0|          0|          0|           0|           0|           0|           0|           0|           0|           0|           0|           0|           0|           0|           0|           0|           0|           0|           0|           0|           0|           1|           0|           0|           0|           0|           0|           0|           0|           0|           0|           0|           0|       5.0|</a:t>
-            </a:r>
-          </a:p>
-        </p:txBody>
-      </p:sp>
-      <p:sp>
-        <p:nvSpPr>
-          <p:cNvPr id="140" name="+---------+------+-----+--------------------------------+------------------------------+-------------------------------+-------------+--------------+-------------+----------------------------------+-----------------+-----------------+-----------------+-----------------+-----------+-----------+-----------+-----------+-----------+-----------+-----------+-----------+-----------+-----------+------------+------------+------------+------------+------------+------------+------------+------------+------------+------------+------------+------------+------------+------------+------------+------------+------------+------------+------------+------------+------------+------------+------------+------------+------------+------------+------------+------------+------------+------------+----------+…"/>
-          <p:cNvSpPr txBox="1"/>
-          <p:nvPr/>
-        </p:nvSpPr>
-        <p:spPr>
-          <a:xfrm>
-            <a:off x="-16909455" y="3107897"/>
-            <a:ext cx="43675310" cy="846018"/>
-          </a:xfrm>
-          <a:prstGeom prst="rect">
-            <a:avLst/>
-          </a:prstGeom>
-          <a:ln w="12700">
-            <a:miter lim="400000"/>
-          </a:ln>
-          <a:extLst>
-            <a:ext uri="{C572A759-6A51-4108-AA02-DFA0A04FC94B}">
-              <ma14:wrappingTextBoxFlag xmlns:ma14="http://schemas.microsoft.com/office/mac/drawingml/2011/main" val="1"/>
-            </a:ext>
-          </a:extLst>
-        </p:spPr>
-        <p:txBody>
-          <a:bodyPr lIns="45719" rIns="45719">
-            <a:spAutoFit/>
-          </a:bodyPr>
-          <a:lstStyle/>
-          <a:p>
-            <a:pPr defTabSz="457200">
-              <a:defRPr sz="700">
-                <a:solidFill>
-                  <a:srgbClr val="212121"/>
-                </a:solidFill>
-                <a:latin typeface="Monaco"/>
-                <a:ea typeface="Monaco"/>
-                <a:cs typeface="Monaco"/>
-                <a:sym typeface="Monaco"/>
-              </a:defRPr>
-            </a:pPr>
-            <a:r>
-              <a:t>+---------+------+-----+--------------------------------+------------------------------+-------------------------------+-------------+--------------+-------------+----------------------------------+-----------------+-----------------+-----------------+-----------------+-----------+-----------+-----------+-----------+-----------+-----------+-----------+-----------+-----------+-----------+------------+------------+------------+------------+------------+------------+------------+------------+------------+------------+------------+------------+------------+------------+------------+------------+------------+------------+------------+------------+------------+------------+------------+------------+------------+------------+------------+------------+------------+------------+----------+</a:t>
-            </a:r>
-          </a:p>
-          <a:p>
-            <a:pPr defTabSz="457200">
-              <a:defRPr sz="700">
-                <a:solidFill>
-                  <a:srgbClr val="212121"/>
-                </a:solidFill>
-                <a:latin typeface="Monaco"/>
-                <a:ea typeface="Monaco"/>
-                <a:cs typeface="Monaco"/>
-                <a:sym typeface="Monaco"/>
-              </a:defRPr>
-            </a:pPr>
-            <a:r>
-              <a:t>|Elevation|Aspect|Slope|Horizontal_Distance_To_Hydrology|Vertical_Distance_To_Hydrology|Horizontal_Distance_To_Roadways|Hillshade_9am|Hillshade_Noon|Hillshade_3pm|Horizontal_Distance_To_Fire_Points|Wilderness_Area_0|Wilderness_Area_1|Wilderness_Area_2|Wilderness_Area_3|Soil_Type_0|Soil_Type_1|Soil_Type_2|Soil_Type_3|Soil_Type_4|Soil_Type_5|Soil_Type_6|Soil_Type_7|Soil_Type_8|Soil_Type_9|Soil_Type_10|Soil_Type_11|Soil_Type_12|Soil_Type_13|Soil_Type_14|Soil_Type_15|Soil_Type_16|Soil_Type_17|Soil_Type_18|Soil_Type_19|Soil_Type_20|Soil_Type_21|Soil_Type_22|Soil_Type_23|Soil_Type_24|Soil_Type_25|Soil_Type_26|Soil_Type_27|Soil_Type_28|Soil_Type_29|Soil_Type_30|Soil_Type_31|Soil_Type_32|Soil_Type_33|Soil_Type_34|Soil_Type_35|Soil_Type_36|Soil_Type_37|Soil_Type_38|Soil_Type_39|Cover_Type|</a:t>
-            </a:r>
-          </a:p>
-          <a:p>
-            <a:pPr defTabSz="457200">
-              <a:defRPr sz="700">
-                <a:solidFill>
-                  <a:srgbClr val="212121"/>
-                </a:solidFill>
-                <a:latin typeface="Monaco"/>
-                <a:ea typeface="Monaco"/>
-                <a:cs typeface="Monaco"/>
-                <a:sym typeface="Monaco"/>
-              </a:defRPr>
-            </a:pPr>
-            <a:r>
-              <a:t>+---------+------+-----+--------------------------------+------------------------------+-------------------------------+-------------+--------------+-------------+----------------------------------+-----------------+-----------------+-----------------+-----------------+-----------+-----------+-----------+-----------+-----------+-----------+-----------+-----------+-----------+-----------+------------+------------+------------+------------+------------+------------+------------+------------+------------+------------+------------+------------+------------+------------+------------+------------+------------+------------+------------+------------+------------+------------+------------+------------+------------+------------+------------+------------+------------+------------+----------+</a:t>
-            </a:r>
-          </a:p>
-          <a:p>
-            <a:pPr defTabSz="457200">
-              <a:defRPr sz="700">
-                <a:solidFill>
-                  <a:srgbClr val="212121"/>
-                </a:solidFill>
-                <a:latin typeface="Monaco"/>
-                <a:ea typeface="Monaco"/>
-                <a:cs typeface="Monaco"/>
-                <a:sym typeface="Monaco"/>
-              </a:defRPr>
-            </a:pPr>
-            <a:r>
-              <a:t>|     2596|    51|    3|                             258|                             0|                            510|          221|           232|          148|                              6279|                1|                0|                0|                0|          0|          0|          0|          0|          0|          0|          0|          0|          0|          0|           0|           0|           0|           0|           0|           0|           0|           0|           0|           0|           0|           0|           0|           0|           0|           0|           0|           0|           1|           0|           0|           0|           0|           0|           0|           0|           0|           0|           0|           0|       5.0|</a:t>
-            </a:r>
-          </a:p>
-          <a:p>
-            <a:pPr defTabSz="457200">
-              <a:defRPr sz="700">
-                <a:solidFill>
-                  <a:srgbClr val="212121"/>
-                </a:solidFill>
-                <a:latin typeface="Monaco"/>
-                <a:ea typeface="Monaco"/>
-                <a:cs typeface="Monaco"/>
-                <a:sym typeface="Monaco"/>
-              </a:defRPr>
-            </a:pPr>
-            <a:r>
-              <a:t>|     2590|    56|    2|                             212|                            -6|                            390|          220|           235|          151|                              6225|                1|                0|                0|                0|          0|          0|          0|          0|          0|          0|          0|          0|          0|          0|           0|           0|           0|           0|           0|           0|           0|           0|           0|           0|           0|           0|           0|           0|           0|           0|           0|           0|           1|           0|           0|           0|           0|           0|           0|           0|           0|           0|           0|           0|       5.0|</a:t>
-            </a:r>
-          </a:p>
-        </p:txBody>
-      </p:sp>
-      <p:sp>
-        <p:nvSpPr>
-          <p:cNvPr id="141" name="+---------+------+-----+--------------------------------+------------------------------+-------------------------------+-------------+--------------+-------------+----------------------------------+-----------------+-----------------+-----------------+-----------------+-----------+-----------+-----------+-----------+-----------+-----------+-----------+-----------+-----------+-----------+------------+------------+------------+------------+------------+------------+------------+------------+------------+------------+------------+------------+------------+------------+------------+------------+------------+------------+------------+------------+------------+------------+------------+------------+------------+------------+------------+------------+------------+------------+----------+…"/>
-          <p:cNvSpPr txBox="1"/>
-          <p:nvPr/>
-        </p:nvSpPr>
-        <p:spPr>
-          <a:xfrm>
-            <a:off x="-25812155" y="3857503"/>
-            <a:ext cx="43675310" cy="846018"/>
-          </a:xfrm>
-          <a:prstGeom prst="rect">
-            <a:avLst/>
-          </a:prstGeom>
-          <a:ln w="12700">
-            <a:miter lim="400000"/>
-          </a:ln>
-          <a:extLst>
-            <a:ext uri="{C572A759-6A51-4108-AA02-DFA0A04FC94B}">
-              <ma14:wrappingTextBoxFlag xmlns:ma14="http://schemas.microsoft.com/office/mac/drawingml/2011/main" val="1"/>
-            </a:ext>
-          </a:extLst>
-        </p:spPr>
-        <p:txBody>
-          <a:bodyPr lIns="45719" rIns="45719">
-            <a:spAutoFit/>
-          </a:bodyPr>
-          <a:lstStyle/>
-          <a:p>
-            <a:pPr defTabSz="457200">
-              <a:defRPr sz="700">
-                <a:solidFill>
-                  <a:srgbClr val="212121"/>
-                </a:solidFill>
-                <a:latin typeface="Monaco"/>
-                <a:ea typeface="Monaco"/>
-                <a:cs typeface="Monaco"/>
-                <a:sym typeface="Monaco"/>
-              </a:defRPr>
-            </a:pPr>
-            <a:r>
-              <a:t>+---------+------+-----+--------------------------------+------------------------------+-------------------------------+-------------+--------------+-------------+----------------------------------+-----------------+-----------------+-----------------+-----------------+-----------+-----------+-----------+-----------+-----------+-----------+-----------+-----------+-----------+-----------+------------+------------+------------+------------+------------+------------+------------+------------+------------+------------+------------+------------+------------+------------+------------+------------+------------+------------+------------+------------+------------+------------+------------+------------+------------+------------+------------+------------+------------+------------+----------+</a:t>
-            </a:r>
-          </a:p>
-          <a:p>
-            <a:pPr defTabSz="457200">
-              <a:defRPr sz="700">
-                <a:solidFill>
-                  <a:srgbClr val="212121"/>
-                </a:solidFill>
-                <a:latin typeface="Monaco"/>
-                <a:ea typeface="Monaco"/>
-                <a:cs typeface="Monaco"/>
-                <a:sym typeface="Monaco"/>
-              </a:defRPr>
-            </a:pPr>
-            <a:r>
-              <a:t>|Elevation|Aspect|Slope|Horizontal_Distance_To_Hydrology|Vertical_Distance_To_Hydrology|Horizontal_Distance_To_Roadways|Hillshade_9am|Hillshade_Noon|Hillshade_3pm|Horizontal_Distance_To_Fire_Points|Wilderness_Area_0|Wilderness_Area_1|Wilderness_Area_2|Wilderness_Area_3|Soil_Type_0|Soil_Type_1|Soil_Type_2|Soil_Type_3|Soil_Type_4|Soil_Type_5|Soil_Type_6|Soil_Type_7|Soil_Type_8|Soil_Type_9|Soil_Type_10|Soil_Type_11|Soil_Type_12|Soil_Type_13|Soil_Type_14|Soil_Type_15|Soil_Type_16|Soil_Type_17|Soil_Type_18|Soil_Type_19|Soil_Type_20|Soil_Type_21|Soil_Type_22|Soil_Type_23|Soil_Type_24|Soil_Type_25|Soil_Type_26|Soil_Type_27|Soil_Type_28|Soil_Type_29|Soil_Type_30|Soil_Type_31|Soil_Type_32|Soil_Type_33|Soil_Type_34|Soil_Type_35|Soil_Type_36|Soil_Type_37|Soil_Type_38|Soil_Type_39|Cover_Type|</a:t>
-            </a:r>
-          </a:p>
-          <a:p>
-            <a:pPr defTabSz="457200">
-              <a:defRPr sz="700">
-                <a:solidFill>
-                  <a:srgbClr val="212121"/>
-                </a:solidFill>
-                <a:latin typeface="Monaco"/>
-                <a:ea typeface="Monaco"/>
-                <a:cs typeface="Monaco"/>
-                <a:sym typeface="Monaco"/>
-              </a:defRPr>
-            </a:pPr>
-            <a:r>
-              <a:t>+---------+------+-----+--------------------------------+------------------------------+-------------------------------+-------------+--------------+-------------+----------------------------------+-----------------+-----------------+-----------------+-----------------+-----------+-----------+-----------+-----------+-----------+-----------+-----------+-----------+-----------+-----------+------------+------------+------------+------------+------------+------------+------------+------------+------------+------------+------------+------------+------------+------------+------------+------------+------------+------------+------------+------------+------------+------------+------------+------------+------------+------------+------------+------------+------------+------------+----------+</a:t>
-            </a:r>
-          </a:p>
-          <a:p>
-            <a:pPr defTabSz="457200">
-              <a:defRPr sz="700">
-                <a:solidFill>
-                  <a:srgbClr val="212121"/>
-                </a:solidFill>
-                <a:latin typeface="Monaco"/>
-                <a:ea typeface="Monaco"/>
-                <a:cs typeface="Monaco"/>
-                <a:sym typeface="Monaco"/>
-              </a:defRPr>
-            </a:pPr>
-            <a:r>
-              <a:t>|     2596|    51|    3|                             258|                             0|                            510|          221|           232|          148|                              6279|                1|                0|                0|                0|          0|          0|          0|          0|          0|          0|          0|          0|          0|          0|           0|           0|           0|           0|           0|           0|           0|           0|           0|           0|           0|           0|           0|           0|           0|           0|           0|           0|           1|           0|           0|           0|           0|           0|           0|           0|           0|           0|           0|           0|       5.0|</a:t>
-            </a:r>
-          </a:p>
-          <a:p>
-            <a:pPr defTabSz="457200">
-              <a:defRPr sz="700">
-                <a:solidFill>
-                  <a:srgbClr val="212121"/>
-                </a:solidFill>
-                <a:latin typeface="Monaco"/>
-                <a:ea typeface="Monaco"/>
-                <a:cs typeface="Monaco"/>
-                <a:sym typeface="Monaco"/>
-              </a:defRPr>
-            </a:pPr>
-            <a:r>
-              <a:t>|     2590|    56|    2|                             212|                            -6|                            390|          220|           235|          151|                              6225|                1|                0|                0|                0|          0|          0|          0|          0|          0|          0|          0|          0|          0|          0|           0|           0|           0|           0|           0|           0|           0|           0|           0|           0|           0|           0|           0|           0|           0|           0|           0|           0|           1|           0|           0|           0|           0|           0|           0|           0|           0|           0|           0|           0|       5.0|</a:t>
-            </a:r>
-          </a:p>
-        </p:txBody>
-      </p:sp>
-      <p:sp>
-        <p:nvSpPr>
-          <p:cNvPr id="142" name="+---------+------+-----+--------------------------------+------------------------------+-------------------------------+-------------+--------------+-------------+----------------------------------+-----------------+-----------------+-----------------+-----------------+-----------+-----------+-----------+-----------+-----------+-----------+-----------+-----------+-----------+-----------+------------+------------+------------+------------+------------+------------+------------+------------+------------+------------+------------+------------+------------+------------+------------+------------+------------+------------+------------+------------+------------+------------+------------+------------+------------+------------+------------+------------+------------+------------+----------+…"/>
-          <p:cNvSpPr txBox="1"/>
-          <p:nvPr/>
-        </p:nvSpPr>
-        <p:spPr>
-          <a:xfrm>
-            <a:off x="-33267055" y="4678974"/>
-            <a:ext cx="43675310" cy="846018"/>
-          </a:xfrm>
-          <a:prstGeom prst="rect">
-            <a:avLst/>
-          </a:prstGeom>
-          <a:ln w="12700">
-            <a:miter lim="400000"/>
-          </a:ln>
-          <a:extLst>
-            <a:ext uri="{C572A759-6A51-4108-AA02-DFA0A04FC94B}">
-              <ma14:wrappingTextBoxFlag xmlns:ma14="http://schemas.microsoft.com/office/mac/drawingml/2011/main" val="1"/>
-            </a:ext>
-          </a:extLst>
-        </p:spPr>
-        <p:txBody>
-          <a:bodyPr lIns="45719" rIns="45719">
-            <a:spAutoFit/>
-          </a:bodyPr>
-          <a:lstStyle/>
-          <a:p>
-            <a:pPr defTabSz="457200">
-              <a:defRPr sz="700">
-                <a:solidFill>
-                  <a:srgbClr val="212121"/>
-                </a:solidFill>
-                <a:latin typeface="Monaco"/>
-                <a:ea typeface="Monaco"/>
-                <a:cs typeface="Monaco"/>
-                <a:sym typeface="Monaco"/>
-              </a:defRPr>
-            </a:pPr>
-            <a:r>
-              <a:t>+---------+------+-----+--------------------------------+------------------------------+-------------------------------+-------------+--------------+-------------+----------------------------------+-----------------+-----------------+-----------------+-----------------+-----------+-----------+-----------+-----------+-----------+-----------+-----------+-----------+-----------+-----------+------------+------------+------------+------------+------------+------------+------------+------------+------------+------------+------------+------------+------------+------------+------------+------------+------------+------------+------------+------------+------------+------------+------------+------------+------------+------------+------------+------------+------------+------------+----------+</a:t>
-            </a:r>
-          </a:p>
-          <a:p>
-            <a:pPr defTabSz="457200">
-              <a:defRPr sz="700">
-                <a:solidFill>
-                  <a:srgbClr val="212121"/>
-                </a:solidFill>
-                <a:latin typeface="Monaco"/>
-                <a:ea typeface="Monaco"/>
-                <a:cs typeface="Monaco"/>
-                <a:sym typeface="Monaco"/>
-              </a:defRPr>
-            </a:pPr>
-            <a:r>
-              <a:t>|Elevation|Aspect|Slope|Horizontal_Distance_To_Hydrology|Vertical_Distance_To_Hydrology|Horizontal_Distance_To_Roadways|Hillshade_9am|Hillshade_Noon|Hillshade_3pm|Horizontal_Distance_To_Fire_Points|Wilderness_Area_0|Wilderness_Area_1|Wilderness_Area_2|Wilderness_Area_3|Soil_Type_0|Soil_Type_1|Soil_Type_2|Soil_Type_3|Soil_Type_4|Soil_Type_5|Soil_Type_6|Soil_Type_7|Soil_Type_8|Soil_Type_9|Soil_Type_10|Soil_Type_11|Soil_Type_12|Soil_Type_13|Soil_Type_14|Soil_Type_15|Soil_Type_16|Soil_Type_17|Soil_Type_18|Soil_Type_19|Soil_Type_20|Soil_Type_21|Soil_Type_22|Soil_Type_23|Soil_Type_24|Soil_Type_25|Soil_Type_26|Soil_Type_27|Soil_Type_28|Soil_Type_29|Soil_Type_30|Soil_Type_31|Soil_Type_32|Soil_Type_33|Soil_Type_34|Soil_Type_35|Soil_Type_36|Soil_Type_37|Soil_Type_38|Soil_Type_39|Cover_Type|</a:t>
-            </a:r>
-          </a:p>
-          <a:p>
-            <a:pPr defTabSz="457200">
-              <a:defRPr sz="700">
-                <a:solidFill>
-                  <a:srgbClr val="212121"/>
-                </a:solidFill>
-                <a:latin typeface="Monaco"/>
-                <a:ea typeface="Monaco"/>
-                <a:cs typeface="Monaco"/>
-                <a:sym typeface="Monaco"/>
-              </a:defRPr>
-            </a:pPr>
-            <a:r>
-              <a:t>+---------+------+-----+--------------------------------+------------------------------+-------------------------------+-------------+--------------+-------------+----------------------------------+-----------------+-----------------+-----------------+-----------------+-----------+-----------+-----------+-----------+-----------+-----------+-----------+-----------+-----------+-----------+------------+------------+------------+------------+------------+------------+------------+------------+------------+------------+------------+------------+------------+------------+------------+------------+------------+------------+------------+------------+------------+------------+------------+------------+------------+------------+------------+------------+------------+------------+----------+</a:t>
-            </a:r>
-          </a:p>
-          <a:p>
-            <a:pPr defTabSz="457200">
-              <a:defRPr sz="700">
-                <a:solidFill>
-                  <a:srgbClr val="212121"/>
-                </a:solidFill>
-                <a:latin typeface="Monaco"/>
-                <a:ea typeface="Monaco"/>
-                <a:cs typeface="Monaco"/>
-                <a:sym typeface="Monaco"/>
-              </a:defRPr>
-            </a:pPr>
-            <a:r>
-              <a:t>|     2596|    51|    3|                             258|                             0|                            510|          221|           232|          148|                              6279|                1|                0|                0|                0|          0|          0|          0|          0|          0|          0|          0|          0|          0|          0|           0|           0|           0|           0|           0|           0|           0|           0|           0|           0|           0|           0|           0|           0|           0|           0|           0|           0|           1|           0|           0|           0|           0|           0|           0|           0|           0|           0|           0|           0|       5.0|</a:t>
-            </a:r>
-          </a:p>
-          <a:p>
-            <a:pPr defTabSz="457200">
-              <a:defRPr sz="700">
-                <a:solidFill>
-                  <a:srgbClr val="212121"/>
-                </a:solidFill>
-                <a:latin typeface="Monaco"/>
-                <a:ea typeface="Monaco"/>
-                <a:cs typeface="Monaco"/>
-                <a:sym typeface="Monaco"/>
-              </a:defRPr>
-            </a:pPr>
-            <a:r>
-              <a:t>|     2590|    56|    2|                             212|                            -6|                            390|          220|           235|          151|                              6225|                1|                0|                0|                0|          0|          0|          0|          0|          0|          0|          0|          0|          0|          0|           0|           0|           0|           0|           0|           0|           0|           0|           0|           0|           0|           0|           0|           0|           0|           0|           0|           0|           1|           0|           0|           0|           0|           0|           0|           0|           0|           0|           0|           0|       5.0|</a:t>
+            <a:pPr>
+              <a:defRPr sz="1200"/>
+            </a:pPr>
+            <a:r>
+              <a:t>    import spark.implicits._</a:t>
+            </a:r>
+          </a:p>
+          <a:p>
+            <a:pPr>
+              <a:defRPr sz="1200"/>
+            </a:pPr>
+          </a:p>
+          <a:p>
+            <a:pPr>
+              <a:defRPr sz="1200"/>
+            </a:pPr>
+            <a:r>
+              <a:t>    val dataWithoutHeader = spark.read.</a:t>
+            </a:r>
+          </a:p>
+          <a:p>
+            <a:pPr>
+              <a:defRPr sz="1200"/>
+            </a:pPr>
+            <a:r>
+              <a:t>      option("inferSchema", true).</a:t>
+            </a:r>
+          </a:p>
+          <a:p>
+            <a:pPr>
+              <a:defRPr sz="1200"/>
+            </a:pPr>
+            <a:r>
+              <a:t>      option("header", false).</a:t>
+            </a:r>
+          </a:p>
+          <a:p>
+            <a:pPr>
+              <a:defRPr sz="1200"/>
+            </a:pPr>
+            <a:r>
+              <a:t>      csv("/Users/markon/ITU/covtype.data")</a:t>
+            </a:r>
+          </a:p>
+          <a:p>
+            <a:pPr>
+              <a:defRPr sz="1200"/>
+            </a:pPr>
+          </a:p>
+          <a:p>
+            <a:pPr>
+              <a:defRPr sz="1200"/>
+            </a:pPr>
+            <a:r>
+              <a:t>    val colNames = Seq(</a:t>
+            </a:r>
+          </a:p>
+          <a:p>
+            <a:pPr>
+              <a:defRPr sz="1200"/>
+            </a:pPr>
+            <a:r>
+              <a:t>        "Elevation", "Aspect", "Slope",</a:t>
+            </a:r>
+          </a:p>
+          <a:p>
+            <a:pPr>
+              <a:defRPr sz="1200"/>
+            </a:pPr>
+            <a:r>
+              <a:t>        "Horizontal_Distance_To_Hydrology", "Vertical_Distance_To_Hydrology",</a:t>
+            </a:r>
+          </a:p>
+          <a:p>
+            <a:pPr>
+              <a:defRPr sz="1200"/>
+            </a:pPr>
+            <a:r>
+              <a:t>        "Horizontal_Distance_To_Roadways",</a:t>
+            </a:r>
+          </a:p>
+          <a:p>
+            <a:pPr>
+              <a:defRPr sz="1200"/>
+            </a:pPr>
+            <a:r>
+              <a:t>        "Hillshade_9am", "Hillshade_Noon", "Hillshade_3pm",</a:t>
+            </a:r>
+          </a:p>
+          <a:p>
+            <a:pPr>
+              <a:defRPr sz="1200"/>
+            </a:pPr>
+            <a:r>
+              <a:t>        "Horizontal_Distance_To_Fire_Points"</a:t>
+            </a:r>
+          </a:p>
+          <a:p>
+            <a:pPr>
+              <a:defRPr sz="1200"/>
+            </a:pPr>
+            <a:r>
+              <a:t>      ) ++ (</a:t>
+            </a:r>
+          </a:p>
+          <a:p>
+            <a:pPr>
+              <a:defRPr sz="1200"/>
+            </a:pPr>
+            <a:r>
+              <a:t>        (0 until 4).map(i =&gt; s"Wilderness_Area_$i")</a:t>
+            </a:r>
+          </a:p>
+          <a:p>
+            <a:pPr>
+              <a:defRPr sz="1200"/>
+            </a:pPr>
+            <a:r>
+              <a:t>      ) ++ (</a:t>
+            </a:r>
+          </a:p>
+          <a:p>
+            <a:pPr>
+              <a:defRPr sz="1200"/>
+            </a:pPr>
+            <a:r>
+              <a:t>        (0 until 40).map(i =&gt; s"Soil_Type_$i")</a:t>
+            </a:r>
+          </a:p>
+          <a:p>
+            <a:pPr>
+              <a:defRPr sz="1200"/>
+            </a:pPr>
+            <a:r>
+              <a:t>      ) ++ Seq("Cover_Type")</a:t>
+            </a:r>
+          </a:p>
+          <a:p>
+            <a:pPr>
+              <a:defRPr sz="1200"/>
+            </a:pPr>
+          </a:p>
+          <a:p>
+            <a:pPr>
+              <a:defRPr sz="1200"/>
+            </a:pPr>
+            <a:r>
+              <a:t>    val data = dataWithoutHeader.toDF(colNames:_*).</a:t>
+            </a:r>
+          </a:p>
+          <a:p>
+            <a:pPr>
+              <a:defRPr sz="1200"/>
+            </a:pPr>
+            <a:r>
+              <a:t>      withColumn("Cover_Type", $"Cover_Type".cast("double"))</a:t>
+            </a:r>
+          </a:p>
+          <a:p>
+            <a:pPr>
+              <a:defRPr sz="1200"/>
+            </a:pPr>
+          </a:p>
+          <a:p>
+            <a:pPr>
+              <a:defRPr sz="1200"/>
+            </a:pPr>
+            <a:r>
+              <a:t>    data.show()</a:t>
+            </a:r>
+          </a:p>
+          <a:p>
+            <a:pPr>
+              <a:defRPr sz="1200"/>
+            </a:pPr>
+            <a:r>
+              <a:t>    data.head</a:t>
+            </a:r>
+          </a:p>
+          <a:p>
+            <a:pPr>
+              <a:defRPr sz="1200"/>
+            </a:pPr>
+          </a:p>
+          <a:p>
+            <a:pPr>
+              <a:defRPr sz="1200"/>
+            </a:pPr>
+            <a:r>
+              <a:t>    // Split into 90% train (+ CV), 10% test</a:t>
+            </a:r>
+          </a:p>
+          <a:p>
+            <a:pPr>
+              <a:defRPr sz="1200"/>
+            </a:pPr>
+            <a:r>
+              <a:t>    val Array(trainData, testData) = data.randomSplit(Array(0.9, 0.1))</a:t>
             </a:r>
           </a:p>
         </p:txBody>
@@ -6420,7 +6473,7 @@
       </p:grpSpPr>
       <p:sp>
         <p:nvSpPr>
-          <p:cNvPr id="144" name="Create a feature vector"/>
+          <p:cNvPr id="140" name="Head of the resulting table"/>
           <p:cNvSpPr txBox="1"/>
           <p:nvPr>
             <p:ph type="title"/>
@@ -6437,104 +6490,21 @@
           <a:p>
             <a:pPr/>
             <a:r>
-              <a:t>Create a feature vector</a:t>
+              <a:t>Head of the resulting table</a:t>
             </a:r>
           </a:p>
         </p:txBody>
       </p:sp>
       <p:sp>
         <p:nvSpPr>
-          <p:cNvPr id="145" name="val inputCols = trainData.columns.filter(_ != &quot;Cover_Type&quot;)…"/>
+          <p:cNvPr id="141" name="+---------+------+-----+--------------------------------+------------------------------+-------------------------------+-------------+--------------+-------------+----------------------------------+-----------------+-----------------+-----------------+-----------------+-----------+-----------+-----------+-----------+-----------+-----------+-----------+-----------+-----------+-----------+------------+------------+------------+------------+------------+------------+------------+------------+------------+------------+------------+------------+------------+------------+------------+------------+------------+------------+------------+------------+------------+------------+------------+------------+------------+------------+------------+------------+------------+------------+----------+…"/>
           <p:cNvSpPr txBox="1"/>
           <p:nvPr/>
         </p:nvSpPr>
         <p:spPr>
           <a:xfrm>
-            <a:off x="1360904" y="1592580"/>
-            <a:ext cx="5842755" cy="2021841"/>
-          </a:xfrm>
-          <a:prstGeom prst="rect">
-            <a:avLst/>
-          </a:prstGeom>
-          <a:ln w="12700">
-            <a:miter lim="400000"/>
-          </a:ln>
-          <a:extLst>
-            <a:ext uri="{C572A759-6A51-4108-AA02-DFA0A04FC94B}">
-              <ma14:wrappingTextBoxFlag xmlns:ma14="http://schemas.microsoft.com/office/mac/drawingml/2011/main" val="1"/>
-            </a:ext>
-          </a:extLst>
-        </p:spPr>
-        <p:txBody>
-          <a:bodyPr wrap="none" lIns="45719" rIns="45719">
-            <a:spAutoFit/>
-          </a:bodyPr>
-          <a:lstStyle/>
-          <a:p>
-            <a:pPr>
-              <a:defRPr sz="1600"/>
-            </a:pPr>
-            <a:r>
-              <a:t>     val inputCols = trainData.columns.filter(_ != "Cover_Type")</a:t>
-            </a:r>
-          </a:p>
-          <a:p>
-            <a:pPr>
-              <a:defRPr sz="1600"/>
-            </a:pPr>
-            <a:r>
-              <a:t>    val assembler = new VectorAssembler().</a:t>
-            </a:r>
-          </a:p>
-          <a:p>
-            <a:pPr>
-              <a:defRPr sz="1600"/>
-            </a:pPr>
-            <a:r>
-              <a:t>      setInputCols(inputCols).</a:t>
-            </a:r>
-          </a:p>
-          <a:p>
-            <a:pPr>
-              <a:defRPr sz="1600"/>
-            </a:pPr>
-            <a:r>
-              <a:t>      setOutputCol("featureVector")</a:t>
-            </a:r>
-          </a:p>
-          <a:p>
-            <a:pPr>
-              <a:defRPr sz="1600"/>
-            </a:pPr>
-          </a:p>
-          <a:p>
-            <a:pPr>
-              <a:defRPr sz="1600"/>
-            </a:pPr>
-            <a:r>
-              <a:t>    val assembledTrainData = assembler.transform(trainData)</a:t>
-            </a:r>
-          </a:p>
-          <a:p>
-            <a:pPr>
-              <a:defRPr sz="1600"/>
-            </a:pPr>
-            <a:r>
-              <a:t>    assembledTrainData.select("featureVector").show(truncate = false)</a:t>
-            </a:r>
-          </a:p>
-        </p:txBody>
-      </p:sp>
-      <p:sp>
-        <p:nvSpPr>
-          <p:cNvPr id="146" name="+-----------------------------------------------------------------------------------------------------+…"/>
-          <p:cNvSpPr txBox="1"/>
-          <p:nvPr/>
-        </p:nvSpPr>
-        <p:spPr>
-          <a:xfrm>
-            <a:off x="721836" y="3789362"/>
-            <a:ext cx="10156984" cy="1503237"/>
+            <a:off x="578445" y="1697891"/>
+            <a:ext cx="43675310" cy="846018"/>
           </a:xfrm>
           <a:prstGeom prst="rect">
             <a:avLst/>
@@ -6555,7 +6525,7 @@
           <a:lstStyle/>
           <a:p>
             <a:pPr defTabSz="457200">
-              <a:defRPr sz="1000">
+              <a:defRPr sz="700">
                 <a:solidFill>
                   <a:srgbClr val="212121"/>
                 </a:solidFill>
@@ -6566,12 +6536,12 @@
               </a:defRPr>
             </a:pPr>
             <a:r>
-              <a:t>+-----------------------------------------------------------------------------------------------------+</a:t>
+              <a:t>+---------+------+-----+--------------------------------+------------------------------+-------------------------------+-------------+--------------+-------------+----------------------------------+-----------------+-----------------+-----------------+-----------------+-----------+-----------+-----------+-----------+-----------+-----------+-----------+-----------+-----------+-----------+------------+------------+------------+------------+------------+------------+------------+------------+------------+------------+------------+------------+------------+------------+------------+------------+------------+------------+------------+------------+------------+------------+------------+------------+------------+------------+------------+------------+------------+------------+----------+</a:t>
             </a:r>
           </a:p>
           <a:p>
             <a:pPr defTabSz="457200">
-              <a:defRPr sz="1000">
+              <a:defRPr sz="700">
                 <a:solidFill>
                   <a:srgbClr val="212121"/>
                 </a:solidFill>
@@ -6582,12 +6552,12 @@
               </a:defRPr>
             </a:pPr>
             <a:r>
-              <a:t>|featureVector                                                                                        |</a:t>
+              <a:t>|Elevation|Aspect|Slope|Horizontal_Distance_To_Hydrology|Vertical_Distance_To_Hydrology|Horizontal_Distance_To_Roadways|Hillshade_9am|Hillshade_Noon|Hillshade_3pm|Horizontal_Distance_To_Fire_Points|Wilderness_Area_0|Wilderness_Area_1|Wilderness_Area_2|Wilderness_Area_3|Soil_Type_0|Soil_Type_1|Soil_Type_2|Soil_Type_3|Soil_Type_4|Soil_Type_5|Soil_Type_6|Soil_Type_7|Soil_Type_8|Soil_Type_9|Soil_Type_10|Soil_Type_11|Soil_Type_12|Soil_Type_13|Soil_Type_14|Soil_Type_15|Soil_Type_16|Soil_Type_17|Soil_Type_18|Soil_Type_19|Soil_Type_20|Soil_Type_21|Soil_Type_22|Soil_Type_23|Soil_Type_24|Soil_Type_25|Soil_Type_26|Soil_Type_27|Soil_Type_28|Soil_Type_29|Soil_Type_30|Soil_Type_31|Soil_Type_32|Soil_Type_33|Soil_Type_34|Soil_Type_35|Soil_Type_36|Soil_Type_37|Soil_Type_38|Soil_Type_39|Cover_Type|</a:t>
             </a:r>
           </a:p>
           <a:p>
             <a:pPr defTabSz="457200">
-              <a:defRPr sz="1000">
+              <a:defRPr sz="700">
                 <a:solidFill>
                   <a:srgbClr val="212121"/>
                 </a:solidFill>
@@ -6598,12 +6568,12 @@
               </a:defRPr>
             </a:pPr>
             <a:r>
-              <a:t>+-----------------------------------------------------------------------------------------------------+</a:t>
+              <a:t>+---------+------+-----+--------------------------------+------------------------------+-------------------------------+-------------+--------------+-------------+----------------------------------+-----------------+-----------------+-----------------+-----------------+-----------+-----------+-----------+-----------+-----------+-----------+-----------+-----------+-----------+-----------+------------+------------+------------+------------+------------+------------+------------+------------+------------+------------+------------+------------+------------+------------+------------+------------+------------+------------+------------+------------+------------+------------+------------+------------+------------+------------+------------+------------+------------+------------+----------+</a:t>
             </a:r>
           </a:p>
           <a:p>
             <a:pPr defTabSz="457200">
-              <a:defRPr sz="1000">
+              <a:defRPr sz="700">
                 <a:solidFill>
                   <a:srgbClr val="212121"/>
                 </a:solidFill>
@@ -6614,12 +6584,12 @@
               </a:defRPr>
             </a:pPr>
             <a:r>
-              <a:t>|(54,[0,1,2,3,4,5,6,7,8,9,13,15],[1863.0,37.0,17.0,120.0,18.0,90.0,217.0,202.0,115.0,769.0,1.0,1.0])  |</a:t>
+              <a:t>|     2596|    51|    3|                             258|                             0|                            510|          221|           232|          148|                              6279|                1|                0|                0|                0|          0|          0|          0|          0|          0|          0|          0|          0|          0|          0|           0|           0|           0|           0|           0|           0|           0|           0|           0|           0|           0|           0|           0|           0|           0|           0|           0|           0|           1|           0|           0|           0|           0|           0|           0|           0|           0|           0|           0|           0|       5.0|</a:t>
             </a:r>
           </a:p>
           <a:p>
             <a:pPr defTabSz="457200">
-              <a:defRPr sz="1000">
+              <a:defRPr sz="700">
                 <a:solidFill>
                   <a:srgbClr val="212121"/>
                 </a:solidFill>
@@ -6630,12 +6600,42 @@
               </a:defRPr>
             </a:pPr>
             <a:r>
-              <a:t>|(54,[0,1,2,5,6,7,8,9,13,18],[1874.0,18.0,14.0,90.0,208.0,209.0,135.0,793.0,1.0,1.0])                 |</a:t>
-            </a:r>
-          </a:p>
+              <a:t>|     2590|    56|    2|                             212|                            -6|                            390|          220|           235|          151|                              6225|                1|                0|                0|                0|          0|          0|          0|          0|          0|          0|          0|          0|          0|          0|           0|           0|           0|           0|           0|           0|           0|           0|           0|           0|           0|           0|           0|           0|           0|           0|           0|           0|           1|           0|           0|           0|           0|           0|           0|           0|           0|           0|           0|           0|       5.0|</a:t>
+            </a:r>
+          </a:p>
+        </p:txBody>
+      </p:sp>
+      <p:sp>
+        <p:nvSpPr>
+          <p:cNvPr id="142" name="+---------+------+-----+--------------------------------+------------------------------+-------------------------------+-------------+--------------+-------------+----------------------------------+-----------------+-----------------+-----------------+-----------------+-----------+-----------+-----------+-----------+-----------+-----------+-----------+-----------+-----------+-----------+------------+------------+------------+------------+------------+------------+------------+------------+------------+------------+------------+------------+------------+------------+------------+------------+------------+------------+------------+------------+------------+------------+------------+------------+------------+------------+------------+------------+------------+------------+----------+…"/>
+          <p:cNvSpPr txBox="1"/>
+          <p:nvPr/>
+        </p:nvSpPr>
+        <p:spPr>
+          <a:xfrm>
+            <a:off x="-7663855" y="2392362"/>
+            <a:ext cx="43675310" cy="846018"/>
+          </a:xfrm>
+          <a:prstGeom prst="rect">
+            <a:avLst/>
+          </a:prstGeom>
+          <a:ln w="12700">
+            <a:miter lim="400000"/>
+          </a:ln>
+          <a:extLst>
+            <a:ext uri="{C572A759-6A51-4108-AA02-DFA0A04FC94B}">
+              <ma14:wrappingTextBoxFlag xmlns:ma14="http://schemas.microsoft.com/office/mac/drawingml/2011/main" val="1"/>
+            </a:ext>
+          </a:extLst>
+        </p:spPr>
+        <p:txBody>
+          <a:bodyPr lIns="45719" rIns="45719">
+            <a:spAutoFit/>
+          </a:bodyPr>
+          <a:lstStyle/>
           <a:p>
             <a:pPr defTabSz="457200">
-              <a:defRPr sz="1000">
+              <a:defRPr sz="700">
                 <a:solidFill>
                   <a:srgbClr val="212121"/>
                 </a:solidFill>
@@ -6646,12 +6646,12 @@
               </a:defRPr>
             </a:pPr>
             <a:r>
-              <a:t>|(54,[0,1,2,3,4,5,6,7,8,9,13,18],[1879.0,28.0,19.0,30.0,12.0,95.0,209.0,196.0,117.0,778.0,1.0,1.0])   |</a:t>
+              <a:t>+---------+------+-----+--------------------------------+------------------------------+-------------------------------+-------------+--------------+-------------+----------------------------------+-----------------+-----------------+-----------------+-----------------+-----------+-----------+-----------+-----------+-----------+-----------+-----------+-----------+-----------+-----------+------------+------------+------------+------------+------------+------------+------------+------------+------------+------------+------------+------------+------------+------------+------------+------------+------------+------------+------------+------------+------------+------------+------------+------------+------------+------------+------------+------------+------------+------------+----------+</a:t>
             </a:r>
           </a:p>
           <a:p>
             <a:pPr defTabSz="457200">
-              <a:defRPr sz="1000">
+              <a:defRPr sz="700">
                 <a:solidFill>
                   <a:srgbClr val="212121"/>
                 </a:solidFill>
@@ -6662,12 +6662,12 @@
               </a:defRPr>
             </a:pPr>
             <a:r>
-              <a:t>|(54,[0,1,2,3,4,5,6,7,8,9,13,15],[1888.0,33.0,22.0,150.0,46.0,108.0,209.0,185.0,103.0,735.0,1.0,1.0]) |</a:t>
+              <a:t>|Elevation|Aspect|Slope|Horizontal_Distance_To_Hydrology|Vertical_Distance_To_Hydrology|Horizontal_Distance_To_Roadways|Hillshade_9am|Hillshade_Noon|Hillshade_3pm|Horizontal_Distance_To_Fire_Points|Wilderness_Area_0|Wilderness_Area_1|Wilderness_Area_2|Wilderness_Area_3|Soil_Type_0|Soil_Type_1|Soil_Type_2|Soil_Type_3|Soil_Type_4|Soil_Type_5|Soil_Type_6|Soil_Type_7|Soil_Type_8|Soil_Type_9|Soil_Type_10|Soil_Type_11|Soil_Type_12|Soil_Type_13|Soil_Type_14|Soil_Type_15|Soil_Type_16|Soil_Type_17|Soil_Type_18|Soil_Type_19|Soil_Type_20|Soil_Type_21|Soil_Type_22|Soil_Type_23|Soil_Type_24|Soil_Type_25|Soil_Type_26|Soil_Type_27|Soil_Type_28|Soil_Type_29|Soil_Type_30|Soil_Type_31|Soil_Type_32|Soil_Type_33|Soil_Type_34|Soil_Type_35|Soil_Type_36|Soil_Type_37|Soil_Type_38|Soil_Type_39|Cover_Type|</a:t>
             </a:r>
           </a:p>
           <a:p>
             <a:pPr defTabSz="457200">
-              <a:defRPr sz="1000">
+              <a:defRPr sz="700">
                 <a:solidFill>
                   <a:srgbClr val="212121"/>
                 </a:solidFill>
@@ -6678,7 +6678,369 @@
               </a:defRPr>
             </a:pPr>
             <a:r>
-              <a:t>|(54,[0,1,2,3,4,5,6,7,8,9,13,14],[1889.0,28.0,22.0,150.0,23.0,120.0,205.0,185.0,108.0,759.0,1.0,1.0]) |</a:t>
+              <a:t>+---------+------+-----+--------------------------------+------------------------------+-------------------------------+-------------+--------------+-------------+----------------------------------+-----------------+-----------------+-----------------+-----------------+-----------+-----------+-----------+-----------+-----------+-----------+-----------+-----------+-----------+-----------+------------+------------+------------+------------+------------+------------+------------+------------+------------+------------+------------+------------+------------+------------+------------+------------+------------+------------+------------+------------+------------+------------+------------+------------+------------+------------+------------+------------+------------+------------+----------+</a:t>
+            </a:r>
+          </a:p>
+          <a:p>
+            <a:pPr defTabSz="457200">
+              <a:defRPr sz="700">
+                <a:solidFill>
+                  <a:srgbClr val="212121"/>
+                </a:solidFill>
+                <a:latin typeface="Monaco"/>
+                <a:ea typeface="Monaco"/>
+                <a:cs typeface="Monaco"/>
+                <a:sym typeface="Monaco"/>
+              </a:defRPr>
+            </a:pPr>
+            <a:r>
+              <a:t>|     2596|    51|    3|                             258|                             0|                            510|          221|           232|          148|                              6279|                1|                0|                0|                0|          0|          0|          0|          0|          0|          0|          0|          0|          0|          0|           0|           0|           0|           0|           0|           0|           0|           0|           0|           0|           0|           0|           0|           0|           0|           0|           0|           0|           1|           0|           0|           0|           0|           0|           0|           0|           0|           0|           0|           0|       5.0|</a:t>
+            </a:r>
+          </a:p>
+          <a:p>
+            <a:pPr defTabSz="457200">
+              <a:defRPr sz="700">
+                <a:solidFill>
+                  <a:srgbClr val="212121"/>
+                </a:solidFill>
+                <a:latin typeface="Monaco"/>
+                <a:ea typeface="Monaco"/>
+                <a:cs typeface="Monaco"/>
+                <a:sym typeface="Monaco"/>
+              </a:defRPr>
+            </a:pPr>
+            <a:r>
+              <a:t>|     2590|    56|    2|                             212|                            -6|                            390|          220|           235|          151|                              6225|                1|                0|                0|                0|          0|          0|          0|          0|          0|          0|          0|          0|          0|          0|           0|           0|           0|           0|           0|           0|           0|           0|           0|           0|           0|           0|           0|           0|           0|           0|           0|           0|           1|           0|           0|           0|           0|           0|           0|           0|           0|           0|           0|           0|       5.0|</a:t>
+            </a:r>
+          </a:p>
+        </p:txBody>
+      </p:sp>
+      <p:sp>
+        <p:nvSpPr>
+          <p:cNvPr id="143" name="+---------+------+-----+--------------------------------+------------------------------+-------------------------------+-------------+--------------+-------------+----------------------------------+-----------------+-----------------+-----------------+-----------------+-----------+-----------+-----------+-----------+-----------+-----------+-----------+-----------+-----------+-----------+------------+------------+------------+------------+------------+------------+------------+------------+------------+------------+------------+------------+------------+------------+------------+------------+------------+------------+------------+------------+------------+------------+------------+------------+------------+------------+------------+------------+------------+------------+----------+…"/>
+          <p:cNvSpPr txBox="1"/>
+          <p:nvPr/>
+        </p:nvSpPr>
+        <p:spPr>
+          <a:xfrm>
+            <a:off x="-16909455" y="3107897"/>
+            <a:ext cx="43675310" cy="846018"/>
+          </a:xfrm>
+          <a:prstGeom prst="rect">
+            <a:avLst/>
+          </a:prstGeom>
+          <a:ln w="12700">
+            <a:miter lim="400000"/>
+          </a:ln>
+          <a:extLst>
+            <a:ext uri="{C572A759-6A51-4108-AA02-DFA0A04FC94B}">
+              <ma14:wrappingTextBoxFlag xmlns:ma14="http://schemas.microsoft.com/office/mac/drawingml/2011/main" val="1"/>
+            </a:ext>
+          </a:extLst>
+        </p:spPr>
+        <p:txBody>
+          <a:bodyPr lIns="45719" rIns="45719">
+            <a:spAutoFit/>
+          </a:bodyPr>
+          <a:lstStyle/>
+          <a:p>
+            <a:pPr defTabSz="457200">
+              <a:defRPr sz="700">
+                <a:solidFill>
+                  <a:srgbClr val="212121"/>
+                </a:solidFill>
+                <a:latin typeface="Monaco"/>
+                <a:ea typeface="Monaco"/>
+                <a:cs typeface="Monaco"/>
+                <a:sym typeface="Monaco"/>
+              </a:defRPr>
+            </a:pPr>
+            <a:r>
+              <a:t>+---------+------+-----+--------------------------------+------------------------------+-------------------------------+-------------+--------------+-------------+----------------------------------+-----------------+-----------------+-----------------+-----------------+-----------+-----------+-----------+-----------+-----------+-----------+-----------+-----------+-----------+-----------+------------+------------+------------+------------+------------+------------+------------+------------+------------+------------+------------+------------+------------+------------+------------+------------+------------+------------+------------+------------+------------+------------+------------+------------+------------+------------+------------+------------+------------+------------+----------+</a:t>
+            </a:r>
+          </a:p>
+          <a:p>
+            <a:pPr defTabSz="457200">
+              <a:defRPr sz="700">
+                <a:solidFill>
+                  <a:srgbClr val="212121"/>
+                </a:solidFill>
+                <a:latin typeface="Monaco"/>
+                <a:ea typeface="Monaco"/>
+                <a:cs typeface="Monaco"/>
+                <a:sym typeface="Monaco"/>
+              </a:defRPr>
+            </a:pPr>
+            <a:r>
+              <a:t>|Elevation|Aspect|Slope|Horizontal_Distance_To_Hydrology|Vertical_Distance_To_Hydrology|Horizontal_Distance_To_Roadways|Hillshade_9am|Hillshade_Noon|Hillshade_3pm|Horizontal_Distance_To_Fire_Points|Wilderness_Area_0|Wilderness_Area_1|Wilderness_Area_2|Wilderness_Area_3|Soil_Type_0|Soil_Type_1|Soil_Type_2|Soil_Type_3|Soil_Type_4|Soil_Type_5|Soil_Type_6|Soil_Type_7|Soil_Type_8|Soil_Type_9|Soil_Type_10|Soil_Type_11|Soil_Type_12|Soil_Type_13|Soil_Type_14|Soil_Type_15|Soil_Type_16|Soil_Type_17|Soil_Type_18|Soil_Type_19|Soil_Type_20|Soil_Type_21|Soil_Type_22|Soil_Type_23|Soil_Type_24|Soil_Type_25|Soil_Type_26|Soil_Type_27|Soil_Type_28|Soil_Type_29|Soil_Type_30|Soil_Type_31|Soil_Type_32|Soil_Type_33|Soil_Type_34|Soil_Type_35|Soil_Type_36|Soil_Type_37|Soil_Type_38|Soil_Type_39|Cover_Type|</a:t>
+            </a:r>
+          </a:p>
+          <a:p>
+            <a:pPr defTabSz="457200">
+              <a:defRPr sz="700">
+                <a:solidFill>
+                  <a:srgbClr val="212121"/>
+                </a:solidFill>
+                <a:latin typeface="Monaco"/>
+                <a:ea typeface="Monaco"/>
+                <a:cs typeface="Monaco"/>
+                <a:sym typeface="Monaco"/>
+              </a:defRPr>
+            </a:pPr>
+            <a:r>
+              <a:t>+---------+------+-----+--------------------------------+------------------------------+-------------------------------+-------------+--------------+-------------+----------------------------------+-----------------+-----------------+-----------------+-----------------+-----------+-----------+-----------+-----------+-----------+-----------+-----------+-----------+-----------+-----------+------------+------------+------------+------------+------------+------------+------------+------------+------------+------------+------------+------------+------------+------------+------------+------------+------------+------------+------------+------------+------------+------------+------------+------------+------------+------------+------------+------------+------------+------------+----------+</a:t>
+            </a:r>
+          </a:p>
+          <a:p>
+            <a:pPr defTabSz="457200">
+              <a:defRPr sz="700">
+                <a:solidFill>
+                  <a:srgbClr val="212121"/>
+                </a:solidFill>
+                <a:latin typeface="Monaco"/>
+                <a:ea typeface="Monaco"/>
+                <a:cs typeface="Monaco"/>
+                <a:sym typeface="Monaco"/>
+              </a:defRPr>
+            </a:pPr>
+            <a:r>
+              <a:t>|     2596|    51|    3|                             258|                             0|                            510|          221|           232|          148|                              6279|                1|                0|                0|                0|          0|          0|          0|          0|          0|          0|          0|          0|          0|          0|           0|           0|           0|           0|           0|           0|           0|           0|           0|           0|           0|           0|           0|           0|           0|           0|           0|           0|           1|           0|           0|           0|           0|           0|           0|           0|           0|           0|           0|           0|       5.0|</a:t>
+            </a:r>
+          </a:p>
+          <a:p>
+            <a:pPr defTabSz="457200">
+              <a:defRPr sz="700">
+                <a:solidFill>
+                  <a:srgbClr val="212121"/>
+                </a:solidFill>
+                <a:latin typeface="Monaco"/>
+                <a:ea typeface="Monaco"/>
+                <a:cs typeface="Monaco"/>
+                <a:sym typeface="Monaco"/>
+              </a:defRPr>
+            </a:pPr>
+            <a:r>
+              <a:t>|     2590|    56|    2|                             212|                            -6|                            390|          220|           235|          151|                              6225|                1|                0|                0|                0|          0|          0|          0|          0|          0|          0|          0|          0|          0|          0|           0|           0|           0|           0|           0|           0|           0|           0|           0|           0|           0|           0|           0|           0|           0|           0|           0|           0|           1|           0|           0|           0|           0|           0|           0|           0|           0|           0|           0|           0|       5.0|</a:t>
+            </a:r>
+          </a:p>
+        </p:txBody>
+      </p:sp>
+      <p:sp>
+        <p:nvSpPr>
+          <p:cNvPr id="144" name="+---------+------+-----+--------------------------------+------------------------------+-------------------------------+-------------+--------------+-------------+----------------------------------+-----------------+-----------------+-----------------+-----------------+-----------+-----------+-----------+-----------+-----------+-----------+-----------+-----------+-----------+-----------+------------+------------+------------+------------+------------+------------+------------+------------+------------+------------+------------+------------+------------+------------+------------+------------+------------+------------+------------+------------+------------+------------+------------+------------+------------+------------+------------+------------+------------+------------+----------+…"/>
+          <p:cNvSpPr txBox="1"/>
+          <p:nvPr/>
+        </p:nvSpPr>
+        <p:spPr>
+          <a:xfrm>
+            <a:off x="-25812155" y="3857503"/>
+            <a:ext cx="43675310" cy="846018"/>
+          </a:xfrm>
+          <a:prstGeom prst="rect">
+            <a:avLst/>
+          </a:prstGeom>
+          <a:ln w="12700">
+            <a:miter lim="400000"/>
+          </a:ln>
+          <a:extLst>
+            <a:ext uri="{C572A759-6A51-4108-AA02-DFA0A04FC94B}">
+              <ma14:wrappingTextBoxFlag xmlns:ma14="http://schemas.microsoft.com/office/mac/drawingml/2011/main" val="1"/>
+            </a:ext>
+          </a:extLst>
+        </p:spPr>
+        <p:txBody>
+          <a:bodyPr lIns="45719" rIns="45719">
+            <a:spAutoFit/>
+          </a:bodyPr>
+          <a:lstStyle/>
+          <a:p>
+            <a:pPr defTabSz="457200">
+              <a:defRPr sz="700">
+                <a:solidFill>
+                  <a:srgbClr val="212121"/>
+                </a:solidFill>
+                <a:latin typeface="Monaco"/>
+                <a:ea typeface="Monaco"/>
+                <a:cs typeface="Monaco"/>
+                <a:sym typeface="Monaco"/>
+              </a:defRPr>
+            </a:pPr>
+            <a:r>
+              <a:t>+---------+------+-----+--------------------------------+------------------------------+-------------------------------+-------------+--------------+-------------+----------------------------------+-----------------+-----------------+-----------------+-----------------+-----------+-----------+-----------+-----------+-----------+-----------+-----------+-----------+-----------+-----------+------------+------------+------------+------------+------------+------------+------------+------------+------------+------------+------------+------------+------------+------------+------------+------------+------------+------------+------------+------------+------------+------------+------------+------------+------------+------------+------------+------------+------------+------------+----------+</a:t>
+            </a:r>
+          </a:p>
+          <a:p>
+            <a:pPr defTabSz="457200">
+              <a:defRPr sz="700">
+                <a:solidFill>
+                  <a:srgbClr val="212121"/>
+                </a:solidFill>
+                <a:latin typeface="Monaco"/>
+                <a:ea typeface="Monaco"/>
+                <a:cs typeface="Monaco"/>
+                <a:sym typeface="Monaco"/>
+              </a:defRPr>
+            </a:pPr>
+            <a:r>
+              <a:t>|Elevation|Aspect|Slope|Horizontal_Distance_To_Hydrology|Vertical_Distance_To_Hydrology|Horizontal_Distance_To_Roadways|Hillshade_9am|Hillshade_Noon|Hillshade_3pm|Horizontal_Distance_To_Fire_Points|Wilderness_Area_0|Wilderness_Area_1|Wilderness_Area_2|Wilderness_Area_3|Soil_Type_0|Soil_Type_1|Soil_Type_2|Soil_Type_3|Soil_Type_4|Soil_Type_5|Soil_Type_6|Soil_Type_7|Soil_Type_8|Soil_Type_9|Soil_Type_10|Soil_Type_11|Soil_Type_12|Soil_Type_13|Soil_Type_14|Soil_Type_15|Soil_Type_16|Soil_Type_17|Soil_Type_18|Soil_Type_19|Soil_Type_20|Soil_Type_21|Soil_Type_22|Soil_Type_23|Soil_Type_24|Soil_Type_25|Soil_Type_26|Soil_Type_27|Soil_Type_28|Soil_Type_29|Soil_Type_30|Soil_Type_31|Soil_Type_32|Soil_Type_33|Soil_Type_34|Soil_Type_35|Soil_Type_36|Soil_Type_37|Soil_Type_38|Soil_Type_39|Cover_Type|</a:t>
+            </a:r>
+          </a:p>
+          <a:p>
+            <a:pPr defTabSz="457200">
+              <a:defRPr sz="700">
+                <a:solidFill>
+                  <a:srgbClr val="212121"/>
+                </a:solidFill>
+                <a:latin typeface="Monaco"/>
+                <a:ea typeface="Monaco"/>
+                <a:cs typeface="Monaco"/>
+                <a:sym typeface="Monaco"/>
+              </a:defRPr>
+            </a:pPr>
+            <a:r>
+              <a:t>+---------+------+-----+--------------------------------+------------------------------+-------------------------------+-------------+--------------+-------------+----------------------------------+-----------------+-----------------+-----------------+-----------------+-----------+-----------+-----------+-----------+-----------+-----------+-----------+-----------+-----------+-----------+------------+------------+------------+------------+------------+------------+------------+------------+------------+------------+------------+------------+------------+------------+------------+------------+------------+------------+------------+------------+------------+------------+------------+------------+------------+------------+------------+------------+------------+------------+----------+</a:t>
+            </a:r>
+          </a:p>
+          <a:p>
+            <a:pPr defTabSz="457200">
+              <a:defRPr sz="700">
+                <a:solidFill>
+                  <a:srgbClr val="212121"/>
+                </a:solidFill>
+                <a:latin typeface="Monaco"/>
+                <a:ea typeface="Monaco"/>
+                <a:cs typeface="Monaco"/>
+                <a:sym typeface="Monaco"/>
+              </a:defRPr>
+            </a:pPr>
+            <a:r>
+              <a:t>|     2596|    51|    3|                             258|                             0|                            510|          221|           232|          148|                              6279|                1|                0|                0|                0|          0|          0|          0|          0|          0|          0|          0|          0|          0|          0|           0|           0|           0|           0|           0|           0|           0|           0|           0|           0|           0|           0|           0|           0|           0|           0|           0|           0|           1|           0|           0|           0|           0|           0|           0|           0|           0|           0|           0|           0|       5.0|</a:t>
+            </a:r>
+          </a:p>
+          <a:p>
+            <a:pPr defTabSz="457200">
+              <a:defRPr sz="700">
+                <a:solidFill>
+                  <a:srgbClr val="212121"/>
+                </a:solidFill>
+                <a:latin typeface="Monaco"/>
+                <a:ea typeface="Monaco"/>
+                <a:cs typeface="Monaco"/>
+                <a:sym typeface="Monaco"/>
+              </a:defRPr>
+            </a:pPr>
+            <a:r>
+              <a:t>|     2590|    56|    2|                             212|                            -6|                            390|          220|           235|          151|                              6225|                1|                0|                0|                0|          0|          0|          0|          0|          0|          0|          0|          0|          0|          0|           0|           0|           0|           0|           0|           0|           0|           0|           0|           0|           0|           0|           0|           0|           0|           0|           0|           0|           1|           0|           0|           0|           0|           0|           0|           0|           0|           0|           0|           0|       5.0|</a:t>
+            </a:r>
+          </a:p>
+        </p:txBody>
+      </p:sp>
+      <p:sp>
+        <p:nvSpPr>
+          <p:cNvPr id="145" name="+---------+------+-----+--------------------------------+------------------------------+-------------------------------+-------------+--------------+-------------+----------------------------------+-----------------+-----------------+-----------------+-----------------+-----------+-----------+-----------+-----------+-----------+-----------+-----------+-----------+-----------+-----------+------------+------------+------------+------------+------------+------------+------------+------------+------------+------------+------------+------------+------------+------------+------------+------------+------------+------------+------------+------------+------------+------------+------------+------------+------------+------------+------------+------------+------------+------------+----------+…"/>
+          <p:cNvSpPr txBox="1"/>
+          <p:nvPr/>
+        </p:nvSpPr>
+        <p:spPr>
+          <a:xfrm>
+            <a:off x="-33267055" y="4678974"/>
+            <a:ext cx="43675310" cy="846018"/>
+          </a:xfrm>
+          <a:prstGeom prst="rect">
+            <a:avLst/>
+          </a:prstGeom>
+          <a:ln w="12700">
+            <a:miter lim="400000"/>
+          </a:ln>
+          <a:extLst>
+            <a:ext uri="{C572A759-6A51-4108-AA02-DFA0A04FC94B}">
+              <ma14:wrappingTextBoxFlag xmlns:ma14="http://schemas.microsoft.com/office/mac/drawingml/2011/main" val="1"/>
+            </a:ext>
+          </a:extLst>
+        </p:spPr>
+        <p:txBody>
+          <a:bodyPr lIns="45719" rIns="45719">
+            <a:spAutoFit/>
+          </a:bodyPr>
+          <a:lstStyle/>
+          <a:p>
+            <a:pPr defTabSz="457200">
+              <a:defRPr sz="700">
+                <a:solidFill>
+                  <a:srgbClr val="212121"/>
+                </a:solidFill>
+                <a:latin typeface="Monaco"/>
+                <a:ea typeface="Monaco"/>
+                <a:cs typeface="Monaco"/>
+                <a:sym typeface="Monaco"/>
+              </a:defRPr>
+            </a:pPr>
+            <a:r>
+              <a:t>+---------+------+-----+--------------------------------+------------------------------+-------------------------------+-------------+--------------+-------------+----------------------------------+-----------------+-----------------+-----------------+-----------------+-----------+-----------+-----------+-----------+-----------+-----------+-----------+-----------+-----------+-----------+------------+------------+------------+------------+------------+------------+------------+------------+------------+------------+------------+------------+------------+------------+------------+------------+------------+------------+------------+------------+------------+------------+------------+------------+------------+------------+------------+------------+------------+------------+----------+</a:t>
+            </a:r>
+          </a:p>
+          <a:p>
+            <a:pPr defTabSz="457200">
+              <a:defRPr sz="700">
+                <a:solidFill>
+                  <a:srgbClr val="212121"/>
+                </a:solidFill>
+                <a:latin typeface="Monaco"/>
+                <a:ea typeface="Monaco"/>
+                <a:cs typeface="Monaco"/>
+                <a:sym typeface="Monaco"/>
+              </a:defRPr>
+            </a:pPr>
+            <a:r>
+              <a:t>|Elevation|Aspect|Slope|Horizontal_Distance_To_Hydrology|Vertical_Distance_To_Hydrology|Horizontal_Distance_To_Roadways|Hillshade_9am|Hillshade_Noon|Hillshade_3pm|Horizontal_Distance_To_Fire_Points|Wilderness_Area_0|Wilderness_Area_1|Wilderness_Area_2|Wilderness_Area_3|Soil_Type_0|Soil_Type_1|Soil_Type_2|Soil_Type_3|Soil_Type_4|Soil_Type_5|Soil_Type_6|Soil_Type_7|Soil_Type_8|Soil_Type_9|Soil_Type_10|Soil_Type_11|Soil_Type_12|Soil_Type_13|Soil_Type_14|Soil_Type_15|Soil_Type_16|Soil_Type_17|Soil_Type_18|Soil_Type_19|Soil_Type_20|Soil_Type_21|Soil_Type_22|Soil_Type_23|Soil_Type_24|Soil_Type_25|Soil_Type_26|Soil_Type_27|Soil_Type_28|Soil_Type_29|Soil_Type_30|Soil_Type_31|Soil_Type_32|Soil_Type_33|Soil_Type_34|Soil_Type_35|Soil_Type_36|Soil_Type_37|Soil_Type_38|Soil_Type_39|Cover_Type|</a:t>
+            </a:r>
+          </a:p>
+          <a:p>
+            <a:pPr defTabSz="457200">
+              <a:defRPr sz="700">
+                <a:solidFill>
+                  <a:srgbClr val="212121"/>
+                </a:solidFill>
+                <a:latin typeface="Monaco"/>
+                <a:ea typeface="Monaco"/>
+                <a:cs typeface="Monaco"/>
+                <a:sym typeface="Monaco"/>
+              </a:defRPr>
+            </a:pPr>
+            <a:r>
+              <a:t>+---------+------+-----+--------------------------------+------------------------------+-------------------------------+-------------+--------------+-------------+----------------------------------+-----------------+-----------------+-----------------+-----------------+-----------+-----------+-----------+-----------+-----------+-----------+-----------+-----------+-----------+-----------+------------+------------+------------+------------+------------+------------+------------+------------+------------+------------+------------+------------+------------+------------+------------+------------+------------+------------+------------+------------+------------+------------+------------+------------+------------+------------+------------+------------+------------+------------+----------+</a:t>
+            </a:r>
+          </a:p>
+          <a:p>
+            <a:pPr defTabSz="457200">
+              <a:defRPr sz="700">
+                <a:solidFill>
+                  <a:srgbClr val="212121"/>
+                </a:solidFill>
+                <a:latin typeface="Monaco"/>
+                <a:ea typeface="Monaco"/>
+                <a:cs typeface="Monaco"/>
+                <a:sym typeface="Monaco"/>
+              </a:defRPr>
+            </a:pPr>
+            <a:r>
+              <a:t>|     2596|    51|    3|                             258|                             0|                            510|          221|           232|          148|                              6279|                1|                0|                0|                0|          0|          0|          0|          0|          0|          0|          0|          0|          0|          0|           0|           0|           0|           0|           0|           0|           0|           0|           0|           0|           0|           0|           0|           0|           0|           0|           0|           0|           1|           0|           0|           0|           0|           0|           0|           0|           0|           0|           0|           0|       5.0|</a:t>
+            </a:r>
+          </a:p>
+          <a:p>
+            <a:pPr defTabSz="457200">
+              <a:defRPr sz="700">
+                <a:solidFill>
+                  <a:srgbClr val="212121"/>
+                </a:solidFill>
+                <a:latin typeface="Monaco"/>
+                <a:ea typeface="Monaco"/>
+                <a:cs typeface="Monaco"/>
+                <a:sym typeface="Monaco"/>
+              </a:defRPr>
+            </a:pPr>
+            <a:r>
+              <a:t>|     2590|    56|    2|                             212|                            -6|                            390|          220|           235|          151|                              6225|                1|                0|                0|                0|          0|          0|          0|          0|          0|          0|          0|          0|          0|          0|           0|           0|           0|           0|           0|           0|           0|           0|           0|           0|           0|           0|           0|           0|           0|           0|           0|           0|           1|           0|           0|           0|           0|           0|           0|           0|           0|           0|           0|           0|       5.0|</a:t>
             </a:r>
           </a:p>
         </p:txBody>

--- a/powerpoints/ITU Academy Slides AM4-10.pptx
+++ b/powerpoints/ITU Academy Slides AM4-10.pptx
@@ -25,6 +25,17 @@
     <p:sldId id="270" r:id="rId22"/>
     <p:sldId id="271" r:id="rId23"/>
     <p:sldId id="272" r:id="rId24"/>
+    <p:sldId id="273" r:id="rId25"/>
+    <p:sldId id="274" r:id="rId26"/>
+    <p:sldId id="275" r:id="rId27"/>
+    <p:sldId id="276" r:id="rId28"/>
+    <p:sldId id="277" r:id="rId29"/>
+    <p:sldId id="278" r:id="rId30"/>
+    <p:sldId id="279" r:id="rId31"/>
+    <p:sldId id="280" r:id="rId32"/>
+    <p:sldId id="281" r:id="rId33"/>
+    <p:sldId id="282" r:id="rId34"/>
+    <p:sldId id="283" r:id="rId35"/>
   </p:sldIdLst>
   <p:sldSz cx="9144000" cy="6858000"/>
   <p:notesSz cx="6858000" cy="9144000"/>
@@ -352,7 +363,7 @@
       </p:grpSpPr>
       <p:sp>
         <p:nvSpPr>
-          <p:cNvPr id="112" name="Shape 112"/>
+          <p:cNvPr id="122" name="Shape 122"/>
           <p:cNvSpPr/>
           <p:nvPr>
             <p:ph type="sldImg"/>
@@ -377,7 +388,7 @@
       </p:sp>
       <p:sp>
         <p:nvSpPr>
-          <p:cNvPr id="113" name="Shape 113"/>
+          <p:cNvPr id="123" name="Shape 123"/>
           <p:cNvSpPr/>
           <p:nvPr>
             <p:ph type="body" sz="quarter" idx="1"/>
@@ -480,82 +491,6 @@
 </p:notesMaster>
 </file>
 
-<file path=ppt/notesSlides/notesSlide1.xml><?xml version="1.0" encoding="utf-8"?>
-<p:notes xmlns:a="http://schemas.openxmlformats.org/drawingml/2006/main" xmlns:r="http://schemas.openxmlformats.org/officeDocument/2006/relationships" xmlns:p="http://schemas.openxmlformats.org/presentationml/2006/main" showMasterSp="1" showMasterPhAnim="1">
-  <p:cSld>
-    <p:spTree>
-      <p:nvGrpSpPr>
-        <p:cNvPr id="1" name=""/>
-        <p:cNvGrpSpPr/>
-        <p:nvPr/>
-      </p:nvGrpSpPr>
-      <p:grpSpPr>
-        <a:xfrm>
-          <a:off x="0" y="0"/>
-          <a:ext cx="0" cy="0"/>
-          <a:chOff x="0" y="0"/>
-          <a:chExt cx="0" cy="0"/>
-        </a:xfrm>
-      </p:grpSpPr>
-      <p:sp>
-        <p:nvSpPr>
-          <p:cNvPr id="169" name="Shape 169"/>
-          <p:cNvSpPr/>
-          <p:nvPr>
-            <p:ph type="sldImg"/>
-          </p:nvPr>
-        </p:nvSpPr>
-        <p:spPr>
-          <a:prstGeom prst="rect">
-            <a:avLst/>
-          </a:prstGeom>
-        </p:spPr>
-        <p:txBody>
-          <a:bodyPr/>
-          <a:lstStyle/>
-          <a:p>
-            <a:pPr/>
-          </a:p>
-        </p:txBody>
-      </p:sp>
-      <p:sp>
-        <p:nvSpPr>
-          <p:cNvPr id="170" name="Shape 170"/>
-          <p:cNvSpPr/>
-          <p:nvPr>
-            <p:ph type="body" sz="quarter" idx="1"/>
-          </p:nvPr>
-        </p:nvSpPr>
-        <p:spPr>
-          <a:prstGeom prst="rect">
-            <a:avLst/>
-          </a:prstGeom>
-        </p:spPr>
-        <p:txBody>
-          <a:bodyPr/>
-          <a:lstStyle/>
-          <a:p>
-            <a:pPr/>
-            <a:r>
-              <a:t>Using the dataset description, discuss why there is a poor recognition of types 4,5,6?</a:t>
-            </a:r>
-          </a:p>
-          <a:p>
-            <a:pPr/>
-            <a:r>
-              <a:t>How it can be improved?</a:t>
-            </a:r>
-          </a:p>
-        </p:txBody>
-      </p:sp>
-    </p:spTree>
-  </p:cSld>
-  <p:clrMapOvr>
-    <a:masterClrMapping/>
-  </p:clrMapOvr>
-</p:notes>
-</file>
-
 <file path=ppt/slideLayouts/slideLayout1.xml><?xml version="1.0" encoding="utf-8"?>
 <p:sldLayout xmlns:a="http://schemas.openxmlformats.org/drawingml/2006/main" xmlns:r="http://schemas.openxmlformats.org/officeDocument/2006/relationships" xmlns:p="http://schemas.openxmlformats.org/presentationml/2006/main" type="title" showMasterSp="0" showMasterPhAnim="1">
   <p:cSld name="Title Slide">
@@ -966,6 +901,155 @@
       <p:sp>
         <p:nvSpPr>
           <p:cNvPr id="106" name="Slide Number"/>
+          <p:cNvSpPr txBox="1"/>
+          <p:nvPr>
+            <p:ph type="sldNum" sz="quarter" idx="2"/>
+          </p:nvPr>
+        </p:nvSpPr>
+        <p:spPr>
+          <a:prstGeom prst="rect">
+            <a:avLst/>
+          </a:prstGeom>
+        </p:spPr>
+        <p:txBody>
+          <a:bodyPr/>
+          <a:lstStyle/>
+          <a:p>
+            <a:pPr/>
+            <a:fld id="{86CB4B4D-7CA3-9044-876B-883B54F8677D}" type="slidenum"/>
+          </a:p>
+        </p:txBody>
+      </p:sp>
+    </p:spTree>
+  </p:cSld>
+  <p:clrMapOvr>
+    <a:masterClrMapping/>
+  </p:clrMapOvr>
+  <p:transition xmlns:p14="http://schemas.microsoft.com/office/powerpoint/2010/main" spd="med" advClick="1"/>
+</p:sldLayout>
+</file>
+
+<file path=ppt/slideLayouts/slideLayout12.xml><?xml version="1.0" encoding="utf-8"?>
+<p:sldLayout xmlns:a="http://schemas.openxmlformats.org/drawingml/2006/main" xmlns:r="http://schemas.openxmlformats.org/officeDocument/2006/relationships" xmlns:p="http://schemas.openxmlformats.org/presentationml/2006/main" type="tx" showMasterSp="0" showMasterPhAnim="1">
+  <p:cSld name="Title and Content">
+    <p:spTree>
+      <p:nvGrpSpPr>
+        <p:cNvPr id="1" name=""/>
+        <p:cNvGrpSpPr/>
+        <p:nvPr/>
+      </p:nvGrpSpPr>
+      <p:grpSpPr>
+        <a:xfrm>
+          <a:off x="0" y="0"/>
+          <a:ext cx="0" cy="0"/>
+          <a:chOff x="0" y="0"/>
+          <a:chExt cx="0" cy="0"/>
+        </a:xfrm>
+      </p:grpSpPr>
+      <p:pic>
+        <p:nvPicPr>
+          <p:cNvPr id="113" name="image1.jpeg" descr="image1.jpeg"/>
+          <p:cNvPicPr>
+            <a:picLocks noChangeAspect="1"/>
+          </p:cNvPicPr>
+          <p:nvPr/>
+        </p:nvPicPr>
+        <p:blipFill>
+          <a:blip r:embed="rId2">
+            <a:extLst/>
+          </a:blip>
+          <a:stretch>
+            <a:fillRect/>
+          </a:stretch>
+        </p:blipFill>
+        <p:spPr>
+          <a:xfrm>
+            <a:off x="0" y="0"/>
+            <a:ext cx="9144000" cy="6858000"/>
+          </a:xfrm>
+          <a:prstGeom prst="rect">
+            <a:avLst/>
+          </a:prstGeom>
+          <a:ln w="12700">
+            <a:miter lim="400000"/>
+          </a:ln>
+        </p:spPr>
+      </p:pic>
+      <p:sp>
+        <p:nvSpPr>
+          <p:cNvPr id="114" name="Title Text"/>
+          <p:cNvSpPr txBox="1"/>
+          <p:nvPr>
+            <p:ph type="title"/>
+          </p:nvPr>
+        </p:nvSpPr>
+        <p:spPr>
+          <a:prstGeom prst="rect">
+            <a:avLst/>
+          </a:prstGeom>
+        </p:spPr>
+        <p:txBody>
+          <a:bodyPr/>
+          <a:lstStyle/>
+          <a:p>
+            <a:pPr/>
+            <a:r>
+              <a:t>Title Text</a:t>
+            </a:r>
+          </a:p>
+        </p:txBody>
+      </p:sp>
+      <p:sp>
+        <p:nvSpPr>
+          <p:cNvPr id="115" name="Body Level One…"/>
+          <p:cNvSpPr txBox="1"/>
+          <p:nvPr>
+            <p:ph type="body" idx="1"/>
+          </p:nvPr>
+        </p:nvSpPr>
+        <p:spPr>
+          <a:prstGeom prst="rect">
+            <a:avLst/>
+          </a:prstGeom>
+        </p:spPr>
+        <p:txBody>
+          <a:bodyPr/>
+          <a:lstStyle/>
+          <a:p>
+            <a:pPr/>
+            <a:r>
+              <a:t>Body Level One</a:t>
+            </a:r>
+          </a:p>
+          <a:p>
+            <a:pPr lvl="1"/>
+            <a:r>
+              <a:t>Body Level Two</a:t>
+            </a:r>
+          </a:p>
+          <a:p>
+            <a:pPr lvl="2"/>
+            <a:r>
+              <a:t>Body Level Three</a:t>
+            </a:r>
+          </a:p>
+          <a:p>
+            <a:pPr lvl="3"/>
+            <a:r>
+              <a:t>Body Level Four</a:t>
+            </a:r>
+          </a:p>
+          <a:p>
+            <a:pPr lvl="4"/>
+            <a:r>
+              <a:t>Body Level Five</a:t>
+            </a:r>
+          </a:p>
+        </p:txBody>
+      </p:sp>
+      <p:sp>
+        <p:nvSpPr>
+          <p:cNvPr id="116" name="Slide Number"/>
           <p:cNvSpPr txBox="1"/>
           <p:nvPr>
             <p:ph type="sldNum" sz="quarter" idx="2"/>
@@ -2425,6 +2509,7 @@
     <p:sldLayoutId id="2147483657" r:id="rId11"/>
     <p:sldLayoutId id="2147483658" r:id="rId12"/>
     <p:sldLayoutId id="2147483659" r:id="rId13"/>
+    <p:sldLayoutId id="2147483660" r:id="rId14"/>
   </p:sldLayoutIdLst>
   <p:transition xmlns:p14="http://schemas.microsoft.com/office/powerpoint/2010/main" spd="med" advClick="1"/>
   <p:txStyles>
@@ -3251,7 +3336,7 @@
       </p:grpSpPr>
       <p:sp>
         <p:nvSpPr>
-          <p:cNvPr id="115" name="Title 1"/>
+          <p:cNvPr id="125" name="Title 1"/>
           <p:cNvSpPr txBox="1"/>
           <p:nvPr>
             <p:ph type="ctrTitle"/>
@@ -3314,7 +3399,7 @@
       </p:grpSpPr>
       <p:sp>
         <p:nvSpPr>
-          <p:cNvPr id="147" name="Create a feature vector"/>
+          <p:cNvPr id="151" name="Read in and take a look"/>
           <p:cNvSpPr txBox="1"/>
           <p:nvPr>
             <p:ph type="title"/>
@@ -3331,104 +3416,21 @@
           <a:p>
             <a:pPr/>
             <a:r>
-              <a:t>Create a feature vector</a:t>
+              <a:t>Read in and take a look</a:t>
             </a:r>
           </a:p>
         </p:txBody>
       </p:sp>
       <p:sp>
         <p:nvSpPr>
-          <p:cNvPr id="148" name="val inputCols = trainData.columns.filter(_ != &quot;Cover_Type&quot;)…"/>
+          <p:cNvPr id="152" name="# #Train and Test Datasets…"/>
           <p:cNvSpPr txBox="1"/>
           <p:nvPr/>
         </p:nvSpPr>
         <p:spPr>
           <a:xfrm>
-            <a:off x="1360904" y="1592580"/>
-            <a:ext cx="5842755" cy="2021841"/>
-          </a:xfrm>
-          <a:prstGeom prst="rect">
-            <a:avLst/>
-          </a:prstGeom>
-          <a:ln w="12700">
-            <a:miter lim="400000"/>
-          </a:ln>
-          <a:extLst>
-            <a:ext uri="{C572A759-6A51-4108-AA02-DFA0A04FC94B}">
-              <ma14:wrappingTextBoxFlag xmlns:ma14="http://schemas.microsoft.com/office/mac/drawingml/2011/main" val="1"/>
-            </a:ext>
-          </a:extLst>
-        </p:spPr>
-        <p:txBody>
-          <a:bodyPr wrap="none" lIns="45719" rIns="45719">
-            <a:spAutoFit/>
-          </a:bodyPr>
-          <a:lstStyle/>
-          <a:p>
-            <a:pPr>
-              <a:defRPr sz="1600"/>
-            </a:pPr>
-            <a:r>
-              <a:t>     val inputCols = trainData.columns.filter(_ != "Cover_Type")</a:t>
-            </a:r>
-          </a:p>
-          <a:p>
-            <a:pPr>
-              <a:defRPr sz="1600"/>
-            </a:pPr>
-            <a:r>
-              <a:t>    val assembler = new VectorAssembler().</a:t>
-            </a:r>
-          </a:p>
-          <a:p>
-            <a:pPr>
-              <a:defRPr sz="1600"/>
-            </a:pPr>
-            <a:r>
-              <a:t>      setInputCols(inputCols).</a:t>
-            </a:r>
-          </a:p>
-          <a:p>
-            <a:pPr>
-              <a:defRPr sz="1600"/>
-            </a:pPr>
-            <a:r>
-              <a:t>      setOutputCol("featureVector")</a:t>
-            </a:r>
-          </a:p>
-          <a:p>
-            <a:pPr>
-              <a:defRPr sz="1600"/>
-            </a:pPr>
-          </a:p>
-          <a:p>
-            <a:pPr>
-              <a:defRPr sz="1600"/>
-            </a:pPr>
-            <a:r>
-              <a:t>    val assembledTrainData = assembler.transform(trainData)</a:t>
-            </a:r>
-          </a:p>
-          <a:p>
-            <a:pPr>
-              <a:defRPr sz="1600"/>
-            </a:pPr>
-            <a:r>
-              <a:t>    assembledTrainData.select("featureVector").show(truncate = false)</a:t>
-            </a:r>
-          </a:p>
-        </p:txBody>
-      </p:sp>
-      <p:sp>
-        <p:nvSpPr>
-          <p:cNvPr id="149" name="+-----------------------------------------------------------------------------------------------------+…"/>
-          <p:cNvSpPr txBox="1"/>
-          <p:nvPr/>
-        </p:nvSpPr>
-        <p:spPr>
-          <a:xfrm>
-            <a:off x="721836" y="3789362"/>
-            <a:ext cx="10156984" cy="1503237"/>
+            <a:off x="1842443" y="1516380"/>
+            <a:ext cx="4342357" cy="1488441"/>
           </a:xfrm>
           <a:prstGeom prst="rect">
             <a:avLst/>
@@ -3448,135 +3450,701 @@
           </a:bodyPr>
           <a:lstStyle/>
           <a:p>
-            <a:pPr defTabSz="457200">
-              <a:defRPr sz="1000">
-                <a:solidFill>
-                  <a:srgbClr val="212121"/>
-                </a:solidFill>
-                <a:latin typeface="Monaco"/>
-                <a:ea typeface="Monaco"/>
-                <a:cs typeface="Monaco"/>
-                <a:sym typeface="Monaco"/>
-              </a:defRPr>
-            </a:pPr>
-            <a:r>
-              <a:t>+-----------------------------------------------------------------------------------------------------+</a:t>
-            </a:r>
-          </a:p>
-          <a:p>
-            <a:pPr defTabSz="457200">
-              <a:defRPr sz="1000">
-                <a:solidFill>
-                  <a:srgbClr val="212121"/>
-                </a:solidFill>
-                <a:latin typeface="Monaco"/>
-                <a:ea typeface="Monaco"/>
-                <a:cs typeface="Monaco"/>
-                <a:sym typeface="Monaco"/>
-              </a:defRPr>
-            </a:pPr>
-            <a:r>
-              <a:t>|featureVector                                                                                        |</a:t>
-            </a:r>
-          </a:p>
-          <a:p>
-            <a:pPr defTabSz="457200">
-              <a:defRPr sz="1000">
-                <a:solidFill>
-                  <a:srgbClr val="212121"/>
-                </a:solidFill>
-                <a:latin typeface="Monaco"/>
-                <a:ea typeface="Monaco"/>
-                <a:cs typeface="Monaco"/>
-                <a:sym typeface="Monaco"/>
-              </a:defRPr>
-            </a:pPr>
-            <a:r>
-              <a:t>+-----------------------------------------------------------------------------------------------------+</a:t>
-            </a:r>
-          </a:p>
-          <a:p>
-            <a:pPr defTabSz="457200">
-              <a:defRPr sz="1000">
-                <a:solidFill>
-                  <a:srgbClr val="212121"/>
-                </a:solidFill>
-                <a:latin typeface="Monaco"/>
-                <a:ea typeface="Monaco"/>
-                <a:cs typeface="Monaco"/>
-                <a:sym typeface="Monaco"/>
-              </a:defRPr>
-            </a:pPr>
-            <a:r>
-              <a:t>|(54,[0,1,2,3,4,5,6,7,8,9,13,15],[1863.0,37.0,17.0,120.0,18.0,90.0,217.0,202.0,115.0,769.0,1.0,1.0])  |</a:t>
-            </a:r>
-          </a:p>
-          <a:p>
-            <a:pPr defTabSz="457200">
-              <a:defRPr sz="1000">
-                <a:solidFill>
-                  <a:srgbClr val="212121"/>
-                </a:solidFill>
-                <a:latin typeface="Monaco"/>
-                <a:ea typeface="Monaco"/>
-                <a:cs typeface="Monaco"/>
-                <a:sym typeface="Monaco"/>
-              </a:defRPr>
-            </a:pPr>
-            <a:r>
-              <a:t>|(54,[0,1,2,5,6,7,8,9,13,18],[1874.0,18.0,14.0,90.0,208.0,209.0,135.0,793.0,1.0,1.0])                 |</a:t>
-            </a:r>
-          </a:p>
-          <a:p>
-            <a:pPr defTabSz="457200">
-              <a:defRPr sz="1000">
-                <a:solidFill>
-                  <a:srgbClr val="212121"/>
-                </a:solidFill>
-                <a:latin typeface="Monaco"/>
-                <a:ea typeface="Monaco"/>
-                <a:cs typeface="Monaco"/>
-                <a:sym typeface="Monaco"/>
-              </a:defRPr>
-            </a:pPr>
-            <a:r>
-              <a:t>|(54,[0,1,2,3,4,5,6,7,8,9,13,18],[1879.0,28.0,19.0,30.0,12.0,95.0,209.0,196.0,117.0,778.0,1.0,1.0])   |</a:t>
-            </a:r>
-          </a:p>
-          <a:p>
-            <a:pPr defTabSz="457200">
-              <a:defRPr sz="1000">
-                <a:solidFill>
-                  <a:srgbClr val="212121"/>
-                </a:solidFill>
-                <a:latin typeface="Monaco"/>
-                <a:ea typeface="Monaco"/>
-                <a:cs typeface="Monaco"/>
-                <a:sym typeface="Monaco"/>
-              </a:defRPr>
-            </a:pPr>
-            <a:r>
-              <a:t>|(54,[0,1,2,3,4,5,6,7,8,9,13,15],[1888.0,33.0,22.0,150.0,46.0,108.0,209.0,185.0,103.0,735.0,1.0,1.0]) |</a:t>
-            </a:r>
-          </a:p>
-          <a:p>
-            <a:pPr defTabSz="457200">
-              <a:defRPr sz="1000">
-                <a:solidFill>
-                  <a:srgbClr val="212121"/>
-                </a:solidFill>
-                <a:latin typeface="Monaco"/>
-                <a:ea typeface="Monaco"/>
-                <a:cs typeface="Monaco"/>
-                <a:sym typeface="Monaco"/>
-              </a:defRPr>
-            </a:pPr>
-            <a:r>
-              <a:t>|(54,[0,1,2,3,4,5,6,7,8,9,13,14],[1889.0,28.0,22.0,150.0,23.0,120.0,205.0,185.0,108.0,759.0,1.0,1.0]) |</a:t>
+            <a:pPr/>
+            <a:r>
+              <a:t># #Train and Test Datasets</a:t>
+            </a:r>
+          </a:p>
+          <a:p>
+            <a:pPr/>
+            <a:r>
+              <a:t>df_train = pd.read_csv("train.csv")</a:t>
+            </a:r>
+          </a:p>
+          <a:p>
+            <a:pPr/>
+            <a:r>
+              <a:t>df_test = pd.read_csv("test.csv")</a:t>
+            </a:r>
+          </a:p>
+          <a:p>
+            <a:pPr/>
+          </a:p>
+          <a:p>
+            <a:pPr/>
+            <a:r>
+              <a:t>df_train.head()</a:t>
             </a:r>
           </a:p>
         </p:txBody>
       </p:sp>
+      <p:graphicFrame>
+        <p:nvGraphicFramePr>
+          <p:cNvPr id="153" name="Table 1"/>
+          <p:cNvGraphicFramePr/>
+          <p:nvPr/>
+        </p:nvGraphicFramePr>
+        <p:xfrm>
+          <a:off x="1085850" y="3103562"/>
+          <a:ext cx="1905000" cy="2511475"/>
+        </p:xfrm>
+        <a:graphic xmlns:a="http://schemas.openxmlformats.org/drawingml/2006/main">
+          <a:graphicData uri="http://schemas.openxmlformats.org/drawingml/2006/table">
+            <a:tbl>
+              <a:tblPr firstCol="1" firstRow="1" lastCol="0" lastRow="0" bandCol="0" bandRow="1" rtl="0">
+                <a:tableStyleId>{4C3C2611-4C71-4FC5-86AE-919BDF0F9419}</a:tableStyleId>
+              </a:tblPr>
+              <a:tblGrid>
+                <a:gridCol w="5020568"/>
+                <a:gridCol w="2951063"/>
+                <a:gridCol w="12157869"/>
+              </a:tblGrid>
+              <a:tr h="279400">
+                <a:tc gridSpan="3">
+                  <a:txBody>
+                    <a:bodyPr/>
+                    <a:lstStyle/>
+                    <a:p>
+                      <a:pPr algn="l">
+                        <a:defRPr b="0" sz="1800">
+                          <a:solidFill>
+                            <a:srgbClr val="000000"/>
+                          </a:solidFill>
+                        </a:defRPr>
+                      </a:pPr>
+                      <a:r>
+                        <a:t>Table 1</a:t>
+                      </a:r>
+                    </a:p>
+                  </a:txBody>
+                  <a:tcPr marL="0" marR="0" marT="0" marB="0" anchor="t" anchorCtr="0" horzOverflow="overflow">
+                    <a:lnL/>
+                    <a:lnR/>
+                    <a:lnT/>
+                    <a:lnB w="12700">
+                      <a:solidFill>
+                        <a:srgbClr val="FFFFFF"/>
+                      </a:solidFill>
+                    </a:lnB>
+                    <a:solidFill>
+                      <a:srgbClr val="000000">
+                        <a:alpha val="0"/>
+                      </a:srgbClr>
+                    </a:solidFill>
+                  </a:tcPr>
+                </a:tc>
+                <a:tc hMerge="1">
+                  <a:tcPr/>
+                </a:tc>
+                <a:tc hMerge="1">
+                  <a:tcPr/>
+                </a:tc>
+              </a:tr>
+              <a:tr h="279052">
+                <a:tc>
+                  <a:txBody>
+                    <a:bodyPr/>
+                    <a:lstStyle/>
+                    <a:p>
+                      <a:pPr algn="l">
+                        <a:defRPr sz="1800"/>
+                      </a:pPr>
+                    </a:p>
+                  </a:txBody>
+                  <a:tcPr marL="0" marR="0" marT="0" marB="0" anchor="t" anchorCtr="0" horzOverflow="overflow">
+                    <a:lnT w="12700">
+                      <a:solidFill>
+                        <a:srgbClr val="FFFFFF"/>
+                      </a:solidFill>
+                    </a:lnT>
+                    <a:lnB w="38100">
+                      <a:solidFill>
+                        <a:srgbClr val="FFFFFF"/>
+                      </a:solidFill>
+                    </a:lnB>
+                  </a:tcPr>
+                </a:tc>
+                <a:tc>
+                  <a:txBody>
+                    <a:bodyPr/>
+                    <a:lstStyle/>
+                    <a:p>
+                      <a:pPr algn="l">
+                        <a:defRPr b="1" sz="1800">
+                          <a:solidFill>
+                            <a:srgbClr val="FFFFFF"/>
+                          </a:solidFill>
+                        </a:defRPr>
+                      </a:pPr>
+                    </a:p>
+                  </a:txBody>
+                  <a:tcPr marL="0" marR="0" marT="0" marB="0" anchor="t" anchorCtr="0" horzOverflow="overflow">
+                    <a:lnT w="12700">
+                      <a:solidFill>
+                        <a:srgbClr val="FFFFFF"/>
+                      </a:solidFill>
+                    </a:lnT>
+                    <a:lnB w="38100">
+                      <a:solidFill>
+                        <a:srgbClr val="FFFFFF"/>
+                      </a:solidFill>
+                    </a:lnB>
+                    <a:solidFill>
+                      <a:schemeClr val="accent1"/>
+                    </a:solidFill>
+                  </a:tcPr>
+                </a:tc>
+                <a:tc>
+                  <a:txBody>
+                    <a:bodyPr/>
+                    <a:lstStyle/>
+                    <a:p>
+                      <a:pPr algn="l">
+                        <a:defRPr b="1" sz="1800">
+                          <a:solidFill>
+                            <a:srgbClr val="FFFFFF"/>
+                          </a:solidFill>
+                        </a:defRPr>
+                      </a:pPr>
+                    </a:p>
+                  </a:txBody>
+                  <a:tcPr marL="0" marR="0" marT="0" marB="0" anchor="t" anchorCtr="0" horzOverflow="overflow">
+                    <a:lnT w="12700">
+                      <a:solidFill>
+                        <a:srgbClr val="FFFFFF"/>
+                      </a:solidFill>
+                    </a:lnT>
+                    <a:lnB w="38100">
+                      <a:solidFill>
+                        <a:srgbClr val="FFFFFF"/>
+                      </a:solidFill>
+                    </a:lnB>
+                    <a:solidFill>
+                      <a:schemeClr val="accent1"/>
+                    </a:solidFill>
+                  </a:tcPr>
+                </a:tc>
+              </a:tr>
+              <a:tr h="279052">
+                <a:tc>
+                  <a:txBody>
+                    <a:bodyPr/>
+                    <a:lstStyle/>
+                    <a:p>
+                      <a:pPr algn="l">
+                        <a:defRPr b="0" sz="1800">
+                          <a:solidFill>
+                            <a:srgbClr val="000000"/>
+                          </a:solidFill>
+                        </a:defRPr>
+                      </a:pPr>
+                      <a:r>
+                        <a:rPr b="1">
+                          <a:solidFill>
+                            <a:srgbClr val="FFFFFF"/>
+                          </a:solidFill>
+                        </a:rPr>
+                        <a:t>df_train.head()</a:t>
+                      </a:r>
+                    </a:p>
+                  </a:txBody>
+                  <a:tcPr marL="0" marR="0" marT="0" marB="0" anchor="t" anchorCtr="0" horzOverflow="overflow">
+                    <a:lnT w="38100">
+                      <a:solidFill>
+                        <a:srgbClr val="FFFFFF"/>
+                      </a:solidFill>
+                    </a:lnT>
+                  </a:tcPr>
+                </a:tc>
+                <a:tc>
+                  <a:txBody>
+                    <a:bodyPr/>
+                    <a:lstStyle/>
+                    <a:p>
+                      <a:pPr algn="l">
+                        <a:defRPr sz="1800"/>
+                      </a:pPr>
+                    </a:p>
+                  </a:txBody>
+                  <a:tcPr marL="0" marR="0" marT="0" marB="0" anchor="t" anchorCtr="0" horzOverflow="overflow">
+                    <a:lnT w="38100">
+                      <a:solidFill>
+                        <a:srgbClr val="FFFFFF"/>
+                      </a:solidFill>
+                    </a:lnT>
+                    <a:solidFill>
+                      <a:srgbClr val="CFD7E7"/>
+                    </a:solidFill>
+                  </a:tcPr>
+                </a:tc>
+                <a:tc>
+                  <a:txBody>
+                    <a:bodyPr/>
+                    <a:lstStyle/>
+                    <a:p>
+                      <a:pPr algn="l">
+                        <a:defRPr sz="1800"/>
+                      </a:pPr>
+                    </a:p>
+                  </a:txBody>
+                  <a:tcPr marL="0" marR="0" marT="0" marB="0" anchor="t" anchorCtr="0" horzOverflow="overflow">
+                    <a:lnT w="38100">
+                      <a:solidFill>
+                        <a:srgbClr val="FFFFFF"/>
+                      </a:solidFill>
+                    </a:lnT>
+                    <a:solidFill>
+                      <a:srgbClr val="CFD7E7"/>
+                    </a:solidFill>
+                  </a:tcPr>
+                </a:tc>
+              </a:tr>
+              <a:tr h="279052">
+                <a:tc>
+                  <a:txBody>
+                    <a:bodyPr/>
+                    <a:lstStyle/>
+                    <a:p>
+                      <a:pPr algn="l">
+                        <a:defRPr b="0" sz="1800">
+                          <a:solidFill>
+                            <a:srgbClr val="000000"/>
+                          </a:solidFill>
+                        </a:defRPr>
+                      </a:pPr>
+                      <a:r>
+                        <a:rPr b="1">
+                          <a:solidFill>
+                            <a:srgbClr val="FFFFFF"/>
+                          </a:solidFill>
+                        </a:rPr>
+                        <a:t>Out[5]:</a:t>
+                      </a:r>
+                    </a:p>
+                  </a:txBody>
+                  <a:tcPr marL="0" marR="0" marT="0" marB="0" anchor="t" anchorCtr="0" horzOverflow="overflow"/>
+                </a:tc>
+                <a:tc>
+                  <a:txBody>
+                    <a:bodyPr/>
+                    <a:lstStyle/>
+                    <a:p>
+                      <a:pPr algn="l">
+                        <a:defRPr sz="1800"/>
+                      </a:pPr>
+                    </a:p>
+                  </a:txBody>
+                  <a:tcPr marL="0" marR="0" marT="0" marB="0" anchor="t" anchorCtr="0" horzOverflow="overflow">
+                    <a:solidFill>
+                      <a:srgbClr val="E8ECF4"/>
+                    </a:solidFill>
+                  </a:tcPr>
+                </a:tc>
+                <a:tc>
+                  <a:txBody>
+                    <a:bodyPr/>
+                    <a:lstStyle/>
+                    <a:p>
+                      <a:pPr algn="l">
+                        <a:defRPr sz="1800"/>
+                      </a:pPr>
+                    </a:p>
+                  </a:txBody>
+                  <a:tcPr marL="0" marR="0" marT="0" marB="0" anchor="t" anchorCtr="0" horzOverflow="overflow">
+                    <a:solidFill>
+                      <a:srgbClr val="E8ECF4"/>
+                    </a:solidFill>
+                  </a:tcPr>
+                </a:tc>
+              </a:tr>
+              <a:tr h="279052">
+                <a:tc>
+                  <a:txBody>
+                    <a:bodyPr/>
+                    <a:lstStyle/>
+                    <a:p>
+                      <a:pPr algn="l">
+                        <a:defRPr b="0" sz="1800">
+                          <a:solidFill>
+                            <a:srgbClr val="000000"/>
+                          </a:solidFill>
+                        </a:defRPr>
+                      </a:pPr>
+                      <a:r>
+                        <a:rPr b="1">
+                          <a:solidFill>
+                            <a:srgbClr val="FFFFFF"/>
+                          </a:solidFill>
+                        </a:rPr>
+                        <a:t>id	vendor_id	pickup_datet</a:t>
+                      </a:r>
+                    </a:p>
+                  </a:txBody>
+                  <a:tcPr marL="0" marR="0" marT="0" marB="0" anchor="t" anchorCtr="0" horzOverflow="overflow"/>
+                </a:tc>
+                <a:tc>
+                  <a:txBody>
+                    <a:bodyPr/>
+                    <a:lstStyle/>
+                    <a:p>
+                      <a:pPr algn="l">
+                        <a:defRPr sz="1800"/>
+                      </a:pPr>
+                      <a:r>
+                        <a:t>ime	dropoff_datetime</a:t>
+                      </a:r>
+                    </a:p>
+                  </a:txBody>
+                  <a:tcPr marL="0" marR="0" marT="0" marB="0" anchor="t" anchorCtr="0" horzOverflow="overflow">
+                    <a:solidFill>
+                      <a:srgbClr val="CFD7E7"/>
+                    </a:solidFill>
+                  </a:tcPr>
+                </a:tc>
+                <a:tc>
+                  <a:txBody>
+                    <a:bodyPr/>
+                    <a:lstStyle/>
+                    <a:p>
+                      <a:pPr algn="l">
+                        <a:defRPr sz="1800"/>
+                      </a:pPr>
+                      <a:r>
+                        <a:t>	passenger_count	pickup_longitude	pickup_latitude	dropoff_longitude	dropoff_latitude	store_and_fwd_flag	trip_duration</a:t>
+                      </a:r>
+                    </a:p>
+                  </a:txBody>
+                  <a:tcPr marL="0" marR="0" marT="0" marB="0" anchor="t" anchorCtr="0" horzOverflow="overflow">
+                    <a:solidFill>
+                      <a:srgbClr val="CFD7E7"/>
+                    </a:solidFill>
+                  </a:tcPr>
+                </a:tc>
+              </a:tr>
+              <a:tr h="279052">
+                <a:tc>
+                  <a:txBody>
+                    <a:bodyPr/>
+                    <a:lstStyle/>
+                    <a:p>
+                      <a:pPr algn="l">
+                        <a:defRPr b="0" sz="1800">
+                          <a:solidFill>
+                            <a:srgbClr val="000000"/>
+                          </a:solidFill>
+                        </a:defRPr>
+                      </a:pPr>
+                      <a:r>
+                        <a:rPr b="1">
+                          <a:solidFill>
+                            <a:srgbClr val="FFFFFF"/>
+                          </a:solidFill>
+                        </a:rPr>
+                        <a:t>0	id2875421	2	2016-03-14</a:t>
+                      </a:r>
+                    </a:p>
+                  </a:txBody>
+                  <a:tcPr marL="0" marR="0" marT="0" marB="0" anchor="t" anchorCtr="0" horzOverflow="overflow"/>
+                </a:tc>
+                <a:tc>
+                  <a:txBody>
+                    <a:bodyPr/>
+                    <a:lstStyle/>
+                    <a:p>
+                      <a:pPr algn="l">
+                        <a:defRPr sz="1800"/>
+                      </a:pPr>
+                      <a:r>
+                        <a:t>17:24:55	2016-03-14</a:t>
+                      </a:r>
+                    </a:p>
+                  </a:txBody>
+                  <a:tcPr marL="0" marR="0" marT="0" marB="0" anchor="t" anchorCtr="0" horzOverflow="overflow">
+                    <a:solidFill>
+                      <a:srgbClr val="E8ECF4"/>
+                    </a:solidFill>
+                  </a:tcPr>
+                </a:tc>
+                <a:tc>
+                  <a:txBody>
+                    <a:bodyPr/>
+                    <a:lstStyle/>
+                    <a:p>
+                      <a:pPr algn="l">
+                        <a:defRPr sz="1800"/>
+                      </a:pPr>
+                      <a:r>
+                        <a:t>17:32:30	1	-73.982155	40.767937	-73.964630	40.765602	N	455</a:t>
+                      </a:r>
+                    </a:p>
+                  </a:txBody>
+                  <a:tcPr marL="0" marR="0" marT="0" marB="0" anchor="t" anchorCtr="0" horzOverflow="overflow">
+                    <a:solidFill>
+                      <a:srgbClr val="E8ECF4"/>
+                    </a:solidFill>
+                  </a:tcPr>
+                </a:tc>
+              </a:tr>
+              <a:tr h="279052">
+                <a:tc>
+                  <a:txBody>
+                    <a:bodyPr/>
+                    <a:lstStyle/>
+                    <a:p>
+                      <a:pPr algn="l">
+                        <a:defRPr b="0" sz="1800">
+                          <a:solidFill>
+                            <a:srgbClr val="000000"/>
+                          </a:solidFill>
+                        </a:defRPr>
+                      </a:pPr>
+                      <a:r>
+                        <a:rPr b="1">
+                          <a:solidFill>
+                            <a:srgbClr val="FFFFFF"/>
+                          </a:solidFill>
+                        </a:rPr>
+                        <a:t>1	id2377394	1	2016-06-12</a:t>
+                      </a:r>
+                    </a:p>
+                  </a:txBody>
+                  <a:tcPr marL="0" marR="0" marT="0" marB="0" anchor="t" anchorCtr="0" horzOverflow="overflow"/>
+                </a:tc>
+                <a:tc>
+                  <a:txBody>
+                    <a:bodyPr/>
+                    <a:lstStyle/>
+                    <a:p>
+                      <a:pPr algn="l">
+                        <a:defRPr sz="1800"/>
+                      </a:pPr>
+                      <a:r>
+                        <a:t>00:43:35	2016-06-12</a:t>
+                      </a:r>
+                    </a:p>
+                  </a:txBody>
+                  <a:tcPr marL="0" marR="0" marT="0" marB="0" anchor="t" anchorCtr="0" horzOverflow="overflow">
+                    <a:solidFill>
+                      <a:srgbClr val="CFD7E7"/>
+                    </a:solidFill>
+                  </a:tcPr>
+                </a:tc>
+                <a:tc>
+                  <a:txBody>
+                    <a:bodyPr/>
+                    <a:lstStyle/>
+                    <a:p>
+                      <a:pPr algn="l">
+                        <a:defRPr sz="1800"/>
+                      </a:pPr>
+                      <a:r>
+                        <a:t>00:54:38	1	-73.980415	40.738564	-73.999481	40.731152	N	663</a:t>
+                      </a:r>
+                    </a:p>
+                  </a:txBody>
+                  <a:tcPr marL="0" marR="0" marT="0" marB="0" anchor="t" anchorCtr="0" horzOverflow="overflow">
+                    <a:solidFill>
+                      <a:srgbClr val="CFD7E7"/>
+                    </a:solidFill>
+                  </a:tcPr>
+                </a:tc>
+              </a:tr>
+              <a:tr h="279052">
+                <a:tc>
+                  <a:txBody>
+                    <a:bodyPr/>
+                    <a:lstStyle/>
+                    <a:p>
+                      <a:pPr algn="l">
+                        <a:defRPr b="0" sz="1800">
+                          <a:solidFill>
+                            <a:srgbClr val="000000"/>
+                          </a:solidFill>
+                        </a:defRPr>
+                      </a:pPr>
+                      <a:r>
+                        <a:rPr b="1">
+                          <a:solidFill>
+                            <a:srgbClr val="FFFFFF"/>
+                          </a:solidFill>
+                        </a:rPr>
+                        <a:t>2	id3858529	2	2016-01-19</a:t>
+                      </a:r>
+                    </a:p>
+                  </a:txBody>
+                  <a:tcPr marL="0" marR="0" marT="0" marB="0" anchor="t" anchorCtr="0" horzOverflow="overflow"/>
+                </a:tc>
+                <a:tc>
+                  <a:txBody>
+                    <a:bodyPr/>
+                    <a:lstStyle/>
+                    <a:p>
+                      <a:pPr algn="l">
+                        <a:defRPr sz="1800"/>
+                      </a:pPr>
+                      <a:r>
+                        <a:t>11:35:24	2016-01-19</a:t>
+                      </a:r>
+                    </a:p>
+                  </a:txBody>
+                  <a:tcPr marL="0" marR="0" marT="0" marB="0" anchor="t" anchorCtr="0" horzOverflow="overflow">
+                    <a:solidFill>
+                      <a:srgbClr val="E8ECF4"/>
+                    </a:solidFill>
+                  </a:tcPr>
+                </a:tc>
+                <a:tc>
+                  <a:txBody>
+                    <a:bodyPr/>
+                    <a:lstStyle/>
+                    <a:p>
+                      <a:pPr algn="l">
+                        <a:defRPr sz="1800"/>
+                      </a:pPr>
+                      <a:r>
+                        <a:t>12:10:48	1	-73.979027	40.763939	-74.005333	40.710087	N	2124</a:t>
+                      </a:r>
+                    </a:p>
+                  </a:txBody>
+                  <a:tcPr marL="0" marR="0" marT="0" marB="0" anchor="t" anchorCtr="0" horzOverflow="overflow">
+                    <a:solidFill>
+                      <a:srgbClr val="E8ECF4"/>
+                    </a:solidFill>
+                  </a:tcPr>
+                </a:tc>
+              </a:tr>
+              <a:tr h="279052">
+                <a:tc>
+                  <a:txBody>
+                    <a:bodyPr/>
+                    <a:lstStyle/>
+                    <a:p>
+                      <a:pPr algn="l">
+                        <a:defRPr b="0" sz="1800">
+                          <a:solidFill>
+                            <a:srgbClr val="000000"/>
+                          </a:solidFill>
+                        </a:defRPr>
+                      </a:pPr>
+                      <a:r>
+                        <a:rPr b="1">
+                          <a:solidFill>
+                            <a:srgbClr val="FFFFFF"/>
+                          </a:solidFill>
+                        </a:rPr>
+                        <a:t>3	id3504673	2	2016-04-06</a:t>
+                      </a:r>
+                    </a:p>
+                  </a:txBody>
+                  <a:tcPr marL="0" marR="0" marT="0" marB="0" anchor="t" anchorCtr="0" horzOverflow="overflow"/>
+                </a:tc>
+                <a:tc>
+                  <a:txBody>
+                    <a:bodyPr/>
+                    <a:lstStyle/>
+                    <a:p>
+                      <a:pPr algn="l">
+                        <a:defRPr sz="1800"/>
+                      </a:pPr>
+                      <a:r>
+                        <a:t>19:32:31	2016-04-06</a:t>
+                      </a:r>
+                    </a:p>
+                  </a:txBody>
+                  <a:tcPr marL="0" marR="0" marT="0" marB="0" anchor="t" anchorCtr="0" horzOverflow="overflow">
+                    <a:solidFill>
+                      <a:srgbClr val="CFD7E7"/>
+                    </a:solidFill>
+                  </a:tcPr>
+                </a:tc>
+                <a:tc>
+                  <a:txBody>
+                    <a:bodyPr/>
+                    <a:lstStyle/>
+                    <a:p>
+                      <a:pPr algn="l">
+                        <a:defRPr sz="1800"/>
+                      </a:pPr>
+                      <a:r>
+                        <a:t>19:39:40	1	-74.010040	40.719971	-74.012268	40.706718	N	429</a:t>
+                      </a:r>
+                    </a:p>
+                  </a:txBody>
+                  <a:tcPr marL="0" marR="0" marT="0" marB="0" anchor="t" anchorCtr="0" horzOverflow="overflow">
+                    <a:solidFill>
+                      <a:srgbClr val="CFD7E7"/>
+                    </a:solidFill>
+                  </a:tcPr>
+                </a:tc>
+              </a:tr>
+              <a:tr h="279052">
+                <a:tc>
+                  <a:txBody>
+                    <a:bodyPr/>
+                    <a:lstStyle/>
+                    <a:p>
+                      <a:pPr algn="l">
+                        <a:defRPr b="0" sz="1800">
+                          <a:solidFill>
+                            <a:srgbClr val="000000"/>
+                          </a:solidFill>
+                        </a:defRPr>
+                      </a:pPr>
+                      <a:r>
+                        <a:rPr b="1">
+                          <a:solidFill>
+                            <a:srgbClr val="FFFFFF"/>
+                          </a:solidFill>
+                        </a:rPr>
+                        <a:t>4	id2181028	2	2016-03-26</a:t>
+                      </a:r>
+                    </a:p>
+                  </a:txBody>
+                  <a:tcPr marL="0" marR="0" marT="0" marB="0" anchor="t" anchorCtr="0" horzOverflow="overflow"/>
+                </a:tc>
+                <a:tc>
+                  <a:txBody>
+                    <a:bodyPr/>
+                    <a:lstStyle/>
+                    <a:p>
+                      <a:pPr algn="l">
+                        <a:defRPr sz="1800"/>
+                      </a:pPr>
+                      <a:r>
+                        <a:t>13:30:55	2016-03-26</a:t>
+                      </a:r>
+                    </a:p>
+                  </a:txBody>
+                  <a:tcPr marL="0" marR="0" marT="0" marB="0" anchor="t" anchorCtr="0" horzOverflow="overflow">
+                    <a:solidFill>
+                      <a:srgbClr val="E8ECF4"/>
+                    </a:solidFill>
+                  </a:tcPr>
+                </a:tc>
+                <a:tc>
+                  <a:txBody>
+                    <a:bodyPr/>
+                    <a:lstStyle/>
+                    <a:p>
+                      <a:pPr algn="l">
+                        <a:defRPr sz="1800"/>
+                      </a:pPr>
+                      <a:r>
+                        <a:t>13:38:10	1	-73.973053	40.793209	-73.972923	40.782520	N	435</a:t>
+                      </a:r>
+                    </a:p>
+                  </a:txBody>
+                  <a:tcPr marL="0" marR="0" marT="0" marB="0" anchor="t" anchorCtr="0" horzOverflow="overflow">
+                    <a:solidFill>
+                      <a:srgbClr val="E8ECF4"/>
+                    </a:solidFill>
+                  </a:tcPr>
+                </a:tc>
+              </a:tr>
+            </a:tbl>
+          </a:graphicData>
+        </a:graphic>
+      </p:graphicFrame>
     </p:spTree>
   </p:cSld>
   <p:clrMapOvr>
@@ -3605,7 +4173,7 @@
       </p:grpSpPr>
       <p:sp>
         <p:nvSpPr>
-          <p:cNvPr id="151" name="Create a Classifier and train it"/>
+          <p:cNvPr id="155" name="Check statistics"/>
           <p:cNvSpPr txBox="1"/>
           <p:nvPr>
             <p:ph type="title"/>
@@ -3622,21 +4190,21 @@
           <a:p>
             <a:pPr/>
             <a:r>
-              <a:t>Create a Classifier and train it</a:t>
+              <a:t>Check statistics</a:t>
             </a:r>
           </a:p>
         </p:txBody>
       </p:sp>
       <p:sp>
         <p:nvSpPr>
-          <p:cNvPr id="152" name="val classifier = new DecisionTreeClassifier().…"/>
+          <p:cNvPr id="156" name="df_train.describe()"/>
           <p:cNvSpPr txBox="1"/>
           <p:nvPr/>
         </p:nvSpPr>
         <p:spPr>
           <a:xfrm>
-            <a:off x="2305646" y="1275080"/>
-            <a:ext cx="4532708" cy="2885441"/>
+            <a:off x="3279112" y="1770380"/>
+            <a:ext cx="1823776" cy="370840"/>
           </a:xfrm>
           <a:prstGeom prst="rect">
             <a:avLst/>
@@ -3658,323 +4226,1673 @@
           <a:p>
             <a:pPr/>
             <a:r>
-              <a:t>   val classifier = new DecisionTreeClassifier().</a:t>
-            </a:r>
-          </a:p>
-          <a:p>
-            <a:pPr/>
-            <a:r>
-              <a:t>      setSeed(Random.nextLong()).</a:t>
-            </a:r>
-          </a:p>
-          <a:p>
-            <a:pPr/>
-            <a:r>
-              <a:t>      setLabelCol("Cover_Type").</a:t>
-            </a:r>
-          </a:p>
-          <a:p>
-            <a:pPr/>
-            <a:r>
-              <a:t>      setFeaturesCol("featureVector").</a:t>
-            </a:r>
-          </a:p>
-          <a:p>
-            <a:pPr/>
-            <a:r>
-              <a:t>      setPredictionCol("prediction")</a:t>
-            </a:r>
-          </a:p>
-          <a:p>
-            <a:pPr/>
-          </a:p>
-          <a:p>
-            <a:pPr/>
-            <a:r>
-              <a:t>    val model = classifier.fit(assembledTrainData)</a:t>
-            </a:r>
-          </a:p>
-          <a:p>
-            <a:pPr/>
-            <a:r>
-              <a:t>    println(model.toDebugString)</a:t>
-            </a:r>
-          </a:p>
-          <a:p>
-            <a:pPr/>
+              <a:t>df_train.describe()</a:t>
+            </a:r>
           </a:p>
         </p:txBody>
       </p:sp>
-      <p:sp>
-        <p:nvSpPr>
-          <p:cNvPr id="153" name="classifier: org.apache.spark.ml.classification.DecisionTreeClassifier = dtc_8f2aed40cf03…"/>
-          <p:cNvSpPr txBox="1"/>
+      <p:graphicFrame>
+        <p:nvGraphicFramePr>
+          <p:cNvPr id="157" name="Table 1"/>
+          <p:cNvGraphicFramePr/>
           <p:nvPr/>
-        </p:nvSpPr>
-        <p:spPr>
-          <a:xfrm>
-            <a:off x="856587" y="3656342"/>
-            <a:ext cx="8335081" cy="3103437"/>
-          </a:xfrm>
-          <a:prstGeom prst="rect">
-            <a:avLst/>
-          </a:prstGeom>
-          <a:ln w="12700">
-            <a:miter lim="400000"/>
-          </a:ln>
-          <a:extLst>
-            <a:ext uri="{C572A759-6A51-4108-AA02-DFA0A04FC94B}">
-              <ma14:wrappingTextBoxFlag xmlns:ma14="http://schemas.microsoft.com/office/mac/drawingml/2011/main" val="1"/>
-            </a:ext>
-          </a:extLst>
-        </p:spPr>
-        <p:txBody>
-          <a:bodyPr wrap="none" lIns="45719" rIns="45719">
-            <a:spAutoFit/>
-          </a:bodyPr>
-          <a:lstStyle/>
-          <a:p>
-            <a:pPr defTabSz="457200">
-              <a:defRPr sz="1000">
-                <a:solidFill>
-                  <a:srgbClr val="212121"/>
-                </a:solidFill>
-                <a:latin typeface="Monaco"/>
-                <a:ea typeface="Monaco"/>
-                <a:cs typeface="Monaco"/>
-                <a:sym typeface="Monaco"/>
-              </a:defRPr>
-            </a:pPr>
-            <a:r>
-              <a:t>classifier: org.apache.spark.ml.classification.DecisionTreeClassifier = dtc_8f2aed40cf03</a:t>
-            </a:r>
-          </a:p>
-          <a:p>
-            <a:pPr defTabSz="457200">
-              <a:defRPr sz="1000">
-                <a:solidFill>
-                  <a:srgbClr val="212121"/>
-                </a:solidFill>
-                <a:latin typeface="Monaco"/>
-                <a:ea typeface="Monaco"/>
-                <a:cs typeface="Monaco"/>
-                <a:sym typeface="Monaco"/>
-              </a:defRPr>
-            </a:pPr>
-            <a:r>
-              <a:t>model: org.apache.spark.ml.classification.DecisionTreeClassificationModel = DecisionTreeClassificationModel (uid=dtc_8f2aed40cf03) of depth 5 with 63 nodes</a:t>
-            </a:r>
-          </a:p>
-          <a:p>
-            <a:pPr defTabSz="457200">
-              <a:defRPr sz="1000">
-                <a:solidFill>
-                  <a:srgbClr val="212121"/>
-                </a:solidFill>
-                <a:latin typeface="Monaco"/>
-                <a:ea typeface="Monaco"/>
-                <a:cs typeface="Monaco"/>
-                <a:sym typeface="Monaco"/>
-              </a:defRPr>
-            </a:pPr>
-            <a:r>
-              <a:t>DecisionTreeClassificationModel (uid=dtc_8f2aed40cf03) of depth 5 with 63 nodes</a:t>
-            </a:r>
-          </a:p>
-          <a:p>
-            <a:pPr defTabSz="457200">
-              <a:defRPr sz="1000">
-                <a:solidFill>
-                  <a:srgbClr val="212121"/>
-                </a:solidFill>
-                <a:latin typeface="Monaco"/>
-                <a:ea typeface="Monaco"/>
-                <a:cs typeface="Monaco"/>
-                <a:sym typeface="Monaco"/>
-              </a:defRPr>
-            </a:pPr>
-            <a:r>
-              <a:t>  If (feature 0 &lt;= 3050.0)</a:t>
-            </a:r>
-          </a:p>
-          <a:p>
-            <a:pPr defTabSz="457200">
-              <a:defRPr sz="1000">
-                <a:solidFill>
-                  <a:srgbClr val="212121"/>
-                </a:solidFill>
-                <a:latin typeface="Monaco"/>
-                <a:ea typeface="Monaco"/>
-                <a:cs typeface="Monaco"/>
-                <a:sym typeface="Monaco"/>
-              </a:defRPr>
-            </a:pPr>
-            <a:r>
-              <a:t>   If (feature 0 &lt;= 2557.0)</a:t>
-            </a:r>
-          </a:p>
-          <a:p>
-            <a:pPr defTabSz="457200">
-              <a:defRPr sz="1000">
-                <a:solidFill>
-                  <a:srgbClr val="212121"/>
-                </a:solidFill>
-                <a:latin typeface="Monaco"/>
-                <a:ea typeface="Monaco"/>
-                <a:cs typeface="Monaco"/>
-                <a:sym typeface="Monaco"/>
-              </a:defRPr>
-            </a:pPr>
-            <a:r>
-              <a:t>    If (feature 10 &lt;= 0.0)</a:t>
-            </a:r>
-          </a:p>
-          <a:p>
-            <a:pPr defTabSz="457200">
-              <a:defRPr sz="1000">
-                <a:solidFill>
-                  <a:srgbClr val="212121"/>
-                </a:solidFill>
-                <a:latin typeface="Monaco"/>
-                <a:ea typeface="Monaco"/>
-                <a:cs typeface="Monaco"/>
-                <a:sym typeface="Monaco"/>
-              </a:defRPr>
-            </a:pPr>
-            <a:r>
-              <a:t>     If (feature 0 &lt;= 2445.0)</a:t>
-            </a:r>
-          </a:p>
-          <a:p>
-            <a:pPr defTabSz="457200">
-              <a:defRPr sz="1000">
-                <a:solidFill>
-                  <a:srgbClr val="212121"/>
-                </a:solidFill>
-                <a:latin typeface="Monaco"/>
-                <a:ea typeface="Monaco"/>
-                <a:cs typeface="Monaco"/>
-                <a:sym typeface="Monaco"/>
-              </a:defRPr>
-            </a:pPr>
-            <a:r>
-              <a:t>      If (feature 3 &lt;= 0.0)</a:t>
-            </a:r>
-          </a:p>
-          <a:p>
-            <a:pPr defTabSz="457200">
-              <a:defRPr sz="1000">
-                <a:solidFill>
-                  <a:srgbClr val="212121"/>
-                </a:solidFill>
-                <a:latin typeface="Monaco"/>
-                <a:ea typeface="Monaco"/>
-                <a:cs typeface="Monaco"/>
-                <a:sym typeface="Monaco"/>
-              </a:defRPr>
-            </a:pPr>
-            <a:r>
-              <a:t>       Predict: 4.0</a:t>
-            </a:r>
-          </a:p>
-          <a:p>
-            <a:pPr defTabSz="457200">
-              <a:defRPr sz="1000">
-                <a:solidFill>
-                  <a:srgbClr val="212121"/>
-                </a:solidFill>
-                <a:latin typeface="Monaco"/>
-                <a:ea typeface="Monaco"/>
-                <a:cs typeface="Monaco"/>
-                <a:sym typeface="Monaco"/>
-              </a:defRPr>
-            </a:pPr>
-            <a:r>
-              <a:t>      Else (feature 3 &gt; 0.0)</a:t>
-            </a:r>
-          </a:p>
-          <a:p>
-            <a:pPr defTabSz="457200">
-              <a:defRPr sz="1000">
-                <a:solidFill>
-                  <a:srgbClr val="212121"/>
-                </a:solidFill>
-                <a:latin typeface="Monaco"/>
-                <a:ea typeface="Monaco"/>
-                <a:cs typeface="Monaco"/>
-                <a:sym typeface="Monaco"/>
-              </a:defRPr>
-            </a:pPr>
-            <a:r>
-              <a:t>       Predict: 3.0</a:t>
-            </a:r>
-          </a:p>
-          <a:p>
-            <a:pPr defTabSz="457200">
-              <a:defRPr sz="1000">
-                <a:solidFill>
-                  <a:srgbClr val="212121"/>
-                </a:solidFill>
-                <a:latin typeface="Monaco"/>
-                <a:ea typeface="Monaco"/>
-                <a:cs typeface="Monaco"/>
-                <a:sym typeface="Monaco"/>
-              </a:defRPr>
-            </a:pPr>
-            <a:r>
-              <a:t>     Else (feature 0 &gt; 2445.0)</a:t>
-            </a:r>
-          </a:p>
-          <a:p>
-            <a:pPr defTabSz="457200">
-              <a:defRPr sz="1000">
-                <a:solidFill>
-                  <a:srgbClr val="212121"/>
-                </a:solidFill>
-                <a:latin typeface="Monaco"/>
-                <a:ea typeface="Monaco"/>
-                <a:cs typeface="Monaco"/>
-                <a:sym typeface="Monaco"/>
-              </a:defRPr>
-            </a:pPr>
-            <a:r>
-              <a:t>      If (feature 17 &lt;= 0.0)</a:t>
-            </a:r>
-          </a:p>
-          <a:p>
-            <a:pPr defTabSz="457200">
-              <a:defRPr sz="1000">
-                <a:solidFill>
-                  <a:srgbClr val="212121"/>
-                </a:solidFill>
-                <a:latin typeface="Monaco"/>
-                <a:ea typeface="Monaco"/>
-                <a:cs typeface="Monaco"/>
-                <a:sym typeface="Monaco"/>
-              </a:defRPr>
-            </a:pPr>
-            <a:r>
-              <a:t>       Predict: 2.0</a:t>
-            </a:r>
-          </a:p>
-          <a:p>
-            <a:pPr defTabSz="457200">
-              <a:defRPr sz="1000">
-                <a:solidFill>
-                  <a:srgbClr val="212121"/>
-                </a:solidFill>
-                <a:latin typeface="Monaco"/>
-                <a:ea typeface="Monaco"/>
-                <a:cs typeface="Monaco"/>
-                <a:sym typeface="Monaco"/>
-              </a:defRPr>
-            </a:pPr>
-            <a:r>
-              <a:t>      Else (feature 17 &gt; 0.0)</a:t>
-            </a:r>
-          </a:p>
-        </p:txBody>
-      </p:sp>
+        </p:nvGraphicFramePr>
+        <p:xfrm>
+          <a:off x="927100" y="2686050"/>
+          <a:ext cx="5080000" cy="2511475"/>
+        </p:xfrm>
+        <a:graphic xmlns:a="http://schemas.openxmlformats.org/drawingml/2006/main">
+          <a:graphicData uri="http://schemas.openxmlformats.org/drawingml/2006/table">
+            <a:tbl>
+              <a:tblPr firstCol="1" firstRow="1" lastCol="0" lastRow="0" bandCol="0" bandRow="1" rtl="0">
+                <a:tableStyleId>{4C3C2611-4C71-4FC5-86AE-919BDF0F9419}</a:tableStyleId>
+              </a:tblPr>
+              <a:tblGrid>
+                <a:gridCol w="609600"/>
+                <a:gridCol w="1397000"/>
+                <a:gridCol w="1676400"/>
+                <a:gridCol w="1714500"/>
+                <a:gridCol w="1549400"/>
+                <a:gridCol w="1803400"/>
+                <a:gridCol w="1638300"/>
+                <a:gridCol w="1397000"/>
+              </a:tblGrid>
+              <a:tr h="279400">
+                <a:tc gridSpan="8">
+                  <a:txBody>
+                    <a:bodyPr/>
+                    <a:lstStyle/>
+                    <a:p>
+                      <a:pPr algn="l">
+                        <a:defRPr b="0" sz="1800">
+                          <a:solidFill>
+                            <a:srgbClr val="000000"/>
+                          </a:solidFill>
+                        </a:defRPr>
+                      </a:pPr>
+                      <a:r>
+                        <a:t>Table 1</a:t>
+                      </a:r>
+                    </a:p>
+                  </a:txBody>
+                  <a:tcPr marL="0" marR="0" marT="0" marB="0" anchor="t" anchorCtr="0" horzOverflow="overflow">
+                    <a:lnL/>
+                    <a:lnR/>
+                    <a:lnT/>
+                    <a:lnB w="12700">
+                      <a:solidFill>
+                        <a:srgbClr val="FFFFFF"/>
+                      </a:solidFill>
+                    </a:lnB>
+                    <a:solidFill>
+                      <a:srgbClr val="000000">
+                        <a:alpha val="0"/>
+                      </a:srgbClr>
+                    </a:solidFill>
+                  </a:tcPr>
+                </a:tc>
+                <a:tc hMerge="1">
+                  <a:tcPr/>
+                </a:tc>
+                <a:tc hMerge="1">
+                  <a:tcPr/>
+                </a:tc>
+                <a:tc hMerge="1">
+                  <a:tcPr/>
+                </a:tc>
+                <a:tc hMerge="1">
+                  <a:tcPr/>
+                </a:tc>
+                <a:tc hMerge="1">
+                  <a:tcPr/>
+                </a:tc>
+                <a:tc hMerge="1">
+                  <a:tcPr/>
+                </a:tc>
+                <a:tc hMerge="1">
+                  <a:tcPr/>
+                </a:tc>
+              </a:tr>
+              <a:tr h="279052">
+                <a:tc>
+                  <a:txBody>
+                    <a:bodyPr/>
+                    <a:lstStyle/>
+                    <a:p>
+                      <a:pPr algn="l">
+                        <a:defRPr sz="1800"/>
+                      </a:pPr>
+                    </a:p>
+                  </a:txBody>
+                  <a:tcPr marL="0" marR="0" marT="0" marB="0" anchor="t" anchorCtr="0" horzOverflow="overflow">
+                    <a:lnT w="12700">
+                      <a:solidFill>
+                        <a:srgbClr val="FFFFFF"/>
+                      </a:solidFill>
+                    </a:lnT>
+                    <a:lnB w="38100">
+                      <a:solidFill>
+                        <a:srgbClr val="FFFFFF"/>
+                      </a:solidFill>
+                    </a:lnB>
+                  </a:tcPr>
+                </a:tc>
+                <a:tc>
+                  <a:txBody>
+                    <a:bodyPr/>
+                    <a:lstStyle/>
+                    <a:p>
+                      <a:pPr algn="l">
+                        <a:defRPr sz="1800"/>
+                      </a:pPr>
+                      <a:r>
+                        <a:rPr b="1">
+                          <a:solidFill>
+                            <a:srgbClr val="FFFFFF"/>
+                          </a:solidFill>
+                        </a:rPr>
+                        <a:t>vendor_id</a:t>
+                      </a:r>
+                    </a:p>
+                  </a:txBody>
+                  <a:tcPr marL="0" marR="0" marT="0" marB="0" anchor="t" anchorCtr="0" horzOverflow="overflow">
+                    <a:lnT w="12700">
+                      <a:solidFill>
+                        <a:srgbClr val="FFFFFF"/>
+                      </a:solidFill>
+                    </a:lnT>
+                    <a:lnB w="38100">
+                      <a:solidFill>
+                        <a:srgbClr val="FFFFFF"/>
+                      </a:solidFill>
+                    </a:lnB>
+                    <a:solidFill>
+                      <a:schemeClr val="accent1"/>
+                    </a:solidFill>
+                  </a:tcPr>
+                </a:tc>
+                <a:tc>
+                  <a:txBody>
+                    <a:bodyPr/>
+                    <a:lstStyle/>
+                    <a:p>
+                      <a:pPr algn="l">
+                        <a:defRPr sz="1800"/>
+                      </a:pPr>
+                      <a:r>
+                        <a:rPr b="1">
+                          <a:solidFill>
+                            <a:srgbClr val="FFFFFF"/>
+                          </a:solidFill>
+                        </a:rPr>
+                        <a:t>passenger_count</a:t>
+                      </a:r>
+                    </a:p>
+                  </a:txBody>
+                  <a:tcPr marL="0" marR="0" marT="0" marB="0" anchor="t" anchorCtr="0" horzOverflow="overflow">
+                    <a:lnT w="12700">
+                      <a:solidFill>
+                        <a:srgbClr val="FFFFFF"/>
+                      </a:solidFill>
+                    </a:lnT>
+                    <a:lnB w="38100">
+                      <a:solidFill>
+                        <a:srgbClr val="FFFFFF"/>
+                      </a:solidFill>
+                    </a:lnB>
+                    <a:solidFill>
+                      <a:schemeClr val="accent1"/>
+                    </a:solidFill>
+                  </a:tcPr>
+                </a:tc>
+                <a:tc>
+                  <a:txBody>
+                    <a:bodyPr/>
+                    <a:lstStyle/>
+                    <a:p>
+                      <a:pPr algn="l">
+                        <a:defRPr sz="1800"/>
+                      </a:pPr>
+                      <a:r>
+                        <a:rPr b="1">
+                          <a:solidFill>
+                            <a:srgbClr val="FFFFFF"/>
+                          </a:solidFill>
+                        </a:rPr>
+                        <a:t>pickup_longitude</a:t>
+                      </a:r>
+                    </a:p>
+                  </a:txBody>
+                  <a:tcPr marL="0" marR="0" marT="0" marB="0" anchor="t" anchorCtr="0" horzOverflow="overflow">
+                    <a:lnT w="12700">
+                      <a:solidFill>
+                        <a:srgbClr val="FFFFFF"/>
+                      </a:solidFill>
+                    </a:lnT>
+                    <a:lnB w="38100">
+                      <a:solidFill>
+                        <a:srgbClr val="FFFFFF"/>
+                      </a:solidFill>
+                    </a:lnB>
+                    <a:solidFill>
+                      <a:schemeClr val="accent1"/>
+                    </a:solidFill>
+                  </a:tcPr>
+                </a:tc>
+                <a:tc>
+                  <a:txBody>
+                    <a:bodyPr/>
+                    <a:lstStyle/>
+                    <a:p>
+                      <a:pPr algn="l">
+                        <a:defRPr sz="1800"/>
+                      </a:pPr>
+                      <a:r>
+                        <a:rPr b="1">
+                          <a:solidFill>
+                            <a:srgbClr val="FFFFFF"/>
+                          </a:solidFill>
+                        </a:rPr>
+                        <a:t>pickup_latitude</a:t>
+                      </a:r>
+                    </a:p>
+                  </a:txBody>
+                  <a:tcPr marL="0" marR="0" marT="0" marB="0" anchor="t" anchorCtr="0" horzOverflow="overflow">
+                    <a:lnT w="12700">
+                      <a:solidFill>
+                        <a:srgbClr val="FFFFFF"/>
+                      </a:solidFill>
+                    </a:lnT>
+                    <a:lnB w="38100">
+                      <a:solidFill>
+                        <a:srgbClr val="FFFFFF"/>
+                      </a:solidFill>
+                    </a:lnB>
+                    <a:solidFill>
+                      <a:schemeClr val="accent1"/>
+                    </a:solidFill>
+                  </a:tcPr>
+                </a:tc>
+                <a:tc>
+                  <a:txBody>
+                    <a:bodyPr/>
+                    <a:lstStyle/>
+                    <a:p>
+                      <a:pPr algn="l">
+                        <a:defRPr sz="1800"/>
+                      </a:pPr>
+                      <a:r>
+                        <a:rPr b="1">
+                          <a:solidFill>
+                            <a:srgbClr val="FFFFFF"/>
+                          </a:solidFill>
+                        </a:rPr>
+                        <a:t>dropoff_longitude</a:t>
+                      </a:r>
+                    </a:p>
+                  </a:txBody>
+                  <a:tcPr marL="0" marR="0" marT="0" marB="0" anchor="t" anchorCtr="0" horzOverflow="overflow">
+                    <a:lnT w="12700">
+                      <a:solidFill>
+                        <a:srgbClr val="FFFFFF"/>
+                      </a:solidFill>
+                    </a:lnT>
+                    <a:lnB w="38100">
+                      <a:solidFill>
+                        <a:srgbClr val="FFFFFF"/>
+                      </a:solidFill>
+                    </a:lnB>
+                    <a:solidFill>
+                      <a:schemeClr val="accent1"/>
+                    </a:solidFill>
+                  </a:tcPr>
+                </a:tc>
+                <a:tc>
+                  <a:txBody>
+                    <a:bodyPr/>
+                    <a:lstStyle/>
+                    <a:p>
+                      <a:pPr algn="l">
+                        <a:defRPr sz="1800"/>
+                      </a:pPr>
+                      <a:r>
+                        <a:rPr b="1">
+                          <a:solidFill>
+                            <a:srgbClr val="FFFFFF"/>
+                          </a:solidFill>
+                        </a:rPr>
+                        <a:t>dropoff_latitude</a:t>
+                      </a:r>
+                    </a:p>
+                  </a:txBody>
+                  <a:tcPr marL="0" marR="0" marT="0" marB="0" anchor="t" anchorCtr="0" horzOverflow="overflow">
+                    <a:lnT w="12700">
+                      <a:solidFill>
+                        <a:srgbClr val="FFFFFF"/>
+                      </a:solidFill>
+                    </a:lnT>
+                    <a:lnB w="38100">
+                      <a:solidFill>
+                        <a:srgbClr val="FFFFFF"/>
+                      </a:solidFill>
+                    </a:lnB>
+                    <a:solidFill>
+                      <a:schemeClr val="accent1"/>
+                    </a:solidFill>
+                  </a:tcPr>
+                </a:tc>
+                <a:tc>
+                  <a:txBody>
+                    <a:bodyPr/>
+                    <a:lstStyle/>
+                    <a:p>
+                      <a:pPr algn="l">
+                        <a:defRPr sz="1800"/>
+                      </a:pPr>
+                      <a:r>
+                        <a:rPr b="1">
+                          <a:solidFill>
+                            <a:srgbClr val="FFFFFF"/>
+                          </a:solidFill>
+                        </a:rPr>
+                        <a:t>trip_duration</a:t>
+                      </a:r>
+                    </a:p>
+                  </a:txBody>
+                  <a:tcPr marL="0" marR="0" marT="0" marB="0" anchor="t" anchorCtr="0" horzOverflow="overflow">
+                    <a:lnT w="12700">
+                      <a:solidFill>
+                        <a:srgbClr val="FFFFFF"/>
+                      </a:solidFill>
+                    </a:lnT>
+                    <a:lnB w="38100">
+                      <a:solidFill>
+                        <a:srgbClr val="FFFFFF"/>
+                      </a:solidFill>
+                    </a:lnB>
+                    <a:solidFill>
+                      <a:schemeClr val="accent1"/>
+                    </a:solidFill>
+                  </a:tcPr>
+                </a:tc>
+              </a:tr>
+              <a:tr h="279052">
+                <a:tc>
+                  <a:txBody>
+                    <a:bodyPr/>
+                    <a:lstStyle/>
+                    <a:p>
+                      <a:pPr algn="l">
+                        <a:defRPr b="0" sz="1800">
+                          <a:solidFill>
+                            <a:srgbClr val="000000"/>
+                          </a:solidFill>
+                        </a:defRPr>
+                      </a:pPr>
+                      <a:r>
+                        <a:rPr b="1">
+                          <a:solidFill>
+                            <a:srgbClr val="FFFFFF"/>
+                          </a:solidFill>
+                        </a:rPr>
+                        <a:t>count</a:t>
+                      </a:r>
+                    </a:p>
+                  </a:txBody>
+                  <a:tcPr marL="0" marR="0" marT="0" marB="0" anchor="t" anchorCtr="0" horzOverflow="overflow">
+                    <a:lnT w="38100">
+                      <a:solidFill>
+                        <a:srgbClr val="FFFFFF"/>
+                      </a:solidFill>
+                    </a:lnT>
+                  </a:tcPr>
+                </a:tc>
+                <a:tc>
+                  <a:txBody>
+                    <a:bodyPr/>
+                    <a:lstStyle/>
+                    <a:p>
+                      <a:pPr algn="l">
+                        <a:defRPr sz="1800"/>
+                      </a:pPr>
+                      <a:r>
+                        <a:t>1.458644E+06</a:t>
+                      </a:r>
+                    </a:p>
+                  </a:txBody>
+                  <a:tcPr marL="0" marR="0" marT="0" marB="0" anchor="t" anchorCtr="0" horzOverflow="overflow">
+                    <a:lnT w="38100">
+                      <a:solidFill>
+                        <a:srgbClr val="FFFFFF"/>
+                      </a:solidFill>
+                    </a:lnT>
+                    <a:solidFill>
+                      <a:srgbClr val="CFD7E7"/>
+                    </a:solidFill>
+                  </a:tcPr>
+                </a:tc>
+                <a:tc>
+                  <a:txBody>
+                    <a:bodyPr/>
+                    <a:lstStyle/>
+                    <a:p>
+                      <a:pPr algn="l">
+                        <a:defRPr sz="1800"/>
+                      </a:pPr>
+                      <a:r>
+                        <a:t>1.458644E+06</a:t>
+                      </a:r>
+                    </a:p>
+                  </a:txBody>
+                  <a:tcPr marL="0" marR="0" marT="0" marB="0" anchor="t" anchorCtr="0" horzOverflow="overflow">
+                    <a:lnT w="38100">
+                      <a:solidFill>
+                        <a:srgbClr val="FFFFFF"/>
+                      </a:solidFill>
+                    </a:lnT>
+                    <a:solidFill>
+                      <a:srgbClr val="CFD7E7"/>
+                    </a:solidFill>
+                  </a:tcPr>
+                </a:tc>
+                <a:tc>
+                  <a:txBody>
+                    <a:bodyPr/>
+                    <a:lstStyle/>
+                    <a:p>
+                      <a:pPr algn="l">
+                        <a:defRPr sz="1800"/>
+                      </a:pPr>
+                      <a:r>
+                        <a:t>1.458644E+06</a:t>
+                      </a:r>
+                    </a:p>
+                  </a:txBody>
+                  <a:tcPr marL="0" marR="0" marT="0" marB="0" anchor="t" anchorCtr="0" horzOverflow="overflow">
+                    <a:lnT w="38100">
+                      <a:solidFill>
+                        <a:srgbClr val="FFFFFF"/>
+                      </a:solidFill>
+                    </a:lnT>
+                    <a:solidFill>
+                      <a:srgbClr val="CFD7E7"/>
+                    </a:solidFill>
+                  </a:tcPr>
+                </a:tc>
+                <a:tc>
+                  <a:txBody>
+                    <a:bodyPr/>
+                    <a:lstStyle/>
+                    <a:p>
+                      <a:pPr algn="l">
+                        <a:defRPr sz="1800"/>
+                      </a:pPr>
+                      <a:r>
+                        <a:t>1.458644E+06</a:t>
+                      </a:r>
+                    </a:p>
+                  </a:txBody>
+                  <a:tcPr marL="0" marR="0" marT="0" marB="0" anchor="t" anchorCtr="0" horzOverflow="overflow">
+                    <a:lnT w="38100">
+                      <a:solidFill>
+                        <a:srgbClr val="FFFFFF"/>
+                      </a:solidFill>
+                    </a:lnT>
+                    <a:solidFill>
+                      <a:srgbClr val="CFD7E7"/>
+                    </a:solidFill>
+                  </a:tcPr>
+                </a:tc>
+                <a:tc>
+                  <a:txBody>
+                    <a:bodyPr/>
+                    <a:lstStyle/>
+                    <a:p>
+                      <a:pPr algn="l">
+                        <a:defRPr sz="1800"/>
+                      </a:pPr>
+                      <a:r>
+                        <a:t>1.458644E+06</a:t>
+                      </a:r>
+                    </a:p>
+                  </a:txBody>
+                  <a:tcPr marL="0" marR="0" marT="0" marB="0" anchor="t" anchorCtr="0" horzOverflow="overflow">
+                    <a:lnT w="38100">
+                      <a:solidFill>
+                        <a:srgbClr val="FFFFFF"/>
+                      </a:solidFill>
+                    </a:lnT>
+                    <a:solidFill>
+                      <a:srgbClr val="CFD7E7"/>
+                    </a:solidFill>
+                  </a:tcPr>
+                </a:tc>
+                <a:tc>
+                  <a:txBody>
+                    <a:bodyPr/>
+                    <a:lstStyle/>
+                    <a:p>
+                      <a:pPr algn="l">
+                        <a:defRPr sz="1800"/>
+                      </a:pPr>
+                      <a:r>
+                        <a:t>1.458644E+06</a:t>
+                      </a:r>
+                    </a:p>
+                  </a:txBody>
+                  <a:tcPr marL="0" marR="0" marT="0" marB="0" anchor="t" anchorCtr="0" horzOverflow="overflow">
+                    <a:lnT w="38100">
+                      <a:solidFill>
+                        <a:srgbClr val="FFFFFF"/>
+                      </a:solidFill>
+                    </a:lnT>
+                    <a:solidFill>
+                      <a:srgbClr val="CFD7E7"/>
+                    </a:solidFill>
+                  </a:tcPr>
+                </a:tc>
+                <a:tc>
+                  <a:txBody>
+                    <a:bodyPr/>
+                    <a:lstStyle/>
+                    <a:p>
+                      <a:pPr algn="l">
+                        <a:defRPr sz="1800"/>
+                      </a:pPr>
+                      <a:r>
+                        <a:t>1.458644E+06</a:t>
+                      </a:r>
+                    </a:p>
+                  </a:txBody>
+                  <a:tcPr marL="0" marR="0" marT="0" marB="0" anchor="t" anchorCtr="0" horzOverflow="overflow">
+                    <a:lnT w="38100">
+                      <a:solidFill>
+                        <a:srgbClr val="FFFFFF"/>
+                      </a:solidFill>
+                    </a:lnT>
+                    <a:solidFill>
+                      <a:srgbClr val="CFD7E7"/>
+                    </a:solidFill>
+                  </a:tcPr>
+                </a:tc>
+              </a:tr>
+              <a:tr h="279052">
+                <a:tc>
+                  <a:txBody>
+                    <a:bodyPr/>
+                    <a:lstStyle/>
+                    <a:p>
+                      <a:pPr algn="l">
+                        <a:defRPr b="0" sz="1800">
+                          <a:solidFill>
+                            <a:srgbClr val="000000"/>
+                          </a:solidFill>
+                        </a:defRPr>
+                      </a:pPr>
+                      <a:r>
+                        <a:rPr b="1">
+                          <a:solidFill>
+                            <a:srgbClr val="FFFFFF"/>
+                          </a:solidFill>
+                        </a:rPr>
+                        <a:t>mean</a:t>
+                      </a:r>
+                    </a:p>
+                  </a:txBody>
+                  <a:tcPr marL="0" marR="0" marT="0" marB="0" anchor="t" anchorCtr="0" horzOverflow="overflow"/>
+                </a:tc>
+                <a:tc>
+                  <a:txBody>
+                    <a:bodyPr/>
+                    <a:lstStyle/>
+                    <a:p>
+                      <a:pPr algn="l">
+                        <a:defRPr sz="1800"/>
+                      </a:pPr>
+                      <a:r>
+                        <a:t>1.53495E+00</a:t>
+                      </a:r>
+                    </a:p>
+                  </a:txBody>
+                  <a:tcPr marL="0" marR="0" marT="0" marB="0" anchor="t" anchorCtr="0" horzOverflow="overflow">
+                    <a:solidFill>
+                      <a:srgbClr val="E8ECF4"/>
+                    </a:solidFill>
+                  </a:tcPr>
+                </a:tc>
+                <a:tc>
+                  <a:txBody>
+                    <a:bodyPr/>
+                    <a:lstStyle/>
+                    <a:p>
+                      <a:pPr algn="l">
+                        <a:defRPr sz="1800"/>
+                      </a:pPr>
+                      <a:r>
+                        <a:t>1.66453E+00</a:t>
+                      </a:r>
+                    </a:p>
+                  </a:txBody>
+                  <a:tcPr marL="0" marR="0" marT="0" marB="0" anchor="t" anchorCtr="0" horzOverflow="overflow">
+                    <a:solidFill>
+                      <a:srgbClr val="E8ECF4"/>
+                    </a:solidFill>
+                  </a:tcPr>
+                </a:tc>
+                <a:tc>
+                  <a:txBody>
+                    <a:bodyPr/>
+                    <a:lstStyle/>
+                    <a:p>
+                      <a:pPr algn="l">
+                        <a:defRPr sz="1800"/>
+                      </a:pPr>
+                      <a:r>
+                        <a:t>-7.397349E+01</a:t>
+                      </a:r>
+                    </a:p>
+                  </a:txBody>
+                  <a:tcPr marL="0" marR="0" marT="0" marB="0" anchor="t" anchorCtr="0" horzOverflow="overflow">
+                    <a:solidFill>
+                      <a:srgbClr val="E8ECF4"/>
+                    </a:solidFill>
+                  </a:tcPr>
+                </a:tc>
+                <a:tc>
+                  <a:txBody>
+                    <a:bodyPr/>
+                    <a:lstStyle/>
+                    <a:p>
+                      <a:pPr algn="l">
+                        <a:defRPr sz="1800"/>
+                      </a:pPr>
+                      <a:r>
+                        <a:t>4.075092E+01</a:t>
+                      </a:r>
+                    </a:p>
+                  </a:txBody>
+                  <a:tcPr marL="0" marR="0" marT="0" marB="0" anchor="t" anchorCtr="0" horzOverflow="overflow">
+                    <a:solidFill>
+                      <a:srgbClr val="E8ECF4"/>
+                    </a:solidFill>
+                  </a:tcPr>
+                </a:tc>
+                <a:tc>
+                  <a:txBody>
+                    <a:bodyPr/>
+                    <a:lstStyle/>
+                    <a:p>
+                      <a:pPr algn="l">
+                        <a:defRPr sz="1800"/>
+                      </a:pPr>
+                      <a:r>
+                        <a:t>-7.397342E+01</a:t>
+                      </a:r>
+                    </a:p>
+                  </a:txBody>
+                  <a:tcPr marL="0" marR="0" marT="0" marB="0" anchor="t" anchorCtr="0" horzOverflow="overflow">
+                    <a:solidFill>
+                      <a:srgbClr val="E8ECF4"/>
+                    </a:solidFill>
+                  </a:tcPr>
+                </a:tc>
+                <a:tc>
+                  <a:txBody>
+                    <a:bodyPr/>
+                    <a:lstStyle/>
+                    <a:p>
+                      <a:pPr algn="l">
+                        <a:defRPr sz="1800"/>
+                      </a:pPr>
+                      <a:r>
+                        <a:t>4.07518E+01</a:t>
+                      </a:r>
+                    </a:p>
+                  </a:txBody>
+                  <a:tcPr marL="0" marR="0" marT="0" marB="0" anchor="t" anchorCtr="0" horzOverflow="overflow">
+                    <a:solidFill>
+                      <a:srgbClr val="E8ECF4"/>
+                    </a:solidFill>
+                  </a:tcPr>
+                </a:tc>
+                <a:tc>
+                  <a:txBody>
+                    <a:bodyPr/>
+                    <a:lstStyle/>
+                    <a:p>
+                      <a:pPr algn="l">
+                        <a:defRPr sz="1800"/>
+                      </a:pPr>
+                      <a:r>
+                        <a:t>9.594923E+02</a:t>
+                      </a:r>
+                    </a:p>
+                  </a:txBody>
+                  <a:tcPr marL="0" marR="0" marT="0" marB="0" anchor="t" anchorCtr="0" horzOverflow="overflow">
+                    <a:solidFill>
+                      <a:srgbClr val="E8ECF4"/>
+                    </a:solidFill>
+                  </a:tcPr>
+                </a:tc>
+              </a:tr>
+              <a:tr h="279052">
+                <a:tc>
+                  <a:txBody>
+                    <a:bodyPr/>
+                    <a:lstStyle/>
+                    <a:p>
+                      <a:pPr algn="l">
+                        <a:defRPr b="0" sz="1800">
+                          <a:solidFill>
+                            <a:srgbClr val="000000"/>
+                          </a:solidFill>
+                        </a:defRPr>
+                      </a:pPr>
+                      <a:r>
+                        <a:rPr b="1">
+                          <a:solidFill>
+                            <a:srgbClr val="FFFFFF"/>
+                          </a:solidFill>
+                        </a:rPr>
+                        <a:t>std</a:t>
+                      </a:r>
+                    </a:p>
+                  </a:txBody>
+                  <a:tcPr marL="0" marR="0" marT="0" marB="0" anchor="t" anchorCtr="0" horzOverflow="overflow"/>
+                </a:tc>
+                <a:tc>
+                  <a:txBody>
+                    <a:bodyPr/>
+                    <a:lstStyle/>
+                    <a:p>
+                      <a:pPr algn="l">
+                        <a:defRPr sz="1800"/>
+                      </a:pPr>
+                      <a:r>
+                        <a:t>4.987772E-01</a:t>
+                      </a:r>
+                    </a:p>
+                  </a:txBody>
+                  <a:tcPr marL="0" marR="0" marT="0" marB="0" anchor="t" anchorCtr="0" horzOverflow="overflow">
+                    <a:solidFill>
+                      <a:srgbClr val="CFD7E7"/>
+                    </a:solidFill>
+                  </a:tcPr>
+                </a:tc>
+                <a:tc>
+                  <a:txBody>
+                    <a:bodyPr/>
+                    <a:lstStyle/>
+                    <a:p>
+                      <a:pPr algn="l">
+                        <a:defRPr sz="1800"/>
+                      </a:pPr>
+                      <a:r>
+                        <a:t>1.314242E+00</a:t>
+                      </a:r>
+                    </a:p>
+                  </a:txBody>
+                  <a:tcPr marL="0" marR="0" marT="0" marB="0" anchor="t" anchorCtr="0" horzOverflow="overflow">
+                    <a:solidFill>
+                      <a:srgbClr val="CFD7E7"/>
+                    </a:solidFill>
+                  </a:tcPr>
+                </a:tc>
+                <a:tc>
+                  <a:txBody>
+                    <a:bodyPr/>
+                    <a:lstStyle/>
+                    <a:p>
+                      <a:pPr algn="l">
+                        <a:defRPr sz="1800"/>
+                      </a:pPr>
+                      <a:r>
+                        <a:t>7.090186E-02</a:t>
+                      </a:r>
+                    </a:p>
+                  </a:txBody>
+                  <a:tcPr marL="0" marR="0" marT="0" marB="0" anchor="t" anchorCtr="0" horzOverflow="overflow">
+                    <a:solidFill>
+                      <a:srgbClr val="CFD7E7"/>
+                    </a:solidFill>
+                  </a:tcPr>
+                </a:tc>
+                <a:tc>
+                  <a:txBody>
+                    <a:bodyPr/>
+                    <a:lstStyle/>
+                    <a:p>
+                      <a:pPr algn="l">
+                        <a:defRPr sz="1800"/>
+                      </a:pPr>
+                      <a:r>
+                        <a:t>3.288119E-02</a:t>
+                      </a:r>
+                    </a:p>
+                  </a:txBody>
+                  <a:tcPr marL="0" marR="0" marT="0" marB="0" anchor="t" anchorCtr="0" horzOverflow="overflow">
+                    <a:solidFill>
+                      <a:srgbClr val="CFD7E7"/>
+                    </a:solidFill>
+                  </a:tcPr>
+                </a:tc>
+                <a:tc>
+                  <a:txBody>
+                    <a:bodyPr/>
+                    <a:lstStyle/>
+                    <a:p>
+                      <a:pPr algn="l">
+                        <a:defRPr sz="1800"/>
+                      </a:pPr>
+                      <a:r>
+                        <a:t>7.064327E-02</a:t>
+                      </a:r>
+                    </a:p>
+                  </a:txBody>
+                  <a:tcPr marL="0" marR="0" marT="0" marB="0" anchor="t" anchorCtr="0" horzOverflow="overflow">
+                    <a:solidFill>
+                      <a:srgbClr val="CFD7E7"/>
+                    </a:solidFill>
+                  </a:tcPr>
+                </a:tc>
+                <a:tc>
+                  <a:txBody>
+                    <a:bodyPr/>
+                    <a:lstStyle/>
+                    <a:p>
+                      <a:pPr algn="l">
+                        <a:defRPr sz="1800"/>
+                      </a:pPr>
+                      <a:r>
+                        <a:t>3.589056E-02</a:t>
+                      </a:r>
+                    </a:p>
+                  </a:txBody>
+                  <a:tcPr marL="0" marR="0" marT="0" marB="0" anchor="t" anchorCtr="0" horzOverflow="overflow">
+                    <a:solidFill>
+                      <a:srgbClr val="CFD7E7"/>
+                    </a:solidFill>
+                  </a:tcPr>
+                </a:tc>
+                <a:tc>
+                  <a:txBody>
+                    <a:bodyPr/>
+                    <a:lstStyle/>
+                    <a:p>
+                      <a:pPr algn="l">
+                        <a:defRPr sz="1800"/>
+                      </a:pPr>
+                      <a:r>
+                        <a:t>5.237432E+03</a:t>
+                      </a:r>
+                    </a:p>
+                  </a:txBody>
+                  <a:tcPr marL="0" marR="0" marT="0" marB="0" anchor="t" anchorCtr="0" horzOverflow="overflow">
+                    <a:solidFill>
+                      <a:srgbClr val="CFD7E7"/>
+                    </a:solidFill>
+                  </a:tcPr>
+                </a:tc>
+              </a:tr>
+              <a:tr h="279052">
+                <a:tc>
+                  <a:txBody>
+                    <a:bodyPr/>
+                    <a:lstStyle/>
+                    <a:p>
+                      <a:pPr algn="l">
+                        <a:defRPr b="0" sz="1800">
+                          <a:solidFill>
+                            <a:srgbClr val="000000"/>
+                          </a:solidFill>
+                        </a:defRPr>
+                      </a:pPr>
+                      <a:r>
+                        <a:rPr b="1">
+                          <a:solidFill>
+                            <a:srgbClr val="FFFFFF"/>
+                          </a:solidFill>
+                        </a:rPr>
+                        <a:t>min</a:t>
+                      </a:r>
+                    </a:p>
+                  </a:txBody>
+                  <a:tcPr marL="0" marR="0" marT="0" marB="0" anchor="t" anchorCtr="0" horzOverflow="overflow"/>
+                </a:tc>
+                <a:tc>
+                  <a:txBody>
+                    <a:bodyPr/>
+                    <a:lstStyle/>
+                    <a:p>
+                      <a:pPr algn="l">
+                        <a:defRPr sz="1800"/>
+                      </a:pPr>
+                      <a:r>
+                        <a:t>1E+00</a:t>
+                      </a:r>
+                    </a:p>
+                  </a:txBody>
+                  <a:tcPr marL="0" marR="0" marT="0" marB="0" anchor="t" anchorCtr="0" horzOverflow="overflow">
+                    <a:solidFill>
+                      <a:srgbClr val="E8ECF4"/>
+                    </a:solidFill>
+                  </a:tcPr>
+                </a:tc>
+                <a:tc>
+                  <a:txBody>
+                    <a:bodyPr/>
+                    <a:lstStyle/>
+                    <a:p>
+                      <a:pPr algn="l">
+                        <a:defRPr sz="1800"/>
+                      </a:pPr>
+                      <a:r>
+                        <a:t>0E+00</a:t>
+                      </a:r>
+                    </a:p>
+                  </a:txBody>
+                  <a:tcPr marL="0" marR="0" marT="0" marB="0" anchor="t" anchorCtr="0" horzOverflow="overflow">
+                    <a:solidFill>
+                      <a:srgbClr val="E8ECF4"/>
+                    </a:solidFill>
+                  </a:tcPr>
+                </a:tc>
+                <a:tc>
+                  <a:txBody>
+                    <a:bodyPr/>
+                    <a:lstStyle/>
+                    <a:p>
+                      <a:pPr algn="l">
+                        <a:defRPr sz="1800"/>
+                      </a:pPr>
+                      <a:r>
+                        <a:t>-1.219333E+02</a:t>
+                      </a:r>
+                    </a:p>
+                  </a:txBody>
+                  <a:tcPr marL="0" marR="0" marT="0" marB="0" anchor="t" anchorCtr="0" horzOverflow="overflow">
+                    <a:solidFill>
+                      <a:srgbClr val="E8ECF4"/>
+                    </a:solidFill>
+                  </a:tcPr>
+                </a:tc>
+                <a:tc>
+                  <a:txBody>
+                    <a:bodyPr/>
+                    <a:lstStyle/>
+                    <a:p>
+                      <a:pPr algn="l">
+                        <a:defRPr sz="1800"/>
+                      </a:pPr>
+                      <a:r>
+                        <a:t>3.43597E+01</a:t>
+                      </a:r>
+                    </a:p>
+                  </a:txBody>
+                  <a:tcPr marL="0" marR="0" marT="0" marB="0" anchor="t" anchorCtr="0" horzOverflow="overflow">
+                    <a:solidFill>
+                      <a:srgbClr val="E8ECF4"/>
+                    </a:solidFill>
+                  </a:tcPr>
+                </a:tc>
+                <a:tc>
+                  <a:txBody>
+                    <a:bodyPr/>
+                    <a:lstStyle/>
+                    <a:p>
+                      <a:pPr algn="l">
+                        <a:defRPr sz="1800"/>
+                      </a:pPr>
+                      <a:r>
+                        <a:t>-1.219333E+02</a:t>
+                      </a:r>
+                    </a:p>
+                  </a:txBody>
+                  <a:tcPr marL="0" marR="0" marT="0" marB="0" anchor="t" anchorCtr="0" horzOverflow="overflow">
+                    <a:solidFill>
+                      <a:srgbClr val="E8ECF4"/>
+                    </a:solidFill>
+                  </a:tcPr>
+                </a:tc>
+                <a:tc>
+                  <a:txBody>
+                    <a:bodyPr/>
+                    <a:lstStyle/>
+                    <a:p>
+                      <a:pPr algn="l">
+                        <a:defRPr sz="1800"/>
+                      </a:pPr>
+                      <a:r>
+                        <a:t>3.218114E+01</a:t>
+                      </a:r>
+                    </a:p>
+                  </a:txBody>
+                  <a:tcPr marL="0" marR="0" marT="0" marB="0" anchor="t" anchorCtr="0" horzOverflow="overflow">
+                    <a:solidFill>
+                      <a:srgbClr val="E8ECF4"/>
+                    </a:solidFill>
+                  </a:tcPr>
+                </a:tc>
+                <a:tc>
+                  <a:txBody>
+                    <a:bodyPr/>
+                    <a:lstStyle/>
+                    <a:p>
+                      <a:pPr algn="l">
+                        <a:defRPr sz="1800"/>
+                      </a:pPr>
+                      <a:r>
+                        <a:t>1E+00</a:t>
+                      </a:r>
+                    </a:p>
+                  </a:txBody>
+                  <a:tcPr marL="0" marR="0" marT="0" marB="0" anchor="t" anchorCtr="0" horzOverflow="overflow">
+                    <a:solidFill>
+                      <a:srgbClr val="E8ECF4"/>
+                    </a:solidFill>
+                  </a:tcPr>
+                </a:tc>
+              </a:tr>
+              <a:tr h="279052">
+                <a:tc>
+                  <a:txBody>
+                    <a:bodyPr/>
+                    <a:lstStyle/>
+                    <a:p>
+                      <a:pPr algn="l">
+                        <a:defRPr b="0" sz="1800">
+                          <a:solidFill>
+                            <a:srgbClr val="000000"/>
+                          </a:solidFill>
+                        </a:defRPr>
+                      </a:pPr>
+                      <a:r>
+                        <a:rPr b="1">
+                          <a:solidFill>
+                            <a:srgbClr val="FFFFFF"/>
+                          </a:solidFill>
+                        </a:rPr>
+                        <a:t>25%</a:t>
+                      </a:r>
+                    </a:p>
+                  </a:txBody>
+                  <a:tcPr marL="0" marR="0" marT="0" marB="0" anchor="t" anchorCtr="0" horzOverflow="overflow"/>
+                </a:tc>
+                <a:tc>
+                  <a:txBody>
+                    <a:bodyPr/>
+                    <a:lstStyle/>
+                    <a:p>
+                      <a:pPr algn="l">
+                        <a:defRPr sz="1800"/>
+                      </a:pPr>
+                      <a:r>
+                        <a:t>1E+00</a:t>
+                      </a:r>
+                    </a:p>
+                  </a:txBody>
+                  <a:tcPr marL="0" marR="0" marT="0" marB="0" anchor="t" anchorCtr="0" horzOverflow="overflow">
+                    <a:solidFill>
+                      <a:srgbClr val="CFD7E7"/>
+                    </a:solidFill>
+                  </a:tcPr>
+                </a:tc>
+                <a:tc>
+                  <a:txBody>
+                    <a:bodyPr/>
+                    <a:lstStyle/>
+                    <a:p>
+                      <a:pPr algn="l">
+                        <a:defRPr sz="1800"/>
+                      </a:pPr>
+                      <a:r>
+                        <a:t>1E+00</a:t>
+                      </a:r>
+                    </a:p>
+                  </a:txBody>
+                  <a:tcPr marL="0" marR="0" marT="0" marB="0" anchor="t" anchorCtr="0" horzOverflow="overflow">
+                    <a:solidFill>
+                      <a:srgbClr val="CFD7E7"/>
+                    </a:solidFill>
+                  </a:tcPr>
+                </a:tc>
+                <a:tc>
+                  <a:txBody>
+                    <a:bodyPr/>
+                    <a:lstStyle/>
+                    <a:p>
+                      <a:pPr algn="l">
+                        <a:defRPr sz="1800"/>
+                      </a:pPr>
+                      <a:r>
+                        <a:t>-7.399187E+01</a:t>
+                      </a:r>
+                    </a:p>
+                  </a:txBody>
+                  <a:tcPr marL="0" marR="0" marT="0" marB="0" anchor="t" anchorCtr="0" horzOverflow="overflow">
+                    <a:solidFill>
+                      <a:srgbClr val="CFD7E7"/>
+                    </a:solidFill>
+                  </a:tcPr>
+                </a:tc>
+                <a:tc>
+                  <a:txBody>
+                    <a:bodyPr/>
+                    <a:lstStyle/>
+                    <a:p>
+                      <a:pPr algn="l">
+                        <a:defRPr sz="1800"/>
+                      </a:pPr>
+                      <a:r>
+                        <a:t>4.073735E+01</a:t>
+                      </a:r>
+                    </a:p>
+                  </a:txBody>
+                  <a:tcPr marL="0" marR="0" marT="0" marB="0" anchor="t" anchorCtr="0" horzOverflow="overflow">
+                    <a:solidFill>
+                      <a:srgbClr val="CFD7E7"/>
+                    </a:solidFill>
+                  </a:tcPr>
+                </a:tc>
+                <a:tc>
+                  <a:txBody>
+                    <a:bodyPr/>
+                    <a:lstStyle/>
+                    <a:p>
+                      <a:pPr algn="l">
+                        <a:defRPr sz="1800"/>
+                      </a:pPr>
+                      <a:r>
+                        <a:t>-7.399133E+01</a:t>
+                      </a:r>
+                    </a:p>
+                  </a:txBody>
+                  <a:tcPr marL="0" marR="0" marT="0" marB="0" anchor="t" anchorCtr="0" horzOverflow="overflow">
+                    <a:solidFill>
+                      <a:srgbClr val="CFD7E7"/>
+                    </a:solidFill>
+                  </a:tcPr>
+                </a:tc>
+                <a:tc>
+                  <a:txBody>
+                    <a:bodyPr/>
+                    <a:lstStyle/>
+                    <a:p>
+                      <a:pPr algn="l">
+                        <a:defRPr sz="1800"/>
+                      </a:pPr>
+                      <a:r>
+                        <a:t>4.073588E+01</a:t>
+                      </a:r>
+                    </a:p>
+                  </a:txBody>
+                  <a:tcPr marL="0" marR="0" marT="0" marB="0" anchor="t" anchorCtr="0" horzOverflow="overflow">
+                    <a:solidFill>
+                      <a:srgbClr val="CFD7E7"/>
+                    </a:solidFill>
+                  </a:tcPr>
+                </a:tc>
+                <a:tc>
+                  <a:txBody>
+                    <a:bodyPr/>
+                    <a:lstStyle/>
+                    <a:p>
+                      <a:pPr algn="l">
+                        <a:defRPr sz="1800"/>
+                      </a:pPr>
+                      <a:r>
+                        <a:t>3.97E+02</a:t>
+                      </a:r>
+                    </a:p>
+                  </a:txBody>
+                  <a:tcPr marL="0" marR="0" marT="0" marB="0" anchor="t" anchorCtr="0" horzOverflow="overflow">
+                    <a:solidFill>
+                      <a:srgbClr val="CFD7E7"/>
+                    </a:solidFill>
+                  </a:tcPr>
+                </a:tc>
+              </a:tr>
+              <a:tr h="279052">
+                <a:tc>
+                  <a:txBody>
+                    <a:bodyPr/>
+                    <a:lstStyle/>
+                    <a:p>
+                      <a:pPr algn="l">
+                        <a:defRPr b="0" sz="1800">
+                          <a:solidFill>
+                            <a:srgbClr val="000000"/>
+                          </a:solidFill>
+                        </a:defRPr>
+                      </a:pPr>
+                      <a:r>
+                        <a:rPr b="1">
+                          <a:solidFill>
+                            <a:srgbClr val="FFFFFF"/>
+                          </a:solidFill>
+                        </a:rPr>
+                        <a:t>50%</a:t>
+                      </a:r>
+                    </a:p>
+                  </a:txBody>
+                  <a:tcPr marL="0" marR="0" marT="0" marB="0" anchor="t" anchorCtr="0" horzOverflow="overflow"/>
+                </a:tc>
+                <a:tc>
+                  <a:txBody>
+                    <a:bodyPr/>
+                    <a:lstStyle/>
+                    <a:p>
+                      <a:pPr algn="l">
+                        <a:defRPr sz="1800"/>
+                      </a:pPr>
+                      <a:r>
+                        <a:t>2E+00</a:t>
+                      </a:r>
+                    </a:p>
+                  </a:txBody>
+                  <a:tcPr marL="0" marR="0" marT="0" marB="0" anchor="t" anchorCtr="0" horzOverflow="overflow">
+                    <a:solidFill>
+                      <a:srgbClr val="E8ECF4"/>
+                    </a:solidFill>
+                  </a:tcPr>
+                </a:tc>
+                <a:tc>
+                  <a:txBody>
+                    <a:bodyPr/>
+                    <a:lstStyle/>
+                    <a:p>
+                      <a:pPr algn="l">
+                        <a:defRPr sz="1800"/>
+                      </a:pPr>
+                      <a:r>
+                        <a:t>1E+00</a:t>
+                      </a:r>
+                    </a:p>
+                  </a:txBody>
+                  <a:tcPr marL="0" marR="0" marT="0" marB="0" anchor="t" anchorCtr="0" horzOverflow="overflow">
+                    <a:solidFill>
+                      <a:srgbClr val="E8ECF4"/>
+                    </a:solidFill>
+                  </a:tcPr>
+                </a:tc>
+                <a:tc>
+                  <a:txBody>
+                    <a:bodyPr/>
+                    <a:lstStyle/>
+                    <a:p>
+                      <a:pPr algn="l">
+                        <a:defRPr sz="1800"/>
+                      </a:pPr>
+                      <a:r>
+                        <a:t>-7.398174E+01</a:t>
+                      </a:r>
+                    </a:p>
+                  </a:txBody>
+                  <a:tcPr marL="0" marR="0" marT="0" marB="0" anchor="t" anchorCtr="0" horzOverflow="overflow">
+                    <a:solidFill>
+                      <a:srgbClr val="E8ECF4"/>
+                    </a:solidFill>
+                  </a:tcPr>
+                </a:tc>
+                <a:tc>
+                  <a:txBody>
+                    <a:bodyPr/>
+                    <a:lstStyle/>
+                    <a:p>
+                      <a:pPr algn="l">
+                        <a:defRPr sz="1800"/>
+                      </a:pPr>
+                      <a:r>
+                        <a:t>4.07541E+01</a:t>
+                      </a:r>
+                    </a:p>
+                  </a:txBody>
+                  <a:tcPr marL="0" marR="0" marT="0" marB="0" anchor="t" anchorCtr="0" horzOverflow="overflow">
+                    <a:solidFill>
+                      <a:srgbClr val="E8ECF4"/>
+                    </a:solidFill>
+                  </a:tcPr>
+                </a:tc>
+                <a:tc>
+                  <a:txBody>
+                    <a:bodyPr/>
+                    <a:lstStyle/>
+                    <a:p>
+                      <a:pPr algn="l">
+                        <a:defRPr sz="1800"/>
+                      </a:pPr>
+                      <a:r>
+                        <a:t>-7.397975E+01</a:t>
+                      </a:r>
+                    </a:p>
+                  </a:txBody>
+                  <a:tcPr marL="0" marR="0" marT="0" marB="0" anchor="t" anchorCtr="0" horzOverflow="overflow">
+                    <a:solidFill>
+                      <a:srgbClr val="E8ECF4"/>
+                    </a:solidFill>
+                  </a:tcPr>
+                </a:tc>
+                <a:tc>
+                  <a:txBody>
+                    <a:bodyPr/>
+                    <a:lstStyle/>
+                    <a:p>
+                      <a:pPr algn="l">
+                        <a:defRPr sz="1800"/>
+                      </a:pPr>
+                      <a:r>
+                        <a:t>4.075452E+01</a:t>
+                      </a:r>
+                    </a:p>
+                  </a:txBody>
+                  <a:tcPr marL="0" marR="0" marT="0" marB="0" anchor="t" anchorCtr="0" horzOverflow="overflow">
+                    <a:solidFill>
+                      <a:srgbClr val="E8ECF4"/>
+                    </a:solidFill>
+                  </a:tcPr>
+                </a:tc>
+                <a:tc>
+                  <a:txBody>
+                    <a:bodyPr/>
+                    <a:lstStyle/>
+                    <a:p>
+                      <a:pPr algn="l">
+                        <a:defRPr sz="1800"/>
+                      </a:pPr>
+                      <a:r>
+                        <a:t>6.62E+02</a:t>
+                      </a:r>
+                    </a:p>
+                  </a:txBody>
+                  <a:tcPr marL="0" marR="0" marT="0" marB="0" anchor="t" anchorCtr="0" horzOverflow="overflow">
+                    <a:solidFill>
+                      <a:srgbClr val="E8ECF4"/>
+                    </a:solidFill>
+                  </a:tcPr>
+                </a:tc>
+              </a:tr>
+              <a:tr h="279052">
+                <a:tc>
+                  <a:txBody>
+                    <a:bodyPr/>
+                    <a:lstStyle/>
+                    <a:p>
+                      <a:pPr algn="l">
+                        <a:defRPr b="0" sz="1800">
+                          <a:solidFill>
+                            <a:srgbClr val="000000"/>
+                          </a:solidFill>
+                        </a:defRPr>
+                      </a:pPr>
+                      <a:r>
+                        <a:rPr b="1">
+                          <a:solidFill>
+                            <a:srgbClr val="FFFFFF"/>
+                          </a:solidFill>
+                        </a:rPr>
+                        <a:t>75%</a:t>
+                      </a:r>
+                    </a:p>
+                  </a:txBody>
+                  <a:tcPr marL="0" marR="0" marT="0" marB="0" anchor="t" anchorCtr="0" horzOverflow="overflow"/>
+                </a:tc>
+                <a:tc>
+                  <a:txBody>
+                    <a:bodyPr/>
+                    <a:lstStyle/>
+                    <a:p>
+                      <a:pPr algn="l">
+                        <a:defRPr sz="1800"/>
+                      </a:pPr>
+                      <a:r>
+                        <a:t>2E+00</a:t>
+                      </a:r>
+                    </a:p>
+                  </a:txBody>
+                  <a:tcPr marL="0" marR="0" marT="0" marB="0" anchor="t" anchorCtr="0" horzOverflow="overflow">
+                    <a:solidFill>
+                      <a:srgbClr val="CFD7E7"/>
+                    </a:solidFill>
+                  </a:tcPr>
+                </a:tc>
+                <a:tc>
+                  <a:txBody>
+                    <a:bodyPr/>
+                    <a:lstStyle/>
+                    <a:p>
+                      <a:pPr algn="l">
+                        <a:defRPr sz="1800"/>
+                      </a:pPr>
+                      <a:r>
+                        <a:t>2E+00</a:t>
+                      </a:r>
+                    </a:p>
+                  </a:txBody>
+                  <a:tcPr marL="0" marR="0" marT="0" marB="0" anchor="t" anchorCtr="0" horzOverflow="overflow">
+                    <a:solidFill>
+                      <a:srgbClr val="CFD7E7"/>
+                    </a:solidFill>
+                  </a:tcPr>
+                </a:tc>
+                <a:tc>
+                  <a:txBody>
+                    <a:bodyPr/>
+                    <a:lstStyle/>
+                    <a:p>
+                      <a:pPr algn="l">
+                        <a:defRPr sz="1800"/>
+                      </a:pPr>
+                      <a:r>
+                        <a:t>-7.396733E+01</a:t>
+                      </a:r>
+                    </a:p>
+                  </a:txBody>
+                  <a:tcPr marL="0" marR="0" marT="0" marB="0" anchor="t" anchorCtr="0" horzOverflow="overflow">
+                    <a:solidFill>
+                      <a:srgbClr val="CFD7E7"/>
+                    </a:solidFill>
+                  </a:tcPr>
+                </a:tc>
+                <a:tc>
+                  <a:txBody>
+                    <a:bodyPr/>
+                    <a:lstStyle/>
+                    <a:p>
+                      <a:pPr algn="l">
+                        <a:defRPr sz="1800"/>
+                      </a:pPr>
+                      <a:r>
+                        <a:t>4.076836E+01</a:t>
+                      </a:r>
+                    </a:p>
+                  </a:txBody>
+                  <a:tcPr marL="0" marR="0" marT="0" marB="0" anchor="t" anchorCtr="0" horzOverflow="overflow">
+                    <a:solidFill>
+                      <a:srgbClr val="CFD7E7"/>
+                    </a:solidFill>
+                  </a:tcPr>
+                </a:tc>
+                <a:tc>
+                  <a:txBody>
+                    <a:bodyPr/>
+                    <a:lstStyle/>
+                    <a:p>
+                      <a:pPr algn="l">
+                        <a:defRPr sz="1800"/>
+                      </a:pPr>
+                      <a:r>
+                        <a:t>-7.396301E+01</a:t>
+                      </a:r>
+                    </a:p>
+                  </a:txBody>
+                  <a:tcPr marL="0" marR="0" marT="0" marB="0" anchor="t" anchorCtr="0" horzOverflow="overflow">
+                    <a:solidFill>
+                      <a:srgbClr val="CFD7E7"/>
+                    </a:solidFill>
+                  </a:tcPr>
+                </a:tc>
+                <a:tc>
+                  <a:txBody>
+                    <a:bodyPr/>
+                    <a:lstStyle/>
+                    <a:p>
+                      <a:pPr algn="l">
+                        <a:defRPr sz="1800"/>
+                      </a:pPr>
+                      <a:r>
+                        <a:t>4.076981E+01</a:t>
+                      </a:r>
+                    </a:p>
+                  </a:txBody>
+                  <a:tcPr marL="0" marR="0" marT="0" marB="0" anchor="t" anchorCtr="0" horzOverflow="overflow">
+                    <a:solidFill>
+                      <a:srgbClr val="CFD7E7"/>
+                    </a:solidFill>
+                  </a:tcPr>
+                </a:tc>
+                <a:tc>
+                  <a:txBody>
+                    <a:bodyPr/>
+                    <a:lstStyle/>
+                    <a:p>
+                      <a:pPr algn="l">
+                        <a:defRPr sz="1800"/>
+                      </a:pPr>
+                      <a:r>
+                        <a:t>1.075E+03</a:t>
+                      </a:r>
+                    </a:p>
+                  </a:txBody>
+                  <a:tcPr marL="0" marR="0" marT="0" marB="0" anchor="t" anchorCtr="0" horzOverflow="overflow">
+                    <a:solidFill>
+                      <a:srgbClr val="CFD7E7"/>
+                    </a:solidFill>
+                  </a:tcPr>
+                </a:tc>
+              </a:tr>
+              <a:tr h="279052">
+                <a:tc>
+                  <a:txBody>
+                    <a:bodyPr/>
+                    <a:lstStyle/>
+                    <a:p>
+                      <a:pPr algn="l">
+                        <a:defRPr b="0" sz="1800">
+                          <a:solidFill>
+                            <a:srgbClr val="000000"/>
+                          </a:solidFill>
+                        </a:defRPr>
+                      </a:pPr>
+                      <a:r>
+                        <a:rPr b="1">
+                          <a:solidFill>
+                            <a:srgbClr val="FFFFFF"/>
+                          </a:solidFill>
+                        </a:rPr>
+                        <a:t>max</a:t>
+                      </a:r>
+                    </a:p>
+                  </a:txBody>
+                  <a:tcPr marL="0" marR="0" marT="0" marB="0" anchor="t" anchorCtr="0" horzOverflow="overflow"/>
+                </a:tc>
+                <a:tc>
+                  <a:txBody>
+                    <a:bodyPr/>
+                    <a:lstStyle/>
+                    <a:p>
+                      <a:pPr algn="l">
+                        <a:defRPr sz="1800"/>
+                      </a:pPr>
+                      <a:r>
+                        <a:t>2E+00</a:t>
+                      </a:r>
+                    </a:p>
+                  </a:txBody>
+                  <a:tcPr marL="0" marR="0" marT="0" marB="0" anchor="t" anchorCtr="0" horzOverflow="overflow">
+                    <a:solidFill>
+                      <a:srgbClr val="E8ECF4"/>
+                    </a:solidFill>
+                  </a:tcPr>
+                </a:tc>
+                <a:tc>
+                  <a:txBody>
+                    <a:bodyPr/>
+                    <a:lstStyle/>
+                    <a:p>
+                      <a:pPr algn="l">
+                        <a:defRPr sz="1800"/>
+                      </a:pPr>
+                      <a:r>
+                        <a:t>9E+00</a:t>
+                      </a:r>
+                    </a:p>
+                  </a:txBody>
+                  <a:tcPr marL="0" marR="0" marT="0" marB="0" anchor="t" anchorCtr="0" horzOverflow="overflow">
+                    <a:solidFill>
+                      <a:srgbClr val="E8ECF4"/>
+                    </a:solidFill>
+                  </a:tcPr>
+                </a:tc>
+                <a:tc>
+                  <a:txBody>
+                    <a:bodyPr/>
+                    <a:lstStyle/>
+                    <a:p>
+                      <a:pPr algn="l">
+                        <a:defRPr sz="1800"/>
+                      </a:pPr>
+                      <a:r>
+                        <a:t>-6.133553E+01</a:t>
+                      </a:r>
+                    </a:p>
+                  </a:txBody>
+                  <a:tcPr marL="0" marR="0" marT="0" marB="0" anchor="t" anchorCtr="0" horzOverflow="overflow">
+                    <a:solidFill>
+                      <a:srgbClr val="E8ECF4"/>
+                    </a:solidFill>
+                  </a:tcPr>
+                </a:tc>
+                <a:tc>
+                  <a:txBody>
+                    <a:bodyPr/>
+                    <a:lstStyle/>
+                    <a:p>
+                      <a:pPr algn="l">
+                        <a:defRPr sz="1800"/>
+                      </a:pPr>
+                      <a:r>
+                        <a:t>5.188108E+01</a:t>
+                      </a:r>
+                    </a:p>
+                  </a:txBody>
+                  <a:tcPr marL="0" marR="0" marT="0" marB="0" anchor="t" anchorCtr="0" horzOverflow="overflow">
+                    <a:solidFill>
+                      <a:srgbClr val="E8ECF4"/>
+                    </a:solidFill>
+                  </a:tcPr>
+                </a:tc>
+                <a:tc>
+                  <a:txBody>
+                    <a:bodyPr/>
+                    <a:lstStyle/>
+                    <a:p>
+                      <a:pPr algn="l">
+                        <a:defRPr sz="1800"/>
+                      </a:pPr>
+                      <a:r>
+                        <a:t>-6.133553E+01</a:t>
+                      </a:r>
+                    </a:p>
+                  </a:txBody>
+                  <a:tcPr marL="0" marR="0" marT="0" marB="0" anchor="t" anchorCtr="0" horzOverflow="overflow">
+                    <a:solidFill>
+                      <a:srgbClr val="E8ECF4"/>
+                    </a:solidFill>
+                  </a:tcPr>
+                </a:tc>
+                <a:tc>
+                  <a:txBody>
+                    <a:bodyPr/>
+                    <a:lstStyle/>
+                    <a:p>
+                      <a:pPr algn="l">
+                        <a:defRPr sz="1800"/>
+                      </a:pPr>
+                      <a:r>
+                        <a:t>4.392103E+01</a:t>
+                      </a:r>
+                    </a:p>
+                  </a:txBody>
+                  <a:tcPr marL="0" marR="0" marT="0" marB="0" anchor="t" anchorCtr="0" horzOverflow="overflow">
+                    <a:solidFill>
+                      <a:srgbClr val="E8ECF4"/>
+                    </a:solidFill>
+                  </a:tcPr>
+                </a:tc>
+                <a:tc>
+                  <a:txBody>
+                    <a:bodyPr/>
+                    <a:lstStyle/>
+                    <a:p>
+                      <a:pPr algn="l">
+                        <a:defRPr sz="1800"/>
+                      </a:pPr>
+                      <a:r>
+                        <a:t>3.526282E+06</a:t>
+                      </a:r>
+                    </a:p>
+                  </a:txBody>
+                  <a:tcPr marL="0" marR="0" marT="0" marB="0" anchor="t" anchorCtr="0" horzOverflow="overflow">
+                    <a:solidFill>
+                      <a:srgbClr val="E8ECF4"/>
+                    </a:solidFill>
+                  </a:tcPr>
+                </a:tc>
+              </a:tr>
+            </a:tbl>
+          </a:graphicData>
+        </a:graphic>
+      </p:graphicFrame>
     </p:spTree>
   </p:cSld>
   <p:clrMapOvr>
@@ -4003,7 +5921,7 @@
       </p:grpSpPr>
       <p:sp>
         <p:nvSpPr>
-          <p:cNvPr id="155" name="What are the contributions?"/>
+          <p:cNvPr id="159" name="Distribution of the trip_duration"/>
           <p:cNvSpPr txBox="1"/>
           <p:nvPr>
             <p:ph type="title"/>
@@ -4020,21 +5938,21 @@
           <a:p>
             <a:pPr/>
             <a:r>
-              <a:t>What are the contributions?</a:t>
+              <a:t>Distribution of the trip_duration</a:t>
             </a:r>
           </a:p>
         </p:txBody>
       </p:sp>
       <p:sp>
         <p:nvSpPr>
-          <p:cNvPr id="156" name="model.featureImportances.toArray.zip(inputCols).…"/>
+          <p:cNvPr id="160" name="plt.figure(figsize=(10,10))…"/>
           <p:cNvSpPr txBox="1"/>
           <p:nvPr/>
         </p:nvSpPr>
         <p:spPr>
           <a:xfrm>
-            <a:off x="2361177" y="1643379"/>
-            <a:ext cx="4421645" cy="574041"/>
+            <a:off x="659737" y="1351280"/>
+            <a:ext cx="7824526" cy="1488440"/>
           </a:xfrm>
           <a:prstGeom prst="rect">
             <a:avLst/>
@@ -4054,33 +5972,57 @@
           </a:bodyPr>
           <a:lstStyle/>
           <a:p>
-            <a:pPr>
-              <a:defRPr sz="1600"/>
-            </a:pPr>
-            <a:r>
-              <a:t>    model.featureImportances.toArray.zip(inputCols).</a:t>
-            </a:r>
-          </a:p>
-          <a:p>
-            <a:pPr>
-              <a:defRPr sz="1600"/>
-            </a:pPr>
-            <a:r>
-              <a:t>      sorted.reverse.foreach(println)</a:t>
+            <a:pPr/>
+            <a:r>
+              <a:t>plt.figure(figsize=(10,10))</a:t>
+            </a:r>
+          </a:p>
+          <a:p>
+            <a:pPr/>
+            <a:r>
+              <a:t>plt.scatter(range(len(df_train["trip_duration"])), np.sort(df_train["trip_duration"]))</a:t>
+            </a:r>
+          </a:p>
+          <a:p>
+            <a:pPr/>
+            <a:r>
+              <a:t>plt.xlabel('index')</a:t>
+            </a:r>
+          </a:p>
+          <a:p>
+            <a:pPr/>
+            <a:r>
+              <a:t>plt.ylabel('trip_duration in seconds')</a:t>
+            </a:r>
+          </a:p>
+          <a:p>
+            <a:pPr/>
+            <a:r>
+              <a:t>plt.show()</a:t>
             </a:r>
           </a:p>
         </p:txBody>
       </p:sp>
-      <p:sp>
-        <p:nvSpPr>
-          <p:cNvPr id="157" name="(0.7796919815211103,Elevation)…"/>
-          <p:cNvSpPr txBox="1"/>
+      <p:pic>
+        <p:nvPicPr>
+          <p:cNvPr id="161" name="Image" descr="Image"/>
+          <p:cNvPicPr>
+            <a:picLocks noChangeAspect="1"/>
+          </p:cNvPicPr>
           <p:nvPr/>
-        </p:nvSpPr>
+        </p:nvPicPr>
+        <p:blipFill>
+          <a:blip r:embed="rId2">
+            <a:extLst/>
+          </a:blip>
+          <a:stretch>
+            <a:fillRect/>
+          </a:stretch>
+        </p:blipFill>
         <p:spPr>
           <a:xfrm>
-            <a:off x="1822011" y="2297442"/>
-            <a:ext cx="5499979" cy="4142716"/>
+            <a:off x="2585650" y="2883411"/>
+            <a:ext cx="4262314" cy="3936489"/>
           </a:xfrm>
           <a:prstGeom prst="rect">
             <a:avLst/>
@@ -4088,339 +6030,8 @@
           <a:ln w="12700">
             <a:miter lim="400000"/>
           </a:ln>
-          <a:extLst>
-            <a:ext uri="{C572A759-6A51-4108-AA02-DFA0A04FC94B}">
-              <ma14:wrappingTextBoxFlag xmlns:ma14="http://schemas.microsoft.com/office/mac/drawingml/2011/main" val="1"/>
-            </a:ext>
-          </a:extLst>
         </p:spPr>
-        <p:txBody>
-          <a:bodyPr wrap="none" lIns="45719" rIns="45719">
-            <a:spAutoFit/>
-          </a:bodyPr>
-          <a:lstStyle/>
-          <a:p>
-            <a:pPr defTabSz="457200">
-              <a:defRPr sz="1200">
-                <a:solidFill>
-                  <a:srgbClr val="212121"/>
-                </a:solidFill>
-                <a:latin typeface="Monaco"/>
-                <a:ea typeface="Monaco"/>
-                <a:cs typeface="Monaco"/>
-                <a:sym typeface="Monaco"/>
-              </a:defRPr>
-            </a:pPr>
-            <a:r>
-              <a:t>(0.7796919815211103,Elevation)</a:t>
-            </a:r>
-          </a:p>
-          <a:p>
-            <a:pPr defTabSz="457200">
-              <a:defRPr sz="1200">
-                <a:solidFill>
-                  <a:srgbClr val="212121"/>
-                </a:solidFill>
-                <a:latin typeface="Monaco"/>
-                <a:ea typeface="Monaco"/>
-                <a:cs typeface="Monaco"/>
-                <a:sym typeface="Monaco"/>
-              </a:defRPr>
-            </a:pPr>
-            <a:r>
-              <a:t>(0.0398128237749954,Horizontal_Distance_To_Hydrology)</a:t>
-            </a:r>
-          </a:p>
-          <a:p>
-            <a:pPr defTabSz="457200">
-              <a:defRPr sz="1200">
-                <a:solidFill>
-                  <a:srgbClr val="212121"/>
-                </a:solidFill>
-                <a:latin typeface="Monaco"/>
-                <a:ea typeface="Monaco"/>
-                <a:cs typeface="Monaco"/>
-                <a:sym typeface="Monaco"/>
-              </a:defRPr>
-            </a:pPr>
-            <a:r>
-              <a:t>(0.03156107154830829,Hillshade_Noon)</a:t>
-            </a:r>
-          </a:p>
-          <a:p>
-            <a:pPr defTabSz="457200">
-              <a:defRPr sz="1200">
-                <a:solidFill>
-                  <a:srgbClr val="212121"/>
-                </a:solidFill>
-                <a:latin typeface="Monaco"/>
-                <a:ea typeface="Monaco"/>
-                <a:cs typeface="Monaco"/>
-                <a:sym typeface="Monaco"/>
-              </a:defRPr>
-            </a:pPr>
-            <a:r>
-              <a:t>(0.030198698429345045,Soil_Type_3)</a:t>
-            </a:r>
-          </a:p>
-          <a:p>
-            <a:pPr defTabSz="457200">
-              <a:defRPr sz="1200">
-                <a:solidFill>
-                  <a:srgbClr val="212121"/>
-                </a:solidFill>
-                <a:latin typeface="Monaco"/>
-                <a:ea typeface="Monaco"/>
-                <a:cs typeface="Monaco"/>
-                <a:sym typeface="Monaco"/>
-              </a:defRPr>
-            </a:pPr>
-            <a:r>
-              <a:t>(0.0282780732216438,Wilderness_Area_0)</a:t>
-            </a:r>
-          </a:p>
-          <a:p>
-            <a:pPr defTabSz="457200">
-              <a:defRPr sz="1200">
-                <a:solidFill>
-                  <a:srgbClr val="212121"/>
-                </a:solidFill>
-                <a:latin typeface="Monaco"/>
-                <a:ea typeface="Monaco"/>
-                <a:cs typeface="Monaco"/>
-                <a:sym typeface="Monaco"/>
-              </a:defRPr>
-            </a:pPr>
-            <a:r>
-              <a:t>(0.026920786045451794,Soil_Type_31)</a:t>
-            </a:r>
-          </a:p>
-          <a:p>
-            <a:pPr defTabSz="457200">
-              <a:defRPr sz="1200">
-                <a:solidFill>
-                  <a:srgbClr val="212121"/>
-                </a:solidFill>
-                <a:latin typeface="Monaco"/>
-                <a:ea typeface="Monaco"/>
-                <a:cs typeface="Monaco"/>
-                <a:sym typeface="Monaco"/>
-              </a:defRPr>
-            </a:pPr>
-            <a:r>
-              <a:t>(0.023965641197494086,Soil_Type_1)</a:t>
-            </a:r>
-          </a:p>
-          <a:p>
-            <a:pPr defTabSz="457200">
-              <a:defRPr sz="1200">
-                <a:solidFill>
-                  <a:srgbClr val="212121"/>
-                </a:solidFill>
-                <a:latin typeface="Monaco"/>
-                <a:ea typeface="Monaco"/>
-                <a:cs typeface="Monaco"/>
-                <a:sym typeface="Monaco"/>
-              </a:defRPr>
-            </a:pPr>
-            <a:r>
-              <a:t>(0.011002916912030062,Wilderness_Area_2)</a:t>
-            </a:r>
-          </a:p>
-          <a:p>
-            <a:pPr defTabSz="457200">
-              <a:defRPr sz="1200">
-                <a:solidFill>
-                  <a:srgbClr val="212121"/>
-                </a:solidFill>
-                <a:latin typeface="Monaco"/>
-                <a:ea typeface="Monaco"/>
-                <a:cs typeface="Monaco"/>
-                <a:sym typeface="Monaco"/>
-              </a:defRPr>
-            </a:pPr>
-            <a:r>
-              <a:t>(0.009654840511466256,Soil_Type_28)</a:t>
-            </a:r>
-          </a:p>
-          <a:p>
-            <a:pPr defTabSz="457200">
-              <a:defRPr sz="1200">
-                <a:solidFill>
-                  <a:srgbClr val="212121"/>
-                </a:solidFill>
-                <a:latin typeface="Monaco"/>
-                <a:ea typeface="Monaco"/>
-                <a:cs typeface="Monaco"/>
-                <a:sym typeface="Monaco"/>
-              </a:defRPr>
-            </a:pPr>
-            <a:r>
-              <a:t>(0.0058962988381604554,Horizontal_Distance_To_Roadways)</a:t>
-            </a:r>
-          </a:p>
-          <a:p>
-            <a:pPr defTabSz="457200">
-              <a:defRPr sz="1200">
-                <a:solidFill>
-                  <a:srgbClr val="212121"/>
-                </a:solidFill>
-                <a:latin typeface="Monaco"/>
-                <a:ea typeface="Monaco"/>
-                <a:cs typeface="Monaco"/>
-                <a:sym typeface="Monaco"/>
-              </a:defRPr>
-            </a:pPr>
-            <a:r>
-              <a:t>(0.005292807192707336,Soil_Type_22)</a:t>
-            </a:r>
-          </a:p>
-          <a:p>
-            <a:pPr defTabSz="457200">
-              <a:defRPr sz="1200">
-                <a:solidFill>
-                  <a:srgbClr val="212121"/>
-                </a:solidFill>
-                <a:latin typeface="Monaco"/>
-                <a:ea typeface="Monaco"/>
-                <a:cs typeface="Monaco"/>
-                <a:sym typeface="Monaco"/>
-              </a:defRPr>
-            </a:pPr>
-            <a:r>
-              <a:t>(0.0031396067779140015,Wilderness_Area_1)</a:t>
-            </a:r>
-          </a:p>
-          <a:p>
-            <a:pPr defTabSz="457200">
-              <a:defRPr sz="1200">
-                <a:solidFill>
-                  <a:srgbClr val="212121"/>
-                </a:solidFill>
-                <a:latin typeface="Monaco"/>
-                <a:ea typeface="Monaco"/>
-                <a:cs typeface="Monaco"/>
-                <a:sym typeface="Monaco"/>
-              </a:defRPr>
-            </a:pPr>
-            <a:r>
-              <a:t>(0.00255369485868422,Hillshade_9am)</a:t>
-            </a:r>
-          </a:p>
-          <a:p>
-            <a:pPr defTabSz="457200">
-              <a:defRPr sz="1200">
-                <a:solidFill>
-                  <a:srgbClr val="212121"/>
-                </a:solidFill>
-                <a:latin typeface="Monaco"/>
-                <a:ea typeface="Monaco"/>
-                <a:cs typeface="Monaco"/>
-                <a:sym typeface="Monaco"/>
-              </a:defRPr>
-            </a:pPr>
-            <a:r>
-              <a:t>(0.0017475453048820069,Horizontal_Distance_To_Fire_Points)</a:t>
-            </a:r>
-          </a:p>
-          <a:p>
-            <a:pPr defTabSz="457200">
-              <a:defRPr sz="1200">
-                <a:solidFill>
-                  <a:srgbClr val="212121"/>
-                </a:solidFill>
-                <a:latin typeface="Monaco"/>
-                <a:ea typeface="Monaco"/>
-                <a:cs typeface="Monaco"/>
-                <a:sym typeface="Monaco"/>
-              </a:defRPr>
-            </a:pPr>
-            <a:r>
-              <a:t>(2.832138658070966E-4,Soil_Type_8)</a:t>
-            </a:r>
-          </a:p>
-          <a:p>
-            <a:pPr defTabSz="457200">
-              <a:defRPr sz="1200">
-                <a:solidFill>
-                  <a:srgbClr val="212121"/>
-                </a:solidFill>
-                <a:latin typeface="Monaco"/>
-                <a:ea typeface="Monaco"/>
-                <a:cs typeface="Monaco"/>
-                <a:sym typeface="Monaco"/>
-              </a:defRPr>
-            </a:pPr>
-            <a:r>
-              <a:t>(0.0,Wilderness_Area_3)</a:t>
-            </a:r>
-          </a:p>
-          <a:p>
-            <a:pPr defTabSz="457200">
-              <a:defRPr sz="1200">
-                <a:solidFill>
-                  <a:srgbClr val="212121"/>
-                </a:solidFill>
-                <a:latin typeface="Monaco"/>
-                <a:ea typeface="Monaco"/>
-                <a:cs typeface="Monaco"/>
-                <a:sym typeface="Monaco"/>
-              </a:defRPr>
-            </a:pPr>
-            <a:r>
-              <a:t>(0.0,Vertical_Distance_To_Hydrology)</a:t>
-            </a:r>
-          </a:p>
-          <a:p>
-            <a:pPr defTabSz="457200">
-              <a:defRPr sz="1200">
-                <a:solidFill>
-                  <a:srgbClr val="212121"/>
-                </a:solidFill>
-                <a:latin typeface="Monaco"/>
-                <a:ea typeface="Monaco"/>
-                <a:cs typeface="Monaco"/>
-                <a:sym typeface="Monaco"/>
-              </a:defRPr>
-            </a:pPr>
-            <a:r>
-              <a:t>(0.0,Soil_Type_9)</a:t>
-            </a:r>
-          </a:p>
-          <a:p>
-            <a:pPr defTabSz="457200">
-              <a:defRPr sz="1200">
-                <a:solidFill>
-                  <a:srgbClr val="212121"/>
-                </a:solidFill>
-                <a:latin typeface="Monaco"/>
-                <a:ea typeface="Monaco"/>
-                <a:cs typeface="Monaco"/>
-                <a:sym typeface="Monaco"/>
-              </a:defRPr>
-            </a:pPr>
-            <a:r>
-              <a:t>(0.0,Soil_Type_7)</a:t>
-            </a:r>
-          </a:p>
-          <a:p>
-            <a:pPr defTabSz="457200">
-              <a:defRPr sz="1200">
-                <a:solidFill>
-                  <a:srgbClr val="212121"/>
-                </a:solidFill>
-                <a:latin typeface="Monaco"/>
-                <a:ea typeface="Monaco"/>
-                <a:cs typeface="Monaco"/>
-                <a:sym typeface="Monaco"/>
-              </a:defRPr>
-            </a:pPr>
-            <a:r>
-              <a:t>(0.0,Soil_Type_6)</a:t>
-            </a:r>
-          </a:p>
-        </p:txBody>
-      </p:sp>
+      </p:pic>
     </p:spTree>
   </p:cSld>
   <p:clrMapOvr>
@@ -4449,7 +6060,7 @@
       </p:grpSpPr>
       <p:sp>
         <p:nvSpPr>
-          <p:cNvPr id="159" name="Evaluate the classifier on data"/>
+          <p:cNvPr id="163" name="Data cleanup"/>
           <p:cNvSpPr txBox="1"/>
           <p:nvPr>
             <p:ph type="title"/>
@@ -4466,21 +6077,57 @@
           <a:p>
             <a:pPr/>
             <a:r>
-              <a:t>Evaluate the classifier on data</a:t>
+              <a:t>Data cleanup</a:t>
             </a:r>
           </a:p>
         </p:txBody>
       </p:sp>
       <p:sp>
         <p:nvSpPr>
-          <p:cNvPr id="160" name="val predictions = model.transform(assembledTrainData)…"/>
+          <p:cNvPr id="164" name="The trip duration data has extreme outliers…"/>
+          <p:cNvSpPr txBox="1"/>
+          <p:nvPr>
+            <p:ph type="body" idx="1"/>
+          </p:nvPr>
+        </p:nvSpPr>
+        <p:spPr>
+          <a:prstGeom prst="rect">
+            <a:avLst/>
+          </a:prstGeom>
+        </p:spPr>
+        <p:txBody>
+          <a:bodyPr/>
+          <a:lstStyle/>
+          <a:p>
+            <a:pPr/>
+            <a:r>
+              <a:t>The trip duration data has extreme outliers</a:t>
+            </a:r>
+          </a:p>
+          <a:p>
+            <a:pPr/>
+            <a:r>
+              <a:t>We need to make a decision about removing them</a:t>
+            </a:r>
+          </a:p>
+          <a:p>
+            <a:pPr/>
+            <a:r>
+              <a:t>First, let’s remove the most “unplausible” data</a:t>
+            </a:r>
+          </a:p>
+        </p:txBody>
+      </p:sp>
+      <p:sp>
+        <p:nvSpPr>
+          <p:cNvPr id="165" name="# #Removing the outliers in the dataset…"/>
           <p:cNvSpPr txBox="1"/>
           <p:nvPr/>
         </p:nvSpPr>
         <p:spPr>
           <a:xfrm>
-            <a:off x="1896586" y="1579880"/>
-            <a:ext cx="5350828" cy="1056641"/>
+            <a:off x="1999749" y="4323080"/>
+            <a:ext cx="5144503" cy="650240"/>
           </a:xfrm>
           <a:prstGeom prst="rect">
             <a:avLst/>
@@ -4500,270 +6147,15 @@
           </a:bodyPr>
           <a:lstStyle/>
           <a:p>
-            <a:pPr>
-              <a:defRPr sz="1600"/>
-            </a:pPr>
-            <a:r>
-              <a:t>  val predictions = model.transform(assembledTrainData)</a:t>
-            </a:r>
-          </a:p>
-          <a:p>
-            <a:pPr>
-              <a:defRPr sz="1600"/>
-            </a:pPr>
-          </a:p>
-          <a:p>
-            <a:pPr>
-              <a:defRPr sz="1600"/>
-            </a:pPr>
-            <a:r>
-              <a:t>    predictions.select("Cover_Type", "prediction", "probability").</a:t>
-            </a:r>
-          </a:p>
-          <a:p>
-            <a:pPr>
-              <a:defRPr sz="1600"/>
-            </a:pPr>
-            <a:r>
-              <a:t>      show(truncate = false)</a:t>
-            </a:r>
-          </a:p>
-        </p:txBody>
-      </p:sp>
-      <p:sp>
-        <p:nvSpPr>
-          <p:cNvPr id="161" name="predictions: org.apache.spark.sql.DataFrame = [Elevation: int, Aspect: int ... 57 more fields]…"/>
-          <p:cNvSpPr txBox="1"/>
-          <p:nvPr/>
-        </p:nvSpPr>
-        <p:spPr>
-          <a:xfrm>
-            <a:off x="347979" y="2945142"/>
-            <a:ext cx="12245788" cy="2923516"/>
-          </a:xfrm>
-          <a:prstGeom prst="rect">
-            <a:avLst/>
-          </a:prstGeom>
-          <a:ln w="12700">
-            <a:miter lim="400000"/>
-          </a:ln>
-          <a:extLst>
-            <a:ext uri="{C572A759-6A51-4108-AA02-DFA0A04FC94B}">
-              <ma14:wrappingTextBoxFlag xmlns:ma14="http://schemas.microsoft.com/office/mac/drawingml/2011/main" val="1"/>
-            </a:ext>
-          </a:extLst>
-        </p:spPr>
-        <p:txBody>
-          <a:bodyPr lIns="45719" rIns="45719">
-            <a:spAutoFit/>
-          </a:bodyPr>
-          <a:lstStyle/>
-          <a:p>
-            <a:pPr defTabSz="457200">
-              <a:defRPr sz="1200">
-                <a:solidFill>
-                  <a:srgbClr val="212121"/>
-                </a:solidFill>
-                <a:latin typeface="Monaco"/>
-                <a:ea typeface="Monaco"/>
-                <a:cs typeface="Monaco"/>
-                <a:sym typeface="Monaco"/>
-              </a:defRPr>
-            </a:pPr>
-            <a:r>
-              <a:t>predictions: org.apache.spark.sql.DataFrame = [Elevation: int, Aspect: int ... 57 more fields]</a:t>
-            </a:r>
-          </a:p>
-          <a:p>
-            <a:pPr defTabSz="457200">
-              <a:defRPr sz="1200">
-                <a:solidFill>
-                  <a:srgbClr val="212121"/>
-                </a:solidFill>
-                <a:latin typeface="Monaco"/>
-                <a:ea typeface="Monaco"/>
-                <a:cs typeface="Monaco"/>
-                <a:sym typeface="Monaco"/>
-              </a:defRPr>
-            </a:pPr>
-            <a:r>
-              <a:t>+----------+----------+------------------------------------------------------------------------------------------------+</a:t>
-            </a:r>
-          </a:p>
-          <a:p>
-            <a:pPr defTabSz="457200">
-              <a:defRPr sz="1200">
-                <a:solidFill>
-                  <a:srgbClr val="212121"/>
-                </a:solidFill>
-                <a:latin typeface="Monaco"/>
-                <a:ea typeface="Monaco"/>
-                <a:cs typeface="Monaco"/>
-                <a:sym typeface="Monaco"/>
-              </a:defRPr>
-            </a:pPr>
-            <a:r>
-              <a:t>|Cover_Type|prediction|probability                                                                                     |</a:t>
-            </a:r>
-          </a:p>
-          <a:p>
-            <a:pPr defTabSz="457200">
-              <a:defRPr sz="1200">
-                <a:solidFill>
-                  <a:srgbClr val="212121"/>
-                </a:solidFill>
-                <a:latin typeface="Monaco"/>
-                <a:ea typeface="Monaco"/>
-                <a:cs typeface="Monaco"/>
-                <a:sym typeface="Monaco"/>
-              </a:defRPr>
-            </a:pPr>
-            <a:r>
-              <a:t>+----------+----------+------------------------------------------------------------------------------------------------+</a:t>
-            </a:r>
-          </a:p>
-          <a:p>
-            <a:pPr defTabSz="457200">
-              <a:defRPr sz="1200">
-                <a:solidFill>
-                  <a:srgbClr val="212121"/>
-                </a:solidFill>
-                <a:latin typeface="Monaco"/>
-                <a:ea typeface="Monaco"/>
-                <a:cs typeface="Monaco"/>
-                <a:sym typeface="Monaco"/>
-              </a:defRPr>
-            </a:pPr>
-            <a:r>
-              <a:t>|6.0       |3.0       |[0.0,0.0,0.0316138592900995,0.636581751464258,0.05130195469621057,0.0,0.2805024345494319,0.0]   |</a:t>
-            </a:r>
-          </a:p>
-          <a:p>
-            <a:pPr defTabSz="457200">
-              <a:defRPr sz="1200">
-                <a:solidFill>
-                  <a:srgbClr val="212121"/>
-                </a:solidFill>
-                <a:latin typeface="Monaco"/>
-                <a:ea typeface="Monaco"/>
-                <a:cs typeface="Monaco"/>
-                <a:sym typeface="Monaco"/>
-              </a:defRPr>
-            </a:pPr>
-            <a:r>
-              <a:t>|6.0       |4.0       |[0.0,0.0,0.04187082405345212,0.2846325167037862,0.44097995545657015,0.0,0.23251670378619155,0.0]|</a:t>
-            </a:r>
-          </a:p>
-          <a:p>
-            <a:pPr defTabSz="457200">
-              <a:defRPr sz="1200">
-                <a:solidFill>
-                  <a:srgbClr val="212121"/>
-                </a:solidFill>
-                <a:latin typeface="Monaco"/>
-                <a:ea typeface="Monaco"/>
-                <a:cs typeface="Monaco"/>
-                <a:sym typeface="Monaco"/>
-              </a:defRPr>
-            </a:pPr>
-            <a:r>
-              <a:t>|6.0       |3.0       |[0.0,0.0,0.0316138592900995,0.636581751464258,0.05130195469621057,0.0,0.2805024345494319,0.0]   |</a:t>
-            </a:r>
-          </a:p>
-          <a:p>
-            <a:pPr defTabSz="457200">
-              <a:defRPr sz="1200">
-                <a:solidFill>
-                  <a:srgbClr val="212121"/>
-                </a:solidFill>
-                <a:latin typeface="Monaco"/>
-                <a:ea typeface="Monaco"/>
-                <a:cs typeface="Monaco"/>
-                <a:sym typeface="Monaco"/>
-              </a:defRPr>
-            </a:pPr>
-            <a:r>
-              <a:t>|6.0       |3.0       |[0.0,0.0,0.0316138592900995,0.636581751464258,0.05130195469621057,0.0,0.2805024345494319,0.0]   |</a:t>
-            </a:r>
-          </a:p>
-          <a:p>
-            <a:pPr defTabSz="457200">
-              <a:defRPr sz="1200">
-                <a:solidFill>
-                  <a:srgbClr val="212121"/>
-                </a:solidFill>
-                <a:latin typeface="Monaco"/>
-                <a:ea typeface="Monaco"/>
-                <a:cs typeface="Monaco"/>
-                <a:sym typeface="Monaco"/>
-              </a:defRPr>
-            </a:pPr>
-            <a:r>
-              <a:t>|6.0       |3.0       |[0.0,0.0,0.0316138592900995,0.636581751464258,0.05130195469621057,0.0,0.2805024345494319,0.0]   |</a:t>
-            </a:r>
-          </a:p>
-          <a:p>
-            <a:pPr defTabSz="457200">
-              <a:defRPr sz="1200">
-                <a:solidFill>
-                  <a:srgbClr val="212121"/>
-                </a:solidFill>
-                <a:latin typeface="Monaco"/>
-                <a:ea typeface="Monaco"/>
-                <a:cs typeface="Monaco"/>
-                <a:sym typeface="Monaco"/>
-              </a:defRPr>
-            </a:pPr>
-            <a:r>
-              <a:t>|6.0       |3.0       |[0.0,0.0,0.0316138592900995,0.636581751464258,0.05130195469621057,0.0,0.2805024345494319,0.0]   |</a:t>
-            </a:r>
-          </a:p>
-          <a:p>
-            <a:pPr defTabSz="457200">
-              <a:defRPr sz="1200">
-                <a:solidFill>
-                  <a:srgbClr val="212121"/>
-                </a:solidFill>
-                <a:latin typeface="Monaco"/>
-                <a:ea typeface="Monaco"/>
-                <a:cs typeface="Monaco"/>
-                <a:sym typeface="Monaco"/>
-              </a:defRPr>
-            </a:pPr>
-            <a:r>
-              <a:t>|6.0       |3.0       |[0.0,0.0,0.0316138592900995,0.636581751464258,0.05130195469621057,0.0,0.2805024345494319,0.0]   |</a:t>
-            </a:r>
-          </a:p>
-          <a:p>
-            <a:pPr defTabSz="457200">
-              <a:defRPr sz="1200">
-                <a:solidFill>
-                  <a:srgbClr val="212121"/>
-                </a:solidFill>
-                <a:latin typeface="Monaco"/>
-                <a:ea typeface="Monaco"/>
-                <a:cs typeface="Monaco"/>
-                <a:sym typeface="Monaco"/>
-              </a:defRPr>
-            </a:pPr>
-            <a:r>
-              <a:t>|6.0       |3.0       |[0.0,0.0,0.0316138592900995,0.636581751464258,0.05130195469621057,0.0,0.2805024345494319,0.0]   |</a:t>
-            </a:r>
-          </a:p>
-          <a:p>
-            <a:pPr defTabSz="457200">
-              <a:defRPr sz="1200">
-                <a:solidFill>
-                  <a:srgbClr val="212121"/>
-                </a:solidFill>
-                <a:latin typeface="Monaco"/>
-                <a:ea typeface="Monaco"/>
-                <a:cs typeface="Monaco"/>
-                <a:sym typeface="Monaco"/>
-              </a:defRPr>
-            </a:pPr>
-            <a:r>
-              <a:t>|6.0       |3.0       |[0.0,0.0,0.0316138592900995,0.636581751464258,0.05130195469621057,0.0,0.2805024345494319,0.0]   |</a:t>
+            <a:pPr/>
+            <a:r>
+              <a:t># #Removing the outliers in the dataset</a:t>
+            </a:r>
+          </a:p>
+          <a:p>
+            <a:pPr/>
+            <a:r>
+              <a:t>df_train = df_train[df_train["trip_duration"] &lt; 500000]</a:t>
             </a:r>
           </a:p>
         </p:txBody>
@@ -4796,7 +6188,7 @@
       </p:grpSpPr>
       <p:sp>
         <p:nvSpPr>
-          <p:cNvPr id="163" name="Transfer the classifier to RDD"/>
+          <p:cNvPr id="167" name="Distribution of the trip_duration"/>
           <p:cNvSpPr txBox="1"/>
           <p:nvPr>
             <p:ph type="title"/>
@@ -4813,21 +6205,21 @@
           <a:p>
             <a:pPr/>
             <a:r>
-              <a:t>Transfer the classifier to RDD</a:t>
+              <a:t>Distribution of the trip_duration</a:t>
             </a:r>
           </a:p>
         </p:txBody>
       </p:sp>
       <p:sp>
         <p:nvSpPr>
-          <p:cNvPr id="164" name="val evaluator = new MulticlassClassificationEvaluator().…"/>
+          <p:cNvPr id="168" name="plt.figure(figsize=(10,10))…"/>
           <p:cNvSpPr txBox="1"/>
           <p:nvPr/>
         </p:nvSpPr>
         <p:spPr>
           <a:xfrm>
-            <a:off x="1360904" y="1592580"/>
-            <a:ext cx="6422192" cy="3710941"/>
+            <a:off x="659737" y="1351280"/>
+            <a:ext cx="7824526" cy="1488441"/>
           </a:xfrm>
           <a:prstGeom prst="rect">
             <a:avLst/>
@@ -4847,113 +6239,66 @@
           </a:bodyPr>
           <a:lstStyle/>
           <a:p>
-            <a:pPr>
-              <a:defRPr sz="1600"/>
-            </a:pPr>
-            <a:r>
-              <a:t>    val evaluator = new MulticlassClassificationEvaluator().</a:t>
-            </a:r>
-          </a:p>
-          <a:p>
-            <a:pPr>
-              <a:defRPr sz="1600"/>
-            </a:pPr>
-            <a:r>
-              <a:t>      setLabelCol("Cover_Type").</a:t>
-            </a:r>
-          </a:p>
-          <a:p>
-            <a:pPr>
-              <a:defRPr sz="1600"/>
-            </a:pPr>
-            <a:r>
-              <a:t>      setPredictionCol("prediction")</a:t>
-            </a:r>
-          </a:p>
-          <a:p>
-            <a:pPr>
-              <a:defRPr sz="1600"/>
-            </a:pPr>
-          </a:p>
-          <a:p>
-            <a:pPr>
-              <a:defRPr sz="1600"/>
-            </a:pPr>
-            <a:r>
-              <a:t>    val accuracy = evaluator.setMetricName("accuracy").evaluate(predictions)</a:t>
-            </a:r>
-          </a:p>
-          <a:p>
-            <a:pPr>
-              <a:defRPr sz="1600"/>
-            </a:pPr>
-            <a:r>
-              <a:t>    val f1 = evaluator.setMetricName("f1").evaluate(predictions)</a:t>
-            </a:r>
-          </a:p>
-          <a:p>
-            <a:pPr>
-              <a:defRPr sz="1600"/>
-            </a:pPr>
-            <a:r>
-              <a:t>    println(accuracy)</a:t>
-            </a:r>
-          </a:p>
-          <a:p>
-            <a:pPr>
-              <a:defRPr sz="1600"/>
-            </a:pPr>
-            <a:r>
-              <a:t>    println(f1)</a:t>
-            </a:r>
-          </a:p>
-          <a:p>
-            <a:pPr>
-              <a:defRPr sz="1600"/>
-            </a:pPr>
-          </a:p>
-          <a:p>
-            <a:pPr>
-              <a:defRPr sz="1600"/>
-            </a:pPr>
-            <a:r>
-              <a:t>    val predictionRDD = predictions.</a:t>
-            </a:r>
-          </a:p>
-          <a:p>
-            <a:pPr>
-              <a:defRPr sz="1600"/>
-            </a:pPr>
-            <a:r>
-              <a:t>      select("prediction", "Cover_Type").</a:t>
-            </a:r>
-          </a:p>
-          <a:p>
-            <a:pPr>
-              <a:defRPr sz="1600"/>
-            </a:pPr>
-            <a:r>
-              <a:t>      as[(Double,Double)].rdd</a:t>
-            </a:r>
-          </a:p>
-          <a:p>
-            <a:pPr>
-              <a:defRPr sz="1600"/>
-            </a:pPr>
-            <a:r>
-              <a:t>    val multiclassMetrics = new MulticlassMetrics(predictionRDD)</a:t>
-            </a:r>
-          </a:p>
-          <a:p>
-            <a:pPr>
-              <a:defRPr sz="1600"/>
-            </a:pPr>
-            <a:r>
-              <a:t>    println(multiclassMetrics.confusionMatrix)</a:t>
+            <a:pPr/>
+            <a:r>
+              <a:t>plt.figure(figsize=(10,10))</a:t>
+            </a:r>
+          </a:p>
+          <a:p>
+            <a:pPr/>
+            <a:r>
+              <a:t>plt.scatter(range(len(df_train["trip_duration"])), np.sort(df_train["trip_duration"]))</a:t>
+            </a:r>
+          </a:p>
+          <a:p>
+            <a:pPr/>
+            <a:r>
+              <a:t>plt.xlabel('index')</a:t>
+            </a:r>
+          </a:p>
+          <a:p>
+            <a:pPr/>
+            <a:r>
+              <a:t>plt.ylabel('trip_duration in seconds')</a:t>
+            </a:r>
+          </a:p>
+          <a:p>
+            <a:pPr/>
+            <a:r>
+              <a:t>plt.show()</a:t>
             </a:r>
           </a:p>
         </p:txBody>
       </p:sp>
+      <p:pic>
+        <p:nvPicPr>
+          <p:cNvPr id="169" name="Image" descr="Image"/>
+          <p:cNvPicPr>
+            <a:picLocks noChangeAspect="1"/>
+          </p:cNvPicPr>
+          <p:nvPr/>
+        </p:nvPicPr>
+        <p:blipFill>
+          <a:blip r:embed="rId2">
+            <a:extLst/>
+          </a:blip>
+          <a:stretch>
+            <a:fillRect/>
+          </a:stretch>
+        </p:blipFill>
+        <p:spPr>
+          <a:xfrm>
+            <a:off x="2630431" y="2571980"/>
+            <a:ext cx="4264528" cy="4013674"/>
+          </a:xfrm>
+          <a:prstGeom prst="rect">
+            <a:avLst/>
+          </a:prstGeom>
+          <a:ln w="12700">
+            <a:miter lim="400000"/>
+          </a:ln>
+        </p:spPr>
+      </p:pic>
     </p:spTree>
   </p:cSld>
   <p:clrMapOvr>
@@ -4982,7 +6327,7 @@
       </p:grpSpPr>
       <p:sp>
         <p:nvSpPr>
-          <p:cNvPr id="166" name="Get the confusion matrix from RDD"/>
+          <p:cNvPr id="171" name="Data cleanup 2"/>
           <p:cNvSpPr txBox="1"/>
           <p:nvPr>
             <p:ph type="title"/>
@@ -4999,21 +6344,51 @@
           <a:p>
             <a:pPr/>
             <a:r>
-              <a:t>Get the confusion matrix from RDD</a:t>
+              <a:t>Data cleanup 2</a:t>
             </a:r>
           </a:p>
         </p:txBody>
       </p:sp>
       <p:sp>
         <p:nvSpPr>
-          <p:cNvPr id="167" name="val confusionMatrix = predictions.…"/>
+          <p:cNvPr id="172" name="Better but still cannot see the actual distribution…"/>
+          <p:cNvSpPr txBox="1"/>
+          <p:nvPr>
+            <p:ph type="body" idx="1"/>
+          </p:nvPr>
+        </p:nvSpPr>
+        <p:spPr>
+          <a:prstGeom prst="rect">
+            <a:avLst/>
+          </a:prstGeom>
+        </p:spPr>
+        <p:txBody>
+          <a:bodyPr/>
+          <a:lstStyle/>
+          <a:p>
+            <a:pPr/>
+            <a:r>
+              <a:t>Better but still cannot see the actual distribution</a:t>
+            </a:r>
+          </a:p>
+          <a:p>
+            <a:pPr/>
+            <a:r>
+              <a:t>Let’s remove trips up to 2 hours</a:t>
+            </a:r>
+          </a:p>
+        </p:txBody>
+      </p:sp>
+      <p:sp>
+        <p:nvSpPr>
+          <p:cNvPr id="173" name="# #Removing the outliers in the dataset…"/>
           <p:cNvSpPr txBox="1"/>
           <p:nvPr/>
         </p:nvSpPr>
         <p:spPr>
           <a:xfrm>
-            <a:off x="1360904" y="1592580"/>
-            <a:ext cx="3036948" cy="2263141"/>
+            <a:off x="1999749" y="4323079"/>
+            <a:ext cx="4912777" cy="650241"/>
           </a:xfrm>
           <a:prstGeom prst="rect">
             <a:avLst/>
@@ -5033,286 +6408,15 @@
           </a:bodyPr>
           <a:lstStyle/>
           <a:p>
-            <a:pPr>
-              <a:defRPr sz="1600"/>
-            </a:pPr>
-            <a:r>
-              <a:t>  val confusionMatrix = predictions.</a:t>
-            </a:r>
-          </a:p>
-          <a:p>
-            <a:pPr>
-              <a:defRPr sz="1600"/>
-            </a:pPr>
-            <a:r>
-              <a:t>      groupBy("Cover_Type").</a:t>
-            </a:r>
-          </a:p>
-          <a:p>
-            <a:pPr>
-              <a:defRPr sz="1600"/>
-            </a:pPr>
-            <a:r>
-              <a:t>      pivot("prediction", (1 to 7)).</a:t>
-            </a:r>
-          </a:p>
-          <a:p>
-            <a:pPr>
-              <a:defRPr sz="1600"/>
-            </a:pPr>
-            <a:r>
-              <a:t>      count().</a:t>
-            </a:r>
-          </a:p>
-          <a:p>
-            <a:pPr>
-              <a:defRPr sz="1600"/>
-            </a:pPr>
-            <a:r>
-              <a:t>      na.fill(0.0).</a:t>
-            </a:r>
-          </a:p>
-          <a:p>
-            <a:pPr>
-              <a:defRPr sz="1600"/>
-            </a:pPr>
-            <a:r>
-              <a:t>      orderBy("Cover_Type")</a:t>
-            </a:r>
-          </a:p>
-          <a:p>
-            <a:pPr>
-              <a:defRPr sz="1600"/>
-            </a:pPr>
-          </a:p>
-          <a:p>
-            <a:pPr>
-              <a:defRPr sz="1600"/>
-            </a:pPr>
-            <a:r>
-              <a:t>    confusionMatrix.show()</a:t>
-            </a:r>
-          </a:p>
-        </p:txBody>
-      </p:sp>
-      <p:sp>
-        <p:nvSpPr>
-          <p:cNvPr id="168" name="confusionMatrix: org.apache.spark.sql.Dataset[org.apache.spark.sql.Row] = [Cover_Type: double, 1: bigint ... 6 more fields]…"/>
-          <p:cNvSpPr txBox="1"/>
-          <p:nvPr/>
-        </p:nvSpPr>
-        <p:spPr>
-          <a:xfrm>
-            <a:off x="953040" y="3719842"/>
-            <a:ext cx="9066720" cy="2720316"/>
-          </a:xfrm>
-          <a:prstGeom prst="rect">
-            <a:avLst/>
-          </a:prstGeom>
-          <a:ln w="12700">
-            <a:miter lim="400000"/>
-          </a:ln>
-          <a:extLst>
-            <a:ext uri="{C572A759-6A51-4108-AA02-DFA0A04FC94B}">
-              <ma14:wrappingTextBoxFlag xmlns:ma14="http://schemas.microsoft.com/office/mac/drawingml/2011/main" val="1"/>
-            </a:ext>
-          </a:extLst>
-        </p:spPr>
-        <p:txBody>
-          <a:bodyPr wrap="none" lIns="45719" rIns="45719">
-            <a:spAutoFit/>
-          </a:bodyPr>
-          <a:lstStyle/>
-          <a:p>
-            <a:pPr defTabSz="457200">
-              <a:defRPr sz="1200">
-                <a:solidFill>
-                  <a:srgbClr val="212121"/>
-                </a:solidFill>
-                <a:latin typeface="Monaco"/>
-                <a:ea typeface="Monaco"/>
-                <a:cs typeface="Monaco"/>
-                <a:sym typeface="Monaco"/>
-              </a:defRPr>
-            </a:pPr>
-            <a:r>
-              <a:t>confusionMatrix: org.apache.spark.sql.Dataset[org.apache.spark.sql.Row] = [Cover_Type: double, 1: bigint ... 6 more fields]</a:t>
-            </a:r>
-          </a:p>
-          <a:p>
-            <a:pPr defTabSz="457200">
-              <a:defRPr sz="1200">
-                <a:solidFill>
-                  <a:srgbClr val="212121"/>
-                </a:solidFill>
-                <a:latin typeface="Monaco"/>
-                <a:ea typeface="Monaco"/>
-                <a:cs typeface="Monaco"/>
-                <a:sym typeface="Monaco"/>
-              </a:defRPr>
-            </a:pPr>
-            <a:r>
-              <a:t>+----------+------+------+-----+---+---+---+-----+</a:t>
-            </a:r>
-          </a:p>
-          <a:p>
-            <a:pPr defTabSz="457200">
-              <a:defRPr sz="1200">
-                <a:solidFill>
-                  <a:srgbClr val="212121"/>
-                </a:solidFill>
-                <a:latin typeface="Monaco"/>
-                <a:ea typeface="Monaco"/>
-                <a:cs typeface="Monaco"/>
-                <a:sym typeface="Monaco"/>
-              </a:defRPr>
-            </a:pPr>
-            <a:r>
-              <a:t>|Cover_Type|     1|     2|    3|  4|  5|  6|    7|</a:t>
-            </a:r>
-          </a:p>
-          <a:p>
-            <a:pPr defTabSz="457200">
-              <a:defRPr sz="1200">
-                <a:solidFill>
-                  <a:srgbClr val="212121"/>
-                </a:solidFill>
-                <a:latin typeface="Monaco"/>
-                <a:ea typeface="Monaco"/>
-                <a:cs typeface="Monaco"/>
-                <a:sym typeface="Monaco"/>
-              </a:defRPr>
-            </a:pPr>
-            <a:r>
-              <a:t>+----------+------+------+-----+---+---+---+-----+</a:t>
-            </a:r>
-          </a:p>
-          <a:p>
-            <a:pPr defTabSz="457200">
-              <a:defRPr sz="1200">
-                <a:solidFill>
-                  <a:srgbClr val="212121"/>
-                </a:solidFill>
-                <a:latin typeface="Monaco"/>
-                <a:ea typeface="Monaco"/>
-                <a:cs typeface="Monaco"/>
-                <a:sym typeface="Monaco"/>
-              </a:defRPr>
-            </a:pPr>
-            <a:r>
-              <a:t>|       1.0|128315| 56428|  161|  0|  0|  0| 5709|</a:t>
-            </a:r>
-          </a:p>
-          <a:p>
-            <a:pPr defTabSz="457200">
-              <a:defRPr sz="1200">
-                <a:solidFill>
-                  <a:srgbClr val="212121"/>
-                </a:solidFill>
-                <a:latin typeface="Monaco"/>
-                <a:ea typeface="Monaco"/>
-                <a:cs typeface="Monaco"/>
-                <a:sym typeface="Monaco"/>
-              </a:defRPr>
-            </a:pPr>
-            <a:r>
-              <a:t>|       2.0| 49194|200664| 4268| 94|  0|  0|  849|</a:t>
-            </a:r>
-          </a:p>
-          <a:p>
-            <a:pPr defTabSz="457200">
-              <a:defRPr sz="1200">
-                <a:solidFill>
-                  <a:srgbClr val="212121"/>
-                </a:solidFill>
-                <a:latin typeface="Monaco"/>
-                <a:ea typeface="Monaco"/>
-                <a:cs typeface="Monaco"/>
-                <a:sym typeface="Monaco"/>
-              </a:defRPr>
-            </a:pPr>
-            <a:r>
-              <a:t>|       3.0|     0|  5983|25665|639|  0|  0|    0|</a:t>
-            </a:r>
-          </a:p>
-          <a:p>
-            <a:pPr defTabSz="457200">
-              <a:defRPr sz="1200">
-                <a:solidFill>
-                  <a:srgbClr val="212121"/>
-                </a:solidFill>
-                <a:latin typeface="Monaco"/>
-                <a:ea typeface="Monaco"/>
-                <a:cs typeface="Monaco"/>
-                <a:sym typeface="Monaco"/>
-              </a:defRPr>
-            </a:pPr>
-            <a:r>
-              <a:t>|       4.0|     0|    21| 1454|990|  0|  0|    0|</a:t>
-            </a:r>
-          </a:p>
-          <a:p>
-            <a:pPr defTabSz="457200">
-              <a:defRPr sz="1200">
-                <a:solidFill>
-                  <a:srgbClr val="212121"/>
-                </a:solidFill>
-                <a:latin typeface="Monaco"/>
-                <a:ea typeface="Monaco"/>
-                <a:cs typeface="Monaco"/>
-                <a:sym typeface="Monaco"/>
-              </a:defRPr>
-            </a:pPr>
-            <a:r>
-              <a:t>|       5.0|     2|  7815|  734|  0|  0|  0|    0|</a:t>
-            </a:r>
-          </a:p>
-          <a:p>
-            <a:pPr defTabSz="457200">
-              <a:defRPr sz="1200">
-                <a:solidFill>
-                  <a:srgbClr val="212121"/>
-                </a:solidFill>
-                <a:latin typeface="Monaco"/>
-                <a:ea typeface="Monaco"/>
-                <a:cs typeface="Monaco"/>
-                <a:sym typeface="Monaco"/>
-              </a:defRPr>
-            </a:pPr>
-            <a:r>
-              <a:t>|       6.0|     0|  6362| 8668|522|  0|  0|    0|</a:t>
-            </a:r>
-          </a:p>
-          <a:p>
-            <a:pPr defTabSz="457200">
-              <a:defRPr sz="1200">
-                <a:solidFill>
-                  <a:srgbClr val="212121"/>
-                </a:solidFill>
-                <a:latin typeface="Monaco"/>
-                <a:ea typeface="Monaco"/>
-                <a:cs typeface="Monaco"/>
-                <a:sym typeface="Monaco"/>
-              </a:defRPr>
-            </a:pPr>
-            <a:r>
-              <a:t>|       7.0|  7642|   169|   54|  0|  0|  0|10511|</a:t>
-            </a:r>
-          </a:p>
-          <a:p>
-            <a:pPr defTabSz="457200">
-              <a:defRPr sz="1200">
-                <a:solidFill>
-                  <a:srgbClr val="212121"/>
-                </a:solidFill>
-                <a:latin typeface="Monaco"/>
-                <a:ea typeface="Monaco"/>
-                <a:cs typeface="Monaco"/>
-                <a:sym typeface="Monaco"/>
-              </a:defRPr>
-            </a:pPr>
-            <a:r>
-              <a:t>+----------+------+------+-----+---+---+---+-----+</a:t>
+            <a:pPr/>
+            <a:r>
+              <a:t># #Removing the outliers in the dataset</a:t>
+            </a:r>
+          </a:p>
+          <a:p>
+            <a:pPr/>
+            <a:r>
+              <a:t>df_train = df_train[df_train["trip_duration"] &lt; 7200]</a:t>
             </a:r>
           </a:p>
         </p:txBody>
@@ -5345,7 +6449,7 @@
       </p:grpSpPr>
       <p:sp>
         <p:nvSpPr>
-          <p:cNvPr id="172" name="Assignment"/>
+          <p:cNvPr id="175" name="Distribution of the trip_duration"/>
           <p:cNvSpPr txBox="1"/>
           <p:nvPr>
             <p:ph type="title"/>
@@ -5360,55 +6464,102 @@
           <a:bodyPr/>
           <a:lstStyle/>
           <a:p>
-            <a:pPr lvl="1"/>
-            <a:r>
-              <a:t>Assignment</a:t>
+            <a:pPr/>
+            <a:r>
+              <a:t>Distribution of the trip_duration</a:t>
             </a:r>
           </a:p>
         </p:txBody>
       </p:sp>
       <p:sp>
         <p:nvSpPr>
-          <p:cNvPr id="173" name="Select a sensory dataset with clearly dependent channels (e.g. soil moisture vs. air temperature, sunshine, and rainfall)…"/>
+          <p:cNvPr id="176" name="plt.figure(figsize=(10,10))…"/>
           <p:cNvSpPr txBox="1"/>
-          <p:nvPr>
-            <p:ph type="body" idx="1"/>
-          </p:nvPr>
+          <p:nvPr/>
         </p:nvSpPr>
         <p:spPr>
+          <a:xfrm>
+            <a:off x="659737" y="1351280"/>
+            <a:ext cx="7824526" cy="1488441"/>
+          </a:xfrm>
           <a:prstGeom prst="rect">
             <a:avLst/>
           </a:prstGeom>
+          <a:ln w="12700">
+            <a:miter lim="400000"/>
+          </a:ln>
+          <a:extLst>
+            <a:ext uri="{C572A759-6A51-4108-AA02-DFA0A04FC94B}">
+              <ma14:wrappingTextBoxFlag xmlns:ma14="http://schemas.microsoft.com/office/mac/drawingml/2011/main" val="1"/>
+            </a:ext>
+          </a:extLst>
         </p:spPr>
         <p:txBody>
-          <a:bodyPr/>
+          <a:bodyPr wrap="none" lIns="45719" rIns="45719">
+            <a:spAutoFit/>
+          </a:bodyPr>
           <a:lstStyle/>
           <a:p>
             <a:pPr/>
             <a:r>
-              <a:t>Select a sensory dataset with clearly dependent channels (e.g. soil moisture vs. air temperature, sunshine, and rainfall)</a:t>
-            </a:r>
-          </a:p>
-          <a:p>
-            <a:pPr/>
-            <a:r>
-              <a:t>Divide the data into segments with low variance within segments</a:t>
-            </a:r>
-          </a:p>
-          <a:p>
-            <a:pPr/>
-            <a:r>
-              <a:t>Create a regression analysis with Scala or PySpark</a:t>
-            </a:r>
-          </a:p>
-          <a:p>
-            <a:pPr/>
-            <a:r>
-              <a:t>Discuss the results, consider temporal effects </a:t>
+              <a:t>plt.figure(figsize=(10,10))</a:t>
+            </a:r>
+          </a:p>
+          <a:p>
+            <a:pPr/>
+            <a:r>
+              <a:t>plt.scatter(range(len(df_train["trip_duration"])), np.sort(df_train["trip_duration"]))</a:t>
+            </a:r>
+          </a:p>
+          <a:p>
+            <a:pPr/>
+            <a:r>
+              <a:t>plt.xlabel('index')</a:t>
+            </a:r>
+          </a:p>
+          <a:p>
+            <a:pPr/>
+            <a:r>
+              <a:t>plt.ylabel('trip_duration in seconds')</a:t>
+            </a:r>
+          </a:p>
+          <a:p>
+            <a:pPr/>
+            <a:r>
+              <a:t>plt.show()</a:t>
             </a:r>
           </a:p>
         </p:txBody>
       </p:sp>
+      <p:pic>
+        <p:nvPicPr>
+          <p:cNvPr id="177" name="Image" descr="Image"/>
+          <p:cNvPicPr>
+            <a:picLocks noChangeAspect="1"/>
+          </p:cNvPicPr>
+          <p:nvPr/>
+        </p:nvPicPr>
+        <p:blipFill>
+          <a:blip r:embed="rId2">
+            <a:extLst/>
+          </a:blip>
+          <a:stretch>
+            <a:fillRect/>
+          </a:stretch>
+        </p:blipFill>
+        <p:spPr>
+          <a:xfrm>
+            <a:off x="2654713" y="2682258"/>
+            <a:ext cx="4173854" cy="3972542"/>
+          </a:xfrm>
+          <a:prstGeom prst="rect">
+            <a:avLst/>
+          </a:prstGeom>
+          <a:ln w="12700">
+            <a:miter lim="400000"/>
+          </a:ln>
+        </p:spPr>
+      </p:pic>
     </p:spTree>
   </p:cSld>
   <p:clrMapOvr>
@@ -5437,7 +6588,169 @@
       </p:grpSpPr>
       <p:sp>
         <p:nvSpPr>
-          <p:cNvPr id="175" name="Summary of the lecture"/>
+          <p:cNvPr id="179" name="Exploring the distances between the pickup and dropoff lat/log coordinates"/>
+          <p:cNvSpPr txBox="1"/>
+          <p:nvPr>
+            <p:ph type="title"/>
+          </p:nvPr>
+        </p:nvSpPr>
+        <p:spPr>
+          <a:prstGeom prst="rect">
+            <a:avLst/>
+          </a:prstGeom>
+        </p:spPr>
+        <p:txBody>
+          <a:bodyPr/>
+          <a:lstStyle>
+            <a:lvl1pPr defTabSz="704087">
+              <a:defRPr sz="3387"/>
+            </a:lvl1pPr>
+          </a:lstStyle>
+          <a:p>
+            <a:pPr/>
+            <a:r>
+              <a:t>Exploring the distances between the pickup and dropoff lat/log coordinates</a:t>
+            </a:r>
+          </a:p>
+        </p:txBody>
+      </p:sp>
+      <p:sp>
+        <p:nvSpPr>
+          <p:cNvPr id="180" name="We use the “haversine” library for geospatial distance calculation"/>
+          <p:cNvSpPr txBox="1"/>
+          <p:nvPr>
+            <p:ph type="body" idx="1"/>
+          </p:nvPr>
+        </p:nvSpPr>
+        <p:spPr>
+          <a:prstGeom prst="rect">
+            <a:avLst/>
+          </a:prstGeom>
+        </p:spPr>
+        <p:txBody>
+          <a:bodyPr/>
+          <a:lstStyle/>
+          <a:p>
+            <a:pPr/>
+            <a:r>
+              <a:t>We use the “haversine” library for geospatial distance calculation</a:t>
+            </a:r>
+          </a:p>
+        </p:txBody>
+      </p:sp>
+      <p:sp>
+        <p:nvSpPr>
+          <p:cNvPr id="181" name="from haversine import haversine…"/>
+          <p:cNvSpPr txBox="1"/>
+          <p:nvPr/>
+        </p:nvSpPr>
+        <p:spPr>
+          <a:xfrm>
+            <a:off x="253964" y="2811780"/>
+            <a:ext cx="9069882" cy="3164840"/>
+          </a:xfrm>
+          <a:prstGeom prst="rect">
+            <a:avLst/>
+          </a:prstGeom>
+          <a:ln w="12700">
+            <a:miter lim="400000"/>
+          </a:ln>
+          <a:extLst>
+            <a:ext uri="{C572A759-6A51-4108-AA02-DFA0A04FC94B}">
+              <ma14:wrappingTextBoxFlag xmlns:ma14="http://schemas.microsoft.com/office/mac/drawingml/2011/main" val="1"/>
+            </a:ext>
+          </a:extLst>
+        </p:spPr>
+        <p:txBody>
+          <a:bodyPr wrap="none" lIns="45719" rIns="45719">
+            <a:spAutoFit/>
+          </a:bodyPr>
+          <a:lstStyle/>
+          <a:p>
+            <a:pPr/>
+            <a:r>
+              <a:t>from haversine import haversine</a:t>
+            </a:r>
+          </a:p>
+          <a:p>
+            <a:pPr/>
+          </a:p>
+          <a:p>
+            <a:pPr/>
+            <a:r>
+              <a:t>def calculate_haversine_distance(var_row):</a:t>
+            </a:r>
+          </a:p>
+          <a:p>
+            <a:pPr/>
+            <a:r>
+              <a:t>    return haversine((var_row["pickup_latitude"], var_row["pickup_longitude"]), </a:t>
+            </a:r>
+          </a:p>
+          <a:p>
+            <a:pPr/>
+            <a:r>
+              <a:t>                     (var_row["dropoff_latitude"], var_row["dropoff_longitude"]), miles = True)</a:t>
+            </a:r>
+          </a:p>
+          <a:p>
+            <a:pPr/>
+          </a:p>
+          <a:p>
+            <a:pPr/>
+            <a:r>
+              <a:t># #Calculating the Haversine Distance</a:t>
+            </a:r>
+          </a:p>
+          <a:p>
+            <a:pPr/>
+            <a:r>
+              <a:t># #The haversine formula determines the great-circle distance between two points on a sphere </a:t>
+            </a:r>
+          </a:p>
+          <a:p>
+            <a:pPr/>
+            <a:r>
+              <a:t># #given their longitudes and latitudes.</a:t>
+            </a:r>
+          </a:p>
+          <a:p>
+            <a:pPr/>
+            <a:r>
+              <a:t>df_train["haversine_distance"] = df_train.apply(lambda row: calculate_haversine_distance(row), axis=1)</a:t>
+            </a:r>
+          </a:p>
+        </p:txBody>
+      </p:sp>
+    </p:spTree>
+  </p:cSld>
+  <p:clrMapOvr>
+    <a:masterClrMapping/>
+  </p:clrMapOvr>
+  <p:transition xmlns:p14="http://schemas.microsoft.com/office/powerpoint/2010/main" spd="med" advClick="1"/>
+</p:sld>
+</file>
+
+<file path=ppt/slides/slide18.xml><?xml version="1.0" encoding="utf-8"?>
+<p:sld xmlns:a="http://schemas.openxmlformats.org/drawingml/2006/main" xmlns:r="http://schemas.openxmlformats.org/officeDocument/2006/relationships" xmlns:p="http://schemas.openxmlformats.org/presentationml/2006/main" showMasterSp="1" showMasterPhAnim="1">
+  <p:cSld>
+    <p:spTree>
+      <p:nvGrpSpPr>
+        <p:cNvPr id="1" name=""/>
+        <p:cNvGrpSpPr/>
+        <p:nvPr/>
+      </p:nvGrpSpPr>
+      <p:grpSpPr>
+        <a:xfrm>
+          <a:off x="0" y="0"/>
+          <a:ext cx="0" cy="0"/>
+          <a:chOff x="0" y="0"/>
+          <a:chExt cx="0" cy="0"/>
+        </a:xfrm>
+      </p:grpSpPr>
+      <p:sp>
+        <p:nvSpPr>
+          <p:cNvPr id="183" name="The distance distribution"/>
           <p:cNvSpPr txBox="1"/>
           <p:nvPr>
             <p:ph type="title"/>
@@ -5454,45 +6767,680 @@
           <a:p>
             <a:pPr/>
             <a:r>
-              <a:t>Summary of the lecture</a:t>
+              <a:t>The distance distribution</a:t>
             </a:r>
           </a:p>
         </p:txBody>
       </p:sp>
       <p:sp>
         <p:nvSpPr>
-          <p:cNvPr id="176" name="We have learned about using the Spark framework with Scala and its Machine Learning library, to analyze the connection between observed causes (environmental data) and effects (forest cover). We have found that by training a classifier and studying the confusion matrix, we can start learning more about the underlying processes. The techniques of the lecture can be extended to many other cases."/>
+          <p:cNvPr id="184" name="We have added a new column to the frame"/>
           <p:cNvSpPr txBox="1"/>
           <p:nvPr>
             <p:ph type="body" idx="1"/>
           </p:nvPr>
         </p:nvSpPr>
         <p:spPr>
-          <a:xfrm>
-            <a:off x="457200" y="1600200"/>
-            <a:ext cx="8229600" cy="4827758"/>
-          </a:xfrm>
           <a:prstGeom prst="rect">
             <a:avLst/>
           </a:prstGeom>
         </p:spPr>
         <p:txBody>
           <a:bodyPr/>
-          <a:lstStyle>
-            <a:lvl1pPr marL="0" indent="0">
-              <a:buSzTx/>
-              <a:buFontTx/>
-              <a:buNone/>
-            </a:lvl1pPr>
-          </a:lstStyle>
-          <a:p>
-            <a:pPr/>
-            <a:r>
-              <a:t>We have learned about using the Spark framework with Scala and its Machine Learning library, to analyze the connection between observed causes (environmental data) and effects (forest cover). We have found that by training a classifier and studying the confusion matrix, we can start learning more about the underlying processes. The techniques of the lecture can be extended to many other cases.</a:t>
+          <a:lstStyle/>
+          <a:p>
+            <a:pPr/>
+            <a:r>
+              <a:t>We have added a new column to the frame</a:t>
             </a:r>
           </a:p>
         </p:txBody>
       </p:sp>
+      <p:sp>
+        <p:nvSpPr>
+          <p:cNvPr id="185" name="df_train[&quot;haversine_distance&quot;].describe()"/>
+          <p:cNvSpPr txBox="1"/>
+          <p:nvPr/>
+        </p:nvSpPr>
+        <p:spPr>
+          <a:xfrm>
+            <a:off x="2431009" y="2418080"/>
+            <a:ext cx="3926382" cy="370840"/>
+          </a:xfrm>
+          <a:prstGeom prst="rect">
+            <a:avLst/>
+          </a:prstGeom>
+          <a:ln w="12700">
+            <a:miter lim="400000"/>
+          </a:ln>
+          <a:extLst>
+            <a:ext uri="{C572A759-6A51-4108-AA02-DFA0A04FC94B}">
+              <ma14:wrappingTextBoxFlag xmlns:ma14="http://schemas.microsoft.com/office/mac/drawingml/2011/main" val="1"/>
+            </a:ext>
+          </a:extLst>
+        </p:spPr>
+        <p:txBody>
+          <a:bodyPr wrap="none" lIns="45719" rIns="45719">
+            <a:spAutoFit/>
+          </a:bodyPr>
+          <a:lstStyle/>
+          <a:p>
+            <a:pPr/>
+            <a:r>
+              <a:t>df_train["haversine_distance"].describe()</a:t>
+            </a:r>
+          </a:p>
+        </p:txBody>
+      </p:sp>
+      <p:graphicFrame>
+        <p:nvGraphicFramePr>
+          <p:cNvPr id="186" name="Table 1"/>
+          <p:cNvGraphicFramePr/>
+          <p:nvPr/>
+        </p:nvGraphicFramePr>
+        <p:xfrm>
+          <a:off x="2425699" y="2901950"/>
+          <a:ext cx="1270001" cy="2511475"/>
+        </p:xfrm>
+        <a:graphic xmlns:a="http://schemas.openxmlformats.org/drawingml/2006/main">
+          <a:graphicData uri="http://schemas.openxmlformats.org/drawingml/2006/table">
+            <a:tbl>
+              <a:tblPr firstCol="1" firstRow="1" lastCol="0" lastRow="0" bandCol="0" bandRow="1" rtl="0">
+                <a:tableStyleId>{4C3C2611-4C71-4FC5-86AE-919BDF0F9419}</a:tableStyleId>
+              </a:tblPr>
+              <a:tblGrid>
+                <a:gridCol w="2565400"/>
+                <a:gridCol w="1371600"/>
+              </a:tblGrid>
+              <a:tr h="279400">
+                <a:tc gridSpan="2">
+                  <a:txBody>
+                    <a:bodyPr/>
+                    <a:lstStyle/>
+                    <a:p>
+                      <a:pPr algn="l">
+                        <a:defRPr b="0" sz="1800">
+                          <a:solidFill>
+                            <a:srgbClr val="000000"/>
+                          </a:solidFill>
+                        </a:defRPr>
+                      </a:pPr>
+                      <a:r>
+                        <a:t>Table 1</a:t>
+                      </a:r>
+                    </a:p>
+                  </a:txBody>
+                  <a:tcPr marL="0" marR="0" marT="0" marB="0" anchor="t" anchorCtr="0" horzOverflow="overflow">
+                    <a:lnL/>
+                    <a:lnR/>
+                    <a:lnT/>
+                    <a:lnB w="12700">
+                      <a:solidFill>
+                        <a:srgbClr val="FFFFFF"/>
+                      </a:solidFill>
+                    </a:lnB>
+                    <a:solidFill>
+                      <a:srgbClr val="000000">
+                        <a:alpha val="0"/>
+                      </a:srgbClr>
+                    </a:solidFill>
+                  </a:tcPr>
+                </a:tc>
+                <a:tc hMerge="1">
+                  <a:tcPr/>
+                </a:tc>
+              </a:tr>
+              <a:tr h="279052">
+                <a:tc>
+                  <a:txBody>
+                    <a:bodyPr/>
+                    <a:lstStyle/>
+                    <a:p>
+                      <a:pPr algn="l">
+                        <a:defRPr b="0" sz="1800">
+                          <a:solidFill>
+                            <a:srgbClr val="000000"/>
+                          </a:solidFill>
+                        </a:defRPr>
+                      </a:pPr>
+                      <a:r>
+                        <a:rPr b="1">
+                          <a:solidFill>
+                            <a:srgbClr val="FFFFFF"/>
+                          </a:solidFill>
+                        </a:rPr>
+                        <a:t>count    1.458640e+06</a:t>
+                      </a:r>
+                    </a:p>
+                  </a:txBody>
+                  <a:tcPr marL="0" marR="0" marT="0" marB="0" anchor="t" anchorCtr="0" horzOverflow="overflow">
+                    <a:lnT w="12700">
+                      <a:solidFill>
+                        <a:srgbClr val="FFFFFF"/>
+                      </a:solidFill>
+                    </a:lnT>
+                    <a:lnB w="38100">
+                      <a:solidFill>
+                        <a:srgbClr val="FFFFFF"/>
+                      </a:solidFill>
+                    </a:lnB>
+                  </a:tcPr>
+                </a:tc>
+                <a:tc>
+                  <a:txBody>
+                    <a:bodyPr/>
+                    <a:lstStyle/>
+                    <a:p>
+                      <a:pPr algn="l">
+                        <a:defRPr b="1" sz="1800">
+                          <a:solidFill>
+                            <a:srgbClr val="FFFFFF"/>
+                          </a:solidFill>
+                        </a:defRPr>
+                      </a:pPr>
+                    </a:p>
+                  </a:txBody>
+                  <a:tcPr marL="0" marR="0" marT="0" marB="0" anchor="t" anchorCtr="0" horzOverflow="overflow">
+                    <a:lnT w="12700">
+                      <a:solidFill>
+                        <a:srgbClr val="FFFFFF"/>
+                      </a:solidFill>
+                    </a:lnT>
+                    <a:lnB w="38100">
+                      <a:solidFill>
+                        <a:srgbClr val="FFFFFF"/>
+                      </a:solidFill>
+                    </a:lnB>
+                    <a:solidFill>
+                      <a:schemeClr val="accent1"/>
+                    </a:solidFill>
+                  </a:tcPr>
+                </a:tc>
+              </a:tr>
+              <a:tr h="279052">
+                <a:tc>
+                  <a:txBody>
+                    <a:bodyPr/>
+                    <a:lstStyle/>
+                    <a:p>
+                      <a:pPr algn="l">
+                        <a:defRPr b="0" sz="1800">
+                          <a:solidFill>
+                            <a:srgbClr val="000000"/>
+                          </a:solidFill>
+                        </a:defRPr>
+                      </a:pPr>
+                      <a:r>
+                        <a:rPr b="1">
+                          <a:solidFill>
+                            <a:srgbClr val="FFFFFF"/>
+                          </a:solidFill>
+                        </a:rPr>
+                        <a:t>mean     2.138039e+00</a:t>
+                      </a:r>
+                    </a:p>
+                  </a:txBody>
+                  <a:tcPr marL="0" marR="0" marT="0" marB="0" anchor="t" anchorCtr="0" horzOverflow="overflow">
+                    <a:lnT w="38100">
+                      <a:solidFill>
+                        <a:srgbClr val="FFFFFF"/>
+                      </a:solidFill>
+                    </a:lnT>
+                  </a:tcPr>
+                </a:tc>
+                <a:tc>
+                  <a:txBody>
+                    <a:bodyPr/>
+                    <a:lstStyle/>
+                    <a:p>
+                      <a:pPr algn="l">
+                        <a:defRPr sz="1800"/>
+                      </a:pPr>
+                    </a:p>
+                  </a:txBody>
+                  <a:tcPr marL="0" marR="0" marT="0" marB="0" anchor="t" anchorCtr="0" horzOverflow="overflow">
+                    <a:lnT w="38100">
+                      <a:solidFill>
+                        <a:srgbClr val="FFFFFF"/>
+                      </a:solidFill>
+                    </a:lnT>
+                    <a:solidFill>
+                      <a:srgbClr val="CFD7E7"/>
+                    </a:solidFill>
+                  </a:tcPr>
+                </a:tc>
+              </a:tr>
+              <a:tr h="279052">
+                <a:tc>
+                  <a:txBody>
+                    <a:bodyPr/>
+                    <a:lstStyle/>
+                    <a:p>
+                      <a:pPr algn="l">
+                        <a:defRPr b="0" sz="1800">
+                          <a:solidFill>
+                            <a:srgbClr val="000000"/>
+                          </a:solidFill>
+                        </a:defRPr>
+                      </a:pPr>
+                      <a:r>
+                        <a:rPr b="1">
+                          <a:solidFill>
+                            <a:srgbClr val="FFFFFF"/>
+                          </a:solidFill>
+                        </a:rPr>
+                        <a:t>std      2.669720e+00</a:t>
+                      </a:r>
+                    </a:p>
+                  </a:txBody>
+                  <a:tcPr marL="0" marR="0" marT="0" marB="0" anchor="t" anchorCtr="0" horzOverflow="overflow"/>
+                </a:tc>
+                <a:tc>
+                  <a:txBody>
+                    <a:bodyPr/>
+                    <a:lstStyle/>
+                    <a:p>
+                      <a:pPr algn="l">
+                        <a:defRPr sz="1800"/>
+                      </a:pPr>
+                    </a:p>
+                  </a:txBody>
+                  <a:tcPr marL="0" marR="0" marT="0" marB="0" anchor="t" anchorCtr="0" horzOverflow="overflow">
+                    <a:solidFill>
+                      <a:srgbClr val="E8ECF4"/>
+                    </a:solidFill>
+                  </a:tcPr>
+                </a:tc>
+              </a:tr>
+              <a:tr h="279052">
+                <a:tc>
+                  <a:txBody>
+                    <a:bodyPr/>
+                    <a:lstStyle/>
+                    <a:p>
+                      <a:pPr algn="l">
+                        <a:defRPr b="0" sz="1800">
+                          <a:solidFill>
+                            <a:srgbClr val="000000"/>
+                          </a:solidFill>
+                        </a:defRPr>
+                      </a:pPr>
+                      <a:r>
+                        <a:rPr b="1">
+                          <a:solidFill>
+                            <a:srgbClr val="FFFFFF"/>
+                          </a:solidFill>
+                        </a:rPr>
+                        <a:t>min      0.000000e+00</a:t>
+                      </a:r>
+                    </a:p>
+                  </a:txBody>
+                  <a:tcPr marL="0" marR="0" marT="0" marB="0" anchor="t" anchorCtr="0" horzOverflow="overflow"/>
+                </a:tc>
+                <a:tc>
+                  <a:txBody>
+                    <a:bodyPr/>
+                    <a:lstStyle/>
+                    <a:p>
+                      <a:pPr algn="l">
+                        <a:defRPr sz="1800"/>
+                      </a:pPr>
+                    </a:p>
+                  </a:txBody>
+                  <a:tcPr marL="0" marR="0" marT="0" marB="0" anchor="t" anchorCtr="0" horzOverflow="overflow">
+                    <a:solidFill>
+                      <a:srgbClr val="CFD7E7"/>
+                    </a:solidFill>
+                  </a:tcPr>
+                </a:tc>
+              </a:tr>
+              <a:tr h="279052">
+                <a:tc>
+                  <a:txBody>
+                    <a:bodyPr/>
+                    <a:lstStyle/>
+                    <a:p>
+                      <a:pPr algn="l">
+                        <a:defRPr b="0" sz="1800">
+                          <a:solidFill>
+                            <a:srgbClr val="000000"/>
+                          </a:solidFill>
+                        </a:defRPr>
+                      </a:pPr>
+                      <a:r>
+                        <a:rPr b="1">
+                          <a:solidFill>
+                            <a:srgbClr val="FFFFFF"/>
+                          </a:solidFill>
+                        </a:rPr>
+                        <a:t>25%      7.654260e-01</a:t>
+                      </a:r>
+                    </a:p>
+                  </a:txBody>
+                  <a:tcPr marL="0" marR="0" marT="0" marB="0" anchor="t" anchorCtr="0" horzOverflow="overflow"/>
+                </a:tc>
+                <a:tc>
+                  <a:txBody>
+                    <a:bodyPr/>
+                    <a:lstStyle/>
+                    <a:p>
+                      <a:pPr algn="l">
+                        <a:defRPr sz="1800"/>
+                      </a:pPr>
+                    </a:p>
+                  </a:txBody>
+                  <a:tcPr marL="0" marR="0" marT="0" marB="0" anchor="t" anchorCtr="0" horzOverflow="overflow">
+                    <a:solidFill>
+                      <a:srgbClr val="E8ECF4"/>
+                    </a:solidFill>
+                  </a:tcPr>
+                </a:tc>
+              </a:tr>
+              <a:tr h="279052">
+                <a:tc>
+                  <a:txBody>
+                    <a:bodyPr/>
+                    <a:lstStyle/>
+                    <a:p>
+                      <a:pPr algn="l">
+                        <a:defRPr b="0" sz="1800">
+                          <a:solidFill>
+                            <a:srgbClr val="000000"/>
+                          </a:solidFill>
+                        </a:defRPr>
+                      </a:pPr>
+                      <a:r>
+                        <a:rPr b="1">
+                          <a:solidFill>
+                            <a:srgbClr val="FFFFFF"/>
+                          </a:solidFill>
+                        </a:rPr>
+                        <a:t>50%      1.300971e+00</a:t>
+                      </a:r>
+                    </a:p>
+                  </a:txBody>
+                  <a:tcPr marL="0" marR="0" marT="0" marB="0" anchor="t" anchorCtr="0" horzOverflow="overflow"/>
+                </a:tc>
+                <a:tc>
+                  <a:txBody>
+                    <a:bodyPr/>
+                    <a:lstStyle/>
+                    <a:p>
+                      <a:pPr algn="l">
+                        <a:defRPr sz="1800"/>
+                      </a:pPr>
+                    </a:p>
+                  </a:txBody>
+                  <a:tcPr marL="0" marR="0" marT="0" marB="0" anchor="t" anchorCtr="0" horzOverflow="overflow">
+                    <a:solidFill>
+                      <a:srgbClr val="CFD7E7"/>
+                    </a:solidFill>
+                  </a:tcPr>
+                </a:tc>
+              </a:tr>
+              <a:tr h="279052">
+                <a:tc>
+                  <a:txBody>
+                    <a:bodyPr/>
+                    <a:lstStyle/>
+                    <a:p>
+                      <a:pPr algn="l">
+                        <a:defRPr b="0" sz="1800">
+                          <a:solidFill>
+                            <a:srgbClr val="000000"/>
+                          </a:solidFill>
+                        </a:defRPr>
+                      </a:pPr>
+                      <a:r>
+                        <a:rPr b="1">
+                          <a:solidFill>
+                            <a:srgbClr val="FFFFFF"/>
+                          </a:solidFill>
+                        </a:rPr>
+                        <a:t>75%      2.408013e+00</a:t>
+                      </a:r>
+                    </a:p>
+                  </a:txBody>
+                  <a:tcPr marL="0" marR="0" marT="0" marB="0" anchor="t" anchorCtr="0" horzOverflow="overflow"/>
+                </a:tc>
+                <a:tc>
+                  <a:txBody>
+                    <a:bodyPr/>
+                    <a:lstStyle/>
+                    <a:p>
+                      <a:pPr algn="l">
+                        <a:defRPr sz="1800"/>
+                      </a:pPr>
+                    </a:p>
+                  </a:txBody>
+                  <a:tcPr marL="0" marR="0" marT="0" marB="0" anchor="t" anchorCtr="0" horzOverflow="overflow">
+                    <a:solidFill>
+                      <a:srgbClr val="E8ECF4"/>
+                    </a:solidFill>
+                  </a:tcPr>
+                </a:tc>
+              </a:tr>
+              <a:tr h="279052">
+                <a:tc>
+                  <a:txBody>
+                    <a:bodyPr/>
+                    <a:lstStyle/>
+                    <a:p>
+                      <a:pPr algn="l">
+                        <a:defRPr b="0" sz="1800">
+                          <a:solidFill>
+                            <a:srgbClr val="000000"/>
+                          </a:solidFill>
+                        </a:defRPr>
+                      </a:pPr>
+                      <a:r>
+                        <a:rPr b="1">
+                          <a:solidFill>
+                            <a:srgbClr val="FFFFFF"/>
+                          </a:solidFill>
+                        </a:rPr>
+                        <a:t>max      7.710647e+02</a:t>
+                      </a:r>
+                    </a:p>
+                  </a:txBody>
+                  <a:tcPr marL="0" marR="0" marT="0" marB="0" anchor="t" anchorCtr="0" horzOverflow="overflow"/>
+                </a:tc>
+                <a:tc>
+                  <a:txBody>
+                    <a:bodyPr/>
+                    <a:lstStyle/>
+                    <a:p>
+                      <a:pPr algn="l">
+                        <a:defRPr sz="1800"/>
+                      </a:pPr>
+                    </a:p>
+                  </a:txBody>
+                  <a:tcPr marL="0" marR="0" marT="0" marB="0" anchor="t" anchorCtr="0" horzOverflow="overflow">
+                    <a:solidFill>
+                      <a:srgbClr val="CFD7E7"/>
+                    </a:solidFill>
+                  </a:tcPr>
+                </a:tc>
+              </a:tr>
+              <a:tr h="279052">
+                <a:tc>
+                  <a:txBody>
+                    <a:bodyPr/>
+                    <a:lstStyle/>
+                    <a:p>
+                      <a:pPr algn="l">
+                        <a:defRPr b="0" sz="1800">
+                          <a:solidFill>
+                            <a:srgbClr val="000000"/>
+                          </a:solidFill>
+                        </a:defRPr>
+                      </a:pPr>
+                      <a:r>
+                        <a:rPr b="1">
+                          <a:solidFill>
+                            <a:srgbClr val="FFFFFF"/>
+                          </a:solidFill>
+                        </a:rPr>
+                        <a:t>Name: haversine_distance</a:t>
+                      </a:r>
+                    </a:p>
+                  </a:txBody>
+                  <a:tcPr marL="0" marR="0" marT="0" marB="0" anchor="t" anchorCtr="0" horzOverflow="overflow"/>
+                </a:tc>
+                <a:tc>
+                  <a:txBody>
+                    <a:bodyPr/>
+                    <a:lstStyle/>
+                    <a:p>
+                      <a:pPr algn="l">
+                        <a:defRPr sz="1800"/>
+                      </a:pPr>
+                      <a:r>
+                        <a:t>dtype: float64</a:t>
+                      </a:r>
+                    </a:p>
+                  </a:txBody>
+                  <a:tcPr marL="0" marR="0" marT="0" marB="0" anchor="t" anchorCtr="0" horzOverflow="overflow">
+                    <a:solidFill>
+                      <a:srgbClr val="E8ECF4"/>
+                    </a:solidFill>
+                  </a:tcPr>
+                </a:tc>
+              </a:tr>
+            </a:tbl>
+          </a:graphicData>
+        </a:graphic>
+      </p:graphicFrame>
+    </p:spTree>
+  </p:cSld>
+  <p:clrMapOvr>
+    <a:masterClrMapping/>
+  </p:clrMapOvr>
+  <p:transition xmlns:p14="http://schemas.microsoft.com/office/powerpoint/2010/main" spd="med" advClick="1"/>
+</p:sld>
+</file>
+
+<file path=ppt/slides/slide19.xml><?xml version="1.0" encoding="utf-8"?>
+<p:sld xmlns:a="http://schemas.openxmlformats.org/drawingml/2006/main" xmlns:r="http://schemas.openxmlformats.org/officeDocument/2006/relationships" xmlns:p="http://schemas.openxmlformats.org/presentationml/2006/main" showMasterSp="1" showMasterPhAnim="1">
+  <p:cSld>
+    <p:spTree>
+      <p:nvGrpSpPr>
+        <p:cNvPr id="1" name=""/>
+        <p:cNvGrpSpPr/>
+        <p:nvPr/>
+      </p:nvGrpSpPr>
+      <p:grpSpPr>
+        <a:xfrm>
+          <a:off x="0" y="0"/>
+          <a:ext cx="0" cy="0"/>
+          <a:chOff x="0" y="0"/>
+          <a:chExt cx="0" cy="0"/>
+        </a:xfrm>
+      </p:grpSpPr>
+      <p:sp>
+        <p:nvSpPr>
+          <p:cNvPr id="188" name="Plot of the haversine distance vs the trip duration"/>
+          <p:cNvSpPr txBox="1"/>
+          <p:nvPr>
+            <p:ph type="title"/>
+          </p:nvPr>
+        </p:nvSpPr>
+        <p:spPr>
+          <a:prstGeom prst="rect">
+            <a:avLst/>
+          </a:prstGeom>
+        </p:spPr>
+        <p:txBody>
+          <a:bodyPr/>
+          <a:lstStyle/>
+          <a:p>
+            <a:pPr defTabSz="704087">
+              <a:defRPr sz="3387"/>
+            </a:pPr>
+            <a:r>
+              <a:t>Plot of the </a:t>
+            </a:r>
+            <a:r>
+              <a:rPr i="1" u="sng"/>
+              <a:t>haversine</a:t>
+            </a:r>
+            <a:r>
+              <a:t> distance vs the trip duration</a:t>
+            </a:r>
+          </a:p>
+        </p:txBody>
+      </p:sp>
+      <p:sp>
+        <p:nvSpPr>
+          <p:cNvPr id="189" name="plt.figure(figsize=(10,10))…"/>
+          <p:cNvSpPr txBox="1"/>
+          <p:nvPr/>
+        </p:nvSpPr>
+        <p:spPr>
+          <a:xfrm>
+            <a:off x="1293299" y="1694180"/>
+            <a:ext cx="6557402" cy="650240"/>
+          </a:xfrm>
+          <a:prstGeom prst="rect">
+            <a:avLst/>
+          </a:prstGeom>
+          <a:ln w="12700">
+            <a:miter lim="400000"/>
+          </a:ln>
+          <a:extLst>
+            <a:ext uri="{C572A759-6A51-4108-AA02-DFA0A04FC94B}">
+              <ma14:wrappingTextBoxFlag xmlns:ma14="http://schemas.microsoft.com/office/mac/drawingml/2011/main" val="1"/>
+            </a:ext>
+          </a:extLst>
+        </p:spPr>
+        <p:txBody>
+          <a:bodyPr wrap="none" lIns="45719" rIns="45719">
+            <a:spAutoFit/>
+          </a:bodyPr>
+          <a:lstStyle/>
+          <a:p>
+            <a:pPr/>
+            <a:r>
+              <a:t>plt.figure(figsize=(10,10))</a:t>
+            </a:r>
+          </a:p>
+          <a:p>
+            <a:pPr/>
+            <a:r>
+              <a:t>sns.regplot(x="haversine_distance", y="trip_duration", data=df_train)</a:t>
+            </a:r>
+          </a:p>
+        </p:txBody>
+      </p:sp>
+      <p:pic>
+        <p:nvPicPr>
+          <p:cNvPr id="190" name="Image" descr="Image"/>
+          <p:cNvPicPr>
+            <a:picLocks noChangeAspect="1"/>
+          </p:cNvPicPr>
+          <p:nvPr/>
+        </p:nvPicPr>
+        <p:blipFill>
+          <a:blip r:embed="rId2">
+            <a:extLst/>
+          </a:blip>
+          <a:stretch>
+            <a:fillRect/>
+          </a:stretch>
+        </p:blipFill>
+        <p:spPr>
+          <a:xfrm>
+            <a:off x="2223860" y="2332640"/>
+            <a:ext cx="4696280" cy="4385660"/>
+          </a:xfrm>
+          <a:prstGeom prst="rect">
+            <a:avLst/>
+          </a:prstGeom>
+          <a:ln w="12700">
+            <a:miter lim="400000"/>
+          </a:ln>
+        </p:spPr>
+      </p:pic>
     </p:spTree>
   </p:cSld>
   <p:clrMapOvr>
@@ -5532,7 +7480,7 @@
       </p:grpSpPr>
       <p:sp>
         <p:nvSpPr>
-          <p:cNvPr id="117" name="Title 1"/>
+          <p:cNvPr id="127" name="Title 1"/>
           <p:cNvSpPr txBox="1"/>
           <p:nvPr>
             <p:ph type="ctrTitle"/>
@@ -5562,7 +7510,2480 @@
           <a:p>
             <a:pPr/>
             <a:r>
-              <a:t>AI for regression</a:t>
+              <a:t>Case study 2</a:t>
+            </a:r>
+          </a:p>
+        </p:txBody>
+      </p:sp>
+    </p:spTree>
+  </p:cSld>
+  <p:clrMapOvr>
+    <a:masterClrMapping/>
+  </p:clrMapOvr>
+  <p:transition xmlns:p14="http://schemas.microsoft.com/office/powerpoint/2010/main" spd="med" advClick="1"/>
+</p:sld>
+</file>
+
+<file path=ppt/slides/slide20.xml><?xml version="1.0" encoding="utf-8"?>
+<p:sld xmlns:a="http://schemas.openxmlformats.org/drawingml/2006/main" xmlns:r="http://schemas.openxmlformats.org/officeDocument/2006/relationships" xmlns:p="http://schemas.openxmlformats.org/presentationml/2006/main" showMasterSp="1" showMasterPhAnim="1">
+  <p:cSld>
+    <p:spTree>
+      <p:nvGrpSpPr>
+        <p:cNvPr id="1" name=""/>
+        <p:cNvGrpSpPr/>
+        <p:nvPr/>
+      </p:nvGrpSpPr>
+      <p:grpSpPr>
+        <a:xfrm>
+          <a:off x="0" y="0"/>
+          <a:ext cx="0" cy="0"/>
+          <a:chOff x="0" y="0"/>
+          <a:chExt cx="0" cy="0"/>
+        </a:xfrm>
+      </p:grpSpPr>
+      <p:sp>
+        <p:nvSpPr>
+          <p:cNvPr id="192" name="Cleaning up the data"/>
+          <p:cNvSpPr txBox="1"/>
+          <p:nvPr>
+            <p:ph type="title"/>
+          </p:nvPr>
+        </p:nvSpPr>
+        <p:spPr>
+          <a:prstGeom prst="rect">
+            <a:avLst/>
+          </a:prstGeom>
+        </p:spPr>
+        <p:txBody>
+          <a:bodyPr/>
+          <a:lstStyle/>
+          <a:p>
+            <a:pPr/>
+            <a:r>
+              <a:t>Cleaning up the data</a:t>
+            </a:r>
+          </a:p>
+        </p:txBody>
+      </p:sp>
+      <p:sp>
+        <p:nvSpPr>
+          <p:cNvPr id="193" name="We look at the outliers in the distances:…"/>
+          <p:cNvSpPr txBox="1"/>
+          <p:nvPr>
+            <p:ph type="body" idx="1"/>
+          </p:nvPr>
+        </p:nvSpPr>
+        <p:spPr>
+          <a:prstGeom prst="rect">
+            <a:avLst/>
+          </a:prstGeom>
+        </p:spPr>
+        <p:txBody>
+          <a:bodyPr/>
+          <a:lstStyle/>
+          <a:p>
+            <a:pPr/>
+            <a:r>
+              <a:t>We look at the outliers in the distances:</a:t>
+            </a:r>
+            <a:br/>
+            <a:br/>
+            <a:br/>
+            <a:br/>
+            <a:br/>
+            <a:br/>
+          </a:p>
+          <a:p>
+            <a:pPr/>
+            <a:r>
+              <a:t>Trips over 100 miles can also be removed…</a:t>
+            </a:r>
+          </a:p>
+        </p:txBody>
+      </p:sp>
+      <p:sp>
+        <p:nvSpPr>
+          <p:cNvPr id="194" name="df_train[df_train[&quot;haversine_distance&quot;] &gt; 100]"/>
+          <p:cNvSpPr txBox="1"/>
+          <p:nvPr/>
+        </p:nvSpPr>
+        <p:spPr>
+          <a:xfrm>
+            <a:off x="2150158" y="2506980"/>
+            <a:ext cx="4386484" cy="370840"/>
+          </a:xfrm>
+          <a:prstGeom prst="rect">
+            <a:avLst/>
+          </a:prstGeom>
+          <a:ln w="12700">
+            <a:miter lim="400000"/>
+          </a:ln>
+          <a:extLst>
+            <a:ext uri="{C572A759-6A51-4108-AA02-DFA0A04FC94B}">
+              <ma14:wrappingTextBoxFlag xmlns:ma14="http://schemas.microsoft.com/office/mac/drawingml/2011/main" val="1"/>
+            </a:ext>
+          </a:extLst>
+        </p:spPr>
+        <p:txBody>
+          <a:bodyPr wrap="none" lIns="45719" rIns="45719">
+            <a:spAutoFit/>
+          </a:bodyPr>
+          <a:lstStyle/>
+          <a:p>
+            <a:pPr/>
+            <a:r>
+              <a:t>df_train[df_train["haversine_distance"] &gt; 100]</a:t>
+            </a:r>
+          </a:p>
+        </p:txBody>
+      </p:sp>
+      <p:graphicFrame>
+        <p:nvGraphicFramePr>
+          <p:cNvPr id="195" name="Table 1"/>
+          <p:cNvGraphicFramePr/>
+          <p:nvPr/>
+        </p:nvGraphicFramePr>
+        <p:xfrm>
+          <a:off x="755650" y="3251200"/>
+          <a:ext cx="8255000" cy="1116211"/>
+        </p:xfrm>
+        <a:graphic xmlns:a="http://schemas.openxmlformats.org/drawingml/2006/main">
+          <a:graphicData uri="http://schemas.openxmlformats.org/drawingml/2006/table">
+            <a:tbl>
+              <a:tblPr firstCol="1" firstRow="1" lastCol="0" lastRow="0" bandCol="0" bandRow="1" rtl="0">
+                <a:tableStyleId>{4C3C2611-4C71-4FC5-86AE-919BDF0F9419}</a:tableStyleId>
+              </a:tblPr>
+              <a:tblGrid>
+                <a:gridCol w="762000"/>
+                <a:gridCol w="1054100"/>
+                <a:gridCol w="1028700"/>
+                <a:gridCol w="2006600"/>
+                <a:gridCol w="2006600"/>
+                <a:gridCol w="1676400"/>
+                <a:gridCol w="1714500"/>
+                <a:gridCol w="1549400"/>
+                <a:gridCol w="1803400"/>
+                <a:gridCol w="1638300"/>
+                <a:gridCol w="1968500"/>
+                <a:gridCol w="1333500"/>
+                <a:gridCol w="1892300"/>
+              </a:tblGrid>
+              <a:tr h="279400">
+                <a:tc gridSpan="13">
+                  <a:txBody>
+                    <a:bodyPr/>
+                    <a:lstStyle/>
+                    <a:p>
+                      <a:pPr algn="l">
+                        <a:defRPr b="0" sz="1800">
+                          <a:solidFill>
+                            <a:srgbClr val="000000"/>
+                          </a:solidFill>
+                        </a:defRPr>
+                      </a:pPr>
+                      <a:r>
+                        <a:t>Table 1</a:t>
+                      </a:r>
+                    </a:p>
+                  </a:txBody>
+                  <a:tcPr marL="0" marR="0" marT="0" marB="0" anchor="t" anchorCtr="0" horzOverflow="overflow">
+                    <a:lnL/>
+                    <a:lnR/>
+                    <a:lnT/>
+                    <a:lnB w="12700">
+                      <a:solidFill>
+                        <a:srgbClr val="FFFFFF"/>
+                      </a:solidFill>
+                    </a:lnB>
+                    <a:solidFill>
+                      <a:srgbClr val="000000">
+                        <a:alpha val="0"/>
+                      </a:srgbClr>
+                    </a:solidFill>
+                  </a:tcPr>
+                </a:tc>
+                <a:tc hMerge="1">
+                  <a:tcPr/>
+                </a:tc>
+                <a:tc hMerge="1">
+                  <a:tcPr/>
+                </a:tc>
+                <a:tc hMerge="1">
+                  <a:tcPr/>
+                </a:tc>
+                <a:tc hMerge="1">
+                  <a:tcPr/>
+                </a:tc>
+                <a:tc hMerge="1">
+                  <a:tcPr/>
+                </a:tc>
+                <a:tc hMerge="1">
+                  <a:tcPr/>
+                </a:tc>
+                <a:tc hMerge="1">
+                  <a:tcPr/>
+                </a:tc>
+                <a:tc hMerge="1">
+                  <a:tcPr/>
+                </a:tc>
+                <a:tc hMerge="1">
+                  <a:tcPr/>
+                </a:tc>
+                <a:tc hMerge="1">
+                  <a:tcPr/>
+                </a:tc>
+                <a:tc hMerge="1">
+                  <a:tcPr/>
+                </a:tc>
+                <a:tc hMerge="1">
+                  <a:tcPr/>
+                </a:tc>
+              </a:tr>
+              <a:tr h="279052">
+                <a:tc>
+                  <a:txBody>
+                    <a:bodyPr/>
+                    <a:lstStyle/>
+                    <a:p>
+                      <a:pPr algn="l">
+                        <a:defRPr sz="1800"/>
+                      </a:pPr>
+                    </a:p>
+                  </a:txBody>
+                  <a:tcPr marL="0" marR="0" marT="0" marB="0" anchor="t" anchorCtr="0" horzOverflow="overflow">
+                    <a:lnT w="12700">
+                      <a:solidFill>
+                        <a:srgbClr val="FFFFFF"/>
+                      </a:solidFill>
+                    </a:lnT>
+                    <a:lnB w="38100">
+                      <a:solidFill>
+                        <a:srgbClr val="FFFFFF"/>
+                      </a:solidFill>
+                    </a:lnB>
+                  </a:tcPr>
+                </a:tc>
+                <a:tc>
+                  <a:txBody>
+                    <a:bodyPr/>
+                    <a:lstStyle/>
+                    <a:p>
+                      <a:pPr algn="l">
+                        <a:defRPr sz="1800"/>
+                      </a:pPr>
+                      <a:r>
+                        <a:rPr b="1">
+                          <a:solidFill>
+                            <a:srgbClr val="FFFFFF"/>
+                          </a:solidFill>
+                        </a:rPr>
+                        <a:t>id</a:t>
+                      </a:r>
+                    </a:p>
+                  </a:txBody>
+                  <a:tcPr marL="0" marR="0" marT="0" marB="0" anchor="t" anchorCtr="0" horzOverflow="overflow">
+                    <a:lnT w="12700">
+                      <a:solidFill>
+                        <a:srgbClr val="FFFFFF"/>
+                      </a:solidFill>
+                    </a:lnT>
+                    <a:lnB w="38100">
+                      <a:solidFill>
+                        <a:srgbClr val="FFFFFF"/>
+                      </a:solidFill>
+                    </a:lnB>
+                    <a:solidFill>
+                      <a:schemeClr val="accent1"/>
+                    </a:solidFill>
+                  </a:tcPr>
+                </a:tc>
+                <a:tc>
+                  <a:txBody>
+                    <a:bodyPr/>
+                    <a:lstStyle/>
+                    <a:p>
+                      <a:pPr algn="l">
+                        <a:defRPr sz="1800"/>
+                      </a:pPr>
+                      <a:r>
+                        <a:rPr b="1">
+                          <a:solidFill>
+                            <a:srgbClr val="FFFFFF"/>
+                          </a:solidFill>
+                        </a:rPr>
+                        <a:t>vendor_id</a:t>
+                      </a:r>
+                    </a:p>
+                  </a:txBody>
+                  <a:tcPr marL="0" marR="0" marT="0" marB="0" anchor="t" anchorCtr="0" horzOverflow="overflow">
+                    <a:lnT w="12700">
+                      <a:solidFill>
+                        <a:srgbClr val="FFFFFF"/>
+                      </a:solidFill>
+                    </a:lnT>
+                    <a:lnB w="38100">
+                      <a:solidFill>
+                        <a:srgbClr val="FFFFFF"/>
+                      </a:solidFill>
+                    </a:lnB>
+                    <a:solidFill>
+                      <a:schemeClr val="accent1"/>
+                    </a:solidFill>
+                  </a:tcPr>
+                </a:tc>
+                <a:tc>
+                  <a:txBody>
+                    <a:bodyPr/>
+                    <a:lstStyle/>
+                    <a:p>
+                      <a:pPr algn="l">
+                        <a:defRPr sz="1800"/>
+                      </a:pPr>
+                      <a:r>
+                        <a:rPr b="1">
+                          <a:solidFill>
+                            <a:srgbClr val="FFFFFF"/>
+                          </a:solidFill>
+                        </a:rPr>
+                        <a:t>pickup_datetime</a:t>
+                      </a:r>
+                    </a:p>
+                  </a:txBody>
+                  <a:tcPr marL="0" marR="0" marT="0" marB="0" anchor="t" anchorCtr="0" horzOverflow="overflow">
+                    <a:lnT w="12700">
+                      <a:solidFill>
+                        <a:srgbClr val="FFFFFF"/>
+                      </a:solidFill>
+                    </a:lnT>
+                    <a:lnB w="38100">
+                      <a:solidFill>
+                        <a:srgbClr val="FFFFFF"/>
+                      </a:solidFill>
+                    </a:lnB>
+                    <a:solidFill>
+                      <a:schemeClr val="accent1"/>
+                    </a:solidFill>
+                  </a:tcPr>
+                </a:tc>
+                <a:tc>
+                  <a:txBody>
+                    <a:bodyPr/>
+                    <a:lstStyle/>
+                    <a:p>
+                      <a:pPr algn="l">
+                        <a:defRPr sz="1800"/>
+                      </a:pPr>
+                      <a:r>
+                        <a:rPr b="1">
+                          <a:solidFill>
+                            <a:srgbClr val="FFFFFF"/>
+                          </a:solidFill>
+                        </a:rPr>
+                        <a:t>dropoff_datetime</a:t>
+                      </a:r>
+                    </a:p>
+                  </a:txBody>
+                  <a:tcPr marL="0" marR="0" marT="0" marB="0" anchor="t" anchorCtr="0" horzOverflow="overflow">
+                    <a:lnT w="12700">
+                      <a:solidFill>
+                        <a:srgbClr val="FFFFFF"/>
+                      </a:solidFill>
+                    </a:lnT>
+                    <a:lnB w="38100">
+                      <a:solidFill>
+                        <a:srgbClr val="FFFFFF"/>
+                      </a:solidFill>
+                    </a:lnB>
+                    <a:solidFill>
+                      <a:schemeClr val="accent1"/>
+                    </a:solidFill>
+                  </a:tcPr>
+                </a:tc>
+                <a:tc>
+                  <a:txBody>
+                    <a:bodyPr/>
+                    <a:lstStyle/>
+                    <a:p>
+                      <a:pPr algn="l">
+                        <a:defRPr sz="1800"/>
+                      </a:pPr>
+                      <a:r>
+                        <a:rPr b="1">
+                          <a:solidFill>
+                            <a:srgbClr val="FFFFFF"/>
+                          </a:solidFill>
+                        </a:rPr>
+                        <a:t>passenger_count</a:t>
+                      </a:r>
+                    </a:p>
+                  </a:txBody>
+                  <a:tcPr marL="0" marR="0" marT="0" marB="0" anchor="t" anchorCtr="0" horzOverflow="overflow">
+                    <a:lnT w="12700">
+                      <a:solidFill>
+                        <a:srgbClr val="FFFFFF"/>
+                      </a:solidFill>
+                    </a:lnT>
+                    <a:lnB w="38100">
+                      <a:solidFill>
+                        <a:srgbClr val="FFFFFF"/>
+                      </a:solidFill>
+                    </a:lnB>
+                    <a:solidFill>
+                      <a:schemeClr val="accent1"/>
+                    </a:solidFill>
+                  </a:tcPr>
+                </a:tc>
+                <a:tc>
+                  <a:txBody>
+                    <a:bodyPr/>
+                    <a:lstStyle/>
+                    <a:p>
+                      <a:pPr algn="l">
+                        <a:defRPr sz="1800"/>
+                      </a:pPr>
+                      <a:r>
+                        <a:rPr b="1">
+                          <a:solidFill>
+                            <a:srgbClr val="FFFFFF"/>
+                          </a:solidFill>
+                        </a:rPr>
+                        <a:t>pickup_longitude</a:t>
+                      </a:r>
+                    </a:p>
+                  </a:txBody>
+                  <a:tcPr marL="0" marR="0" marT="0" marB="0" anchor="t" anchorCtr="0" horzOverflow="overflow">
+                    <a:lnT w="12700">
+                      <a:solidFill>
+                        <a:srgbClr val="FFFFFF"/>
+                      </a:solidFill>
+                    </a:lnT>
+                    <a:lnB w="38100">
+                      <a:solidFill>
+                        <a:srgbClr val="FFFFFF"/>
+                      </a:solidFill>
+                    </a:lnB>
+                    <a:solidFill>
+                      <a:schemeClr val="accent1"/>
+                    </a:solidFill>
+                  </a:tcPr>
+                </a:tc>
+                <a:tc>
+                  <a:txBody>
+                    <a:bodyPr/>
+                    <a:lstStyle/>
+                    <a:p>
+                      <a:pPr algn="l">
+                        <a:defRPr sz="1800"/>
+                      </a:pPr>
+                      <a:r>
+                        <a:rPr b="1">
+                          <a:solidFill>
+                            <a:srgbClr val="FFFFFF"/>
+                          </a:solidFill>
+                        </a:rPr>
+                        <a:t>pickup_latitude</a:t>
+                      </a:r>
+                    </a:p>
+                  </a:txBody>
+                  <a:tcPr marL="0" marR="0" marT="0" marB="0" anchor="t" anchorCtr="0" horzOverflow="overflow">
+                    <a:lnT w="12700">
+                      <a:solidFill>
+                        <a:srgbClr val="FFFFFF"/>
+                      </a:solidFill>
+                    </a:lnT>
+                    <a:lnB w="38100">
+                      <a:solidFill>
+                        <a:srgbClr val="FFFFFF"/>
+                      </a:solidFill>
+                    </a:lnB>
+                    <a:solidFill>
+                      <a:schemeClr val="accent1"/>
+                    </a:solidFill>
+                  </a:tcPr>
+                </a:tc>
+                <a:tc>
+                  <a:txBody>
+                    <a:bodyPr/>
+                    <a:lstStyle/>
+                    <a:p>
+                      <a:pPr algn="l">
+                        <a:defRPr sz="1800"/>
+                      </a:pPr>
+                      <a:r>
+                        <a:rPr b="1">
+                          <a:solidFill>
+                            <a:srgbClr val="FFFFFF"/>
+                          </a:solidFill>
+                        </a:rPr>
+                        <a:t>dropoff_longitude</a:t>
+                      </a:r>
+                    </a:p>
+                  </a:txBody>
+                  <a:tcPr marL="0" marR="0" marT="0" marB="0" anchor="t" anchorCtr="0" horzOverflow="overflow">
+                    <a:lnT w="12700">
+                      <a:solidFill>
+                        <a:srgbClr val="FFFFFF"/>
+                      </a:solidFill>
+                    </a:lnT>
+                    <a:lnB w="38100">
+                      <a:solidFill>
+                        <a:srgbClr val="FFFFFF"/>
+                      </a:solidFill>
+                    </a:lnB>
+                    <a:solidFill>
+                      <a:schemeClr val="accent1"/>
+                    </a:solidFill>
+                  </a:tcPr>
+                </a:tc>
+                <a:tc>
+                  <a:txBody>
+                    <a:bodyPr/>
+                    <a:lstStyle/>
+                    <a:p>
+                      <a:pPr algn="l">
+                        <a:defRPr sz="1800"/>
+                      </a:pPr>
+                      <a:r>
+                        <a:rPr b="1">
+                          <a:solidFill>
+                            <a:srgbClr val="FFFFFF"/>
+                          </a:solidFill>
+                        </a:rPr>
+                        <a:t>dropoff_latitude</a:t>
+                      </a:r>
+                    </a:p>
+                  </a:txBody>
+                  <a:tcPr marL="0" marR="0" marT="0" marB="0" anchor="t" anchorCtr="0" horzOverflow="overflow">
+                    <a:lnT w="12700">
+                      <a:solidFill>
+                        <a:srgbClr val="FFFFFF"/>
+                      </a:solidFill>
+                    </a:lnT>
+                    <a:lnB w="38100">
+                      <a:solidFill>
+                        <a:srgbClr val="FFFFFF"/>
+                      </a:solidFill>
+                    </a:lnB>
+                    <a:solidFill>
+                      <a:schemeClr val="accent1"/>
+                    </a:solidFill>
+                  </a:tcPr>
+                </a:tc>
+                <a:tc>
+                  <a:txBody>
+                    <a:bodyPr/>
+                    <a:lstStyle/>
+                    <a:p>
+                      <a:pPr algn="l">
+                        <a:defRPr sz="1800"/>
+                      </a:pPr>
+                      <a:r>
+                        <a:rPr b="1">
+                          <a:solidFill>
+                            <a:srgbClr val="FFFFFF"/>
+                          </a:solidFill>
+                        </a:rPr>
+                        <a:t>store_and_fwd_flag</a:t>
+                      </a:r>
+                    </a:p>
+                  </a:txBody>
+                  <a:tcPr marL="0" marR="0" marT="0" marB="0" anchor="t" anchorCtr="0" horzOverflow="overflow">
+                    <a:lnT w="12700">
+                      <a:solidFill>
+                        <a:srgbClr val="FFFFFF"/>
+                      </a:solidFill>
+                    </a:lnT>
+                    <a:lnB w="38100">
+                      <a:solidFill>
+                        <a:srgbClr val="FFFFFF"/>
+                      </a:solidFill>
+                    </a:lnB>
+                    <a:solidFill>
+                      <a:schemeClr val="accent1"/>
+                    </a:solidFill>
+                  </a:tcPr>
+                </a:tc>
+                <a:tc>
+                  <a:txBody>
+                    <a:bodyPr/>
+                    <a:lstStyle/>
+                    <a:p>
+                      <a:pPr algn="l">
+                        <a:defRPr sz="1800"/>
+                      </a:pPr>
+                      <a:r>
+                        <a:rPr b="1">
+                          <a:solidFill>
+                            <a:srgbClr val="FFFFFF"/>
+                          </a:solidFill>
+                        </a:rPr>
+                        <a:t>trip_duration</a:t>
+                      </a:r>
+                    </a:p>
+                  </a:txBody>
+                  <a:tcPr marL="0" marR="0" marT="0" marB="0" anchor="t" anchorCtr="0" horzOverflow="overflow">
+                    <a:lnT w="12700">
+                      <a:solidFill>
+                        <a:srgbClr val="FFFFFF"/>
+                      </a:solidFill>
+                    </a:lnT>
+                    <a:lnB w="38100">
+                      <a:solidFill>
+                        <a:srgbClr val="FFFFFF"/>
+                      </a:solidFill>
+                    </a:lnB>
+                    <a:solidFill>
+                      <a:schemeClr val="accent1"/>
+                    </a:solidFill>
+                  </a:tcPr>
+                </a:tc>
+                <a:tc>
+                  <a:txBody>
+                    <a:bodyPr/>
+                    <a:lstStyle/>
+                    <a:p>
+                      <a:pPr algn="l">
+                        <a:defRPr sz="1800"/>
+                      </a:pPr>
+                      <a:r>
+                        <a:rPr b="1">
+                          <a:solidFill>
+                            <a:srgbClr val="FFFFFF"/>
+                          </a:solidFill>
+                        </a:rPr>
+                        <a:t>haversine_distance</a:t>
+                      </a:r>
+                    </a:p>
+                  </a:txBody>
+                  <a:tcPr marL="0" marR="0" marT="0" marB="0" anchor="t" anchorCtr="0" horzOverflow="overflow">
+                    <a:lnT w="12700">
+                      <a:solidFill>
+                        <a:srgbClr val="FFFFFF"/>
+                      </a:solidFill>
+                    </a:lnT>
+                    <a:lnB w="38100">
+                      <a:solidFill>
+                        <a:srgbClr val="FFFFFF"/>
+                      </a:solidFill>
+                    </a:lnB>
+                    <a:solidFill>
+                      <a:schemeClr val="accent1"/>
+                    </a:solidFill>
+                  </a:tcPr>
+                </a:tc>
+              </a:tr>
+              <a:tr h="279052">
+                <a:tc>
+                  <a:txBody>
+                    <a:bodyPr/>
+                    <a:lstStyle/>
+                    <a:p>
+                      <a:pPr algn="l">
+                        <a:defRPr b="0" sz="1800">
+                          <a:solidFill>
+                            <a:srgbClr val="000000"/>
+                          </a:solidFill>
+                        </a:defRPr>
+                      </a:pPr>
+                      <a:r>
+                        <a:rPr b="1">
+                          <a:solidFill>
+                            <a:srgbClr val="FFFFFF"/>
+                          </a:solidFill>
+                        </a:rPr>
+                        <a:t>114376</a:t>
+                      </a:r>
+                    </a:p>
+                  </a:txBody>
+                  <a:tcPr marL="0" marR="0" marT="0" marB="0" anchor="t" anchorCtr="0" horzOverflow="overflow">
+                    <a:lnT w="38100">
+                      <a:solidFill>
+                        <a:srgbClr val="FFFFFF"/>
+                      </a:solidFill>
+                    </a:lnT>
+                  </a:tcPr>
+                </a:tc>
+                <a:tc>
+                  <a:txBody>
+                    <a:bodyPr/>
+                    <a:lstStyle/>
+                    <a:p>
+                      <a:pPr algn="l">
+                        <a:defRPr sz="1800"/>
+                      </a:pPr>
+                      <a:r>
+                        <a:t>id1311087</a:t>
+                      </a:r>
+                    </a:p>
+                  </a:txBody>
+                  <a:tcPr marL="0" marR="0" marT="0" marB="0" anchor="t" anchorCtr="0" horzOverflow="overflow">
+                    <a:lnT w="38100">
+                      <a:solidFill>
+                        <a:srgbClr val="FFFFFF"/>
+                      </a:solidFill>
+                    </a:lnT>
+                    <a:solidFill>
+                      <a:srgbClr val="CFD7E7"/>
+                    </a:solidFill>
+                  </a:tcPr>
+                </a:tc>
+                <a:tc>
+                  <a:txBody>
+                    <a:bodyPr/>
+                    <a:lstStyle/>
+                    <a:p>
+                      <a:pPr algn="l">
+                        <a:defRPr sz="1800"/>
+                      </a:pPr>
+                      <a:r>
+                        <a:t>1</a:t>
+                      </a:r>
+                    </a:p>
+                  </a:txBody>
+                  <a:tcPr marL="0" marR="0" marT="0" marB="0" anchor="t" anchorCtr="0" horzOverflow="overflow">
+                    <a:lnT w="38100">
+                      <a:solidFill>
+                        <a:srgbClr val="FFFFFF"/>
+                      </a:solidFill>
+                    </a:lnT>
+                    <a:solidFill>
+                      <a:srgbClr val="CFD7E7"/>
+                    </a:solidFill>
+                  </a:tcPr>
+                </a:tc>
+                <a:tc>
+                  <a:txBody>
+                    <a:bodyPr/>
+                    <a:lstStyle/>
+                    <a:p>
+                      <a:pPr algn="l">
+                        <a:defRPr sz="1800"/>
+                      </a:pPr>
+                      <a:r>
+                        <a:t>2016-02-29 12:16:29</a:t>
+                      </a:r>
+                    </a:p>
+                  </a:txBody>
+                  <a:tcPr marL="0" marR="0" marT="0" marB="0" anchor="t" anchorCtr="0" horzOverflow="overflow">
+                    <a:lnT w="38100">
+                      <a:solidFill>
+                        <a:srgbClr val="FFFFFF"/>
+                      </a:solidFill>
+                    </a:lnT>
+                    <a:solidFill>
+                      <a:srgbClr val="CFD7E7"/>
+                    </a:solidFill>
+                  </a:tcPr>
+                </a:tc>
+                <a:tc>
+                  <a:txBody>
+                    <a:bodyPr/>
+                    <a:lstStyle/>
+                    <a:p>
+                      <a:pPr algn="l">
+                        <a:defRPr sz="1800"/>
+                      </a:pPr>
+                      <a:r>
+                        <a:t>2016-02-29 18:47:09</a:t>
+                      </a:r>
+                    </a:p>
+                  </a:txBody>
+                  <a:tcPr marL="0" marR="0" marT="0" marB="0" anchor="t" anchorCtr="0" horzOverflow="overflow">
+                    <a:lnT w="38100">
+                      <a:solidFill>
+                        <a:srgbClr val="FFFFFF"/>
+                      </a:solidFill>
+                    </a:lnT>
+                    <a:solidFill>
+                      <a:srgbClr val="CFD7E7"/>
+                    </a:solidFill>
+                  </a:tcPr>
+                </a:tc>
+                <a:tc>
+                  <a:txBody>
+                    <a:bodyPr/>
+                    <a:lstStyle/>
+                    <a:p>
+                      <a:pPr algn="l">
+                        <a:defRPr sz="1800"/>
+                      </a:pPr>
+                      <a:r>
+                        <a:t>3</a:t>
+                      </a:r>
+                    </a:p>
+                  </a:txBody>
+                  <a:tcPr marL="0" marR="0" marT="0" marB="0" anchor="t" anchorCtr="0" horzOverflow="overflow">
+                    <a:lnT w="38100">
+                      <a:solidFill>
+                        <a:srgbClr val="FFFFFF"/>
+                      </a:solidFill>
+                    </a:lnT>
+                    <a:solidFill>
+                      <a:srgbClr val="CFD7E7"/>
+                    </a:solidFill>
+                  </a:tcPr>
+                </a:tc>
+                <a:tc>
+                  <a:txBody>
+                    <a:bodyPr/>
+                    <a:lstStyle/>
+                    <a:p>
+                      <a:pPr algn="l">
+                        <a:defRPr sz="1800"/>
+                      </a:pPr>
+                      <a:r>
+                        <a:t>-75.455917</a:t>
+                      </a:r>
+                    </a:p>
+                  </a:txBody>
+                  <a:tcPr marL="0" marR="0" marT="0" marB="0" anchor="t" anchorCtr="0" horzOverflow="overflow">
+                    <a:lnT w="38100">
+                      <a:solidFill>
+                        <a:srgbClr val="FFFFFF"/>
+                      </a:solidFill>
+                    </a:lnT>
+                    <a:solidFill>
+                      <a:srgbClr val="CFD7E7"/>
+                    </a:solidFill>
+                  </a:tcPr>
+                </a:tc>
+                <a:tc>
+                  <a:txBody>
+                    <a:bodyPr/>
+                    <a:lstStyle/>
+                    <a:p>
+                      <a:pPr algn="l">
+                        <a:defRPr sz="1800"/>
+                      </a:pPr>
+                      <a:r>
+                        <a:t>39.803932</a:t>
+                      </a:r>
+                    </a:p>
+                  </a:txBody>
+                  <a:tcPr marL="0" marR="0" marT="0" marB="0" anchor="t" anchorCtr="0" horzOverflow="overflow">
+                    <a:lnT w="38100">
+                      <a:solidFill>
+                        <a:srgbClr val="FFFFFF"/>
+                      </a:solidFill>
+                    </a:lnT>
+                    <a:solidFill>
+                      <a:srgbClr val="CFD7E7"/>
+                    </a:solidFill>
+                  </a:tcPr>
+                </a:tc>
+                <a:tc>
+                  <a:txBody>
+                    <a:bodyPr/>
+                    <a:lstStyle/>
+                    <a:p>
+                      <a:pPr algn="l">
+                        <a:defRPr sz="1800"/>
+                      </a:pPr>
+                      <a:r>
+                        <a:t>-73.796021</a:t>
+                      </a:r>
+                    </a:p>
+                  </a:txBody>
+                  <a:tcPr marL="0" marR="0" marT="0" marB="0" anchor="t" anchorCtr="0" horzOverflow="overflow">
+                    <a:lnT w="38100">
+                      <a:solidFill>
+                        <a:srgbClr val="FFFFFF"/>
+                      </a:solidFill>
+                    </a:lnT>
+                    <a:solidFill>
+                      <a:srgbClr val="CFD7E7"/>
+                    </a:solidFill>
+                  </a:tcPr>
+                </a:tc>
+                <a:tc>
+                  <a:txBody>
+                    <a:bodyPr/>
+                    <a:lstStyle/>
+                    <a:p>
+                      <a:pPr algn="l">
+                        <a:defRPr sz="1800"/>
+                      </a:pPr>
+                      <a:r>
+                        <a:t>40.707726</a:t>
+                      </a:r>
+                    </a:p>
+                  </a:txBody>
+                  <a:tcPr marL="0" marR="0" marT="0" marB="0" anchor="t" anchorCtr="0" horzOverflow="overflow">
+                    <a:lnT w="38100">
+                      <a:solidFill>
+                        <a:srgbClr val="FFFFFF"/>
+                      </a:solidFill>
+                    </a:lnT>
+                    <a:solidFill>
+                      <a:srgbClr val="CFD7E7"/>
+                    </a:solidFill>
+                  </a:tcPr>
+                </a:tc>
+                <a:tc>
+                  <a:txBody>
+                    <a:bodyPr/>
+                    <a:lstStyle/>
+                    <a:p>
+                      <a:pPr algn="l">
+                        <a:defRPr sz="1800"/>
+                      </a:pPr>
+                      <a:r>
+                        <a:t>N</a:t>
+                      </a:r>
+                    </a:p>
+                  </a:txBody>
+                  <a:tcPr marL="0" marR="0" marT="0" marB="0" anchor="t" anchorCtr="0" horzOverflow="overflow">
+                    <a:lnT w="38100">
+                      <a:solidFill>
+                        <a:srgbClr val="FFFFFF"/>
+                      </a:solidFill>
+                    </a:lnT>
+                    <a:solidFill>
+                      <a:srgbClr val="CFD7E7"/>
+                    </a:solidFill>
+                  </a:tcPr>
+                </a:tc>
+                <a:tc>
+                  <a:txBody>
+                    <a:bodyPr/>
+                    <a:lstStyle/>
+                    <a:p>
+                      <a:pPr algn="l">
+                        <a:defRPr sz="1800"/>
+                      </a:pPr>
+                      <a:r>
+                        <a:t>23440</a:t>
+                      </a:r>
+                    </a:p>
+                  </a:txBody>
+                  <a:tcPr marL="0" marR="0" marT="0" marB="0" anchor="t" anchorCtr="0" horzOverflow="overflow">
+                    <a:lnT w="38100">
+                      <a:solidFill>
+                        <a:srgbClr val="FFFFFF"/>
+                      </a:solidFill>
+                    </a:lnT>
+                    <a:solidFill>
+                      <a:srgbClr val="CFD7E7"/>
+                    </a:solidFill>
+                  </a:tcPr>
+                </a:tc>
+                <a:tc>
+                  <a:txBody>
+                    <a:bodyPr/>
+                    <a:lstStyle/>
+                    <a:p>
+                      <a:pPr algn="l">
+                        <a:defRPr sz="1800"/>
+                      </a:pPr>
+                      <a:r>
+                        <a:t>107.515425</a:t>
+                      </a:r>
+                    </a:p>
+                  </a:txBody>
+                  <a:tcPr marL="0" marR="0" marT="0" marB="0" anchor="t" anchorCtr="0" horzOverflow="overflow">
+                    <a:lnT w="38100">
+                      <a:solidFill>
+                        <a:srgbClr val="FFFFFF"/>
+                      </a:solidFill>
+                    </a:lnT>
+                    <a:solidFill>
+                      <a:srgbClr val="CFD7E7"/>
+                    </a:solidFill>
+                  </a:tcPr>
+                </a:tc>
+              </a:tr>
+              <a:tr h="279052">
+                <a:tc>
+                  <a:txBody>
+                    <a:bodyPr/>
+                    <a:lstStyle/>
+                    <a:p>
+                      <a:pPr algn="l">
+                        <a:defRPr b="0" sz="1800">
+                          <a:solidFill>
+                            <a:srgbClr val="000000"/>
+                          </a:solidFill>
+                        </a:defRPr>
+                      </a:pPr>
+                      <a:r>
+                        <a:rPr b="1">
+                          <a:solidFill>
+                            <a:srgbClr val="FFFFFF"/>
+                          </a:solidFill>
+                        </a:rPr>
+                        <a:t>184925</a:t>
+                      </a:r>
+                    </a:p>
+                  </a:txBody>
+                  <a:tcPr marL="0" marR="0" marT="0" marB="0" anchor="t" anchorCtr="0" horzOverflow="overflow"/>
+                </a:tc>
+                <a:tc>
+                  <a:txBody>
+                    <a:bodyPr/>
+                    <a:lstStyle/>
+                    <a:p>
+                      <a:pPr algn="l">
+                        <a:defRPr sz="1800"/>
+                      </a:pPr>
+                      <a:r>
+                        <a:t>id2306955</a:t>
+                      </a:r>
+                    </a:p>
+                  </a:txBody>
+                  <a:tcPr marL="0" marR="0" marT="0" marB="0" anchor="t" anchorCtr="0" horzOverflow="overflow">
+                    <a:solidFill>
+                      <a:srgbClr val="E8ECF4"/>
+                    </a:solidFill>
+                  </a:tcPr>
+                </a:tc>
+                <a:tc>
+                  <a:txBody>
+                    <a:bodyPr/>
+                    <a:lstStyle/>
+                    <a:p>
+                      <a:pPr algn="l">
+                        <a:defRPr sz="1800"/>
+                      </a:pPr>
+                      <a:r>
+                        <a:t>1</a:t>
+                      </a:r>
+                    </a:p>
+                  </a:txBody>
+                  <a:tcPr marL="0" marR="0" marT="0" marB="0" anchor="t" anchorCtr="0" horzOverflow="overflow">
+                    <a:solidFill>
+                      <a:srgbClr val="E8ECF4"/>
+                    </a:solidFill>
+                  </a:tcPr>
+                </a:tc>
+                <a:tc>
+                  <a:txBody>
+                    <a:bodyPr/>
+                    <a:lstStyle/>
+                    <a:p>
+                      <a:pPr algn="l">
+                        <a:defRPr sz="1800"/>
+                      </a:pPr>
+                      <a:r>
+                        <a:t>2016-05-07 18:58:53</a:t>
+                      </a:r>
+                    </a:p>
+                  </a:txBody>
+                  <a:tcPr marL="0" marR="0" marT="0" marB="0" anchor="t" anchorCtr="0" horzOverflow="overflow">
+                    <a:solidFill>
+                      <a:srgbClr val="E8ECF4"/>
+                    </a:solidFill>
+                  </a:tcPr>
+                </a:tc>
+                <a:tc>
+                  <a:txBody>
+                    <a:bodyPr/>
+                    <a:lstStyle/>
+                    <a:p>
+                      <a:pPr algn="l">
+                        <a:defRPr sz="1800"/>
+                      </a:pPr>
+                      <a:r>
+                        <a:t>2016-05-07 19:12:05</a:t>
+                      </a:r>
+                    </a:p>
+                  </a:txBody>
+                  <a:tcPr marL="0" marR="0" marT="0" marB="0" anchor="t" anchorCtr="0" horzOverflow="overflow">
+                    <a:solidFill>
+                      <a:srgbClr val="E8ECF4"/>
+                    </a:solidFill>
+                  </a:tcPr>
+                </a:tc>
+                <a:tc>
+                  <a:txBody>
+                    <a:bodyPr/>
+                    <a:lstStyle/>
+                    <a:p>
+                      <a:pPr algn="l">
+                        <a:defRPr sz="1800"/>
+                      </a:pPr>
+                      <a:r>
+                        <a:t>1</a:t>
+                      </a:r>
+                    </a:p>
+                  </a:txBody>
+                  <a:tcPr marL="0" marR="0" marT="0" marB="0" anchor="t" anchorCtr="0" horzOverflow="overflow">
+                    <a:solidFill>
+                      <a:srgbClr val="E8ECF4"/>
+                    </a:solidFill>
+                  </a:tcPr>
+                </a:tc>
+                <a:tc>
+                  <a:txBody>
+                    <a:bodyPr/>
+                    <a:lstStyle/>
+                    <a:p>
+                      <a:pPr algn="l">
+                        <a:defRPr sz="1800"/>
+                      </a:pPr>
+                      <a:r>
+                        <a:t>-72.809669</a:t>
+                      </a:r>
+                    </a:p>
+                  </a:txBody>
+                  <a:tcPr marL="0" marR="0" marT="0" marB="0" anchor="t" anchorCtr="0" horzOverflow="overflow">
+                    <a:solidFill>
+                      <a:srgbClr val="E8ECF4"/>
+                    </a:solidFill>
+                  </a:tcPr>
+                </a:tc>
+                <a:tc>
+                  <a:txBody>
+                    <a:bodyPr/>
+                    <a:lstStyle/>
+                    <a:p>
+                      <a:pPr algn="l">
+                        <a:defRPr sz="1800"/>
+                      </a:pPr>
+                      <a:r>
+                        <a:t>51.881084</a:t>
+                      </a:r>
+                    </a:p>
+                  </a:txBody>
+                  <a:tcPr marL="0" marR="0" marT="0" marB="0" anchor="t" anchorCtr="0" horzOverflow="overflow">
+                    <a:solidFill>
+                      <a:srgbClr val="E8ECF4"/>
+                    </a:solidFill>
+                  </a:tcPr>
+                </a:tc>
+                <a:tc>
+                  <a:txBody>
+                    <a:bodyPr/>
+                    <a:lstStyle/>
+                    <a:p>
+                      <a:pPr algn="l">
+                        <a:defRPr sz="1800"/>
+                      </a:pPr>
+                      <a:r>
+                        <a:t>-73.987228</a:t>
+                      </a:r>
+                    </a:p>
+                  </a:txBody>
+                  <a:tcPr marL="0" marR="0" marT="0" marB="0" anchor="t" anchorCtr="0" horzOverflow="overflow">
+                    <a:solidFill>
+                      <a:srgbClr val="E8ECF4"/>
+                    </a:solidFill>
+                  </a:tcPr>
+                </a:tc>
+                <a:tc>
+                  <a:txBody>
+                    <a:bodyPr/>
+                    <a:lstStyle/>
+                    <a:p>
+                      <a:pPr algn="l">
+                        <a:defRPr sz="1800"/>
+                      </a:pPr>
+                      <a:r>
+                        <a:t>40.750599</a:t>
+                      </a:r>
+                    </a:p>
+                  </a:txBody>
+                  <a:tcPr marL="0" marR="0" marT="0" marB="0" anchor="t" anchorCtr="0" horzOverflow="overflow">
+                    <a:solidFill>
+                      <a:srgbClr val="E8ECF4"/>
+                    </a:solidFill>
+                  </a:tcPr>
+                </a:tc>
+                <a:tc>
+                  <a:txBody>
+                    <a:bodyPr/>
+                    <a:lstStyle/>
+                    <a:p>
+                      <a:pPr algn="l">
+                        <a:defRPr sz="1800"/>
+                      </a:pPr>
+                      <a:r>
+                        <a:t>N</a:t>
+                      </a:r>
+                    </a:p>
+                  </a:txBody>
+                  <a:tcPr marL="0" marR="0" marT="0" marB="0" anchor="t" anchorCtr="0" horzOverflow="overflow">
+                    <a:solidFill>
+                      <a:srgbClr val="E8ECF4"/>
+                    </a:solidFill>
+                  </a:tcPr>
+                </a:tc>
+                <a:tc>
+                  <a:txBody>
+                    <a:bodyPr/>
+                    <a:lstStyle/>
+                    <a:p>
+                      <a:pPr algn="l">
+                        <a:defRPr sz="1800"/>
+                      </a:pPr>
+                      <a:r>
+                        <a:t>792</a:t>
+                      </a:r>
+                    </a:p>
+                  </a:txBody>
+                  <a:tcPr marL="0" marR="0" marT="0" marB="0" anchor="t" anchorCtr="0" horzOverflow="overflow">
+                    <a:solidFill>
+                      <a:srgbClr val="E8ECF4"/>
+                    </a:solidFill>
+                  </a:tcPr>
+                </a:tc>
+                <a:tc>
+                  <a:txBody>
+                    <a:bodyPr/>
+                    <a:lstStyle/>
+                    <a:p>
+                      <a:pPr algn="l">
+                        <a:defRPr sz="1800"/>
+                      </a:pPr>
+                      <a:r>
+                        <a:t>771.064665</a:t>
+                      </a:r>
+                    </a:p>
+                  </a:txBody>
+                  <a:tcPr marL="0" marR="0" marT="0" marB="0" anchor="t" anchorCtr="0" horzOverflow="overflow">
+                    <a:solidFill>
+                      <a:srgbClr val="E8ECF4"/>
+                    </a:solidFill>
+                  </a:tcPr>
+                </a:tc>
+              </a:tr>
+              <a:tr h="279052">
+                <a:tc>
+                  <a:txBody>
+                    <a:bodyPr/>
+                    <a:lstStyle/>
+                    <a:p>
+                      <a:pPr algn="l">
+                        <a:defRPr b="0" sz="1800">
+                          <a:solidFill>
+                            <a:srgbClr val="000000"/>
+                          </a:solidFill>
+                        </a:defRPr>
+                      </a:pPr>
+                      <a:r>
+                        <a:rPr b="1">
+                          <a:solidFill>
+                            <a:srgbClr val="FFFFFF"/>
+                          </a:solidFill>
+                        </a:rPr>
+                        <a:t>275644</a:t>
+                      </a:r>
+                    </a:p>
+                  </a:txBody>
+                  <a:tcPr marL="0" marR="0" marT="0" marB="0" anchor="t" anchorCtr="0" horzOverflow="overflow"/>
+                </a:tc>
+                <a:tc>
+                  <a:txBody>
+                    <a:bodyPr/>
+                    <a:lstStyle/>
+                    <a:p>
+                      <a:pPr algn="l">
+                        <a:defRPr sz="1800"/>
+                      </a:pPr>
+                      <a:r>
+                        <a:t>id0978162</a:t>
+                      </a:r>
+                    </a:p>
+                  </a:txBody>
+                  <a:tcPr marL="0" marR="0" marT="0" marB="0" anchor="t" anchorCtr="0" horzOverflow="overflow">
+                    <a:solidFill>
+                      <a:srgbClr val="CFD7E7"/>
+                    </a:solidFill>
+                  </a:tcPr>
+                </a:tc>
+                <a:tc>
+                  <a:txBody>
+                    <a:bodyPr/>
+                    <a:lstStyle/>
+                    <a:p>
+                      <a:pPr algn="l">
+                        <a:defRPr sz="1800"/>
+                      </a:pPr>
+                      <a:r>
+                        <a:t>1</a:t>
+                      </a:r>
+                    </a:p>
+                  </a:txBody>
+                  <a:tcPr marL="0" marR="0" marT="0" marB="0" anchor="t" anchorCtr="0" horzOverflow="overflow">
+                    <a:solidFill>
+                      <a:srgbClr val="CFD7E7"/>
+                    </a:solidFill>
+                  </a:tcPr>
+                </a:tc>
+                <a:tc>
+                  <a:txBody>
+                    <a:bodyPr/>
+                    <a:lstStyle/>
+                    <a:p>
+                      <a:pPr algn="l">
+                        <a:defRPr sz="1800"/>
+                      </a:pPr>
+                      <a:r>
+                        <a:t>2016-02-24 16:20:59</a:t>
+                      </a:r>
+                    </a:p>
+                  </a:txBody>
+                  <a:tcPr marL="0" marR="0" marT="0" marB="0" anchor="t" anchorCtr="0" horzOverflow="overflow">
+                    <a:solidFill>
+                      <a:srgbClr val="CFD7E7"/>
+                    </a:solidFill>
+                  </a:tcPr>
+                </a:tc>
+                <a:tc>
+                  <a:txBody>
+                    <a:bodyPr/>
+                    <a:lstStyle/>
+                    <a:p>
+                      <a:pPr algn="l">
+                        <a:defRPr sz="1800"/>
+                      </a:pPr>
+                      <a:r>
+                        <a:t>2016-02-24 16:35:34</a:t>
+                      </a:r>
+                    </a:p>
+                  </a:txBody>
+                  <a:tcPr marL="0" marR="0" marT="0" marB="0" anchor="t" anchorCtr="0" horzOverflow="overflow">
+                    <a:solidFill>
+                      <a:srgbClr val="CFD7E7"/>
+                    </a:solidFill>
+                  </a:tcPr>
+                </a:tc>
+                <a:tc>
+                  <a:txBody>
+                    <a:bodyPr/>
+                    <a:lstStyle/>
+                    <a:p>
+                      <a:pPr algn="l">
+                        <a:defRPr sz="1800"/>
+                      </a:pPr>
+                      <a:r>
+                        <a:t>4</a:t>
+                      </a:r>
+                    </a:p>
+                  </a:txBody>
+                  <a:tcPr marL="0" marR="0" marT="0" marB="0" anchor="t" anchorCtr="0" horzOverflow="overflow">
+                    <a:solidFill>
+                      <a:srgbClr val="CFD7E7"/>
+                    </a:solidFill>
+                  </a:tcPr>
+                </a:tc>
+                <a:tc>
+                  <a:txBody>
+                    <a:bodyPr/>
+                    <a:lstStyle/>
+                    <a:p>
+                      <a:pPr algn="l">
+                        <a:defRPr sz="1800"/>
+                      </a:pPr>
+                      <a:r>
+                        <a:t>-75.354332</a:t>
+                      </a:r>
+                    </a:p>
+                  </a:txBody>
+                  <a:tcPr marL="0" marR="0" marT="0" marB="0" anchor="t" anchorCtr="0" horzOverflow="overflow">
+                    <a:solidFill>
+                      <a:srgbClr val="CFD7E7"/>
+                    </a:solidFill>
+                  </a:tcPr>
+                </a:tc>
+                <a:tc>
+                  <a:txBody>
+                    <a:bodyPr/>
+                    <a:lstStyle/>
+                    <a:p>
+                      <a:pPr algn="l">
+                        <a:defRPr sz="1800"/>
+                      </a:pPr>
+                      <a:r>
+                        <a:t>34.712234</a:t>
+                      </a:r>
+                    </a:p>
+                  </a:txBody>
+                  <a:tcPr marL="0" marR="0" marT="0" marB="0" anchor="t" anchorCtr="0" horzOverflow="overflow">
+                    <a:solidFill>
+                      <a:srgbClr val="CFD7E7"/>
+                    </a:solidFill>
+                  </a:tcPr>
+                </a:tc>
+                <a:tc>
+                  <a:txBody>
+                    <a:bodyPr/>
+                    <a:lstStyle/>
+                    <a:p>
+                      <a:pPr algn="l">
+                        <a:defRPr sz="1800"/>
+                      </a:pPr>
+                      <a:r>
+                        <a:t>-73.834923</a:t>
+                      </a:r>
+                    </a:p>
+                  </a:txBody>
+                  <a:tcPr marL="0" marR="0" marT="0" marB="0" anchor="t" anchorCtr="0" horzOverflow="overflow">
+                    <a:solidFill>
+                      <a:srgbClr val="CFD7E7"/>
+                    </a:solidFill>
+                  </a:tcPr>
+                </a:tc>
+                <a:tc>
+                  <a:txBody>
+                    <a:bodyPr/>
+                    <a:lstStyle/>
+                    <a:p>
+                      <a:pPr algn="l">
+                        <a:defRPr sz="1800"/>
+                      </a:pPr>
+                      <a:r>
+                        <a:t>32.181141</a:t>
+                      </a:r>
+                    </a:p>
+                  </a:txBody>
+                  <a:tcPr marL="0" marR="0" marT="0" marB="0" anchor="t" anchorCtr="0" horzOverflow="overflow">
+                    <a:solidFill>
+                      <a:srgbClr val="CFD7E7"/>
+                    </a:solidFill>
+                  </a:tcPr>
+                </a:tc>
+                <a:tc>
+                  <a:txBody>
+                    <a:bodyPr/>
+                    <a:lstStyle/>
+                    <a:p>
+                      <a:pPr algn="l">
+                        <a:defRPr sz="1800"/>
+                      </a:pPr>
+                      <a:r>
+                        <a:t>N</a:t>
+                      </a:r>
+                    </a:p>
+                  </a:txBody>
+                  <a:tcPr marL="0" marR="0" marT="0" marB="0" anchor="t" anchorCtr="0" horzOverflow="overflow">
+                    <a:solidFill>
+                      <a:srgbClr val="CFD7E7"/>
+                    </a:solidFill>
+                  </a:tcPr>
+                </a:tc>
+                <a:tc>
+                  <a:txBody>
+                    <a:bodyPr/>
+                    <a:lstStyle/>
+                    <a:p>
+                      <a:pPr algn="l">
+                        <a:defRPr sz="1800"/>
+                      </a:pPr>
+                      <a:r>
+                        <a:t>875</a:t>
+                      </a:r>
+                    </a:p>
+                  </a:txBody>
+                  <a:tcPr marL="0" marR="0" marT="0" marB="0" anchor="t" anchorCtr="0" horzOverflow="overflow">
+                    <a:solidFill>
+                      <a:srgbClr val="CFD7E7"/>
+                    </a:solidFill>
+                  </a:tcPr>
+                </a:tc>
+                <a:tc>
+                  <a:txBody>
+                    <a:bodyPr/>
+                    <a:lstStyle/>
+                    <a:p>
+                      <a:pPr algn="l">
+                        <a:defRPr sz="1800"/>
+                      </a:pPr>
+                      <a:r>
+                        <a:t>195.585348</a:t>
+                      </a:r>
+                    </a:p>
+                  </a:txBody>
+                  <a:tcPr marL="0" marR="0" marT="0" marB="0" anchor="t" anchorCtr="0" horzOverflow="overflow">
+                    <a:solidFill>
+                      <a:srgbClr val="CFD7E7"/>
+                    </a:solidFill>
+                  </a:tcPr>
+                </a:tc>
+              </a:tr>
+            </a:tbl>
+          </a:graphicData>
+        </a:graphic>
+      </p:graphicFrame>
+    </p:spTree>
+  </p:cSld>
+  <p:clrMapOvr>
+    <a:masterClrMapping/>
+  </p:clrMapOvr>
+  <p:transition xmlns:p14="http://schemas.microsoft.com/office/powerpoint/2010/main" spd="med" advClick="1"/>
+</p:sld>
+</file>
+
+<file path=ppt/slides/slide21.xml><?xml version="1.0" encoding="utf-8"?>
+<p:sld xmlns:a="http://schemas.openxmlformats.org/drawingml/2006/main" xmlns:r="http://schemas.openxmlformats.org/officeDocument/2006/relationships" xmlns:p="http://schemas.openxmlformats.org/presentationml/2006/main" showMasterSp="1" showMasterPhAnim="1">
+  <p:cSld>
+    <p:spTree>
+      <p:nvGrpSpPr>
+        <p:cNvPr id="1" name=""/>
+        <p:cNvGrpSpPr/>
+        <p:nvPr/>
+      </p:nvGrpSpPr>
+      <p:grpSpPr>
+        <a:xfrm>
+          <a:off x="0" y="0"/>
+          <a:ext cx="0" cy="0"/>
+          <a:chOff x="0" y="0"/>
+          <a:chExt cx="0" cy="0"/>
+        </a:xfrm>
+      </p:grpSpPr>
+      <p:sp>
+        <p:nvSpPr>
+          <p:cNvPr id="197" name="Plot of the haversine distance vs the trip duration"/>
+          <p:cNvSpPr txBox="1"/>
+          <p:nvPr>
+            <p:ph type="title"/>
+          </p:nvPr>
+        </p:nvSpPr>
+        <p:spPr>
+          <a:prstGeom prst="rect">
+            <a:avLst/>
+          </a:prstGeom>
+        </p:spPr>
+        <p:txBody>
+          <a:bodyPr/>
+          <a:lstStyle/>
+          <a:p>
+            <a:pPr defTabSz="704087">
+              <a:defRPr sz="3387"/>
+            </a:pPr>
+            <a:r>
+              <a:t>Plot of the </a:t>
+            </a:r>
+            <a:r>
+              <a:rPr i="1" u="sng"/>
+              <a:t>haversine</a:t>
+            </a:r>
+            <a:r>
+              <a:t> distance vs the trip duration</a:t>
+            </a:r>
+          </a:p>
+        </p:txBody>
+      </p:sp>
+      <p:sp>
+        <p:nvSpPr>
+          <p:cNvPr id="198" name="plt.figure(figsize=(10,10))…"/>
+          <p:cNvSpPr txBox="1"/>
+          <p:nvPr/>
+        </p:nvSpPr>
+        <p:spPr>
+          <a:xfrm>
+            <a:off x="342026" y="1694179"/>
+            <a:ext cx="8459948" cy="929641"/>
+          </a:xfrm>
+          <a:prstGeom prst="rect">
+            <a:avLst/>
+          </a:prstGeom>
+          <a:ln w="12700">
+            <a:miter lim="400000"/>
+          </a:ln>
+          <a:extLst>
+            <a:ext uri="{C572A759-6A51-4108-AA02-DFA0A04FC94B}">
+              <ma14:wrappingTextBoxFlag xmlns:ma14="http://schemas.microsoft.com/office/mac/drawingml/2011/main" val="1"/>
+            </a:ext>
+          </a:extLst>
+        </p:spPr>
+        <p:txBody>
+          <a:bodyPr lIns="45719" rIns="45719">
+            <a:spAutoFit/>
+          </a:bodyPr>
+          <a:lstStyle/>
+          <a:p>
+            <a:pPr/>
+            <a:r>
+              <a:t>plt.figure(figsize=(10,10))</a:t>
+            </a:r>
+          </a:p>
+          <a:p>
+            <a:pPr/>
+            <a:r>
+              <a:t>sns.regplot(x="haversine_distance",y="trip_duration",data=df_train[df_train["haversine_distance"] &lt; 100])</a:t>
+            </a:r>
+          </a:p>
+        </p:txBody>
+      </p:sp>
+      <p:pic>
+        <p:nvPicPr>
+          <p:cNvPr id="199" name="Image" descr="Image"/>
+          <p:cNvPicPr>
+            <a:picLocks noChangeAspect="1"/>
+          </p:cNvPicPr>
+          <p:nvPr/>
+        </p:nvPicPr>
+        <p:blipFill>
+          <a:blip r:embed="rId2">
+            <a:extLst/>
+          </a:blip>
+          <a:stretch>
+            <a:fillRect/>
+          </a:stretch>
+        </p:blipFill>
+        <p:spPr>
+          <a:xfrm>
+            <a:off x="2522780" y="2360200"/>
+            <a:ext cx="4568789" cy="4307301"/>
+          </a:xfrm>
+          <a:prstGeom prst="rect">
+            <a:avLst/>
+          </a:prstGeom>
+          <a:ln w="12700">
+            <a:miter lim="400000"/>
+          </a:ln>
+        </p:spPr>
+      </p:pic>
+    </p:spTree>
+  </p:cSld>
+  <p:clrMapOvr>
+    <a:masterClrMapping/>
+  </p:clrMapOvr>
+  <p:transition xmlns:p14="http://schemas.microsoft.com/office/powerpoint/2010/main" spd="med" advClick="1"/>
+</p:sld>
+</file>
+
+<file path=ppt/slides/slide22.xml><?xml version="1.0" encoding="utf-8"?>
+<p:sld xmlns:a="http://schemas.openxmlformats.org/drawingml/2006/main" xmlns:r="http://schemas.openxmlformats.org/officeDocument/2006/relationships" xmlns:p="http://schemas.openxmlformats.org/presentationml/2006/main" showMasterSp="1" showMasterPhAnim="1">
+  <p:cSld>
+    <p:spTree>
+      <p:nvGrpSpPr>
+        <p:cNvPr id="1" name=""/>
+        <p:cNvGrpSpPr/>
+        <p:nvPr/>
+      </p:nvGrpSpPr>
+      <p:grpSpPr>
+        <a:xfrm>
+          <a:off x="0" y="0"/>
+          <a:ext cx="0" cy="0"/>
+          <a:chOff x="0" y="0"/>
+          <a:chExt cx="0" cy="0"/>
+        </a:xfrm>
+      </p:grpSpPr>
+      <p:sp>
+        <p:nvSpPr>
+          <p:cNvPr id="201" name="Distance vs trip time?"/>
+          <p:cNvSpPr txBox="1"/>
+          <p:nvPr>
+            <p:ph type="title"/>
+          </p:nvPr>
+        </p:nvSpPr>
+        <p:spPr>
+          <a:prstGeom prst="rect">
+            <a:avLst/>
+          </a:prstGeom>
+        </p:spPr>
+        <p:txBody>
+          <a:bodyPr/>
+          <a:lstStyle/>
+          <a:p>
+            <a:pPr/>
+            <a:r>
+              <a:t>Distance vs trip time?</a:t>
+            </a:r>
+          </a:p>
+        </p:txBody>
+      </p:sp>
+      <p:sp>
+        <p:nvSpPr>
+          <p:cNvPr id="202" name="There does not seem to be any clear correlation…"/>
+          <p:cNvSpPr txBox="1"/>
+          <p:nvPr>
+            <p:ph type="body" idx="1"/>
+          </p:nvPr>
+        </p:nvSpPr>
+        <p:spPr>
+          <a:prstGeom prst="rect">
+            <a:avLst/>
+          </a:prstGeom>
+        </p:spPr>
+        <p:txBody>
+          <a:bodyPr/>
+          <a:lstStyle/>
+          <a:p>
+            <a:pPr/>
+            <a:r>
+              <a:t>There does not seem to be any clear correlation</a:t>
+            </a:r>
+          </a:p>
+          <a:p>
+            <a:pPr/>
+            <a:r>
+              <a:t>The distribution is all over the place</a:t>
+            </a:r>
+          </a:p>
+          <a:p>
+            <a:pPr/>
+            <a:r>
+              <a:t>It is unclear what causes the drastic differences</a:t>
+            </a:r>
+          </a:p>
+          <a:p>
+            <a:pPr/>
+            <a:r>
+              <a:t>Prediction will be difficult…</a:t>
+            </a:r>
+          </a:p>
+        </p:txBody>
+      </p:sp>
+    </p:spTree>
+  </p:cSld>
+  <p:clrMapOvr>
+    <a:masterClrMapping/>
+  </p:clrMapOvr>
+  <p:transition xmlns:p14="http://schemas.microsoft.com/office/powerpoint/2010/main" spd="med" advClick="1"/>
+</p:sld>
+</file>
+
+<file path=ppt/slides/slide23.xml><?xml version="1.0" encoding="utf-8"?>
+<p:sld xmlns:a="http://schemas.openxmlformats.org/drawingml/2006/main" xmlns:r="http://schemas.openxmlformats.org/officeDocument/2006/relationships" xmlns:p="http://schemas.openxmlformats.org/presentationml/2006/main" showMasterSp="1" showMasterPhAnim="1">
+  <p:cSld>
+    <p:spTree>
+      <p:nvGrpSpPr>
+        <p:cNvPr id="1" name=""/>
+        <p:cNvGrpSpPr/>
+        <p:nvPr/>
+      </p:nvGrpSpPr>
+      <p:grpSpPr>
+        <a:xfrm>
+          <a:off x="0" y="0"/>
+          <a:ext cx="0" cy="0"/>
+          <a:chOff x="0" y="0"/>
+          <a:chExt cx="0" cy="0"/>
+        </a:xfrm>
+      </p:grpSpPr>
+      <p:sp>
+        <p:nvSpPr>
+          <p:cNvPr id="204" name="Attempt at Keras prediction"/>
+          <p:cNvSpPr txBox="1"/>
+          <p:nvPr>
+            <p:ph type="title"/>
+          </p:nvPr>
+        </p:nvSpPr>
+        <p:spPr>
+          <a:prstGeom prst="rect">
+            <a:avLst/>
+          </a:prstGeom>
+        </p:spPr>
+        <p:txBody>
+          <a:bodyPr/>
+          <a:lstStyle/>
+          <a:p>
+            <a:pPr/>
+            <a:r>
+              <a:t>Attempt at Keras prediction</a:t>
+            </a:r>
+          </a:p>
+        </p:txBody>
+      </p:sp>
+      <p:sp>
+        <p:nvSpPr>
+          <p:cNvPr id="205" name="from keras.models import Sequential…"/>
+          <p:cNvSpPr txBox="1"/>
+          <p:nvPr/>
+        </p:nvSpPr>
+        <p:spPr>
+          <a:xfrm>
+            <a:off x="1350058" y="1656079"/>
+            <a:ext cx="7208265" cy="4003041"/>
+          </a:xfrm>
+          <a:prstGeom prst="rect">
+            <a:avLst/>
+          </a:prstGeom>
+          <a:ln w="12700">
+            <a:miter lim="400000"/>
+          </a:ln>
+          <a:extLst>
+            <a:ext uri="{C572A759-6A51-4108-AA02-DFA0A04FC94B}">
+              <ma14:wrappingTextBoxFlag xmlns:ma14="http://schemas.microsoft.com/office/mac/drawingml/2011/main" val="1"/>
+            </a:ext>
+          </a:extLst>
+        </p:spPr>
+        <p:txBody>
+          <a:bodyPr wrap="none" lIns="45719" rIns="45719">
+            <a:spAutoFit/>
+          </a:bodyPr>
+          <a:lstStyle/>
+          <a:p>
+            <a:pPr/>
+            <a:r>
+              <a:t>from keras.models import Sequential</a:t>
+            </a:r>
+          </a:p>
+          <a:p>
+            <a:pPr/>
+            <a:r>
+              <a:t>from keras.layers import Dense</a:t>
+            </a:r>
+          </a:p>
+          <a:p>
+            <a:pPr/>
+            <a:r>
+              <a:t>from keras.wrappers.scikit_learn import KerasRegressor</a:t>
+            </a:r>
+          </a:p>
+          <a:p>
+            <a:pPr/>
+            <a:r>
+              <a:t>from sklearn.model_selection import cross_val_score</a:t>
+            </a:r>
+          </a:p>
+          <a:p>
+            <a:pPr/>
+            <a:r>
+              <a:t>from sklearn.model_selection import KFold</a:t>
+            </a:r>
+          </a:p>
+          <a:p>
+            <a:pPr/>
+            <a:r>
+              <a:t>from sklearn.preprocessing import StandardScaler</a:t>
+            </a:r>
+          </a:p>
+          <a:p>
+            <a:pPr/>
+            <a:r>
+              <a:t>from sklearn.pipeline import Pipeline</a:t>
+            </a:r>
+          </a:p>
+          <a:p>
+            <a:pPr/>
+          </a:p>
+          <a:p>
+            <a:pPr/>
+            <a:r>
+              <a:t>XX = df_train[['passenger_count','haversine_distance','pickup_hour']].values</a:t>
+            </a:r>
+          </a:p>
+          <a:p>
+            <a:pPr/>
+            <a:r>
+              <a:t>YY = df_train[‘trip_duration’]</a:t>
+            </a:r>
+          </a:p>
+          <a:p>
+            <a:pPr/>
+          </a:p>
+          <a:p>
+            <a:pPr/>
+            <a:r>
+              <a:t>X = XX[:10000]</a:t>
+            </a:r>
+          </a:p>
+          <a:p>
+            <a:pPr/>
+            <a:r>
+              <a:t>Y = YY[:10000]</a:t>
+            </a:r>
+          </a:p>
+        </p:txBody>
+      </p:sp>
+    </p:spTree>
+  </p:cSld>
+  <p:clrMapOvr>
+    <a:masterClrMapping/>
+  </p:clrMapOvr>
+  <p:transition xmlns:p14="http://schemas.microsoft.com/office/powerpoint/2010/main" spd="med" advClick="1"/>
+</p:sld>
+</file>
+
+<file path=ppt/slides/slide24.xml><?xml version="1.0" encoding="utf-8"?>
+<p:sld xmlns:a="http://schemas.openxmlformats.org/drawingml/2006/main" xmlns:r="http://schemas.openxmlformats.org/officeDocument/2006/relationships" xmlns:p="http://schemas.openxmlformats.org/presentationml/2006/main" showMasterSp="1" showMasterPhAnim="1">
+  <p:cSld>
+    <p:spTree>
+      <p:nvGrpSpPr>
+        <p:cNvPr id="1" name=""/>
+        <p:cNvGrpSpPr/>
+        <p:nvPr/>
+      </p:nvGrpSpPr>
+      <p:grpSpPr>
+        <a:xfrm>
+          <a:off x="0" y="0"/>
+          <a:ext cx="0" cy="0"/>
+          <a:chOff x="0" y="0"/>
+          <a:chExt cx="0" cy="0"/>
+        </a:xfrm>
+      </p:grpSpPr>
+      <p:sp>
+        <p:nvSpPr>
+          <p:cNvPr id="207" name="Attempt at Keras prediction"/>
+          <p:cNvSpPr txBox="1"/>
+          <p:nvPr>
+            <p:ph type="title"/>
+          </p:nvPr>
+        </p:nvSpPr>
+        <p:spPr>
+          <a:prstGeom prst="rect">
+            <a:avLst/>
+          </a:prstGeom>
+        </p:spPr>
+        <p:txBody>
+          <a:bodyPr/>
+          <a:lstStyle/>
+          <a:p>
+            <a:pPr/>
+            <a:r>
+              <a:t>Attempt at Keras prediction</a:t>
+            </a:r>
+          </a:p>
+        </p:txBody>
+      </p:sp>
+      <p:sp>
+        <p:nvSpPr>
+          <p:cNvPr id="208" name="# define base model…"/>
+          <p:cNvSpPr txBox="1"/>
+          <p:nvPr/>
+        </p:nvSpPr>
+        <p:spPr>
+          <a:xfrm>
+            <a:off x="435658" y="1617979"/>
+            <a:ext cx="8743613" cy="4282441"/>
+          </a:xfrm>
+          <a:prstGeom prst="rect">
+            <a:avLst/>
+          </a:prstGeom>
+          <a:ln w="12700">
+            <a:miter lim="400000"/>
+          </a:ln>
+          <a:extLst>
+            <a:ext uri="{C572A759-6A51-4108-AA02-DFA0A04FC94B}">
+              <ma14:wrappingTextBoxFlag xmlns:ma14="http://schemas.microsoft.com/office/mac/drawingml/2011/main" val="1"/>
+            </a:ext>
+          </a:extLst>
+        </p:spPr>
+        <p:txBody>
+          <a:bodyPr wrap="none" lIns="45719" rIns="45719">
+            <a:spAutoFit/>
+          </a:bodyPr>
+          <a:lstStyle/>
+          <a:p>
+            <a:pPr/>
+            <a:r>
+              <a:t># define base model</a:t>
+            </a:r>
+          </a:p>
+          <a:p>
+            <a:pPr/>
+            <a:r>
+              <a:t>def baseline_model():</a:t>
+            </a:r>
+          </a:p>
+          <a:p>
+            <a:pPr/>
+            <a:r>
+              <a:t>    # create model</a:t>
+            </a:r>
+          </a:p>
+          <a:p>
+            <a:pPr/>
+            <a:r>
+              <a:t>    model = Sequential()</a:t>
+            </a:r>
+          </a:p>
+          <a:p>
+            <a:pPr/>
+            <a:r>
+              <a:t>    model.add(Dense(3, input_dim=3, kernel_initializer='normal', activation='relu'))</a:t>
+            </a:r>
+          </a:p>
+          <a:p>
+            <a:pPr/>
+            <a:r>
+              <a:t>    model.add(Dense(1, kernel_initializer='normal'))</a:t>
+            </a:r>
+          </a:p>
+          <a:p>
+            <a:pPr/>
+            <a:r>
+              <a:t>    # Compile model</a:t>
+            </a:r>
+          </a:p>
+          <a:p>
+            <a:pPr/>
+            <a:r>
+              <a:t>    model.compile(loss='mean_squared_error', optimizer='adam')</a:t>
+            </a:r>
+          </a:p>
+          <a:p>
+            <a:pPr/>
+            <a:r>
+              <a:t>    return model</a:t>
+            </a:r>
+          </a:p>
+          <a:p>
+            <a:pPr/>
+          </a:p>
+          <a:p>
+            <a:pPr/>
+            <a:r>
+              <a:t># fix random seed for reproducibility</a:t>
+            </a:r>
+          </a:p>
+          <a:p>
+            <a:pPr/>
+            <a:r>
+              <a:t>seed = 7</a:t>
+            </a:r>
+          </a:p>
+          <a:p>
+            <a:pPr/>
+            <a:r>
+              <a:t>np.random.seed(seed)</a:t>
+            </a:r>
+          </a:p>
+          <a:p>
+            <a:pPr/>
+            <a:r>
+              <a:t># evaluate model with standardized dataset</a:t>
+            </a:r>
+          </a:p>
+          <a:p>
+            <a:pPr/>
+            <a:r>
+              <a:t>estimator = KerasRegressor(build_fn=baseline_model, epochs=100, batch_size=5, verbose=0)</a:t>
+            </a:r>
+          </a:p>
+        </p:txBody>
+      </p:sp>
+    </p:spTree>
+  </p:cSld>
+  <p:clrMapOvr>
+    <a:masterClrMapping/>
+  </p:clrMapOvr>
+  <p:transition xmlns:p14="http://schemas.microsoft.com/office/powerpoint/2010/main" spd="med" advClick="1"/>
+</p:sld>
+</file>
+
+<file path=ppt/slides/slide25.xml><?xml version="1.0" encoding="utf-8"?>
+<p:sld xmlns:a="http://schemas.openxmlformats.org/drawingml/2006/main" xmlns:r="http://schemas.openxmlformats.org/officeDocument/2006/relationships" xmlns:p="http://schemas.openxmlformats.org/presentationml/2006/main" showMasterSp="1" showMasterPhAnim="1">
+  <p:cSld>
+    <p:spTree>
+      <p:nvGrpSpPr>
+        <p:cNvPr id="1" name=""/>
+        <p:cNvGrpSpPr/>
+        <p:nvPr/>
+      </p:nvGrpSpPr>
+      <p:grpSpPr>
+        <a:xfrm>
+          <a:off x="0" y="0"/>
+          <a:ext cx="0" cy="0"/>
+          <a:chOff x="0" y="0"/>
+          <a:chExt cx="0" cy="0"/>
+        </a:xfrm>
+      </p:grpSpPr>
+      <p:sp>
+        <p:nvSpPr>
+          <p:cNvPr id="210" name="Attempt at Keras prediction"/>
+          <p:cNvSpPr txBox="1"/>
+          <p:nvPr>
+            <p:ph type="title"/>
+          </p:nvPr>
+        </p:nvSpPr>
+        <p:spPr>
+          <a:prstGeom prst="rect">
+            <a:avLst/>
+          </a:prstGeom>
+        </p:spPr>
+        <p:txBody>
+          <a:bodyPr/>
+          <a:lstStyle/>
+          <a:p>
+            <a:pPr/>
+            <a:r>
+              <a:t>Attempt at Keras prediction</a:t>
+            </a:r>
+          </a:p>
+        </p:txBody>
+      </p:sp>
+      <p:sp>
+        <p:nvSpPr>
+          <p:cNvPr id="211" name="kfold = KFold(n_splits=10, random_state=seed)…"/>
+          <p:cNvSpPr txBox="1"/>
+          <p:nvPr/>
+        </p:nvSpPr>
+        <p:spPr>
+          <a:xfrm>
+            <a:off x="1362758" y="1656079"/>
+            <a:ext cx="6120629" cy="2885441"/>
+          </a:xfrm>
+          <a:prstGeom prst="rect">
+            <a:avLst/>
+          </a:prstGeom>
+          <a:ln w="12700">
+            <a:miter lim="400000"/>
+          </a:ln>
+          <a:extLst>
+            <a:ext uri="{C572A759-6A51-4108-AA02-DFA0A04FC94B}">
+              <ma14:wrappingTextBoxFlag xmlns:ma14="http://schemas.microsoft.com/office/mac/drawingml/2011/main" val="1"/>
+            </a:ext>
+          </a:extLst>
+        </p:spPr>
+        <p:txBody>
+          <a:bodyPr wrap="none" lIns="45719" rIns="45719">
+            <a:spAutoFit/>
+          </a:bodyPr>
+          <a:lstStyle/>
+          <a:p>
+            <a:pPr/>
+            <a:r>
+              <a:t>kfold = KFold(n_splits=10, random_state=seed)</a:t>
+            </a:r>
+          </a:p>
+          <a:p>
+            <a:pPr/>
+            <a:r>
+              <a:t>results = cross_val_score(estimator, X, Y, cv=kfold)</a:t>
+            </a:r>
+          </a:p>
+          <a:p>
+            <a:pPr/>
+            <a:r>
+              <a:t>print("Results: %.2f (%.2f) MSE" % (results.mean(), results.std()))</a:t>
+            </a:r>
+          </a:p>
+          <a:p>
+            <a:pPr/>
+          </a:p>
+          <a:p>
+            <a:pPr/>
+            <a:r>
+              <a:t>estimator.fit(X, Y)</a:t>
+            </a:r>
+          </a:p>
+          <a:p>
+            <a:pPr/>
+          </a:p>
+          <a:p>
+            <a:pPr/>
+            <a:r>
+              <a:t>Ypr = estimator.predict(X)</a:t>
+            </a:r>
+          </a:p>
+          <a:p>
+            <a:pPr/>
+          </a:p>
+          <a:p>
+            <a:pPr/>
+            <a:r>
+              <a:t>import matplotlib.pyplot as plt</a:t>
+            </a:r>
+          </a:p>
+          <a:p>
+            <a:pPr/>
+            <a:r>
+              <a:t>%matplotlib inline</a:t>
+            </a:r>
+          </a:p>
+        </p:txBody>
+      </p:sp>
+    </p:spTree>
+  </p:cSld>
+  <p:clrMapOvr>
+    <a:masterClrMapping/>
+  </p:clrMapOvr>
+  <p:transition xmlns:p14="http://schemas.microsoft.com/office/powerpoint/2010/main" spd="med" advClick="1"/>
+</p:sld>
+</file>
+
+<file path=ppt/slides/slide26.xml><?xml version="1.0" encoding="utf-8"?>
+<p:sld xmlns:a="http://schemas.openxmlformats.org/drawingml/2006/main" xmlns:r="http://schemas.openxmlformats.org/officeDocument/2006/relationships" xmlns:p="http://schemas.openxmlformats.org/presentationml/2006/main" showMasterSp="1" showMasterPhAnim="1">
+  <p:cSld>
+    <p:spTree>
+      <p:nvGrpSpPr>
+        <p:cNvPr id="1" name=""/>
+        <p:cNvGrpSpPr/>
+        <p:nvPr/>
+      </p:nvGrpSpPr>
+      <p:grpSpPr>
+        <a:xfrm>
+          <a:off x="0" y="0"/>
+          <a:ext cx="0" cy="0"/>
+          <a:chOff x="0" y="0"/>
+          <a:chExt cx="0" cy="0"/>
+        </a:xfrm>
+      </p:grpSpPr>
+      <p:sp>
+        <p:nvSpPr>
+          <p:cNvPr id="213" name="Attempt at Keras prediction"/>
+          <p:cNvSpPr txBox="1"/>
+          <p:nvPr>
+            <p:ph type="title"/>
+          </p:nvPr>
+        </p:nvSpPr>
+        <p:spPr>
+          <a:prstGeom prst="rect">
+            <a:avLst/>
+          </a:prstGeom>
+        </p:spPr>
+        <p:txBody>
+          <a:bodyPr/>
+          <a:lstStyle/>
+          <a:p>
+            <a:pPr/>
+            <a:r>
+              <a:t>Attempt at Keras prediction</a:t>
+            </a:r>
+          </a:p>
+        </p:txBody>
+      </p:sp>
+      <p:sp>
+        <p:nvSpPr>
+          <p:cNvPr id="214" name="plt.xlim(0,3000)…"/>
+          <p:cNvSpPr txBox="1"/>
+          <p:nvPr/>
+        </p:nvSpPr>
+        <p:spPr>
+          <a:xfrm>
+            <a:off x="1362758" y="1656079"/>
+            <a:ext cx="1660027" cy="650241"/>
+          </a:xfrm>
+          <a:prstGeom prst="rect">
+            <a:avLst/>
+          </a:prstGeom>
+          <a:ln w="12700">
+            <a:miter lim="400000"/>
+          </a:ln>
+          <a:extLst>
+            <a:ext uri="{C572A759-6A51-4108-AA02-DFA0A04FC94B}">
+              <ma14:wrappingTextBoxFlag xmlns:ma14="http://schemas.microsoft.com/office/mac/drawingml/2011/main" val="1"/>
+            </a:ext>
+          </a:extLst>
+        </p:spPr>
+        <p:txBody>
+          <a:bodyPr wrap="none" lIns="45719" rIns="45719">
+            <a:spAutoFit/>
+          </a:bodyPr>
+          <a:lstStyle/>
+          <a:p>
+            <a:pPr/>
+            <a:r>
+              <a:t>plt.xlim(0,3000)</a:t>
+            </a:r>
+          </a:p>
+          <a:p>
+            <a:pPr/>
+            <a:r>
+              <a:t>plt.plot(Y,Ypr,'b.')</a:t>
+            </a:r>
+          </a:p>
+        </p:txBody>
+      </p:sp>
+      <p:pic>
+        <p:nvPicPr>
+          <p:cNvPr id="215" name="Image" descr="Image"/>
+          <p:cNvPicPr>
+            <a:picLocks noChangeAspect="1"/>
+          </p:cNvPicPr>
+          <p:nvPr/>
+        </p:nvPicPr>
+        <p:blipFill>
+          <a:blip r:embed="rId2">
+            <a:extLst/>
+          </a:blip>
+          <a:stretch>
+            <a:fillRect/>
+          </a:stretch>
+        </p:blipFill>
+        <p:spPr>
+          <a:xfrm>
+            <a:off x="2076450" y="2544761"/>
+            <a:ext cx="4991100" cy="3200401"/>
+          </a:xfrm>
+          <a:prstGeom prst="rect">
+            <a:avLst/>
+          </a:prstGeom>
+          <a:ln w="12700">
+            <a:miter lim="400000"/>
+          </a:ln>
+        </p:spPr>
+      </p:pic>
+    </p:spTree>
+  </p:cSld>
+  <p:clrMapOvr>
+    <a:masterClrMapping/>
+  </p:clrMapOvr>
+  <p:transition xmlns:p14="http://schemas.microsoft.com/office/powerpoint/2010/main" spd="med" advClick="1"/>
+</p:sld>
+</file>
+
+<file path=ppt/slides/slide27.xml><?xml version="1.0" encoding="utf-8"?>
+<p:sld xmlns:a="http://schemas.openxmlformats.org/drawingml/2006/main" xmlns:r="http://schemas.openxmlformats.org/officeDocument/2006/relationships" xmlns:p="http://schemas.openxmlformats.org/presentationml/2006/main" showMasterSp="1" showMasterPhAnim="1">
+  <p:cSld>
+    <p:spTree>
+      <p:nvGrpSpPr>
+        <p:cNvPr id="1" name=""/>
+        <p:cNvGrpSpPr/>
+        <p:nvPr/>
+      </p:nvGrpSpPr>
+      <p:grpSpPr>
+        <a:xfrm>
+          <a:off x="0" y="0"/>
+          <a:ext cx="0" cy="0"/>
+          <a:chOff x="0" y="0"/>
+          <a:chExt cx="0" cy="0"/>
+        </a:xfrm>
+      </p:grpSpPr>
+      <p:sp>
+        <p:nvSpPr>
+          <p:cNvPr id="217" name="Discussion"/>
+          <p:cNvSpPr txBox="1"/>
+          <p:nvPr>
+            <p:ph type="title"/>
+          </p:nvPr>
+        </p:nvSpPr>
+        <p:spPr>
+          <a:prstGeom prst="rect">
+            <a:avLst/>
+          </a:prstGeom>
+        </p:spPr>
+        <p:txBody>
+          <a:bodyPr/>
+          <a:lstStyle/>
+          <a:p>
+            <a:pPr/>
+            <a:r>
+              <a:t>Discussion</a:t>
+            </a:r>
+          </a:p>
+        </p:txBody>
+      </p:sp>
+      <p:sp>
+        <p:nvSpPr>
+          <p:cNvPr id="218" name="Our simple-minded prediction, while better than just using the distance, is obviously poor…"/>
+          <p:cNvSpPr txBox="1"/>
+          <p:nvPr>
+            <p:ph type="body" idx="1"/>
+          </p:nvPr>
+        </p:nvSpPr>
+        <p:spPr>
+          <a:prstGeom prst="rect">
+            <a:avLst/>
+          </a:prstGeom>
+        </p:spPr>
+        <p:txBody>
+          <a:bodyPr/>
+          <a:lstStyle/>
+          <a:p>
+            <a:pPr/>
+            <a:r>
+              <a:t>Our simple-minded prediction, while better than just using the distance, is obviously poor</a:t>
+            </a:r>
+          </a:p>
+          <a:p>
+            <a:pPr/>
+            <a:r>
+              <a:t>Let us explore what others have done so far:</a:t>
+            </a:r>
+          </a:p>
+          <a:p>
+            <a:pPr lvl="2" marL="1257300" indent="-342900"/>
+            <a:r>
+              <a:t>Exploratory Data Analysis</a:t>
+            </a:r>
+          </a:p>
+          <a:p>
+            <a:pPr lvl="2" marL="1257300" indent="-342900"/>
+            <a:r>
+              <a:t>Prediction</a:t>
+            </a:r>
+          </a:p>
+          <a:p>
+            <a:pPr/>
+            <a:r>
+              <a:t>Assignment: choose one kernel, clone it, re-create the analysis, then try to go to the next step</a:t>
+            </a:r>
+          </a:p>
+        </p:txBody>
+      </p:sp>
+    </p:spTree>
+  </p:cSld>
+  <p:clrMapOvr>
+    <a:masterClrMapping/>
+  </p:clrMapOvr>
+  <p:transition xmlns:p14="http://schemas.microsoft.com/office/powerpoint/2010/main" spd="med" advClick="1"/>
+</p:sld>
+</file>
+
+<file path=ppt/slides/slide28.xml><?xml version="1.0" encoding="utf-8"?>
+<p:sld xmlns:a="http://schemas.openxmlformats.org/drawingml/2006/main" xmlns:r="http://schemas.openxmlformats.org/officeDocument/2006/relationships" xmlns:p="http://schemas.openxmlformats.org/presentationml/2006/main" showMasterSp="1" showMasterPhAnim="1">
+  <p:cSld>
+    <p:spTree>
+      <p:nvGrpSpPr>
+        <p:cNvPr id="1" name=""/>
+        <p:cNvGrpSpPr/>
+        <p:nvPr/>
+      </p:nvGrpSpPr>
+      <p:grpSpPr>
+        <a:xfrm>
+          <a:off x="0" y="0"/>
+          <a:ext cx="0" cy="0"/>
+          <a:chOff x="0" y="0"/>
+          <a:chExt cx="0" cy="0"/>
+        </a:xfrm>
+      </p:grpSpPr>
+      <p:sp>
+        <p:nvSpPr>
+          <p:cNvPr id="220" name="Summary of the lecture"/>
+          <p:cNvSpPr txBox="1"/>
+          <p:nvPr>
+            <p:ph type="title"/>
+          </p:nvPr>
+        </p:nvSpPr>
+        <p:spPr>
+          <a:prstGeom prst="rect">
+            <a:avLst/>
+          </a:prstGeom>
+        </p:spPr>
+        <p:txBody>
+          <a:bodyPr/>
+          <a:lstStyle/>
+          <a:p>
+            <a:pPr/>
+            <a:r>
+              <a:t>Summary of the lecture</a:t>
+            </a:r>
+          </a:p>
+        </p:txBody>
+      </p:sp>
+      <p:sp>
+        <p:nvSpPr>
+          <p:cNvPr id="221" name="We have started exploring a dataset with temporal and spatial information, resulting from complex processes (city travels).…"/>
+          <p:cNvSpPr txBox="1"/>
+          <p:nvPr>
+            <p:ph type="body" idx="1"/>
+          </p:nvPr>
+        </p:nvSpPr>
+        <p:spPr>
+          <a:xfrm>
+            <a:off x="457200" y="1600200"/>
+            <a:ext cx="8229600" cy="4827758"/>
+          </a:xfrm>
+          <a:prstGeom prst="rect">
+            <a:avLst/>
+          </a:prstGeom>
+        </p:spPr>
+        <p:txBody>
+          <a:bodyPr/>
+          <a:lstStyle/>
+          <a:p>
+            <a:pPr marL="0" indent="0">
+              <a:buSzTx/>
+              <a:buFontTx/>
+              <a:buNone/>
+            </a:pPr>
+            <a:r>
+              <a:t>We have started exploring a dataset with temporal and spatial information, resulting from complex processes (city travels). </a:t>
+            </a:r>
+            <a:br/>
+          </a:p>
+          <a:p>
+            <a:pPr marL="0" indent="0">
+              <a:buSzTx/>
+              <a:buFontTx/>
+              <a:buNone/>
+            </a:pPr>
+            <a:r>
+              <a:t>We can expect finding similar difficulties in IoT Big Data: outliers, non-trivial dependencies, and need for domain knowledge for meaningful analysis. </a:t>
             </a:r>
           </a:p>
         </p:txBody>
@@ -5595,7 +10016,7 @@
       </p:grpSpPr>
       <p:sp>
         <p:nvSpPr>
-          <p:cNvPr id="119" name="Outline of the lecture"/>
+          <p:cNvPr id="129" name="Outline of the lecture"/>
           <p:cNvSpPr txBox="1"/>
           <p:nvPr>
             <p:ph type="title"/>
@@ -5619,7 +10040,7 @@
       </p:sp>
       <p:sp>
         <p:nvSpPr>
-          <p:cNvPr id="120" name="We learn about using AI technologies for regression (in this case, classification) in a BD framework.…"/>
+          <p:cNvPr id="130" name="The popular website kaggle.com is famous for its AI competitions: datasets are presented with a challenge, usually predictions…"/>
           <p:cNvSpPr txBox="1"/>
           <p:nvPr>
             <p:ph type="body" idx="1"/>
@@ -5644,7 +10065,24 @@
               <a:buNone/>
             </a:pPr>
             <a:r>
-              <a:t>We learn about using AI technologies for regression (in this case, classification) in a BD framework.</a:t>
+              <a:t>The popular website </a:t>
+            </a:r>
+            <a:r>
+              <a:rPr u="sng">
+                <a:solidFill>
+                  <a:srgbClr val="0000FF"/>
+                </a:solidFill>
+                <a:uFill>
+                  <a:solidFill>
+                    <a:srgbClr val="0000FF"/>
+                  </a:solidFill>
+                </a:uFill>
+                <a:hlinkClick r:id="rId2" invalidUrl="" action="" tgtFrame="" tooltip="" history="1" highlightClick="0" endSnd="0"/>
+              </a:rPr>
+              <a:t>kaggle.com</a:t>
+            </a:r>
+            <a:r>
+              <a:t> is famous for its AI competitions: datasets are presented with a challenge, usually predictions</a:t>
             </a:r>
           </a:p>
           <a:p>
@@ -5653,9 +10091,6 @@
               <a:buFontTx/>
               <a:buNone/>
             </a:pPr>
-            <a:r>
-              <a:t>The specific example is finding the connection between geological, geographical and climate parameters of different regions, and the actual forest observed in the location.</a:t>
-            </a:r>
           </a:p>
           <a:p>
             <a:pPr marL="0" indent="0">
@@ -5664,7 +10099,7 @@
               <a:buNone/>
             </a:pPr>
             <a:r>
-              <a:t>It is important to follow up the lecture with working through the attached notebook.</a:t>
+              <a:t>Here we explore the “NYC Taxicab” dataset and its associated competition: predict taxi trip durations from spatial and temporal conditions</a:t>
             </a:r>
           </a:p>
         </p:txBody>
@@ -5697,7 +10132,7 @@
       </p:grpSpPr>
       <p:sp>
         <p:nvSpPr>
-          <p:cNvPr id="122" name="The use of regression"/>
+          <p:cNvPr id="132" name="Where are we in the Course?"/>
           <p:cNvSpPr txBox="1"/>
           <p:nvPr>
             <p:ph type="title"/>
@@ -5714,24 +10149,20 @@
           <a:p>
             <a:pPr/>
             <a:r>
-              <a:t>The use of regression</a:t>
+              <a:t>Where are we in the Course?</a:t>
             </a:r>
           </a:p>
         </p:txBody>
       </p:sp>
       <p:sp>
         <p:nvSpPr>
-          <p:cNvPr id="123" name="We have observations of “inputs” and “outputs”…"/>
+          <p:cNvPr id="133" name="Introduction: Background of IoT, Big Data, AI…"/>
           <p:cNvSpPr txBox="1"/>
           <p:nvPr>
             <p:ph type="body" idx="1"/>
           </p:nvPr>
         </p:nvSpPr>
         <p:spPr>
-          <a:xfrm>
-            <a:off x="457200" y="1600200"/>
-            <a:ext cx="8229600" cy="5003353"/>
-          </a:xfrm>
           <a:prstGeom prst="rect">
             <a:avLst/>
           </a:prstGeom>
@@ -5740,35 +10171,47 @@
           <a:bodyPr/>
           <a:lstStyle/>
           <a:p>
-            <a:pPr marL="336042" indent="-336042" defTabSz="896111">
-              <a:defRPr sz="3136"/>
+            <a:pPr/>
+            <a:r>
+              <a:t>Introduction: Background of IoT, Big Data, AI</a:t>
+            </a:r>
+          </a:p>
+          <a:p>
+            <a:pPr/>
+            <a:r>
+              <a:t>Collect, analyze data from IoT on a large scale</a:t>
+            </a:r>
+          </a:p>
+          <a:p>
+            <a:pPr/>
+            <a:r>
+              <a:t>Elements and practice of statistics</a:t>
+            </a:r>
+          </a:p>
+          <a:p>
+            <a:pPr/>
+            <a:r>
+              <a:t>AI methods for data science</a:t>
+            </a:r>
+          </a:p>
+          <a:p>
+            <a:pPr/>
+            <a:r>
+              <a:t>Practical usage of AI for Big Data from IoT</a:t>
+            </a:r>
+          </a:p>
+          <a:p>
+            <a:pPr/>
+            <a:r>
+              <a:t>Getting further with AI: internal workings</a:t>
+            </a:r>
+          </a:p>
+          <a:p>
+            <a:pPr>
+              <a:defRPr b="1"/>
             </a:pPr>
             <a:r>
-              <a:t>We have observations of “inputs” and “outputs”</a:t>
-            </a:r>
-          </a:p>
-          <a:p>
-            <a:pPr marL="336042" indent="-336042" defTabSz="896111">
-              <a:defRPr sz="3136"/>
-            </a:pPr>
-            <a:r>
-              <a:t>We want to find a relationship, giving the mapping from the inputs to outputs</a:t>
-            </a:r>
-          </a:p>
-          <a:p>
-            <a:pPr marL="336042" indent="-336042" defTabSz="896111">
-              <a:defRPr sz="3136"/>
-            </a:pPr>
-            <a:r>
-              <a:t>If successful, that mapping will allow predicting outputs corresponding to new, never-seen-before inputs</a:t>
-            </a:r>
-          </a:p>
-          <a:p>
-            <a:pPr marL="336042" indent="-336042" defTabSz="896111">
-              <a:defRPr sz="3136"/>
-            </a:pPr>
-            <a:r>
-              <a:t>“Regression” and “prediction”: essentially the same, there is not necessarily a temporal component even when we say “prediction”</a:t>
+              <a:t>Moving into the real world</a:t>
             </a:r>
           </a:p>
         </p:txBody>
@@ -5801,7 +10244,7 @@
       </p:grpSpPr>
       <p:sp>
         <p:nvSpPr>
-          <p:cNvPr id="125" name="Recall: “Linear Regression”"/>
+          <p:cNvPr id="135" name="Lecture 11: Geospatial Big Data"/>
           <p:cNvSpPr txBox="1"/>
           <p:nvPr>
             <p:ph type="title"/>
@@ -5818,42 +10261,17 @@
           <a:p>
             <a:pPr/>
             <a:r>
-              <a:t>Recall: “Linear Regression”</a:t>
+              <a:t>Lecture 11: Geospatial Big Data</a:t>
             </a:r>
           </a:p>
         </p:txBody>
       </p:sp>
-      <p:pic>
-        <p:nvPicPr>
-          <p:cNvPr id="126" name="Picture Placeholder 2" descr="Picture Placeholder 2"/>
-          <p:cNvPicPr>
-            <a:picLocks noChangeAspect="1"/>
-          </p:cNvPicPr>
-          <p:nvPr>
-            <p:ph type="pic" idx="13"/>
-          </p:nvPr>
-        </p:nvPicPr>
-        <p:blipFill>
-          <a:blip r:embed="rId2">
-            <a:extLst/>
-          </a:blip>
-          <a:srcRect l="8611" t="0" r="8611" b="0"/>
-          <a:stretch>
-            <a:fillRect/>
-          </a:stretch>
-        </p:blipFill>
-        <p:spPr>
-          <a:prstGeom prst="rect">
-            <a:avLst/>
-          </a:prstGeom>
-        </p:spPr>
-      </p:pic>
       <p:sp>
         <p:nvSpPr>
-          <p:cNvPr id="127" name="Body"/>
+          <p:cNvPr id="136" name="Case study: New York City taxi trips…"/>
           <p:cNvSpPr txBox="1"/>
           <p:nvPr>
-            <p:ph type="body" sz="quarter" idx="1"/>
+            <p:ph type="body" idx="1"/>
           </p:nvPr>
         </p:nvSpPr>
         <p:spPr>
@@ -5866,6 +10284,39 @@
           <a:lstStyle/>
           <a:p>
             <a:pPr/>
+            <a:r>
+              <a:t>Case study: New York City taxi trips</a:t>
+            </a:r>
+          </a:p>
+          <a:p>
+            <a:pPr/>
+            <a:r>
+              <a:t>The taxicab fare data</a:t>
+            </a:r>
+          </a:p>
+          <a:p>
+            <a:pPr/>
+            <a:r>
+              <a:t>Analyzing with Spark and Scala</a:t>
+            </a:r>
+          </a:p>
+          <a:p>
+            <a:pPr/>
+            <a:r>
+              <a:t>Finding patterns</a:t>
+            </a:r>
+          </a:p>
+          <a:p>
+            <a:pPr/>
+            <a:r>
+              <a:t>Resolving geographic information</a:t>
+            </a:r>
+          </a:p>
+          <a:p>
+            <a:pPr/>
+            <a:r>
+              <a:t>Conclusions</a:t>
+            </a:r>
           </a:p>
         </p:txBody>
       </p:sp>
@@ -5897,7 +10348,7 @@
       </p:grpSpPr>
       <p:sp>
         <p:nvSpPr>
-          <p:cNvPr id="129" name="Example: forest covers in different environments"/>
+          <p:cNvPr id="138" name="Taxicab data with Spark and Python"/>
           <p:cNvSpPr txBox="1"/>
           <p:nvPr>
             <p:ph type="title"/>
@@ -5914,46 +10365,17 @@
           <a:p>
             <a:pPr/>
             <a:r>
-              <a:t>Example: forest covers in different environments</a:t>
+              <a:t>Taxicab data with Spark and Python</a:t>
             </a:r>
           </a:p>
         </p:txBody>
       </p:sp>
-      <p:pic>
-        <p:nvPicPr>
-          <p:cNvPr id="130" name="Picture Placeholder 2" descr="Picture Placeholder 2"/>
-          <p:cNvPicPr>
-            <a:picLocks noChangeAspect="1"/>
-          </p:cNvPicPr>
-          <p:nvPr>
-            <p:ph type="pic" idx="13"/>
-          </p:nvPr>
-        </p:nvPicPr>
-        <p:blipFill>
-          <a:blip r:embed="rId2">
-            <a:extLst/>
-          </a:blip>
-          <a:srcRect l="0" t="0" r="0" b="0"/>
-          <a:stretch>
-            <a:fillRect/>
-          </a:stretch>
-        </p:blipFill>
-        <p:spPr>
-          <a:xfrm>
-            <a:off x="1018874" y="612775"/>
-            <a:ext cx="7033228" cy="4114800"/>
-          </a:xfrm>
-          <a:prstGeom prst="rect">
-            <a:avLst/>
-          </a:prstGeom>
-        </p:spPr>
-      </p:pic>
       <p:sp>
         <p:nvSpPr>
-          <p:cNvPr id="131" name="How does the forest depend on: altitude, climate, soil type etc.?…"/>
+          <p:cNvPr id="139" name="In “Advanced Analytics with Spark”, Chapter 8 deals with analyzing the “NYC taxicab”  data.…"/>
           <p:cNvSpPr txBox="1"/>
           <p:nvPr>
-            <p:ph type="body" sz="quarter" idx="1"/>
+            <p:ph type="body" idx="1"/>
           </p:nvPr>
         </p:nvSpPr>
         <p:spPr>
@@ -5967,53 +10389,19 @@
           <a:p>
             <a:pPr/>
             <a:r>
-              <a:t>How does the forest depend on: altitude, climate, soil type etc.?</a:t>
-            </a:r>
-          </a:p>
-          <a:p>
-            <a:pPr/>
-            <a:r>
-              <a:t>Can we predict the forest that will develop in a given area, from measuring the various environmental conditions?</a:t>
-            </a:r>
-          </a:p>
-        </p:txBody>
-      </p:sp>
-      <p:sp>
-        <p:nvSpPr>
-          <p:cNvPr id="132" name="https://archive.ics.uci.edu/ml/datasets/covertype"/>
-          <p:cNvSpPr txBox="1"/>
-          <p:nvPr/>
-        </p:nvSpPr>
-        <p:spPr>
-          <a:xfrm>
-            <a:off x="905961" y="6240779"/>
-            <a:ext cx="3434840" cy="281941"/>
-          </a:xfrm>
-          <a:prstGeom prst="rect">
-            <a:avLst/>
-          </a:prstGeom>
-          <a:ln w="12700">
-            <a:miter lim="400000"/>
-          </a:ln>
-          <a:extLst>
-            <a:ext uri="{C572A759-6A51-4108-AA02-DFA0A04FC94B}">
-              <ma14:wrappingTextBoxFlag xmlns:ma14="http://schemas.microsoft.com/office/mac/drawingml/2011/main" val="1"/>
-            </a:ext>
-          </a:extLst>
-        </p:spPr>
-        <p:txBody>
-          <a:bodyPr wrap="none" lIns="45719" rIns="45719">
-            <a:spAutoFit/>
-          </a:bodyPr>
-          <a:lstStyle>
-            <a:lvl1pPr>
-              <a:defRPr sz="1300"/>
-            </a:lvl1pPr>
-          </a:lstStyle>
-          <a:p>
-            <a:pPr/>
-            <a:r>
-              <a:t>https://archive.ics.uci.edu/ml/datasets/covertype</a:t>
+              <a:t>In “Advanced Analytics with Spark”, Chapter 8 deals with analyzing the “NYC taxicab”  data.</a:t>
+            </a:r>
+          </a:p>
+          <a:p>
+            <a:pPr/>
+            <a:r>
+              <a:t>By using the powerful GeoJSON Java library in Scala, it is possible to analyze the dataset using domain knowledge about the various boroughs of New York City. </a:t>
+            </a:r>
+          </a:p>
+          <a:p>
+            <a:pPr/>
+            <a:r>
+              <a:t>In this lecture we start from the Kaggle dataset for the taxicab data, with Kaggle kernels.</a:t>
             </a:r>
           </a:p>
         </p:txBody>
@@ -6046,7 +10434,7 @@
       </p:grpSpPr>
       <p:sp>
         <p:nvSpPr>
-          <p:cNvPr id="134" name="Imports for Spark Machine Learning"/>
+          <p:cNvPr id="141" name="The second source: competition on Kaggle"/>
           <p:cNvSpPr txBox="1"/>
           <p:nvPr>
             <p:ph type="title"/>
@@ -6063,104 +10451,58 @@
           <a:p>
             <a:pPr/>
             <a:r>
-              <a:t>Imports for Spark Machine Learning</a:t>
+              <a:t>The second source: competition on Kaggle</a:t>
             </a:r>
           </a:p>
         </p:txBody>
       </p:sp>
-      <p:sp>
-        <p:nvSpPr>
-          <p:cNvPr id="135" name="import org.apache.spark.ml.{PipelineModel, Pipeline}…"/>
-          <p:cNvSpPr txBox="1"/>
-          <p:nvPr/>
-        </p:nvSpPr>
+      <p:pic>
+        <p:nvPicPr>
+          <p:cNvPr id="142" name="Picture Placeholder 2" descr="Picture Placeholder 2"/>
+          <p:cNvPicPr>
+            <a:picLocks noChangeAspect="1"/>
+          </p:cNvPicPr>
+          <p:nvPr>
+            <p:ph type="pic" idx="13"/>
+          </p:nvPr>
+        </p:nvPicPr>
+        <p:blipFill>
+          <a:blip r:embed="rId2">
+            <a:extLst/>
+          </a:blip>
+          <a:srcRect l="0" t="0" r="0" b="0"/>
+          <a:stretch>
+            <a:fillRect/>
+          </a:stretch>
+        </p:blipFill>
         <p:spPr>
           <a:xfrm>
-            <a:off x="1020162" y="2291079"/>
-            <a:ext cx="7103676" cy="3444241"/>
+            <a:off x="1458438" y="612775"/>
+            <a:ext cx="6154100" cy="4114800"/>
           </a:xfrm>
           <a:prstGeom prst="rect">
             <a:avLst/>
           </a:prstGeom>
-          <a:ln w="12700">
-            <a:miter lim="400000"/>
-          </a:ln>
-          <a:extLst>
-            <a:ext uri="{C572A759-6A51-4108-AA02-DFA0A04FC94B}">
-              <ma14:wrappingTextBoxFlag xmlns:ma14="http://schemas.microsoft.com/office/mac/drawingml/2011/main" val="1"/>
-            </a:ext>
-          </a:extLst>
+        </p:spPr>
+      </p:pic>
+      <p:sp>
+        <p:nvSpPr>
+          <p:cNvPr id="143" name="Body"/>
+          <p:cNvSpPr txBox="1"/>
+          <p:nvPr>
+            <p:ph type="body" sz="quarter" idx="1"/>
+          </p:nvPr>
+        </p:nvSpPr>
+        <p:spPr>
+          <a:prstGeom prst="rect">
+            <a:avLst/>
+          </a:prstGeom>
         </p:spPr>
         <p:txBody>
-          <a:bodyPr wrap="none" lIns="45719" rIns="45719">
-            <a:spAutoFit/>
-          </a:bodyPr>
+          <a:bodyPr/>
           <a:lstStyle/>
           <a:p>
             <a:pPr/>
-            <a:r>
-              <a:t>import org.apache.spark.ml.{PipelineModel, Pipeline}</a:t>
-            </a:r>
-          </a:p>
-          <a:p>
-            <a:pPr/>
-            <a:r>
-              <a:t>import org.apache.spark.ml.classification.{DecisionTreeClassifier,</a:t>
-            </a:r>
-          </a:p>
-          <a:p>
-            <a:pPr/>
-            <a:r>
-              <a:t>  RandomForestClassifier, RandomForestClassificationModel}</a:t>
-            </a:r>
-          </a:p>
-          <a:p>
-            <a:pPr/>
-            <a:r>
-              <a:t>import org.apache.spark.ml.evaluation.MulticlassClassificationEvaluator</a:t>
-            </a:r>
-          </a:p>
-          <a:p>
-            <a:pPr/>
-            <a:r>
-              <a:t>import org.apache.spark.ml.feature.{VectorAssembler, VectorIndexer}</a:t>
-            </a:r>
-          </a:p>
-          <a:p>
-            <a:pPr/>
-            <a:r>
-              <a:t>import org.apache.spark.ml.linalg.Vector</a:t>
-            </a:r>
-          </a:p>
-          <a:p>
-            <a:pPr/>
-            <a:r>
-              <a:t>import org.apache.spark.ml.tuning.{ParamGridBuilder, TrainValidationSplit}</a:t>
-            </a:r>
-          </a:p>
-          <a:p>
-            <a:pPr/>
-            <a:r>
-              <a:t>import org.apache.spark.mllib.evaluation.MulticlassMetrics</a:t>
-            </a:r>
-          </a:p>
-          <a:p>
-            <a:pPr/>
-            <a:r>
-              <a:t>import org.apache.spark.sql.{DataFrame, SparkSession}</a:t>
-            </a:r>
-          </a:p>
-          <a:p>
-            <a:pPr/>
-            <a:r>
-              <a:t>import org.apache.spark.sql.functions._</a:t>
-            </a:r>
-          </a:p>
-          <a:p>
-            <a:pPr/>
-            <a:r>
-              <a:t>import scala.util.Random</a:t>
-            </a:r>
           </a:p>
         </p:txBody>
       </p:sp>
@@ -6192,7 +10534,7 @@
       </p:grpSpPr>
       <p:sp>
         <p:nvSpPr>
-          <p:cNvPr id="137" name="Open CSV, give name to columns"/>
+          <p:cNvPr id="145" name="Kaggle Taxicab competition"/>
           <p:cNvSpPr txBox="1"/>
           <p:nvPr>
             <p:ph type="title"/>
@@ -6209,239 +10551,60 @@
           <a:p>
             <a:pPr/>
             <a:r>
-              <a:t>Open CSV, give name to columns</a:t>
+              <a:t>Kaggle Taxicab competition</a:t>
             </a:r>
           </a:p>
         </p:txBody>
       </p:sp>
       <p:sp>
         <p:nvSpPr>
-          <p:cNvPr id="138" name="import spark.implicits._…"/>
+          <p:cNvPr id="146" name="We get two datasets: train     has temporal and spatial info + trip duration test    missing trip duration - we have to predict it…"/>
           <p:cNvSpPr txBox="1"/>
-          <p:nvPr/>
+          <p:nvPr>
+            <p:ph type="body" idx="1"/>
+          </p:nvPr>
         </p:nvSpPr>
         <p:spPr>
-          <a:xfrm>
-            <a:off x="821340" y="1440179"/>
-            <a:ext cx="7501320" cy="5069841"/>
-          </a:xfrm>
           <a:prstGeom prst="rect">
             <a:avLst/>
           </a:prstGeom>
-          <a:ln w="12700">
-            <a:miter lim="400000"/>
-          </a:ln>
-          <a:extLst>
-            <a:ext uri="{C572A759-6A51-4108-AA02-DFA0A04FC94B}">
-              <ma14:wrappingTextBoxFlag xmlns:ma14="http://schemas.microsoft.com/office/mac/drawingml/2011/main" val="1"/>
-            </a:ext>
-          </a:extLst>
         </p:spPr>
         <p:txBody>
-          <a:bodyPr lIns="45719" rIns="45719">
-            <a:spAutoFit/>
-          </a:bodyPr>
+          <a:bodyPr/>
           <a:lstStyle/>
           <a:p>
-            <a:pPr>
-              <a:defRPr sz="1200"/>
-            </a:pPr>
-            <a:r>
-              <a:t>    import spark.implicits._</a:t>
-            </a:r>
-          </a:p>
-          <a:p>
-            <a:pPr>
-              <a:defRPr sz="1200"/>
-            </a:pPr>
-          </a:p>
-          <a:p>
-            <a:pPr>
-              <a:defRPr sz="1200"/>
-            </a:pPr>
-            <a:r>
-              <a:t>    val dataWithoutHeader = spark.read.</a:t>
-            </a:r>
-          </a:p>
-          <a:p>
-            <a:pPr>
-              <a:defRPr sz="1200"/>
-            </a:pPr>
-            <a:r>
-              <a:t>      option("inferSchema", true).</a:t>
-            </a:r>
-          </a:p>
-          <a:p>
-            <a:pPr>
-              <a:defRPr sz="1200"/>
-            </a:pPr>
-            <a:r>
-              <a:t>      option("header", false).</a:t>
-            </a:r>
-          </a:p>
-          <a:p>
-            <a:pPr>
-              <a:defRPr sz="1200"/>
-            </a:pPr>
-            <a:r>
-              <a:t>      csv("/Users/markon/ITU/covtype.data")</a:t>
-            </a:r>
-          </a:p>
-          <a:p>
-            <a:pPr>
-              <a:defRPr sz="1200"/>
-            </a:pPr>
-          </a:p>
-          <a:p>
-            <a:pPr>
-              <a:defRPr sz="1200"/>
-            </a:pPr>
-            <a:r>
-              <a:t>    val colNames = Seq(</a:t>
-            </a:r>
-          </a:p>
-          <a:p>
-            <a:pPr>
-              <a:defRPr sz="1200"/>
-            </a:pPr>
-            <a:r>
-              <a:t>        "Elevation", "Aspect", "Slope",</a:t>
-            </a:r>
-          </a:p>
-          <a:p>
-            <a:pPr>
-              <a:defRPr sz="1200"/>
-            </a:pPr>
-            <a:r>
-              <a:t>        "Horizontal_Distance_To_Hydrology", "Vertical_Distance_To_Hydrology",</a:t>
-            </a:r>
-          </a:p>
-          <a:p>
-            <a:pPr>
-              <a:defRPr sz="1200"/>
-            </a:pPr>
-            <a:r>
-              <a:t>        "Horizontal_Distance_To_Roadways",</a:t>
-            </a:r>
-          </a:p>
-          <a:p>
-            <a:pPr>
-              <a:defRPr sz="1200"/>
-            </a:pPr>
-            <a:r>
-              <a:t>        "Hillshade_9am", "Hillshade_Noon", "Hillshade_3pm",</a:t>
-            </a:r>
-          </a:p>
-          <a:p>
-            <a:pPr>
-              <a:defRPr sz="1200"/>
-            </a:pPr>
-            <a:r>
-              <a:t>        "Horizontal_Distance_To_Fire_Points"</a:t>
-            </a:r>
-          </a:p>
-          <a:p>
-            <a:pPr>
-              <a:defRPr sz="1200"/>
-            </a:pPr>
-            <a:r>
-              <a:t>      ) ++ (</a:t>
-            </a:r>
-          </a:p>
-          <a:p>
-            <a:pPr>
-              <a:defRPr sz="1200"/>
-            </a:pPr>
-            <a:r>
-              <a:t>        (0 until 4).map(i =&gt; s"Wilderness_Area_$i")</a:t>
-            </a:r>
-          </a:p>
-          <a:p>
-            <a:pPr>
-              <a:defRPr sz="1200"/>
-            </a:pPr>
-            <a:r>
-              <a:t>      ) ++ (</a:t>
-            </a:r>
-          </a:p>
-          <a:p>
-            <a:pPr>
-              <a:defRPr sz="1200"/>
-            </a:pPr>
-            <a:r>
-              <a:t>        (0 until 40).map(i =&gt; s"Soil_Type_$i")</a:t>
-            </a:r>
-          </a:p>
-          <a:p>
-            <a:pPr>
-              <a:defRPr sz="1200"/>
-            </a:pPr>
-            <a:r>
-              <a:t>      ) ++ Seq("Cover_Type")</a:t>
-            </a:r>
-          </a:p>
-          <a:p>
-            <a:pPr>
-              <a:defRPr sz="1200"/>
-            </a:pPr>
-          </a:p>
-          <a:p>
-            <a:pPr>
-              <a:defRPr sz="1200"/>
-            </a:pPr>
-            <a:r>
-              <a:t>    val data = dataWithoutHeader.toDF(colNames:_*).</a:t>
-            </a:r>
-          </a:p>
-          <a:p>
-            <a:pPr>
-              <a:defRPr sz="1200"/>
-            </a:pPr>
-            <a:r>
-              <a:t>      withColumn("Cover_Type", $"Cover_Type".cast("double"))</a:t>
-            </a:r>
-          </a:p>
-          <a:p>
-            <a:pPr>
-              <a:defRPr sz="1200"/>
-            </a:pPr>
-          </a:p>
-          <a:p>
-            <a:pPr>
-              <a:defRPr sz="1200"/>
-            </a:pPr>
-            <a:r>
-              <a:t>    data.show()</a:t>
-            </a:r>
-          </a:p>
-          <a:p>
-            <a:pPr>
-              <a:defRPr sz="1200"/>
-            </a:pPr>
-            <a:r>
-              <a:t>    data.head</a:t>
-            </a:r>
-          </a:p>
-          <a:p>
-            <a:pPr>
-              <a:defRPr sz="1200"/>
-            </a:pPr>
-          </a:p>
-          <a:p>
-            <a:pPr>
-              <a:defRPr sz="1200"/>
-            </a:pPr>
-            <a:r>
-              <a:t>    // Split into 90% train (+ CV), 10% test</a:t>
-            </a:r>
-          </a:p>
-          <a:p>
-            <a:pPr>
-              <a:defRPr sz="1200"/>
-            </a:pPr>
-            <a:r>
-              <a:t>    val Array(trainData, testData) = data.randomSplit(Array(0.9, 0.1))</a:t>
-            </a:r>
+            <a:pPr/>
+            <a:r>
+              <a:t>We get two datasets:</a:t>
+            </a:r>
+            <a:br/>
+            <a:r>
+              <a:rPr b="1"/>
+              <a:t>train</a:t>
+            </a:r>
+            <a:r>
+              <a:t> </a:t>
+            </a:r>
+            <a:br/>
+            <a:r>
+              <a:t>   has temporal and spatial info + trip duration</a:t>
+            </a:r>
+            <a:br/>
+            <a:r>
+              <a:rPr b="1"/>
+              <a:t>test</a:t>
+            </a:r>
+            <a:br/>
+            <a:r>
+              <a:t>   missing trip duration - we have to predict it</a:t>
+            </a:r>
+          </a:p>
+          <a:p>
+            <a:pPr/>
+            <a:r>
+              <a:t>The prediction is not trivial, traffic depends on location, date, time, other random factors</a:t>
+            </a:r>
+            <a:br/>
           </a:p>
         </p:txBody>
       </p:sp>
@@ -6473,7 +10636,7 @@
       </p:grpSpPr>
       <p:sp>
         <p:nvSpPr>
-          <p:cNvPr id="140" name="Head of the resulting table"/>
+          <p:cNvPr id="148" name="Dataset Overview"/>
           <p:cNvSpPr txBox="1"/>
           <p:nvPr>
             <p:ph type="title"/>
@@ -6490,558 +10653,206 @@
           <a:p>
             <a:pPr/>
             <a:r>
-              <a:t>Head of the resulting table</a:t>
+              <a:t>Dataset Overview</a:t>
             </a:r>
           </a:p>
         </p:txBody>
       </p:sp>
       <p:sp>
         <p:nvSpPr>
-          <p:cNvPr id="141" name="+---------+------+-----+--------------------------------+------------------------------+-------------------------------+-------------+--------------+-------------+----------------------------------+-----------------+-----------------+-----------------+-----------------+-----------+-----------+-----------+-----------+-----------+-----------+-----------+-----------+-----------+-----------+------------+------------+------------+------------+------------+------------+------------+------------+------------+------------+------------+------------+------------+------------+------------+------------+------------+------------+------------+------------+------------+------------+------------+------------+------------+------------+------------+------------+------------+------------+----------+…"/>
+          <p:cNvPr id="149" name="id - a unique identifier for each trip…"/>
           <p:cNvSpPr txBox="1"/>
-          <p:nvPr/>
+          <p:nvPr>
+            <p:ph type="body" idx="1"/>
+          </p:nvPr>
         </p:nvSpPr>
         <p:spPr>
-          <a:xfrm>
-            <a:off x="578445" y="1697891"/>
-            <a:ext cx="43675310" cy="846018"/>
-          </a:xfrm>
           <a:prstGeom prst="rect">
             <a:avLst/>
           </a:prstGeom>
-          <a:ln w="12700">
-            <a:miter lim="400000"/>
-          </a:ln>
-          <a:extLst>
-            <a:ext uri="{C572A759-6A51-4108-AA02-DFA0A04FC94B}">
-              <ma14:wrappingTextBoxFlag xmlns:ma14="http://schemas.microsoft.com/office/mac/drawingml/2011/main" val="1"/>
-            </a:ext>
-          </a:extLst>
+          <a:effectLst>
+            <a:outerShdw sx="100000" sy="100000" kx="0" ky="0" algn="b" rotWithShape="0" blurRad="38100" dist="23000" dir="5400000">
+              <a:srgbClr val="000000">
+                <a:alpha val="35000"/>
+              </a:srgbClr>
+            </a:outerShdw>
+          </a:effectLst>
         </p:spPr>
         <p:txBody>
-          <a:bodyPr lIns="45719" rIns="45719">
-            <a:spAutoFit/>
-          </a:bodyPr>
+          <a:bodyPr/>
           <a:lstStyle/>
           <a:p>
-            <a:pPr defTabSz="457200">
-              <a:defRPr sz="700">
-                <a:solidFill>
-                  <a:srgbClr val="212121"/>
-                </a:solidFill>
-                <a:latin typeface="Monaco"/>
-                <a:ea typeface="Monaco"/>
-                <a:cs typeface="Monaco"/>
-                <a:sym typeface="Monaco"/>
-              </a:defRPr>
+            <a:pPr marL="178307" indent="-178307" defTabSz="713231">
+              <a:spcBef>
+                <a:spcPts val="0"/>
+              </a:spcBef>
+              <a:buFontTx/>
+              <a:defRPr sz="1403"/>
             </a:pPr>
             <a:r>
-              <a:t>+---------+------+-----+--------------------------------+------------------------------+-------------------------------+-------------+--------------+-------------+----------------------------------+-----------------+-----------------+-----------------+-----------------+-----------+-----------+-----------+-----------+-----------+-----------+-----------+-----------+-----------+-----------+------------+------------+------------+------------+------------+------------+------------+------------+------------+------------+------------+------------+------------+------------+------------+------------+------------+------------+------------+------------+------------+------------+------------+------------+------------+------------+------------+------------+------------+------------+----------+</a:t>
-            </a:r>
-          </a:p>
-          <a:p>
-            <a:pPr defTabSz="457200">
-              <a:defRPr sz="700">
-                <a:solidFill>
-                  <a:srgbClr val="212121"/>
-                </a:solidFill>
-                <a:latin typeface="Monaco"/>
-                <a:ea typeface="Monaco"/>
-                <a:cs typeface="Monaco"/>
-                <a:sym typeface="Monaco"/>
-              </a:defRPr>
+              <a:t>id - a unique identifier for each trip</a:t>
+            </a:r>
+          </a:p>
+          <a:p>
+            <a:pPr marL="178307" indent="-178307" defTabSz="713231">
+              <a:spcBef>
+                <a:spcPts val="0"/>
+              </a:spcBef>
+              <a:buFontTx/>
+              <a:defRPr sz="1403"/>
             </a:pPr>
             <a:r>
-              <a:t>|Elevation|Aspect|Slope|Horizontal_Distance_To_Hydrology|Vertical_Distance_To_Hydrology|Horizontal_Distance_To_Roadways|Hillshade_9am|Hillshade_Noon|Hillshade_3pm|Horizontal_Distance_To_Fire_Points|Wilderness_Area_0|Wilderness_Area_1|Wilderness_Area_2|Wilderness_Area_3|Soil_Type_0|Soil_Type_1|Soil_Type_2|Soil_Type_3|Soil_Type_4|Soil_Type_5|Soil_Type_6|Soil_Type_7|Soil_Type_8|Soil_Type_9|Soil_Type_10|Soil_Type_11|Soil_Type_12|Soil_Type_13|Soil_Type_14|Soil_Type_15|Soil_Type_16|Soil_Type_17|Soil_Type_18|Soil_Type_19|Soil_Type_20|Soil_Type_21|Soil_Type_22|Soil_Type_23|Soil_Type_24|Soil_Type_25|Soil_Type_26|Soil_Type_27|Soil_Type_28|Soil_Type_29|Soil_Type_30|Soil_Type_31|Soil_Type_32|Soil_Type_33|Soil_Type_34|Soil_Type_35|Soil_Type_36|Soil_Type_37|Soil_Type_38|Soil_Type_39|Cover_Type|</a:t>
-            </a:r>
-          </a:p>
-          <a:p>
-            <a:pPr defTabSz="457200">
-              <a:defRPr sz="700">
-                <a:solidFill>
-                  <a:srgbClr val="212121"/>
-                </a:solidFill>
-                <a:latin typeface="Monaco"/>
-                <a:ea typeface="Monaco"/>
-                <a:cs typeface="Monaco"/>
-                <a:sym typeface="Monaco"/>
-              </a:defRPr>
+              <a:t>vendor_id - a code indicating the provider associated with the trip record</a:t>
+            </a:r>
+          </a:p>
+          <a:p>
+            <a:pPr marL="178307" indent="-178307" defTabSz="713231">
+              <a:spcBef>
+                <a:spcPts val="0"/>
+              </a:spcBef>
+              <a:buFontTx/>
+              <a:defRPr sz="1403"/>
             </a:pPr>
             <a:r>
-              <a:t>+---------+------+-----+--------------------------------+------------------------------+-------------------------------+-------------+--------------+-------------+----------------------------------+-----------------+-----------------+-----------------+-----------------+-----------+-----------+-----------+-----------+-----------+-----------+-----------+-----------+-----------+-----------+------------+------------+------------+------------+------------+------------+------------+------------+------------+------------+------------+------------+------------+------------+------------+------------+------------+------------+------------+------------+------------+------------+------------+------------+------------+------------+------------+------------+------------+------------+----------+</a:t>
-            </a:r>
-          </a:p>
-          <a:p>
-            <a:pPr defTabSz="457200">
-              <a:defRPr sz="700">
-                <a:solidFill>
-                  <a:srgbClr val="212121"/>
-                </a:solidFill>
-                <a:latin typeface="Monaco"/>
-                <a:ea typeface="Monaco"/>
-                <a:cs typeface="Monaco"/>
-                <a:sym typeface="Monaco"/>
-              </a:defRPr>
+              <a:t>pickup_datetime - date and time when the meter was engaged</a:t>
+            </a:r>
+          </a:p>
+          <a:p>
+            <a:pPr marL="178307" indent="-178307" defTabSz="713231">
+              <a:spcBef>
+                <a:spcPts val="0"/>
+              </a:spcBef>
+              <a:buFontTx/>
+              <a:defRPr sz="1403"/>
             </a:pPr>
             <a:r>
-              <a:t>|     2596|    51|    3|                             258|                             0|                            510|          221|           232|          148|                              6279|                1|                0|                0|                0|          0|          0|          0|          0|          0|          0|          0|          0|          0|          0|           0|           0|           0|           0|           0|           0|           0|           0|           0|           0|           0|           0|           0|           0|           0|           0|           0|           0|           1|           0|           0|           0|           0|           0|           0|           0|           0|           0|           0|           0|       5.0|</a:t>
-            </a:r>
-          </a:p>
-          <a:p>
-            <a:pPr defTabSz="457200">
-              <a:defRPr sz="700">
-                <a:solidFill>
-                  <a:srgbClr val="212121"/>
-                </a:solidFill>
-                <a:latin typeface="Monaco"/>
-                <a:ea typeface="Monaco"/>
-                <a:cs typeface="Monaco"/>
-                <a:sym typeface="Monaco"/>
-              </a:defRPr>
+              <a:t>dropoff_datetime - date and time when the meter was disengaged</a:t>
+            </a:r>
+          </a:p>
+          <a:p>
+            <a:pPr marL="178307" indent="-178307" defTabSz="713231">
+              <a:spcBef>
+                <a:spcPts val="0"/>
+              </a:spcBef>
+              <a:buFontTx/>
+              <a:defRPr sz="1403"/>
             </a:pPr>
             <a:r>
-              <a:t>|     2590|    56|    2|                             212|                            -6|                            390|          220|           235|          151|                              6225|                1|                0|                0|                0|          0|          0|          0|          0|          0|          0|          0|          0|          0|          0|           0|           0|           0|           0|           0|           0|           0|           0|           0|           0|           0|           0|           0|           0|           0|           0|           0|           0|           1|           0|           0|           0|           0|           0|           0|           0|           0|           0|           0|           0|       5.0|</a:t>
-            </a:r>
-          </a:p>
-        </p:txBody>
-      </p:sp>
-      <p:sp>
-        <p:nvSpPr>
-          <p:cNvPr id="142" name="+---------+------+-----+--------------------------------+------------------------------+-------------------------------+-------------+--------------+-------------+----------------------------------+-----------------+-----------------+-----------------+-----------------+-----------+-----------+-----------+-----------+-----------+-----------+-----------+-----------+-----------+-----------+------------+------------+------------+------------+------------+------------+------------+------------+------------+------------+------------+------------+------------+------------+------------+------------+------------+------------+------------+------------+------------+------------+------------+------------+------------+------------+------------+------------+------------+------------+----------+…"/>
-          <p:cNvSpPr txBox="1"/>
-          <p:nvPr/>
-        </p:nvSpPr>
-        <p:spPr>
-          <a:xfrm>
-            <a:off x="-7663855" y="2392362"/>
-            <a:ext cx="43675310" cy="846018"/>
-          </a:xfrm>
-          <a:prstGeom prst="rect">
-            <a:avLst/>
-          </a:prstGeom>
-          <a:ln w="12700">
-            <a:miter lim="400000"/>
-          </a:ln>
-          <a:extLst>
-            <a:ext uri="{C572A759-6A51-4108-AA02-DFA0A04FC94B}">
-              <ma14:wrappingTextBoxFlag xmlns:ma14="http://schemas.microsoft.com/office/mac/drawingml/2011/main" val="1"/>
-            </a:ext>
-          </a:extLst>
-        </p:spPr>
-        <p:txBody>
-          <a:bodyPr lIns="45719" rIns="45719">
-            <a:spAutoFit/>
-          </a:bodyPr>
-          <a:lstStyle/>
-          <a:p>
-            <a:pPr defTabSz="457200">
-              <a:defRPr sz="700">
-                <a:solidFill>
-                  <a:srgbClr val="212121"/>
-                </a:solidFill>
-                <a:latin typeface="Monaco"/>
-                <a:ea typeface="Monaco"/>
-                <a:cs typeface="Monaco"/>
-                <a:sym typeface="Monaco"/>
-              </a:defRPr>
+              <a:t>passenger_count - the number of passengers in the vehicle (driver entered value)</a:t>
+            </a:r>
+          </a:p>
+          <a:p>
+            <a:pPr marL="178307" indent="-178307" defTabSz="713231">
+              <a:spcBef>
+                <a:spcPts val="0"/>
+              </a:spcBef>
+              <a:buFontTx/>
+              <a:defRPr sz="1403"/>
             </a:pPr>
             <a:r>
-              <a:t>+---------+------+-----+--------------------------------+------------------------------+-------------------------------+-------------+--------------+-------------+----------------------------------+-----------------+-----------------+-----------------+-----------------+-----------+-----------+-----------+-----------+-----------+-----------+-----------+-----------+-----------+-----------+------------+------------+------------+------------+------------+------------+------------+------------+------------+------------+------------+------------+------------+------------+------------+------------+------------+------------+------------+------------+------------+------------+------------+------------+------------+------------+------------+------------+------------+------------+----------+</a:t>
-            </a:r>
-          </a:p>
-          <a:p>
-            <a:pPr defTabSz="457200">
-              <a:defRPr sz="700">
-                <a:solidFill>
-                  <a:srgbClr val="212121"/>
-                </a:solidFill>
-                <a:latin typeface="Monaco"/>
-                <a:ea typeface="Monaco"/>
-                <a:cs typeface="Monaco"/>
-                <a:sym typeface="Monaco"/>
-              </a:defRPr>
+              <a:t>pickup_longitude - the longitude where the meter was engaged</a:t>
+            </a:r>
+          </a:p>
+          <a:p>
+            <a:pPr marL="178307" indent="-178307" defTabSz="713231">
+              <a:spcBef>
+                <a:spcPts val="0"/>
+              </a:spcBef>
+              <a:buFontTx/>
+              <a:defRPr sz="1403"/>
             </a:pPr>
             <a:r>
-              <a:t>|Elevation|Aspect|Slope|Horizontal_Distance_To_Hydrology|Vertical_Distance_To_Hydrology|Horizontal_Distance_To_Roadways|Hillshade_9am|Hillshade_Noon|Hillshade_3pm|Horizontal_Distance_To_Fire_Points|Wilderness_Area_0|Wilderness_Area_1|Wilderness_Area_2|Wilderness_Area_3|Soil_Type_0|Soil_Type_1|Soil_Type_2|Soil_Type_3|Soil_Type_4|Soil_Type_5|Soil_Type_6|Soil_Type_7|Soil_Type_8|Soil_Type_9|Soil_Type_10|Soil_Type_11|Soil_Type_12|Soil_Type_13|Soil_Type_14|Soil_Type_15|Soil_Type_16|Soil_Type_17|Soil_Type_18|Soil_Type_19|Soil_Type_20|Soil_Type_21|Soil_Type_22|Soil_Type_23|Soil_Type_24|Soil_Type_25|Soil_Type_26|Soil_Type_27|Soil_Type_28|Soil_Type_29|Soil_Type_30|Soil_Type_31|Soil_Type_32|Soil_Type_33|Soil_Type_34|Soil_Type_35|Soil_Type_36|Soil_Type_37|Soil_Type_38|Soil_Type_39|Cover_Type|</a:t>
-            </a:r>
-          </a:p>
-          <a:p>
-            <a:pPr defTabSz="457200">
-              <a:defRPr sz="700">
-                <a:solidFill>
-                  <a:srgbClr val="212121"/>
-                </a:solidFill>
-                <a:latin typeface="Monaco"/>
-                <a:ea typeface="Monaco"/>
-                <a:cs typeface="Monaco"/>
-                <a:sym typeface="Monaco"/>
-              </a:defRPr>
+              <a:t>pickup_latitude - the latitude where the meter was engaged</a:t>
+            </a:r>
+          </a:p>
+          <a:p>
+            <a:pPr marL="178307" indent="-178307" defTabSz="713231">
+              <a:spcBef>
+                <a:spcPts val="0"/>
+              </a:spcBef>
+              <a:buFontTx/>
+              <a:defRPr sz="1403"/>
             </a:pPr>
             <a:r>
-              <a:t>+---------+------+-----+--------------------------------+------------------------------+-------------------------------+-------------+--------------+-------------+----------------------------------+-----------------+-----------------+-----------------+-----------------+-----------+-----------+-----------+-----------+-----------+-----------+-----------+-----------+-----------+-----------+------------+------------+------------+------------+------------+------------+------------+------------+------------+------------+------------+------------+------------+------------+------------+------------+------------+------------+------------+------------+------------+------------+------------+------------+------------+------------+------------+------------+------------+------------+----------+</a:t>
-            </a:r>
-          </a:p>
-          <a:p>
-            <a:pPr defTabSz="457200">
-              <a:defRPr sz="700">
-                <a:solidFill>
-                  <a:srgbClr val="212121"/>
-                </a:solidFill>
-                <a:latin typeface="Monaco"/>
-                <a:ea typeface="Monaco"/>
-                <a:cs typeface="Monaco"/>
-                <a:sym typeface="Monaco"/>
-              </a:defRPr>
+              <a:t>dropoff_longitude - the longitude where the meter was disengaged</a:t>
+            </a:r>
+          </a:p>
+          <a:p>
+            <a:pPr marL="178307" indent="-178307" defTabSz="713231">
+              <a:spcBef>
+                <a:spcPts val="0"/>
+              </a:spcBef>
+              <a:buFontTx/>
+              <a:defRPr sz="1403"/>
             </a:pPr>
             <a:r>
-              <a:t>|     2596|    51|    3|                             258|                             0|                            510|          221|           232|          148|                              6279|                1|                0|                0|                0|          0|          0|          0|          0|          0|          0|          0|          0|          0|          0|           0|           0|           0|           0|           0|           0|           0|           0|           0|           0|           0|           0|           0|           0|           0|           0|           0|           0|           1|           0|           0|           0|           0|           0|           0|           0|           0|           0|           0|           0|       5.0|</a:t>
-            </a:r>
-          </a:p>
-          <a:p>
-            <a:pPr defTabSz="457200">
-              <a:defRPr sz="700">
-                <a:solidFill>
-                  <a:srgbClr val="212121"/>
-                </a:solidFill>
-                <a:latin typeface="Monaco"/>
-                <a:ea typeface="Monaco"/>
-                <a:cs typeface="Monaco"/>
-                <a:sym typeface="Monaco"/>
-              </a:defRPr>
+              <a:t>dropoff_latitude - the latitude where the meter was disengaged</a:t>
+            </a:r>
+          </a:p>
+          <a:p>
+            <a:pPr marL="178307" indent="-178307" defTabSz="713231">
+              <a:spcBef>
+                <a:spcPts val="0"/>
+              </a:spcBef>
+              <a:buFontTx/>
+              <a:defRPr sz="1403"/>
             </a:pPr>
             <a:r>
-              <a:t>|     2590|    56|    2|                             212|                            -6|                            390|          220|           235|          151|                              6225|                1|                0|                0|                0|          0|          0|          0|          0|          0|          0|          0|          0|          0|          0|           0|           0|           0|           0|           0|           0|           0|           0|           0|           0|           0|           0|           0|           0|           0|           0|           0|           0|           1|           0|           0|           0|           0|           0|           0|           0|           0|           0|           0|           0|       5.0|</a:t>
-            </a:r>
-          </a:p>
-        </p:txBody>
-      </p:sp>
-      <p:sp>
-        <p:nvSpPr>
-          <p:cNvPr id="143" name="+---------+------+-----+--------------------------------+------------------------------+-------------------------------+-------------+--------------+-------------+----------------------------------+-----------------+-----------------+-----------------+-----------------+-----------+-----------+-----------+-----------+-----------+-----------+-----------+-----------+-----------+-----------+------------+------------+------------+------------+------------+------------+------------+------------+------------+------------+------------+------------+------------+------------+------------+------------+------------+------------+------------+------------+------------+------------+------------+------------+------------+------------+------------+------------+------------+------------+----------+…"/>
-          <p:cNvSpPr txBox="1"/>
-          <p:nvPr/>
-        </p:nvSpPr>
-        <p:spPr>
-          <a:xfrm>
-            <a:off x="-16909455" y="3107897"/>
-            <a:ext cx="43675310" cy="846018"/>
-          </a:xfrm>
-          <a:prstGeom prst="rect">
-            <a:avLst/>
-          </a:prstGeom>
-          <a:ln w="12700">
-            <a:miter lim="400000"/>
-          </a:ln>
-          <a:extLst>
-            <a:ext uri="{C572A759-6A51-4108-AA02-DFA0A04FC94B}">
-              <ma14:wrappingTextBoxFlag xmlns:ma14="http://schemas.microsoft.com/office/mac/drawingml/2011/main" val="1"/>
-            </a:ext>
-          </a:extLst>
-        </p:spPr>
-        <p:txBody>
-          <a:bodyPr lIns="45719" rIns="45719">
-            <a:spAutoFit/>
-          </a:bodyPr>
-          <a:lstStyle/>
-          <a:p>
-            <a:pPr defTabSz="457200">
-              <a:defRPr sz="700">
-                <a:solidFill>
-                  <a:srgbClr val="212121"/>
-                </a:solidFill>
-                <a:latin typeface="Monaco"/>
-                <a:ea typeface="Monaco"/>
-                <a:cs typeface="Monaco"/>
-                <a:sym typeface="Monaco"/>
-              </a:defRPr>
+              <a:t>store_and_fwd_flag - This flag indicates whether the trip record was held in vehicle memory before sending to the vendor because the vehicle did not have a connection to the server - Y=store and forward; N=not a store and forward trip</a:t>
+            </a:r>
+          </a:p>
+          <a:p>
+            <a:pPr marL="178307" indent="-178307" defTabSz="713231">
+              <a:spcBef>
+                <a:spcPts val="0"/>
+              </a:spcBef>
+              <a:buFontTx/>
+              <a:defRPr sz="1403"/>
             </a:pPr>
             <a:r>
-              <a:t>+---------+------+-----+--------------------------------+------------------------------+-------------------------------+-------------+--------------+-------------+----------------------------------+-----------------+-----------------+-----------------+-----------------+-----------+-----------+-----------+-----------+-----------+-----------+-----------+-----------+-----------+-----------+------------+------------+------------+------------+------------+------------+------------+------------+------------+------------+------------+------------+------------+------------+------------+------------+------------+------------+------------+------------+------------+------------+------------+------------+------------+------------+------------+------------+------------+------------+----------+</a:t>
-            </a:r>
-          </a:p>
-          <a:p>
-            <a:pPr defTabSz="457200">
-              <a:defRPr sz="700">
-                <a:solidFill>
-                  <a:srgbClr val="212121"/>
-                </a:solidFill>
-                <a:latin typeface="Monaco"/>
-                <a:ea typeface="Monaco"/>
-                <a:cs typeface="Monaco"/>
-                <a:sym typeface="Monaco"/>
-              </a:defRPr>
+              <a:t>trip_duration - duration of the trip in seconds</a:t>
+            </a:r>
+            <a:br/>
+          </a:p>
+          <a:p>
+            <a:pPr marL="0" indent="0" defTabSz="713231">
+              <a:spcBef>
+                <a:spcPts val="0"/>
+              </a:spcBef>
+              <a:buSzTx/>
+              <a:buFontTx/>
+              <a:buNone/>
+              <a:defRPr sz="1871"/>
             </a:pPr>
             <a:r>
-              <a:t>|Elevation|Aspect|Slope|Horizontal_Distance_To_Hydrology|Vertical_Distance_To_Hydrology|Horizontal_Distance_To_Roadways|Hillshade_9am|Hillshade_Noon|Hillshade_3pm|Horizontal_Distance_To_Fire_Points|Wilderness_Area_0|Wilderness_Area_1|Wilderness_Area_2|Wilderness_Area_3|Soil_Type_0|Soil_Type_1|Soil_Type_2|Soil_Type_3|Soil_Type_4|Soil_Type_5|Soil_Type_6|Soil_Type_7|Soil_Type_8|Soil_Type_9|Soil_Type_10|Soil_Type_11|Soil_Type_12|Soil_Type_13|Soil_Type_14|Soil_Type_15|Soil_Type_16|Soil_Type_17|Soil_Type_18|Soil_Type_19|Soil_Type_20|Soil_Type_21|Soil_Type_22|Soil_Type_23|Soil_Type_24|Soil_Type_25|Soil_Type_26|Soil_Type_27|Soil_Type_28|Soil_Type_29|Soil_Type_30|Soil_Type_31|Soil_Type_32|Soil_Type_33|Soil_Type_34|Soil_Type_35|Soil_Type_36|Soil_Type_37|Soil_Type_38|Soil_Type_39|Cover_Type|</a:t>
-            </a:r>
-          </a:p>
-          <a:p>
-            <a:pPr defTabSz="457200">
-              <a:defRPr sz="700">
-                <a:solidFill>
-                  <a:srgbClr val="212121"/>
-                </a:solidFill>
-                <a:latin typeface="Monaco"/>
-                <a:ea typeface="Monaco"/>
-                <a:cs typeface="Monaco"/>
-                <a:sym typeface="Monaco"/>
-              </a:defRPr>
+              <a:t>Two data items are present in the training set but missing from the test set:  </a:t>
+            </a:r>
+            <a:br/>
+          </a:p>
+          <a:p>
+            <a:pPr marL="178307" indent="-178307" defTabSz="713231">
+              <a:spcBef>
+                <a:spcPts val="0"/>
+              </a:spcBef>
+              <a:buFontTx/>
+              <a:defRPr sz="1403"/>
             </a:pPr>
             <a:r>
-              <a:t>+---------+------+-----+--------------------------------+------------------------------+-------------------------------+-------------+--------------+-------------+----------------------------------+-----------------+-----------------+-----------------+-----------------+-----------+-----------+-----------+-----------+-----------+-----------+-----------+-----------+-----------+-----------+------------+------------+------------+------------+------------+------------+------------+------------+------------+------------+------------+------------+------------+------------+------------+------------+------------+------------+------------+------------+------------+------------+------------+------------+------------+------------+------------+------------+------------+------------+----------+</a:t>
-            </a:r>
-          </a:p>
-          <a:p>
-            <a:pPr defTabSz="457200">
-              <a:defRPr sz="700">
-                <a:solidFill>
-                  <a:srgbClr val="212121"/>
-                </a:solidFill>
-                <a:latin typeface="Monaco"/>
-                <a:ea typeface="Monaco"/>
-                <a:cs typeface="Monaco"/>
-                <a:sym typeface="Monaco"/>
-              </a:defRPr>
+              <a:t>dropoff_datetime - date and time when the meter was disengaged</a:t>
+            </a:r>
+          </a:p>
+          <a:p>
+            <a:pPr marL="178307" indent="-178307" defTabSz="713231">
+              <a:spcBef>
+                <a:spcPts val="0"/>
+              </a:spcBef>
+              <a:buFontTx/>
+              <a:defRPr sz="1403"/>
             </a:pPr>
             <a:r>
-              <a:t>|     2596|    51|    3|                             258|                             0|                            510|          221|           232|          148|                              6279|                1|                0|                0|                0|          0|          0|          0|          0|          0|          0|          0|          0|          0|          0|           0|           0|           0|           0|           0|           0|           0|           0|           0|           0|           0|           0|           0|           0|           0|           0|           0|           0|           1|           0|           0|           0|           0|           0|           0|           0|           0|           0|           0|           0|       5.0|</a:t>
-            </a:r>
-          </a:p>
-          <a:p>
-            <a:pPr defTabSz="457200">
-              <a:defRPr sz="700">
-                <a:solidFill>
-                  <a:srgbClr val="212121"/>
-                </a:solidFill>
-                <a:latin typeface="Monaco"/>
-                <a:ea typeface="Monaco"/>
-                <a:cs typeface="Monaco"/>
-                <a:sym typeface="Monaco"/>
-              </a:defRPr>
-            </a:pPr>
-            <a:r>
-              <a:t>|     2590|    56|    2|                             212|                            -6|                            390|          220|           235|          151|                              6225|                1|                0|                0|                0|          0|          0|          0|          0|          0|          0|          0|          0|          0|          0|           0|           0|           0|           0|           0|           0|           0|           0|           0|           0|           0|           0|           0|           0|           0|           0|           0|           0|           1|           0|           0|           0|           0|           0|           0|           0|           0|           0|           0|           0|       5.0|</a:t>
-            </a:r>
-          </a:p>
-        </p:txBody>
-      </p:sp>
-      <p:sp>
-        <p:nvSpPr>
-          <p:cNvPr id="144" name="+---------+------+-----+--------------------------------+------------------------------+-------------------------------+-------------+--------------+-------------+----------------------------------+-----------------+-----------------+-----------------+-----------------+-----------+-----------+-----------+-----------+-----------+-----------+-----------+-----------+-----------+-----------+------------+------------+------------+------------+------------+------------+------------+------------+------------+------------+------------+------------+------------+------------+------------+------------+------------+------------+------------+------------+------------+------------+------------+------------+------------+------------+------------+------------+------------+------------+----------+…"/>
-          <p:cNvSpPr txBox="1"/>
-          <p:nvPr/>
-        </p:nvSpPr>
-        <p:spPr>
-          <a:xfrm>
-            <a:off x="-25812155" y="3857503"/>
-            <a:ext cx="43675310" cy="846018"/>
-          </a:xfrm>
-          <a:prstGeom prst="rect">
-            <a:avLst/>
-          </a:prstGeom>
-          <a:ln w="12700">
-            <a:miter lim="400000"/>
-          </a:ln>
-          <a:extLst>
-            <a:ext uri="{C572A759-6A51-4108-AA02-DFA0A04FC94B}">
-              <ma14:wrappingTextBoxFlag xmlns:ma14="http://schemas.microsoft.com/office/mac/drawingml/2011/main" val="1"/>
-            </a:ext>
-          </a:extLst>
-        </p:spPr>
-        <p:txBody>
-          <a:bodyPr lIns="45719" rIns="45719">
-            <a:spAutoFit/>
-          </a:bodyPr>
-          <a:lstStyle/>
-          <a:p>
-            <a:pPr defTabSz="457200">
-              <a:defRPr sz="700">
-                <a:solidFill>
-                  <a:srgbClr val="212121"/>
-                </a:solidFill>
-                <a:latin typeface="Monaco"/>
-                <a:ea typeface="Monaco"/>
-                <a:cs typeface="Monaco"/>
-                <a:sym typeface="Monaco"/>
-              </a:defRPr>
-            </a:pPr>
-            <a:r>
-              <a:t>+---------+------+-----+--------------------------------+------------------------------+-------------------------------+-------------+--------------+-------------+----------------------------------+-----------------+-----------------+-----------------+-----------------+-----------+-----------+-----------+-----------+-----------+-----------+-----------+-----------+-----------+-----------+------------+------------+------------+------------+------------+------------+------------+------------+------------+------------+------------+------------+------------+------------+------------+------------+------------+------------+------------+------------+------------+------------+------------+------------+------------+------------+------------+------------+------------+------------+----------+</a:t>
-            </a:r>
-          </a:p>
-          <a:p>
-            <a:pPr defTabSz="457200">
-              <a:defRPr sz="700">
-                <a:solidFill>
-                  <a:srgbClr val="212121"/>
-                </a:solidFill>
-                <a:latin typeface="Monaco"/>
-                <a:ea typeface="Monaco"/>
-                <a:cs typeface="Monaco"/>
-                <a:sym typeface="Monaco"/>
-              </a:defRPr>
-            </a:pPr>
-            <a:r>
-              <a:t>|Elevation|Aspect|Slope|Horizontal_Distance_To_Hydrology|Vertical_Distance_To_Hydrology|Horizontal_Distance_To_Roadways|Hillshade_9am|Hillshade_Noon|Hillshade_3pm|Horizontal_Distance_To_Fire_Points|Wilderness_Area_0|Wilderness_Area_1|Wilderness_Area_2|Wilderness_Area_3|Soil_Type_0|Soil_Type_1|Soil_Type_2|Soil_Type_3|Soil_Type_4|Soil_Type_5|Soil_Type_6|Soil_Type_7|Soil_Type_8|Soil_Type_9|Soil_Type_10|Soil_Type_11|Soil_Type_12|Soil_Type_13|Soil_Type_14|Soil_Type_15|Soil_Type_16|Soil_Type_17|Soil_Type_18|Soil_Type_19|Soil_Type_20|Soil_Type_21|Soil_Type_22|Soil_Type_23|Soil_Type_24|Soil_Type_25|Soil_Type_26|Soil_Type_27|Soil_Type_28|Soil_Type_29|Soil_Type_30|Soil_Type_31|Soil_Type_32|Soil_Type_33|Soil_Type_34|Soil_Type_35|Soil_Type_36|Soil_Type_37|Soil_Type_38|Soil_Type_39|Cover_Type|</a:t>
-            </a:r>
-          </a:p>
-          <a:p>
-            <a:pPr defTabSz="457200">
-              <a:defRPr sz="700">
-                <a:solidFill>
-                  <a:srgbClr val="212121"/>
-                </a:solidFill>
-                <a:latin typeface="Monaco"/>
-                <a:ea typeface="Monaco"/>
-                <a:cs typeface="Monaco"/>
-                <a:sym typeface="Monaco"/>
-              </a:defRPr>
-            </a:pPr>
-            <a:r>
-              <a:t>+---------+------+-----+--------------------------------+------------------------------+-------------------------------+-------------+--------------+-------------+----------------------------------+-----------------+-----------------+-----------------+-----------------+-----------+-----------+-----------+-----------+-----------+-----------+-----------+-----------+-----------+-----------+------------+------------+------------+------------+------------+------------+------------+------------+------------+------------+------------+------------+------------+------------+------------+------------+------------+------------+------------+------------+------------+------------+------------+------------+------------+------------+------------+------------+------------+------------+----------+</a:t>
-            </a:r>
-          </a:p>
-          <a:p>
-            <a:pPr defTabSz="457200">
-              <a:defRPr sz="700">
-                <a:solidFill>
-                  <a:srgbClr val="212121"/>
-                </a:solidFill>
-                <a:latin typeface="Monaco"/>
-                <a:ea typeface="Monaco"/>
-                <a:cs typeface="Monaco"/>
-                <a:sym typeface="Monaco"/>
-              </a:defRPr>
-            </a:pPr>
-            <a:r>
-              <a:t>|     2596|    51|    3|                             258|                             0|                            510|          221|           232|          148|                              6279|                1|                0|                0|                0|          0|          0|          0|          0|          0|          0|          0|          0|          0|          0|           0|           0|           0|           0|           0|           0|           0|           0|           0|           0|           0|           0|           0|           0|           0|           0|           0|           0|           1|           0|           0|           0|           0|           0|           0|           0|           0|           0|           0|           0|       5.0|</a:t>
-            </a:r>
-          </a:p>
-          <a:p>
-            <a:pPr defTabSz="457200">
-              <a:defRPr sz="700">
-                <a:solidFill>
-                  <a:srgbClr val="212121"/>
-                </a:solidFill>
-                <a:latin typeface="Monaco"/>
-                <a:ea typeface="Monaco"/>
-                <a:cs typeface="Monaco"/>
-                <a:sym typeface="Monaco"/>
-              </a:defRPr>
-            </a:pPr>
-            <a:r>
-              <a:t>|     2590|    56|    2|                             212|                            -6|                            390|          220|           235|          151|                              6225|                1|                0|                0|                0|          0|          0|          0|          0|          0|          0|          0|          0|          0|          0|           0|           0|           0|           0|           0|           0|           0|           0|           0|           0|           0|           0|           0|           0|           0|           0|           0|           0|           1|           0|           0|           0|           0|           0|           0|           0|           0|           0|           0|           0|       5.0|</a:t>
-            </a:r>
-          </a:p>
-        </p:txBody>
-      </p:sp>
-      <p:sp>
-        <p:nvSpPr>
-          <p:cNvPr id="145" name="+---------+------+-----+--------------------------------+------------------------------+-------------------------------+-------------+--------------+-------------+----------------------------------+-----------------+-----------------+-----------------+-----------------+-----------+-----------+-----------+-----------+-----------+-----------+-----------+-----------+-----------+-----------+------------+------------+------------+------------+------------+------------+------------+------------+------------+------------+------------+------------+------------+------------+------------+------------+------------+------------+------------+------------+------------+------------+------------+------------+------------+------------+------------+------------+------------+------------+----------+…"/>
-          <p:cNvSpPr txBox="1"/>
-          <p:nvPr/>
-        </p:nvSpPr>
-        <p:spPr>
-          <a:xfrm>
-            <a:off x="-33267055" y="4678974"/>
-            <a:ext cx="43675310" cy="846018"/>
-          </a:xfrm>
-          <a:prstGeom prst="rect">
-            <a:avLst/>
-          </a:prstGeom>
-          <a:ln w="12700">
-            <a:miter lim="400000"/>
-          </a:ln>
-          <a:extLst>
-            <a:ext uri="{C572A759-6A51-4108-AA02-DFA0A04FC94B}">
-              <ma14:wrappingTextBoxFlag xmlns:ma14="http://schemas.microsoft.com/office/mac/drawingml/2011/main" val="1"/>
-            </a:ext>
-          </a:extLst>
-        </p:spPr>
-        <p:txBody>
-          <a:bodyPr lIns="45719" rIns="45719">
-            <a:spAutoFit/>
-          </a:bodyPr>
-          <a:lstStyle/>
-          <a:p>
-            <a:pPr defTabSz="457200">
-              <a:defRPr sz="700">
-                <a:solidFill>
-                  <a:srgbClr val="212121"/>
-                </a:solidFill>
-                <a:latin typeface="Monaco"/>
-                <a:ea typeface="Monaco"/>
-                <a:cs typeface="Monaco"/>
-                <a:sym typeface="Monaco"/>
-              </a:defRPr>
-            </a:pPr>
-            <a:r>
-              <a:t>+---------+------+-----+--------------------------------+------------------------------+-------------------------------+-------------+--------------+-------------+----------------------------------+-----------------+-----------------+-----------------+-----------------+-----------+-----------+-----------+-----------+-----------+-----------+-----------+-----------+-----------+-----------+------------+------------+------------+------------+------------+------------+------------+------------+------------+------------+------------+------------+------------+------------+------------+------------+------------+------------+------------+------------+------------+------------+------------+------------+------------+------------+------------+------------+------------+------------+----------+</a:t>
-            </a:r>
-          </a:p>
-          <a:p>
-            <a:pPr defTabSz="457200">
-              <a:defRPr sz="700">
-                <a:solidFill>
-                  <a:srgbClr val="212121"/>
-                </a:solidFill>
-                <a:latin typeface="Monaco"/>
-                <a:ea typeface="Monaco"/>
-                <a:cs typeface="Monaco"/>
-                <a:sym typeface="Monaco"/>
-              </a:defRPr>
-            </a:pPr>
-            <a:r>
-              <a:t>|Elevation|Aspect|Slope|Horizontal_Distance_To_Hydrology|Vertical_Distance_To_Hydrology|Horizontal_Distance_To_Roadways|Hillshade_9am|Hillshade_Noon|Hillshade_3pm|Horizontal_Distance_To_Fire_Points|Wilderness_Area_0|Wilderness_Area_1|Wilderness_Area_2|Wilderness_Area_3|Soil_Type_0|Soil_Type_1|Soil_Type_2|Soil_Type_3|Soil_Type_4|Soil_Type_5|Soil_Type_6|Soil_Type_7|Soil_Type_8|Soil_Type_9|Soil_Type_10|Soil_Type_11|Soil_Type_12|Soil_Type_13|Soil_Type_14|Soil_Type_15|Soil_Type_16|Soil_Type_17|Soil_Type_18|Soil_Type_19|Soil_Type_20|Soil_Type_21|Soil_Type_22|Soil_Type_23|Soil_Type_24|Soil_Type_25|Soil_Type_26|Soil_Type_27|Soil_Type_28|Soil_Type_29|Soil_Type_30|Soil_Type_31|Soil_Type_32|Soil_Type_33|Soil_Type_34|Soil_Type_35|Soil_Type_36|Soil_Type_37|Soil_Type_38|Soil_Type_39|Cover_Type|</a:t>
-            </a:r>
-          </a:p>
-          <a:p>
-            <a:pPr defTabSz="457200">
-              <a:defRPr sz="700">
-                <a:solidFill>
-                  <a:srgbClr val="212121"/>
-                </a:solidFill>
-                <a:latin typeface="Monaco"/>
-                <a:ea typeface="Monaco"/>
-                <a:cs typeface="Monaco"/>
-                <a:sym typeface="Monaco"/>
-              </a:defRPr>
-            </a:pPr>
-            <a:r>
-              <a:t>+---------+------+-----+--------------------------------+------------------------------+-------------------------------+-------------+--------------+-------------+----------------------------------+-----------------+-----------------+-----------------+-----------------+-----------+-----------+-----------+-----------+-----------+-----------+-----------+-----------+-----------+-----------+------------+------------+------------+------------+------------+------------+------------+------------+------------+------------+------------+------------+------------+------------+------------+------------+------------+------------+------------+------------+------------+------------+------------+------------+------------+------------+------------+------------+------------+------------+----------+</a:t>
-            </a:r>
-          </a:p>
-          <a:p>
-            <a:pPr defTabSz="457200">
-              <a:defRPr sz="700">
-                <a:solidFill>
-                  <a:srgbClr val="212121"/>
-                </a:solidFill>
-                <a:latin typeface="Monaco"/>
-                <a:ea typeface="Monaco"/>
-                <a:cs typeface="Monaco"/>
-                <a:sym typeface="Monaco"/>
-              </a:defRPr>
-            </a:pPr>
-            <a:r>
-              <a:t>|     2596|    51|    3|                             258|                             0|                            510|          221|           232|          148|                              6279|                1|                0|                0|                0|          0|          0|          0|          0|          0|          0|          0|          0|          0|          0|           0|           0|           0|           0|           0|           0|           0|           0|           0|           0|           0|           0|           0|           0|           0|           0|           0|           0|           1|           0|           0|           0|           0|           0|           0|           0|           0|           0|           0|           0|       5.0|</a:t>
-            </a:r>
-          </a:p>
-          <a:p>
-            <a:pPr defTabSz="457200">
-              <a:defRPr sz="700">
-                <a:solidFill>
-                  <a:srgbClr val="212121"/>
-                </a:solidFill>
-                <a:latin typeface="Monaco"/>
-                <a:ea typeface="Monaco"/>
-                <a:cs typeface="Monaco"/>
-                <a:sym typeface="Monaco"/>
-              </a:defRPr>
-            </a:pPr>
-            <a:r>
-              <a:t>|     2590|    56|    2|                             212|                            -6|                            390|          220|           235|          151|                              6225|                1|                0|                0|                0|          0|          0|          0|          0|          0|          0|          0|          0|          0|          0|           0|           0|           0|           0|           0|           0|           0|           0|           0|           0|           0|           0|           0|           0|           0|           0|           0|           0|           1|           0|           0|           0|           0|           0|           0|           0|           0|           0|           0|           0|       5.0|</a:t>
-            </a:r>
+              <a:t>trip_duration - duration of the trip in seconds</a:t>
+            </a:r>
+            <a:br/>
           </a:p>
         </p:txBody>
       </p:sp>

--- a/powerpoints/ITU Academy Slides AM4-10.pptx
+++ b/powerpoints/ITU Academy Slides AM4-10.pptx
@@ -36,6 +36,7 @@
     <p:sldId id="281" r:id="rId33"/>
     <p:sldId id="282" r:id="rId34"/>
     <p:sldId id="283" r:id="rId35"/>
+    <p:sldId id="284" r:id="rId36"/>
   </p:sldIdLst>
   <p:sldSz cx="9144000" cy="6858000"/>
   <p:notesSz cx="6858000" cy="9144000"/>
@@ -4203,8 +4204,8 @@
         </p:nvSpPr>
         <p:spPr>
           <a:xfrm>
-            <a:off x="3279112" y="1770380"/>
-            <a:ext cx="1823776" cy="370840"/>
+            <a:off x="3279112" y="1770379"/>
+            <a:ext cx="1823776" cy="370841"/>
           </a:xfrm>
           <a:prstGeom prst="rect">
             <a:avLst/>
@@ -5952,7 +5953,7 @@
         <p:spPr>
           <a:xfrm>
             <a:off x="659737" y="1351280"/>
-            <a:ext cx="7824526" cy="1488440"/>
+            <a:ext cx="7824526" cy="1488441"/>
           </a:xfrm>
           <a:prstGeom prst="rect">
             <a:avLst/>
@@ -6126,8 +6127,8 @@
         </p:nvSpPr>
         <p:spPr>
           <a:xfrm>
-            <a:off x="1999749" y="4323080"/>
-            <a:ext cx="5144503" cy="650240"/>
+            <a:off x="1999749" y="4323079"/>
+            <a:ext cx="5144503" cy="650241"/>
           </a:xfrm>
           <a:prstGeom prst="rect">
             <a:avLst/>
@@ -6646,8 +6647,8 @@
         </p:nvSpPr>
         <p:spPr>
           <a:xfrm>
-            <a:off x="253964" y="2811780"/>
-            <a:ext cx="9069882" cy="3164840"/>
+            <a:off x="253964" y="2811779"/>
+            <a:ext cx="9069882" cy="3164841"/>
           </a:xfrm>
           <a:prstGeom prst="rect">
             <a:avLst/>
@@ -6804,8 +6805,8 @@
         </p:nvSpPr>
         <p:spPr>
           <a:xfrm>
-            <a:off x="2431009" y="2418080"/>
-            <a:ext cx="3926382" cy="370840"/>
+            <a:off x="2431009" y="2418079"/>
+            <a:ext cx="3926382" cy="370841"/>
           </a:xfrm>
           <a:prstGeom prst="rect">
             <a:avLst/>
@@ -6839,8 +6840,8 @@
           <p:nvPr/>
         </p:nvGraphicFramePr>
         <p:xfrm>
-          <a:off x="2425699" y="2901950"/>
-          <a:ext cx="1270001" cy="2511475"/>
+          <a:off x="2425700" y="2901950"/>
+          <a:ext cx="1270000" cy="2511475"/>
         </p:xfrm>
         <a:graphic xmlns:a="http://schemas.openxmlformats.org/drawingml/2006/main">
           <a:graphicData uri="http://schemas.openxmlformats.org/drawingml/2006/table">
@@ -7378,8 +7379,8 @@
         </p:nvSpPr>
         <p:spPr>
           <a:xfrm>
-            <a:off x="1293299" y="1694180"/>
-            <a:ext cx="6557402" cy="650240"/>
+            <a:off x="1293299" y="1694179"/>
+            <a:ext cx="6557402" cy="650241"/>
           </a:xfrm>
           <a:prstGeom prst="rect">
             <a:avLst/>
@@ -7609,8 +7610,8 @@
         </p:nvSpPr>
         <p:spPr>
           <a:xfrm>
-            <a:off x="2150158" y="2506980"/>
-            <a:ext cx="4386484" cy="370840"/>
+            <a:off x="2150158" y="2506979"/>
+            <a:ext cx="4386484" cy="370841"/>
           </a:xfrm>
           <a:prstGeom prst="rect">
             <a:avLst/>
@@ -9124,7 +9125,7 @@
         <p:spPr>
           <a:xfrm>
             <a:off x="2522780" y="2360200"/>
-            <a:ext cx="4568789" cy="4307301"/>
+            <a:ext cx="4568789" cy="4307300"/>
           </a:xfrm>
           <a:prstGeom prst="rect">
             <a:avLst/>
@@ -9923,7 +9924,7 @@
       </p:grpSpPr>
       <p:sp>
         <p:nvSpPr>
-          <p:cNvPr id="220" name="Summary of the lecture"/>
+          <p:cNvPr id="220" name="References"/>
           <p:cNvSpPr txBox="1"/>
           <p:nvPr>
             <p:ph type="title"/>
@@ -9940,14 +9941,124 @@
           <a:p>
             <a:pPr/>
             <a:r>
-              <a:t>Summary of the lecture</a:t>
+              <a:t>References</a:t>
             </a:r>
           </a:p>
         </p:txBody>
       </p:sp>
       <p:sp>
         <p:nvSpPr>
-          <p:cNvPr id="221" name="We have started exploring a dataset with temporal and spatial information, resulting from complex processes (city travels).…"/>
+          <p:cNvPr id="221" name="Kaggle NYC Taxicab https://www.kaggle.com/kartikkannapur/nyc-taxi-trips-exploratory-data-analysis…"/>
+          <p:cNvSpPr txBox="1"/>
+          <p:nvPr>
+            <p:ph type="body" idx="1"/>
+          </p:nvPr>
+        </p:nvSpPr>
+        <p:spPr>
+          <a:prstGeom prst="rect">
+            <a:avLst/>
+          </a:prstGeom>
+        </p:spPr>
+        <p:txBody>
+          <a:bodyPr/>
+          <a:lstStyle/>
+          <a:p>
+            <a:pPr/>
+            <a:r>
+              <a:t>Kaggle NYC Taxicab</a:t>
+            </a:r>
+            <a:br/>
+            <a:r>
+              <a:rPr u="sng">
+                <a:solidFill>
+                  <a:srgbClr val="0000FF"/>
+                </a:solidFill>
+                <a:uFill>
+                  <a:solidFill>
+                    <a:srgbClr val="0000FF"/>
+                  </a:solidFill>
+                </a:uFill>
+                <a:hlinkClick r:id="rId2" invalidUrl="" action="" tgtFrame="" tooltip="" history="1" highlightClick="0" endSnd="0"/>
+              </a:rPr>
+              <a:t>https://www.kaggle.com/kartikkannapur/nyc-taxi-trips-exploratory-data-analysis</a:t>
+            </a:r>
+          </a:p>
+          <a:p>
+            <a:pPr/>
+            <a:r>
+              <a:t>NYC taxicab data on Github</a:t>
+            </a:r>
+            <a:br/>
+            <a:r>
+              <a:rPr u="sng">
+                <a:solidFill>
+                  <a:srgbClr val="0000FF"/>
+                </a:solidFill>
+                <a:uFill>
+                  <a:solidFill>
+                    <a:srgbClr val="0000FF"/>
+                  </a:solidFill>
+                </a:uFill>
+                <a:hlinkClick r:id="rId3" invalidUrl="" action="" tgtFrame="" tooltip="" history="1" highlightClick="0" endSnd="0"/>
+              </a:rPr>
+              <a:t>https://github.com/andresmh/nyctaxitrip</a:t>
+            </a:r>
+          </a:p>
+        </p:txBody>
+      </p:sp>
+    </p:spTree>
+  </p:cSld>
+  <p:clrMapOvr>
+    <a:masterClrMapping/>
+  </p:clrMapOvr>
+  <p:transition xmlns:p14="http://schemas.microsoft.com/office/powerpoint/2010/main" spd="med" advClick="1"/>
+</p:sld>
+</file>
+
+<file path=ppt/slides/slide29.xml><?xml version="1.0" encoding="utf-8"?>
+<p:sld xmlns:a="http://schemas.openxmlformats.org/drawingml/2006/main" xmlns:r="http://schemas.openxmlformats.org/officeDocument/2006/relationships" xmlns:p="http://schemas.openxmlformats.org/presentationml/2006/main" showMasterSp="1" showMasterPhAnim="1">
+  <p:cSld>
+    <p:spTree>
+      <p:nvGrpSpPr>
+        <p:cNvPr id="1" name=""/>
+        <p:cNvGrpSpPr/>
+        <p:nvPr/>
+      </p:nvGrpSpPr>
+      <p:grpSpPr>
+        <a:xfrm>
+          <a:off x="0" y="0"/>
+          <a:ext cx="0" cy="0"/>
+          <a:chOff x="0" y="0"/>
+          <a:chExt cx="0" cy="0"/>
+        </a:xfrm>
+      </p:grpSpPr>
+      <p:sp>
+        <p:nvSpPr>
+          <p:cNvPr id="223" name="Summary of the lecture"/>
+          <p:cNvSpPr txBox="1"/>
+          <p:nvPr>
+            <p:ph type="title"/>
+          </p:nvPr>
+        </p:nvSpPr>
+        <p:spPr>
+          <a:prstGeom prst="rect">
+            <a:avLst/>
+          </a:prstGeom>
+        </p:spPr>
+        <p:txBody>
+          <a:bodyPr/>
+          <a:lstStyle/>
+          <a:p>
+            <a:pPr/>
+            <a:r>
+              <a:t>Summary of the lecture</a:t>
+            </a:r>
+          </a:p>
+        </p:txBody>
+      </p:sp>
+      <p:sp>
+        <p:nvSpPr>
+          <p:cNvPr id="224" name="We have started exploring a dataset with temporal and spatial information, resulting from complex processes (city travels).…"/>
           <p:cNvSpPr txBox="1"/>
           <p:nvPr>
             <p:ph type="body" idx="1"/>

--- a/powerpoints/ITU Academy Slides AM4-10.pptx
+++ b/powerpoints/ITU Academy Slides AM4-10.pptx
@@ -10355,7 +10355,7 @@
       </p:grpSpPr>
       <p:sp>
         <p:nvSpPr>
-          <p:cNvPr id="135" name="Lecture 11: Geospatial Big Data"/>
+          <p:cNvPr id="135" name="Lecture 10: Geospatial Big Data"/>
           <p:cNvSpPr txBox="1"/>
           <p:nvPr>
             <p:ph type="title"/>
@@ -10372,7 +10372,7 @@
           <a:p>
             <a:pPr/>
             <a:r>
-              <a:t>Lecture 11: Geospatial Big Data</a:t>
+              <a:t>Lecture 10: Geospatial Big Data</a:t>
             </a:r>
           </a:p>
         </p:txBody>

--- a/powerpoints/ITU Academy Slides AM4-10.pptx
+++ b/powerpoints/ITU Academy Slides AM4-10.pptx
@@ -94,7 +94,7 @@
         <a:latin typeface="+mn-lt"/>
         <a:ea typeface="+mn-ea"/>
         <a:cs typeface="+mn-cs"/>
-        <a:sym typeface="Calibri"/>
+        <a:sym typeface="Arial"/>
       </a:defRPr>
     </a:lvl1pPr>
     <a:lvl2pPr marL="0" marR="0" indent="457200" algn="l" defTabSz="914400" rtl="0" fontAlgn="auto" latinLnBrk="0" hangingPunct="0">
@@ -124,7 +124,7 @@
         <a:latin typeface="+mn-lt"/>
         <a:ea typeface="+mn-ea"/>
         <a:cs typeface="+mn-cs"/>
-        <a:sym typeface="Calibri"/>
+        <a:sym typeface="Arial"/>
       </a:defRPr>
     </a:lvl2pPr>
     <a:lvl3pPr marL="0" marR="0" indent="914400" algn="l" defTabSz="914400" rtl="0" fontAlgn="auto" latinLnBrk="0" hangingPunct="0">
@@ -154,7 +154,7 @@
         <a:latin typeface="+mn-lt"/>
         <a:ea typeface="+mn-ea"/>
         <a:cs typeface="+mn-cs"/>
-        <a:sym typeface="Calibri"/>
+        <a:sym typeface="Arial"/>
       </a:defRPr>
     </a:lvl3pPr>
     <a:lvl4pPr marL="0" marR="0" indent="1371600" algn="l" defTabSz="914400" rtl="0" fontAlgn="auto" latinLnBrk="0" hangingPunct="0">
@@ -184,7 +184,7 @@
         <a:latin typeface="+mn-lt"/>
         <a:ea typeface="+mn-ea"/>
         <a:cs typeface="+mn-cs"/>
-        <a:sym typeface="Calibri"/>
+        <a:sym typeface="Arial"/>
       </a:defRPr>
     </a:lvl4pPr>
     <a:lvl5pPr marL="0" marR="0" indent="1828800" algn="l" defTabSz="914400" rtl="0" fontAlgn="auto" latinLnBrk="0" hangingPunct="0">
@@ -214,7 +214,7 @@
         <a:latin typeface="+mn-lt"/>
         <a:ea typeface="+mn-ea"/>
         <a:cs typeface="+mn-cs"/>
-        <a:sym typeface="Calibri"/>
+        <a:sym typeface="Arial"/>
       </a:defRPr>
     </a:lvl5pPr>
     <a:lvl6pPr marL="0" marR="0" indent="2286000" algn="l" defTabSz="914400" rtl="0" fontAlgn="auto" latinLnBrk="0" hangingPunct="0">
@@ -244,7 +244,7 @@
         <a:latin typeface="+mn-lt"/>
         <a:ea typeface="+mn-ea"/>
         <a:cs typeface="+mn-cs"/>
-        <a:sym typeface="Calibri"/>
+        <a:sym typeface="Arial"/>
       </a:defRPr>
     </a:lvl6pPr>
     <a:lvl7pPr marL="0" marR="0" indent="2743200" algn="l" defTabSz="914400" rtl="0" fontAlgn="auto" latinLnBrk="0" hangingPunct="0">
@@ -274,7 +274,7 @@
         <a:latin typeface="+mn-lt"/>
         <a:ea typeface="+mn-ea"/>
         <a:cs typeface="+mn-cs"/>
-        <a:sym typeface="Calibri"/>
+        <a:sym typeface="Arial"/>
       </a:defRPr>
     </a:lvl7pPr>
     <a:lvl8pPr marL="0" marR="0" indent="3200400" algn="l" defTabSz="914400" rtl="0" fontAlgn="auto" latinLnBrk="0" hangingPunct="0">
@@ -304,7 +304,7 @@
         <a:latin typeface="+mn-lt"/>
         <a:ea typeface="+mn-ea"/>
         <a:cs typeface="+mn-cs"/>
-        <a:sym typeface="Calibri"/>
+        <a:sym typeface="Arial"/>
       </a:defRPr>
     </a:lvl8pPr>
     <a:lvl9pPr marL="0" marR="0" indent="3657600" algn="l" defTabSz="914400" rtl="0" fontAlgn="auto" latinLnBrk="0" hangingPunct="0">
@@ -334,7 +334,7 @@
         <a:latin typeface="+mn-lt"/>
         <a:ea typeface="+mn-ea"/>
         <a:cs typeface="+mn-cs"/>
-        <a:sym typeface="Calibri"/>
+        <a:sym typeface="Arial"/>
       </a:defRPr>
     </a:lvl9pPr>
   </p:defaultTextStyle>
@@ -421,7 +421,7 @@
         <a:latin typeface="+mn-lt"/>
         <a:ea typeface="+mn-ea"/>
         <a:cs typeface="+mn-cs"/>
-        <a:sym typeface="Calibri"/>
+        <a:sym typeface="Arial"/>
       </a:defRPr>
     </a:lvl1pPr>
     <a:lvl2pPr indent="228600" latinLnBrk="0">
@@ -429,7 +429,7 @@
         <a:latin typeface="+mn-lt"/>
         <a:ea typeface="+mn-ea"/>
         <a:cs typeface="+mn-cs"/>
-        <a:sym typeface="Calibri"/>
+        <a:sym typeface="Arial"/>
       </a:defRPr>
     </a:lvl2pPr>
     <a:lvl3pPr indent="457200" latinLnBrk="0">
@@ -437,7 +437,7 @@
         <a:latin typeface="+mn-lt"/>
         <a:ea typeface="+mn-ea"/>
         <a:cs typeface="+mn-cs"/>
-        <a:sym typeface="Calibri"/>
+        <a:sym typeface="Arial"/>
       </a:defRPr>
     </a:lvl3pPr>
     <a:lvl4pPr indent="685800" latinLnBrk="0">
@@ -445,7 +445,7 @@
         <a:latin typeface="+mn-lt"/>
         <a:ea typeface="+mn-ea"/>
         <a:cs typeface="+mn-cs"/>
-        <a:sym typeface="Calibri"/>
+        <a:sym typeface="Arial"/>
       </a:defRPr>
     </a:lvl4pPr>
     <a:lvl5pPr indent="914400" latinLnBrk="0">
@@ -453,7 +453,7 @@
         <a:latin typeface="+mn-lt"/>
         <a:ea typeface="+mn-ea"/>
         <a:cs typeface="+mn-cs"/>
-        <a:sym typeface="Calibri"/>
+        <a:sym typeface="Arial"/>
       </a:defRPr>
     </a:lvl5pPr>
     <a:lvl6pPr indent="1143000" latinLnBrk="0">
@@ -461,7 +461,7 @@
         <a:latin typeface="+mn-lt"/>
         <a:ea typeface="+mn-ea"/>
         <a:cs typeface="+mn-cs"/>
-        <a:sym typeface="Calibri"/>
+        <a:sym typeface="Arial"/>
       </a:defRPr>
     </a:lvl6pPr>
     <a:lvl7pPr indent="1371600" latinLnBrk="0">
@@ -469,7 +469,7 @@
         <a:latin typeface="+mn-lt"/>
         <a:ea typeface="+mn-ea"/>
         <a:cs typeface="+mn-cs"/>
-        <a:sym typeface="Calibri"/>
+        <a:sym typeface="Arial"/>
       </a:defRPr>
     </a:lvl7pPr>
     <a:lvl8pPr indent="1600200" latinLnBrk="0">
@@ -477,7 +477,7 @@
         <a:latin typeface="+mn-lt"/>
         <a:ea typeface="+mn-ea"/>
         <a:cs typeface="+mn-cs"/>
-        <a:sym typeface="Calibri"/>
+        <a:sym typeface="Arial"/>
       </a:defRPr>
     </a:lvl8pPr>
     <a:lvl9pPr indent="1828800" latinLnBrk="0">
@@ -485,11 +485,1404 @@
         <a:latin typeface="+mn-lt"/>
         <a:ea typeface="+mn-ea"/>
         <a:cs typeface="+mn-cs"/>
-        <a:sym typeface="Calibri"/>
+        <a:sym typeface="Arial"/>
       </a:defRPr>
     </a:lvl9pPr>
   </p:notesStyle>
 </p:notesMaster>
+</file>
+
+<file path=ppt/notesSlides/notesSlide1.xml><?xml version="1.0" encoding="utf-8"?>
+<p:notes xmlns:a="http://schemas.openxmlformats.org/drawingml/2006/main" xmlns:r="http://schemas.openxmlformats.org/officeDocument/2006/relationships" xmlns:p="http://schemas.openxmlformats.org/presentationml/2006/main" showMasterSp="1" showMasterPhAnim="1">
+  <p:cSld>
+    <p:spTree>
+      <p:nvGrpSpPr>
+        <p:cNvPr id="1" name=""/>
+        <p:cNvGrpSpPr/>
+        <p:nvPr/>
+      </p:nvGrpSpPr>
+      <p:grpSpPr>
+        <a:xfrm>
+          <a:off x="0" y="0"/>
+          <a:ext cx="0" cy="0"/>
+          <a:chOff x="0" y="0"/>
+          <a:chExt cx="0" cy="0"/>
+        </a:xfrm>
+      </p:grpSpPr>
+      <p:sp>
+        <p:nvSpPr>
+          <p:cNvPr id="140" name="Shape 140"/>
+          <p:cNvSpPr/>
+          <p:nvPr>
+            <p:ph type="sldImg"/>
+          </p:nvPr>
+        </p:nvSpPr>
+        <p:spPr>
+          <a:prstGeom prst="rect">
+            <a:avLst/>
+          </a:prstGeom>
+        </p:spPr>
+        <p:txBody>
+          <a:bodyPr/>
+          <a:lstStyle/>
+          <a:p>
+            <a:pPr/>
+          </a:p>
+        </p:txBody>
+      </p:sp>
+      <p:sp>
+        <p:nvSpPr>
+          <p:cNvPr id="141" name="Shape 141"/>
+          <p:cNvSpPr/>
+          <p:nvPr>
+            <p:ph type="body" sz="quarter" idx="1"/>
+          </p:nvPr>
+        </p:nvSpPr>
+        <p:spPr>
+          <a:prstGeom prst="rect">
+            <a:avLst/>
+          </a:prstGeom>
+        </p:spPr>
+        <p:txBody>
+          <a:bodyPr/>
+          <a:lstStyle/>
+          <a:p>
+            <a:pPr/>
+            <a:r>
+              <a:t>Remind students to review the task using the textbook AAS.</a:t>
+            </a:r>
+          </a:p>
+          <a:p>
+            <a:pPr/>
+            <a:r>
+              <a:t>We use Python here, but they are encouraged to try running the Scala code from AAS.</a:t>
+            </a:r>
+          </a:p>
+        </p:txBody>
+      </p:sp>
+    </p:spTree>
+  </p:cSld>
+  <p:clrMapOvr>
+    <a:masterClrMapping/>
+  </p:clrMapOvr>
+</p:notes>
+</file>
+
+<file path=ppt/notesSlides/notesSlide10.xml><?xml version="1.0" encoding="utf-8"?>
+<p:notes xmlns:a="http://schemas.openxmlformats.org/drawingml/2006/main" xmlns:r="http://schemas.openxmlformats.org/officeDocument/2006/relationships" xmlns:p="http://schemas.openxmlformats.org/presentationml/2006/main" showMasterSp="1" showMasterPhAnim="1">
+  <p:cSld>
+    <p:spTree>
+      <p:nvGrpSpPr>
+        <p:cNvPr id="1" name=""/>
+        <p:cNvGrpSpPr/>
+        <p:nvPr/>
+      </p:nvGrpSpPr>
+      <p:grpSpPr>
+        <a:xfrm>
+          <a:off x="0" y="0"/>
+          <a:ext cx="0" cy="0"/>
+          <a:chOff x="0" y="0"/>
+          <a:chExt cx="0" cy="0"/>
+        </a:xfrm>
+      </p:grpSpPr>
+      <p:sp>
+        <p:nvSpPr>
+          <p:cNvPr id="192" name="Shape 192"/>
+          <p:cNvSpPr/>
+          <p:nvPr>
+            <p:ph type="sldImg"/>
+          </p:nvPr>
+        </p:nvSpPr>
+        <p:spPr>
+          <a:prstGeom prst="rect">
+            <a:avLst/>
+          </a:prstGeom>
+        </p:spPr>
+        <p:txBody>
+          <a:bodyPr/>
+          <a:lstStyle/>
+          <a:p>
+            <a:pPr/>
+          </a:p>
+        </p:txBody>
+      </p:sp>
+      <p:sp>
+        <p:nvSpPr>
+          <p:cNvPr id="193" name="Shape 193"/>
+          <p:cNvSpPr/>
+          <p:nvPr>
+            <p:ph type="body" sz="quarter" idx="1"/>
+          </p:nvPr>
+        </p:nvSpPr>
+        <p:spPr>
+          <a:prstGeom prst="rect">
+            <a:avLst/>
+          </a:prstGeom>
+        </p:spPr>
+        <p:txBody>
+          <a:bodyPr/>
+          <a:lstStyle/>
+          <a:p>
+            <a:pPr/>
+            <a:r>
+              <a:t>The rest of the lecture should be used as a preview of the interactive exercise.</a:t>
+            </a:r>
+          </a:p>
+          <a:p>
+            <a:pPr/>
+          </a:p>
+          <a:p>
+            <a:pPr/>
+            <a:r>
+              <a:t>2 hours: good choice? </a:t>
+            </a:r>
+          </a:p>
+        </p:txBody>
+      </p:sp>
+    </p:spTree>
+  </p:cSld>
+  <p:clrMapOvr>
+    <a:masterClrMapping/>
+  </p:clrMapOvr>
+</p:notes>
+</file>
+
+<file path=ppt/notesSlides/notesSlide11.xml><?xml version="1.0" encoding="utf-8"?>
+<p:notes xmlns:a="http://schemas.openxmlformats.org/drawingml/2006/main" xmlns:r="http://schemas.openxmlformats.org/officeDocument/2006/relationships" xmlns:p="http://schemas.openxmlformats.org/presentationml/2006/main" showMasterSp="1" showMasterPhAnim="1">
+  <p:cSld>
+    <p:spTree>
+      <p:nvGrpSpPr>
+        <p:cNvPr id="1" name=""/>
+        <p:cNvGrpSpPr/>
+        <p:nvPr/>
+      </p:nvGrpSpPr>
+      <p:grpSpPr>
+        <a:xfrm>
+          <a:off x="0" y="0"/>
+          <a:ext cx="0" cy="0"/>
+          <a:chOff x="0" y="0"/>
+          <a:chExt cx="0" cy="0"/>
+        </a:xfrm>
+      </p:grpSpPr>
+      <p:sp>
+        <p:nvSpPr>
+          <p:cNvPr id="198" name="Shape 198"/>
+          <p:cNvSpPr/>
+          <p:nvPr>
+            <p:ph type="sldImg"/>
+          </p:nvPr>
+        </p:nvSpPr>
+        <p:spPr>
+          <a:prstGeom prst="rect">
+            <a:avLst/>
+          </a:prstGeom>
+        </p:spPr>
+        <p:txBody>
+          <a:bodyPr/>
+          <a:lstStyle/>
+          <a:p>
+            <a:pPr/>
+          </a:p>
+        </p:txBody>
+      </p:sp>
+      <p:sp>
+        <p:nvSpPr>
+          <p:cNvPr id="199" name="Shape 199"/>
+          <p:cNvSpPr/>
+          <p:nvPr>
+            <p:ph type="body" sz="quarter" idx="1"/>
+          </p:nvPr>
+        </p:nvSpPr>
+        <p:spPr>
+          <a:prstGeom prst="rect">
+            <a:avLst/>
+          </a:prstGeom>
+        </p:spPr>
+        <p:txBody>
+          <a:bodyPr/>
+          <a:lstStyle/>
+          <a:p>
+            <a:pPr/>
+            <a:r>
+              <a:t>The rest of the lecture should be used as a preview of the interactive exercise.</a:t>
+            </a:r>
+          </a:p>
+          <a:p>
+            <a:pPr/>
+          </a:p>
+          <a:p>
+            <a:pPr/>
+            <a:r>
+              <a:t>What kind of statistical distribution this looks like?</a:t>
+            </a:r>
+          </a:p>
+        </p:txBody>
+      </p:sp>
+    </p:spTree>
+  </p:cSld>
+  <p:clrMapOvr>
+    <a:masterClrMapping/>
+  </p:clrMapOvr>
+</p:notes>
+</file>
+
+<file path=ppt/notesSlides/notesSlide12.xml><?xml version="1.0" encoding="utf-8"?>
+<p:notes xmlns:a="http://schemas.openxmlformats.org/drawingml/2006/main" xmlns:r="http://schemas.openxmlformats.org/officeDocument/2006/relationships" xmlns:p="http://schemas.openxmlformats.org/presentationml/2006/main" showMasterSp="1" showMasterPhAnim="1">
+  <p:cSld>
+    <p:spTree>
+      <p:nvGrpSpPr>
+        <p:cNvPr id="1" name=""/>
+        <p:cNvGrpSpPr/>
+        <p:nvPr/>
+      </p:nvGrpSpPr>
+      <p:grpSpPr>
+        <a:xfrm>
+          <a:off x="0" y="0"/>
+          <a:ext cx="0" cy="0"/>
+          <a:chOff x="0" y="0"/>
+          <a:chExt cx="0" cy="0"/>
+        </a:xfrm>
+      </p:grpSpPr>
+      <p:sp>
+        <p:nvSpPr>
+          <p:cNvPr id="204" name="Shape 204"/>
+          <p:cNvSpPr/>
+          <p:nvPr>
+            <p:ph type="sldImg"/>
+          </p:nvPr>
+        </p:nvSpPr>
+        <p:spPr>
+          <a:prstGeom prst="rect">
+            <a:avLst/>
+          </a:prstGeom>
+        </p:spPr>
+        <p:txBody>
+          <a:bodyPr/>
+          <a:lstStyle/>
+          <a:p>
+            <a:pPr/>
+          </a:p>
+        </p:txBody>
+      </p:sp>
+      <p:sp>
+        <p:nvSpPr>
+          <p:cNvPr id="205" name="Shape 205"/>
+          <p:cNvSpPr/>
+          <p:nvPr>
+            <p:ph type="body" sz="quarter" idx="1"/>
+          </p:nvPr>
+        </p:nvSpPr>
+        <p:spPr>
+          <a:prstGeom prst="rect">
+            <a:avLst/>
+          </a:prstGeom>
+        </p:spPr>
+        <p:txBody>
+          <a:bodyPr/>
+          <a:lstStyle/>
+          <a:p>
+            <a:pPr/>
+            <a:r>
+              <a:t>Compare with other geographical libraries.</a:t>
+            </a:r>
+          </a:p>
+          <a:p>
+            <a:pPr/>
+            <a:r>
+              <a:t>How about Google Maps API?</a:t>
+            </a:r>
+          </a:p>
+        </p:txBody>
+      </p:sp>
+    </p:spTree>
+  </p:cSld>
+  <p:clrMapOvr>
+    <a:masterClrMapping/>
+  </p:clrMapOvr>
+</p:notes>
+</file>
+
+<file path=ppt/notesSlides/notesSlide13.xml><?xml version="1.0" encoding="utf-8"?>
+<p:notes xmlns:a="http://schemas.openxmlformats.org/drawingml/2006/main" xmlns:r="http://schemas.openxmlformats.org/officeDocument/2006/relationships" xmlns:p="http://schemas.openxmlformats.org/presentationml/2006/main" showMasterSp="1" showMasterPhAnim="1">
+  <p:cSld>
+    <p:spTree>
+      <p:nvGrpSpPr>
+        <p:cNvPr id="1" name=""/>
+        <p:cNvGrpSpPr/>
+        <p:nvPr/>
+      </p:nvGrpSpPr>
+      <p:grpSpPr>
+        <a:xfrm>
+          <a:off x="0" y="0"/>
+          <a:ext cx="0" cy="0"/>
+          <a:chOff x="0" y="0"/>
+          <a:chExt cx="0" cy="0"/>
+        </a:xfrm>
+      </p:grpSpPr>
+      <p:sp>
+        <p:nvSpPr>
+          <p:cNvPr id="211" name="Shape 211"/>
+          <p:cNvSpPr/>
+          <p:nvPr>
+            <p:ph type="sldImg"/>
+          </p:nvPr>
+        </p:nvSpPr>
+        <p:spPr>
+          <a:prstGeom prst="rect">
+            <a:avLst/>
+          </a:prstGeom>
+        </p:spPr>
+        <p:txBody>
+          <a:bodyPr/>
+          <a:lstStyle/>
+          <a:p>
+            <a:pPr/>
+          </a:p>
+        </p:txBody>
+      </p:sp>
+      <p:sp>
+        <p:nvSpPr>
+          <p:cNvPr id="212" name="Shape 212"/>
+          <p:cNvSpPr/>
+          <p:nvPr>
+            <p:ph type="body" sz="quarter" idx="1"/>
+          </p:nvPr>
+        </p:nvSpPr>
+        <p:spPr>
+          <a:prstGeom prst="rect">
+            <a:avLst/>
+          </a:prstGeom>
+        </p:spPr>
+        <p:txBody>
+          <a:bodyPr/>
+          <a:lstStyle/>
+          <a:p>
+            <a:pPr/>
+            <a:r>
+              <a:t>The rest of the lecture should be used as a preview of the interactive exercise.</a:t>
+            </a:r>
+          </a:p>
+        </p:txBody>
+      </p:sp>
+    </p:spTree>
+  </p:cSld>
+  <p:clrMapOvr>
+    <a:masterClrMapping/>
+  </p:clrMapOvr>
+</p:notes>
+</file>
+
+<file path=ppt/notesSlides/notesSlide14.xml><?xml version="1.0" encoding="utf-8"?>
+<p:notes xmlns:a="http://schemas.openxmlformats.org/drawingml/2006/main" xmlns:r="http://schemas.openxmlformats.org/officeDocument/2006/relationships" xmlns:p="http://schemas.openxmlformats.org/presentationml/2006/main" showMasterSp="1" showMasterPhAnim="1">
+  <p:cSld>
+    <p:spTree>
+      <p:nvGrpSpPr>
+        <p:cNvPr id="1" name=""/>
+        <p:cNvGrpSpPr/>
+        <p:nvPr/>
+      </p:nvGrpSpPr>
+      <p:grpSpPr>
+        <a:xfrm>
+          <a:off x="0" y="0"/>
+          <a:ext cx="0" cy="0"/>
+          <a:chOff x="0" y="0"/>
+          <a:chExt cx="0" cy="0"/>
+        </a:xfrm>
+      </p:grpSpPr>
+      <p:sp>
+        <p:nvSpPr>
+          <p:cNvPr id="222" name="Shape 222"/>
+          <p:cNvSpPr/>
+          <p:nvPr>
+            <p:ph type="sldImg"/>
+          </p:nvPr>
+        </p:nvSpPr>
+        <p:spPr>
+          <a:prstGeom prst="rect">
+            <a:avLst/>
+          </a:prstGeom>
+        </p:spPr>
+        <p:txBody>
+          <a:bodyPr/>
+          <a:lstStyle/>
+          <a:p>
+            <a:pPr/>
+          </a:p>
+        </p:txBody>
+      </p:sp>
+      <p:sp>
+        <p:nvSpPr>
+          <p:cNvPr id="223" name="Shape 223"/>
+          <p:cNvSpPr/>
+          <p:nvPr>
+            <p:ph type="body" sz="quarter" idx="1"/>
+          </p:nvPr>
+        </p:nvSpPr>
+        <p:spPr>
+          <a:prstGeom prst="rect">
+            <a:avLst/>
+          </a:prstGeom>
+        </p:spPr>
+        <p:txBody>
+          <a:bodyPr/>
+          <a:lstStyle/>
+          <a:p>
+            <a:pPr/>
+            <a:r>
+              <a:t>Is a 100 miles trip realistic or not?</a:t>
+            </a:r>
+          </a:p>
+        </p:txBody>
+      </p:sp>
+    </p:spTree>
+  </p:cSld>
+  <p:clrMapOvr>
+    <a:masterClrMapping/>
+  </p:clrMapOvr>
+</p:notes>
+</file>
+
+<file path=ppt/notesSlides/notesSlide15.xml><?xml version="1.0" encoding="utf-8"?>
+<p:notes xmlns:a="http://schemas.openxmlformats.org/drawingml/2006/main" xmlns:r="http://schemas.openxmlformats.org/officeDocument/2006/relationships" xmlns:p="http://schemas.openxmlformats.org/presentationml/2006/main" showMasterSp="1" showMasterPhAnim="1">
+  <p:cSld>
+    <p:spTree>
+      <p:nvGrpSpPr>
+        <p:cNvPr id="1" name=""/>
+        <p:cNvGrpSpPr/>
+        <p:nvPr/>
+      </p:nvGrpSpPr>
+      <p:grpSpPr>
+        <a:xfrm>
+          <a:off x="0" y="0"/>
+          <a:ext cx="0" cy="0"/>
+          <a:chOff x="0" y="0"/>
+          <a:chExt cx="0" cy="0"/>
+        </a:xfrm>
+      </p:grpSpPr>
+      <p:sp>
+        <p:nvSpPr>
+          <p:cNvPr id="228" name="Shape 228"/>
+          <p:cNvSpPr/>
+          <p:nvPr>
+            <p:ph type="sldImg"/>
+          </p:nvPr>
+        </p:nvSpPr>
+        <p:spPr>
+          <a:prstGeom prst="rect">
+            <a:avLst/>
+          </a:prstGeom>
+        </p:spPr>
+        <p:txBody>
+          <a:bodyPr/>
+          <a:lstStyle/>
+          <a:p>
+            <a:pPr/>
+          </a:p>
+        </p:txBody>
+      </p:sp>
+      <p:sp>
+        <p:nvSpPr>
+          <p:cNvPr id="229" name="Shape 229"/>
+          <p:cNvSpPr/>
+          <p:nvPr>
+            <p:ph type="body" sz="quarter" idx="1"/>
+          </p:nvPr>
+        </p:nvSpPr>
+        <p:spPr>
+          <a:prstGeom prst="rect">
+            <a:avLst/>
+          </a:prstGeom>
+        </p:spPr>
+        <p:txBody>
+          <a:bodyPr/>
+          <a:lstStyle/>
+          <a:p>
+            <a:pPr/>
+            <a:r>
+              <a:t>Why is the distribution so scattered?</a:t>
+            </a:r>
+          </a:p>
+        </p:txBody>
+      </p:sp>
+    </p:spTree>
+  </p:cSld>
+  <p:clrMapOvr>
+    <a:masterClrMapping/>
+  </p:clrMapOvr>
+</p:notes>
+</file>
+
+<file path=ppt/notesSlides/notesSlide16.xml><?xml version="1.0" encoding="utf-8"?>
+<p:notes xmlns:a="http://schemas.openxmlformats.org/drawingml/2006/main" xmlns:r="http://schemas.openxmlformats.org/officeDocument/2006/relationships" xmlns:p="http://schemas.openxmlformats.org/presentationml/2006/main" showMasterSp="1" showMasterPhAnim="1">
+  <p:cSld>
+    <p:spTree>
+      <p:nvGrpSpPr>
+        <p:cNvPr id="1" name=""/>
+        <p:cNvGrpSpPr/>
+        <p:nvPr/>
+      </p:nvGrpSpPr>
+      <p:grpSpPr>
+        <a:xfrm>
+          <a:off x="0" y="0"/>
+          <a:ext cx="0" cy="0"/>
+          <a:chOff x="0" y="0"/>
+          <a:chExt cx="0" cy="0"/>
+        </a:xfrm>
+      </p:grpSpPr>
+      <p:sp>
+        <p:nvSpPr>
+          <p:cNvPr id="236" name="Shape 236"/>
+          <p:cNvSpPr/>
+          <p:nvPr>
+            <p:ph type="sldImg"/>
+          </p:nvPr>
+        </p:nvSpPr>
+        <p:spPr>
+          <a:prstGeom prst="rect">
+            <a:avLst/>
+          </a:prstGeom>
+        </p:spPr>
+        <p:txBody>
+          <a:bodyPr/>
+          <a:lstStyle/>
+          <a:p>
+            <a:pPr/>
+          </a:p>
+        </p:txBody>
+      </p:sp>
+      <p:sp>
+        <p:nvSpPr>
+          <p:cNvPr id="237" name="Shape 237"/>
+          <p:cNvSpPr/>
+          <p:nvPr>
+            <p:ph type="body" sz="quarter" idx="1"/>
+          </p:nvPr>
+        </p:nvSpPr>
+        <p:spPr>
+          <a:prstGeom prst="rect">
+            <a:avLst/>
+          </a:prstGeom>
+        </p:spPr>
+        <p:txBody>
+          <a:bodyPr/>
+          <a:lstStyle/>
+          <a:p>
+            <a:pPr/>
+            <a:r>
+              <a:t>From this point, the notebook is just one example; during the exercise the class should try to work out a better procedure!</a:t>
+            </a:r>
+          </a:p>
+        </p:txBody>
+      </p:sp>
+    </p:spTree>
+  </p:cSld>
+  <p:clrMapOvr>
+    <a:masterClrMapping/>
+  </p:clrMapOvr>
+</p:notes>
+</file>
+
+<file path=ppt/notesSlides/notesSlide17.xml><?xml version="1.0" encoding="utf-8"?>
+<p:notes xmlns:a="http://schemas.openxmlformats.org/drawingml/2006/main" xmlns:r="http://schemas.openxmlformats.org/officeDocument/2006/relationships" xmlns:p="http://schemas.openxmlformats.org/presentationml/2006/main" showMasterSp="1" showMasterPhAnim="1">
+  <p:cSld>
+    <p:spTree>
+      <p:nvGrpSpPr>
+        <p:cNvPr id="1" name=""/>
+        <p:cNvGrpSpPr/>
+        <p:nvPr/>
+      </p:nvGrpSpPr>
+      <p:grpSpPr>
+        <a:xfrm>
+          <a:off x="0" y="0"/>
+          <a:ext cx="0" cy="0"/>
+          <a:chOff x="0" y="0"/>
+          <a:chExt cx="0" cy="0"/>
+        </a:xfrm>
+      </p:grpSpPr>
+      <p:sp>
+        <p:nvSpPr>
+          <p:cNvPr id="241" name="Shape 241"/>
+          <p:cNvSpPr/>
+          <p:nvPr>
+            <p:ph type="sldImg"/>
+          </p:nvPr>
+        </p:nvSpPr>
+        <p:spPr>
+          <a:prstGeom prst="rect">
+            <a:avLst/>
+          </a:prstGeom>
+        </p:spPr>
+        <p:txBody>
+          <a:bodyPr/>
+          <a:lstStyle/>
+          <a:p>
+            <a:pPr/>
+          </a:p>
+        </p:txBody>
+      </p:sp>
+      <p:sp>
+        <p:nvSpPr>
+          <p:cNvPr id="242" name="Shape 242"/>
+          <p:cNvSpPr/>
+          <p:nvPr>
+            <p:ph type="body" sz="quarter" idx="1"/>
+          </p:nvPr>
+        </p:nvSpPr>
+        <p:spPr>
+          <a:prstGeom prst="rect">
+            <a:avLst/>
+          </a:prstGeom>
+        </p:spPr>
+        <p:txBody>
+          <a:bodyPr/>
+          <a:lstStyle/>
+          <a:p>
+            <a:pPr/>
+            <a:r>
+              <a:t>The rest of the lecture should be used as a preview of the interactive exercise.</a:t>
+            </a:r>
+          </a:p>
+        </p:txBody>
+      </p:sp>
+    </p:spTree>
+  </p:cSld>
+  <p:clrMapOvr>
+    <a:masterClrMapping/>
+  </p:clrMapOvr>
+</p:notes>
+</file>
+
+<file path=ppt/notesSlides/notesSlide18.xml><?xml version="1.0" encoding="utf-8"?>
+<p:notes xmlns:a="http://schemas.openxmlformats.org/drawingml/2006/main" xmlns:r="http://schemas.openxmlformats.org/officeDocument/2006/relationships" xmlns:p="http://schemas.openxmlformats.org/presentationml/2006/main" showMasterSp="1" showMasterPhAnim="1">
+  <p:cSld>
+    <p:spTree>
+      <p:nvGrpSpPr>
+        <p:cNvPr id="1" name=""/>
+        <p:cNvGrpSpPr/>
+        <p:nvPr/>
+      </p:nvGrpSpPr>
+      <p:grpSpPr>
+        <a:xfrm>
+          <a:off x="0" y="0"/>
+          <a:ext cx="0" cy="0"/>
+          <a:chOff x="0" y="0"/>
+          <a:chExt cx="0" cy="0"/>
+        </a:xfrm>
+      </p:grpSpPr>
+      <p:sp>
+        <p:nvSpPr>
+          <p:cNvPr id="246" name="Shape 246"/>
+          <p:cNvSpPr/>
+          <p:nvPr>
+            <p:ph type="sldImg"/>
+          </p:nvPr>
+        </p:nvSpPr>
+        <p:spPr>
+          <a:prstGeom prst="rect">
+            <a:avLst/>
+          </a:prstGeom>
+        </p:spPr>
+        <p:txBody>
+          <a:bodyPr/>
+          <a:lstStyle/>
+          <a:p>
+            <a:pPr/>
+          </a:p>
+        </p:txBody>
+      </p:sp>
+      <p:sp>
+        <p:nvSpPr>
+          <p:cNvPr id="247" name="Shape 247"/>
+          <p:cNvSpPr/>
+          <p:nvPr>
+            <p:ph type="body" sz="quarter" idx="1"/>
+          </p:nvPr>
+        </p:nvSpPr>
+        <p:spPr>
+          <a:prstGeom prst="rect">
+            <a:avLst/>
+          </a:prstGeom>
+        </p:spPr>
+        <p:txBody>
+          <a:bodyPr/>
+          <a:lstStyle/>
+          <a:p>
+            <a:pPr/>
+            <a:r>
+              <a:t>The rest of the lecture should be used as a preview of the interactive exercise.</a:t>
+            </a:r>
+          </a:p>
+        </p:txBody>
+      </p:sp>
+    </p:spTree>
+  </p:cSld>
+  <p:clrMapOvr>
+    <a:masterClrMapping/>
+  </p:clrMapOvr>
+</p:notes>
+</file>
+
+<file path=ppt/notesSlides/notesSlide19.xml><?xml version="1.0" encoding="utf-8"?>
+<p:notes xmlns:a="http://schemas.openxmlformats.org/drawingml/2006/main" xmlns:r="http://schemas.openxmlformats.org/officeDocument/2006/relationships" xmlns:p="http://schemas.openxmlformats.org/presentationml/2006/main" showMasterSp="1" showMasterPhAnim="1">
+  <p:cSld>
+    <p:spTree>
+      <p:nvGrpSpPr>
+        <p:cNvPr id="1" name=""/>
+        <p:cNvGrpSpPr/>
+        <p:nvPr/>
+      </p:nvGrpSpPr>
+      <p:grpSpPr>
+        <a:xfrm>
+          <a:off x="0" y="0"/>
+          <a:ext cx="0" cy="0"/>
+          <a:chOff x="0" y="0"/>
+          <a:chExt cx="0" cy="0"/>
+        </a:xfrm>
+      </p:grpSpPr>
+      <p:sp>
+        <p:nvSpPr>
+          <p:cNvPr id="252" name="Shape 252"/>
+          <p:cNvSpPr/>
+          <p:nvPr>
+            <p:ph type="sldImg"/>
+          </p:nvPr>
+        </p:nvSpPr>
+        <p:spPr>
+          <a:prstGeom prst="rect">
+            <a:avLst/>
+          </a:prstGeom>
+        </p:spPr>
+        <p:txBody>
+          <a:bodyPr/>
+          <a:lstStyle/>
+          <a:p>
+            <a:pPr/>
+          </a:p>
+        </p:txBody>
+      </p:sp>
+      <p:sp>
+        <p:nvSpPr>
+          <p:cNvPr id="253" name="Shape 253"/>
+          <p:cNvSpPr/>
+          <p:nvPr>
+            <p:ph type="body" sz="quarter" idx="1"/>
+          </p:nvPr>
+        </p:nvSpPr>
+        <p:spPr>
+          <a:prstGeom prst="rect">
+            <a:avLst/>
+          </a:prstGeom>
+        </p:spPr>
+        <p:txBody>
+          <a:bodyPr/>
+          <a:lstStyle/>
+          <a:p>
+            <a:pPr/>
+            <a:r>
+              <a:t>The rest of the lecture should be used as a preview of the interactive exercise.</a:t>
+            </a:r>
+          </a:p>
+          <a:p>
+            <a:pPr/>
+          </a:p>
+          <a:p>
+            <a:pPr/>
+            <a:r>
+              <a:t>Comment on the prediction quality. What is the effect of using only a small subset of the data?</a:t>
+            </a:r>
+          </a:p>
+        </p:txBody>
+      </p:sp>
+    </p:spTree>
+  </p:cSld>
+  <p:clrMapOvr>
+    <a:masterClrMapping/>
+  </p:clrMapOvr>
+</p:notes>
+</file>
+
+<file path=ppt/notesSlides/notesSlide2.xml><?xml version="1.0" encoding="utf-8"?>
+<p:notes xmlns:a="http://schemas.openxmlformats.org/drawingml/2006/main" xmlns:r="http://schemas.openxmlformats.org/officeDocument/2006/relationships" xmlns:p="http://schemas.openxmlformats.org/presentationml/2006/main" showMasterSp="1" showMasterPhAnim="1">
+  <p:cSld>
+    <p:spTree>
+      <p:nvGrpSpPr>
+        <p:cNvPr id="1" name=""/>
+        <p:cNvGrpSpPr/>
+        <p:nvPr/>
+      </p:nvGrpSpPr>
+      <p:grpSpPr>
+        <a:xfrm>
+          <a:off x="0" y="0"/>
+          <a:ext cx="0" cy="0"/>
+          <a:chOff x="0" y="0"/>
+          <a:chExt cx="0" cy="0"/>
+        </a:xfrm>
+      </p:grpSpPr>
+      <p:sp>
+        <p:nvSpPr>
+          <p:cNvPr id="146" name="Shape 146"/>
+          <p:cNvSpPr/>
+          <p:nvPr>
+            <p:ph type="sldImg"/>
+          </p:nvPr>
+        </p:nvSpPr>
+        <p:spPr>
+          <a:prstGeom prst="rect">
+            <a:avLst/>
+          </a:prstGeom>
+        </p:spPr>
+        <p:txBody>
+          <a:bodyPr/>
+          <a:lstStyle/>
+          <a:p>
+            <a:pPr/>
+          </a:p>
+        </p:txBody>
+      </p:sp>
+      <p:sp>
+        <p:nvSpPr>
+          <p:cNvPr id="147" name="Shape 147"/>
+          <p:cNvSpPr/>
+          <p:nvPr>
+            <p:ph type="body" sz="quarter" idx="1"/>
+          </p:nvPr>
+        </p:nvSpPr>
+        <p:spPr>
+          <a:prstGeom prst="rect">
+            <a:avLst/>
+          </a:prstGeom>
+        </p:spPr>
+        <p:txBody>
+          <a:bodyPr/>
+          <a:lstStyle/>
+          <a:p>
+            <a:pPr/>
+            <a:r>
+              <a:t>Remind students of the value of trying out the datasets and scripts on Kaggle.</a:t>
+            </a:r>
+          </a:p>
+          <a:p>
+            <a:pPr/>
+            <a:r>
+              <a:t>Each of them should try to find an example directly related to their interests.</a:t>
+            </a:r>
+          </a:p>
+        </p:txBody>
+      </p:sp>
+    </p:spTree>
+  </p:cSld>
+  <p:clrMapOvr>
+    <a:masterClrMapping/>
+  </p:clrMapOvr>
+</p:notes>
+</file>
+
+<file path=ppt/notesSlides/notesSlide3.xml><?xml version="1.0" encoding="utf-8"?>
+<p:notes xmlns:a="http://schemas.openxmlformats.org/drawingml/2006/main" xmlns:r="http://schemas.openxmlformats.org/officeDocument/2006/relationships" xmlns:p="http://schemas.openxmlformats.org/presentationml/2006/main" showMasterSp="1" showMasterPhAnim="1">
+  <p:cSld>
+    <p:spTree>
+      <p:nvGrpSpPr>
+        <p:cNvPr id="1" name=""/>
+        <p:cNvGrpSpPr/>
+        <p:nvPr/>
+      </p:nvGrpSpPr>
+      <p:grpSpPr>
+        <a:xfrm>
+          <a:off x="0" y="0"/>
+          <a:ext cx="0" cy="0"/>
+          <a:chOff x="0" y="0"/>
+          <a:chExt cx="0" cy="0"/>
+        </a:xfrm>
+      </p:grpSpPr>
+      <p:sp>
+        <p:nvSpPr>
+          <p:cNvPr id="151" name="Shape 151"/>
+          <p:cNvSpPr/>
+          <p:nvPr>
+            <p:ph type="sldImg"/>
+          </p:nvPr>
+        </p:nvSpPr>
+        <p:spPr>
+          <a:prstGeom prst="rect">
+            <a:avLst/>
+          </a:prstGeom>
+        </p:spPr>
+        <p:txBody>
+          <a:bodyPr/>
+          <a:lstStyle/>
+          <a:p>
+            <a:pPr/>
+          </a:p>
+        </p:txBody>
+      </p:sp>
+      <p:sp>
+        <p:nvSpPr>
+          <p:cNvPr id="152" name="Shape 152"/>
+          <p:cNvSpPr/>
+          <p:nvPr>
+            <p:ph type="body" sz="quarter" idx="1"/>
+          </p:nvPr>
+        </p:nvSpPr>
+        <p:spPr>
+          <a:prstGeom prst="rect">
+            <a:avLst/>
+          </a:prstGeom>
+        </p:spPr>
+        <p:txBody>
+          <a:bodyPr/>
+          <a:lstStyle/>
+          <a:p>
+            <a:pPr/>
+            <a:r>
+              <a:t>Discuss why trip duration might be different for similar distances</a:t>
+            </a:r>
+          </a:p>
+        </p:txBody>
+      </p:sp>
+    </p:spTree>
+  </p:cSld>
+  <p:clrMapOvr>
+    <a:masterClrMapping/>
+  </p:clrMapOvr>
+</p:notes>
+</file>
+
+<file path=ppt/notesSlides/notesSlide4.xml><?xml version="1.0" encoding="utf-8"?>
+<p:notes xmlns:a="http://schemas.openxmlformats.org/drawingml/2006/main" xmlns:r="http://schemas.openxmlformats.org/officeDocument/2006/relationships" xmlns:p="http://schemas.openxmlformats.org/presentationml/2006/main" showMasterSp="1" showMasterPhAnim="1">
+  <p:cSld>
+    <p:spTree>
+      <p:nvGrpSpPr>
+        <p:cNvPr id="1" name=""/>
+        <p:cNvGrpSpPr/>
+        <p:nvPr/>
+      </p:nvGrpSpPr>
+      <p:grpSpPr>
+        <a:xfrm>
+          <a:off x="0" y="0"/>
+          <a:ext cx="0" cy="0"/>
+          <a:chOff x="0" y="0"/>
+          <a:chExt cx="0" cy="0"/>
+        </a:xfrm>
+      </p:grpSpPr>
+      <p:sp>
+        <p:nvSpPr>
+          <p:cNvPr id="156" name="Shape 156"/>
+          <p:cNvSpPr/>
+          <p:nvPr>
+            <p:ph type="sldImg"/>
+          </p:nvPr>
+        </p:nvSpPr>
+        <p:spPr>
+          <a:prstGeom prst="rect">
+            <a:avLst/>
+          </a:prstGeom>
+        </p:spPr>
+        <p:txBody>
+          <a:bodyPr/>
+          <a:lstStyle/>
+          <a:p>
+            <a:pPr/>
+          </a:p>
+        </p:txBody>
+      </p:sp>
+      <p:sp>
+        <p:nvSpPr>
+          <p:cNvPr id="157" name="Shape 157"/>
+          <p:cNvSpPr/>
+          <p:nvPr>
+            <p:ph type="body" sz="quarter" idx="1"/>
+          </p:nvPr>
+        </p:nvSpPr>
+        <p:spPr>
+          <a:prstGeom prst="rect">
+            <a:avLst/>
+          </a:prstGeom>
+        </p:spPr>
+        <p:txBody>
+          <a:bodyPr/>
+          <a:lstStyle/>
+          <a:p>
+            <a:pPr/>
+            <a:r>
+              <a:t>We choose only a few data items; what others could be significant?</a:t>
+            </a:r>
+          </a:p>
+        </p:txBody>
+      </p:sp>
+    </p:spTree>
+  </p:cSld>
+  <p:clrMapOvr>
+    <a:masterClrMapping/>
+  </p:clrMapOvr>
+</p:notes>
+</file>
+
+<file path=ppt/notesSlides/notesSlide5.xml><?xml version="1.0" encoding="utf-8"?>
+<p:notes xmlns:a="http://schemas.openxmlformats.org/drawingml/2006/main" xmlns:r="http://schemas.openxmlformats.org/officeDocument/2006/relationships" xmlns:p="http://schemas.openxmlformats.org/presentationml/2006/main" showMasterSp="1" showMasterPhAnim="1">
+  <p:cSld>
+    <p:spTree>
+      <p:nvGrpSpPr>
+        <p:cNvPr id="1" name=""/>
+        <p:cNvGrpSpPr/>
+        <p:nvPr/>
+      </p:nvGrpSpPr>
+      <p:grpSpPr>
+        <a:xfrm>
+          <a:off x="0" y="0"/>
+          <a:ext cx="0" cy="0"/>
+          <a:chOff x="0" y="0"/>
+          <a:chExt cx="0" cy="0"/>
+        </a:xfrm>
+      </p:grpSpPr>
+      <p:sp>
+        <p:nvSpPr>
+          <p:cNvPr id="162" name="Shape 162"/>
+          <p:cNvSpPr/>
+          <p:nvPr>
+            <p:ph type="sldImg"/>
+          </p:nvPr>
+        </p:nvSpPr>
+        <p:spPr>
+          <a:prstGeom prst="rect">
+            <a:avLst/>
+          </a:prstGeom>
+        </p:spPr>
+        <p:txBody>
+          <a:bodyPr/>
+          <a:lstStyle/>
+          <a:p>
+            <a:pPr/>
+          </a:p>
+        </p:txBody>
+      </p:sp>
+      <p:sp>
+        <p:nvSpPr>
+          <p:cNvPr id="163" name="Shape 163"/>
+          <p:cNvSpPr/>
+          <p:nvPr>
+            <p:ph type="body" sz="quarter" idx="1"/>
+          </p:nvPr>
+        </p:nvSpPr>
+        <p:spPr>
+          <a:prstGeom prst="rect">
+            <a:avLst/>
+          </a:prstGeom>
+        </p:spPr>
+        <p:txBody>
+          <a:bodyPr/>
+          <a:lstStyle/>
+          <a:p>
+            <a:pPr/>
+            <a:r>
+              <a:t>The rest of the lecture should be used as a preview of the interactive exercise.</a:t>
+            </a:r>
+          </a:p>
+        </p:txBody>
+      </p:sp>
+    </p:spTree>
+  </p:cSld>
+  <p:clrMapOvr>
+    <a:masterClrMapping/>
+  </p:clrMapOvr>
+</p:notes>
+</file>
+
+<file path=ppt/notesSlides/notesSlide6.xml><?xml version="1.0" encoding="utf-8"?>
+<p:notes xmlns:a="http://schemas.openxmlformats.org/drawingml/2006/main" xmlns:r="http://schemas.openxmlformats.org/officeDocument/2006/relationships" xmlns:p="http://schemas.openxmlformats.org/presentationml/2006/main" showMasterSp="1" showMasterPhAnim="1">
+  <p:cSld>
+    <p:spTree>
+      <p:nvGrpSpPr>
+        <p:cNvPr id="1" name=""/>
+        <p:cNvGrpSpPr/>
+        <p:nvPr/>
+      </p:nvGrpSpPr>
+      <p:grpSpPr>
+        <a:xfrm>
+          <a:off x="0" y="0"/>
+          <a:ext cx="0" cy="0"/>
+          <a:chOff x="0" y="0"/>
+          <a:chExt cx="0" cy="0"/>
+        </a:xfrm>
+      </p:grpSpPr>
+      <p:sp>
+        <p:nvSpPr>
+          <p:cNvPr id="168" name="Shape 168"/>
+          <p:cNvSpPr/>
+          <p:nvPr>
+            <p:ph type="sldImg"/>
+          </p:nvPr>
+        </p:nvSpPr>
+        <p:spPr>
+          <a:prstGeom prst="rect">
+            <a:avLst/>
+          </a:prstGeom>
+        </p:spPr>
+        <p:txBody>
+          <a:bodyPr/>
+          <a:lstStyle/>
+          <a:p>
+            <a:pPr/>
+          </a:p>
+        </p:txBody>
+      </p:sp>
+      <p:sp>
+        <p:nvSpPr>
+          <p:cNvPr id="169" name="Shape 169"/>
+          <p:cNvSpPr/>
+          <p:nvPr>
+            <p:ph type="body" sz="quarter" idx="1"/>
+          </p:nvPr>
+        </p:nvSpPr>
+        <p:spPr>
+          <a:prstGeom prst="rect">
+            <a:avLst/>
+          </a:prstGeom>
+        </p:spPr>
+        <p:txBody>
+          <a:bodyPr/>
+          <a:lstStyle/>
+          <a:p>
+            <a:pPr/>
+            <a:r>
+              <a:t>The rest of the lecture should be used as a preview of the interactive exercise.</a:t>
+            </a:r>
+          </a:p>
+        </p:txBody>
+      </p:sp>
+    </p:spTree>
+  </p:cSld>
+  <p:clrMapOvr>
+    <a:masterClrMapping/>
+  </p:clrMapOvr>
+</p:notes>
+</file>
+
+<file path=ppt/notesSlides/notesSlide7.xml><?xml version="1.0" encoding="utf-8"?>
+<p:notes xmlns:a="http://schemas.openxmlformats.org/drawingml/2006/main" xmlns:r="http://schemas.openxmlformats.org/officeDocument/2006/relationships" xmlns:p="http://schemas.openxmlformats.org/presentationml/2006/main" showMasterSp="1" showMasterPhAnim="1">
+  <p:cSld>
+    <p:spTree>
+      <p:nvGrpSpPr>
+        <p:cNvPr id="1" name=""/>
+        <p:cNvGrpSpPr/>
+        <p:nvPr/>
+      </p:nvGrpSpPr>
+      <p:grpSpPr>
+        <a:xfrm>
+          <a:off x="0" y="0"/>
+          <a:ext cx="0" cy="0"/>
+          <a:chOff x="0" y="0"/>
+          <a:chExt cx="0" cy="0"/>
+        </a:xfrm>
+      </p:grpSpPr>
+      <p:sp>
+        <p:nvSpPr>
+          <p:cNvPr id="174" name="Shape 174"/>
+          <p:cNvSpPr/>
+          <p:nvPr>
+            <p:ph type="sldImg"/>
+          </p:nvPr>
+        </p:nvSpPr>
+        <p:spPr>
+          <a:prstGeom prst="rect">
+            <a:avLst/>
+          </a:prstGeom>
+        </p:spPr>
+        <p:txBody>
+          <a:bodyPr/>
+          <a:lstStyle/>
+          <a:p>
+            <a:pPr/>
+          </a:p>
+        </p:txBody>
+      </p:sp>
+      <p:sp>
+        <p:nvSpPr>
+          <p:cNvPr id="175" name="Shape 175"/>
+          <p:cNvSpPr/>
+          <p:nvPr>
+            <p:ph type="body" sz="quarter" idx="1"/>
+          </p:nvPr>
+        </p:nvSpPr>
+        <p:spPr>
+          <a:prstGeom prst="rect">
+            <a:avLst/>
+          </a:prstGeom>
+        </p:spPr>
+        <p:txBody>
+          <a:bodyPr/>
+          <a:lstStyle/>
+          <a:p>
+            <a:pPr/>
+            <a:r>
+              <a:t>The rest of the lecture should be used as a preview of the interactive exercise.</a:t>
+            </a:r>
+          </a:p>
+          <a:p>
+            <a:pPr/>
+          </a:p>
+          <a:p>
+            <a:pPr/>
+            <a:r>
+              <a:t>Call attention to the poor information content: almost everything is hidden, because of the outliers</a:t>
+            </a:r>
+          </a:p>
+        </p:txBody>
+      </p:sp>
+    </p:spTree>
+  </p:cSld>
+  <p:clrMapOvr>
+    <a:masterClrMapping/>
+  </p:clrMapOvr>
+</p:notes>
+</file>
+
+<file path=ppt/notesSlides/notesSlide8.xml><?xml version="1.0" encoding="utf-8"?>
+<p:notes xmlns:a="http://schemas.openxmlformats.org/drawingml/2006/main" xmlns:r="http://schemas.openxmlformats.org/officeDocument/2006/relationships" xmlns:p="http://schemas.openxmlformats.org/presentationml/2006/main" showMasterSp="1" showMasterPhAnim="1">
+  <p:cSld>
+    <p:spTree>
+      <p:nvGrpSpPr>
+        <p:cNvPr id="1" name=""/>
+        <p:cNvGrpSpPr/>
+        <p:nvPr/>
+      </p:nvGrpSpPr>
+      <p:grpSpPr>
+        <a:xfrm>
+          <a:off x="0" y="0"/>
+          <a:ext cx="0" cy="0"/>
+          <a:chOff x="0" y="0"/>
+          <a:chExt cx="0" cy="0"/>
+        </a:xfrm>
+      </p:grpSpPr>
+      <p:sp>
+        <p:nvSpPr>
+          <p:cNvPr id="180" name="Shape 180"/>
+          <p:cNvSpPr/>
+          <p:nvPr>
+            <p:ph type="sldImg"/>
+          </p:nvPr>
+        </p:nvSpPr>
+        <p:spPr>
+          <a:prstGeom prst="rect">
+            <a:avLst/>
+          </a:prstGeom>
+        </p:spPr>
+        <p:txBody>
+          <a:bodyPr/>
+          <a:lstStyle/>
+          <a:p>
+            <a:pPr/>
+          </a:p>
+        </p:txBody>
+      </p:sp>
+      <p:sp>
+        <p:nvSpPr>
+          <p:cNvPr id="181" name="Shape 181"/>
+          <p:cNvSpPr/>
+          <p:nvPr>
+            <p:ph type="body" sz="quarter" idx="1"/>
+          </p:nvPr>
+        </p:nvSpPr>
+        <p:spPr>
+          <a:prstGeom prst="rect">
+            <a:avLst/>
+          </a:prstGeom>
+        </p:spPr>
+        <p:txBody>
+          <a:bodyPr/>
+          <a:lstStyle/>
+          <a:p>
+            <a:pPr/>
+            <a:r>
+              <a:t>The rest of the lecture should be used as a preview of the interactive exercise.</a:t>
+            </a:r>
+          </a:p>
+        </p:txBody>
+      </p:sp>
+    </p:spTree>
+  </p:cSld>
+  <p:clrMapOvr>
+    <a:masterClrMapping/>
+  </p:clrMapOvr>
+</p:notes>
+</file>
+
+<file path=ppt/notesSlides/notesSlide9.xml><?xml version="1.0" encoding="utf-8"?>
+<p:notes xmlns:a="http://schemas.openxmlformats.org/drawingml/2006/main" xmlns:r="http://schemas.openxmlformats.org/officeDocument/2006/relationships" xmlns:p="http://schemas.openxmlformats.org/presentationml/2006/main" showMasterSp="1" showMasterPhAnim="1">
+  <p:cSld>
+    <p:spTree>
+      <p:nvGrpSpPr>
+        <p:cNvPr id="1" name=""/>
+        <p:cNvGrpSpPr/>
+        <p:nvPr/>
+      </p:nvGrpSpPr>
+      <p:grpSpPr>
+        <a:xfrm>
+          <a:off x="0" y="0"/>
+          <a:ext cx="0" cy="0"/>
+          <a:chOff x="0" y="0"/>
+          <a:chExt cx="0" cy="0"/>
+        </a:xfrm>
+      </p:grpSpPr>
+      <p:sp>
+        <p:nvSpPr>
+          <p:cNvPr id="186" name="Shape 186"/>
+          <p:cNvSpPr/>
+          <p:nvPr>
+            <p:ph type="sldImg"/>
+          </p:nvPr>
+        </p:nvSpPr>
+        <p:spPr>
+          <a:prstGeom prst="rect">
+            <a:avLst/>
+          </a:prstGeom>
+        </p:spPr>
+        <p:txBody>
+          <a:bodyPr/>
+          <a:lstStyle/>
+          <a:p>
+            <a:pPr/>
+          </a:p>
+        </p:txBody>
+      </p:sp>
+      <p:sp>
+        <p:nvSpPr>
+          <p:cNvPr id="187" name="Shape 187"/>
+          <p:cNvSpPr/>
+          <p:nvPr>
+            <p:ph type="body" sz="quarter" idx="1"/>
+          </p:nvPr>
+        </p:nvSpPr>
+        <p:spPr>
+          <a:prstGeom prst="rect">
+            <a:avLst/>
+          </a:prstGeom>
+        </p:spPr>
+        <p:txBody>
+          <a:bodyPr/>
+          <a:lstStyle/>
+          <a:p>
+            <a:pPr/>
+            <a:r>
+              <a:t>The rest of the lecture should be used as a preview of the interactive exercise.</a:t>
+            </a:r>
+          </a:p>
+          <a:p>
+            <a:pPr/>
+          </a:p>
+          <a:p>
+            <a:pPr/>
+            <a:r>
+              <a:t>Still poor info…</a:t>
+            </a:r>
+          </a:p>
+        </p:txBody>
+      </p:sp>
+    </p:spTree>
+  </p:cSld>
+  <p:clrMapOvr>
+    <a:masterClrMapping/>
+  </p:clrMapOvr>
+</p:notes>
 </file>
 
 <file path=ppt/slideLayouts/slideLayout1.xml><?xml version="1.0" encoding="utf-8"?>
@@ -2466,8 +3859,8 @@
         </p:nvSpPr>
         <p:spPr>
           <a:xfrm>
-            <a:off x="8428176" y="6404292"/>
-            <a:ext cx="258624" cy="269241"/>
+            <a:off x="8413144" y="6406785"/>
+            <a:ext cx="273657" cy="264255"/>
           </a:xfrm>
           <a:prstGeom prst="rect">
             <a:avLst/>
@@ -2541,7 +3934,7 @@
           <a:latin typeface="+mn-lt"/>
           <a:ea typeface="+mn-ea"/>
           <a:cs typeface="+mn-cs"/>
-          <a:sym typeface="Calibri"/>
+          <a:sym typeface="Arial"/>
         </a:defRPr>
       </a:lvl1pPr>
       <a:lvl2pPr marL="0" marR="0" indent="0" algn="ctr" defTabSz="914400" rtl="0" latinLnBrk="0">
@@ -2570,7 +3963,7 @@
           <a:latin typeface="+mn-lt"/>
           <a:ea typeface="+mn-ea"/>
           <a:cs typeface="+mn-cs"/>
-          <a:sym typeface="Calibri"/>
+          <a:sym typeface="Arial"/>
         </a:defRPr>
       </a:lvl2pPr>
       <a:lvl3pPr marL="0" marR="0" indent="0" algn="ctr" defTabSz="914400" rtl="0" latinLnBrk="0">
@@ -2599,7 +3992,7 @@
           <a:latin typeface="+mn-lt"/>
           <a:ea typeface="+mn-ea"/>
           <a:cs typeface="+mn-cs"/>
-          <a:sym typeface="Calibri"/>
+          <a:sym typeface="Arial"/>
         </a:defRPr>
       </a:lvl3pPr>
       <a:lvl4pPr marL="0" marR="0" indent="0" algn="ctr" defTabSz="914400" rtl="0" latinLnBrk="0">
@@ -2628,7 +4021,7 @@
           <a:latin typeface="+mn-lt"/>
           <a:ea typeface="+mn-ea"/>
           <a:cs typeface="+mn-cs"/>
-          <a:sym typeface="Calibri"/>
+          <a:sym typeface="Arial"/>
         </a:defRPr>
       </a:lvl4pPr>
       <a:lvl5pPr marL="0" marR="0" indent="0" algn="ctr" defTabSz="914400" rtl="0" latinLnBrk="0">
@@ -2657,7 +4050,7 @@
           <a:latin typeface="+mn-lt"/>
           <a:ea typeface="+mn-ea"/>
           <a:cs typeface="+mn-cs"/>
-          <a:sym typeface="Calibri"/>
+          <a:sym typeface="Arial"/>
         </a:defRPr>
       </a:lvl5pPr>
       <a:lvl6pPr marL="0" marR="0" indent="0" algn="ctr" defTabSz="914400" rtl="0" latinLnBrk="0">
@@ -2686,7 +4079,7 @@
           <a:latin typeface="+mn-lt"/>
           <a:ea typeface="+mn-ea"/>
           <a:cs typeface="+mn-cs"/>
-          <a:sym typeface="Calibri"/>
+          <a:sym typeface="Arial"/>
         </a:defRPr>
       </a:lvl6pPr>
       <a:lvl7pPr marL="0" marR="0" indent="0" algn="ctr" defTabSz="914400" rtl="0" latinLnBrk="0">
@@ -2715,7 +4108,7 @@
           <a:latin typeface="+mn-lt"/>
           <a:ea typeface="+mn-ea"/>
           <a:cs typeface="+mn-cs"/>
-          <a:sym typeface="Calibri"/>
+          <a:sym typeface="Arial"/>
         </a:defRPr>
       </a:lvl7pPr>
       <a:lvl8pPr marL="0" marR="0" indent="0" algn="ctr" defTabSz="914400" rtl="0" latinLnBrk="0">
@@ -2744,7 +4137,7 @@
           <a:latin typeface="+mn-lt"/>
           <a:ea typeface="+mn-ea"/>
           <a:cs typeface="+mn-cs"/>
-          <a:sym typeface="Calibri"/>
+          <a:sym typeface="Arial"/>
         </a:defRPr>
       </a:lvl8pPr>
       <a:lvl9pPr marL="0" marR="0" indent="0" algn="ctr" defTabSz="914400" rtl="0" latinLnBrk="0">
@@ -2773,7 +4166,7 @@
           <a:latin typeface="+mn-lt"/>
           <a:ea typeface="+mn-ea"/>
           <a:cs typeface="+mn-cs"/>
-          <a:sym typeface="Calibri"/>
+          <a:sym typeface="Arial"/>
         </a:defRPr>
       </a:lvl9pPr>
     </p:titleStyle>
@@ -2804,7 +4197,7 @@
           <a:latin typeface="+mn-lt"/>
           <a:ea typeface="+mn-ea"/>
           <a:cs typeface="+mn-cs"/>
-          <a:sym typeface="Calibri"/>
+          <a:sym typeface="Arial"/>
         </a:defRPr>
       </a:lvl1pPr>
       <a:lvl2pPr marL="783771" marR="0" indent="-326571" algn="l" defTabSz="914400" rtl="0" latinLnBrk="0">
@@ -2833,7 +4226,7 @@
           <a:latin typeface="+mn-lt"/>
           <a:ea typeface="+mn-ea"/>
           <a:cs typeface="+mn-cs"/>
-          <a:sym typeface="Calibri"/>
+          <a:sym typeface="Arial"/>
         </a:defRPr>
       </a:lvl2pPr>
       <a:lvl3pPr marL="1219200" marR="0" indent="-304800" algn="l" defTabSz="914400" rtl="0" latinLnBrk="0">
@@ -2862,7 +4255,7 @@
           <a:latin typeface="+mn-lt"/>
           <a:ea typeface="+mn-ea"/>
           <a:cs typeface="+mn-cs"/>
-          <a:sym typeface="Calibri"/>
+          <a:sym typeface="Arial"/>
         </a:defRPr>
       </a:lvl3pPr>
       <a:lvl4pPr marL="1737360" marR="0" indent="-365760" algn="l" defTabSz="914400" rtl="0" latinLnBrk="0">
@@ -2891,7 +4284,7 @@
           <a:latin typeface="+mn-lt"/>
           <a:ea typeface="+mn-ea"/>
           <a:cs typeface="+mn-cs"/>
-          <a:sym typeface="Calibri"/>
+          <a:sym typeface="Arial"/>
         </a:defRPr>
       </a:lvl4pPr>
       <a:lvl5pPr marL="2194560" marR="0" indent="-365760" algn="l" defTabSz="914400" rtl="0" latinLnBrk="0">
@@ -2920,7 +4313,7 @@
           <a:latin typeface="+mn-lt"/>
           <a:ea typeface="+mn-ea"/>
           <a:cs typeface="+mn-cs"/>
-          <a:sym typeface="Calibri"/>
+          <a:sym typeface="Arial"/>
         </a:defRPr>
       </a:lvl5pPr>
       <a:lvl6pPr marL="2651760" marR="0" indent="-365760" algn="l" defTabSz="914400" rtl="0" latinLnBrk="0">
@@ -2949,7 +4342,7 @@
           <a:latin typeface="+mn-lt"/>
           <a:ea typeface="+mn-ea"/>
           <a:cs typeface="+mn-cs"/>
-          <a:sym typeface="Calibri"/>
+          <a:sym typeface="Arial"/>
         </a:defRPr>
       </a:lvl6pPr>
       <a:lvl7pPr marL="3108960" marR="0" indent="-365760" algn="l" defTabSz="914400" rtl="0" latinLnBrk="0">
@@ -2978,7 +4371,7 @@
           <a:latin typeface="+mn-lt"/>
           <a:ea typeface="+mn-ea"/>
           <a:cs typeface="+mn-cs"/>
-          <a:sym typeface="Calibri"/>
+          <a:sym typeface="Arial"/>
         </a:defRPr>
       </a:lvl7pPr>
       <a:lvl8pPr marL="3566159" marR="0" indent="-365759" algn="l" defTabSz="914400" rtl="0" latinLnBrk="0">
@@ -3007,7 +4400,7 @@
           <a:latin typeface="+mn-lt"/>
           <a:ea typeface="+mn-ea"/>
           <a:cs typeface="+mn-cs"/>
-          <a:sym typeface="Calibri"/>
+          <a:sym typeface="Arial"/>
         </a:defRPr>
       </a:lvl8pPr>
       <a:lvl9pPr marL="4023359" marR="0" indent="-365759" algn="l" defTabSz="914400" rtl="0" latinLnBrk="0">
@@ -3036,7 +4429,7 @@
           <a:latin typeface="+mn-lt"/>
           <a:ea typeface="+mn-ea"/>
           <a:cs typeface="+mn-cs"/>
-          <a:sym typeface="Calibri"/>
+          <a:sym typeface="Arial"/>
         </a:defRPr>
       </a:lvl9pPr>
     </p:bodyStyle>
@@ -3067,7 +4460,7 @@
           <a:latin typeface="+mn-lt"/>
           <a:ea typeface="+mn-ea"/>
           <a:cs typeface="+mn-cs"/>
-          <a:sym typeface="Calibri"/>
+          <a:sym typeface="Arial"/>
         </a:defRPr>
       </a:lvl1pPr>
       <a:lvl2pPr marL="0" marR="0" indent="457200" algn="r" defTabSz="914400" rtl="0" latinLnBrk="0">
@@ -3096,7 +4489,7 @@
           <a:latin typeface="+mn-lt"/>
           <a:ea typeface="+mn-ea"/>
           <a:cs typeface="+mn-cs"/>
-          <a:sym typeface="Calibri"/>
+          <a:sym typeface="Arial"/>
         </a:defRPr>
       </a:lvl2pPr>
       <a:lvl3pPr marL="0" marR="0" indent="914400" algn="r" defTabSz="914400" rtl="0" latinLnBrk="0">
@@ -3125,7 +4518,7 @@
           <a:latin typeface="+mn-lt"/>
           <a:ea typeface="+mn-ea"/>
           <a:cs typeface="+mn-cs"/>
-          <a:sym typeface="Calibri"/>
+          <a:sym typeface="Arial"/>
         </a:defRPr>
       </a:lvl3pPr>
       <a:lvl4pPr marL="0" marR="0" indent="1371600" algn="r" defTabSz="914400" rtl="0" latinLnBrk="0">
@@ -3154,7 +4547,7 @@
           <a:latin typeface="+mn-lt"/>
           <a:ea typeface="+mn-ea"/>
           <a:cs typeface="+mn-cs"/>
-          <a:sym typeface="Calibri"/>
+          <a:sym typeface="Arial"/>
         </a:defRPr>
       </a:lvl4pPr>
       <a:lvl5pPr marL="0" marR="0" indent="1828800" algn="r" defTabSz="914400" rtl="0" latinLnBrk="0">
@@ -3183,7 +4576,7 @@
           <a:latin typeface="+mn-lt"/>
           <a:ea typeface="+mn-ea"/>
           <a:cs typeface="+mn-cs"/>
-          <a:sym typeface="Calibri"/>
+          <a:sym typeface="Arial"/>
         </a:defRPr>
       </a:lvl5pPr>
       <a:lvl6pPr marL="0" marR="0" indent="2286000" algn="r" defTabSz="914400" rtl="0" latinLnBrk="0">
@@ -3212,7 +4605,7 @@
           <a:latin typeface="+mn-lt"/>
           <a:ea typeface="+mn-ea"/>
           <a:cs typeface="+mn-cs"/>
-          <a:sym typeface="Calibri"/>
+          <a:sym typeface="Arial"/>
         </a:defRPr>
       </a:lvl6pPr>
       <a:lvl7pPr marL="0" marR="0" indent="2743200" algn="r" defTabSz="914400" rtl="0" latinLnBrk="0">
@@ -3241,7 +4634,7 @@
           <a:latin typeface="+mn-lt"/>
           <a:ea typeface="+mn-ea"/>
           <a:cs typeface="+mn-cs"/>
-          <a:sym typeface="Calibri"/>
+          <a:sym typeface="Arial"/>
         </a:defRPr>
       </a:lvl7pPr>
       <a:lvl8pPr marL="0" marR="0" indent="3200400" algn="r" defTabSz="914400" rtl="0" latinLnBrk="0">
@@ -3270,7 +4663,7 @@
           <a:latin typeface="+mn-lt"/>
           <a:ea typeface="+mn-ea"/>
           <a:cs typeface="+mn-cs"/>
-          <a:sym typeface="Calibri"/>
+          <a:sym typeface="Arial"/>
         </a:defRPr>
       </a:lvl8pPr>
       <a:lvl9pPr marL="0" marR="0" indent="3657600" algn="r" defTabSz="914400" rtl="0" latinLnBrk="0">
@@ -3299,7 +4692,7 @@
           <a:latin typeface="+mn-lt"/>
           <a:ea typeface="+mn-ea"/>
           <a:cs typeface="+mn-cs"/>
-          <a:sym typeface="Calibri"/>
+          <a:sym typeface="Arial"/>
         </a:defRPr>
       </a:lvl9pPr>
     </p:otherStyle>
@@ -3356,12 +4749,7 @@
           <a:bodyPr/>
           <a:lstStyle>
             <a:lvl1pPr defTabSz="493776">
-              <a:defRPr sz="3240">
-                <a:latin typeface="BankGothic Lt BT"/>
-                <a:ea typeface="BankGothic Lt BT"/>
-                <a:cs typeface="BankGothic Lt BT"/>
-                <a:sym typeface="BankGothic Lt BT"/>
-              </a:defRPr>
+              <a:defRPr sz="3240"/>
             </a:lvl1pPr>
           </a:lstStyle>
           <a:p>
@@ -3400,7 +4788,7 @@
       </p:grpSpPr>
       <p:sp>
         <p:nvSpPr>
-          <p:cNvPr id="151" name="Read in and take a look"/>
+          <p:cNvPr id="159" name="Read in and take a look"/>
           <p:cNvSpPr txBox="1"/>
           <p:nvPr>
             <p:ph type="title"/>
@@ -3424,14 +4812,14 @@
       </p:sp>
       <p:sp>
         <p:nvSpPr>
-          <p:cNvPr id="152" name="# #Train and Test Datasets…"/>
+          <p:cNvPr id="160" name="# #Train and Test Datasets…"/>
           <p:cNvSpPr txBox="1"/>
           <p:nvPr/>
         </p:nvSpPr>
         <p:spPr>
           <a:xfrm>
             <a:off x="1842443" y="1516380"/>
-            <a:ext cx="4342357" cy="1488441"/>
+            <a:ext cx="4342357" cy="1417462"/>
           </a:xfrm>
           <a:prstGeom prst="rect">
             <a:avLst/>
@@ -3481,7 +4869,7 @@
       </p:sp>
       <p:graphicFrame>
         <p:nvGraphicFramePr>
-          <p:cNvPr id="153" name="Table 1"/>
+          <p:cNvPr id="161" name="Table 1"/>
           <p:cNvGraphicFramePr/>
           <p:nvPr/>
         </p:nvGraphicFramePr>
@@ -3500,7 +4888,7 @@
                 <a:gridCol w="2951063"/>
                 <a:gridCol w="12157869"/>
               </a:tblGrid>
-              <a:tr h="279400">
+              <a:tr h="259221">
                 <a:tc gridSpan="3">
                   <a:txBody>
                     <a:bodyPr/>
@@ -4174,7 +5562,7 @@
       </p:grpSpPr>
       <p:sp>
         <p:nvSpPr>
-          <p:cNvPr id="155" name="Check statistics"/>
+          <p:cNvPr id="165" name="Check statistics"/>
           <p:cNvSpPr txBox="1"/>
           <p:nvPr>
             <p:ph type="title"/>
@@ -4198,14 +5586,14 @@
       </p:sp>
       <p:sp>
         <p:nvSpPr>
-          <p:cNvPr id="156" name="df_train.describe()"/>
+          <p:cNvPr id="166" name="df_train.describe()"/>
           <p:cNvSpPr txBox="1"/>
           <p:nvPr/>
         </p:nvSpPr>
         <p:spPr>
           <a:xfrm>
             <a:off x="3279112" y="1770379"/>
-            <a:ext cx="1823776" cy="370841"/>
+            <a:ext cx="1946447" cy="350663"/>
           </a:xfrm>
           <a:prstGeom prst="rect">
             <a:avLst/>
@@ -4234,7 +5622,7 @@
       </p:sp>
       <p:graphicFrame>
         <p:nvGraphicFramePr>
-          <p:cNvPr id="157" name="Table 1"/>
+          <p:cNvPr id="167" name="Table 1"/>
           <p:cNvGraphicFramePr/>
           <p:nvPr/>
         </p:nvGraphicFramePr>
@@ -4258,7 +5646,7 @@
                 <a:gridCol w="1638300"/>
                 <a:gridCol w="1397000"/>
               </a:tblGrid>
-              <a:tr h="279400">
+              <a:tr h="259221">
                 <a:tc gridSpan="8">
                   <a:txBody>
                     <a:bodyPr/>
@@ -5922,7 +7310,7 @@
       </p:grpSpPr>
       <p:sp>
         <p:nvSpPr>
-          <p:cNvPr id="159" name="Distribution of the trip_duration"/>
+          <p:cNvPr id="171" name="Distribution of the trip_duration"/>
           <p:cNvSpPr txBox="1"/>
           <p:nvPr>
             <p:ph type="title"/>
@@ -5946,14 +7334,14 @@
       </p:sp>
       <p:sp>
         <p:nvSpPr>
-          <p:cNvPr id="160" name="plt.figure(figsize=(10,10))…"/>
+          <p:cNvPr id="172" name="plt.figure(figsize=(10,10))…"/>
           <p:cNvSpPr txBox="1"/>
           <p:nvPr/>
         </p:nvSpPr>
         <p:spPr>
           <a:xfrm>
             <a:off x="659737" y="1351280"/>
-            <a:ext cx="7824526" cy="1488441"/>
+            <a:ext cx="8128470" cy="1417462"/>
           </a:xfrm>
           <a:prstGeom prst="rect">
             <a:avLst/>
@@ -6006,14 +7394,14 @@
       </p:sp>
       <p:pic>
         <p:nvPicPr>
-          <p:cNvPr id="161" name="Image" descr="Image"/>
+          <p:cNvPr id="173" name="Image" descr="Image"/>
           <p:cNvPicPr>
             <a:picLocks noChangeAspect="1"/>
           </p:cNvPicPr>
           <p:nvPr/>
         </p:nvPicPr>
         <p:blipFill>
-          <a:blip r:embed="rId2">
+          <a:blip r:embed="rId3">
             <a:extLst/>
           </a:blip>
           <a:stretch>
@@ -6061,7 +7449,7 @@
       </p:grpSpPr>
       <p:sp>
         <p:nvSpPr>
-          <p:cNvPr id="163" name="Data cleanup"/>
+          <p:cNvPr id="177" name="Data cleanup"/>
           <p:cNvSpPr txBox="1"/>
           <p:nvPr>
             <p:ph type="title"/>
@@ -6085,7 +7473,7 @@
       </p:sp>
       <p:sp>
         <p:nvSpPr>
-          <p:cNvPr id="164" name="The trip duration data has extreme outliers…"/>
+          <p:cNvPr id="178" name="The trip duration data has extreme outliers…"/>
           <p:cNvSpPr txBox="1"/>
           <p:nvPr>
             <p:ph type="body" idx="1"/>
@@ -6121,14 +7509,14 @@
       </p:sp>
       <p:sp>
         <p:nvSpPr>
-          <p:cNvPr id="165" name="# #Removing the outliers in the dataset…"/>
+          <p:cNvPr id="179" name="# #Removing the outliers in the dataset…"/>
           <p:cNvSpPr txBox="1"/>
           <p:nvPr/>
         </p:nvSpPr>
         <p:spPr>
           <a:xfrm>
             <a:off x="1999749" y="4323079"/>
-            <a:ext cx="5144503" cy="650241"/>
+            <a:ext cx="5362610" cy="617363"/>
           </a:xfrm>
           <a:prstGeom prst="rect">
             <a:avLst/>
@@ -6189,7 +7577,7 @@
       </p:grpSpPr>
       <p:sp>
         <p:nvSpPr>
-          <p:cNvPr id="167" name="Distribution of the trip_duration"/>
+          <p:cNvPr id="183" name="Distribution of the trip_duration"/>
           <p:cNvSpPr txBox="1"/>
           <p:nvPr>
             <p:ph type="title"/>
@@ -6213,14 +7601,14 @@
       </p:sp>
       <p:sp>
         <p:nvSpPr>
-          <p:cNvPr id="168" name="plt.figure(figsize=(10,10))…"/>
+          <p:cNvPr id="184" name="plt.figure(figsize=(10,10))…"/>
           <p:cNvSpPr txBox="1"/>
           <p:nvPr/>
         </p:nvSpPr>
         <p:spPr>
           <a:xfrm>
             <a:off x="659737" y="1351280"/>
-            <a:ext cx="7824526" cy="1488441"/>
+            <a:ext cx="8128470" cy="1417462"/>
           </a:xfrm>
           <a:prstGeom prst="rect">
             <a:avLst/>
@@ -6273,14 +7661,14 @@
       </p:sp>
       <p:pic>
         <p:nvPicPr>
-          <p:cNvPr id="169" name="Image" descr="Image"/>
+          <p:cNvPr id="185" name="Image" descr="Image"/>
           <p:cNvPicPr>
             <a:picLocks noChangeAspect="1"/>
           </p:cNvPicPr>
           <p:nvPr/>
         </p:nvPicPr>
         <p:blipFill>
-          <a:blip r:embed="rId2">
+          <a:blip r:embed="rId3">
             <a:extLst/>
           </a:blip>
           <a:stretch>
@@ -6328,7 +7716,7 @@
       </p:grpSpPr>
       <p:sp>
         <p:nvSpPr>
-          <p:cNvPr id="171" name="Data cleanup 2"/>
+          <p:cNvPr id="189" name="Data cleanup 2"/>
           <p:cNvSpPr txBox="1"/>
           <p:nvPr>
             <p:ph type="title"/>
@@ -6352,7 +7740,7 @@
       </p:sp>
       <p:sp>
         <p:nvSpPr>
-          <p:cNvPr id="172" name="Better but still cannot see the actual distribution…"/>
+          <p:cNvPr id="190" name="Better but still cannot see the actual distribution…"/>
           <p:cNvSpPr txBox="1"/>
           <p:nvPr>
             <p:ph type="body" idx="1"/>
@@ -6382,14 +7770,14 @@
       </p:sp>
       <p:sp>
         <p:nvSpPr>
-          <p:cNvPr id="173" name="# #Removing the outliers in the dataset…"/>
+          <p:cNvPr id="191" name="# #Removing the outliers in the dataset…"/>
           <p:cNvSpPr txBox="1"/>
           <p:nvPr/>
         </p:nvSpPr>
         <p:spPr>
           <a:xfrm>
             <a:off x="1999749" y="4323079"/>
-            <a:ext cx="4912777" cy="650241"/>
+            <a:ext cx="5108337" cy="617363"/>
           </a:xfrm>
           <a:prstGeom prst="rect">
             <a:avLst/>
@@ -6450,7 +7838,7 @@
       </p:grpSpPr>
       <p:sp>
         <p:nvSpPr>
-          <p:cNvPr id="175" name="Distribution of the trip_duration"/>
+          <p:cNvPr id="195" name="Distribution of the trip_duration"/>
           <p:cNvSpPr txBox="1"/>
           <p:nvPr>
             <p:ph type="title"/>
@@ -6474,14 +7862,14 @@
       </p:sp>
       <p:sp>
         <p:nvSpPr>
-          <p:cNvPr id="176" name="plt.figure(figsize=(10,10))…"/>
+          <p:cNvPr id="196" name="plt.figure(figsize=(10,10))…"/>
           <p:cNvSpPr txBox="1"/>
           <p:nvPr/>
         </p:nvSpPr>
         <p:spPr>
           <a:xfrm>
             <a:off x="659737" y="1351280"/>
-            <a:ext cx="7824526" cy="1488441"/>
+            <a:ext cx="8128470" cy="1417462"/>
           </a:xfrm>
           <a:prstGeom prst="rect">
             <a:avLst/>
@@ -6534,14 +7922,14 @@
       </p:sp>
       <p:pic>
         <p:nvPicPr>
-          <p:cNvPr id="177" name="Image" descr="Image"/>
+          <p:cNvPr id="197" name="Image" descr="Image"/>
           <p:cNvPicPr>
             <a:picLocks noChangeAspect="1"/>
           </p:cNvPicPr>
           <p:nvPr/>
         </p:nvPicPr>
         <p:blipFill>
-          <a:blip r:embed="rId2">
+          <a:blip r:embed="rId3">
             <a:extLst/>
           </a:blip>
           <a:stretch>
@@ -6589,7 +7977,7 @@
       </p:grpSpPr>
       <p:sp>
         <p:nvSpPr>
-          <p:cNvPr id="179" name="Exploring the distances between the pickup and dropoff lat/log coordinates"/>
+          <p:cNvPr id="201" name="Exploring the distances between the pickup and dropoff lat/log coordinates"/>
           <p:cNvSpPr txBox="1"/>
           <p:nvPr>
             <p:ph type="title"/>
@@ -6603,8 +7991,8 @@
         <p:txBody>
           <a:bodyPr/>
           <a:lstStyle>
-            <a:lvl1pPr defTabSz="704087">
-              <a:defRPr sz="3387"/>
+            <a:lvl1pPr defTabSz="768095">
+              <a:defRPr sz="3696"/>
             </a:lvl1pPr>
           </a:lstStyle>
           <a:p>
@@ -6617,7 +8005,7 @@
       </p:sp>
       <p:sp>
         <p:nvSpPr>
-          <p:cNvPr id="180" name="We use the “haversine” library for geospatial distance calculation"/>
+          <p:cNvPr id="202" name="We use the “haversine” library for geospatial distance calculation"/>
           <p:cNvSpPr txBox="1"/>
           <p:nvPr>
             <p:ph type="body" idx="1"/>
@@ -6641,14 +8029,14 @@
       </p:sp>
       <p:sp>
         <p:nvSpPr>
-          <p:cNvPr id="181" name="from haversine import haversine…"/>
+          <p:cNvPr id="203" name="from haversine import haversine…"/>
           <p:cNvSpPr txBox="1"/>
           <p:nvPr/>
         </p:nvSpPr>
         <p:spPr>
           <a:xfrm>
             <a:off x="253964" y="2811779"/>
-            <a:ext cx="9069882" cy="3164841"/>
+            <a:ext cx="8973553" cy="3284363"/>
           </a:xfrm>
           <a:prstGeom prst="rect">
             <a:avLst/>
@@ -6751,7 +8139,7 @@
       </p:grpSpPr>
       <p:sp>
         <p:nvSpPr>
-          <p:cNvPr id="183" name="The distance distribution"/>
+          <p:cNvPr id="207" name="The distance distribution"/>
           <p:cNvSpPr txBox="1"/>
           <p:nvPr>
             <p:ph type="title"/>
@@ -6775,7 +8163,7 @@
       </p:sp>
       <p:sp>
         <p:nvSpPr>
-          <p:cNvPr id="184" name="We have added a new column to the frame"/>
+          <p:cNvPr id="208" name="We have added a new column to the frame"/>
           <p:cNvSpPr txBox="1"/>
           <p:nvPr>
             <p:ph type="body" idx="1"/>
@@ -6799,14 +8187,14 @@
       </p:sp>
       <p:sp>
         <p:nvSpPr>
-          <p:cNvPr id="185" name="df_train[&quot;haversine_distance&quot;].describe()"/>
+          <p:cNvPr id="209" name="df_train[&quot;haversine_distance&quot;].describe()"/>
           <p:cNvSpPr txBox="1"/>
           <p:nvPr/>
         </p:nvSpPr>
         <p:spPr>
           <a:xfrm>
             <a:off x="2431009" y="2418079"/>
-            <a:ext cx="3926382" cy="370841"/>
+            <a:ext cx="4205546" cy="350663"/>
           </a:xfrm>
           <a:prstGeom prst="rect">
             <a:avLst/>
@@ -6835,7 +8223,7 @@
       </p:sp>
       <p:graphicFrame>
         <p:nvGraphicFramePr>
-          <p:cNvPr id="186" name="Table 1"/>
+          <p:cNvPr id="210" name="Table 1"/>
           <p:cNvGraphicFramePr/>
           <p:nvPr/>
         </p:nvGraphicFramePr>
@@ -6853,7 +8241,7 @@
                 <a:gridCol w="2565400"/>
                 <a:gridCol w="1371600"/>
               </a:tblGrid>
-              <a:tr h="279400">
+              <a:tr h="259221">
                 <a:tc gridSpan="2">
                   <a:txBody>
                     <a:bodyPr/>
@@ -7340,7 +8728,7 @@
       </p:grpSpPr>
       <p:sp>
         <p:nvSpPr>
-          <p:cNvPr id="188" name="Plot of the haversine distance vs the trip duration"/>
+          <p:cNvPr id="214" name="Plot of the haversine distance vs the trip duration"/>
           <p:cNvSpPr txBox="1"/>
           <p:nvPr>
             <p:ph type="title"/>
@@ -7355,8 +8743,8 @@
           <a:bodyPr/>
           <a:lstStyle/>
           <a:p>
-            <a:pPr defTabSz="704087">
-              <a:defRPr sz="3387"/>
+            <a:pPr defTabSz="768095">
+              <a:defRPr sz="3696"/>
             </a:pPr>
             <a:r>
               <a:t>Plot of the </a:t>
@@ -7373,14 +8761,14 @@
       </p:sp>
       <p:sp>
         <p:nvSpPr>
-          <p:cNvPr id="189" name="plt.figure(figsize=(10,10))…"/>
+          <p:cNvPr id="215" name="plt.figure(figsize=(10,10))…"/>
           <p:cNvSpPr txBox="1"/>
           <p:nvPr/>
         </p:nvSpPr>
         <p:spPr>
           <a:xfrm>
             <a:off x="1293299" y="1694179"/>
-            <a:ext cx="6557402" cy="650241"/>
+            <a:ext cx="7030341" cy="617363"/>
           </a:xfrm>
           <a:prstGeom prst="rect">
             <a:avLst/>
@@ -7415,7 +8803,7 @@
       </p:sp>
       <p:pic>
         <p:nvPicPr>
-          <p:cNvPr id="190" name="Image" descr="Image"/>
+          <p:cNvPr id="216" name="Image" descr="Image"/>
           <p:cNvPicPr>
             <a:picLocks noChangeAspect="1"/>
           </p:cNvPicPr>
@@ -7500,12 +8888,7 @@
           <a:bodyPr/>
           <a:lstStyle>
             <a:lvl1pPr>
-              <a:defRPr sz="6000">
-                <a:latin typeface="BankGothic Lt BT"/>
-                <a:ea typeface="BankGothic Lt BT"/>
-                <a:cs typeface="BankGothic Lt BT"/>
-                <a:sym typeface="BankGothic Lt BT"/>
-              </a:defRPr>
+              <a:defRPr sz="6000"/>
             </a:lvl1pPr>
           </a:lstStyle>
           <a:p>
@@ -7544,7 +8927,7 @@
       </p:grpSpPr>
       <p:sp>
         <p:nvSpPr>
-          <p:cNvPr id="192" name="Cleaning up the data"/>
+          <p:cNvPr id="218" name="Cleaning up the data"/>
           <p:cNvSpPr txBox="1"/>
           <p:nvPr>
             <p:ph type="title"/>
@@ -7568,7 +8951,7 @@
       </p:sp>
       <p:sp>
         <p:nvSpPr>
-          <p:cNvPr id="193" name="We look at the outliers in the distances:…"/>
+          <p:cNvPr id="219" name="We look at the outliers in the distances:…"/>
           <p:cNvSpPr txBox="1"/>
           <p:nvPr>
             <p:ph type="body" idx="1"/>
@@ -7604,14 +8987,14 @@
       </p:sp>
       <p:sp>
         <p:nvSpPr>
-          <p:cNvPr id="194" name="df_train[df_train[&quot;haversine_distance&quot;] &gt; 100]"/>
+          <p:cNvPr id="220" name="df_train[df_train[&quot;haversine_distance&quot;] &gt; 100]"/>
           <p:cNvSpPr txBox="1"/>
           <p:nvPr/>
         </p:nvSpPr>
         <p:spPr>
           <a:xfrm>
             <a:off x="2150158" y="2506979"/>
-            <a:ext cx="4386484" cy="370841"/>
+            <a:ext cx="4657165" cy="350663"/>
           </a:xfrm>
           <a:prstGeom prst="rect">
             <a:avLst/>
@@ -7640,7 +9023,7 @@
       </p:sp>
       <p:graphicFrame>
         <p:nvGraphicFramePr>
-          <p:cNvPr id="195" name="Table 1"/>
+          <p:cNvPr id="221" name="Table 1"/>
           <p:cNvGraphicFramePr/>
           <p:nvPr/>
         </p:nvGraphicFramePr>
@@ -7669,7 +9052,7 @@
                 <a:gridCol w="1333500"/>
                 <a:gridCol w="1892300"/>
               </a:tblGrid>
-              <a:tr h="279400">
+              <a:tr h="259221">
                 <a:tc gridSpan="13">
                   <a:txBody>
                     <a:bodyPr/>
@@ -9033,7 +10416,7 @@
       </p:grpSpPr>
       <p:sp>
         <p:nvSpPr>
-          <p:cNvPr id="197" name="Plot of the haversine distance vs the trip duration"/>
+          <p:cNvPr id="225" name="Plot of the haversine distance vs the trip duration"/>
           <p:cNvSpPr txBox="1"/>
           <p:nvPr>
             <p:ph type="title"/>
@@ -9048,8 +10431,8 @@
           <a:bodyPr/>
           <a:lstStyle/>
           <a:p>
-            <a:pPr defTabSz="704087">
-              <a:defRPr sz="3387"/>
+            <a:pPr defTabSz="768095">
+              <a:defRPr sz="3696"/>
             </a:pPr>
             <a:r>
               <a:t>Plot of the </a:t>
@@ -9066,14 +10449,14 @@
       </p:sp>
       <p:sp>
         <p:nvSpPr>
-          <p:cNvPr id="198" name="plt.figure(figsize=(10,10))…"/>
+          <p:cNvPr id="226" name="plt.figure(figsize=(10,10))…"/>
           <p:cNvSpPr txBox="1"/>
           <p:nvPr/>
         </p:nvSpPr>
         <p:spPr>
           <a:xfrm>
             <a:off x="342026" y="1694179"/>
-            <a:ext cx="8459948" cy="929641"/>
+            <a:ext cx="8459948" cy="884063"/>
           </a:xfrm>
           <a:prstGeom prst="rect">
             <a:avLst/>
@@ -9108,14 +10491,14 @@
       </p:sp>
       <p:pic>
         <p:nvPicPr>
-          <p:cNvPr id="199" name="Image" descr="Image"/>
+          <p:cNvPr id="227" name="Image" descr="Image"/>
           <p:cNvPicPr>
             <a:picLocks noChangeAspect="1"/>
           </p:cNvPicPr>
           <p:nvPr/>
         </p:nvPicPr>
         <p:blipFill>
-          <a:blip r:embed="rId2">
+          <a:blip r:embed="rId3">
             <a:extLst/>
           </a:blip>
           <a:stretch>
@@ -9163,7 +10546,7 @@
       </p:grpSpPr>
       <p:sp>
         <p:nvSpPr>
-          <p:cNvPr id="201" name="Distance vs trip time?"/>
+          <p:cNvPr id="231" name="Distance vs trip time?"/>
           <p:cNvSpPr txBox="1"/>
           <p:nvPr>
             <p:ph type="title"/>
@@ -9187,7 +10570,7 @@
       </p:sp>
       <p:sp>
         <p:nvSpPr>
-          <p:cNvPr id="202" name="There does not seem to be any clear correlation…"/>
+          <p:cNvPr id="232" name="There does not seem to be any clear correlation…"/>
           <p:cNvSpPr txBox="1"/>
           <p:nvPr>
             <p:ph type="body" idx="1"/>
@@ -9255,7 +10638,7 @@
       </p:grpSpPr>
       <p:sp>
         <p:nvSpPr>
-          <p:cNvPr id="204" name="Attempt at Keras prediction"/>
+          <p:cNvPr id="234" name="Attempt at Keras prediction"/>
           <p:cNvSpPr txBox="1"/>
           <p:nvPr>
             <p:ph type="title"/>
@@ -9279,14 +10662,14 @@
       </p:sp>
       <p:sp>
         <p:nvSpPr>
-          <p:cNvPr id="205" name="from keras.models import Sequential…"/>
+          <p:cNvPr id="235" name="from keras.models import Sequential…"/>
           <p:cNvSpPr txBox="1"/>
           <p:nvPr/>
         </p:nvSpPr>
         <p:spPr>
           <a:xfrm>
             <a:off x="1350058" y="1656079"/>
-            <a:ext cx="7208265" cy="4003041"/>
+            <a:ext cx="7832004" cy="3817763"/>
           </a:xfrm>
           <a:prstGeom prst="rect">
             <a:avLst/>
@@ -9407,7 +10790,7 @@
       </p:grpSpPr>
       <p:sp>
         <p:nvSpPr>
-          <p:cNvPr id="207" name="Attempt at Keras prediction"/>
+          <p:cNvPr id="239" name="Attempt at Keras prediction"/>
           <p:cNvSpPr txBox="1"/>
           <p:nvPr>
             <p:ph type="title"/>
@@ -9431,14 +10814,14 @@
       </p:sp>
       <p:sp>
         <p:nvSpPr>
-          <p:cNvPr id="208" name="# define base model…"/>
+          <p:cNvPr id="240" name="# define base model…"/>
           <p:cNvSpPr txBox="1"/>
           <p:nvPr/>
         </p:nvSpPr>
         <p:spPr>
           <a:xfrm>
             <a:off x="435658" y="1617979"/>
-            <a:ext cx="8743613" cy="4282441"/>
+            <a:ext cx="8554751" cy="4351163"/>
           </a:xfrm>
           <a:prstGeom prst="rect">
             <a:avLst/>
@@ -9574,7 +10957,7 @@
       </p:grpSpPr>
       <p:sp>
         <p:nvSpPr>
-          <p:cNvPr id="210" name="Attempt at Keras prediction"/>
+          <p:cNvPr id="244" name="Attempt at Keras prediction"/>
           <p:cNvSpPr txBox="1"/>
           <p:nvPr>
             <p:ph type="title"/>
@@ -9598,14 +10981,14 @@
       </p:sp>
       <p:sp>
         <p:nvSpPr>
-          <p:cNvPr id="211" name="kfold = KFold(n_splits=10, random_state=seed)…"/>
+          <p:cNvPr id="245" name="kfold = KFold(n_splits=10, random_state=seed)…"/>
           <p:cNvSpPr txBox="1"/>
           <p:nvPr/>
         </p:nvSpPr>
         <p:spPr>
           <a:xfrm>
             <a:off x="1362758" y="1656079"/>
-            <a:ext cx="6120629" cy="2885441"/>
+            <a:ext cx="6770153" cy="2750963"/>
           </a:xfrm>
           <a:prstGeom prst="rect">
             <a:avLst/>
@@ -9705,7 +11088,7 @@
       </p:grpSpPr>
       <p:sp>
         <p:nvSpPr>
-          <p:cNvPr id="213" name="Attempt at Keras prediction"/>
+          <p:cNvPr id="249" name="Attempt at Keras prediction"/>
           <p:cNvSpPr txBox="1"/>
           <p:nvPr>
             <p:ph type="title"/>
@@ -9729,14 +11112,14 @@
       </p:sp>
       <p:sp>
         <p:nvSpPr>
-          <p:cNvPr id="214" name="plt.xlim(0,3000)…"/>
+          <p:cNvPr id="250" name="plt.xlim(0,3000)…"/>
           <p:cNvSpPr txBox="1"/>
           <p:nvPr/>
         </p:nvSpPr>
         <p:spPr>
           <a:xfrm>
             <a:off x="1362758" y="1656079"/>
-            <a:ext cx="1660027" cy="650241"/>
+            <a:ext cx="1784038" cy="617363"/>
           </a:xfrm>
           <a:prstGeom prst="rect">
             <a:avLst/>
@@ -9771,14 +11154,14 @@
       </p:sp>
       <p:pic>
         <p:nvPicPr>
-          <p:cNvPr id="215" name="Image" descr="Image"/>
+          <p:cNvPr id="251" name="Image" descr="Image"/>
           <p:cNvPicPr>
             <a:picLocks noChangeAspect="1"/>
           </p:cNvPicPr>
           <p:nvPr/>
         </p:nvPicPr>
         <p:blipFill>
-          <a:blip r:embed="rId2">
+          <a:blip r:embed="rId3">
             <a:extLst/>
           </a:blip>
           <a:stretch>
@@ -9826,7 +11209,7 @@
       </p:grpSpPr>
       <p:sp>
         <p:nvSpPr>
-          <p:cNvPr id="217" name="Discussion"/>
+          <p:cNvPr id="255" name="Discussion"/>
           <p:cNvSpPr txBox="1"/>
           <p:nvPr>
             <p:ph type="title"/>
@@ -9850,7 +11233,7 @@
       </p:sp>
       <p:sp>
         <p:nvSpPr>
-          <p:cNvPr id="218" name="Our simple-minded prediction, while better than just using the distance, is obviously poor…"/>
+          <p:cNvPr id="256" name="Our simple-minded prediction, while better than just using the distance, is obviously poor…"/>
           <p:cNvSpPr txBox="1"/>
           <p:nvPr>
             <p:ph type="body" idx="1"/>
@@ -9865,31 +11248,41 @@
           <a:bodyPr/>
           <a:lstStyle/>
           <a:p>
-            <a:pPr/>
+            <a:pPr marL="325754" indent="-325754" defTabSz="868680">
+              <a:defRPr sz="3040"/>
+            </a:pPr>
             <a:r>
               <a:t>Our simple-minded prediction, while better than just using the distance, is obviously poor</a:t>
             </a:r>
           </a:p>
           <a:p>
-            <a:pPr/>
+            <a:pPr marL="325754" indent="-325754" defTabSz="868680">
+              <a:defRPr sz="3040"/>
+            </a:pPr>
             <a:r>
               <a:t>Let us explore what others have done so far:</a:t>
             </a:r>
           </a:p>
           <a:p>
-            <a:pPr lvl="2" marL="1257300" indent="-342900"/>
+            <a:pPr lvl="2" marL="1194434" indent="-325754" defTabSz="868680">
+              <a:defRPr sz="3040"/>
+            </a:pPr>
             <a:r>
               <a:t>Exploratory Data Analysis</a:t>
             </a:r>
           </a:p>
           <a:p>
-            <a:pPr lvl="2" marL="1257300" indent="-342900"/>
+            <a:pPr lvl="2" marL="1194434" indent="-325754" defTabSz="868680">
+              <a:defRPr sz="3040"/>
+            </a:pPr>
             <a:r>
               <a:t>Prediction</a:t>
             </a:r>
           </a:p>
           <a:p>
-            <a:pPr/>
+            <a:pPr marL="325754" indent="-325754" defTabSz="868680">
+              <a:defRPr sz="3040"/>
+            </a:pPr>
             <a:r>
               <a:t>Assignment: choose one kernel, clone it, re-create the analysis, then try to go to the next step</a:t>
             </a:r>
@@ -9924,7 +11317,7 @@
       </p:grpSpPr>
       <p:sp>
         <p:nvSpPr>
-          <p:cNvPr id="220" name="References"/>
+          <p:cNvPr id="258" name="References"/>
           <p:cNvSpPr txBox="1"/>
           <p:nvPr>
             <p:ph type="title"/>
@@ -9948,7 +11341,7 @@
       </p:sp>
       <p:sp>
         <p:nvSpPr>
-          <p:cNvPr id="221" name="Kaggle NYC Taxicab https://www.kaggle.com/kartikkannapur/nyc-taxi-trips-exploratory-data-analysis…"/>
+          <p:cNvPr id="259" name="Kaggle NYC Taxicab https://www.kaggle.com/kartikkannapur/nyc-taxi-trips-exploratory-data-analysis…"/>
           <p:cNvSpPr txBox="1"/>
           <p:nvPr>
             <p:ph type="body" idx="1"/>
@@ -10034,7 +11427,7 @@
       </p:grpSpPr>
       <p:sp>
         <p:nvSpPr>
-          <p:cNvPr id="223" name="Summary of the lecture"/>
+          <p:cNvPr id="261" name="Summary of the lecture"/>
           <p:cNvSpPr txBox="1"/>
           <p:nvPr>
             <p:ph type="title"/>
@@ -10058,7 +11451,7 @@
       </p:sp>
       <p:sp>
         <p:nvSpPr>
-          <p:cNvPr id="224" name="We have started exploring a dataset with temporal and spatial information, resulting from complex processes (city travels).…"/>
+          <p:cNvPr id="262" name="We have started exploring a dataset with temporal and spatial information, resulting from complex processes (city travels).…"/>
           <p:cNvSpPr txBox="1"/>
           <p:nvPr>
             <p:ph type="body" idx="1"/>
@@ -10282,44 +11675,56 @@
           <a:bodyPr/>
           <a:lstStyle/>
           <a:p>
-            <a:pPr/>
+            <a:pPr marL="332613" indent="-332613" defTabSz="886968">
+              <a:defRPr sz="3104"/>
+            </a:pPr>
             <a:r>
               <a:t>Introduction: Background of IoT, Big Data, AI</a:t>
             </a:r>
           </a:p>
           <a:p>
-            <a:pPr/>
+            <a:pPr marL="332613" indent="-332613" defTabSz="886968">
+              <a:defRPr sz="3104"/>
+            </a:pPr>
             <a:r>
               <a:t>Collect, analyze data from IoT on a large scale</a:t>
             </a:r>
           </a:p>
           <a:p>
-            <a:pPr/>
+            <a:pPr marL="332613" indent="-332613" defTabSz="886968">
+              <a:defRPr sz="3104"/>
+            </a:pPr>
             <a:r>
               <a:t>Elements and practice of statistics</a:t>
             </a:r>
           </a:p>
           <a:p>
-            <a:pPr/>
+            <a:pPr marL="332613" indent="-332613" defTabSz="886968">
+              <a:defRPr sz="3104"/>
+            </a:pPr>
             <a:r>
               <a:t>AI methods for data science</a:t>
             </a:r>
           </a:p>
           <a:p>
-            <a:pPr/>
+            <a:pPr marL="332613" indent="-332613" defTabSz="886968">
+              <a:defRPr sz="3104"/>
+            </a:pPr>
+            <a:r>
+              <a:t>Getting further with AI: internal workings</a:t>
+            </a:r>
+          </a:p>
+          <a:p>
+            <a:pPr marL="332613" indent="-332613" defTabSz="886968">
+              <a:defRPr sz="3104"/>
+            </a:pPr>
             <a:r>
               <a:t>Practical usage of AI for Big Data from IoT</a:t>
             </a:r>
           </a:p>
           <a:p>
-            <a:pPr/>
-            <a:r>
-              <a:t>Getting further with AI: internal workings</a:t>
-            </a:r>
-          </a:p>
-          <a:p>
-            <a:pPr>
-              <a:defRPr b="1"/>
+            <a:pPr marL="332613" indent="-332613" defTabSz="886968">
+              <a:defRPr b="1" sz="3104"/>
             </a:pPr>
             <a:r>
               <a:t>Moving into the real world</a:t>
@@ -10472,7 +11877,11 @@
         </p:spPr>
         <p:txBody>
           <a:bodyPr/>
-          <a:lstStyle/>
+          <a:lstStyle>
+            <a:lvl1pPr defTabSz="832104">
+              <a:defRPr sz="4004"/>
+            </a:lvl1pPr>
+          </a:lstStyle>
           <a:p>
             <a:pPr/>
             <a:r>
@@ -10498,19 +11907,25 @@
           <a:bodyPr/>
           <a:lstStyle/>
           <a:p>
-            <a:pPr/>
+            <a:pPr marL="322325" indent="-322325" defTabSz="859536">
+              <a:defRPr sz="3008"/>
+            </a:pPr>
             <a:r>
               <a:t>In “Advanced Analytics with Spark”, Chapter 8 deals with analyzing the “NYC taxicab”  data.</a:t>
             </a:r>
           </a:p>
           <a:p>
-            <a:pPr/>
+            <a:pPr marL="322325" indent="-322325" defTabSz="859536">
+              <a:defRPr sz="3008"/>
+            </a:pPr>
             <a:r>
               <a:t>By using the powerful GeoJSON Java library in Scala, it is possible to analyze the dataset using domain knowledge about the various boroughs of New York City. </a:t>
             </a:r>
           </a:p>
           <a:p>
-            <a:pPr/>
+            <a:pPr marL="322325" indent="-322325" defTabSz="859536">
+              <a:defRPr sz="3008"/>
+            </a:pPr>
             <a:r>
               <a:t>In this lecture we start from the Kaggle dataset for the taxicab data, with Kaggle kernels.</a:t>
             </a:r>
@@ -10545,7 +11960,7 @@
       </p:grpSpPr>
       <p:sp>
         <p:nvSpPr>
-          <p:cNvPr id="141" name="The second source: competition on Kaggle"/>
+          <p:cNvPr id="143" name="The second source: competition on Kaggle"/>
           <p:cNvSpPr txBox="1"/>
           <p:nvPr>
             <p:ph type="title"/>
@@ -10569,7 +11984,7 @@
       </p:sp>
       <p:pic>
         <p:nvPicPr>
-          <p:cNvPr id="142" name="Picture Placeholder 2" descr="Picture Placeholder 2"/>
+          <p:cNvPr id="144" name="Picture Placeholder 2" descr="Picture Placeholder 2"/>
           <p:cNvPicPr>
             <a:picLocks noChangeAspect="1"/>
           </p:cNvPicPr>
@@ -10578,7 +11993,7 @@
           </p:nvPr>
         </p:nvPicPr>
         <p:blipFill>
-          <a:blip r:embed="rId2">
+          <a:blip r:embed="rId3">
             <a:extLst/>
           </a:blip>
           <a:srcRect l="0" t="0" r="0" b="0"/>
@@ -10598,7 +12013,7 @@
       </p:pic>
       <p:sp>
         <p:nvSpPr>
-          <p:cNvPr id="143" name="Body"/>
+          <p:cNvPr id="145" name="Body"/>
           <p:cNvSpPr txBox="1"/>
           <p:nvPr>
             <p:ph type="body" sz="quarter" idx="1"/>
@@ -10645,7 +12060,7 @@
       </p:grpSpPr>
       <p:sp>
         <p:nvSpPr>
-          <p:cNvPr id="145" name="Kaggle Taxicab competition"/>
+          <p:cNvPr id="149" name="Kaggle Taxicab competition"/>
           <p:cNvSpPr txBox="1"/>
           <p:nvPr>
             <p:ph type="title"/>
@@ -10669,7 +12084,7 @@
       </p:sp>
       <p:sp>
         <p:nvSpPr>
-          <p:cNvPr id="146" name="We get two datasets: train     has temporal and spatial info + trip duration test    missing trip duration - we have to predict it…"/>
+          <p:cNvPr id="150" name="We get two datasets: train     has temporal and spatial info + trip duration test    missing trip duration - we have to predict it…"/>
           <p:cNvSpPr txBox="1"/>
           <p:nvPr>
             <p:ph type="body" idx="1"/>
@@ -10684,7 +12099,9 @@
           <a:bodyPr/>
           <a:lstStyle/>
           <a:p>
-            <a:pPr/>
+            <a:pPr marL="336042" indent="-336042" defTabSz="896111">
+              <a:defRPr sz="3136"/>
+            </a:pPr>
             <a:r>
               <a:t>We get two datasets:</a:t>
             </a:r>
@@ -10711,7 +12128,9 @@
             </a:r>
           </a:p>
           <a:p>
-            <a:pPr/>
+            <a:pPr marL="336042" indent="-336042" defTabSz="896111">
+              <a:defRPr sz="3136"/>
+            </a:pPr>
             <a:r>
               <a:t>The prediction is not trivial, traffic depends on location, date, time, other random factors</a:t>
             </a:r>
@@ -10747,7 +12166,7 @@
       </p:grpSpPr>
       <p:sp>
         <p:nvSpPr>
-          <p:cNvPr id="148" name="Dataset Overview"/>
+          <p:cNvPr id="154" name="Dataset Overview"/>
           <p:cNvSpPr txBox="1"/>
           <p:nvPr>
             <p:ph type="title"/>
@@ -10771,7 +12190,7 @@
       </p:sp>
       <p:sp>
         <p:nvSpPr>
-          <p:cNvPr id="149" name="id - a unique identifier for each trip…"/>
+          <p:cNvPr id="155" name="id - a unique identifier for each trip…"/>
           <p:cNvSpPr txBox="1"/>
           <p:nvPr>
             <p:ph type="body" idx="1"/>
@@ -10793,132 +12212,132 @@
           <a:bodyPr/>
           <a:lstStyle/>
           <a:p>
-            <a:pPr marL="178307" indent="-178307" defTabSz="713231">
+            <a:pPr marL="187452" indent="-187452" defTabSz="749808">
               <a:spcBef>
                 <a:spcPts val="0"/>
               </a:spcBef>
               <a:buFontTx/>
-              <a:defRPr sz="1403"/>
+              <a:defRPr sz="1476"/>
             </a:pPr>
             <a:r>
               <a:t>id - a unique identifier for each trip</a:t>
             </a:r>
           </a:p>
           <a:p>
-            <a:pPr marL="178307" indent="-178307" defTabSz="713231">
+            <a:pPr marL="187452" indent="-187452" defTabSz="749808">
               <a:spcBef>
                 <a:spcPts val="0"/>
               </a:spcBef>
               <a:buFontTx/>
-              <a:defRPr sz="1403"/>
+              <a:defRPr sz="1476"/>
             </a:pPr>
             <a:r>
               <a:t>vendor_id - a code indicating the provider associated with the trip record</a:t>
             </a:r>
           </a:p>
           <a:p>
-            <a:pPr marL="178307" indent="-178307" defTabSz="713231">
+            <a:pPr marL="187452" indent="-187452" defTabSz="749808">
               <a:spcBef>
                 <a:spcPts val="0"/>
               </a:spcBef>
               <a:buFontTx/>
-              <a:defRPr sz="1403"/>
+              <a:defRPr sz="1476"/>
             </a:pPr>
             <a:r>
               <a:t>pickup_datetime - date and time when the meter was engaged</a:t>
             </a:r>
           </a:p>
           <a:p>
-            <a:pPr marL="178307" indent="-178307" defTabSz="713231">
+            <a:pPr marL="187452" indent="-187452" defTabSz="749808">
               <a:spcBef>
                 <a:spcPts val="0"/>
               </a:spcBef>
               <a:buFontTx/>
-              <a:defRPr sz="1403"/>
+              <a:defRPr sz="1476"/>
             </a:pPr>
             <a:r>
               <a:t>dropoff_datetime - date and time when the meter was disengaged</a:t>
             </a:r>
           </a:p>
           <a:p>
-            <a:pPr marL="178307" indent="-178307" defTabSz="713231">
+            <a:pPr marL="187452" indent="-187452" defTabSz="749808">
               <a:spcBef>
                 <a:spcPts val="0"/>
               </a:spcBef>
               <a:buFontTx/>
-              <a:defRPr sz="1403"/>
+              <a:defRPr sz="1476"/>
             </a:pPr>
             <a:r>
               <a:t>passenger_count - the number of passengers in the vehicle (driver entered value)</a:t>
             </a:r>
           </a:p>
           <a:p>
-            <a:pPr marL="178307" indent="-178307" defTabSz="713231">
+            <a:pPr marL="187452" indent="-187452" defTabSz="749808">
               <a:spcBef>
                 <a:spcPts val="0"/>
               </a:spcBef>
               <a:buFontTx/>
-              <a:defRPr sz="1403"/>
+              <a:defRPr sz="1476"/>
             </a:pPr>
             <a:r>
               <a:t>pickup_longitude - the longitude where the meter was engaged</a:t>
             </a:r>
           </a:p>
           <a:p>
-            <a:pPr marL="178307" indent="-178307" defTabSz="713231">
+            <a:pPr marL="187452" indent="-187452" defTabSz="749808">
               <a:spcBef>
                 <a:spcPts val="0"/>
               </a:spcBef>
               <a:buFontTx/>
-              <a:defRPr sz="1403"/>
+              <a:defRPr sz="1476"/>
             </a:pPr>
             <a:r>
               <a:t>pickup_latitude - the latitude where the meter was engaged</a:t>
             </a:r>
           </a:p>
           <a:p>
-            <a:pPr marL="178307" indent="-178307" defTabSz="713231">
+            <a:pPr marL="187452" indent="-187452" defTabSz="749808">
               <a:spcBef>
                 <a:spcPts val="0"/>
               </a:spcBef>
               <a:buFontTx/>
-              <a:defRPr sz="1403"/>
+              <a:defRPr sz="1476"/>
             </a:pPr>
             <a:r>
               <a:t>dropoff_longitude - the longitude where the meter was disengaged</a:t>
             </a:r>
           </a:p>
           <a:p>
-            <a:pPr marL="178307" indent="-178307" defTabSz="713231">
+            <a:pPr marL="187452" indent="-187452" defTabSz="749808">
               <a:spcBef>
                 <a:spcPts val="0"/>
               </a:spcBef>
               <a:buFontTx/>
-              <a:defRPr sz="1403"/>
+              <a:defRPr sz="1476"/>
             </a:pPr>
             <a:r>
               <a:t>dropoff_latitude - the latitude where the meter was disengaged</a:t>
             </a:r>
           </a:p>
           <a:p>
-            <a:pPr marL="178307" indent="-178307" defTabSz="713231">
+            <a:pPr marL="187452" indent="-187452" defTabSz="749808">
               <a:spcBef>
                 <a:spcPts val="0"/>
               </a:spcBef>
               <a:buFontTx/>
-              <a:defRPr sz="1403"/>
+              <a:defRPr sz="1476"/>
             </a:pPr>
             <a:r>
               <a:t>store_and_fwd_flag - This flag indicates whether the trip record was held in vehicle memory before sending to the vendor because the vehicle did not have a connection to the server - Y=store and forward; N=not a store and forward trip</a:t>
             </a:r>
           </a:p>
           <a:p>
-            <a:pPr marL="178307" indent="-178307" defTabSz="713231">
+            <a:pPr marL="187452" indent="-187452" defTabSz="749808">
               <a:spcBef>
                 <a:spcPts val="0"/>
               </a:spcBef>
               <a:buFontTx/>
-              <a:defRPr sz="1403"/>
+              <a:defRPr sz="1476"/>
             </a:pPr>
             <a:r>
               <a:t>trip_duration - duration of the trip in seconds</a:t>
@@ -10926,14 +12345,14 @@
             <a:br/>
           </a:p>
           <a:p>
-            <a:pPr marL="0" indent="0" defTabSz="713231">
+            <a:pPr marL="0" indent="0" defTabSz="749808">
               <a:spcBef>
                 <a:spcPts val="0"/>
               </a:spcBef>
               <a:buSzTx/>
               <a:buFontTx/>
               <a:buNone/>
-              <a:defRPr sz="1871"/>
+              <a:defRPr sz="1968"/>
             </a:pPr>
             <a:r>
               <a:t>Two data items are present in the training set but missing from the test set:  </a:t>
@@ -10941,24 +12360,24 @@
             <a:br/>
           </a:p>
           <a:p>
-            <a:pPr marL="178307" indent="-178307" defTabSz="713231">
+            <a:pPr marL="187452" indent="-187452" defTabSz="749808">
               <a:spcBef>
                 <a:spcPts val="0"/>
               </a:spcBef>
               <a:buFontTx/>
-              <a:defRPr sz="1403"/>
+              <a:defRPr sz="1476"/>
             </a:pPr>
             <a:r>
               <a:t>dropoff_datetime - date and time when the meter was disengaged</a:t>
             </a:r>
           </a:p>
           <a:p>
-            <a:pPr marL="178307" indent="-178307" defTabSz="713231">
+            <a:pPr marL="187452" indent="-187452" defTabSz="749808">
               <a:spcBef>
                 <a:spcPts val="0"/>
               </a:spcBef>
               <a:buFontTx/>
-              <a:defRPr sz="1403"/>
+              <a:defRPr sz="1476"/>
             </a:pPr>
             <a:r>
               <a:t>trip_duration - duration of the trip in seconds</a:t>
@@ -11019,14 +12438,14 @@
     </a:clrScheme>
     <a:fontScheme name="Office Theme">
       <a:majorFont>
-        <a:latin typeface="Helvetica"/>
-        <a:ea typeface="Helvetica"/>
-        <a:cs typeface="Helvetica"/>
+        <a:latin typeface="Arial"/>
+        <a:ea typeface="Arial"/>
+        <a:cs typeface="Arial"/>
       </a:majorFont>
       <a:minorFont>
-        <a:latin typeface="Calibri"/>
-        <a:ea typeface="Calibri"/>
-        <a:cs typeface="Calibri"/>
+        <a:latin typeface="Arial"/>
+        <a:ea typeface="Arial"/>
+        <a:cs typeface="Arial"/>
       </a:minorFont>
     </a:fontScheme>
     <a:fmtScheme name="Office Theme">
@@ -11234,7 +12653,7 @@
             <a:latin typeface="+mn-lt"/>
             <a:ea typeface="+mn-ea"/>
             <a:cs typeface="+mn-cs"/>
-            <a:sym typeface="Calibri"/>
+            <a:sym typeface="Arial"/>
           </a:defRPr>
         </a:defPPr>
         <a:lvl1pPr marL="0" marR="0" indent="0" algn="l" defTabSz="914400" rtl="0" fontAlgn="auto" latinLnBrk="1" hangingPunct="0">
@@ -11811,7 +13230,7 @@
             <a:latin typeface="+mn-lt"/>
             <a:ea typeface="+mn-ea"/>
             <a:cs typeface="+mn-cs"/>
-            <a:sym typeface="Calibri"/>
+            <a:sym typeface="Arial"/>
           </a:defRPr>
         </a:defPPr>
         <a:lvl1pPr marL="0" marR="0" indent="0" algn="l" defTabSz="914400" rtl="0" fontAlgn="auto" latinLnBrk="1" hangingPunct="0">
@@ -12103,14 +13522,14 @@
     </a:clrScheme>
     <a:fontScheme name="Office Theme">
       <a:majorFont>
-        <a:latin typeface="Helvetica"/>
-        <a:ea typeface="Helvetica"/>
-        <a:cs typeface="Helvetica"/>
+        <a:latin typeface="Arial"/>
+        <a:ea typeface="Arial"/>
+        <a:cs typeface="Arial"/>
       </a:majorFont>
       <a:minorFont>
-        <a:latin typeface="Calibri"/>
-        <a:ea typeface="Calibri"/>
-        <a:cs typeface="Calibri"/>
+        <a:latin typeface="Arial"/>
+        <a:ea typeface="Arial"/>
+        <a:cs typeface="Arial"/>
       </a:minorFont>
     </a:fontScheme>
     <a:fmtScheme name="Office Theme">
@@ -12318,7 +13737,7 @@
             <a:latin typeface="+mn-lt"/>
             <a:ea typeface="+mn-ea"/>
             <a:cs typeface="+mn-cs"/>
-            <a:sym typeface="Calibri"/>
+            <a:sym typeface="Arial"/>
           </a:defRPr>
         </a:defPPr>
         <a:lvl1pPr marL="0" marR="0" indent="0" algn="l" defTabSz="914400" rtl="0" fontAlgn="auto" latinLnBrk="1" hangingPunct="0">
@@ -12895,7 +14314,7 @@
             <a:latin typeface="+mn-lt"/>
             <a:ea typeface="+mn-ea"/>
             <a:cs typeface="+mn-cs"/>
-            <a:sym typeface="Calibri"/>
+            <a:sym typeface="Arial"/>
           </a:defRPr>
         </a:defPPr>
         <a:lvl1pPr marL="0" marR="0" indent="0" algn="l" defTabSz="914400" rtl="0" fontAlgn="auto" latinLnBrk="1" hangingPunct="0">
